--- a/ppt_doc/pin_diagram.pptx
+++ b/ppt_doc/pin_diagram.pptx
@@ -8,6 +8,7 @@
     <p:sldId id="256" r:id="rId2"/>
     <p:sldId id="257" r:id="rId3"/>
     <p:sldId id="258" r:id="rId4"/>
+    <p:sldId id="259" r:id="rId5"/>
   </p:sldIdLst>
   <p:sldSz cx="12192000" cy="6858000"/>
   <p:notesSz cx="6858000" cy="9144000"/>
@@ -261,7 +262,7 @@
           <a:p>
             <a:fld id="{AB35F315-D6CE-4C8D-9232-B2305DBC9767}" type="datetimeFigureOut">
               <a:rPr lang="en-US" smtClean="0"/>
-              <a:t>7/12/2025</a:t>
+              <a:t>7/20/2025</a:t>
             </a:fld>
             <a:endParaRPr lang="en-US"/>
           </a:p>
@@ -459,7 +460,7 @@
           <a:p>
             <a:fld id="{AB35F315-D6CE-4C8D-9232-B2305DBC9767}" type="datetimeFigureOut">
               <a:rPr lang="en-US" smtClean="0"/>
-              <a:t>7/12/2025</a:t>
+              <a:t>7/20/2025</a:t>
             </a:fld>
             <a:endParaRPr lang="en-US"/>
           </a:p>
@@ -667,7 +668,7 @@
           <a:p>
             <a:fld id="{AB35F315-D6CE-4C8D-9232-B2305DBC9767}" type="datetimeFigureOut">
               <a:rPr lang="en-US" smtClean="0"/>
-              <a:t>7/12/2025</a:t>
+              <a:t>7/20/2025</a:t>
             </a:fld>
             <a:endParaRPr lang="en-US"/>
           </a:p>
@@ -865,7 +866,7 @@
           <a:p>
             <a:fld id="{AB35F315-D6CE-4C8D-9232-B2305DBC9767}" type="datetimeFigureOut">
               <a:rPr lang="en-US" smtClean="0"/>
-              <a:t>7/12/2025</a:t>
+              <a:t>7/20/2025</a:t>
             </a:fld>
             <a:endParaRPr lang="en-US"/>
           </a:p>
@@ -1140,7 +1141,7 @@
           <a:p>
             <a:fld id="{AB35F315-D6CE-4C8D-9232-B2305DBC9767}" type="datetimeFigureOut">
               <a:rPr lang="en-US" smtClean="0"/>
-              <a:t>7/12/2025</a:t>
+              <a:t>7/20/2025</a:t>
             </a:fld>
             <a:endParaRPr lang="en-US"/>
           </a:p>
@@ -1405,7 +1406,7 @@
           <a:p>
             <a:fld id="{AB35F315-D6CE-4C8D-9232-B2305DBC9767}" type="datetimeFigureOut">
               <a:rPr lang="en-US" smtClean="0"/>
-              <a:t>7/12/2025</a:t>
+              <a:t>7/20/2025</a:t>
             </a:fld>
             <a:endParaRPr lang="en-US"/>
           </a:p>
@@ -1817,7 +1818,7 @@
           <a:p>
             <a:fld id="{AB35F315-D6CE-4C8D-9232-B2305DBC9767}" type="datetimeFigureOut">
               <a:rPr lang="en-US" smtClean="0"/>
-              <a:t>7/12/2025</a:t>
+              <a:t>7/20/2025</a:t>
             </a:fld>
             <a:endParaRPr lang="en-US"/>
           </a:p>
@@ -1958,7 +1959,7 @@
           <a:p>
             <a:fld id="{AB35F315-D6CE-4C8D-9232-B2305DBC9767}" type="datetimeFigureOut">
               <a:rPr lang="en-US" smtClean="0"/>
-              <a:t>7/12/2025</a:t>
+              <a:t>7/20/2025</a:t>
             </a:fld>
             <a:endParaRPr lang="en-US"/>
           </a:p>
@@ -2071,7 +2072,7 @@
           <a:p>
             <a:fld id="{AB35F315-D6CE-4C8D-9232-B2305DBC9767}" type="datetimeFigureOut">
               <a:rPr lang="en-US" smtClean="0"/>
-              <a:t>7/12/2025</a:t>
+              <a:t>7/20/2025</a:t>
             </a:fld>
             <a:endParaRPr lang="en-US"/>
           </a:p>
@@ -2382,7 +2383,7 @@
           <a:p>
             <a:fld id="{AB35F315-D6CE-4C8D-9232-B2305DBC9767}" type="datetimeFigureOut">
               <a:rPr lang="en-US" smtClean="0"/>
-              <a:t>7/12/2025</a:t>
+              <a:t>7/20/2025</a:t>
             </a:fld>
             <a:endParaRPr lang="en-US"/>
           </a:p>
@@ -2670,7 +2671,7 @@
           <a:p>
             <a:fld id="{AB35F315-D6CE-4C8D-9232-B2305DBC9767}" type="datetimeFigureOut">
               <a:rPr lang="en-US" smtClean="0"/>
-              <a:t>7/12/2025</a:t>
+              <a:t>7/20/2025</a:t>
             </a:fld>
             <a:endParaRPr lang="en-US"/>
           </a:p>
@@ -2911,7 +2912,7 @@
           <a:p>
             <a:fld id="{AB35F315-D6CE-4C8D-9232-B2305DBC9767}" type="datetimeFigureOut">
               <a:rPr lang="en-US" smtClean="0"/>
-              <a:t>7/12/2025</a:t>
+              <a:t>7/20/2025</a:t>
             </a:fld>
             <a:endParaRPr lang="en-US"/>
           </a:p>
@@ -7180,6 +7181,146 @@
           </a:fontRef>
         </p:style>
       </p:cxnSp>
+      <p:sp>
+        <p:nvSpPr>
+          <p:cNvPr id="19" name="TextBox 18">
+            <a:extLst>
+              <a:ext uri="{FF2B5EF4-FFF2-40B4-BE49-F238E27FC236}">
+                <a16:creationId xmlns:a16="http://schemas.microsoft.com/office/drawing/2014/main" id="{65A5D7E5-6878-B3A2-04D7-60C6ADA3376C}"/>
+              </a:ext>
+            </a:extLst>
+          </p:cNvPr>
+          <p:cNvSpPr txBox="1"/>
+          <p:nvPr/>
+        </p:nvSpPr>
+        <p:spPr>
+          <a:xfrm>
+            <a:off x="276096" y="2748544"/>
+            <a:ext cx="1309364" cy="369332"/>
+          </a:xfrm>
+          <a:prstGeom prst="rect">
+            <a:avLst/>
+          </a:prstGeom>
+          <a:noFill/>
+        </p:spPr>
+        <p:txBody>
+          <a:bodyPr wrap="square">
+            <a:spAutoFit/>
+          </a:bodyPr>
+          <a:lstStyle/>
+          <a:p>
+            <a:r>
+              <a:rPr lang="en-US" dirty="0"/>
+              <a:t>18, 19, 3, 2</a:t>
+            </a:r>
+          </a:p>
+        </p:txBody>
+      </p:sp>
+      <p:sp>
+        <p:nvSpPr>
+          <p:cNvPr id="20" name="TextBox 19">
+            <a:extLst>
+              <a:ext uri="{FF2B5EF4-FFF2-40B4-BE49-F238E27FC236}">
+                <a16:creationId xmlns:a16="http://schemas.microsoft.com/office/drawing/2014/main" id="{A7BB66B1-A0A6-8500-1FAF-79C3FD95FEC3}"/>
+              </a:ext>
+            </a:extLst>
+          </p:cNvPr>
+          <p:cNvSpPr txBox="1"/>
+          <p:nvPr/>
+        </p:nvSpPr>
+        <p:spPr>
+          <a:xfrm>
+            <a:off x="215475" y="3086427"/>
+            <a:ext cx="1871037" cy="338554"/>
+          </a:xfrm>
+          <a:prstGeom prst="rect">
+            <a:avLst/>
+          </a:prstGeom>
+          <a:noFill/>
+        </p:spPr>
+        <p:txBody>
+          <a:bodyPr wrap="square">
+            <a:spAutoFit/>
+          </a:bodyPr>
+          <a:lstStyle/>
+          <a:p>
+            <a:r>
+              <a:rPr lang="en-US" sz="1600" dirty="0"/>
+              <a:t>PE9, PA1, PA6, PB6</a:t>
+            </a:r>
+          </a:p>
+        </p:txBody>
+      </p:sp>
+      <p:sp>
+        <p:nvSpPr>
+          <p:cNvPr id="24" name="TextBox 23">
+            <a:extLst>
+              <a:ext uri="{FF2B5EF4-FFF2-40B4-BE49-F238E27FC236}">
+                <a16:creationId xmlns:a16="http://schemas.microsoft.com/office/drawing/2014/main" id="{4EAE6826-FB69-67C2-44B8-DFC9E4DB6DDF}"/>
+              </a:ext>
+            </a:extLst>
+          </p:cNvPr>
+          <p:cNvSpPr txBox="1"/>
+          <p:nvPr/>
+        </p:nvSpPr>
+        <p:spPr>
+          <a:xfrm>
+            <a:off x="255731" y="3554086"/>
+            <a:ext cx="1309364" cy="369332"/>
+          </a:xfrm>
+          <a:prstGeom prst="rect">
+            <a:avLst/>
+          </a:prstGeom>
+          <a:noFill/>
+        </p:spPr>
+        <p:txBody>
+          <a:bodyPr wrap="square">
+            <a:spAutoFit/>
+          </a:bodyPr>
+          <a:lstStyle/>
+          <a:p>
+            <a:r>
+              <a:rPr lang="en-US" dirty="0"/>
+              <a:t>18, 19, 3, 2</a:t>
+            </a:r>
+          </a:p>
+        </p:txBody>
+      </p:sp>
+      <p:sp>
+        <p:nvSpPr>
+          <p:cNvPr id="26" name="TextBox 25">
+            <a:extLst>
+              <a:ext uri="{FF2B5EF4-FFF2-40B4-BE49-F238E27FC236}">
+                <a16:creationId xmlns:a16="http://schemas.microsoft.com/office/drawing/2014/main" id="{FD71398C-3E32-7C97-AFF7-E44A23783302}"/>
+              </a:ext>
+            </a:extLst>
+          </p:cNvPr>
+          <p:cNvSpPr txBox="1"/>
+          <p:nvPr/>
+        </p:nvSpPr>
+        <p:spPr>
+          <a:xfrm>
+            <a:off x="191647" y="3938901"/>
+            <a:ext cx="1871037" cy="338554"/>
+          </a:xfrm>
+          <a:prstGeom prst="rect">
+            <a:avLst/>
+          </a:prstGeom>
+          <a:noFill/>
+        </p:spPr>
+        <p:txBody>
+          <a:bodyPr wrap="square">
+            <a:spAutoFit/>
+          </a:bodyPr>
+          <a:lstStyle/>
+          <a:p>
+            <a:r>
+              <a:rPr lang="en-US" sz="1600" dirty="0"/>
+              <a:t>PE9, PB6, PA5, PA6</a:t>
+            </a:r>
+          </a:p>
+        </p:txBody>
+      </p:sp>
     </p:spTree>
     <p:extLst>
       <p:ext uri="{BB962C8B-B14F-4D97-AF65-F5344CB8AC3E}">
@@ -7404,90 +7545,6 @@
       </p:cxnSp>
       <p:cxnSp>
         <p:nvCxnSpPr>
-          <p:cNvPr id="2" name="Straight Connector 1">
-            <a:extLst>
-              <a:ext uri="{FF2B5EF4-FFF2-40B4-BE49-F238E27FC236}">
-                <a16:creationId xmlns:a16="http://schemas.microsoft.com/office/drawing/2014/main" id="{E27DD994-D446-ED5E-1E2B-21DEE6A14176}"/>
-              </a:ext>
-            </a:extLst>
-          </p:cNvPr>
-          <p:cNvCxnSpPr>
-            <a:cxnSpLocks/>
-          </p:cNvCxnSpPr>
-          <p:nvPr/>
-        </p:nvCxnSpPr>
-        <p:spPr>
-          <a:xfrm>
-            <a:off x="6962886" y="2340005"/>
-            <a:ext cx="382155" cy="137504"/>
-          </a:xfrm>
-          <a:prstGeom prst="line">
-            <a:avLst/>
-          </a:prstGeom>
-          <a:ln>
-            <a:headEnd type="none" w="med" len="med"/>
-            <a:tailEnd type="arrow" w="med" len="med"/>
-          </a:ln>
-        </p:spPr>
-        <p:style>
-          <a:lnRef idx="3">
-            <a:schemeClr val="accent4"/>
-          </a:lnRef>
-          <a:fillRef idx="0">
-            <a:schemeClr val="accent4"/>
-          </a:fillRef>
-          <a:effectRef idx="2">
-            <a:schemeClr val="accent4"/>
-          </a:effectRef>
-          <a:fontRef idx="minor">
-            <a:schemeClr val="tx1"/>
-          </a:fontRef>
-        </p:style>
-      </p:cxnSp>
-      <p:cxnSp>
-        <p:nvCxnSpPr>
-          <p:cNvPr id="16" name="Straight Connector 15">
-            <a:extLst>
-              <a:ext uri="{FF2B5EF4-FFF2-40B4-BE49-F238E27FC236}">
-                <a16:creationId xmlns:a16="http://schemas.microsoft.com/office/drawing/2014/main" id="{8F966AE2-7078-DC59-B951-7CC8C53724E7}"/>
-              </a:ext>
-            </a:extLst>
-          </p:cNvPr>
-          <p:cNvCxnSpPr>
-            <a:cxnSpLocks/>
-          </p:cNvCxnSpPr>
-          <p:nvPr/>
-        </p:nvCxnSpPr>
-        <p:spPr>
-          <a:xfrm>
-            <a:off x="6788330" y="2395875"/>
-            <a:ext cx="680122" cy="197473"/>
-          </a:xfrm>
-          <a:prstGeom prst="line">
-            <a:avLst/>
-          </a:prstGeom>
-          <a:ln>
-            <a:headEnd type="none" w="med" len="med"/>
-            <a:tailEnd type="arrow" w="med" len="med"/>
-          </a:ln>
-        </p:spPr>
-        <p:style>
-          <a:lnRef idx="3">
-            <a:schemeClr val="accent4"/>
-          </a:lnRef>
-          <a:fillRef idx="0">
-            <a:schemeClr val="accent4"/>
-          </a:fillRef>
-          <a:effectRef idx="2">
-            <a:schemeClr val="accent4"/>
-          </a:effectRef>
-          <a:fontRef idx="minor">
-            <a:schemeClr val="tx1"/>
-          </a:fontRef>
-        </p:style>
-      </p:cxnSp>
-      <p:cxnSp>
-        <p:nvCxnSpPr>
           <p:cNvPr id="38" name="Straight Connector 37">
             <a:extLst>
               <a:ext uri="{FF2B5EF4-FFF2-40B4-BE49-F238E27FC236}">
@@ -7545,7 +7602,7 @@
         <p:spPr>
           <a:xfrm flipH="1">
             <a:off x="4553177" y="2053303"/>
-            <a:ext cx="694523" cy="0"/>
+            <a:ext cx="908865" cy="0"/>
           </a:xfrm>
           <a:prstGeom prst="line">
             <a:avLst/>
@@ -7587,7 +7644,7 @@
         <p:spPr>
           <a:xfrm flipH="1">
             <a:off x="4581083" y="2316048"/>
-            <a:ext cx="880959" cy="0"/>
+            <a:ext cx="1051621" cy="0"/>
           </a:xfrm>
           <a:prstGeom prst="line">
             <a:avLst/>
@@ -7629,7 +7686,7 @@
         <p:spPr>
           <a:xfrm flipH="1">
             <a:off x="4587900" y="2994976"/>
-            <a:ext cx="2374986" cy="0"/>
+            <a:ext cx="1817031" cy="0"/>
           </a:xfrm>
           <a:prstGeom prst="line">
             <a:avLst/>
@@ -7670,8 +7727,8 @@
         </p:nvCxnSpPr>
         <p:spPr>
           <a:xfrm>
-            <a:off x="5745496" y="3766991"/>
-            <a:ext cx="14581" cy="980815"/>
+            <a:off x="5232801" y="3786625"/>
+            <a:ext cx="5334" cy="1382903"/>
           </a:xfrm>
           <a:prstGeom prst="line">
             <a:avLst/>
@@ -7712,8 +7769,8 @@
         </p:nvCxnSpPr>
         <p:spPr>
           <a:xfrm>
-            <a:off x="5760077" y="4747796"/>
-            <a:ext cx="2541648" cy="0"/>
+            <a:off x="5232801" y="5154095"/>
+            <a:ext cx="3054343" cy="0"/>
           </a:xfrm>
           <a:prstGeom prst="line">
             <a:avLst/>
@@ -7755,7 +7812,7 @@
         <p:spPr>
           <a:xfrm flipV="1">
             <a:off x="8302263" y="3169102"/>
-            <a:ext cx="0" cy="1586311"/>
+            <a:ext cx="0" cy="1997157"/>
           </a:xfrm>
           <a:prstGeom prst="line">
             <a:avLst/>
@@ -7824,23 +7881,22 @@
       </p:cxnSp>
       <p:cxnSp>
         <p:nvCxnSpPr>
-          <p:cNvPr id="145" name="Straight Connector 144">
-            <a:extLst>
-              <a:ext uri="{FF2B5EF4-FFF2-40B4-BE49-F238E27FC236}">
-                <a16:creationId xmlns:a16="http://schemas.microsoft.com/office/drawing/2014/main" id="{48EDF0A4-D392-CA41-DC28-6524B50AAF91}"/>
-              </a:ext>
-            </a:extLst>
-          </p:cNvPr>
-          <p:cNvCxnSpPr>
-            <a:cxnSpLocks/>
-            <a:endCxn id="10" idx="3"/>
-          </p:cNvCxnSpPr>
-          <p:nvPr/>
-        </p:nvCxnSpPr>
-        <p:spPr>
-          <a:xfrm flipV="1">
-            <a:off x="3761842" y="4616970"/>
-            <a:ext cx="0" cy="965582"/>
+          <p:cNvPr id="148" name="Straight Connector 147">
+            <a:extLst>
+              <a:ext uri="{FF2B5EF4-FFF2-40B4-BE49-F238E27FC236}">
+                <a16:creationId xmlns:a16="http://schemas.microsoft.com/office/drawing/2014/main" id="{D8CBA49F-BF23-A019-52C9-27D10196F8AB}"/>
+              </a:ext>
+            </a:extLst>
+          </p:cNvPr>
+          <p:cNvCxnSpPr>
+            <a:cxnSpLocks/>
+          </p:cNvCxnSpPr>
+          <p:nvPr/>
+        </p:nvCxnSpPr>
+        <p:spPr>
+          <a:xfrm>
+            <a:off x="3063240" y="5582552"/>
+            <a:ext cx="7736054" cy="0"/>
           </a:xfrm>
           <a:prstGeom prst="line">
             <a:avLst/>
@@ -7852,6 +7908,48 @@
         </p:spPr>
         <p:style>
           <a:lnRef idx="3">
+            <a:schemeClr val="accent2"/>
+          </a:lnRef>
+          <a:fillRef idx="0">
+            <a:schemeClr val="accent2"/>
+          </a:fillRef>
+          <a:effectRef idx="2">
+            <a:schemeClr val="accent2"/>
+          </a:effectRef>
+          <a:fontRef idx="minor">
+            <a:schemeClr val="tx1"/>
+          </a:fontRef>
+        </p:style>
+      </p:cxnSp>
+      <p:cxnSp>
+        <p:nvCxnSpPr>
+          <p:cNvPr id="174" name="Straight Connector 173">
+            <a:extLst>
+              <a:ext uri="{FF2B5EF4-FFF2-40B4-BE49-F238E27FC236}">
+                <a16:creationId xmlns:a16="http://schemas.microsoft.com/office/drawing/2014/main" id="{2D07AD9E-7B9E-D6A3-E00F-E8A7BFCFDE22}"/>
+              </a:ext>
+            </a:extLst>
+          </p:cNvPr>
+          <p:cNvCxnSpPr>
+            <a:cxnSpLocks/>
+          </p:cNvCxnSpPr>
+          <p:nvPr/>
+        </p:nvCxnSpPr>
+        <p:spPr>
+          <a:xfrm flipH="1" flipV="1">
+            <a:off x="6871352" y="3463720"/>
+            <a:ext cx="6542" cy="1161973"/>
+          </a:xfrm>
+          <a:prstGeom prst="line">
+            <a:avLst/>
+          </a:prstGeom>
+          <a:ln>
+            <a:headEnd type="none" w="med" len="med"/>
+            <a:tailEnd type="none" w="med" len="med"/>
+          </a:ln>
+        </p:spPr>
+        <p:style>
+          <a:lnRef idx="3">
             <a:schemeClr val="accent6"/>
           </a:lnRef>
           <a:fillRef idx="0">
@@ -7867,22 +7965,22 @@
       </p:cxnSp>
       <p:cxnSp>
         <p:nvCxnSpPr>
-          <p:cNvPr id="148" name="Straight Connector 147">
-            <a:extLst>
-              <a:ext uri="{FF2B5EF4-FFF2-40B4-BE49-F238E27FC236}">
-                <a16:creationId xmlns:a16="http://schemas.microsoft.com/office/drawing/2014/main" id="{D8CBA49F-BF23-A019-52C9-27D10196F8AB}"/>
-              </a:ext>
-            </a:extLst>
-          </p:cNvPr>
-          <p:cNvCxnSpPr>
-            <a:cxnSpLocks/>
-          </p:cNvCxnSpPr>
-          <p:nvPr/>
-        </p:nvCxnSpPr>
-        <p:spPr>
-          <a:xfrm>
-            <a:off x="3761842" y="5582552"/>
-            <a:ext cx="7037452" cy="0"/>
+          <p:cNvPr id="191" name="Straight Connector 190">
+            <a:extLst>
+              <a:ext uri="{FF2B5EF4-FFF2-40B4-BE49-F238E27FC236}">
+                <a16:creationId xmlns:a16="http://schemas.microsoft.com/office/drawing/2014/main" id="{73C01942-0257-39C4-89B0-B6B66AB381EB}"/>
+              </a:ext>
+            </a:extLst>
+          </p:cNvPr>
+          <p:cNvCxnSpPr>
+            <a:cxnSpLocks/>
+          </p:cNvCxnSpPr>
+          <p:nvPr/>
+        </p:nvCxnSpPr>
+        <p:spPr>
+          <a:xfrm>
+            <a:off x="6389654" y="1262200"/>
+            <a:ext cx="9849" cy="1558834"/>
           </a:xfrm>
           <a:prstGeom prst="line">
             <a:avLst/>
@@ -7894,48 +7992,6 @@
         </p:spPr>
         <p:style>
           <a:lnRef idx="3">
-            <a:schemeClr val="accent2"/>
-          </a:lnRef>
-          <a:fillRef idx="0">
-            <a:schemeClr val="accent2"/>
-          </a:fillRef>
-          <a:effectRef idx="2">
-            <a:schemeClr val="accent2"/>
-          </a:effectRef>
-          <a:fontRef idx="minor">
-            <a:schemeClr val="tx1"/>
-          </a:fontRef>
-        </p:style>
-      </p:cxnSp>
-      <p:cxnSp>
-        <p:nvCxnSpPr>
-          <p:cNvPr id="174" name="Straight Connector 173">
-            <a:extLst>
-              <a:ext uri="{FF2B5EF4-FFF2-40B4-BE49-F238E27FC236}">
-                <a16:creationId xmlns:a16="http://schemas.microsoft.com/office/drawing/2014/main" id="{2D07AD9E-7B9E-D6A3-E00F-E8A7BFCFDE22}"/>
-              </a:ext>
-            </a:extLst>
-          </p:cNvPr>
-          <p:cNvCxnSpPr>
-            <a:cxnSpLocks/>
-          </p:cNvCxnSpPr>
-          <p:nvPr/>
-        </p:nvCxnSpPr>
-        <p:spPr>
-          <a:xfrm flipH="1" flipV="1">
-            <a:off x="5933976" y="3462714"/>
-            <a:ext cx="6542" cy="1161973"/>
-          </a:xfrm>
-          <a:prstGeom prst="line">
-            <a:avLst/>
-          </a:prstGeom>
-          <a:ln>
-            <a:headEnd type="none" w="med" len="med"/>
-            <a:tailEnd type="none" w="med" len="med"/>
-          </a:ln>
-        </p:spPr>
-        <p:style>
-          <a:lnRef idx="3">
             <a:schemeClr val="accent6"/>
           </a:lnRef>
           <a:fillRef idx="0">
@@ -7951,48 +8007,6 @@
       </p:cxnSp>
       <p:cxnSp>
         <p:nvCxnSpPr>
-          <p:cNvPr id="191" name="Straight Connector 190">
-            <a:extLst>
-              <a:ext uri="{FF2B5EF4-FFF2-40B4-BE49-F238E27FC236}">
-                <a16:creationId xmlns:a16="http://schemas.microsoft.com/office/drawing/2014/main" id="{73C01942-0257-39C4-89B0-B6B66AB381EB}"/>
-              </a:ext>
-            </a:extLst>
-          </p:cNvPr>
-          <p:cNvCxnSpPr>
-            <a:cxnSpLocks/>
-          </p:cNvCxnSpPr>
-          <p:nvPr/>
-        </p:nvCxnSpPr>
-        <p:spPr>
-          <a:xfrm>
-            <a:off x="6348799" y="1250001"/>
-            <a:ext cx="9849" cy="1558834"/>
-          </a:xfrm>
-          <a:prstGeom prst="line">
-            <a:avLst/>
-          </a:prstGeom>
-          <a:ln>
-            <a:headEnd type="none" w="med" len="med"/>
-            <a:tailEnd type="none" w="med" len="med"/>
-          </a:ln>
-        </p:spPr>
-        <p:style>
-          <a:lnRef idx="3">
-            <a:schemeClr val="accent6"/>
-          </a:lnRef>
-          <a:fillRef idx="0">
-            <a:schemeClr val="accent6"/>
-          </a:fillRef>
-          <a:effectRef idx="2">
-            <a:schemeClr val="accent6"/>
-          </a:effectRef>
-          <a:fontRef idx="minor">
-            <a:schemeClr val="tx1"/>
-          </a:fontRef>
-        </p:style>
-      </p:cxnSp>
-      <p:cxnSp>
-        <p:nvCxnSpPr>
           <p:cNvPr id="198" name="Straight Connector 197">
             <a:extLst>
               <a:ext uri="{FF2B5EF4-FFF2-40B4-BE49-F238E27FC236}">
@@ -8008,7 +8022,7 @@
         <p:spPr>
           <a:xfrm>
             <a:off x="3725821" y="1250932"/>
-            <a:ext cx="2623558" cy="1767"/>
+            <a:ext cx="2663833" cy="11056"/>
           </a:xfrm>
           <a:prstGeom prst="line">
             <a:avLst/>
@@ -8091,8 +8105,8 @@
         </p:nvCxnSpPr>
         <p:spPr>
           <a:xfrm flipH="1">
-            <a:off x="2648117" y="1147078"/>
-            <a:ext cx="4295719" cy="20423"/>
+            <a:off x="2654016" y="1154296"/>
+            <a:ext cx="3985310" cy="8639"/>
           </a:xfrm>
           <a:prstGeom prst="line">
             <a:avLst/>
@@ -8161,48 +8175,6 @@
       </p:cxnSp>
       <p:cxnSp>
         <p:nvCxnSpPr>
-          <p:cNvPr id="26" name="Straight Connector 25">
-            <a:extLst>
-              <a:ext uri="{FF2B5EF4-FFF2-40B4-BE49-F238E27FC236}">
-                <a16:creationId xmlns:a16="http://schemas.microsoft.com/office/drawing/2014/main" id="{4520966B-3B50-45B3-7EA7-7D01D55D755B}"/>
-              </a:ext>
-            </a:extLst>
-          </p:cNvPr>
-          <p:cNvCxnSpPr>
-            <a:cxnSpLocks/>
-          </p:cNvCxnSpPr>
-          <p:nvPr/>
-        </p:nvCxnSpPr>
-        <p:spPr>
-          <a:xfrm flipV="1">
-            <a:off x="6962886" y="2820926"/>
-            <a:ext cx="514872" cy="174050"/>
-          </a:xfrm>
-          <a:prstGeom prst="line">
-            <a:avLst/>
-          </a:prstGeom>
-          <a:ln>
-            <a:headEnd type="none" w="med" len="med"/>
-            <a:tailEnd type="arrow" w="med" len="med"/>
-          </a:ln>
-        </p:spPr>
-        <p:style>
-          <a:lnRef idx="3">
-            <a:schemeClr val="accent4"/>
-          </a:lnRef>
-          <a:fillRef idx="0">
-            <a:schemeClr val="accent4"/>
-          </a:fillRef>
-          <a:effectRef idx="2">
-            <a:schemeClr val="accent4"/>
-          </a:effectRef>
-          <a:fontRef idx="minor">
-            <a:schemeClr val="tx1"/>
-          </a:fontRef>
-        </p:style>
-      </p:cxnSp>
-      <p:cxnSp>
-        <p:nvCxnSpPr>
           <p:cNvPr id="60" name="Straight Connector 59">
             <a:extLst>
               <a:ext uri="{FF2B5EF4-FFF2-40B4-BE49-F238E27FC236}">
@@ -8258,9 +8230,9 @@
           <p:nvPr/>
         </p:nvCxnSpPr>
         <p:spPr>
-          <a:xfrm flipH="1">
+          <a:xfrm flipH="1" flipV="1">
             <a:off x="4582160" y="2406034"/>
-            <a:ext cx="2206170" cy="0"/>
+            <a:ext cx="1569720" cy="2723"/>
           </a:xfrm>
           <a:prstGeom prst="line">
             <a:avLst/>
@@ -8342,176 +8314,176 @@
           <p:nvPr/>
         </p:nvCxnSpPr>
         <p:spPr>
+          <a:xfrm>
+            <a:off x="6399503" y="2804465"/>
+            <a:ext cx="945470" cy="0"/>
+          </a:xfrm>
+          <a:prstGeom prst="line">
+            <a:avLst/>
+          </a:prstGeom>
+          <a:ln>
+            <a:headEnd type="none" w="med" len="med"/>
+            <a:tailEnd type="arrow" w="med" len="med"/>
+          </a:ln>
+        </p:spPr>
+        <p:style>
+          <a:lnRef idx="3">
+            <a:schemeClr val="accent2"/>
+          </a:lnRef>
+          <a:fillRef idx="0">
+            <a:schemeClr val="accent2"/>
+          </a:fillRef>
+          <a:effectRef idx="2">
+            <a:schemeClr val="accent2"/>
+          </a:effectRef>
+          <a:fontRef idx="minor">
+            <a:schemeClr val="tx1"/>
+          </a:fontRef>
+        </p:style>
+      </p:cxnSp>
+      <p:cxnSp>
+        <p:nvCxnSpPr>
+          <p:cNvPr id="169" name="Straight Connector 168">
+            <a:extLst>
+              <a:ext uri="{FF2B5EF4-FFF2-40B4-BE49-F238E27FC236}">
+                <a16:creationId xmlns:a16="http://schemas.microsoft.com/office/drawing/2014/main" id="{94759DC2-C2B4-E9E4-A08B-8A02D98EE13E}"/>
+              </a:ext>
+            </a:extLst>
+          </p:cNvPr>
+          <p:cNvCxnSpPr>
+            <a:cxnSpLocks/>
+          </p:cNvCxnSpPr>
+          <p:nvPr/>
+        </p:nvCxnSpPr>
+        <p:spPr>
+          <a:xfrm>
+            <a:off x="6872238" y="3453141"/>
+            <a:ext cx="468413" cy="0"/>
+          </a:xfrm>
+          <a:prstGeom prst="line">
+            <a:avLst/>
+          </a:prstGeom>
+          <a:ln>
+            <a:headEnd type="none" w="med" len="med"/>
+            <a:tailEnd type="arrow" w="med" len="med"/>
+          </a:ln>
+        </p:spPr>
+        <p:style>
+          <a:lnRef idx="3">
+            <a:schemeClr val="accent2"/>
+          </a:lnRef>
+          <a:fillRef idx="0">
+            <a:schemeClr val="accent2"/>
+          </a:fillRef>
+          <a:effectRef idx="2">
+            <a:schemeClr val="accent2"/>
+          </a:effectRef>
+          <a:fontRef idx="minor">
+            <a:schemeClr val="tx1"/>
+          </a:fontRef>
+        </p:style>
+      </p:cxnSp>
+      <p:cxnSp>
+        <p:nvCxnSpPr>
+          <p:cNvPr id="175" name="Straight Connector 174">
+            <a:extLst>
+              <a:ext uri="{FF2B5EF4-FFF2-40B4-BE49-F238E27FC236}">
+                <a16:creationId xmlns:a16="http://schemas.microsoft.com/office/drawing/2014/main" id="{AE61D397-846E-39DE-1F75-1493440E73ED}"/>
+              </a:ext>
+            </a:extLst>
+          </p:cNvPr>
+          <p:cNvCxnSpPr>
+            <a:cxnSpLocks/>
+          </p:cNvCxnSpPr>
+          <p:nvPr/>
+        </p:nvCxnSpPr>
+        <p:spPr>
+          <a:xfrm flipH="1">
+            <a:off x="4594122" y="3683496"/>
+            <a:ext cx="638679" cy="548"/>
+          </a:xfrm>
+          <a:prstGeom prst="line">
+            <a:avLst/>
+          </a:prstGeom>
+          <a:ln>
+            <a:headEnd type="none" w="med" len="med"/>
+            <a:tailEnd type="arrow" w="med" len="med"/>
+          </a:ln>
+        </p:spPr>
+        <p:style>
+          <a:lnRef idx="3">
+            <a:schemeClr val="accent2"/>
+          </a:lnRef>
+          <a:fillRef idx="0">
+            <a:schemeClr val="accent2"/>
+          </a:fillRef>
+          <a:effectRef idx="2">
+            <a:schemeClr val="accent2"/>
+          </a:effectRef>
+          <a:fontRef idx="minor">
+            <a:schemeClr val="tx1"/>
+          </a:fontRef>
+        </p:style>
+      </p:cxnSp>
+      <p:cxnSp>
+        <p:nvCxnSpPr>
+          <p:cNvPr id="178" name="Straight Connector 177">
+            <a:extLst>
+              <a:ext uri="{FF2B5EF4-FFF2-40B4-BE49-F238E27FC236}">
+                <a16:creationId xmlns:a16="http://schemas.microsoft.com/office/drawing/2014/main" id="{917F3E47-9615-81D8-FE36-72A3E900E626}"/>
+              </a:ext>
+            </a:extLst>
+          </p:cNvPr>
+          <p:cNvCxnSpPr>
+            <a:cxnSpLocks/>
+          </p:cNvCxnSpPr>
+          <p:nvPr/>
+        </p:nvCxnSpPr>
+        <p:spPr>
+          <a:xfrm>
+            <a:off x="5232801" y="3342862"/>
+            <a:ext cx="2114721" cy="6588"/>
+          </a:xfrm>
+          <a:prstGeom prst="line">
+            <a:avLst/>
+          </a:prstGeom>
+          <a:ln>
+            <a:headEnd type="none" w="med" len="med"/>
+            <a:tailEnd type="arrow" w="med" len="med"/>
+          </a:ln>
+        </p:spPr>
+        <p:style>
+          <a:lnRef idx="3">
+            <a:schemeClr val="accent2"/>
+          </a:lnRef>
+          <a:fillRef idx="0">
+            <a:schemeClr val="accent2"/>
+          </a:fillRef>
+          <a:effectRef idx="2">
+            <a:schemeClr val="accent2"/>
+          </a:effectRef>
+          <a:fontRef idx="minor">
+            <a:schemeClr val="tx1"/>
+          </a:fontRef>
+        </p:style>
+      </p:cxnSp>
+      <p:cxnSp>
+        <p:nvCxnSpPr>
+          <p:cNvPr id="180" name="Straight Connector 179">
+            <a:extLst>
+              <a:ext uri="{FF2B5EF4-FFF2-40B4-BE49-F238E27FC236}">
+                <a16:creationId xmlns:a16="http://schemas.microsoft.com/office/drawing/2014/main" id="{104F0A1F-62F1-E4DB-27F8-2F3F2560842A}"/>
+              </a:ext>
+            </a:extLst>
+          </p:cNvPr>
+          <p:cNvCxnSpPr>
+            <a:cxnSpLocks/>
+          </p:cNvCxnSpPr>
+          <p:nvPr/>
+        </p:nvCxnSpPr>
+        <p:spPr>
           <a:xfrm flipV="1">
-            <a:off x="6350402" y="2804465"/>
-            <a:ext cx="994571" cy="6570"/>
-          </a:xfrm>
-          <a:prstGeom prst="line">
-            <a:avLst/>
-          </a:prstGeom>
-          <a:ln>
-            <a:headEnd type="none" w="med" len="med"/>
-            <a:tailEnd type="arrow" w="med" len="med"/>
-          </a:ln>
-        </p:spPr>
-        <p:style>
-          <a:lnRef idx="3">
-            <a:schemeClr val="accent2"/>
-          </a:lnRef>
-          <a:fillRef idx="0">
-            <a:schemeClr val="accent2"/>
-          </a:fillRef>
-          <a:effectRef idx="2">
-            <a:schemeClr val="accent2"/>
-          </a:effectRef>
-          <a:fontRef idx="minor">
-            <a:schemeClr val="tx1"/>
-          </a:fontRef>
-        </p:style>
-      </p:cxnSp>
-      <p:cxnSp>
-        <p:nvCxnSpPr>
-          <p:cNvPr id="169" name="Straight Connector 168">
-            <a:extLst>
-              <a:ext uri="{FF2B5EF4-FFF2-40B4-BE49-F238E27FC236}">
-                <a16:creationId xmlns:a16="http://schemas.microsoft.com/office/drawing/2014/main" id="{94759DC2-C2B4-E9E4-A08B-8A02D98EE13E}"/>
-              </a:ext>
-            </a:extLst>
-          </p:cNvPr>
-          <p:cNvCxnSpPr>
-            <a:cxnSpLocks/>
-          </p:cNvCxnSpPr>
-          <p:nvPr/>
-        </p:nvCxnSpPr>
-        <p:spPr>
-          <a:xfrm flipV="1">
-            <a:off x="5933976" y="3453141"/>
-            <a:ext cx="1406675" cy="12941"/>
-          </a:xfrm>
-          <a:prstGeom prst="line">
-            <a:avLst/>
-          </a:prstGeom>
-          <a:ln>
-            <a:headEnd type="none" w="med" len="med"/>
-            <a:tailEnd type="arrow" w="med" len="med"/>
-          </a:ln>
-        </p:spPr>
-        <p:style>
-          <a:lnRef idx="3">
-            <a:schemeClr val="accent2"/>
-          </a:lnRef>
-          <a:fillRef idx="0">
-            <a:schemeClr val="accent2"/>
-          </a:fillRef>
-          <a:effectRef idx="2">
-            <a:schemeClr val="accent2"/>
-          </a:effectRef>
-          <a:fontRef idx="minor">
-            <a:schemeClr val="tx1"/>
-          </a:fontRef>
-        </p:style>
-      </p:cxnSp>
-      <p:cxnSp>
-        <p:nvCxnSpPr>
-          <p:cNvPr id="175" name="Straight Connector 174">
-            <a:extLst>
-              <a:ext uri="{FF2B5EF4-FFF2-40B4-BE49-F238E27FC236}">
-                <a16:creationId xmlns:a16="http://schemas.microsoft.com/office/drawing/2014/main" id="{AE61D397-846E-39DE-1F75-1493440E73ED}"/>
-              </a:ext>
-            </a:extLst>
-          </p:cNvPr>
-          <p:cNvCxnSpPr>
-            <a:cxnSpLocks/>
-          </p:cNvCxnSpPr>
-          <p:nvPr/>
-        </p:nvCxnSpPr>
-        <p:spPr>
-          <a:xfrm flipH="1">
-            <a:off x="4594122" y="3669738"/>
-            <a:ext cx="1154271" cy="14306"/>
-          </a:xfrm>
-          <a:prstGeom prst="line">
-            <a:avLst/>
-          </a:prstGeom>
-          <a:ln>
-            <a:headEnd type="none" w="med" len="med"/>
-            <a:tailEnd type="arrow" w="med" len="med"/>
-          </a:ln>
-        </p:spPr>
-        <p:style>
-          <a:lnRef idx="3">
-            <a:schemeClr val="accent2"/>
-          </a:lnRef>
-          <a:fillRef idx="0">
-            <a:schemeClr val="accent2"/>
-          </a:fillRef>
-          <a:effectRef idx="2">
-            <a:schemeClr val="accent2"/>
-          </a:effectRef>
-          <a:fontRef idx="minor">
-            <a:schemeClr val="tx1"/>
-          </a:fontRef>
-        </p:style>
-      </p:cxnSp>
-      <p:cxnSp>
-        <p:nvCxnSpPr>
-          <p:cNvPr id="178" name="Straight Connector 177">
-            <a:extLst>
-              <a:ext uri="{FF2B5EF4-FFF2-40B4-BE49-F238E27FC236}">
-                <a16:creationId xmlns:a16="http://schemas.microsoft.com/office/drawing/2014/main" id="{917F3E47-9615-81D8-FE36-72A3E900E626}"/>
-              </a:ext>
-            </a:extLst>
-          </p:cNvPr>
-          <p:cNvCxnSpPr>
-            <a:cxnSpLocks/>
-          </p:cNvCxnSpPr>
-          <p:nvPr/>
-        </p:nvCxnSpPr>
-        <p:spPr>
-          <a:xfrm>
-            <a:off x="5745496" y="3349450"/>
-            <a:ext cx="1602026" cy="0"/>
-          </a:xfrm>
-          <a:prstGeom prst="line">
-            <a:avLst/>
-          </a:prstGeom>
-          <a:ln>
-            <a:headEnd type="none" w="med" len="med"/>
-            <a:tailEnd type="arrow" w="med" len="med"/>
-          </a:ln>
-        </p:spPr>
-        <p:style>
-          <a:lnRef idx="3">
-            <a:schemeClr val="accent2"/>
-          </a:lnRef>
-          <a:fillRef idx="0">
-            <a:schemeClr val="accent2"/>
-          </a:fillRef>
-          <a:effectRef idx="2">
-            <a:schemeClr val="accent2"/>
-          </a:effectRef>
-          <a:fontRef idx="minor">
-            <a:schemeClr val="tx1"/>
-          </a:fontRef>
-        </p:style>
-      </p:cxnSp>
-      <p:cxnSp>
-        <p:nvCxnSpPr>
-          <p:cNvPr id="180" name="Straight Connector 179">
-            <a:extLst>
-              <a:ext uri="{FF2B5EF4-FFF2-40B4-BE49-F238E27FC236}">
-                <a16:creationId xmlns:a16="http://schemas.microsoft.com/office/drawing/2014/main" id="{104F0A1F-62F1-E4DB-27F8-2F3F2560842A}"/>
-              </a:ext>
-            </a:extLst>
-          </p:cNvPr>
-          <p:cNvCxnSpPr>
-            <a:cxnSpLocks/>
-          </p:cNvCxnSpPr>
-          <p:nvPr/>
-        </p:nvCxnSpPr>
-        <p:spPr>
-          <a:xfrm flipV="1">
-            <a:off x="5745496" y="3346810"/>
+            <a:off x="5232817" y="3342862"/>
             <a:ext cx="0" cy="334029"/>
           </a:xfrm>
           <a:prstGeom prst="line">
@@ -8679,8 +8651,8 @@
         </p:nvCxnSpPr>
         <p:spPr>
           <a:xfrm flipH="1">
-            <a:off x="4588920" y="3775485"/>
-            <a:ext cx="1163866" cy="7698"/>
+            <a:off x="4588920" y="3775483"/>
+            <a:ext cx="649215" cy="7700"/>
           </a:xfrm>
           <a:prstGeom prst="line">
             <a:avLst/>
@@ -8805,8 +8777,8 @@
         </p:nvCxnSpPr>
         <p:spPr>
           <a:xfrm flipH="1">
-            <a:off x="4187563" y="4616557"/>
-            <a:ext cx="1746413" cy="19892"/>
+            <a:off x="4187563" y="4630175"/>
+            <a:ext cx="2720322" cy="6274"/>
           </a:xfrm>
           <a:prstGeom prst="line">
             <a:avLst/>
@@ -8888,9 +8860,9 @@
           <p:nvPr/>
         </p:nvCxnSpPr>
         <p:spPr>
-          <a:xfrm flipH="1">
-            <a:off x="2654747" y="4632122"/>
-            <a:ext cx="749636" cy="20340"/>
+          <a:xfrm flipH="1" flipV="1">
+            <a:off x="2654016" y="4630175"/>
+            <a:ext cx="750367" cy="1947"/>
           </a:xfrm>
           <a:prstGeom prst="line">
             <a:avLst/>
@@ -9211,217 +9183,6 @@
       </p:cxnSp>
       <p:cxnSp>
         <p:nvCxnSpPr>
-          <p:cNvPr id="14" name="Straight Connector 13">
-            <a:extLst>
-              <a:ext uri="{FF2B5EF4-FFF2-40B4-BE49-F238E27FC236}">
-                <a16:creationId xmlns:a16="http://schemas.microsoft.com/office/drawing/2014/main" id="{EFE1C9E3-60B5-9F3C-178D-29EAE1E859DB}"/>
-              </a:ext>
-            </a:extLst>
-          </p:cNvPr>
-          <p:cNvCxnSpPr>
-            <a:cxnSpLocks/>
-          </p:cNvCxnSpPr>
-          <p:nvPr/>
-        </p:nvCxnSpPr>
-        <p:spPr>
-          <a:xfrm flipV="1">
-            <a:off x="3853862" y="4213092"/>
-            <a:ext cx="78315" cy="426617"/>
-          </a:xfrm>
-          <a:prstGeom prst="line">
-            <a:avLst/>
-          </a:prstGeom>
-          <a:ln>
-            <a:headEnd type="none" w="med" len="med"/>
-            <a:tailEnd type="arrow" w="med" len="med"/>
-          </a:ln>
-        </p:spPr>
-        <p:style>
-          <a:lnRef idx="3">
-            <a:schemeClr val="accent4"/>
-          </a:lnRef>
-          <a:fillRef idx="0">
-            <a:schemeClr val="accent4"/>
-          </a:fillRef>
-          <a:effectRef idx="2">
-            <a:schemeClr val="accent4"/>
-          </a:effectRef>
-          <a:fontRef idx="minor">
-            <a:schemeClr val="tx1"/>
-          </a:fontRef>
-        </p:style>
-      </p:cxnSp>
-      <p:cxnSp>
-        <p:nvCxnSpPr>
-          <p:cNvPr id="18" name="Straight Connector 17">
-            <a:extLst>
-              <a:ext uri="{FF2B5EF4-FFF2-40B4-BE49-F238E27FC236}">
-                <a16:creationId xmlns:a16="http://schemas.microsoft.com/office/drawing/2014/main" id="{22EED11C-7CE0-0744-712A-CD8175875E2A}"/>
-              </a:ext>
-            </a:extLst>
-          </p:cNvPr>
-          <p:cNvCxnSpPr>
-            <a:cxnSpLocks/>
-            <a:stCxn id="10" idx="3"/>
-          </p:cNvCxnSpPr>
-          <p:nvPr/>
-        </p:nvCxnSpPr>
-        <p:spPr>
-          <a:xfrm flipV="1">
-            <a:off x="3761842" y="4213092"/>
-            <a:ext cx="82035" cy="403878"/>
-          </a:xfrm>
-          <a:prstGeom prst="line">
-            <a:avLst/>
-          </a:prstGeom>
-          <a:ln>
-            <a:headEnd type="none" w="med" len="med"/>
-            <a:tailEnd type="arrow" w="med" len="med"/>
-          </a:ln>
-        </p:spPr>
-        <p:style>
-          <a:lnRef idx="3">
-            <a:schemeClr val="accent4"/>
-          </a:lnRef>
-          <a:fillRef idx="0">
-            <a:schemeClr val="accent4"/>
-          </a:fillRef>
-          <a:effectRef idx="2">
-            <a:schemeClr val="accent4"/>
-          </a:effectRef>
-          <a:fontRef idx="minor">
-            <a:schemeClr val="tx1"/>
-          </a:fontRef>
-        </p:style>
-      </p:cxnSp>
-      <p:cxnSp>
-        <p:nvCxnSpPr>
-          <p:cNvPr id="31" name="Straight Connector 30">
-            <a:extLst>
-              <a:ext uri="{FF2B5EF4-FFF2-40B4-BE49-F238E27FC236}">
-                <a16:creationId xmlns:a16="http://schemas.microsoft.com/office/drawing/2014/main" id="{D229C791-6A88-EBB1-FFBB-7AA6866CBAA8}"/>
-              </a:ext>
-            </a:extLst>
-          </p:cNvPr>
-          <p:cNvCxnSpPr>
-            <a:cxnSpLocks/>
-          </p:cNvCxnSpPr>
-          <p:nvPr/>
-        </p:nvCxnSpPr>
-        <p:spPr>
-          <a:xfrm>
-            <a:off x="3857098" y="4638169"/>
-            <a:ext cx="0" cy="881945"/>
-          </a:xfrm>
-          <a:prstGeom prst="line">
-            <a:avLst/>
-          </a:prstGeom>
-          <a:ln>
-            <a:headEnd type="none" w="med" len="med"/>
-            <a:tailEnd type="none" w="med" len="med"/>
-          </a:ln>
-        </p:spPr>
-        <p:style>
-          <a:lnRef idx="3">
-            <a:schemeClr val="accent6"/>
-          </a:lnRef>
-          <a:fillRef idx="0">
-            <a:schemeClr val="accent6"/>
-          </a:fillRef>
-          <a:effectRef idx="2">
-            <a:schemeClr val="accent6"/>
-          </a:effectRef>
-          <a:fontRef idx="minor">
-            <a:schemeClr val="tx1"/>
-          </a:fontRef>
-        </p:style>
-      </p:cxnSp>
-      <p:cxnSp>
-        <p:nvCxnSpPr>
-          <p:cNvPr id="39" name="Straight Connector 38">
-            <a:extLst>
-              <a:ext uri="{FF2B5EF4-FFF2-40B4-BE49-F238E27FC236}">
-                <a16:creationId xmlns:a16="http://schemas.microsoft.com/office/drawing/2014/main" id="{626DFD9E-7F2B-0A0F-EBB7-745AE01B85A0}"/>
-              </a:ext>
-            </a:extLst>
-          </p:cNvPr>
-          <p:cNvCxnSpPr>
-            <a:cxnSpLocks/>
-          </p:cNvCxnSpPr>
-          <p:nvPr/>
-        </p:nvCxnSpPr>
-        <p:spPr>
-          <a:xfrm flipH="1" flipV="1">
-            <a:off x="4020283" y="4199147"/>
-            <a:ext cx="91944" cy="386785"/>
-          </a:xfrm>
-          <a:prstGeom prst="line">
-            <a:avLst/>
-          </a:prstGeom>
-          <a:ln>
-            <a:headEnd type="none" w="med" len="med"/>
-            <a:tailEnd type="arrow" w="med" len="med"/>
-          </a:ln>
-        </p:spPr>
-        <p:style>
-          <a:lnRef idx="3">
-            <a:schemeClr val="accent4"/>
-          </a:lnRef>
-          <a:fillRef idx="0">
-            <a:schemeClr val="accent4"/>
-          </a:fillRef>
-          <a:effectRef idx="2">
-            <a:schemeClr val="accent4"/>
-          </a:effectRef>
-          <a:fontRef idx="minor">
-            <a:schemeClr val="tx1"/>
-          </a:fontRef>
-        </p:style>
-      </p:cxnSp>
-      <p:cxnSp>
-        <p:nvCxnSpPr>
-          <p:cNvPr id="44" name="Straight Connector 43">
-            <a:extLst>
-              <a:ext uri="{FF2B5EF4-FFF2-40B4-BE49-F238E27FC236}">
-                <a16:creationId xmlns:a16="http://schemas.microsoft.com/office/drawing/2014/main" id="{6F03A9D6-0AA1-892B-1B08-0000A0BC35E4}"/>
-              </a:ext>
-            </a:extLst>
-          </p:cNvPr>
-          <p:cNvCxnSpPr>
-            <a:cxnSpLocks/>
-          </p:cNvCxnSpPr>
-          <p:nvPr/>
-        </p:nvCxnSpPr>
-        <p:spPr>
-          <a:xfrm>
-            <a:off x="4110109" y="4589886"/>
-            <a:ext cx="0" cy="683154"/>
-          </a:xfrm>
-          <a:prstGeom prst="line">
-            <a:avLst/>
-          </a:prstGeom>
-          <a:ln>
-            <a:headEnd type="none" w="med" len="med"/>
-            <a:tailEnd type="none" w="med" len="med"/>
-          </a:ln>
-        </p:spPr>
-        <p:style>
-          <a:lnRef idx="3">
-            <a:schemeClr val="accent6"/>
-          </a:lnRef>
-          <a:fillRef idx="0">
-            <a:schemeClr val="accent6"/>
-          </a:fillRef>
-          <a:effectRef idx="2">
-            <a:schemeClr val="accent6"/>
-          </a:effectRef>
-          <a:fontRef idx="minor">
-            <a:schemeClr val="tx1"/>
-          </a:fontRef>
-        </p:style>
-      </p:cxnSp>
-      <p:cxnSp>
-        <p:nvCxnSpPr>
           <p:cNvPr id="49" name="Straight Connector 48">
             <a:extLst>
               <a:ext uri="{FF2B5EF4-FFF2-40B4-BE49-F238E27FC236}">
@@ -9436,8 +9197,8 @@
         </p:nvCxnSpPr>
         <p:spPr>
           <a:xfrm>
-            <a:off x="3857098" y="5504874"/>
-            <a:ext cx="6846462" cy="0"/>
+            <a:off x="4958080" y="5504874"/>
+            <a:ext cx="5745480" cy="0"/>
           </a:xfrm>
           <a:prstGeom prst="line">
             <a:avLst/>
@@ -9562,8 +9323,8 @@
         </p:nvCxnSpPr>
         <p:spPr>
           <a:xfrm>
-            <a:off x="4110109" y="5262880"/>
-            <a:ext cx="6248400" cy="10160"/>
+            <a:off x="4789665" y="5255670"/>
+            <a:ext cx="5568844" cy="17370"/>
           </a:xfrm>
           <a:prstGeom prst="line">
             <a:avLst/>
@@ -9968,90 +9729,6 @@
       </p:cxnSp>
       <p:cxnSp>
         <p:nvCxnSpPr>
-          <p:cNvPr id="485" name="Straight Connector 484">
-            <a:extLst>
-              <a:ext uri="{FF2B5EF4-FFF2-40B4-BE49-F238E27FC236}">
-                <a16:creationId xmlns:a16="http://schemas.microsoft.com/office/drawing/2014/main" id="{6A17EE4C-27EF-3D89-D75C-FE417E8EA0BA}"/>
-              </a:ext>
-            </a:extLst>
-          </p:cNvPr>
-          <p:cNvCxnSpPr>
-            <a:cxnSpLocks/>
-          </p:cNvCxnSpPr>
-          <p:nvPr/>
-        </p:nvCxnSpPr>
-        <p:spPr>
-          <a:xfrm flipV="1">
-            <a:off x="3598249" y="4213092"/>
-            <a:ext cx="75619" cy="426617"/>
-          </a:xfrm>
-          <a:prstGeom prst="line">
-            <a:avLst/>
-          </a:prstGeom>
-          <a:ln>
-            <a:headEnd type="none" w="med" len="med"/>
-            <a:tailEnd type="arrow" w="med" len="med"/>
-          </a:ln>
-        </p:spPr>
-        <p:style>
-          <a:lnRef idx="3">
-            <a:schemeClr val="accent4"/>
-          </a:lnRef>
-          <a:fillRef idx="0">
-            <a:schemeClr val="accent4"/>
-          </a:fillRef>
-          <a:effectRef idx="2">
-            <a:schemeClr val="accent4"/>
-          </a:effectRef>
-          <a:fontRef idx="minor">
-            <a:schemeClr val="tx1"/>
-          </a:fontRef>
-        </p:style>
-      </p:cxnSp>
-      <p:cxnSp>
-        <p:nvCxnSpPr>
-          <p:cNvPr id="488" name="Straight Connector 487">
-            <a:extLst>
-              <a:ext uri="{FF2B5EF4-FFF2-40B4-BE49-F238E27FC236}">
-                <a16:creationId xmlns:a16="http://schemas.microsoft.com/office/drawing/2014/main" id="{FE877A91-C326-43F9-29BC-8CD4BF6F0142}"/>
-              </a:ext>
-            </a:extLst>
-          </p:cNvPr>
-          <p:cNvCxnSpPr>
-            <a:cxnSpLocks/>
-          </p:cNvCxnSpPr>
-          <p:nvPr/>
-        </p:nvCxnSpPr>
-        <p:spPr>
-          <a:xfrm flipV="1">
-            <a:off x="3598012" y="4634174"/>
-            <a:ext cx="0" cy="1112576"/>
-          </a:xfrm>
-          <a:prstGeom prst="line">
-            <a:avLst/>
-          </a:prstGeom>
-          <a:ln>
-            <a:headEnd type="none" w="med" len="med"/>
-            <a:tailEnd type="none" w="med" len="med"/>
-          </a:ln>
-        </p:spPr>
-        <p:style>
-          <a:lnRef idx="3">
-            <a:schemeClr val="accent6"/>
-          </a:lnRef>
-          <a:fillRef idx="0">
-            <a:schemeClr val="accent6"/>
-          </a:fillRef>
-          <a:effectRef idx="2">
-            <a:schemeClr val="accent6"/>
-          </a:effectRef>
-          <a:fontRef idx="minor">
-            <a:schemeClr val="tx1"/>
-          </a:fontRef>
-        </p:style>
-      </p:cxnSp>
-      <p:cxnSp>
-        <p:nvCxnSpPr>
           <p:cNvPr id="493" name="Straight Connector 492">
             <a:extLst>
               <a:ext uri="{FF2B5EF4-FFF2-40B4-BE49-F238E27FC236}">
@@ -10108,8 +9785,8 @@
         </p:nvCxnSpPr>
         <p:spPr>
           <a:xfrm>
-            <a:off x="3601822" y="5750192"/>
-            <a:ext cx="7391298" cy="0"/>
+            <a:off x="2564130" y="5746750"/>
+            <a:ext cx="8428990" cy="3442"/>
           </a:xfrm>
           <a:prstGeom prst="line">
             <a:avLst/>
@@ -10612,8 +10289,8 @@
         </p:nvCxnSpPr>
         <p:spPr>
           <a:xfrm>
-            <a:off x="6951432" y="1144953"/>
-            <a:ext cx="6226" cy="1200681"/>
+            <a:off x="6639326" y="1132690"/>
+            <a:ext cx="5297" cy="1330555"/>
           </a:xfrm>
           <a:prstGeom prst="line">
             <a:avLst/>
@@ -10990,8 +10667,8 @@
         </p:nvCxnSpPr>
         <p:spPr>
           <a:xfrm flipH="1">
-            <a:off x="5462042" y="1042591"/>
-            <a:ext cx="3124352" cy="0"/>
+            <a:off x="5626608" y="1042591"/>
+            <a:ext cx="2959786" cy="0"/>
           </a:xfrm>
           <a:prstGeom prst="line">
             <a:avLst/>
@@ -11032,8 +10709,8 @@
         </p:nvCxnSpPr>
         <p:spPr>
           <a:xfrm flipH="1">
-            <a:off x="5247700" y="920671"/>
-            <a:ext cx="3494157" cy="0"/>
+            <a:off x="5462042" y="920671"/>
+            <a:ext cx="3279815" cy="0"/>
           </a:xfrm>
           <a:prstGeom prst="line">
             <a:avLst/>
@@ -11074,7 +10751,7 @@
         </p:nvCxnSpPr>
         <p:spPr>
           <a:xfrm>
-            <a:off x="5462042" y="1036320"/>
+            <a:off x="5620538" y="1036320"/>
             <a:ext cx="0" cy="1279728"/>
           </a:xfrm>
           <a:prstGeom prst="line">
@@ -11116,8 +10793,8 @@
         </p:nvCxnSpPr>
         <p:spPr>
           <a:xfrm>
-            <a:off x="5247700" y="929640"/>
-            <a:ext cx="0" cy="1139368"/>
+            <a:off x="5448894" y="929640"/>
+            <a:ext cx="0" cy="1123663"/>
           </a:xfrm>
           <a:prstGeom prst="line">
             <a:avLst/>
@@ -11420,10 +11097,5746 @@
           </a:p>
         </p:txBody>
       </p:sp>
+      <p:cxnSp>
+        <p:nvCxnSpPr>
+          <p:cNvPr id="3" name="Straight Connector 2">
+            <a:extLst>
+              <a:ext uri="{FF2B5EF4-FFF2-40B4-BE49-F238E27FC236}">
+                <a16:creationId xmlns:a16="http://schemas.microsoft.com/office/drawing/2014/main" id="{16579491-2A1E-5083-C055-1B5FBAE94C26}"/>
+              </a:ext>
+            </a:extLst>
+          </p:cNvPr>
+          <p:cNvCxnSpPr>
+            <a:cxnSpLocks/>
+          </p:cNvCxnSpPr>
+          <p:nvPr/>
+        </p:nvCxnSpPr>
+        <p:spPr>
+          <a:xfrm flipH="1" flipV="1">
+            <a:off x="7449395" y="2807531"/>
+            <a:ext cx="331784" cy="7008"/>
+          </a:xfrm>
+          <a:prstGeom prst="line">
+            <a:avLst/>
+          </a:prstGeom>
+          <a:ln>
+            <a:headEnd type="none" w="med" len="med"/>
+            <a:tailEnd type="arrow" w="med" len="med"/>
+          </a:ln>
+        </p:spPr>
+        <p:style>
+          <a:lnRef idx="3">
+            <a:schemeClr val="accent2"/>
+          </a:lnRef>
+          <a:fillRef idx="0">
+            <a:schemeClr val="accent2"/>
+          </a:fillRef>
+          <a:effectRef idx="2">
+            <a:schemeClr val="accent2"/>
+          </a:effectRef>
+          <a:fontRef idx="minor">
+            <a:schemeClr val="tx1"/>
+          </a:fontRef>
+        </p:style>
+      </p:cxnSp>
+      <p:cxnSp>
+        <p:nvCxnSpPr>
+          <p:cNvPr id="4" name="Straight Connector 3">
+            <a:extLst>
+              <a:ext uri="{FF2B5EF4-FFF2-40B4-BE49-F238E27FC236}">
+                <a16:creationId xmlns:a16="http://schemas.microsoft.com/office/drawing/2014/main" id="{04113189-308B-14D7-4654-3B67026C205B}"/>
+              </a:ext>
+            </a:extLst>
+          </p:cNvPr>
+          <p:cNvCxnSpPr>
+            <a:cxnSpLocks/>
+          </p:cNvCxnSpPr>
+          <p:nvPr/>
+        </p:nvCxnSpPr>
+        <p:spPr>
+          <a:xfrm flipH="1" flipV="1">
+            <a:off x="7449395" y="2605867"/>
+            <a:ext cx="499883" cy="8644"/>
+          </a:xfrm>
+          <a:prstGeom prst="line">
+            <a:avLst/>
+          </a:prstGeom>
+          <a:ln>
+            <a:headEnd type="none" w="med" len="med"/>
+            <a:tailEnd type="arrow" w="med" len="med"/>
+          </a:ln>
+        </p:spPr>
+        <p:style>
+          <a:lnRef idx="3">
+            <a:schemeClr val="accent2"/>
+          </a:lnRef>
+          <a:fillRef idx="0">
+            <a:schemeClr val="accent2"/>
+          </a:fillRef>
+          <a:effectRef idx="2">
+            <a:schemeClr val="accent2"/>
+          </a:effectRef>
+          <a:fontRef idx="minor">
+            <a:schemeClr val="tx1"/>
+          </a:fontRef>
+        </p:style>
+      </p:cxnSp>
+      <p:cxnSp>
+        <p:nvCxnSpPr>
+          <p:cNvPr id="7" name="Straight Connector 6">
+            <a:extLst>
+              <a:ext uri="{FF2B5EF4-FFF2-40B4-BE49-F238E27FC236}">
+                <a16:creationId xmlns:a16="http://schemas.microsoft.com/office/drawing/2014/main" id="{F9367356-9F36-3132-1E31-6A8F451BCACC}"/>
+              </a:ext>
+            </a:extLst>
+          </p:cNvPr>
+          <p:cNvCxnSpPr>
+            <a:cxnSpLocks/>
+          </p:cNvCxnSpPr>
+          <p:nvPr/>
+        </p:nvCxnSpPr>
+        <p:spPr>
+          <a:xfrm flipV="1">
+            <a:off x="7947219" y="2624094"/>
+            <a:ext cx="0" cy="2410186"/>
+          </a:xfrm>
+          <a:prstGeom prst="line">
+            <a:avLst/>
+          </a:prstGeom>
+          <a:ln>
+            <a:headEnd type="none" w="med" len="med"/>
+            <a:tailEnd type="none" w="med" len="med"/>
+          </a:ln>
+        </p:spPr>
+        <p:style>
+          <a:lnRef idx="3">
+            <a:schemeClr val="accent6"/>
+          </a:lnRef>
+          <a:fillRef idx="0">
+            <a:schemeClr val="accent6"/>
+          </a:fillRef>
+          <a:effectRef idx="2">
+            <a:schemeClr val="accent6"/>
+          </a:effectRef>
+          <a:fontRef idx="minor">
+            <a:schemeClr val="tx1"/>
+          </a:fontRef>
+        </p:style>
+      </p:cxnSp>
+      <p:cxnSp>
+        <p:nvCxnSpPr>
+          <p:cNvPr id="24" name="Straight Connector 23">
+            <a:extLst>
+              <a:ext uri="{FF2B5EF4-FFF2-40B4-BE49-F238E27FC236}">
+                <a16:creationId xmlns:a16="http://schemas.microsoft.com/office/drawing/2014/main" id="{B0116DC7-5A29-CF05-F122-CF5CDA03CE7E}"/>
+              </a:ext>
+            </a:extLst>
+          </p:cNvPr>
+          <p:cNvCxnSpPr>
+            <a:cxnSpLocks/>
+          </p:cNvCxnSpPr>
+          <p:nvPr/>
+        </p:nvCxnSpPr>
+        <p:spPr>
+          <a:xfrm flipV="1">
+            <a:off x="7779579" y="2805866"/>
+            <a:ext cx="0" cy="2125597"/>
+          </a:xfrm>
+          <a:prstGeom prst="line">
+            <a:avLst/>
+          </a:prstGeom>
+          <a:ln>
+            <a:headEnd type="none" w="med" len="med"/>
+            <a:tailEnd type="none" w="med" len="med"/>
+          </a:ln>
+        </p:spPr>
+        <p:style>
+          <a:lnRef idx="3">
+            <a:schemeClr val="accent6"/>
+          </a:lnRef>
+          <a:fillRef idx="0">
+            <a:schemeClr val="accent6"/>
+          </a:fillRef>
+          <a:effectRef idx="2">
+            <a:schemeClr val="accent6"/>
+          </a:effectRef>
+          <a:fontRef idx="minor">
+            <a:schemeClr val="tx1"/>
+          </a:fontRef>
+        </p:style>
+      </p:cxnSp>
+      <p:cxnSp>
+        <p:nvCxnSpPr>
+          <p:cNvPr id="29" name="Straight Connector 28">
+            <a:extLst>
+              <a:ext uri="{FF2B5EF4-FFF2-40B4-BE49-F238E27FC236}">
+                <a16:creationId xmlns:a16="http://schemas.microsoft.com/office/drawing/2014/main" id="{BEDE6406-A0F2-59A9-A196-110494AD9220}"/>
+              </a:ext>
+            </a:extLst>
+          </p:cNvPr>
+          <p:cNvCxnSpPr>
+            <a:cxnSpLocks/>
+          </p:cNvCxnSpPr>
+          <p:nvPr/>
+        </p:nvCxnSpPr>
+        <p:spPr>
+          <a:xfrm>
+            <a:off x="6404931" y="4931463"/>
+            <a:ext cx="1384417" cy="0"/>
+          </a:xfrm>
+          <a:prstGeom prst="line">
+            <a:avLst/>
+          </a:prstGeom>
+          <a:ln>
+            <a:headEnd type="none" w="med" len="med"/>
+            <a:tailEnd type="none" w="med" len="med"/>
+          </a:ln>
+        </p:spPr>
+        <p:style>
+          <a:lnRef idx="3">
+            <a:schemeClr val="accent2"/>
+          </a:lnRef>
+          <a:fillRef idx="0">
+            <a:schemeClr val="accent2"/>
+          </a:fillRef>
+          <a:effectRef idx="2">
+            <a:schemeClr val="accent2"/>
+          </a:effectRef>
+          <a:fontRef idx="minor">
+            <a:schemeClr val="tx1"/>
+          </a:fontRef>
+        </p:style>
+      </p:cxnSp>
+      <p:cxnSp>
+        <p:nvCxnSpPr>
+          <p:cNvPr id="30" name="Straight Connector 29">
+            <a:extLst>
+              <a:ext uri="{FF2B5EF4-FFF2-40B4-BE49-F238E27FC236}">
+                <a16:creationId xmlns:a16="http://schemas.microsoft.com/office/drawing/2014/main" id="{9BC6138B-65EB-90E8-468D-88B29D349976}"/>
+              </a:ext>
+            </a:extLst>
+          </p:cNvPr>
+          <p:cNvCxnSpPr>
+            <a:cxnSpLocks/>
+          </p:cNvCxnSpPr>
+          <p:nvPr/>
+        </p:nvCxnSpPr>
+        <p:spPr>
+          <a:xfrm>
+            <a:off x="6167120" y="5043881"/>
+            <a:ext cx="1789241" cy="0"/>
+          </a:xfrm>
+          <a:prstGeom prst="line">
+            <a:avLst/>
+          </a:prstGeom>
+          <a:ln>
+            <a:headEnd type="none" w="med" len="med"/>
+            <a:tailEnd type="none" w="med" len="med"/>
+          </a:ln>
+        </p:spPr>
+        <p:style>
+          <a:lnRef idx="3">
+            <a:schemeClr val="accent2"/>
+          </a:lnRef>
+          <a:fillRef idx="0">
+            <a:schemeClr val="accent2"/>
+          </a:fillRef>
+          <a:effectRef idx="2">
+            <a:schemeClr val="accent2"/>
+          </a:effectRef>
+          <a:fontRef idx="minor">
+            <a:schemeClr val="tx1"/>
+          </a:fontRef>
+        </p:style>
+      </p:cxnSp>
+      <p:cxnSp>
+        <p:nvCxnSpPr>
+          <p:cNvPr id="41" name="Straight Connector 40">
+            <a:extLst>
+              <a:ext uri="{FF2B5EF4-FFF2-40B4-BE49-F238E27FC236}">
+                <a16:creationId xmlns:a16="http://schemas.microsoft.com/office/drawing/2014/main" id="{46A9FCAA-21E1-17A6-51B0-2C2CCE45460E}"/>
+              </a:ext>
+            </a:extLst>
+          </p:cNvPr>
+          <p:cNvCxnSpPr>
+            <a:cxnSpLocks/>
+          </p:cNvCxnSpPr>
+          <p:nvPr/>
+        </p:nvCxnSpPr>
+        <p:spPr>
+          <a:xfrm>
+            <a:off x="6407606" y="2997278"/>
+            <a:ext cx="22190" cy="1932529"/>
+          </a:xfrm>
+          <a:prstGeom prst="line">
+            <a:avLst/>
+          </a:prstGeom>
+          <a:ln>
+            <a:headEnd type="none" w="med" len="med"/>
+            <a:tailEnd type="none" w="med" len="med"/>
+          </a:ln>
+        </p:spPr>
+        <p:style>
+          <a:lnRef idx="3">
+            <a:schemeClr val="accent6"/>
+          </a:lnRef>
+          <a:fillRef idx="0">
+            <a:schemeClr val="accent6"/>
+          </a:fillRef>
+          <a:effectRef idx="2">
+            <a:schemeClr val="accent6"/>
+          </a:effectRef>
+          <a:fontRef idx="minor">
+            <a:schemeClr val="tx1"/>
+          </a:fontRef>
+        </p:style>
+      </p:cxnSp>
+      <p:cxnSp>
+        <p:nvCxnSpPr>
+          <p:cNvPr id="45" name="Straight Connector 44">
+            <a:extLst>
+              <a:ext uri="{FF2B5EF4-FFF2-40B4-BE49-F238E27FC236}">
+                <a16:creationId xmlns:a16="http://schemas.microsoft.com/office/drawing/2014/main" id="{9F2F0113-3CEF-9BE4-D285-DDA2F92D4680}"/>
+              </a:ext>
+            </a:extLst>
+          </p:cNvPr>
+          <p:cNvCxnSpPr>
+            <a:cxnSpLocks/>
+          </p:cNvCxnSpPr>
+          <p:nvPr/>
+        </p:nvCxnSpPr>
+        <p:spPr>
+          <a:xfrm>
+            <a:off x="6152474" y="2415885"/>
+            <a:ext cx="23699" cy="2642037"/>
+          </a:xfrm>
+          <a:prstGeom prst="line">
+            <a:avLst/>
+          </a:prstGeom>
+          <a:ln>
+            <a:headEnd type="none" w="med" len="med"/>
+            <a:tailEnd type="none" w="med" len="med"/>
+          </a:ln>
+        </p:spPr>
+        <p:style>
+          <a:lnRef idx="3">
+            <a:schemeClr val="accent6"/>
+          </a:lnRef>
+          <a:fillRef idx="0">
+            <a:schemeClr val="accent6"/>
+          </a:fillRef>
+          <a:effectRef idx="2">
+            <a:schemeClr val="accent6"/>
+          </a:effectRef>
+          <a:fontRef idx="minor">
+            <a:schemeClr val="tx1"/>
+          </a:fontRef>
+        </p:style>
+      </p:cxnSp>
+      <p:cxnSp>
+        <p:nvCxnSpPr>
+          <p:cNvPr id="453" name="Straight Connector 452">
+            <a:extLst>
+              <a:ext uri="{FF2B5EF4-FFF2-40B4-BE49-F238E27FC236}">
+                <a16:creationId xmlns:a16="http://schemas.microsoft.com/office/drawing/2014/main" id="{F9F81279-FAFC-CC33-46A5-80AD2FE4EF4E}"/>
+              </a:ext>
+            </a:extLst>
+          </p:cNvPr>
+          <p:cNvCxnSpPr>
+            <a:cxnSpLocks/>
+          </p:cNvCxnSpPr>
+          <p:nvPr/>
+        </p:nvCxnSpPr>
+        <p:spPr>
+          <a:xfrm>
+            <a:off x="6639326" y="2477509"/>
+            <a:ext cx="720925" cy="0"/>
+          </a:xfrm>
+          <a:prstGeom prst="line">
+            <a:avLst/>
+          </a:prstGeom>
+          <a:ln>
+            <a:headEnd type="none" w="med" len="med"/>
+            <a:tailEnd type="arrow" w="med" len="med"/>
+          </a:ln>
+        </p:spPr>
+        <p:style>
+          <a:lnRef idx="3">
+            <a:schemeClr val="accent2"/>
+          </a:lnRef>
+          <a:fillRef idx="0">
+            <a:schemeClr val="accent2"/>
+          </a:fillRef>
+          <a:effectRef idx="2">
+            <a:schemeClr val="accent2"/>
+          </a:effectRef>
+          <a:fontRef idx="minor">
+            <a:schemeClr val="tx1"/>
+          </a:fontRef>
+        </p:style>
+      </p:cxnSp>
+      <p:cxnSp>
+        <p:nvCxnSpPr>
+          <p:cNvPr id="456" name="Straight Connector 455">
+            <a:extLst>
+              <a:ext uri="{FF2B5EF4-FFF2-40B4-BE49-F238E27FC236}">
+                <a16:creationId xmlns:a16="http://schemas.microsoft.com/office/drawing/2014/main" id="{A043405A-183D-B9E2-C549-80FECDBBC2D0}"/>
+              </a:ext>
+            </a:extLst>
+          </p:cNvPr>
+          <p:cNvCxnSpPr>
+            <a:cxnSpLocks/>
+          </p:cNvCxnSpPr>
+          <p:nvPr/>
+        </p:nvCxnSpPr>
+        <p:spPr>
+          <a:xfrm>
+            <a:off x="4020161" y="4127500"/>
+            <a:ext cx="0" cy="96533"/>
+          </a:xfrm>
+          <a:prstGeom prst="line">
+            <a:avLst/>
+          </a:prstGeom>
+          <a:ln>
+            <a:headEnd type="none" w="med" len="med"/>
+            <a:tailEnd type="arrow" w="med" len="med"/>
+          </a:ln>
+        </p:spPr>
+        <p:style>
+          <a:lnRef idx="3">
+            <a:schemeClr val="accent6"/>
+          </a:lnRef>
+          <a:fillRef idx="0">
+            <a:schemeClr val="accent6"/>
+          </a:fillRef>
+          <a:effectRef idx="2">
+            <a:schemeClr val="accent6"/>
+          </a:effectRef>
+          <a:fontRef idx="minor">
+            <a:schemeClr val="tx1"/>
+          </a:fontRef>
+        </p:style>
+      </p:cxnSp>
+      <p:cxnSp>
+        <p:nvCxnSpPr>
+          <p:cNvPr id="459" name="Straight Connector 458">
+            <a:extLst>
+              <a:ext uri="{FF2B5EF4-FFF2-40B4-BE49-F238E27FC236}">
+                <a16:creationId xmlns:a16="http://schemas.microsoft.com/office/drawing/2014/main" id="{ED5C41B2-208E-5BEA-85F6-074F907521C3}"/>
+              </a:ext>
+            </a:extLst>
+          </p:cNvPr>
+          <p:cNvCxnSpPr>
+            <a:cxnSpLocks/>
+          </p:cNvCxnSpPr>
+          <p:nvPr/>
+        </p:nvCxnSpPr>
+        <p:spPr>
+          <a:xfrm flipH="1">
+            <a:off x="4012564" y="4115657"/>
+            <a:ext cx="783412" cy="0"/>
+          </a:xfrm>
+          <a:prstGeom prst="line">
+            <a:avLst/>
+          </a:prstGeom>
+          <a:ln>
+            <a:headEnd type="none" w="med" len="med"/>
+            <a:tailEnd type="none" w="med" len="med"/>
+          </a:ln>
+        </p:spPr>
+        <p:style>
+          <a:lnRef idx="3">
+            <a:schemeClr val="accent2"/>
+          </a:lnRef>
+          <a:fillRef idx="0">
+            <a:schemeClr val="accent2"/>
+          </a:fillRef>
+          <a:effectRef idx="2">
+            <a:schemeClr val="accent2"/>
+          </a:effectRef>
+          <a:fontRef idx="minor">
+            <a:schemeClr val="tx1"/>
+          </a:fontRef>
+        </p:style>
+      </p:cxnSp>
+      <p:cxnSp>
+        <p:nvCxnSpPr>
+          <p:cNvPr id="462" name="Straight Connector 461">
+            <a:extLst>
+              <a:ext uri="{FF2B5EF4-FFF2-40B4-BE49-F238E27FC236}">
+                <a16:creationId xmlns:a16="http://schemas.microsoft.com/office/drawing/2014/main" id="{FFFC44EF-95B5-81B8-6E58-839B23C27593}"/>
+              </a:ext>
+            </a:extLst>
+          </p:cNvPr>
+          <p:cNvCxnSpPr>
+            <a:cxnSpLocks/>
+          </p:cNvCxnSpPr>
+          <p:nvPr/>
+        </p:nvCxnSpPr>
+        <p:spPr>
+          <a:xfrm>
+            <a:off x="3926027" y="4051998"/>
+            <a:ext cx="6961" cy="171575"/>
+          </a:xfrm>
+          <a:prstGeom prst="line">
+            <a:avLst/>
+          </a:prstGeom>
+          <a:ln>
+            <a:headEnd type="none" w="med" len="med"/>
+            <a:tailEnd type="arrow" w="med" len="med"/>
+          </a:ln>
+        </p:spPr>
+        <p:style>
+          <a:lnRef idx="3">
+            <a:schemeClr val="accent6"/>
+          </a:lnRef>
+          <a:fillRef idx="0">
+            <a:schemeClr val="accent6"/>
+          </a:fillRef>
+          <a:effectRef idx="2">
+            <a:schemeClr val="accent6"/>
+          </a:effectRef>
+          <a:fontRef idx="minor">
+            <a:schemeClr val="tx1"/>
+          </a:fontRef>
+        </p:style>
+      </p:cxnSp>
+      <p:cxnSp>
+        <p:nvCxnSpPr>
+          <p:cNvPr id="466" name="Straight Connector 465">
+            <a:extLst>
+              <a:ext uri="{FF2B5EF4-FFF2-40B4-BE49-F238E27FC236}">
+                <a16:creationId xmlns:a16="http://schemas.microsoft.com/office/drawing/2014/main" id="{4E1D5358-1F82-EF11-CD5A-78C9383248FC}"/>
+              </a:ext>
+            </a:extLst>
+          </p:cNvPr>
+          <p:cNvCxnSpPr>
+            <a:cxnSpLocks/>
+          </p:cNvCxnSpPr>
+          <p:nvPr/>
+        </p:nvCxnSpPr>
+        <p:spPr>
+          <a:xfrm flipH="1">
+            <a:off x="3926027" y="4051998"/>
+            <a:ext cx="1032053" cy="0"/>
+          </a:xfrm>
+          <a:prstGeom prst="line">
+            <a:avLst/>
+          </a:prstGeom>
+          <a:ln>
+            <a:headEnd type="none" w="med" len="med"/>
+            <a:tailEnd type="none" w="med" len="med"/>
+          </a:ln>
+        </p:spPr>
+        <p:style>
+          <a:lnRef idx="3">
+            <a:schemeClr val="accent2"/>
+          </a:lnRef>
+          <a:fillRef idx="0">
+            <a:schemeClr val="accent2"/>
+          </a:fillRef>
+          <a:effectRef idx="2">
+            <a:schemeClr val="accent2"/>
+          </a:effectRef>
+          <a:fontRef idx="minor">
+            <a:schemeClr val="tx1"/>
+          </a:fontRef>
+        </p:style>
+      </p:cxnSp>
+      <p:cxnSp>
+        <p:nvCxnSpPr>
+          <p:cNvPr id="470" name="Straight Connector 469">
+            <a:extLst>
+              <a:ext uri="{FF2B5EF4-FFF2-40B4-BE49-F238E27FC236}">
+                <a16:creationId xmlns:a16="http://schemas.microsoft.com/office/drawing/2014/main" id="{39698543-1FE9-43D5-7D6B-5E721B132DE3}"/>
+              </a:ext>
+            </a:extLst>
+          </p:cNvPr>
+          <p:cNvCxnSpPr>
+            <a:cxnSpLocks/>
+          </p:cNvCxnSpPr>
+          <p:nvPr/>
+        </p:nvCxnSpPr>
+        <p:spPr>
+          <a:xfrm>
+            <a:off x="4795976" y="4119664"/>
+            <a:ext cx="0" cy="1143216"/>
+          </a:xfrm>
+          <a:prstGeom prst="line">
+            <a:avLst/>
+          </a:prstGeom>
+          <a:ln>
+            <a:headEnd type="none" w="med" len="med"/>
+            <a:tailEnd type="none" w="med" len="med"/>
+          </a:ln>
+        </p:spPr>
+        <p:style>
+          <a:lnRef idx="3">
+            <a:schemeClr val="accent6"/>
+          </a:lnRef>
+          <a:fillRef idx="0">
+            <a:schemeClr val="accent6"/>
+          </a:fillRef>
+          <a:effectRef idx="2">
+            <a:schemeClr val="accent6"/>
+          </a:effectRef>
+          <a:fontRef idx="minor">
+            <a:schemeClr val="tx1"/>
+          </a:fontRef>
+        </p:style>
+      </p:cxnSp>
+      <p:cxnSp>
+        <p:nvCxnSpPr>
+          <p:cNvPr id="476" name="Straight Connector 475">
+            <a:extLst>
+              <a:ext uri="{FF2B5EF4-FFF2-40B4-BE49-F238E27FC236}">
+                <a16:creationId xmlns:a16="http://schemas.microsoft.com/office/drawing/2014/main" id="{DE2C5F53-3784-E017-9C87-6972251CD686}"/>
+              </a:ext>
+            </a:extLst>
+          </p:cNvPr>
+          <p:cNvCxnSpPr>
+            <a:cxnSpLocks/>
+          </p:cNvCxnSpPr>
+          <p:nvPr/>
+        </p:nvCxnSpPr>
+        <p:spPr>
+          <a:xfrm flipH="1">
+            <a:off x="4956569" y="4051998"/>
+            <a:ext cx="1511" cy="1456080"/>
+          </a:xfrm>
+          <a:prstGeom prst="line">
+            <a:avLst/>
+          </a:prstGeom>
+          <a:ln>
+            <a:headEnd type="none" w="med" len="med"/>
+            <a:tailEnd type="none" w="med" len="med"/>
+          </a:ln>
+        </p:spPr>
+        <p:style>
+          <a:lnRef idx="3">
+            <a:schemeClr val="accent6"/>
+          </a:lnRef>
+          <a:fillRef idx="0">
+            <a:schemeClr val="accent6"/>
+          </a:fillRef>
+          <a:effectRef idx="2">
+            <a:schemeClr val="accent6"/>
+          </a:effectRef>
+          <a:fontRef idx="minor">
+            <a:schemeClr val="tx1"/>
+          </a:fontRef>
+        </p:style>
+      </p:cxnSp>
+      <p:cxnSp>
+        <p:nvCxnSpPr>
+          <p:cNvPr id="481" name="Straight Connector 480">
+            <a:extLst>
+              <a:ext uri="{FF2B5EF4-FFF2-40B4-BE49-F238E27FC236}">
+                <a16:creationId xmlns:a16="http://schemas.microsoft.com/office/drawing/2014/main" id="{07C04861-5480-5DA1-1739-660AE84DF418}"/>
+              </a:ext>
+            </a:extLst>
+          </p:cNvPr>
+          <p:cNvCxnSpPr>
+            <a:cxnSpLocks/>
+          </p:cNvCxnSpPr>
+          <p:nvPr/>
+        </p:nvCxnSpPr>
+        <p:spPr>
+          <a:xfrm>
+            <a:off x="3838138" y="4119413"/>
+            <a:ext cx="0" cy="96533"/>
+          </a:xfrm>
+          <a:prstGeom prst="line">
+            <a:avLst/>
+          </a:prstGeom>
+          <a:ln>
+            <a:headEnd type="none" w="med" len="med"/>
+            <a:tailEnd type="arrow" w="med" len="med"/>
+          </a:ln>
+        </p:spPr>
+        <p:style>
+          <a:lnRef idx="3">
+            <a:schemeClr val="accent6"/>
+          </a:lnRef>
+          <a:fillRef idx="0">
+            <a:schemeClr val="accent6"/>
+          </a:fillRef>
+          <a:effectRef idx="2">
+            <a:schemeClr val="accent6"/>
+          </a:effectRef>
+          <a:fontRef idx="minor">
+            <a:schemeClr val="tx1"/>
+          </a:fontRef>
+        </p:style>
+      </p:cxnSp>
+      <p:cxnSp>
+        <p:nvCxnSpPr>
+          <p:cNvPr id="482" name="Straight Connector 481">
+            <a:extLst>
+              <a:ext uri="{FF2B5EF4-FFF2-40B4-BE49-F238E27FC236}">
+                <a16:creationId xmlns:a16="http://schemas.microsoft.com/office/drawing/2014/main" id="{CF30317A-D4BA-4B32-FD63-02AAD968AC05}"/>
+              </a:ext>
+            </a:extLst>
+          </p:cNvPr>
+          <p:cNvCxnSpPr>
+            <a:cxnSpLocks/>
+          </p:cNvCxnSpPr>
+          <p:nvPr/>
+        </p:nvCxnSpPr>
+        <p:spPr>
+          <a:xfrm flipH="1">
+            <a:off x="3064916" y="4115657"/>
+            <a:ext cx="783412" cy="0"/>
+          </a:xfrm>
+          <a:prstGeom prst="line">
+            <a:avLst/>
+          </a:prstGeom>
+          <a:ln>
+            <a:headEnd type="none" w="med" len="med"/>
+            <a:tailEnd type="none" w="med" len="med"/>
+          </a:ln>
+        </p:spPr>
+        <p:style>
+          <a:lnRef idx="3">
+            <a:schemeClr val="accent2"/>
+          </a:lnRef>
+          <a:fillRef idx="0">
+            <a:schemeClr val="accent2"/>
+          </a:fillRef>
+          <a:effectRef idx="2">
+            <a:schemeClr val="accent2"/>
+          </a:effectRef>
+          <a:fontRef idx="minor">
+            <a:schemeClr val="tx1"/>
+          </a:fontRef>
+        </p:style>
+      </p:cxnSp>
+      <p:cxnSp>
+        <p:nvCxnSpPr>
+          <p:cNvPr id="484" name="Straight Connector 483">
+            <a:extLst>
+              <a:ext uri="{FF2B5EF4-FFF2-40B4-BE49-F238E27FC236}">
+                <a16:creationId xmlns:a16="http://schemas.microsoft.com/office/drawing/2014/main" id="{19BC9192-A941-B27F-5952-5EC38C8B57A9}"/>
+              </a:ext>
+            </a:extLst>
+          </p:cNvPr>
+          <p:cNvCxnSpPr>
+            <a:cxnSpLocks/>
+          </p:cNvCxnSpPr>
+          <p:nvPr/>
+        </p:nvCxnSpPr>
+        <p:spPr>
+          <a:xfrm flipV="1">
+            <a:off x="3077312" y="4099888"/>
+            <a:ext cx="0" cy="1482664"/>
+          </a:xfrm>
+          <a:prstGeom prst="line">
+            <a:avLst/>
+          </a:prstGeom>
+          <a:ln>
+            <a:headEnd type="none" w="med" len="med"/>
+            <a:tailEnd type="none" w="med" len="med"/>
+          </a:ln>
+        </p:spPr>
+        <p:style>
+          <a:lnRef idx="3">
+            <a:schemeClr val="accent6"/>
+          </a:lnRef>
+          <a:fillRef idx="0">
+            <a:schemeClr val="accent6"/>
+          </a:fillRef>
+          <a:effectRef idx="2">
+            <a:schemeClr val="accent6"/>
+          </a:effectRef>
+          <a:fontRef idx="minor">
+            <a:schemeClr val="tx1"/>
+          </a:fontRef>
+        </p:style>
+      </p:cxnSp>
+      <p:cxnSp>
+        <p:nvCxnSpPr>
+          <p:cNvPr id="490" name="Straight Connector 489">
+            <a:extLst>
+              <a:ext uri="{FF2B5EF4-FFF2-40B4-BE49-F238E27FC236}">
+                <a16:creationId xmlns:a16="http://schemas.microsoft.com/office/drawing/2014/main" id="{7880E325-1E2D-FD90-96E9-EDB38130F8EF}"/>
+              </a:ext>
+            </a:extLst>
+          </p:cNvPr>
+          <p:cNvCxnSpPr>
+            <a:cxnSpLocks/>
+          </p:cNvCxnSpPr>
+          <p:nvPr/>
+        </p:nvCxnSpPr>
+        <p:spPr>
+          <a:xfrm>
+            <a:off x="3657826" y="1250932"/>
+            <a:ext cx="23816" cy="2991128"/>
+          </a:xfrm>
+          <a:prstGeom prst="line">
+            <a:avLst/>
+          </a:prstGeom>
+          <a:ln>
+            <a:headEnd type="none" w="med" len="med"/>
+            <a:tailEnd type="arrow" w="med" len="med"/>
+          </a:ln>
+        </p:spPr>
+        <p:style>
+          <a:lnRef idx="3">
+            <a:schemeClr val="accent6"/>
+          </a:lnRef>
+          <a:fillRef idx="0">
+            <a:schemeClr val="accent6"/>
+          </a:fillRef>
+          <a:effectRef idx="2">
+            <a:schemeClr val="accent6"/>
+          </a:effectRef>
+          <a:fontRef idx="minor">
+            <a:schemeClr val="tx1"/>
+          </a:fontRef>
+        </p:style>
+      </p:cxnSp>
+      <p:cxnSp>
+        <p:nvCxnSpPr>
+          <p:cNvPr id="499" name="Straight Connector 498">
+            <a:extLst>
+              <a:ext uri="{FF2B5EF4-FFF2-40B4-BE49-F238E27FC236}">
+                <a16:creationId xmlns:a16="http://schemas.microsoft.com/office/drawing/2014/main" id="{352ABFC2-3DAD-B11F-9C60-C8B5E2645B71}"/>
+              </a:ext>
+            </a:extLst>
+          </p:cNvPr>
+          <p:cNvCxnSpPr>
+            <a:cxnSpLocks/>
+          </p:cNvCxnSpPr>
+          <p:nvPr/>
+        </p:nvCxnSpPr>
+        <p:spPr>
+          <a:xfrm>
+            <a:off x="2519131" y="1243022"/>
+            <a:ext cx="1145572" cy="0"/>
+          </a:xfrm>
+          <a:prstGeom prst="line">
+            <a:avLst/>
+          </a:prstGeom>
+          <a:ln>
+            <a:headEnd type="none" w="med" len="med"/>
+            <a:tailEnd type="none" w="med" len="med"/>
+          </a:ln>
+        </p:spPr>
+        <p:style>
+          <a:lnRef idx="3">
+            <a:schemeClr val="accent2"/>
+          </a:lnRef>
+          <a:fillRef idx="0">
+            <a:schemeClr val="accent2"/>
+          </a:fillRef>
+          <a:effectRef idx="2">
+            <a:schemeClr val="accent2"/>
+          </a:effectRef>
+          <a:fontRef idx="minor">
+            <a:schemeClr val="tx1"/>
+          </a:fontRef>
+        </p:style>
+      </p:cxnSp>
+      <p:cxnSp>
+        <p:nvCxnSpPr>
+          <p:cNvPr id="502" name="Straight Connector 501">
+            <a:extLst>
+              <a:ext uri="{FF2B5EF4-FFF2-40B4-BE49-F238E27FC236}">
+                <a16:creationId xmlns:a16="http://schemas.microsoft.com/office/drawing/2014/main" id="{8A292BD0-CF81-6D61-2F69-F9E1775C28AB}"/>
+              </a:ext>
+            </a:extLst>
+          </p:cNvPr>
+          <p:cNvCxnSpPr>
+            <a:cxnSpLocks/>
+          </p:cNvCxnSpPr>
+          <p:nvPr/>
+        </p:nvCxnSpPr>
+        <p:spPr>
+          <a:xfrm flipH="1" flipV="1">
+            <a:off x="2517587" y="1250001"/>
+            <a:ext cx="35113" cy="4516448"/>
+          </a:xfrm>
+          <a:prstGeom prst="line">
+            <a:avLst/>
+          </a:prstGeom>
+          <a:ln>
+            <a:headEnd type="none" w="med" len="med"/>
+            <a:tailEnd type="none" w="med" len="med"/>
+          </a:ln>
+        </p:spPr>
+        <p:style>
+          <a:lnRef idx="3">
+            <a:schemeClr val="accent6"/>
+          </a:lnRef>
+          <a:fillRef idx="0">
+            <a:schemeClr val="accent6"/>
+          </a:fillRef>
+          <a:effectRef idx="2">
+            <a:schemeClr val="accent6"/>
+          </a:effectRef>
+          <a:fontRef idx="minor">
+            <a:schemeClr val="tx1"/>
+          </a:fontRef>
+        </p:style>
+      </p:cxnSp>
+      <p:sp>
+        <p:nvSpPr>
+          <p:cNvPr id="510" name="Rectangle 509">
+            <a:extLst>
+              <a:ext uri="{FF2B5EF4-FFF2-40B4-BE49-F238E27FC236}">
+                <a16:creationId xmlns:a16="http://schemas.microsoft.com/office/drawing/2014/main" id="{B1BB5530-C9AD-96F0-FC28-A1E275CEE1A3}"/>
+              </a:ext>
+            </a:extLst>
+          </p:cNvPr>
+          <p:cNvSpPr/>
+          <p:nvPr/>
+        </p:nvSpPr>
+        <p:spPr>
+          <a:xfrm>
+            <a:off x="4558691" y="53750"/>
+            <a:ext cx="2631945" cy="257222"/>
+          </a:xfrm>
+          <a:prstGeom prst="rect">
+            <a:avLst/>
+          </a:prstGeom>
+        </p:spPr>
+        <p:style>
+          <a:lnRef idx="2">
+            <a:schemeClr val="accent1">
+              <a:shade val="15000"/>
+            </a:schemeClr>
+          </a:lnRef>
+          <a:fillRef idx="1">
+            <a:schemeClr val="accent1"/>
+          </a:fillRef>
+          <a:effectRef idx="0">
+            <a:schemeClr val="accent1"/>
+          </a:effectRef>
+          <a:fontRef idx="minor">
+            <a:schemeClr val="lt1"/>
+          </a:fontRef>
+        </p:style>
+        <p:txBody>
+          <a:bodyPr rtlCol="0" anchor="ctr"/>
+          <a:lstStyle/>
+          <a:p>
+            <a:pPr algn="ctr"/>
+            <a:r>
+              <a:rPr lang="en-US" dirty="0"/>
+              <a:t>1 2 3 4 5 6 7 8 9 10 11 12 </a:t>
+            </a:r>
+          </a:p>
+        </p:txBody>
+      </p:sp>
+      <p:sp>
+        <p:nvSpPr>
+          <p:cNvPr id="511" name="Rectangle 510">
+            <a:extLst>
+              <a:ext uri="{FF2B5EF4-FFF2-40B4-BE49-F238E27FC236}">
+                <a16:creationId xmlns:a16="http://schemas.microsoft.com/office/drawing/2014/main" id="{9C679DB2-3643-2A5F-4B94-F28642AC208D}"/>
+              </a:ext>
+            </a:extLst>
+          </p:cNvPr>
+          <p:cNvSpPr/>
+          <p:nvPr/>
+        </p:nvSpPr>
+        <p:spPr>
+          <a:xfrm>
+            <a:off x="4536890" y="6014471"/>
+            <a:ext cx="2631945" cy="257222"/>
+          </a:xfrm>
+          <a:prstGeom prst="rect">
+            <a:avLst/>
+          </a:prstGeom>
+        </p:spPr>
+        <p:style>
+          <a:lnRef idx="2">
+            <a:schemeClr val="accent1">
+              <a:shade val="15000"/>
+            </a:schemeClr>
+          </a:lnRef>
+          <a:fillRef idx="1">
+            <a:schemeClr val="accent1"/>
+          </a:fillRef>
+          <a:effectRef idx="0">
+            <a:schemeClr val="accent1"/>
+          </a:effectRef>
+          <a:fontRef idx="minor">
+            <a:schemeClr val="lt1"/>
+          </a:fontRef>
+        </p:style>
+        <p:txBody>
+          <a:bodyPr rtlCol="0" anchor="ctr"/>
+          <a:lstStyle/>
+          <a:p>
+            <a:pPr algn="ctr"/>
+            <a:r>
+              <a:rPr lang="en-US" dirty="0"/>
+              <a:t>1 2 3 4 5 6 7 8 9 10 11 12 </a:t>
+            </a:r>
+          </a:p>
+        </p:txBody>
+      </p:sp>
     </p:spTree>
     <p:extLst>
       <p:ext uri="{BB962C8B-B14F-4D97-AF65-F5344CB8AC3E}">
         <p14:creationId xmlns:p14="http://schemas.microsoft.com/office/powerpoint/2010/main" val="969395332"/>
+      </p:ext>
+    </p:extLst>
+  </p:cSld>
+  <p:clrMapOvr>
+    <a:masterClrMapping/>
+  </p:clrMapOvr>
+</p:sld>
+</file>
+
+<file path=ppt/slides/slide4.xml><?xml version="1.0" encoding="utf-8"?>
+<p:sld xmlns:a="http://schemas.openxmlformats.org/drawingml/2006/main" xmlns:r="http://schemas.openxmlformats.org/officeDocument/2006/relationships" xmlns:p="http://schemas.openxmlformats.org/presentationml/2006/main">
+  <p:cSld>
+    <p:spTree>
+      <p:nvGrpSpPr>
+        <p:cNvPr id="1" name="">
+          <a:extLst>
+            <a:ext uri="{FF2B5EF4-FFF2-40B4-BE49-F238E27FC236}">
+              <a16:creationId xmlns:a16="http://schemas.microsoft.com/office/drawing/2014/main" id="{5C230C6A-F12A-D8B6-DEEA-80F9F70FE346}"/>
+            </a:ext>
+          </a:extLst>
+        </p:cNvPr>
+        <p:cNvGrpSpPr/>
+        <p:nvPr/>
+      </p:nvGrpSpPr>
+      <p:grpSpPr>
+        <a:xfrm>
+          <a:off x="0" y="0"/>
+          <a:ext cx="0" cy="0"/>
+          <a:chOff x="0" y="0"/>
+          <a:chExt cx="0" cy="0"/>
+        </a:xfrm>
+      </p:grpSpPr>
+      <p:pic>
+        <p:nvPicPr>
+          <p:cNvPr id="8" name="Picture 7">
+            <a:extLst>
+              <a:ext uri="{FF2B5EF4-FFF2-40B4-BE49-F238E27FC236}">
+                <a16:creationId xmlns:a16="http://schemas.microsoft.com/office/drawing/2014/main" id="{18CC041F-1AF3-2F64-A2F0-2C0EAC6DC867}"/>
+              </a:ext>
+            </a:extLst>
+          </p:cNvPr>
+          <p:cNvPicPr>
+            <a:picLocks noChangeAspect="1"/>
+          </p:cNvPicPr>
+          <p:nvPr/>
+        </p:nvPicPr>
+        <p:blipFill>
+          <a:blip r:embed="rId2"/>
+          <a:stretch>
+            <a:fillRect/>
+          </a:stretch>
+        </p:blipFill>
+        <p:spPr>
+          <a:xfrm>
+            <a:off x="7024724" y="389179"/>
+            <a:ext cx="3040124" cy="4430871"/>
+          </a:xfrm>
+          <a:prstGeom prst="rect">
+            <a:avLst/>
+          </a:prstGeom>
+        </p:spPr>
+      </p:pic>
+      <p:pic>
+        <p:nvPicPr>
+          <p:cNvPr id="10" name="Picture 9">
+            <a:extLst>
+              <a:ext uri="{FF2B5EF4-FFF2-40B4-BE49-F238E27FC236}">
+                <a16:creationId xmlns:a16="http://schemas.microsoft.com/office/drawing/2014/main" id="{38B54E88-57AD-2092-059C-FA91C5B3E91B}"/>
+              </a:ext>
+            </a:extLst>
+          </p:cNvPr>
+          <p:cNvPicPr>
+            <a:picLocks noChangeAspect="1"/>
+          </p:cNvPicPr>
+          <p:nvPr/>
+        </p:nvPicPr>
+        <p:blipFill>
+          <a:blip r:embed="rId3"/>
+          <a:stretch>
+            <a:fillRect/>
+          </a:stretch>
+        </p:blipFill>
+        <p:spPr>
+          <a:xfrm rot="5400000">
+            <a:off x="1613377" y="1533833"/>
+            <a:ext cx="4296930" cy="1869344"/>
+          </a:xfrm>
+          <a:prstGeom prst="rect">
+            <a:avLst/>
+          </a:prstGeom>
+        </p:spPr>
+      </p:pic>
+      <p:cxnSp>
+        <p:nvCxnSpPr>
+          <p:cNvPr id="22" name="Straight Connector 21">
+            <a:extLst>
+              <a:ext uri="{FF2B5EF4-FFF2-40B4-BE49-F238E27FC236}">
+                <a16:creationId xmlns:a16="http://schemas.microsoft.com/office/drawing/2014/main" id="{4DBDB0B0-88B6-770A-F66A-5E327F70C34B}"/>
+              </a:ext>
+            </a:extLst>
+          </p:cNvPr>
+          <p:cNvCxnSpPr>
+            <a:cxnSpLocks/>
+          </p:cNvCxnSpPr>
+          <p:nvPr/>
+        </p:nvCxnSpPr>
+        <p:spPr>
+          <a:xfrm flipV="1">
+            <a:off x="3409742" y="4324938"/>
+            <a:ext cx="5288" cy="314771"/>
+          </a:xfrm>
+          <a:prstGeom prst="line">
+            <a:avLst/>
+          </a:prstGeom>
+          <a:ln>
+            <a:headEnd type="none" w="med" len="med"/>
+            <a:tailEnd type="arrow" w="med" len="med"/>
+          </a:ln>
+        </p:spPr>
+        <p:style>
+          <a:lnRef idx="3">
+            <a:schemeClr val="accent1"/>
+          </a:lnRef>
+          <a:fillRef idx="0">
+            <a:schemeClr val="accent1"/>
+          </a:fillRef>
+          <a:effectRef idx="2">
+            <a:schemeClr val="accent1"/>
+          </a:effectRef>
+          <a:fontRef idx="minor">
+            <a:schemeClr val="tx1"/>
+          </a:fontRef>
+        </p:style>
+      </p:cxnSp>
+      <p:cxnSp>
+        <p:nvCxnSpPr>
+          <p:cNvPr id="40" name="Straight Connector 39">
+            <a:extLst>
+              <a:ext uri="{FF2B5EF4-FFF2-40B4-BE49-F238E27FC236}">
+                <a16:creationId xmlns:a16="http://schemas.microsoft.com/office/drawing/2014/main" id="{426703A5-413F-3771-22A2-FECB8F1108A8}"/>
+              </a:ext>
+            </a:extLst>
+          </p:cNvPr>
+          <p:cNvCxnSpPr>
+            <a:cxnSpLocks/>
+          </p:cNvCxnSpPr>
+          <p:nvPr/>
+        </p:nvCxnSpPr>
+        <p:spPr>
+          <a:xfrm flipH="1" flipV="1">
+            <a:off x="4012564" y="4298662"/>
+            <a:ext cx="7597" cy="1043599"/>
+          </a:xfrm>
+          <a:prstGeom prst="line">
+            <a:avLst/>
+          </a:prstGeom>
+          <a:ln>
+            <a:headEnd type="none" w="med" len="med"/>
+            <a:tailEnd type="arrow" w="med" len="med"/>
+          </a:ln>
+        </p:spPr>
+        <p:style>
+          <a:lnRef idx="3">
+            <a:schemeClr val="accent1"/>
+          </a:lnRef>
+          <a:fillRef idx="0">
+            <a:schemeClr val="accent1"/>
+          </a:fillRef>
+          <a:effectRef idx="2">
+            <a:schemeClr val="accent1"/>
+          </a:effectRef>
+          <a:fontRef idx="minor">
+            <a:schemeClr val="tx1"/>
+          </a:fontRef>
+        </p:style>
+      </p:cxnSp>
+      <p:cxnSp>
+        <p:nvCxnSpPr>
+          <p:cNvPr id="51" name="Straight Connector 50">
+            <a:extLst>
+              <a:ext uri="{FF2B5EF4-FFF2-40B4-BE49-F238E27FC236}">
+                <a16:creationId xmlns:a16="http://schemas.microsoft.com/office/drawing/2014/main" id="{1F3BF0F0-DCED-02B9-D27A-CED1B582F79F}"/>
+              </a:ext>
+            </a:extLst>
+          </p:cNvPr>
+          <p:cNvCxnSpPr>
+            <a:cxnSpLocks/>
+          </p:cNvCxnSpPr>
+          <p:nvPr/>
+        </p:nvCxnSpPr>
+        <p:spPr>
+          <a:xfrm flipV="1">
+            <a:off x="3935450" y="4295313"/>
+            <a:ext cx="0" cy="1118120"/>
+          </a:xfrm>
+          <a:prstGeom prst="line">
+            <a:avLst/>
+          </a:prstGeom>
+          <a:ln>
+            <a:headEnd type="none" w="med" len="med"/>
+            <a:tailEnd type="arrow" w="med" len="med"/>
+          </a:ln>
+        </p:spPr>
+        <p:style>
+          <a:lnRef idx="3">
+            <a:schemeClr val="accent1"/>
+          </a:lnRef>
+          <a:fillRef idx="0">
+            <a:schemeClr val="accent1"/>
+          </a:fillRef>
+          <a:effectRef idx="2">
+            <a:schemeClr val="accent1"/>
+          </a:effectRef>
+          <a:fontRef idx="minor">
+            <a:schemeClr val="tx1"/>
+          </a:fontRef>
+        </p:style>
+      </p:cxnSp>
+      <p:cxnSp>
+        <p:nvCxnSpPr>
+          <p:cNvPr id="38" name="Straight Connector 37">
+            <a:extLst>
+              <a:ext uri="{FF2B5EF4-FFF2-40B4-BE49-F238E27FC236}">
+                <a16:creationId xmlns:a16="http://schemas.microsoft.com/office/drawing/2014/main" id="{EDAC3629-BFBA-6468-B0F0-196A6D256088}"/>
+              </a:ext>
+            </a:extLst>
+          </p:cNvPr>
+          <p:cNvCxnSpPr>
+            <a:cxnSpLocks/>
+          </p:cNvCxnSpPr>
+          <p:nvPr/>
+        </p:nvCxnSpPr>
+        <p:spPr>
+          <a:xfrm flipV="1">
+            <a:off x="5745496" y="2597116"/>
+            <a:ext cx="1602026" cy="5935"/>
+          </a:xfrm>
+          <a:prstGeom prst="line">
+            <a:avLst/>
+          </a:prstGeom>
+          <a:ln>
+            <a:headEnd type="none" w="med" len="med"/>
+            <a:tailEnd type="arrow" w="med" len="med"/>
+          </a:ln>
+        </p:spPr>
+        <p:style>
+          <a:lnRef idx="3">
+            <a:schemeClr val="accent1"/>
+          </a:lnRef>
+          <a:fillRef idx="0">
+            <a:schemeClr val="accent1"/>
+          </a:fillRef>
+          <a:effectRef idx="2">
+            <a:schemeClr val="accent1"/>
+          </a:effectRef>
+          <a:fontRef idx="minor">
+            <a:schemeClr val="tx1"/>
+          </a:fontRef>
+        </p:style>
+      </p:cxnSp>
+      <p:cxnSp>
+        <p:nvCxnSpPr>
+          <p:cNvPr id="99" name="Straight Connector 98">
+            <a:extLst>
+              <a:ext uri="{FF2B5EF4-FFF2-40B4-BE49-F238E27FC236}">
+                <a16:creationId xmlns:a16="http://schemas.microsoft.com/office/drawing/2014/main" id="{DA3E2AE3-86AC-889F-CA57-242C6FE455B4}"/>
+              </a:ext>
+            </a:extLst>
+          </p:cNvPr>
+          <p:cNvCxnSpPr>
+            <a:cxnSpLocks/>
+          </p:cNvCxnSpPr>
+          <p:nvPr/>
+        </p:nvCxnSpPr>
+        <p:spPr>
+          <a:xfrm flipH="1">
+            <a:off x="4553177" y="2053303"/>
+            <a:ext cx="908865" cy="0"/>
+          </a:xfrm>
+          <a:prstGeom prst="line">
+            <a:avLst/>
+          </a:prstGeom>
+          <a:ln>
+            <a:headEnd type="none" w="med" len="med"/>
+            <a:tailEnd type="arrow" w="med" len="med"/>
+          </a:ln>
+        </p:spPr>
+        <p:style>
+          <a:lnRef idx="3">
+            <a:schemeClr val="accent1"/>
+          </a:lnRef>
+          <a:fillRef idx="0">
+            <a:schemeClr val="accent1"/>
+          </a:fillRef>
+          <a:effectRef idx="2">
+            <a:schemeClr val="accent1"/>
+          </a:effectRef>
+          <a:fontRef idx="minor">
+            <a:schemeClr val="tx1"/>
+          </a:fontRef>
+        </p:style>
+      </p:cxnSp>
+      <p:cxnSp>
+        <p:nvCxnSpPr>
+          <p:cNvPr id="104" name="Straight Connector 103">
+            <a:extLst>
+              <a:ext uri="{FF2B5EF4-FFF2-40B4-BE49-F238E27FC236}">
+                <a16:creationId xmlns:a16="http://schemas.microsoft.com/office/drawing/2014/main" id="{3C43BFD5-64A2-5E1F-7EF5-016FE8A5EEEF}"/>
+              </a:ext>
+            </a:extLst>
+          </p:cNvPr>
+          <p:cNvCxnSpPr>
+            <a:cxnSpLocks/>
+          </p:cNvCxnSpPr>
+          <p:nvPr/>
+        </p:nvCxnSpPr>
+        <p:spPr>
+          <a:xfrm flipH="1">
+            <a:off x="4581083" y="2316048"/>
+            <a:ext cx="1051621" cy="0"/>
+          </a:xfrm>
+          <a:prstGeom prst="line">
+            <a:avLst/>
+          </a:prstGeom>
+          <a:ln>
+            <a:headEnd type="none" w="med" len="med"/>
+            <a:tailEnd type="arrow" w="med" len="med"/>
+          </a:ln>
+        </p:spPr>
+        <p:style>
+          <a:lnRef idx="3">
+            <a:schemeClr val="accent1"/>
+          </a:lnRef>
+          <a:fillRef idx="0">
+            <a:schemeClr val="accent1"/>
+          </a:fillRef>
+          <a:effectRef idx="2">
+            <a:schemeClr val="accent1"/>
+          </a:effectRef>
+          <a:fontRef idx="minor">
+            <a:schemeClr val="tx1"/>
+          </a:fontRef>
+        </p:style>
+      </p:cxnSp>
+      <p:cxnSp>
+        <p:nvCxnSpPr>
+          <p:cNvPr id="116" name="Straight Connector 115">
+            <a:extLst>
+              <a:ext uri="{FF2B5EF4-FFF2-40B4-BE49-F238E27FC236}">
+                <a16:creationId xmlns:a16="http://schemas.microsoft.com/office/drawing/2014/main" id="{A521088F-6427-D241-5AB1-BD6DE513551C}"/>
+              </a:ext>
+            </a:extLst>
+          </p:cNvPr>
+          <p:cNvCxnSpPr>
+            <a:cxnSpLocks/>
+          </p:cNvCxnSpPr>
+          <p:nvPr/>
+        </p:nvCxnSpPr>
+        <p:spPr>
+          <a:xfrm flipH="1">
+            <a:off x="4587900" y="2994976"/>
+            <a:ext cx="1817031" cy="0"/>
+          </a:xfrm>
+          <a:prstGeom prst="line">
+            <a:avLst/>
+          </a:prstGeom>
+          <a:ln>
+            <a:headEnd type="none" w="med" len="med"/>
+            <a:tailEnd type="arrow" w="med" len="med"/>
+          </a:ln>
+        </p:spPr>
+        <p:style>
+          <a:lnRef idx="3">
+            <a:schemeClr val="accent1"/>
+          </a:lnRef>
+          <a:fillRef idx="0">
+            <a:schemeClr val="accent1"/>
+          </a:fillRef>
+          <a:effectRef idx="2">
+            <a:schemeClr val="accent1"/>
+          </a:effectRef>
+          <a:fontRef idx="minor">
+            <a:schemeClr val="tx1"/>
+          </a:fontRef>
+        </p:style>
+      </p:cxnSp>
+      <p:cxnSp>
+        <p:nvCxnSpPr>
+          <p:cNvPr id="129" name="Straight Connector 128">
+            <a:extLst>
+              <a:ext uri="{FF2B5EF4-FFF2-40B4-BE49-F238E27FC236}">
+                <a16:creationId xmlns:a16="http://schemas.microsoft.com/office/drawing/2014/main" id="{DB09E062-426F-AF03-82D1-5A741CC89C2D}"/>
+              </a:ext>
+            </a:extLst>
+          </p:cNvPr>
+          <p:cNvCxnSpPr>
+            <a:cxnSpLocks/>
+          </p:cNvCxnSpPr>
+          <p:nvPr/>
+        </p:nvCxnSpPr>
+        <p:spPr>
+          <a:xfrm>
+            <a:off x="5232801" y="3786625"/>
+            <a:ext cx="5334" cy="1382903"/>
+          </a:xfrm>
+          <a:prstGeom prst="line">
+            <a:avLst/>
+          </a:prstGeom>
+          <a:ln>
+            <a:headEnd type="none" w="med" len="med"/>
+            <a:tailEnd type="none" w="med" len="med"/>
+          </a:ln>
+        </p:spPr>
+        <p:style>
+          <a:lnRef idx="3">
+            <a:schemeClr val="accent1"/>
+          </a:lnRef>
+          <a:fillRef idx="0">
+            <a:schemeClr val="accent1"/>
+          </a:fillRef>
+          <a:effectRef idx="2">
+            <a:schemeClr val="accent1"/>
+          </a:effectRef>
+          <a:fontRef idx="minor">
+            <a:schemeClr val="tx1"/>
+          </a:fontRef>
+        </p:style>
+      </p:cxnSp>
+      <p:cxnSp>
+        <p:nvCxnSpPr>
+          <p:cNvPr id="132" name="Straight Connector 131">
+            <a:extLst>
+              <a:ext uri="{FF2B5EF4-FFF2-40B4-BE49-F238E27FC236}">
+                <a16:creationId xmlns:a16="http://schemas.microsoft.com/office/drawing/2014/main" id="{743C456E-1995-C0F0-D513-6215042DD07F}"/>
+              </a:ext>
+            </a:extLst>
+          </p:cNvPr>
+          <p:cNvCxnSpPr>
+            <a:cxnSpLocks/>
+          </p:cNvCxnSpPr>
+          <p:nvPr/>
+        </p:nvCxnSpPr>
+        <p:spPr>
+          <a:xfrm>
+            <a:off x="5232801" y="5154095"/>
+            <a:ext cx="3054343" cy="0"/>
+          </a:xfrm>
+          <a:prstGeom prst="line">
+            <a:avLst/>
+          </a:prstGeom>
+          <a:ln>
+            <a:headEnd type="none" w="med" len="med"/>
+            <a:tailEnd type="none" w="med" len="med"/>
+          </a:ln>
+        </p:spPr>
+        <p:style>
+          <a:lnRef idx="3">
+            <a:schemeClr val="accent1"/>
+          </a:lnRef>
+          <a:fillRef idx="0">
+            <a:schemeClr val="accent1"/>
+          </a:fillRef>
+          <a:effectRef idx="2">
+            <a:schemeClr val="accent1"/>
+          </a:effectRef>
+          <a:fontRef idx="minor">
+            <a:schemeClr val="tx1"/>
+          </a:fontRef>
+        </p:style>
+      </p:cxnSp>
+      <p:cxnSp>
+        <p:nvCxnSpPr>
+          <p:cNvPr id="137" name="Straight Connector 136">
+            <a:extLst>
+              <a:ext uri="{FF2B5EF4-FFF2-40B4-BE49-F238E27FC236}">
+                <a16:creationId xmlns:a16="http://schemas.microsoft.com/office/drawing/2014/main" id="{C6735F7A-061D-DAF7-8B4B-9BB9ED9697D6}"/>
+              </a:ext>
+            </a:extLst>
+          </p:cNvPr>
+          <p:cNvCxnSpPr>
+            <a:cxnSpLocks/>
+          </p:cNvCxnSpPr>
+          <p:nvPr/>
+        </p:nvCxnSpPr>
+        <p:spPr>
+          <a:xfrm flipV="1">
+            <a:off x="8302263" y="3169102"/>
+            <a:ext cx="0" cy="1997157"/>
+          </a:xfrm>
+          <a:prstGeom prst="line">
+            <a:avLst/>
+          </a:prstGeom>
+          <a:ln>
+            <a:headEnd type="none" w="med" len="med"/>
+            <a:tailEnd type="none" w="med" len="med"/>
+          </a:ln>
+        </p:spPr>
+        <p:style>
+          <a:lnRef idx="3">
+            <a:schemeClr val="accent1"/>
+          </a:lnRef>
+          <a:fillRef idx="0">
+            <a:schemeClr val="accent1"/>
+          </a:fillRef>
+          <a:effectRef idx="2">
+            <a:schemeClr val="accent1"/>
+          </a:effectRef>
+          <a:fontRef idx="minor">
+            <a:schemeClr val="tx1"/>
+          </a:fontRef>
+        </p:style>
+      </p:cxnSp>
+      <p:cxnSp>
+        <p:nvCxnSpPr>
+          <p:cNvPr id="140" name="Straight Connector 139">
+            <a:extLst>
+              <a:ext uri="{FF2B5EF4-FFF2-40B4-BE49-F238E27FC236}">
+                <a16:creationId xmlns:a16="http://schemas.microsoft.com/office/drawing/2014/main" id="{9AF49FBC-75F5-F91C-1B73-907866433ED4}"/>
+              </a:ext>
+            </a:extLst>
+          </p:cNvPr>
+          <p:cNvCxnSpPr>
+            <a:cxnSpLocks/>
+          </p:cNvCxnSpPr>
+          <p:nvPr/>
+        </p:nvCxnSpPr>
+        <p:spPr>
+          <a:xfrm flipV="1">
+            <a:off x="10799294" y="3137482"/>
+            <a:ext cx="0" cy="2445070"/>
+          </a:xfrm>
+          <a:prstGeom prst="line">
+            <a:avLst/>
+          </a:prstGeom>
+          <a:ln>
+            <a:headEnd type="none" w="med" len="med"/>
+            <a:tailEnd type="none" w="med" len="med"/>
+          </a:ln>
+        </p:spPr>
+        <p:style>
+          <a:lnRef idx="3">
+            <a:schemeClr val="accent1"/>
+          </a:lnRef>
+          <a:fillRef idx="0">
+            <a:schemeClr val="accent1"/>
+          </a:fillRef>
+          <a:effectRef idx="2">
+            <a:schemeClr val="accent1"/>
+          </a:effectRef>
+          <a:fontRef idx="minor">
+            <a:schemeClr val="tx1"/>
+          </a:fontRef>
+        </p:style>
+      </p:cxnSp>
+      <p:cxnSp>
+        <p:nvCxnSpPr>
+          <p:cNvPr id="148" name="Straight Connector 147">
+            <a:extLst>
+              <a:ext uri="{FF2B5EF4-FFF2-40B4-BE49-F238E27FC236}">
+                <a16:creationId xmlns:a16="http://schemas.microsoft.com/office/drawing/2014/main" id="{4011C5C7-C6B6-A540-58AB-114451C96CB2}"/>
+              </a:ext>
+            </a:extLst>
+          </p:cNvPr>
+          <p:cNvCxnSpPr>
+            <a:cxnSpLocks/>
+          </p:cNvCxnSpPr>
+          <p:nvPr/>
+        </p:nvCxnSpPr>
+        <p:spPr>
+          <a:xfrm>
+            <a:off x="3063240" y="5582552"/>
+            <a:ext cx="7736054" cy="0"/>
+          </a:xfrm>
+          <a:prstGeom prst="line">
+            <a:avLst/>
+          </a:prstGeom>
+          <a:ln>
+            <a:headEnd type="none" w="med" len="med"/>
+            <a:tailEnd type="none" w="med" len="med"/>
+          </a:ln>
+        </p:spPr>
+        <p:style>
+          <a:lnRef idx="3">
+            <a:schemeClr val="accent1"/>
+          </a:lnRef>
+          <a:fillRef idx="0">
+            <a:schemeClr val="accent1"/>
+          </a:fillRef>
+          <a:effectRef idx="2">
+            <a:schemeClr val="accent1"/>
+          </a:effectRef>
+          <a:fontRef idx="minor">
+            <a:schemeClr val="tx1"/>
+          </a:fontRef>
+        </p:style>
+      </p:cxnSp>
+      <p:cxnSp>
+        <p:nvCxnSpPr>
+          <p:cNvPr id="174" name="Straight Connector 173">
+            <a:extLst>
+              <a:ext uri="{FF2B5EF4-FFF2-40B4-BE49-F238E27FC236}">
+                <a16:creationId xmlns:a16="http://schemas.microsoft.com/office/drawing/2014/main" id="{3EA7C49E-6AF4-0D79-7EF3-0DD9FA06CBA0}"/>
+              </a:ext>
+            </a:extLst>
+          </p:cNvPr>
+          <p:cNvCxnSpPr>
+            <a:cxnSpLocks/>
+          </p:cNvCxnSpPr>
+          <p:nvPr/>
+        </p:nvCxnSpPr>
+        <p:spPr>
+          <a:xfrm flipH="1" flipV="1">
+            <a:off x="6886022" y="3485334"/>
+            <a:ext cx="6542" cy="1161973"/>
+          </a:xfrm>
+          <a:prstGeom prst="line">
+            <a:avLst/>
+          </a:prstGeom>
+          <a:ln>
+            <a:headEnd type="none" w="med" len="med"/>
+            <a:tailEnd type="none" w="med" len="med"/>
+          </a:ln>
+        </p:spPr>
+        <p:style>
+          <a:lnRef idx="3">
+            <a:schemeClr val="accent1"/>
+          </a:lnRef>
+          <a:fillRef idx="0">
+            <a:schemeClr val="accent1"/>
+          </a:fillRef>
+          <a:effectRef idx="2">
+            <a:schemeClr val="accent1"/>
+          </a:effectRef>
+          <a:fontRef idx="minor">
+            <a:schemeClr val="tx1"/>
+          </a:fontRef>
+        </p:style>
+      </p:cxnSp>
+      <p:cxnSp>
+        <p:nvCxnSpPr>
+          <p:cNvPr id="191" name="Straight Connector 190">
+            <a:extLst>
+              <a:ext uri="{FF2B5EF4-FFF2-40B4-BE49-F238E27FC236}">
+                <a16:creationId xmlns:a16="http://schemas.microsoft.com/office/drawing/2014/main" id="{05927055-D166-60FD-57DC-59271F254BDB}"/>
+              </a:ext>
+            </a:extLst>
+          </p:cNvPr>
+          <p:cNvCxnSpPr>
+            <a:cxnSpLocks/>
+          </p:cNvCxnSpPr>
+          <p:nvPr/>
+        </p:nvCxnSpPr>
+        <p:spPr>
+          <a:xfrm>
+            <a:off x="6389654" y="1262200"/>
+            <a:ext cx="9849" cy="1558834"/>
+          </a:xfrm>
+          <a:prstGeom prst="line">
+            <a:avLst/>
+          </a:prstGeom>
+          <a:ln>
+            <a:headEnd type="none" w="med" len="med"/>
+            <a:tailEnd type="none" w="med" len="med"/>
+          </a:ln>
+        </p:spPr>
+        <p:style>
+          <a:lnRef idx="3">
+            <a:schemeClr val="accent1"/>
+          </a:lnRef>
+          <a:fillRef idx="0">
+            <a:schemeClr val="accent1"/>
+          </a:fillRef>
+          <a:effectRef idx="2">
+            <a:schemeClr val="accent1"/>
+          </a:effectRef>
+          <a:fontRef idx="minor">
+            <a:schemeClr val="tx1"/>
+          </a:fontRef>
+        </p:style>
+      </p:cxnSp>
+      <p:cxnSp>
+        <p:nvCxnSpPr>
+          <p:cNvPr id="198" name="Straight Connector 197">
+            <a:extLst>
+              <a:ext uri="{FF2B5EF4-FFF2-40B4-BE49-F238E27FC236}">
+                <a16:creationId xmlns:a16="http://schemas.microsoft.com/office/drawing/2014/main" id="{838B9825-7EBD-863A-ED6F-9D6D6B56385F}"/>
+              </a:ext>
+            </a:extLst>
+          </p:cNvPr>
+          <p:cNvCxnSpPr>
+            <a:cxnSpLocks/>
+          </p:cNvCxnSpPr>
+          <p:nvPr/>
+        </p:nvCxnSpPr>
+        <p:spPr>
+          <a:xfrm>
+            <a:off x="3725821" y="1250932"/>
+            <a:ext cx="2663833" cy="11056"/>
+          </a:xfrm>
+          <a:prstGeom prst="line">
+            <a:avLst/>
+          </a:prstGeom>
+          <a:ln>
+            <a:headEnd type="none" w="med" len="med"/>
+            <a:tailEnd type="none" w="med" len="med"/>
+          </a:ln>
+        </p:spPr>
+        <p:style>
+          <a:lnRef idx="3">
+            <a:schemeClr val="accent1"/>
+          </a:lnRef>
+          <a:fillRef idx="0">
+            <a:schemeClr val="accent1"/>
+          </a:fillRef>
+          <a:effectRef idx="2">
+            <a:schemeClr val="accent1"/>
+          </a:effectRef>
+          <a:fontRef idx="minor">
+            <a:schemeClr val="tx1"/>
+          </a:fontRef>
+        </p:style>
+      </p:cxnSp>
+      <p:cxnSp>
+        <p:nvCxnSpPr>
+          <p:cNvPr id="202" name="Straight Connector 201">
+            <a:extLst>
+              <a:ext uri="{FF2B5EF4-FFF2-40B4-BE49-F238E27FC236}">
+                <a16:creationId xmlns:a16="http://schemas.microsoft.com/office/drawing/2014/main" id="{AB68C5BC-22FA-D03E-52BB-FAFAC55A00C0}"/>
+              </a:ext>
+            </a:extLst>
+          </p:cNvPr>
+          <p:cNvCxnSpPr>
+            <a:cxnSpLocks/>
+          </p:cNvCxnSpPr>
+          <p:nvPr/>
+        </p:nvCxnSpPr>
+        <p:spPr>
+          <a:xfrm flipH="1">
+            <a:off x="2988310" y="2776378"/>
+            <a:ext cx="746780" cy="19991"/>
+          </a:xfrm>
+          <a:prstGeom prst="line">
+            <a:avLst/>
+          </a:prstGeom>
+          <a:ln>
+            <a:headEnd type="none" w="med" len="med"/>
+            <a:tailEnd type="arrow" w="med" len="med"/>
+          </a:ln>
+        </p:spPr>
+        <p:style>
+          <a:lnRef idx="3">
+            <a:schemeClr val="accent1"/>
+          </a:lnRef>
+          <a:fillRef idx="0">
+            <a:schemeClr val="accent1"/>
+          </a:fillRef>
+          <a:effectRef idx="2">
+            <a:schemeClr val="accent1"/>
+          </a:effectRef>
+          <a:fontRef idx="minor">
+            <a:schemeClr val="tx1"/>
+          </a:fontRef>
+        </p:style>
+      </p:cxnSp>
+      <p:cxnSp>
+        <p:nvCxnSpPr>
+          <p:cNvPr id="206" name="Straight Connector 205">
+            <a:extLst>
+              <a:ext uri="{FF2B5EF4-FFF2-40B4-BE49-F238E27FC236}">
+                <a16:creationId xmlns:a16="http://schemas.microsoft.com/office/drawing/2014/main" id="{C1C5AFF2-9117-B3D8-A741-65815303E162}"/>
+              </a:ext>
+            </a:extLst>
+          </p:cNvPr>
+          <p:cNvCxnSpPr>
+            <a:cxnSpLocks/>
+          </p:cNvCxnSpPr>
+          <p:nvPr/>
+        </p:nvCxnSpPr>
+        <p:spPr>
+          <a:xfrm flipH="1">
+            <a:off x="2654016" y="1154296"/>
+            <a:ext cx="3985310" cy="8639"/>
+          </a:xfrm>
+          <a:prstGeom prst="line">
+            <a:avLst/>
+          </a:prstGeom>
+          <a:ln>
+            <a:headEnd type="none" w="med" len="med"/>
+            <a:tailEnd type="none" w="med" len="med"/>
+          </a:ln>
+        </p:spPr>
+        <p:style>
+          <a:lnRef idx="3">
+            <a:schemeClr val="accent1"/>
+          </a:lnRef>
+          <a:fillRef idx="0">
+            <a:schemeClr val="accent1"/>
+          </a:fillRef>
+          <a:effectRef idx="2">
+            <a:schemeClr val="accent1"/>
+          </a:effectRef>
+          <a:fontRef idx="minor">
+            <a:schemeClr val="tx1"/>
+          </a:fontRef>
+        </p:style>
+      </p:cxnSp>
+      <p:cxnSp>
+        <p:nvCxnSpPr>
+          <p:cNvPr id="210" name="Straight Connector 209">
+            <a:extLst>
+              <a:ext uri="{FF2B5EF4-FFF2-40B4-BE49-F238E27FC236}">
+                <a16:creationId xmlns:a16="http://schemas.microsoft.com/office/drawing/2014/main" id="{74691C0E-6985-89B8-EA73-B8D2D752E7BB}"/>
+              </a:ext>
+            </a:extLst>
+          </p:cNvPr>
+          <p:cNvCxnSpPr>
+            <a:cxnSpLocks/>
+          </p:cNvCxnSpPr>
+          <p:nvPr/>
+        </p:nvCxnSpPr>
+        <p:spPr>
+          <a:xfrm flipV="1">
+            <a:off x="2654747" y="1167501"/>
+            <a:ext cx="0" cy="3472208"/>
+          </a:xfrm>
+          <a:prstGeom prst="line">
+            <a:avLst/>
+          </a:prstGeom>
+          <a:ln>
+            <a:headEnd type="none" w="med" len="med"/>
+            <a:tailEnd type="none" w="med" len="med"/>
+          </a:ln>
+        </p:spPr>
+        <p:style>
+          <a:lnRef idx="3">
+            <a:schemeClr val="accent1"/>
+          </a:lnRef>
+          <a:fillRef idx="0">
+            <a:schemeClr val="accent1"/>
+          </a:fillRef>
+          <a:effectRef idx="2">
+            <a:schemeClr val="accent1"/>
+          </a:effectRef>
+          <a:fontRef idx="minor">
+            <a:schemeClr val="tx1"/>
+          </a:fontRef>
+        </p:style>
+      </p:cxnSp>
+      <p:cxnSp>
+        <p:nvCxnSpPr>
+          <p:cNvPr id="60" name="Straight Connector 59">
+            <a:extLst>
+              <a:ext uri="{FF2B5EF4-FFF2-40B4-BE49-F238E27FC236}">
+                <a16:creationId xmlns:a16="http://schemas.microsoft.com/office/drawing/2014/main" id="{BA2E93D0-17BC-2073-C6F5-B7C4C850FFF2}"/>
+              </a:ext>
+            </a:extLst>
+          </p:cNvPr>
+          <p:cNvCxnSpPr>
+            <a:cxnSpLocks/>
+          </p:cNvCxnSpPr>
+          <p:nvPr/>
+        </p:nvCxnSpPr>
+        <p:spPr>
+          <a:xfrm flipH="1">
+            <a:off x="4581083" y="2732078"/>
+            <a:ext cx="1164413" cy="0"/>
+          </a:xfrm>
+          <a:prstGeom prst="line">
+            <a:avLst/>
+          </a:prstGeom>
+          <a:ln>
+            <a:headEnd type="none" w="med" len="med"/>
+            <a:tailEnd type="arrow" w="med" len="med"/>
+          </a:ln>
+        </p:spPr>
+        <p:style>
+          <a:lnRef idx="3">
+            <a:schemeClr val="accent1"/>
+          </a:lnRef>
+          <a:fillRef idx="0">
+            <a:schemeClr val="accent1"/>
+          </a:fillRef>
+          <a:effectRef idx="2">
+            <a:schemeClr val="accent1"/>
+          </a:effectRef>
+          <a:fontRef idx="minor">
+            <a:schemeClr val="tx1"/>
+          </a:fontRef>
+        </p:style>
+      </p:cxnSp>
+      <p:cxnSp>
+        <p:nvCxnSpPr>
+          <p:cNvPr id="71" name="Straight Connector 70">
+            <a:extLst>
+              <a:ext uri="{FF2B5EF4-FFF2-40B4-BE49-F238E27FC236}">
+                <a16:creationId xmlns:a16="http://schemas.microsoft.com/office/drawing/2014/main" id="{B324E1C7-3A1C-1723-F35C-939AF0FB7625}"/>
+              </a:ext>
+            </a:extLst>
+          </p:cNvPr>
+          <p:cNvCxnSpPr>
+            <a:cxnSpLocks/>
+          </p:cNvCxnSpPr>
+          <p:nvPr/>
+        </p:nvCxnSpPr>
+        <p:spPr>
+          <a:xfrm flipH="1" flipV="1">
+            <a:off x="4582160" y="2406034"/>
+            <a:ext cx="1569720" cy="2723"/>
+          </a:xfrm>
+          <a:prstGeom prst="line">
+            <a:avLst/>
+          </a:prstGeom>
+          <a:ln>
+            <a:headEnd type="none" w="med" len="med"/>
+            <a:tailEnd type="arrow" w="med" len="med"/>
+          </a:ln>
+        </p:spPr>
+        <p:style>
+          <a:lnRef idx="3">
+            <a:schemeClr val="accent1"/>
+          </a:lnRef>
+          <a:fillRef idx="0">
+            <a:schemeClr val="accent1"/>
+          </a:fillRef>
+          <a:effectRef idx="2">
+            <a:schemeClr val="accent1"/>
+          </a:effectRef>
+          <a:fontRef idx="minor">
+            <a:schemeClr val="tx1"/>
+          </a:fontRef>
+        </p:style>
+      </p:cxnSp>
+      <p:cxnSp>
+        <p:nvCxnSpPr>
+          <p:cNvPr id="146" name="Straight Connector 145">
+            <a:extLst>
+              <a:ext uri="{FF2B5EF4-FFF2-40B4-BE49-F238E27FC236}">
+                <a16:creationId xmlns:a16="http://schemas.microsoft.com/office/drawing/2014/main" id="{F4CA03D2-23CB-B075-F03A-343B1631A018}"/>
+              </a:ext>
+            </a:extLst>
+          </p:cNvPr>
+          <p:cNvCxnSpPr>
+            <a:cxnSpLocks/>
+          </p:cNvCxnSpPr>
+          <p:nvPr/>
+        </p:nvCxnSpPr>
+        <p:spPr>
+          <a:xfrm flipV="1">
+            <a:off x="3725821" y="1250932"/>
+            <a:ext cx="0" cy="1522222"/>
+          </a:xfrm>
+          <a:prstGeom prst="line">
+            <a:avLst/>
+          </a:prstGeom>
+          <a:ln>
+            <a:headEnd type="none" w="med" len="med"/>
+            <a:tailEnd type="none" w="med" len="med"/>
+          </a:ln>
+        </p:spPr>
+        <p:style>
+          <a:lnRef idx="3">
+            <a:schemeClr val="accent1"/>
+          </a:lnRef>
+          <a:fillRef idx="0">
+            <a:schemeClr val="accent1"/>
+          </a:fillRef>
+          <a:effectRef idx="2">
+            <a:schemeClr val="accent1"/>
+          </a:effectRef>
+          <a:fontRef idx="minor">
+            <a:schemeClr val="tx1"/>
+          </a:fontRef>
+        </p:style>
+      </p:cxnSp>
+      <p:cxnSp>
+        <p:nvCxnSpPr>
+          <p:cNvPr id="155" name="Straight Connector 154">
+            <a:extLst>
+              <a:ext uri="{FF2B5EF4-FFF2-40B4-BE49-F238E27FC236}">
+                <a16:creationId xmlns:a16="http://schemas.microsoft.com/office/drawing/2014/main" id="{7B991FC3-2A64-EC2F-E708-7B87C83EACC3}"/>
+              </a:ext>
+            </a:extLst>
+          </p:cNvPr>
+          <p:cNvCxnSpPr>
+            <a:cxnSpLocks/>
+          </p:cNvCxnSpPr>
+          <p:nvPr/>
+        </p:nvCxnSpPr>
+        <p:spPr>
+          <a:xfrm>
+            <a:off x="6399503" y="2804465"/>
+            <a:ext cx="945470" cy="0"/>
+          </a:xfrm>
+          <a:prstGeom prst="line">
+            <a:avLst/>
+          </a:prstGeom>
+          <a:ln>
+            <a:headEnd type="none" w="med" len="med"/>
+            <a:tailEnd type="arrow" w="med" len="med"/>
+          </a:ln>
+        </p:spPr>
+        <p:style>
+          <a:lnRef idx="3">
+            <a:schemeClr val="accent1"/>
+          </a:lnRef>
+          <a:fillRef idx="0">
+            <a:schemeClr val="accent1"/>
+          </a:fillRef>
+          <a:effectRef idx="2">
+            <a:schemeClr val="accent1"/>
+          </a:effectRef>
+          <a:fontRef idx="minor">
+            <a:schemeClr val="tx1"/>
+          </a:fontRef>
+        </p:style>
+      </p:cxnSp>
+      <p:cxnSp>
+        <p:nvCxnSpPr>
+          <p:cNvPr id="169" name="Straight Connector 168">
+            <a:extLst>
+              <a:ext uri="{FF2B5EF4-FFF2-40B4-BE49-F238E27FC236}">
+                <a16:creationId xmlns:a16="http://schemas.microsoft.com/office/drawing/2014/main" id="{BB0A3AA8-D9D4-DB33-520B-4C28C61E2F13}"/>
+              </a:ext>
+            </a:extLst>
+          </p:cNvPr>
+          <p:cNvCxnSpPr>
+            <a:cxnSpLocks/>
+          </p:cNvCxnSpPr>
+          <p:nvPr/>
+        </p:nvCxnSpPr>
+        <p:spPr>
+          <a:xfrm flipV="1">
+            <a:off x="6872238" y="3453141"/>
+            <a:ext cx="468413" cy="13155"/>
+          </a:xfrm>
+          <a:prstGeom prst="line">
+            <a:avLst/>
+          </a:prstGeom>
+          <a:ln>
+            <a:headEnd type="none" w="med" len="med"/>
+            <a:tailEnd type="arrow" w="med" len="med"/>
+          </a:ln>
+        </p:spPr>
+        <p:style>
+          <a:lnRef idx="3">
+            <a:schemeClr val="accent1"/>
+          </a:lnRef>
+          <a:fillRef idx="0">
+            <a:schemeClr val="accent1"/>
+          </a:fillRef>
+          <a:effectRef idx="2">
+            <a:schemeClr val="accent1"/>
+          </a:effectRef>
+          <a:fontRef idx="minor">
+            <a:schemeClr val="tx1"/>
+          </a:fontRef>
+        </p:style>
+      </p:cxnSp>
+      <p:cxnSp>
+        <p:nvCxnSpPr>
+          <p:cNvPr id="175" name="Straight Connector 174">
+            <a:extLst>
+              <a:ext uri="{FF2B5EF4-FFF2-40B4-BE49-F238E27FC236}">
+                <a16:creationId xmlns:a16="http://schemas.microsoft.com/office/drawing/2014/main" id="{5D485965-489C-0359-20F2-F6AD4690A191}"/>
+              </a:ext>
+            </a:extLst>
+          </p:cNvPr>
+          <p:cNvCxnSpPr>
+            <a:cxnSpLocks/>
+          </p:cNvCxnSpPr>
+          <p:nvPr/>
+        </p:nvCxnSpPr>
+        <p:spPr>
+          <a:xfrm flipH="1">
+            <a:off x="4594122" y="3683496"/>
+            <a:ext cx="638679" cy="548"/>
+          </a:xfrm>
+          <a:prstGeom prst="line">
+            <a:avLst/>
+          </a:prstGeom>
+          <a:ln>
+            <a:headEnd type="none" w="med" len="med"/>
+            <a:tailEnd type="arrow" w="med" len="med"/>
+          </a:ln>
+        </p:spPr>
+        <p:style>
+          <a:lnRef idx="3">
+            <a:schemeClr val="accent1"/>
+          </a:lnRef>
+          <a:fillRef idx="0">
+            <a:schemeClr val="accent1"/>
+          </a:fillRef>
+          <a:effectRef idx="2">
+            <a:schemeClr val="accent1"/>
+          </a:effectRef>
+          <a:fontRef idx="minor">
+            <a:schemeClr val="tx1"/>
+          </a:fontRef>
+        </p:style>
+      </p:cxnSp>
+      <p:cxnSp>
+        <p:nvCxnSpPr>
+          <p:cNvPr id="178" name="Straight Connector 177">
+            <a:extLst>
+              <a:ext uri="{FF2B5EF4-FFF2-40B4-BE49-F238E27FC236}">
+                <a16:creationId xmlns:a16="http://schemas.microsoft.com/office/drawing/2014/main" id="{0473506F-1F50-C23C-F776-91CC827ECCED}"/>
+              </a:ext>
+            </a:extLst>
+          </p:cNvPr>
+          <p:cNvCxnSpPr>
+            <a:cxnSpLocks/>
+          </p:cNvCxnSpPr>
+          <p:nvPr/>
+        </p:nvCxnSpPr>
+        <p:spPr>
+          <a:xfrm>
+            <a:off x="5232801" y="3342862"/>
+            <a:ext cx="2114721" cy="6588"/>
+          </a:xfrm>
+          <a:prstGeom prst="line">
+            <a:avLst/>
+          </a:prstGeom>
+          <a:ln>
+            <a:headEnd type="none" w="med" len="med"/>
+            <a:tailEnd type="arrow" w="med" len="med"/>
+          </a:ln>
+        </p:spPr>
+        <p:style>
+          <a:lnRef idx="3">
+            <a:schemeClr val="accent1"/>
+          </a:lnRef>
+          <a:fillRef idx="0">
+            <a:schemeClr val="accent1"/>
+          </a:fillRef>
+          <a:effectRef idx="2">
+            <a:schemeClr val="accent1"/>
+          </a:effectRef>
+          <a:fontRef idx="minor">
+            <a:schemeClr val="tx1"/>
+          </a:fontRef>
+        </p:style>
+      </p:cxnSp>
+      <p:cxnSp>
+        <p:nvCxnSpPr>
+          <p:cNvPr id="180" name="Straight Connector 179">
+            <a:extLst>
+              <a:ext uri="{FF2B5EF4-FFF2-40B4-BE49-F238E27FC236}">
+                <a16:creationId xmlns:a16="http://schemas.microsoft.com/office/drawing/2014/main" id="{BBE13819-E895-9ED7-A7D3-60357675AB55}"/>
+              </a:ext>
+            </a:extLst>
+          </p:cNvPr>
+          <p:cNvCxnSpPr>
+            <a:cxnSpLocks/>
+          </p:cNvCxnSpPr>
+          <p:nvPr/>
+        </p:nvCxnSpPr>
+        <p:spPr>
+          <a:xfrm flipV="1">
+            <a:off x="5232817" y="3342862"/>
+            <a:ext cx="0" cy="334029"/>
+          </a:xfrm>
+          <a:prstGeom prst="line">
+            <a:avLst/>
+          </a:prstGeom>
+          <a:ln>
+            <a:headEnd type="none" w="med" len="med"/>
+            <a:tailEnd type="none" w="med" len="med"/>
+          </a:ln>
+        </p:spPr>
+        <p:style>
+          <a:lnRef idx="3">
+            <a:schemeClr val="accent1"/>
+          </a:lnRef>
+          <a:fillRef idx="0">
+            <a:schemeClr val="accent1"/>
+          </a:fillRef>
+          <a:effectRef idx="2">
+            <a:schemeClr val="accent1"/>
+          </a:effectRef>
+          <a:fontRef idx="minor">
+            <a:schemeClr val="tx1"/>
+          </a:fontRef>
+        </p:style>
+      </p:cxnSp>
+      <p:cxnSp>
+        <p:nvCxnSpPr>
+          <p:cNvPr id="217" name="Straight Connector 216">
+            <a:extLst>
+              <a:ext uri="{FF2B5EF4-FFF2-40B4-BE49-F238E27FC236}">
+                <a16:creationId xmlns:a16="http://schemas.microsoft.com/office/drawing/2014/main" id="{D4500224-5C0F-2AC4-DBD5-6D1799A88913}"/>
+              </a:ext>
+            </a:extLst>
+          </p:cNvPr>
+          <p:cNvCxnSpPr>
+            <a:cxnSpLocks/>
+          </p:cNvCxnSpPr>
+          <p:nvPr/>
+        </p:nvCxnSpPr>
+        <p:spPr>
+          <a:xfrm>
+            <a:off x="5933976" y="2693173"/>
+            <a:ext cx="1413546" cy="8579"/>
+          </a:xfrm>
+          <a:prstGeom prst="line">
+            <a:avLst/>
+          </a:prstGeom>
+          <a:ln>
+            <a:headEnd type="none" w="med" len="med"/>
+            <a:tailEnd type="arrow" w="med" len="med"/>
+          </a:ln>
+        </p:spPr>
+        <p:style>
+          <a:lnRef idx="3">
+            <a:schemeClr val="accent1"/>
+          </a:lnRef>
+          <a:fillRef idx="0">
+            <a:schemeClr val="accent1"/>
+          </a:fillRef>
+          <a:effectRef idx="2">
+            <a:schemeClr val="accent1"/>
+          </a:effectRef>
+          <a:fontRef idx="minor">
+            <a:schemeClr val="tx1"/>
+          </a:fontRef>
+        </p:style>
+      </p:cxnSp>
+      <p:cxnSp>
+        <p:nvCxnSpPr>
+          <p:cNvPr id="219" name="Straight Connector 218">
+            <a:extLst>
+              <a:ext uri="{FF2B5EF4-FFF2-40B4-BE49-F238E27FC236}">
+                <a16:creationId xmlns:a16="http://schemas.microsoft.com/office/drawing/2014/main" id="{4F5EEE74-2F44-B14B-C4B7-F4C3EE903B88}"/>
+              </a:ext>
+            </a:extLst>
+          </p:cNvPr>
+          <p:cNvCxnSpPr>
+            <a:cxnSpLocks/>
+          </p:cNvCxnSpPr>
+          <p:nvPr/>
+        </p:nvCxnSpPr>
+        <p:spPr>
+          <a:xfrm flipH="1">
+            <a:off x="4561425" y="2881713"/>
+            <a:ext cx="1372551" cy="12329"/>
+          </a:xfrm>
+          <a:prstGeom prst="line">
+            <a:avLst/>
+          </a:prstGeom>
+          <a:ln>
+            <a:headEnd type="none" w="med" len="med"/>
+            <a:tailEnd type="arrow" w="med" len="med"/>
+          </a:ln>
+        </p:spPr>
+        <p:style>
+          <a:lnRef idx="3">
+            <a:schemeClr val="accent1"/>
+          </a:lnRef>
+          <a:fillRef idx="0">
+            <a:schemeClr val="accent1"/>
+          </a:fillRef>
+          <a:effectRef idx="2">
+            <a:schemeClr val="accent1"/>
+          </a:effectRef>
+          <a:fontRef idx="minor">
+            <a:schemeClr val="tx1"/>
+          </a:fontRef>
+        </p:style>
+      </p:cxnSp>
+      <p:cxnSp>
+        <p:nvCxnSpPr>
+          <p:cNvPr id="222" name="Straight Connector 221">
+            <a:extLst>
+              <a:ext uri="{FF2B5EF4-FFF2-40B4-BE49-F238E27FC236}">
+                <a16:creationId xmlns:a16="http://schemas.microsoft.com/office/drawing/2014/main" id="{F3A0D6E4-2F10-E8B3-CF50-CE88C4C86414}"/>
+              </a:ext>
+            </a:extLst>
+          </p:cNvPr>
+          <p:cNvCxnSpPr>
+            <a:cxnSpLocks/>
+          </p:cNvCxnSpPr>
+          <p:nvPr/>
+        </p:nvCxnSpPr>
+        <p:spPr>
+          <a:xfrm flipV="1">
+            <a:off x="5933976" y="2689762"/>
+            <a:ext cx="0" cy="193221"/>
+          </a:xfrm>
+          <a:prstGeom prst="line">
+            <a:avLst/>
+          </a:prstGeom>
+          <a:ln>
+            <a:headEnd type="none" w="med" len="med"/>
+            <a:tailEnd type="none" w="med" len="med"/>
+          </a:ln>
+        </p:spPr>
+        <p:style>
+          <a:lnRef idx="3">
+            <a:schemeClr val="accent1"/>
+          </a:lnRef>
+          <a:fillRef idx="0">
+            <a:schemeClr val="accent1"/>
+          </a:fillRef>
+          <a:effectRef idx="2">
+            <a:schemeClr val="accent1"/>
+          </a:effectRef>
+          <a:fontRef idx="minor">
+            <a:schemeClr val="tx1"/>
+          </a:fontRef>
+        </p:style>
+      </p:cxnSp>
+      <p:cxnSp>
+        <p:nvCxnSpPr>
+          <p:cNvPr id="231" name="Straight Connector 230">
+            <a:extLst>
+              <a:ext uri="{FF2B5EF4-FFF2-40B4-BE49-F238E27FC236}">
+                <a16:creationId xmlns:a16="http://schemas.microsoft.com/office/drawing/2014/main" id="{6B35CF29-8415-7766-01E2-0279E2C069C9}"/>
+              </a:ext>
+            </a:extLst>
+          </p:cNvPr>
+          <p:cNvCxnSpPr>
+            <a:cxnSpLocks/>
+          </p:cNvCxnSpPr>
+          <p:nvPr/>
+        </p:nvCxnSpPr>
+        <p:spPr>
+          <a:xfrm flipH="1">
+            <a:off x="4588920" y="3775483"/>
+            <a:ext cx="649215" cy="7700"/>
+          </a:xfrm>
+          <a:prstGeom prst="line">
+            <a:avLst/>
+          </a:prstGeom>
+          <a:ln>
+            <a:headEnd type="none" w="med" len="med"/>
+            <a:tailEnd type="arrow" w="med" len="med"/>
+          </a:ln>
+        </p:spPr>
+        <p:style>
+          <a:lnRef idx="3">
+            <a:schemeClr val="accent1"/>
+          </a:lnRef>
+          <a:fillRef idx="0">
+            <a:schemeClr val="accent1"/>
+          </a:fillRef>
+          <a:effectRef idx="2">
+            <a:schemeClr val="accent1"/>
+          </a:effectRef>
+          <a:fontRef idx="minor">
+            <a:schemeClr val="tx1"/>
+          </a:fontRef>
+        </p:style>
+      </p:cxnSp>
+      <p:cxnSp>
+        <p:nvCxnSpPr>
+          <p:cNvPr id="233" name="Straight Connector 232">
+            <a:extLst>
+              <a:ext uri="{FF2B5EF4-FFF2-40B4-BE49-F238E27FC236}">
+                <a16:creationId xmlns:a16="http://schemas.microsoft.com/office/drawing/2014/main" id="{DC60ED3A-4780-92F5-867D-C85F020E1AA4}"/>
+              </a:ext>
+            </a:extLst>
+          </p:cNvPr>
+          <p:cNvCxnSpPr>
+            <a:cxnSpLocks/>
+          </p:cNvCxnSpPr>
+          <p:nvPr/>
+        </p:nvCxnSpPr>
+        <p:spPr>
+          <a:xfrm flipV="1">
+            <a:off x="8301725" y="3142653"/>
+            <a:ext cx="1300883" cy="13320"/>
+          </a:xfrm>
+          <a:prstGeom prst="line">
+            <a:avLst/>
+          </a:prstGeom>
+          <a:ln>
+            <a:headEnd type="none" w="med" len="med"/>
+            <a:tailEnd type="arrow" w="med" len="med"/>
+          </a:ln>
+        </p:spPr>
+        <p:style>
+          <a:lnRef idx="3">
+            <a:schemeClr val="accent1"/>
+          </a:lnRef>
+          <a:fillRef idx="0">
+            <a:schemeClr val="accent1"/>
+          </a:fillRef>
+          <a:effectRef idx="2">
+            <a:schemeClr val="accent1"/>
+          </a:effectRef>
+          <a:fontRef idx="minor">
+            <a:schemeClr val="tx1"/>
+          </a:fontRef>
+        </p:style>
+      </p:cxnSp>
+      <p:cxnSp>
+        <p:nvCxnSpPr>
+          <p:cNvPr id="250" name="Straight Connector 249">
+            <a:extLst>
+              <a:ext uri="{FF2B5EF4-FFF2-40B4-BE49-F238E27FC236}">
+                <a16:creationId xmlns:a16="http://schemas.microsoft.com/office/drawing/2014/main" id="{3FF6954A-D3C1-4619-6698-7ED711C8DD98}"/>
+              </a:ext>
+            </a:extLst>
+          </p:cNvPr>
+          <p:cNvCxnSpPr>
+            <a:cxnSpLocks/>
+          </p:cNvCxnSpPr>
+          <p:nvPr/>
+        </p:nvCxnSpPr>
+        <p:spPr>
+          <a:xfrm flipH="1">
+            <a:off x="9712569" y="3140140"/>
+            <a:ext cx="1086725" cy="0"/>
+          </a:xfrm>
+          <a:prstGeom prst="line">
+            <a:avLst/>
+          </a:prstGeom>
+          <a:ln>
+            <a:headEnd type="none" w="med" len="med"/>
+            <a:tailEnd type="arrow" w="med" len="med"/>
+          </a:ln>
+        </p:spPr>
+        <p:style>
+          <a:lnRef idx="3">
+            <a:schemeClr val="accent1"/>
+          </a:lnRef>
+          <a:fillRef idx="0">
+            <a:schemeClr val="accent1"/>
+          </a:fillRef>
+          <a:effectRef idx="2">
+            <a:schemeClr val="accent1"/>
+          </a:effectRef>
+          <a:fontRef idx="minor">
+            <a:schemeClr val="tx1"/>
+          </a:fontRef>
+        </p:style>
+      </p:cxnSp>
+      <p:cxnSp>
+        <p:nvCxnSpPr>
+          <p:cNvPr id="281" name="Straight Connector 280">
+            <a:extLst>
+              <a:ext uri="{FF2B5EF4-FFF2-40B4-BE49-F238E27FC236}">
+                <a16:creationId xmlns:a16="http://schemas.microsoft.com/office/drawing/2014/main" id="{419DA704-A8E6-C13E-B2AA-313EAE6659E8}"/>
+              </a:ext>
+            </a:extLst>
+          </p:cNvPr>
+          <p:cNvCxnSpPr>
+            <a:cxnSpLocks/>
+          </p:cNvCxnSpPr>
+          <p:nvPr/>
+        </p:nvCxnSpPr>
+        <p:spPr>
+          <a:xfrm flipH="1" flipV="1">
+            <a:off x="4187563" y="4636449"/>
+            <a:ext cx="2717683" cy="31374"/>
+          </a:xfrm>
+          <a:prstGeom prst="line">
+            <a:avLst/>
+          </a:prstGeom>
+          <a:ln>
+            <a:headEnd type="none" w="med" len="med"/>
+            <a:tailEnd type="none" w="med" len="med"/>
+          </a:ln>
+        </p:spPr>
+        <p:style>
+          <a:lnRef idx="3">
+            <a:schemeClr val="accent1"/>
+          </a:lnRef>
+          <a:fillRef idx="0">
+            <a:schemeClr val="accent1"/>
+          </a:fillRef>
+          <a:effectRef idx="2">
+            <a:schemeClr val="accent1"/>
+          </a:effectRef>
+          <a:fontRef idx="minor">
+            <a:schemeClr val="tx1"/>
+          </a:fontRef>
+        </p:style>
+      </p:cxnSp>
+      <p:cxnSp>
+        <p:nvCxnSpPr>
+          <p:cNvPr id="287" name="Straight Connector 286">
+            <a:extLst>
+              <a:ext uri="{FF2B5EF4-FFF2-40B4-BE49-F238E27FC236}">
+                <a16:creationId xmlns:a16="http://schemas.microsoft.com/office/drawing/2014/main" id="{3295180F-3A9B-B799-B555-9AD2E4229392}"/>
+              </a:ext>
+            </a:extLst>
+          </p:cNvPr>
+          <p:cNvCxnSpPr>
+            <a:cxnSpLocks/>
+          </p:cNvCxnSpPr>
+          <p:nvPr/>
+        </p:nvCxnSpPr>
+        <p:spPr>
+          <a:xfrm flipV="1">
+            <a:off x="4188848" y="4300855"/>
+            <a:ext cx="0" cy="331267"/>
+          </a:xfrm>
+          <a:prstGeom prst="line">
+            <a:avLst/>
+          </a:prstGeom>
+          <a:ln>
+            <a:headEnd type="none" w="med" len="med"/>
+            <a:tailEnd type="arrow" w="med" len="med"/>
+          </a:ln>
+        </p:spPr>
+        <p:style>
+          <a:lnRef idx="3">
+            <a:schemeClr val="accent1"/>
+          </a:lnRef>
+          <a:fillRef idx="0">
+            <a:schemeClr val="accent1"/>
+          </a:fillRef>
+          <a:effectRef idx="2">
+            <a:schemeClr val="accent1"/>
+          </a:effectRef>
+          <a:fontRef idx="minor">
+            <a:schemeClr val="tx1"/>
+          </a:fontRef>
+        </p:style>
+      </p:cxnSp>
+      <p:cxnSp>
+        <p:nvCxnSpPr>
+          <p:cNvPr id="299" name="Straight Connector 298">
+            <a:extLst>
+              <a:ext uri="{FF2B5EF4-FFF2-40B4-BE49-F238E27FC236}">
+                <a16:creationId xmlns:a16="http://schemas.microsoft.com/office/drawing/2014/main" id="{7512CB65-15AF-0AB8-87BD-24034206BBE3}"/>
+              </a:ext>
+            </a:extLst>
+          </p:cNvPr>
+          <p:cNvCxnSpPr>
+            <a:cxnSpLocks/>
+          </p:cNvCxnSpPr>
+          <p:nvPr/>
+        </p:nvCxnSpPr>
+        <p:spPr>
+          <a:xfrm flipH="1" flipV="1">
+            <a:off x="2654016" y="4630175"/>
+            <a:ext cx="750367" cy="1947"/>
+          </a:xfrm>
+          <a:prstGeom prst="line">
+            <a:avLst/>
+          </a:prstGeom>
+          <a:ln>
+            <a:headEnd type="none" w="med" len="med"/>
+            <a:tailEnd type="none" w="med" len="med"/>
+          </a:ln>
+        </p:spPr>
+        <p:style>
+          <a:lnRef idx="3">
+            <a:schemeClr val="accent1"/>
+          </a:lnRef>
+          <a:fillRef idx="0">
+            <a:schemeClr val="accent1"/>
+          </a:fillRef>
+          <a:effectRef idx="2">
+            <a:schemeClr val="accent1"/>
+          </a:effectRef>
+          <a:fontRef idx="minor">
+            <a:schemeClr val="tx1"/>
+          </a:fontRef>
+        </p:style>
+      </p:cxnSp>
+      <p:cxnSp>
+        <p:nvCxnSpPr>
+          <p:cNvPr id="359" name="Straight Connector 358">
+            <a:extLst>
+              <a:ext uri="{FF2B5EF4-FFF2-40B4-BE49-F238E27FC236}">
+                <a16:creationId xmlns:a16="http://schemas.microsoft.com/office/drawing/2014/main" id="{EBC8D02C-93E6-38BF-0010-2625ABA6466B}"/>
+              </a:ext>
+            </a:extLst>
+          </p:cNvPr>
+          <p:cNvCxnSpPr>
+            <a:cxnSpLocks/>
+          </p:cNvCxnSpPr>
+          <p:nvPr/>
+        </p:nvCxnSpPr>
+        <p:spPr>
+          <a:xfrm>
+            <a:off x="9283550" y="4439719"/>
+            <a:ext cx="299870" cy="0"/>
+          </a:xfrm>
+          <a:prstGeom prst="line">
+            <a:avLst/>
+          </a:prstGeom>
+          <a:ln>
+            <a:headEnd type="none" w="med" len="med"/>
+            <a:tailEnd type="arrow" w="med" len="med"/>
+          </a:ln>
+        </p:spPr>
+        <p:style>
+          <a:lnRef idx="3">
+            <a:schemeClr val="accent2"/>
+          </a:lnRef>
+          <a:fillRef idx="0">
+            <a:schemeClr val="accent2"/>
+          </a:fillRef>
+          <a:effectRef idx="2">
+            <a:schemeClr val="accent2"/>
+          </a:effectRef>
+          <a:fontRef idx="minor">
+            <a:schemeClr val="tx1"/>
+          </a:fontRef>
+        </p:style>
+      </p:cxnSp>
+      <p:cxnSp>
+        <p:nvCxnSpPr>
+          <p:cNvPr id="361" name="Straight Connector 360">
+            <a:extLst>
+              <a:ext uri="{FF2B5EF4-FFF2-40B4-BE49-F238E27FC236}">
+                <a16:creationId xmlns:a16="http://schemas.microsoft.com/office/drawing/2014/main" id="{899E7E48-B9F8-62D8-90A4-80AC999ED9AE}"/>
+              </a:ext>
+            </a:extLst>
+          </p:cNvPr>
+          <p:cNvCxnSpPr>
+            <a:cxnSpLocks/>
+          </p:cNvCxnSpPr>
+          <p:nvPr/>
+        </p:nvCxnSpPr>
+        <p:spPr>
+          <a:xfrm flipH="1">
+            <a:off x="9693910" y="4439719"/>
+            <a:ext cx="370938" cy="0"/>
+          </a:xfrm>
+          <a:prstGeom prst="line">
+            <a:avLst/>
+          </a:prstGeom>
+          <a:ln>
+            <a:headEnd type="none" w="med" len="med"/>
+            <a:tailEnd type="arrow" w="med" len="med"/>
+          </a:ln>
+        </p:spPr>
+        <p:style>
+          <a:lnRef idx="3">
+            <a:schemeClr val="accent2"/>
+          </a:lnRef>
+          <a:fillRef idx="0">
+            <a:schemeClr val="accent2"/>
+          </a:fillRef>
+          <a:effectRef idx="2">
+            <a:schemeClr val="accent2"/>
+          </a:effectRef>
+          <a:fontRef idx="minor">
+            <a:schemeClr val="tx1"/>
+          </a:fontRef>
+        </p:style>
+      </p:cxnSp>
+      <p:cxnSp>
+        <p:nvCxnSpPr>
+          <p:cNvPr id="368" name="Straight Connector 367">
+            <a:extLst>
+              <a:ext uri="{FF2B5EF4-FFF2-40B4-BE49-F238E27FC236}">
+                <a16:creationId xmlns:a16="http://schemas.microsoft.com/office/drawing/2014/main" id="{16256F0F-9C12-10AA-9974-96E18A2F381D}"/>
+              </a:ext>
+            </a:extLst>
+          </p:cNvPr>
+          <p:cNvCxnSpPr>
+            <a:cxnSpLocks/>
+          </p:cNvCxnSpPr>
+          <p:nvPr/>
+        </p:nvCxnSpPr>
+        <p:spPr>
+          <a:xfrm>
+            <a:off x="9283550" y="4439719"/>
+            <a:ext cx="0" cy="1453081"/>
+          </a:xfrm>
+          <a:prstGeom prst="line">
+            <a:avLst/>
+          </a:prstGeom>
+          <a:ln>
+            <a:headEnd type="none" w="med" len="med"/>
+            <a:tailEnd type="none" w="med" len="med"/>
+          </a:ln>
+        </p:spPr>
+        <p:style>
+          <a:lnRef idx="3">
+            <a:schemeClr val="accent6"/>
+          </a:lnRef>
+          <a:fillRef idx="0">
+            <a:schemeClr val="accent6"/>
+          </a:fillRef>
+          <a:effectRef idx="2">
+            <a:schemeClr val="accent6"/>
+          </a:effectRef>
+          <a:fontRef idx="minor">
+            <a:schemeClr val="tx1"/>
+          </a:fontRef>
+        </p:style>
+      </p:cxnSp>
+      <p:cxnSp>
+        <p:nvCxnSpPr>
+          <p:cNvPr id="370" name="Straight Connector 369">
+            <a:extLst>
+              <a:ext uri="{FF2B5EF4-FFF2-40B4-BE49-F238E27FC236}">
+                <a16:creationId xmlns:a16="http://schemas.microsoft.com/office/drawing/2014/main" id="{1EB8C274-1E35-10BD-7DDE-BA1E01FF39E6}"/>
+              </a:ext>
+            </a:extLst>
+          </p:cNvPr>
+          <p:cNvCxnSpPr>
+            <a:cxnSpLocks/>
+          </p:cNvCxnSpPr>
+          <p:nvPr/>
+        </p:nvCxnSpPr>
+        <p:spPr>
+          <a:xfrm>
+            <a:off x="10051998" y="4444049"/>
+            <a:ext cx="25743" cy="1448751"/>
+          </a:xfrm>
+          <a:prstGeom prst="line">
+            <a:avLst/>
+          </a:prstGeom>
+          <a:ln>
+            <a:headEnd type="none" w="med" len="med"/>
+            <a:tailEnd type="none" w="med" len="med"/>
+          </a:ln>
+        </p:spPr>
+        <p:style>
+          <a:lnRef idx="3">
+            <a:schemeClr val="accent6"/>
+          </a:lnRef>
+          <a:fillRef idx="0">
+            <a:schemeClr val="accent6"/>
+          </a:fillRef>
+          <a:effectRef idx="2">
+            <a:schemeClr val="accent6"/>
+          </a:effectRef>
+          <a:fontRef idx="minor">
+            <a:schemeClr val="tx1"/>
+          </a:fontRef>
+        </p:style>
+      </p:cxnSp>
+      <p:cxnSp>
+        <p:nvCxnSpPr>
+          <p:cNvPr id="421" name="Straight Connector 420">
+            <a:extLst>
+              <a:ext uri="{FF2B5EF4-FFF2-40B4-BE49-F238E27FC236}">
+                <a16:creationId xmlns:a16="http://schemas.microsoft.com/office/drawing/2014/main" id="{95A2A9B5-E582-4E16-AD48-F51424704F22}"/>
+              </a:ext>
+            </a:extLst>
+          </p:cNvPr>
+          <p:cNvCxnSpPr>
+            <a:cxnSpLocks/>
+          </p:cNvCxnSpPr>
+          <p:nvPr/>
+        </p:nvCxnSpPr>
+        <p:spPr>
+          <a:xfrm>
+            <a:off x="9138920" y="4224033"/>
+            <a:ext cx="444500" cy="0"/>
+          </a:xfrm>
+          <a:prstGeom prst="line">
+            <a:avLst/>
+          </a:prstGeom>
+          <a:ln>
+            <a:headEnd type="none" w="med" len="med"/>
+            <a:tailEnd type="arrow" w="med" len="med"/>
+          </a:ln>
+        </p:spPr>
+        <p:style>
+          <a:lnRef idx="3">
+            <a:schemeClr val="accent2"/>
+          </a:lnRef>
+          <a:fillRef idx="0">
+            <a:schemeClr val="accent2"/>
+          </a:fillRef>
+          <a:effectRef idx="2">
+            <a:schemeClr val="accent2"/>
+          </a:effectRef>
+          <a:fontRef idx="minor">
+            <a:schemeClr val="tx1"/>
+          </a:fontRef>
+        </p:style>
+      </p:cxnSp>
+      <p:cxnSp>
+        <p:nvCxnSpPr>
+          <p:cNvPr id="423" name="Straight Connector 422">
+            <a:extLst>
+              <a:ext uri="{FF2B5EF4-FFF2-40B4-BE49-F238E27FC236}">
+                <a16:creationId xmlns:a16="http://schemas.microsoft.com/office/drawing/2014/main" id="{DB01736A-9A5E-C959-DACB-7D6907255CB7}"/>
+              </a:ext>
+            </a:extLst>
+          </p:cNvPr>
+          <p:cNvCxnSpPr>
+            <a:cxnSpLocks/>
+          </p:cNvCxnSpPr>
+          <p:nvPr/>
+        </p:nvCxnSpPr>
+        <p:spPr>
+          <a:xfrm flipH="1">
+            <a:off x="9693910" y="4324938"/>
+            <a:ext cx="542290" cy="0"/>
+          </a:xfrm>
+          <a:prstGeom prst="line">
+            <a:avLst/>
+          </a:prstGeom>
+          <a:ln>
+            <a:headEnd type="none" w="med" len="med"/>
+            <a:tailEnd type="arrow" w="med" len="med"/>
+          </a:ln>
+        </p:spPr>
+        <p:style>
+          <a:lnRef idx="3">
+            <a:schemeClr val="accent2"/>
+          </a:lnRef>
+          <a:fillRef idx="0">
+            <a:schemeClr val="accent2"/>
+          </a:fillRef>
+          <a:effectRef idx="2">
+            <a:schemeClr val="accent2"/>
+          </a:effectRef>
+          <a:fontRef idx="minor">
+            <a:schemeClr val="tx1"/>
+          </a:fontRef>
+        </p:style>
+      </p:cxnSp>
+      <p:cxnSp>
+        <p:nvCxnSpPr>
+          <p:cNvPr id="431" name="Straight Connector 430">
+            <a:extLst>
+              <a:ext uri="{FF2B5EF4-FFF2-40B4-BE49-F238E27FC236}">
+                <a16:creationId xmlns:a16="http://schemas.microsoft.com/office/drawing/2014/main" id="{A1F83D06-6C10-6D77-0111-F17EB2AE5319}"/>
+              </a:ext>
+            </a:extLst>
+          </p:cNvPr>
+          <p:cNvCxnSpPr>
+            <a:cxnSpLocks/>
+          </p:cNvCxnSpPr>
+          <p:nvPr/>
+        </p:nvCxnSpPr>
+        <p:spPr>
+          <a:xfrm flipH="1" flipV="1">
+            <a:off x="9141595" y="4224033"/>
+            <a:ext cx="9001" cy="2186927"/>
+          </a:xfrm>
+          <a:prstGeom prst="line">
+            <a:avLst/>
+          </a:prstGeom>
+          <a:ln>
+            <a:headEnd type="none" w="med" len="med"/>
+            <a:tailEnd type="none" w="med" len="med"/>
+          </a:ln>
+        </p:spPr>
+        <p:style>
+          <a:lnRef idx="3">
+            <a:schemeClr val="accent6"/>
+          </a:lnRef>
+          <a:fillRef idx="0">
+            <a:schemeClr val="accent6"/>
+          </a:fillRef>
+          <a:effectRef idx="2">
+            <a:schemeClr val="accent6"/>
+          </a:effectRef>
+          <a:fontRef idx="minor">
+            <a:schemeClr val="tx1"/>
+          </a:fontRef>
+        </p:style>
+      </p:cxnSp>
+      <p:cxnSp>
+        <p:nvCxnSpPr>
+          <p:cNvPr id="49" name="Straight Connector 48">
+            <a:extLst>
+              <a:ext uri="{FF2B5EF4-FFF2-40B4-BE49-F238E27FC236}">
+                <a16:creationId xmlns:a16="http://schemas.microsoft.com/office/drawing/2014/main" id="{0B33A782-4B78-70A5-9844-A23FE81D2B03}"/>
+              </a:ext>
+            </a:extLst>
+          </p:cNvPr>
+          <p:cNvCxnSpPr>
+            <a:cxnSpLocks/>
+          </p:cNvCxnSpPr>
+          <p:nvPr/>
+        </p:nvCxnSpPr>
+        <p:spPr>
+          <a:xfrm>
+            <a:off x="4958080" y="5504874"/>
+            <a:ext cx="5745480" cy="0"/>
+          </a:xfrm>
+          <a:prstGeom prst="line">
+            <a:avLst/>
+          </a:prstGeom>
+          <a:ln>
+            <a:headEnd type="none" w="med" len="med"/>
+            <a:tailEnd type="none" w="med" len="med"/>
+          </a:ln>
+        </p:spPr>
+        <p:style>
+          <a:lnRef idx="3">
+            <a:schemeClr val="accent1"/>
+          </a:lnRef>
+          <a:fillRef idx="0">
+            <a:schemeClr val="accent1"/>
+          </a:fillRef>
+          <a:effectRef idx="2">
+            <a:schemeClr val="accent1"/>
+          </a:effectRef>
+          <a:fontRef idx="minor">
+            <a:schemeClr val="tx1"/>
+          </a:fontRef>
+        </p:style>
+      </p:cxnSp>
+      <p:cxnSp>
+        <p:nvCxnSpPr>
+          <p:cNvPr id="53" name="Straight Connector 52">
+            <a:extLst>
+              <a:ext uri="{FF2B5EF4-FFF2-40B4-BE49-F238E27FC236}">
+                <a16:creationId xmlns:a16="http://schemas.microsoft.com/office/drawing/2014/main" id="{D328E5CC-0C3F-BD0E-0E2C-E182BB25742F}"/>
+              </a:ext>
+            </a:extLst>
+          </p:cNvPr>
+          <p:cNvCxnSpPr>
+            <a:cxnSpLocks/>
+          </p:cNvCxnSpPr>
+          <p:nvPr/>
+        </p:nvCxnSpPr>
+        <p:spPr>
+          <a:xfrm>
+            <a:off x="3926027" y="5410200"/>
+            <a:ext cx="6660693" cy="0"/>
+          </a:xfrm>
+          <a:prstGeom prst="line">
+            <a:avLst/>
+          </a:prstGeom>
+          <a:ln>
+            <a:headEnd type="none" w="med" len="med"/>
+            <a:tailEnd type="none" w="med" len="med"/>
+          </a:ln>
+        </p:spPr>
+        <p:style>
+          <a:lnRef idx="3">
+            <a:schemeClr val="accent1"/>
+          </a:lnRef>
+          <a:fillRef idx="0">
+            <a:schemeClr val="accent1"/>
+          </a:fillRef>
+          <a:effectRef idx="2">
+            <a:schemeClr val="accent1"/>
+          </a:effectRef>
+          <a:fontRef idx="minor">
+            <a:schemeClr val="tx1"/>
+          </a:fontRef>
+        </p:style>
+      </p:cxnSp>
+      <p:cxnSp>
+        <p:nvCxnSpPr>
+          <p:cNvPr id="55" name="Straight Connector 54">
+            <a:extLst>
+              <a:ext uri="{FF2B5EF4-FFF2-40B4-BE49-F238E27FC236}">
+                <a16:creationId xmlns:a16="http://schemas.microsoft.com/office/drawing/2014/main" id="{645DA1D6-77CF-F26B-1267-F62C13517197}"/>
+              </a:ext>
+            </a:extLst>
+          </p:cNvPr>
+          <p:cNvCxnSpPr>
+            <a:cxnSpLocks/>
+          </p:cNvCxnSpPr>
+          <p:nvPr/>
+        </p:nvCxnSpPr>
+        <p:spPr>
+          <a:xfrm>
+            <a:off x="4017175" y="5336540"/>
+            <a:ext cx="6457785" cy="0"/>
+          </a:xfrm>
+          <a:prstGeom prst="line">
+            <a:avLst/>
+          </a:prstGeom>
+          <a:ln>
+            <a:headEnd type="none" w="med" len="med"/>
+            <a:tailEnd type="none" w="med" len="med"/>
+          </a:ln>
+        </p:spPr>
+        <p:style>
+          <a:lnRef idx="3">
+            <a:schemeClr val="accent1"/>
+          </a:lnRef>
+          <a:fillRef idx="0">
+            <a:schemeClr val="accent1"/>
+          </a:fillRef>
+          <a:effectRef idx="2">
+            <a:schemeClr val="accent1"/>
+          </a:effectRef>
+          <a:fontRef idx="minor">
+            <a:schemeClr val="tx1"/>
+          </a:fontRef>
+        </p:style>
+      </p:cxnSp>
+      <p:cxnSp>
+        <p:nvCxnSpPr>
+          <p:cNvPr id="58" name="Straight Connector 57">
+            <a:extLst>
+              <a:ext uri="{FF2B5EF4-FFF2-40B4-BE49-F238E27FC236}">
+                <a16:creationId xmlns:a16="http://schemas.microsoft.com/office/drawing/2014/main" id="{45B331D9-191C-DCE9-C2B6-EF3EB7A4C8E7}"/>
+              </a:ext>
+            </a:extLst>
+          </p:cNvPr>
+          <p:cNvCxnSpPr>
+            <a:cxnSpLocks/>
+          </p:cNvCxnSpPr>
+          <p:nvPr/>
+        </p:nvCxnSpPr>
+        <p:spPr>
+          <a:xfrm>
+            <a:off x="4789665" y="5255670"/>
+            <a:ext cx="5568844" cy="17370"/>
+          </a:xfrm>
+          <a:prstGeom prst="line">
+            <a:avLst/>
+          </a:prstGeom>
+          <a:ln>
+            <a:headEnd type="none" w="med" len="med"/>
+            <a:tailEnd type="none" w="med" len="med"/>
+          </a:ln>
+        </p:spPr>
+        <p:style>
+          <a:lnRef idx="3">
+            <a:schemeClr val="accent1"/>
+          </a:lnRef>
+          <a:fillRef idx="0">
+            <a:schemeClr val="accent1"/>
+          </a:fillRef>
+          <a:effectRef idx="2">
+            <a:schemeClr val="accent1"/>
+          </a:effectRef>
+          <a:fontRef idx="minor">
+            <a:schemeClr val="tx1"/>
+          </a:fontRef>
+        </p:style>
+      </p:cxnSp>
+      <p:cxnSp>
+        <p:nvCxnSpPr>
+          <p:cNvPr id="463" name="Straight Connector 462">
+            <a:extLst>
+              <a:ext uri="{FF2B5EF4-FFF2-40B4-BE49-F238E27FC236}">
+                <a16:creationId xmlns:a16="http://schemas.microsoft.com/office/drawing/2014/main" id="{2DB06397-D1FC-A45D-B331-D0F4E2F8CA03}"/>
+              </a:ext>
+            </a:extLst>
+          </p:cNvPr>
+          <p:cNvCxnSpPr>
+            <a:cxnSpLocks/>
+          </p:cNvCxnSpPr>
+          <p:nvPr/>
+        </p:nvCxnSpPr>
+        <p:spPr>
+          <a:xfrm>
+            <a:off x="10358509" y="4019296"/>
+            <a:ext cx="0" cy="1243584"/>
+          </a:xfrm>
+          <a:prstGeom prst="line">
+            <a:avLst/>
+          </a:prstGeom>
+          <a:ln>
+            <a:headEnd type="none" w="med" len="med"/>
+            <a:tailEnd type="none" w="med" len="med"/>
+          </a:ln>
+        </p:spPr>
+        <p:style>
+          <a:lnRef idx="3">
+            <a:schemeClr val="accent1"/>
+          </a:lnRef>
+          <a:fillRef idx="0">
+            <a:schemeClr val="accent1"/>
+          </a:fillRef>
+          <a:effectRef idx="2">
+            <a:schemeClr val="accent1"/>
+          </a:effectRef>
+          <a:fontRef idx="minor">
+            <a:schemeClr val="tx1"/>
+          </a:fontRef>
+        </p:style>
+      </p:cxnSp>
+      <p:cxnSp>
+        <p:nvCxnSpPr>
+          <p:cNvPr id="465" name="Straight Connector 464">
+            <a:extLst>
+              <a:ext uri="{FF2B5EF4-FFF2-40B4-BE49-F238E27FC236}">
+                <a16:creationId xmlns:a16="http://schemas.microsoft.com/office/drawing/2014/main" id="{81F1CCAC-CFAF-9F09-AB51-EB7B5875DFBF}"/>
+              </a:ext>
+            </a:extLst>
+          </p:cNvPr>
+          <p:cNvCxnSpPr>
+            <a:cxnSpLocks/>
+          </p:cNvCxnSpPr>
+          <p:nvPr/>
+        </p:nvCxnSpPr>
+        <p:spPr>
+          <a:xfrm>
+            <a:off x="10475349" y="3898699"/>
+            <a:ext cx="0" cy="1442043"/>
+          </a:xfrm>
+          <a:prstGeom prst="line">
+            <a:avLst/>
+          </a:prstGeom>
+          <a:ln>
+            <a:headEnd type="none" w="med" len="med"/>
+            <a:tailEnd type="none" w="med" len="med"/>
+          </a:ln>
+        </p:spPr>
+        <p:style>
+          <a:lnRef idx="3">
+            <a:schemeClr val="accent1"/>
+          </a:lnRef>
+          <a:fillRef idx="0">
+            <a:schemeClr val="accent1"/>
+          </a:fillRef>
+          <a:effectRef idx="2">
+            <a:schemeClr val="accent1"/>
+          </a:effectRef>
+          <a:fontRef idx="minor">
+            <a:schemeClr val="tx1"/>
+          </a:fontRef>
+        </p:style>
+      </p:cxnSp>
+      <p:cxnSp>
+        <p:nvCxnSpPr>
+          <p:cNvPr id="467" name="Straight Connector 466">
+            <a:extLst>
+              <a:ext uri="{FF2B5EF4-FFF2-40B4-BE49-F238E27FC236}">
+                <a16:creationId xmlns:a16="http://schemas.microsoft.com/office/drawing/2014/main" id="{60985FC4-C4C2-5314-0F1B-669E7970942F}"/>
+              </a:ext>
+            </a:extLst>
+          </p:cNvPr>
+          <p:cNvCxnSpPr>
+            <a:cxnSpLocks/>
+          </p:cNvCxnSpPr>
+          <p:nvPr/>
+        </p:nvCxnSpPr>
+        <p:spPr>
+          <a:xfrm>
+            <a:off x="10587109" y="3672915"/>
+            <a:ext cx="0" cy="1740518"/>
+          </a:xfrm>
+          <a:prstGeom prst="line">
+            <a:avLst/>
+          </a:prstGeom>
+          <a:ln>
+            <a:headEnd type="none" w="med" len="med"/>
+            <a:tailEnd type="none" w="med" len="med"/>
+          </a:ln>
+        </p:spPr>
+        <p:style>
+          <a:lnRef idx="3">
+            <a:schemeClr val="accent1"/>
+          </a:lnRef>
+          <a:fillRef idx="0">
+            <a:schemeClr val="accent1"/>
+          </a:fillRef>
+          <a:effectRef idx="2">
+            <a:schemeClr val="accent1"/>
+          </a:effectRef>
+          <a:fontRef idx="minor">
+            <a:schemeClr val="tx1"/>
+          </a:fontRef>
+        </p:style>
+      </p:cxnSp>
+      <p:cxnSp>
+        <p:nvCxnSpPr>
+          <p:cNvPr id="469" name="Straight Connector 468">
+            <a:extLst>
+              <a:ext uri="{FF2B5EF4-FFF2-40B4-BE49-F238E27FC236}">
+                <a16:creationId xmlns:a16="http://schemas.microsoft.com/office/drawing/2014/main" id="{949B1925-75F7-6DDF-F34C-86E0F1002193}"/>
+              </a:ext>
+            </a:extLst>
+          </p:cNvPr>
+          <p:cNvCxnSpPr>
+            <a:cxnSpLocks/>
+          </p:cNvCxnSpPr>
+          <p:nvPr/>
+        </p:nvCxnSpPr>
+        <p:spPr>
+          <a:xfrm>
+            <a:off x="10703949" y="3466296"/>
+            <a:ext cx="0" cy="2053818"/>
+          </a:xfrm>
+          <a:prstGeom prst="line">
+            <a:avLst/>
+          </a:prstGeom>
+          <a:ln>
+            <a:headEnd type="none" w="med" len="med"/>
+            <a:tailEnd type="none" w="med" len="med"/>
+          </a:ln>
+        </p:spPr>
+        <p:style>
+          <a:lnRef idx="3">
+            <a:schemeClr val="accent1"/>
+          </a:lnRef>
+          <a:fillRef idx="0">
+            <a:schemeClr val="accent1"/>
+          </a:fillRef>
+          <a:effectRef idx="2">
+            <a:schemeClr val="accent1"/>
+          </a:effectRef>
+          <a:fontRef idx="minor">
+            <a:schemeClr val="tx1"/>
+          </a:fontRef>
+        </p:style>
+      </p:cxnSp>
+      <p:cxnSp>
+        <p:nvCxnSpPr>
+          <p:cNvPr id="471" name="Straight Connector 470">
+            <a:extLst>
+              <a:ext uri="{FF2B5EF4-FFF2-40B4-BE49-F238E27FC236}">
+                <a16:creationId xmlns:a16="http://schemas.microsoft.com/office/drawing/2014/main" id="{B8CED69F-46B1-439A-1E09-083ADB36F263}"/>
+              </a:ext>
+            </a:extLst>
+          </p:cNvPr>
+          <p:cNvCxnSpPr>
+            <a:cxnSpLocks/>
+          </p:cNvCxnSpPr>
+          <p:nvPr/>
+        </p:nvCxnSpPr>
+        <p:spPr>
+          <a:xfrm flipH="1">
+            <a:off x="9699281" y="4013507"/>
+            <a:ext cx="659228" cy="0"/>
+          </a:xfrm>
+          <a:prstGeom prst="line">
+            <a:avLst/>
+          </a:prstGeom>
+          <a:ln>
+            <a:headEnd type="none" w="med" len="med"/>
+            <a:tailEnd type="arrow" w="med" len="med"/>
+          </a:ln>
+        </p:spPr>
+        <p:style>
+          <a:lnRef idx="3">
+            <a:schemeClr val="accent1"/>
+          </a:lnRef>
+          <a:fillRef idx="0">
+            <a:schemeClr val="accent1"/>
+          </a:fillRef>
+          <a:effectRef idx="2">
+            <a:schemeClr val="accent1"/>
+          </a:effectRef>
+          <a:fontRef idx="minor">
+            <a:schemeClr val="tx1"/>
+          </a:fontRef>
+        </p:style>
+      </p:cxnSp>
+      <p:cxnSp>
+        <p:nvCxnSpPr>
+          <p:cNvPr id="473" name="Straight Connector 472">
+            <a:extLst>
+              <a:ext uri="{FF2B5EF4-FFF2-40B4-BE49-F238E27FC236}">
+                <a16:creationId xmlns:a16="http://schemas.microsoft.com/office/drawing/2014/main" id="{FD3B8B89-5A42-D02F-1D48-4A7885BCCE62}"/>
+              </a:ext>
+            </a:extLst>
+          </p:cNvPr>
+          <p:cNvCxnSpPr>
+            <a:cxnSpLocks/>
+          </p:cNvCxnSpPr>
+          <p:nvPr/>
+        </p:nvCxnSpPr>
+        <p:spPr>
+          <a:xfrm flipH="1">
+            <a:off x="9684234" y="3898699"/>
+            <a:ext cx="787014" cy="0"/>
+          </a:xfrm>
+          <a:prstGeom prst="line">
+            <a:avLst/>
+          </a:prstGeom>
+          <a:ln>
+            <a:headEnd type="none" w="med" len="med"/>
+            <a:tailEnd type="arrow" w="med" len="med"/>
+          </a:ln>
+        </p:spPr>
+        <p:style>
+          <a:lnRef idx="3">
+            <a:schemeClr val="accent1"/>
+          </a:lnRef>
+          <a:fillRef idx="0">
+            <a:schemeClr val="accent1"/>
+          </a:fillRef>
+          <a:effectRef idx="2">
+            <a:schemeClr val="accent1"/>
+          </a:effectRef>
+          <a:fontRef idx="minor">
+            <a:schemeClr val="tx1"/>
+          </a:fontRef>
+        </p:style>
+      </p:cxnSp>
+      <p:cxnSp>
+        <p:nvCxnSpPr>
+          <p:cNvPr id="475" name="Straight Connector 474">
+            <a:extLst>
+              <a:ext uri="{FF2B5EF4-FFF2-40B4-BE49-F238E27FC236}">
+                <a16:creationId xmlns:a16="http://schemas.microsoft.com/office/drawing/2014/main" id="{8D2651D1-732B-90FC-4F39-C982BA5EFF96}"/>
+              </a:ext>
+            </a:extLst>
+          </p:cNvPr>
+          <p:cNvCxnSpPr>
+            <a:cxnSpLocks/>
+          </p:cNvCxnSpPr>
+          <p:nvPr/>
+        </p:nvCxnSpPr>
+        <p:spPr>
+          <a:xfrm flipH="1">
+            <a:off x="9705340" y="3680839"/>
+            <a:ext cx="885288" cy="0"/>
+          </a:xfrm>
+          <a:prstGeom prst="line">
+            <a:avLst/>
+          </a:prstGeom>
+          <a:ln>
+            <a:headEnd type="none" w="med" len="med"/>
+            <a:tailEnd type="arrow" w="med" len="med"/>
+          </a:ln>
+        </p:spPr>
+        <p:style>
+          <a:lnRef idx="3">
+            <a:schemeClr val="accent1"/>
+          </a:lnRef>
+          <a:fillRef idx="0">
+            <a:schemeClr val="accent1"/>
+          </a:fillRef>
+          <a:effectRef idx="2">
+            <a:schemeClr val="accent1"/>
+          </a:effectRef>
+          <a:fontRef idx="minor">
+            <a:schemeClr val="tx1"/>
+          </a:fontRef>
+        </p:style>
+      </p:cxnSp>
+      <p:cxnSp>
+        <p:nvCxnSpPr>
+          <p:cNvPr id="477" name="Straight Connector 476">
+            <a:extLst>
+              <a:ext uri="{FF2B5EF4-FFF2-40B4-BE49-F238E27FC236}">
+                <a16:creationId xmlns:a16="http://schemas.microsoft.com/office/drawing/2014/main" id="{6BC298E2-86A8-5F4C-1022-9962B8D103E5}"/>
+              </a:ext>
+            </a:extLst>
+          </p:cNvPr>
+          <p:cNvCxnSpPr>
+            <a:cxnSpLocks/>
+          </p:cNvCxnSpPr>
+          <p:nvPr/>
+        </p:nvCxnSpPr>
+        <p:spPr>
+          <a:xfrm flipH="1">
+            <a:off x="9710420" y="3471300"/>
+            <a:ext cx="997048" cy="0"/>
+          </a:xfrm>
+          <a:prstGeom prst="line">
+            <a:avLst/>
+          </a:prstGeom>
+          <a:ln>
+            <a:headEnd type="none" w="med" len="med"/>
+            <a:tailEnd type="arrow" w="med" len="med"/>
+          </a:ln>
+        </p:spPr>
+        <p:style>
+          <a:lnRef idx="3">
+            <a:schemeClr val="accent1"/>
+          </a:lnRef>
+          <a:fillRef idx="0">
+            <a:schemeClr val="accent1"/>
+          </a:fillRef>
+          <a:effectRef idx="2">
+            <a:schemeClr val="accent1"/>
+          </a:effectRef>
+          <a:fontRef idx="minor">
+            <a:schemeClr val="tx1"/>
+          </a:fontRef>
+        </p:style>
+      </p:cxnSp>
+      <p:cxnSp>
+        <p:nvCxnSpPr>
+          <p:cNvPr id="483" name="Straight Connector 482">
+            <a:extLst>
+              <a:ext uri="{FF2B5EF4-FFF2-40B4-BE49-F238E27FC236}">
+                <a16:creationId xmlns:a16="http://schemas.microsoft.com/office/drawing/2014/main" id="{E8BF8B85-E68B-2130-4DCE-9A2E31A1D393}"/>
+              </a:ext>
+            </a:extLst>
+          </p:cNvPr>
+          <p:cNvCxnSpPr>
+            <a:cxnSpLocks/>
+          </p:cNvCxnSpPr>
+          <p:nvPr/>
+        </p:nvCxnSpPr>
+        <p:spPr>
+          <a:xfrm flipH="1" flipV="1">
+            <a:off x="3676542" y="4310841"/>
+            <a:ext cx="16372" cy="1359709"/>
+          </a:xfrm>
+          <a:prstGeom prst="line">
+            <a:avLst/>
+          </a:prstGeom>
+          <a:ln>
+            <a:headEnd type="none" w="med" len="med"/>
+            <a:tailEnd type="arrow" w="med" len="med"/>
+          </a:ln>
+        </p:spPr>
+        <p:style>
+          <a:lnRef idx="3">
+            <a:schemeClr val="accent1"/>
+          </a:lnRef>
+          <a:fillRef idx="0">
+            <a:schemeClr val="accent1"/>
+          </a:fillRef>
+          <a:effectRef idx="2">
+            <a:schemeClr val="accent1"/>
+          </a:effectRef>
+          <a:fontRef idx="minor">
+            <a:schemeClr val="tx1"/>
+          </a:fontRef>
+        </p:style>
+      </p:cxnSp>
+      <p:cxnSp>
+        <p:nvCxnSpPr>
+          <p:cNvPr id="493" name="Straight Connector 492">
+            <a:extLst>
+              <a:ext uri="{FF2B5EF4-FFF2-40B4-BE49-F238E27FC236}">
+                <a16:creationId xmlns:a16="http://schemas.microsoft.com/office/drawing/2014/main" id="{4A5D90D3-27A7-11F4-E58D-B7543E3B7098}"/>
+              </a:ext>
+            </a:extLst>
+          </p:cNvPr>
+          <p:cNvCxnSpPr>
+            <a:cxnSpLocks/>
+          </p:cNvCxnSpPr>
+          <p:nvPr/>
+        </p:nvCxnSpPr>
+        <p:spPr>
+          <a:xfrm>
+            <a:off x="3693364" y="5673992"/>
+            <a:ext cx="7200696" cy="0"/>
+          </a:xfrm>
+          <a:prstGeom prst="line">
+            <a:avLst/>
+          </a:prstGeom>
+          <a:ln>
+            <a:headEnd type="none" w="med" len="med"/>
+            <a:tailEnd type="none" w="med" len="med"/>
+          </a:ln>
+        </p:spPr>
+        <p:style>
+          <a:lnRef idx="3">
+            <a:schemeClr val="accent1"/>
+          </a:lnRef>
+          <a:fillRef idx="0">
+            <a:schemeClr val="accent1"/>
+          </a:fillRef>
+          <a:effectRef idx="2">
+            <a:schemeClr val="accent1"/>
+          </a:effectRef>
+          <a:fontRef idx="minor">
+            <a:schemeClr val="tx1"/>
+          </a:fontRef>
+        </p:style>
+      </p:cxnSp>
+      <p:cxnSp>
+        <p:nvCxnSpPr>
+          <p:cNvPr id="494" name="Straight Connector 493">
+            <a:extLst>
+              <a:ext uri="{FF2B5EF4-FFF2-40B4-BE49-F238E27FC236}">
+                <a16:creationId xmlns:a16="http://schemas.microsoft.com/office/drawing/2014/main" id="{3138C324-4A6F-934C-F85D-E83FCBE20131}"/>
+              </a:ext>
+            </a:extLst>
+          </p:cNvPr>
+          <p:cNvCxnSpPr>
+            <a:cxnSpLocks/>
+          </p:cNvCxnSpPr>
+          <p:nvPr/>
+        </p:nvCxnSpPr>
+        <p:spPr>
+          <a:xfrm>
+            <a:off x="2564130" y="5746750"/>
+            <a:ext cx="8428990" cy="3442"/>
+          </a:xfrm>
+          <a:prstGeom prst="line">
+            <a:avLst/>
+          </a:prstGeom>
+          <a:ln>
+            <a:headEnd type="none" w="med" len="med"/>
+            <a:tailEnd type="none" w="med" len="med"/>
+          </a:ln>
+        </p:spPr>
+        <p:style>
+          <a:lnRef idx="3">
+            <a:schemeClr val="accent1"/>
+          </a:lnRef>
+          <a:fillRef idx="0">
+            <a:schemeClr val="accent1"/>
+          </a:fillRef>
+          <a:effectRef idx="2">
+            <a:schemeClr val="accent1"/>
+          </a:effectRef>
+          <a:fontRef idx="minor">
+            <a:schemeClr val="tx1"/>
+          </a:fontRef>
+        </p:style>
+      </p:cxnSp>
+      <p:cxnSp>
+        <p:nvCxnSpPr>
+          <p:cNvPr id="497" name="Straight Connector 496">
+            <a:extLst>
+              <a:ext uri="{FF2B5EF4-FFF2-40B4-BE49-F238E27FC236}">
+                <a16:creationId xmlns:a16="http://schemas.microsoft.com/office/drawing/2014/main" id="{8A17CD49-46AB-9BC4-BBD4-6C95B7DFF334}"/>
+              </a:ext>
+            </a:extLst>
+          </p:cNvPr>
+          <p:cNvCxnSpPr>
+            <a:cxnSpLocks/>
+          </p:cNvCxnSpPr>
+          <p:nvPr/>
+        </p:nvCxnSpPr>
+        <p:spPr>
+          <a:xfrm flipV="1">
+            <a:off x="10898354" y="2934970"/>
+            <a:ext cx="0" cy="2749593"/>
+          </a:xfrm>
+          <a:prstGeom prst="line">
+            <a:avLst/>
+          </a:prstGeom>
+          <a:ln>
+            <a:headEnd type="none" w="med" len="med"/>
+            <a:tailEnd type="none" w="med" len="med"/>
+          </a:ln>
+        </p:spPr>
+        <p:style>
+          <a:lnRef idx="3">
+            <a:schemeClr val="accent1"/>
+          </a:lnRef>
+          <a:fillRef idx="0">
+            <a:schemeClr val="accent1"/>
+          </a:fillRef>
+          <a:effectRef idx="2">
+            <a:schemeClr val="accent1"/>
+          </a:effectRef>
+          <a:fontRef idx="minor">
+            <a:schemeClr val="tx1"/>
+          </a:fontRef>
+        </p:style>
+      </p:cxnSp>
+      <p:cxnSp>
+        <p:nvCxnSpPr>
+          <p:cNvPr id="498" name="Straight Connector 497">
+            <a:extLst>
+              <a:ext uri="{FF2B5EF4-FFF2-40B4-BE49-F238E27FC236}">
+                <a16:creationId xmlns:a16="http://schemas.microsoft.com/office/drawing/2014/main" id="{0755667F-DDE6-9216-790D-41AF520DDFCC}"/>
+              </a:ext>
+            </a:extLst>
+          </p:cNvPr>
+          <p:cNvCxnSpPr>
+            <a:cxnSpLocks/>
+          </p:cNvCxnSpPr>
+          <p:nvPr/>
+        </p:nvCxnSpPr>
+        <p:spPr>
+          <a:xfrm flipV="1">
+            <a:off x="10997414" y="2729732"/>
+            <a:ext cx="0" cy="3036717"/>
+          </a:xfrm>
+          <a:prstGeom prst="line">
+            <a:avLst/>
+          </a:prstGeom>
+          <a:ln>
+            <a:headEnd type="none" w="med" len="med"/>
+            <a:tailEnd type="none" w="med" len="med"/>
+          </a:ln>
+        </p:spPr>
+        <p:style>
+          <a:lnRef idx="3">
+            <a:schemeClr val="accent1"/>
+          </a:lnRef>
+          <a:fillRef idx="0">
+            <a:schemeClr val="accent1"/>
+          </a:fillRef>
+          <a:effectRef idx="2">
+            <a:schemeClr val="accent1"/>
+          </a:effectRef>
+          <a:fontRef idx="minor">
+            <a:schemeClr val="tx1"/>
+          </a:fontRef>
+        </p:style>
+      </p:cxnSp>
+      <p:cxnSp>
+        <p:nvCxnSpPr>
+          <p:cNvPr id="503" name="Straight Connector 502">
+            <a:extLst>
+              <a:ext uri="{FF2B5EF4-FFF2-40B4-BE49-F238E27FC236}">
+                <a16:creationId xmlns:a16="http://schemas.microsoft.com/office/drawing/2014/main" id="{C1CDC71B-7EEC-495C-1C63-B2421683ECFD}"/>
+              </a:ext>
+            </a:extLst>
+          </p:cNvPr>
+          <p:cNvCxnSpPr>
+            <a:cxnSpLocks/>
+          </p:cNvCxnSpPr>
+          <p:nvPr/>
+        </p:nvCxnSpPr>
+        <p:spPr>
+          <a:xfrm flipH="1">
+            <a:off x="9707880" y="2931503"/>
+            <a:ext cx="1182370" cy="0"/>
+          </a:xfrm>
+          <a:prstGeom prst="line">
+            <a:avLst/>
+          </a:prstGeom>
+          <a:ln>
+            <a:headEnd type="none" w="med" len="med"/>
+            <a:tailEnd type="arrow" w="med" len="med"/>
+          </a:ln>
+        </p:spPr>
+        <p:style>
+          <a:lnRef idx="3">
+            <a:schemeClr val="accent1"/>
+          </a:lnRef>
+          <a:fillRef idx="0">
+            <a:schemeClr val="accent1"/>
+          </a:fillRef>
+          <a:effectRef idx="2">
+            <a:schemeClr val="accent1"/>
+          </a:effectRef>
+          <a:fontRef idx="minor">
+            <a:schemeClr val="tx1"/>
+          </a:fontRef>
+        </p:style>
+      </p:cxnSp>
+      <p:cxnSp>
+        <p:nvCxnSpPr>
+          <p:cNvPr id="508" name="Straight Connector 507">
+            <a:extLst>
+              <a:ext uri="{FF2B5EF4-FFF2-40B4-BE49-F238E27FC236}">
+                <a16:creationId xmlns:a16="http://schemas.microsoft.com/office/drawing/2014/main" id="{C3F29563-E041-60DF-C647-4C6AD172C9F4}"/>
+              </a:ext>
+            </a:extLst>
+          </p:cNvPr>
+          <p:cNvCxnSpPr>
+            <a:cxnSpLocks/>
+          </p:cNvCxnSpPr>
+          <p:nvPr/>
+        </p:nvCxnSpPr>
+        <p:spPr>
+          <a:xfrm flipH="1" flipV="1">
+            <a:off x="9716770" y="2718251"/>
+            <a:ext cx="1291313" cy="5915"/>
+          </a:xfrm>
+          <a:prstGeom prst="line">
+            <a:avLst/>
+          </a:prstGeom>
+          <a:ln>
+            <a:headEnd type="none" w="med" len="med"/>
+            <a:tailEnd type="arrow" w="med" len="med"/>
+          </a:ln>
+        </p:spPr>
+        <p:style>
+          <a:lnRef idx="3">
+            <a:schemeClr val="accent1"/>
+          </a:lnRef>
+          <a:fillRef idx="0">
+            <a:schemeClr val="accent1"/>
+          </a:fillRef>
+          <a:effectRef idx="2">
+            <a:schemeClr val="accent1"/>
+          </a:effectRef>
+          <a:fontRef idx="minor">
+            <a:schemeClr val="tx1"/>
+          </a:fontRef>
+        </p:style>
+      </p:cxnSp>
+      <p:cxnSp>
+        <p:nvCxnSpPr>
+          <p:cNvPr id="85" name="Straight Connector 84">
+            <a:extLst>
+              <a:ext uri="{FF2B5EF4-FFF2-40B4-BE49-F238E27FC236}">
+                <a16:creationId xmlns:a16="http://schemas.microsoft.com/office/drawing/2014/main" id="{881BE089-BC03-4F7C-F27B-63D46F802D0D}"/>
+              </a:ext>
+            </a:extLst>
+          </p:cNvPr>
+          <p:cNvCxnSpPr>
+            <a:cxnSpLocks/>
+          </p:cNvCxnSpPr>
+          <p:nvPr/>
+        </p:nvCxnSpPr>
+        <p:spPr>
+          <a:xfrm flipH="1">
+            <a:off x="2977794" y="3054010"/>
+            <a:ext cx="957656" cy="0"/>
+          </a:xfrm>
+          <a:prstGeom prst="line">
+            <a:avLst/>
+          </a:prstGeom>
+          <a:ln>
+            <a:headEnd type="none" w="med" len="med"/>
+            <a:tailEnd type="arrow" w="med" len="med"/>
+          </a:ln>
+        </p:spPr>
+        <p:style>
+          <a:lnRef idx="3">
+            <a:schemeClr val="accent1"/>
+          </a:lnRef>
+          <a:fillRef idx="0">
+            <a:schemeClr val="accent1"/>
+          </a:fillRef>
+          <a:effectRef idx="2">
+            <a:schemeClr val="accent1"/>
+          </a:effectRef>
+          <a:fontRef idx="minor">
+            <a:schemeClr val="tx1"/>
+          </a:fontRef>
+        </p:style>
+      </p:cxnSp>
+      <p:cxnSp>
+        <p:nvCxnSpPr>
+          <p:cNvPr id="86" name="Straight Connector 85">
+            <a:extLst>
+              <a:ext uri="{FF2B5EF4-FFF2-40B4-BE49-F238E27FC236}">
+                <a16:creationId xmlns:a16="http://schemas.microsoft.com/office/drawing/2014/main" id="{5EE3C877-DAC6-A594-F419-033FE271F2E1}"/>
+              </a:ext>
+            </a:extLst>
+          </p:cNvPr>
+          <p:cNvCxnSpPr>
+            <a:cxnSpLocks/>
+          </p:cNvCxnSpPr>
+          <p:nvPr/>
+        </p:nvCxnSpPr>
+        <p:spPr>
+          <a:xfrm flipH="1">
+            <a:off x="2977794" y="3132268"/>
+            <a:ext cx="1169042" cy="11129"/>
+          </a:xfrm>
+          <a:prstGeom prst="line">
+            <a:avLst/>
+          </a:prstGeom>
+          <a:ln>
+            <a:headEnd type="none" w="med" len="med"/>
+            <a:tailEnd type="arrow" w="med" len="med"/>
+          </a:ln>
+        </p:spPr>
+        <p:style>
+          <a:lnRef idx="3">
+            <a:schemeClr val="accent1"/>
+          </a:lnRef>
+          <a:fillRef idx="0">
+            <a:schemeClr val="accent1"/>
+          </a:fillRef>
+          <a:effectRef idx="2">
+            <a:schemeClr val="accent1"/>
+          </a:effectRef>
+          <a:fontRef idx="minor">
+            <a:schemeClr val="tx1"/>
+          </a:fontRef>
+        </p:style>
+      </p:cxnSp>
+      <p:cxnSp>
+        <p:nvCxnSpPr>
+          <p:cNvPr id="89" name="Straight Connector 88">
+            <a:extLst>
+              <a:ext uri="{FF2B5EF4-FFF2-40B4-BE49-F238E27FC236}">
+                <a16:creationId xmlns:a16="http://schemas.microsoft.com/office/drawing/2014/main" id="{402C7444-358C-DC79-D2BB-96C4A7062037}"/>
+              </a:ext>
+            </a:extLst>
+          </p:cNvPr>
+          <p:cNvCxnSpPr>
+            <a:cxnSpLocks/>
+          </p:cNvCxnSpPr>
+          <p:nvPr/>
+        </p:nvCxnSpPr>
+        <p:spPr>
+          <a:xfrm flipV="1">
+            <a:off x="3935450" y="1361440"/>
+            <a:ext cx="0" cy="1693279"/>
+          </a:xfrm>
+          <a:prstGeom prst="line">
+            <a:avLst/>
+          </a:prstGeom>
+          <a:ln>
+            <a:headEnd type="none" w="med" len="med"/>
+            <a:tailEnd type="none" w="med" len="med"/>
+          </a:ln>
+        </p:spPr>
+        <p:style>
+          <a:lnRef idx="3">
+            <a:schemeClr val="accent1"/>
+          </a:lnRef>
+          <a:fillRef idx="0">
+            <a:schemeClr val="accent1"/>
+          </a:fillRef>
+          <a:effectRef idx="2">
+            <a:schemeClr val="accent1"/>
+          </a:effectRef>
+          <a:fontRef idx="minor">
+            <a:schemeClr val="tx1"/>
+          </a:fontRef>
+        </p:style>
+      </p:cxnSp>
+      <p:cxnSp>
+        <p:nvCxnSpPr>
+          <p:cNvPr id="91" name="Straight Connector 90">
+            <a:extLst>
+              <a:ext uri="{FF2B5EF4-FFF2-40B4-BE49-F238E27FC236}">
+                <a16:creationId xmlns:a16="http://schemas.microsoft.com/office/drawing/2014/main" id="{BE0D8708-7681-EA92-CC41-0904A423F175}"/>
+              </a:ext>
+            </a:extLst>
+          </p:cNvPr>
+          <p:cNvCxnSpPr>
+            <a:cxnSpLocks/>
+          </p:cNvCxnSpPr>
+          <p:nvPr/>
+        </p:nvCxnSpPr>
+        <p:spPr>
+          <a:xfrm flipV="1">
+            <a:off x="4140970" y="1490980"/>
+            <a:ext cx="7388" cy="1646502"/>
+          </a:xfrm>
+          <a:prstGeom prst="line">
+            <a:avLst/>
+          </a:prstGeom>
+          <a:ln>
+            <a:headEnd type="none" w="med" len="med"/>
+            <a:tailEnd type="none" w="med" len="med"/>
+          </a:ln>
+        </p:spPr>
+        <p:style>
+          <a:lnRef idx="3">
+            <a:schemeClr val="accent1"/>
+          </a:lnRef>
+          <a:fillRef idx="0">
+            <a:schemeClr val="accent1"/>
+          </a:fillRef>
+          <a:effectRef idx="2">
+            <a:schemeClr val="accent1"/>
+          </a:effectRef>
+          <a:fontRef idx="minor">
+            <a:schemeClr val="tx1"/>
+          </a:fontRef>
+        </p:style>
+      </p:cxnSp>
+      <p:cxnSp>
+        <p:nvCxnSpPr>
+          <p:cNvPr id="105" name="Straight Connector 104">
+            <a:extLst>
+              <a:ext uri="{FF2B5EF4-FFF2-40B4-BE49-F238E27FC236}">
+                <a16:creationId xmlns:a16="http://schemas.microsoft.com/office/drawing/2014/main" id="{6DF0096C-9F2C-418D-1BCA-760BF40178B6}"/>
+              </a:ext>
+            </a:extLst>
+          </p:cNvPr>
+          <p:cNvCxnSpPr>
+            <a:cxnSpLocks/>
+          </p:cNvCxnSpPr>
+          <p:nvPr/>
+        </p:nvCxnSpPr>
+        <p:spPr>
+          <a:xfrm flipH="1" flipV="1">
+            <a:off x="4151332" y="1491107"/>
+            <a:ext cx="3619657" cy="13177"/>
+          </a:xfrm>
+          <a:prstGeom prst="line">
+            <a:avLst/>
+          </a:prstGeom>
+          <a:ln>
+            <a:headEnd type="none" w="med" len="med"/>
+            <a:tailEnd type="none" w="med" len="med"/>
+          </a:ln>
+        </p:spPr>
+        <p:style>
+          <a:lnRef idx="3">
+            <a:schemeClr val="accent1"/>
+          </a:lnRef>
+          <a:fillRef idx="0">
+            <a:schemeClr val="accent1"/>
+          </a:fillRef>
+          <a:effectRef idx="2">
+            <a:schemeClr val="accent1"/>
+          </a:effectRef>
+          <a:fontRef idx="minor">
+            <a:schemeClr val="tx1"/>
+          </a:fontRef>
+        </p:style>
+      </p:cxnSp>
+      <p:cxnSp>
+        <p:nvCxnSpPr>
+          <p:cNvPr id="106" name="Straight Connector 105">
+            <a:extLst>
+              <a:ext uri="{FF2B5EF4-FFF2-40B4-BE49-F238E27FC236}">
+                <a16:creationId xmlns:a16="http://schemas.microsoft.com/office/drawing/2014/main" id="{0B2BBEAF-26D4-0C33-24F7-6C155A8026C6}"/>
+              </a:ext>
+            </a:extLst>
+          </p:cNvPr>
+          <p:cNvCxnSpPr>
+            <a:cxnSpLocks/>
+          </p:cNvCxnSpPr>
+          <p:nvPr/>
+        </p:nvCxnSpPr>
+        <p:spPr>
+          <a:xfrm flipH="1">
+            <a:off x="3935450" y="1365679"/>
+            <a:ext cx="4004590" cy="0"/>
+          </a:xfrm>
+          <a:prstGeom prst="line">
+            <a:avLst/>
+          </a:prstGeom>
+          <a:ln>
+            <a:headEnd type="none" w="med" len="med"/>
+            <a:tailEnd type="none" w="med" len="med"/>
+          </a:ln>
+        </p:spPr>
+        <p:style>
+          <a:lnRef idx="3">
+            <a:schemeClr val="accent1"/>
+          </a:lnRef>
+          <a:fillRef idx="0">
+            <a:schemeClr val="accent1"/>
+          </a:fillRef>
+          <a:effectRef idx="2">
+            <a:schemeClr val="accent1"/>
+          </a:effectRef>
+          <a:fontRef idx="minor">
+            <a:schemeClr val="tx1"/>
+          </a:fontRef>
+        </p:style>
+      </p:cxnSp>
+      <p:cxnSp>
+        <p:nvCxnSpPr>
+          <p:cNvPr id="109" name="Straight Connector 108">
+            <a:extLst>
+              <a:ext uri="{FF2B5EF4-FFF2-40B4-BE49-F238E27FC236}">
+                <a16:creationId xmlns:a16="http://schemas.microsoft.com/office/drawing/2014/main" id="{8736F75B-E546-7027-399E-B86F980C0F3D}"/>
+              </a:ext>
+            </a:extLst>
+          </p:cNvPr>
+          <p:cNvCxnSpPr>
+            <a:cxnSpLocks/>
+          </p:cNvCxnSpPr>
+          <p:nvPr/>
+        </p:nvCxnSpPr>
+        <p:spPr>
+          <a:xfrm>
+            <a:off x="5748975" y="2599547"/>
+            <a:ext cx="0" cy="141600"/>
+          </a:xfrm>
+          <a:prstGeom prst="line">
+            <a:avLst/>
+          </a:prstGeom>
+          <a:ln>
+            <a:headEnd type="none" w="med" len="med"/>
+            <a:tailEnd type="none" w="med" len="med"/>
+          </a:ln>
+        </p:spPr>
+        <p:style>
+          <a:lnRef idx="3">
+            <a:schemeClr val="accent1"/>
+          </a:lnRef>
+          <a:fillRef idx="0">
+            <a:schemeClr val="accent1"/>
+          </a:fillRef>
+          <a:effectRef idx="2">
+            <a:schemeClr val="accent1"/>
+          </a:effectRef>
+          <a:fontRef idx="minor">
+            <a:schemeClr val="tx1"/>
+          </a:fontRef>
+        </p:style>
+      </p:cxnSp>
+      <p:cxnSp>
+        <p:nvCxnSpPr>
+          <p:cNvPr id="119" name="Straight Connector 118">
+            <a:extLst>
+              <a:ext uri="{FF2B5EF4-FFF2-40B4-BE49-F238E27FC236}">
+                <a16:creationId xmlns:a16="http://schemas.microsoft.com/office/drawing/2014/main" id="{EEA99BEE-E10E-1F37-3025-CB13142E5544}"/>
+              </a:ext>
+            </a:extLst>
+          </p:cNvPr>
+          <p:cNvCxnSpPr>
+            <a:cxnSpLocks/>
+          </p:cNvCxnSpPr>
+          <p:nvPr/>
+        </p:nvCxnSpPr>
+        <p:spPr>
+          <a:xfrm>
+            <a:off x="6639326" y="1132690"/>
+            <a:ext cx="5297" cy="1330555"/>
+          </a:xfrm>
+          <a:prstGeom prst="line">
+            <a:avLst/>
+          </a:prstGeom>
+          <a:ln>
+            <a:headEnd type="none" w="med" len="med"/>
+            <a:tailEnd type="none" w="med" len="med"/>
+          </a:ln>
+        </p:spPr>
+        <p:style>
+          <a:lnRef idx="3">
+            <a:schemeClr val="accent1"/>
+          </a:lnRef>
+          <a:fillRef idx="0">
+            <a:schemeClr val="accent1"/>
+          </a:fillRef>
+          <a:effectRef idx="2">
+            <a:schemeClr val="accent1"/>
+          </a:effectRef>
+          <a:fontRef idx="minor">
+            <a:schemeClr val="tx1"/>
+          </a:fontRef>
+        </p:style>
+      </p:cxnSp>
+      <p:cxnSp>
+        <p:nvCxnSpPr>
+          <p:cNvPr id="127" name="Straight Connector 126">
+            <a:extLst>
+              <a:ext uri="{FF2B5EF4-FFF2-40B4-BE49-F238E27FC236}">
+                <a16:creationId xmlns:a16="http://schemas.microsoft.com/office/drawing/2014/main" id="{7C1502B7-2147-E463-1DFA-59CAA203159E}"/>
+              </a:ext>
+            </a:extLst>
+          </p:cNvPr>
+          <p:cNvCxnSpPr>
+            <a:cxnSpLocks/>
+          </p:cNvCxnSpPr>
+          <p:nvPr/>
+        </p:nvCxnSpPr>
+        <p:spPr>
+          <a:xfrm flipV="1">
+            <a:off x="7767704" y="1510030"/>
+            <a:ext cx="0" cy="765810"/>
+          </a:xfrm>
+          <a:prstGeom prst="line">
+            <a:avLst/>
+          </a:prstGeom>
+          <a:ln>
+            <a:headEnd type="none" w="med" len="med"/>
+            <a:tailEnd type="none" w="med" len="med"/>
+          </a:ln>
+        </p:spPr>
+        <p:style>
+          <a:lnRef idx="3">
+            <a:schemeClr val="accent1"/>
+          </a:lnRef>
+          <a:fillRef idx="0">
+            <a:schemeClr val="accent1"/>
+          </a:fillRef>
+          <a:effectRef idx="2">
+            <a:schemeClr val="accent1"/>
+          </a:effectRef>
+          <a:fontRef idx="minor">
+            <a:schemeClr val="tx1"/>
+          </a:fontRef>
+        </p:style>
+      </p:cxnSp>
+      <p:cxnSp>
+        <p:nvCxnSpPr>
+          <p:cNvPr id="134" name="Straight Connector 133">
+            <a:extLst>
+              <a:ext uri="{FF2B5EF4-FFF2-40B4-BE49-F238E27FC236}">
+                <a16:creationId xmlns:a16="http://schemas.microsoft.com/office/drawing/2014/main" id="{23139C2B-2670-E2F9-5159-748E762571C1}"/>
+              </a:ext>
+            </a:extLst>
+          </p:cNvPr>
+          <p:cNvCxnSpPr>
+            <a:cxnSpLocks/>
+          </p:cNvCxnSpPr>
+          <p:nvPr/>
+        </p:nvCxnSpPr>
+        <p:spPr>
+          <a:xfrm flipH="1" flipV="1">
+            <a:off x="7449396" y="2255263"/>
+            <a:ext cx="331784" cy="7008"/>
+          </a:xfrm>
+          <a:prstGeom prst="line">
+            <a:avLst/>
+          </a:prstGeom>
+          <a:ln>
+            <a:headEnd type="none" w="med" len="med"/>
+            <a:tailEnd type="arrow" w="med" len="med"/>
+          </a:ln>
+        </p:spPr>
+        <p:style>
+          <a:lnRef idx="3">
+            <a:schemeClr val="accent1"/>
+          </a:lnRef>
+          <a:fillRef idx="0">
+            <a:schemeClr val="accent1"/>
+          </a:fillRef>
+          <a:effectRef idx="2">
+            <a:schemeClr val="accent1"/>
+          </a:effectRef>
+          <a:fontRef idx="minor">
+            <a:schemeClr val="tx1"/>
+          </a:fontRef>
+        </p:style>
+      </p:cxnSp>
+      <p:cxnSp>
+        <p:nvCxnSpPr>
+          <p:cNvPr id="136" name="Straight Connector 135">
+            <a:extLst>
+              <a:ext uri="{FF2B5EF4-FFF2-40B4-BE49-F238E27FC236}">
+                <a16:creationId xmlns:a16="http://schemas.microsoft.com/office/drawing/2014/main" id="{F51A49EA-6654-FD41-0E50-22852370FB34}"/>
+              </a:ext>
+            </a:extLst>
+          </p:cNvPr>
+          <p:cNvCxnSpPr>
+            <a:cxnSpLocks/>
+          </p:cNvCxnSpPr>
+          <p:nvPr/>
+        </p:nvCxnSpPr>
+        <p:spPr>
+          <a:xfrm flipV="1">
+            <a:off x="7942139" y="1357630"/>
+            <a:ext cx="0" cy="1016347"/>
+          </a:xfrm>
+          <a:prstGeom prst="line">
+            <a:avLst/>
+          </a:prstGeom>
+          <a:ln>
+            <a:headEnd type="none" w="med" len="med"/>
+            <a:tailEnd type="none" w="med" len="med"/>
+          </a:ln>
+        </p:spPr>
+        <p:style>
+          <a:lnRef idx="3">
+            <a:schemeClr val="accent1"/>
+          </a:lnRef>
+          <a:fillRef idx="0">
+            <a:schemeClr val="accent1"/>
+          </a:fillRef>
+          <a:effectRef idx="2">
+            <a:schemeClr val="accent1"/>
+          </a:effectRef>
+          <a:fontRef idx="minor">
+            <a:schemeClr val="tx1"/>
+          </a:fontRef>
+        </p:style>
+      </p:cxnSp>
+      <p:cxnSp>
+        <p:nvCxnSpPr>
+          <p:cNvPr id="141" name="Straight Connector 140">
+            <a:extLst>
+              <a:ext uri="{FF2B5EF4-FFF2-40B4-BE49-F238E27FC236}">
+                <a16:creationId xmlns:a16="http://schemas.microsoft.com/office/drawing/2014/main" id="{0EE6CC4D-B74A-BBB1-EB0E-AF87985B6308}"/>
+              </a:ext>
+            </a:extLst>
+          </p:cNvPr>
+          <p:cNvCxnSpPr>
+            <a:cxnSpLocks/>
+          </p:cNvCxnSpPr>
+          <p:nvPr/>
+        </p:nvCxnSpPr>
+        <p:spPr>
+          <a:xfrm flipH="1" flipV="1">
+            <a:off x="7449396" y="2368896"/>
+            <a:ext cx="499883" cy="8644"/>
+          </a:xfrm>
+          <a:prstGeom prst="line">
+            <a:avLst/>
+          </a:prstGeom>
+          <a:ln>
+            <a:headEnd type="none" w="med" len="med"/>
+            <a:tailEnd type="arrow" w="med" len="med"/>
+          </a:ln>
+        </p:spPr>
+        <p:style>
+          <a:lnRef idx="3">
+            <a:schemeClr val="accent1"/>
+          </a:lnRef>
+          <a:fillRef idx="0">
+            <a:schemeClr val="accent1"/>
+          </a:fillRef>
+          <a:effectRef idx="2">
+            <a:schemeClr val="accent1"/>
+          </a:effectRef>
+          <a:fontRef idx="minor">
+            <a:schemeClr val="tx1"/>
+          </a:fontRef>
+        </p:style>
+      </p:cxnSp>
+      <p:cxnSp>
+        <p:nvCxnSpPr>
+          <p:cNvPr id="5" name="Straight Connector 4">
+            <a:extLst>
+              <a:ext uri="{FF2B5EF4-FFF2-40B4-BE49-F238E27FC236}">
+                <a16:creationId xmlns:a16="http://schemas.microsoft.com/office/drawing/2014/main" id="{8CDCA20C-2D7A-78E3-A709-1F281BEF9020}"/>
+              </a:ext>
+            </a:extLst>
+          </p:cNvPr>
+          <p:cNvCxnSpPr>
+            <a:cxnSpLocks/>
+          </p:cNvCxnSpPr>
+          <p:nvPr/>
+        </p:nvCxnSpPr>
+        <p:spPr>
+          <a:xfrm>
+            <a:off x="8580120" y="2930015"/>
+            <a:ext cx="1039537" cy="0"/>
+          </a:xfrm>
+          <a:prstGeom prst="line">
+            <a:avLst/>
+          </a:prstGeom>
+          <a:ln>
+            <a:headEnd type="none" w="med" len="med"/>
+            <a:tailEnd type="arrow" w="med" len="med"/>
+          </a:ln>
+        </p:spPr>
+        <p:style>
+          <a:lnRef idx="3">
+            <a:schemeClr val="accent1"/>
+          </a:lnRef>
+          <a:fillRef idx="0">
+            <a:schemeClr val="accent1"/>
+          </a:fillRef>
+          <a:effectRef idx="2">
+            <a:schemeClr val="accent1"/>
+          </a:effectRef>
+          <a:fontRef idx="minor">
+            <a:schemeClr val="tx1"/>
+          </a:fontRef>
+        </p:style>
+      </p:cxnSp>
+      <p:cxnSp>
+        <p:nvCxnSpPr>
+          <p:cNvPr id="6" name="Straight Connector 5">
+            <a:extLst>
+              <a:ext uri="{FF2B5EF4-FFF2-40B4-BE49-F238E27FC236}">
+                <a16:creationId xmlns:a16="http://schemas.microsoft.com/office/drawing/2014/main" id="{F9DD393E-07D6-53CF-9909-56646AF2176C}"/>
+              </a:ext>
+            </a:extLst>
+          </p:cNvPr>
+          <p:cNvCxnSpPr>
+            <a:cxnSpLocks/>
+          </p:cNvCxnSpPr>
+          <p:nvPr/>
+        </p:nvCxnSpPr>
+        <p:spPr>
+          <a:xfrm flipV="1">
+            <a:off x="8733099" y="2495136"/>
+            <a:ext cx="886558" cy="8551"/>
+          </a:xfrm>
+          <a:prstGeom prst="line">
+            <a:avLst/>
+          </a:prstGeom>
+          <a:ln>
+            <a:headEnd type="none" w="med" len="med"/>
+            <a:tailEnd type="arrow" w="med" len="med"/>
+          </a:ln>
+        </p:spPr>
+        <p:style>
+          <a:lnRef idx="3">
+            <a:schemeClr val="accent1"/>
+          </a:lnRef>
+          <a:fillRef idx="0">
+            <a:schemeClr val="accent1"/>
+          </a:fillRef>
+          <a:effectRef idx="2">
+            <a:schemeClr val="accent1"/>
+          </a:effectRef>
+          <a:fontRef idx="minor">
+            <a:schemeClr val="tx1"/>
+          </a:fontRef>
+        </p:style>
+      </p:cxnSp>
+      <p:cxnSp>
+        <p:nvCxnSpPr>
+          <p:cNvPr id="11" name="Straight Connector 10">
+            <a:extLst>
+              <a:ext uri="{FF2B5EF4-FFF2-40B4-BE49-F238E27FC236}">
+                <a16:creationId xmlns:a16="http://schemas.microsoft.com/office/drawing/2014/main" id="{BC7A2193-26E0-5686-704F-8B7DE4C009B7}"/>
+              </a:ext>
+            </a:extLst>
+          </p:cNvPr>
+          <p:cNvCxnSpPr>
+            <a:cxnSpLocks/>
+          </p:cNvCxnSpPr>
+          <p:nvPr/>
+        </p:nvCxnSpPr>
+        <p:spPr>
+          <a:xfrm flipV="1">
+            <a:off x="8744223" y="917376"/>
+            <a:ext cx="0" cy="1586311"/>
+          </a:xfrm>
+          <a:prstGeom prst="line">
+            <a:avLst/>
+          </a:prstGeom>
+          <a:ln>
+            <a:headEnd type="none" w="med" len="med"/>
+            <a:tailEnd type="none" w="med" len="med"/>
+          </a:ln>
+        </p:spPr>
+        <p:style>
+          <a:lnRef idx="3">
+            <a:schemeClr val="accent1"/>
+          </a:lnRef>
+          <a:fillRef idx="0">
+            <a:schemeClr val="accent1"/>
+          </a:fillRef>
+          <a:effectRef idx="2">
+            <a:schemeClr val="accent1"/>
+          </a:effectRef>
+          <a:fontRef idx="minor">
+            <a:schemeClr val="tx1"/>
+          </a:fontRef>
+        </p:style>
+      </p:cxnSp>
+      <p:cxnSp>
+        <p:nvCxnSpPr>
+          <p:cNvPr id="12" name="Straight Connector 11">
+            <a:extLst>
+              <a:ext uri="{FF2B5EF4-FFF2-40B4-BE49-F238E27FC236}">
+                <a16:creationId xmlns:a16="http://schemas.microsoft.com/office/drawing/2014/main" id="{32EF71FD-E14E-2728-55ED-14AF1F3BA2D2}"/>
+              </a:ext>
+            </a:extLst>
+          </p:cNvPr>
+          <p:cNvCxnSpPr>
+            <a:cxnSpLocks/>
+          </p:cNvCxnSpPr>
+          <p:nvPr/>
+        </p:nvCxnSpPr>
+        <p:spPr>
+          <a:xfrm flipV="1">
+            <a:off x="8576583" y="1046480"/>
+            <a:ext cx="0" cy="1875286"/>
+          </a:xfrm>
+          <a:prstGeom prst="line">
+            <a:avLst/>
+          </a:prstGeom>
+          <a:ln>
+            <a:headEnd type="none" w="med" len="med"/>
+            <a:tailEnd type="none" w="med" len="med"/>
+          </a:ln>
+        </p:spPr>
+        <p:style>
+          <a:lnRef idx="3">
+            <a:schemeClr val="accent1"/>
+          </a:lnRef>
+          <a:fillRef idx="0">
+            <a:schemeClr val="accent1"/>
+          </a:fillRef>
+          <a:effectRef idx="2">
+            <a:schemeClr val="accent1"/>
+          </a:effectRef>
+          <a:fontRef idx="minor">
+            <a:schemeClr val="tx1"/>
+          </a:fontRef>
+        </p:style>
+      </p:cxnSp>
+      <p:cxnSp>
+        <p:nvCxnSpPr>
+          <p:cNvPr id="17" name="Straight Connector 16">
+            <a:extLst>
+              <a:ext uri="{FF2B5EF4-FFF2-40B4-BE49-F238E27FC236}">
+                <a16:creationId xmlns:a16="http://schemas.microsoft.com/office/drawing/2014/main" id="{B084BE72-AC72-EBD7-F012-83E46A17BF11}"/>
+              </a:ext>
+            </a:extLst>
+          </p:cNvPr>
+          <p:cNvCxnSpPr>
+            <a:cxnSpLocks/>
+          </p:cNvCxnSpPr>
+          <p:nvPr/>
+        </p:nvCxnSpPr>
+        <p:spPr>
+          <a:xfrm flipH="1">
+            <a:off x="5626608" y="1042591"/>
+            <a:ext cx="2959786" cy="0"/>
+          </a:xfrm>
+          <a:prstGeom prst="line">
+            <a:avLst/>
+          </a:prstGeom>
+          <a:ln>
+            <a:headEnd type="none" w="med" len="med"/>
+            <a:tailEnd type="none" w="med" len="med"/>
+          </a:ln>
+        </p:spPr>
+        <p:style>
+          <a:lnRef idx="3">
+            <a:schemeClr val="accent1"/>
+          </a:lnRef>
+          <a:fillRef idx="0">
+            <a:schemeClr val="accent1"/>
+          </a:fillRef>
+          <a:effectRef idx="2">
+            <a:schemeClr val="accent1"/>
+          </a:effectRef>
+          <a:fontRef idx="minor">
+            <a:schemeClr val="tx1"/>
+          </a:fontRef>
+        </p:style>
+      </p:cxnSp>
+      <p:cxnSp>
+        <p:nvCxnSpPr>
+          <p:cNvPr id="20" name="Straight Connector 19">
+            <a:extLst>
+              <a:ext uri="{FF2B5EF4-FFF2-40B4-BE49-F238E27FC236}">
+                <a16:creationId xmlns:a16="http://schemas.microsoft.com/office/drawing/2014/main" id="{DF03B799-9B25-5C26-B235-6B02A4B2332D}"/>
+              </a:ext>
+            </a:extLst>
+          </p:cNvPr>
+          <p:cNvCxnSpPr>
+            <a:cxnSpLocks/>
+          </p:cNvCxnSpPr>
+          <p:nvPr/>
+        </p:nvCxnSpPr>
+        <p:spPr>
+          <a:xfrm flipH="1">
+            <a:off x="5462042" y="920671"/>
+            <a:ext cx="3279815" cy="0"/>
+          </a:xfrm>
+          <a:prstGeom prst="line">
+            <a:avLst/>
+          </a:prstGeom>
+          <a:ln>
+            <a:headEnd type="none" w="med" len="med"/>
+            <a:tailEnd type="none" w="med" len="med"/>
+          </a:ln>
+        </p:spPr>
+        <p:style>
+          <a:lnRef idx="3">
+            <a:schemeClr val="accent1"/>
+          </a:lnRef>
+          <a:fillRef idx="0">
+            <a:schemeClr val="accent1"/>
+          </a:fillRef>
+          <a:effectRef idx="2">
+            <a:schemeClr val="accent1"/>
+          </a:effectRef>
+          <a:fontRef idx="minor">
+            <a:schemeClr val="tx1"/>
+          </a:fontRef>
+        </p:style>
+      </p:cxnSp>
+      <p:cxnSp>
+        <p:nvCxnSpPr>
+          <p:cNvPr id="48" name="Straight Connector 47">
+            <a:extLst>
+              <a:ext uri="{FF2B5EF4-FFF2-40B4-BE49-F238E27FC236}">
+                <a16:creationId xmlns:a16="http://schemas.microsoft.com/office/drawing/2014/main" id="{57972A3F-2DD4-3AA9-5231-8F3BDEF116AA}"/>
+              </a:ext>
+            </a:extLst>
+          </p:cNvPr>
+          <p:cNvCxnSpPr>
+            <a:cxnSpLocks/>
+          </p:cNvCxnSpPr>
+          <p:nvPr/>
+        </p:nvCxnSpPr>
+        <p:spPr>
+          <a:xfrm>
+            <a:off x="5620538" y="1036320"/>
+            <a:ext cx="0" cy="1279728"/>
+          </a:xfrm>
+          <a:prstGeom prst="line">
+            <a:avLst/>
+          </a:prstGeom>
+          <a:ln>
+            <a:headEnd type="none" w="med" len="med"/>
+            <a:tailEnd type="none" w="med" len="med"/>
+          </a:ln>
+        </p:spPr>
+        <p:style>
+          <a:lnRef idx="3">
+            <a:schemeClr val="accent1"/>
+          </a:lnRef>
+          <a:fillRef idx="0">
+            <a:schemeClr val="accent1"/>
+          </a:fillRef>
+          <a:effectRef idx="2">
+            <a:schemeClr val="accent1"/>
+          </a:effectRef>
+          <a:fontRef idx="minor">
+            <a:schemeClr val="tx1"/>
+          </a:fontRef>
+        </p:style>
+      </p:cxnSp>
+      <p:cxnSp>
+        <p:nvCxnSpPr>
+          <p:cNvPr id="62" name="Straight Connector 61">
+            <a:extLst>
+              <a:ext uri="{FF2B5EF4-FFF2-40B4-BE49-F238E27FC236}">
+                <a16:creationId xmlns:a16="http://schemas.microsoft.com/office/drawing/2014/main" id="{C4972820-E001-C12E-ECE1-4B60FA315C76}"/>
+              </a:ext>
+            </a:extLst>
+          </p:cNvPr>
+          <p:cNvCxnSpPr>
+            <a:cxnSpLocks/>
+          </p:cNvCxnSpPr>
+          <p:nvPr/>
+        </p:nvCxnSpPr>
+        <p:spPr>
+          <a:xfrm>
+            <a:off x="5448894" y="929640"/>
+            <a:ext cx="0" cy="1123663"/>
+          </a:xfrm>
+          <a:prstGeom prst="line">
+            <a:avLst/>
+          </a:prstGeom>
+          <a:ln>
+            <a:headEnd type="none" w="med" len="med"/>
+            <a:tailEnd type="none" w="med" len="med"/>
+          </a:ln>
+        </p:spPr>
+        <p:style>
+          <a:lnRef idx="3">
+            <a:schemeClr val="accent1"/>
+          </a:lnRef>
+          <a:fillRef idx="0">
+            <a:schemeClr val="accent1"/>
+          </a:fillRef>
+          <a:effectRef idx="2">
+            <a:schemeClr val="accent1"/>
+          </a:effectRef>
+          <a:fontRef idx="minor">
+            <a:schemeClr val="tx1"/>
+          </a:fontRef>
+        </p:style>
+      </p:cxnSp>
+      <p:cxnSp>
+        <p:nvCxnSpPr>
+          <p:cNvPr id="13" name="Straight Connector 12">
+            <a:extLst>
+              <a:ext uri="{FF2B5EF4-FFF2-40B4-BE49-F238E27FC236}">
+                <a16:creationId xmlns:a16="http://schemas.microsoft.com/office/drawing/2014/main" id="{843957A9-8CF1-7A9A-9387-950D27BE05D5}"/>
+              </a:ext>
+            </a:extLst>
+          </p:cNvPr>
+          <p:cNvCxnSpPr>
+            <a:cxnSpLocks/>
+          </p:cNvCxnSpPr>
+          <p:nvPr/>
+        </p:nvCxnSpPr>
+        <p:spPr>
+          <a:xfrm flipH="1" flipV="1">
+            <a:off x="10236200" y="4324937"/>
+            <a:ext cx="22101" cy="2137867"/>
+          </a:xfrm>
+          <a:prstGeom prst="line">
+            <a:avLst/>
+          </a:prstGeom>
+          <a:ln>
+            <a:headEnd type="none" w="med" len="med"/>
+            <a:tailEnd type="none" w="med" len="med"/>
+          </a:ln>
+        </p:spPr>
+        <p:style>
+          <a:lnRef idx="3">
+            <a:schemeClr val="accent6"/>
+          </a:lnRef>
+          <a:fillRef idx="0">
+            <a:schemeClr val="accent6"/>
+          </a:fillRef>
+          <a:effectRef idx="2">
+            <a:schemeClr val="accent6"/>
+          </a:effectRef>
+          <a:fontRef idx="minor">
+            <a:schemeClr val="tx1"/>
+          </a:fontRef>
+        </p:style>
+      </p:cxnSp>
+      <p:sp>
+        <p:nvSpPr>
+          <p:cNvPr id="19" name="TextBox 18">
+            <a:extLst>
+              <a:ext uri="{FF2B5EF4-FFF2-40B4-BE49-F238E27FC236}">
+                <a16:creationId xmlns:a16="http://schemas.microsoft.com/office/drawing/2014/main" id="{011DDB24-1C12-239A-E198-3AFB38F905A1}"/>
+              </a:ext>
+            </a:extLst>
+          </p:cNvPr>
+          <p:cNvSpPr txBox="1"/>
+          <p:nvPr/>
+        </p:nvSpPr>
+        <p:spPr>
+          <a:xfrm>
+            <a:off x="10017997" y="6462805"/>
+            <a:ext cx="512843" cy="169277"/>
+          </a:xfrm>
+          <a:prstGeom prst="rect">
+            <a:avLst/>
+          </a:prstGeom>
+          <a:noFill/>
+        </p:spPr>
+        <p:txBody>
+          <a:bodyPr wrap="square">
+            <a:spAutoFit/>
+          </a:bodyPr>
+          <a:lstStyle/>
+          <a:p>
+            <a:r>
+              <a:rPr lang="vi-VN" sz="500" dirty="0"/>
+              <a:t>IMU - SDA</a:t>
+            </a:r>
+            <a:endParaRPr lang="en-US" sz="500" dirty="0"/>
+          </a:p>
+        </p:txBody>
+      </p:sp>
+      <p:sp>
+        <p:nvSpPr>
+          <p:cNvPr id="21" name="TextBox 20">
+            <a:extLst>
+              <a:ext uri="{FF2B5EF4-FFF2-40B4-BE49-F238E27FC236}">
+                <a16:creationId xmlns:a16="http://schemas.microsoft.com/office/drawing/2014/main" id="{267DD43B-F96B-B394-B0C1-248863D50A4F}"/>
+              </a:ext>
+            </a:extLst>
+          </p:cNvPr>
+          <p:cNvSpPr txBox="1"/>
+          <p:nvPr/>
+        </p:nvSpPr>
+        <p:spPr>
+          <a:xfrm>
+            <a:off x="8911195" y="6477901"/>
+            <a:ext cx="496801" cy="169277"/>
+          </a:xfrm>
+          <a:prstGeom prst="rect">
+            <a:avLst/>
+          </a:prstGeom>
+          <a:noFill/>
+        </p:spPr>
+        <p:txBody>
+          <a:bodyPr wrap="square">
+            <a:spAutoFit/>
+          </a:bodyPr>
+          <a:lstStyle/>
+          <a:p>
+            <a:r>
+              <a:rPr lang="vi-VN" sz="500" dirty="0"/>
+              <a:t>IMU - SCL</a:t>
+            </a:r>
+            <a:endParaRPr lang="en-US" sz="500" dirty="0"/>
+          </a:p>
+        </p:txBody>
+      </p:sp>
+      <p:sp>
+        <p:nvSpPr>
+          <p:cNvPr id="25" name="Rectangle 24">
+            <a:extLst>
+              <a:ext uri="{FF2B5EF4-FFF2-40B4-BE49-F238E27FC236}">
+                <a16:creationId xmlns:a16="http://schemas.microsoft.com/office/drawing/2014/main" id="{8F5DCB1C-5DFC-6D2A-C342-24C980C7B308}"/>
+              </a:ext>
+            </a:extLst>
+          </p:cNvPr>
+          <p:cNvSpPr/>
+          <p:nvPr/>
+        </p:nvSpPr>
+        <p:spPr>
+          <a:xfrm>
+            <a:off x="9357360" y="6468821"/>
+            <a:ext cx="707488" cy="225001"/>
+          </a:xfrm>
+          <a:prstGeom prst="rect">
+            <a:avLst/>
+          </a:prstGeom>
+        </p:spPr>
+        <p:style>
+          <a:lnRef idx="2">
+            <a:schemeClr val="accent1">
+              <a:shade val="15000"/>
+            </a:schemeClr>
+          </a:lnRef>
+          <a:fillRef idx="1">
+            <a:schemeClr val="accent1"/>
+          </a:fillRef>
+          <a:effectRef idx="0">
+            <a:schemeClr val="accent1"/>
+          </a:effectRef>
+          <a:fontRef idx="minor">
+            <a:schemeClr val="lt1"/>
+          </a:fontRef>
+        </p:style>
+        <p:txBody>
+          <a:bodyPr rtlCol="0" anchor="ctr"/>
+          <a:lstStyle/>
+          <a:p>
+            <a:pPr algn="ctr"/>
+            <a:endParaRPr lang="en-US"/>
+          </a:p>
+        </p:txBody>
+      </p:sp>
+      <p:sp>
+        <p:nvSpPr>
+          <p:cNvPr id="28" name="TextBox 27">
+            <a:extLst>
+              <a:ext uri="{FF2B5EF4-FFF2-40B4-BE49-F238E27FC236}">
+                <a16:creationId xmlns:a16="http://schemas.microsoft.com/office/drawing/2014/main" id="{003AE0C9-3008-C990-57D5-31532369D864}"/>
+              </a:ext>
+            </a:extLst>
+          </p:cNvPr>
+          <p:cNvSpPr txBox="1"/>
+          <p:nvPr/>
+        </p:nvSpPr>
+        <p:spPr>
+          <a:xfrm>
+            <a:off x="9080500" y="5905335"/>
+            <a:ext cx="502920" cy="169277"/>
+          </a:xfrm>
+          <a:prstGeom prst="rect">
+            <a:avLst/>
+          </a:prstGeom>
+          <a:noFill/>
+        </p:spPr>
+        <p:txBody>
+          <a:bodyPr wrap="square">
+            <a:spAutoFit/>
+          </a:bodyPr>
+          <a:lstStyle/>
+          <a:p>
+            <a:r>
+              <a:rPr lang="vi-VN" sz="500" dirty="0"/>
+              <a:t>UART - TX</a:t>
+            </a:r>
+            <a:endParaRPr lang="en-US" sz="500" dirty="0"/>
+          </a:p>
+        </p:txBody>
+      </p:sp>
+      <p:sp>
+        <p:nvSpPr>
+          <p:cNvPr id="43" name="TextBox 42">
+            <a:extLst>
+              <a:ext uri="{FF2B5EF4-FFF2-40B4-BE49-F238E27FC236}">
+                <a16:creationId xmlns:a16="http://schemas.microsoft.com/office/drawing/2014/main" id="{2F5E39ED-1BB0-B0FF-DF62-4A4860C7CAD1}"/>
+              </a:ext>
+            </a:extLst>
+          </p:cNvPr>
+          <p:cNvSpPr txBox="1"/>
+          <p:nvPr/>
+        </p:nvSpPr>
+        <p:spPr>
+          <a:xfrm>
+            <a:off x="9747526" y="5896000"/>
+            <a:ext cx="508405" cy="169277"/>
+          </a:xfrm>
+          <a:prstGeom prst="rect">
+            <a:avLst/>
+          </a:prstGeom>
+          <a:noFill/>
+        </p:spPr>
+        <p:txBody>
+          <a:bodyPr wrap="square">
+            <a:spAutoFit/>
+          </a:bodyPr>
+          <a:lstStyle/>
+          <a:p>
+            <a:r>
+              <a:rPr lang="vi-VN" sz="500" dirty="0"/>
+              <a:t>UART - RX</a:t>
+            </a:r>
+            <a:endParaRPr lang="en-US" sz="500" dirty="0"/>
+          </a:p>
+        </p:txBody>
+      </p:sp>
+      <p:sp>
+        <p:nvSpPr>
+          <p:cNvPr id="46" name="Rectangle 45">
+            <a:extLst>
+              <a:ext uri="{FF2B5EF4-FFF2-40B4-BE49-F238E27FC236}">
+                <a16:creationId xmlns:a16="http://schemas.microsoft.com/office/drawing/2014/main" id="{90A42582-2AC8-2DB3-2B7A-9A4CA75FFBAB}"/>
+              </a:ext>
+            </a:extLst>
+          </p:cNvPr>
+          <p:cNvSpPr/>
+          <p:nvPr/>
+        </p:nvSpPr>
+        <p:spPr>
+          <a:xfrm>
+            <a:off x="9343559" y="6065270"/>
+            <a:ext cx="708439" cy="225001"/>
+          </a:xfrm>
+          <a:prstGeom prst="rect">
+            <a:avLst/>
+          </a:prstGeom>
+        </p:spPr>
+        <p:style>
+          <a:lnRef idx="2">
+            <a:schemeClr val="accent1">
+              <a:shade val="15000"/>
+            </a:schemeClr>
+          </a:lnRef>
+          <a:fillRef idx="1">
+            <a:schemeClr val="accent1"/>
+          </a:fillRef>
+          <a:effectRef idx="0">
+            <a:schemeClr val="accent1"/>
+          </a:effectRef>
+          <a:fontRef idx="minor">
+            <a:schemeClr val="lt1"/>
+          </a:fontRef>
+        </p:style>
+        <p:txBody>
+          <a:bodyPr rtlCol="0" anchor="ctr"/>
+          <a:lstStyle/>
+          <a:p>
+            <a:pPr algn="ctr"/>
+            <a:endParaRPr lang="en-US"/>
+          </a:p>
+        </p:txBody>
+      </p:sp>
+      <p:cxnSp>
+        <p:nvCxnSpPr>
+          <p:cNvPr id="3" name="Straight Connector 2">
+            <a:extLst>
+              <a:ext uri="{FF2B5EF4-FFF2-40B4-BE49-F238E27FC236}">
+                <a16:creationId xmlns:a16="http://schemas.microsoft.com/office/drawing/2014/main" id="{7CD13628-DB0A-283C-B420-B6D177C99321}"/>
+              </a:ext>
+            </a:extLst>
+          </p:cNvPr>
+          <p:cNvCxnSpPr>
+            <a:cxnSpLocks/>
+          </p:cNvCxnSpPr>
+          <p:nvPr/>
+        </p:nvCxnSpPr>
+        <p:spPr>
+          <a:xfrm flipH="1" flipV="1">
+            <a:off x="7449395" y="2807531"/>
+            <a:ext cx="331784" cy="7008"/>
+          </a:xfrm>
+          <a:prstGeom prst="line">
+            <a:avLst/>
+          </a:prstGeom>
+          <a:ln>
+            <a:headEnd type="none" w="med" len="med"/>
+            <a:tailEnd type="arrow" w="med" len="med"/>
+          </a:ln>
+        </p:spPr>
+        <p:style>
+          <a:lnRef idx="3">
+            <a:schemeClr val="accent1"/>
+          </a:lnRef>
+          <a:fillRef idx="0">
+            <a:schemeClr val="accent1"/>
+          </a:fillRef>
+          <a:effectRef idx="2">
+            <a:schemeClr val="accent1"/>
+          </a:effectRef>
+          <a:fontRef idx="minor">
+            <a:schemeClr val="tx1"/>
+          </a:fontRef>
+        </p:style>
+      </p:cxnSp>
+      <p:cxnSp>
+        <p:nvCxnSpPr>
+          <p:cNvPr id="4" name="Straight Connector 3">
+            <a:extLst>
+              <a:ext uri="{FF2B5EF4-FFF2-40B4-BE49-F238E27FC236}">
+                <a16:creationId xmlns:a16="http://schemas.microsoft.com/office/drawing/2014/main" id="{E9567221-A740-34F3-766A-3536AA36E46A}"/>
+              </a:ext>
+            </a:extLst>
+          </p:cNvPr>
+          <p:cNvCxnSpPr>
+            <a:cxnSpLocks/>
+          </p:cNvCxnSpPr>
+          <p:nvPr/>
+        </p:nvCxnSpPr>
+        <p:spPr>
+          <a:xfrm flipH="1" flipV="1">
+            <a:off x="7449395" y="2605867"/>
+            <a:ext cx="499883" cy="8644"/>
+          </a:xfrm>
+          <a:prstGeom prst="line">
+            <a:avLst/>
+          </a:prstGeom>
+          <a:ln>
+            <a:headEnd type="none" w="med" len="med"/>
+            <a:tailEnd type="arrow" w="med" len="med"/>
+          </a:ln>
+        </p:spPr>
+        <p:style>
+          <a:lnRef idx="3">
+            <a:schemeClr val="accent1"/>
+          </a:lnRef>
+          <a:fillRef idx="0">
+            <a:schemeClr val="accent1"/>
+          </a:fillRef>
+          <a:effectRef idx="2">
+            <a:schemeClr val="accent1"/>
+          </a:effectRef>
+          <a:fontRef idx="minor">
+            <a:schemeClr val="tx1"/>
+          </a:fontRef>
+        </p:style>
+      </p:cxnSp>
+      <p:cxnSp>
+        <p:nvCxnSpPr>
+          <p:cNvPr id="7" name="Straight Connector 6">
+            <a:extLst>
+              <a:ext uri="{FF2B5EF4-FFF2-40B4-BE49-F238E27FC236}">
+                <a16:creationId xmlns:a16="http://schemas.microsoft.com/office/drawing/2014/main" id="{0DCBABE4-565E-F90C-BFD5-25A90B2F8273}"/>
+              </a:ext>
+            </a:extLst>
+          </p:cNvPr>
+          <p:cNvCxnSpPr>
+            <a:cxnSpLocks/>
+          </p:cNvCxnSpPr>
+          <p:nvPr/>
+        </p:nvCxnSpPr>
+        <p:spPr>
+          <a:xfrm flipV="1">
+            <a:off x="7947219" y="2624094"/>
+            <a:ext cx="0" cy="2410186"/>
+          </a:xfrm>
+          <a:prstGeom prst="line">
+            <a:avLst/>
+          </a:prstGeom>
+          <a:ln>
+            <a:headEnd type="none" w="med" len="med"/>
+            <a:tailEnd type="none" w="med" len="med"/>
+          </a:ln>
+        </p:spPr>
+        <p:style>
+          <a:lnRef idx="3">
+            <a:schemeClr val="accent1"/>
+          </a:lnRef>
+          <a:fillRef idx="0">
+            <a:schemeClr val="accent1"/>
+          </a:fillRef>
+          <a:effectRef idx="2">
+            <a:schemeClr val="accent1"/>
+          </a:effectRef>
+          <a:fontRef idx="minor">
+            <a:schemeClr val="tx1"/>
+          </a:fontRef>
+        </p:style>
+      </p:cxnSp>
+      <p:cxnSp>
+        <p:nvCxnSpPr>
+          <p:cNvPr id="24" name="Straight Connector 23">
+            <a:extLst>
+              <a:ext uri="{FF2B5EF4-FFF2-40B4-BE49-F238E27FC236}">
+                <a16:creationId xmlns:a16="http://schemas.microsoft.com/office/drawing/2014/main" id="{843C29F8-4D50-0EED-4E39-00320290E551}"/>
+              </a:ext>
+            </a:extLst>
+          </p:cNvPr>
+          <p:cNvCxnSpPr>
+            <a:cxnSpLocks/>
+          </p:cNvCxnSpPr>
+          <p:nvPr/>
+        </p:nvCxnSpPr>
+        <p:spPr>
+          <a:xfrm flipV="1">
+            <a:off x="7779579" y="2805866"/>
+            <a:ext cx="0" cy="2125597"/>
+          </a:xfrm>
+          <a:prstGeom prst="line">
+            <a:avLst/>
+          </a:prstGeom>
+          <a:ln>
+            <a:headEnd type="none" w="med" len="med"/>
+            <a:tailEnd type="none" w="med" len="med"/>
+          </a:ln>
+        </p:spPr>
+        <p:style>
+          <a:lnRef idx="3">
+            <a:schemeClr val="accent1"/>
+          </a:lnRef>
+          <a:fillRef idx="0">
+            <a:schemeClr val="accent1"/>
+          </a:fillRef>
+          <a:effectRef idx="2">
+            <a:schemeClr val="accent1"/>
+          </a:effectRef>
+          <a:fontRef idx="minor">
+            <a:schemeClr val="tx1"/>
+          </a:fontRef>
+        </p:style>
+      </p:cxnSp>
+      <p:cxnSp>
+        <p:nvCxnSpPr>
+          <p:cNvPr id="29" name="Straight Connector 28">
+            <a:extLst>
+              <a:ext uri="{FF2B5EF4-FFF2-40B4-BE49-F238E27FC236}">
+                <a16:creationId xmlns:a16="http://schemas.microsoft.com/office/drawing/2014/main" id="{BF6AA608-C0E1-7A98-6D00-204C41AC2232}"/>
+              </a:ext>
+            </a:extLst>
+          </p:cNvPr>
+          <p:cNvCxnSpPr>
+            <a:cxnSpLocks/>
+          </p:cNvCxnSpPr>
+          <p:nvPr/>
+        </p:nvCxnSpPr>
+        <p:spPr>
+          <a:xfrm>
+            <a:off x="6404931" y="4931463"/>
+            <a:ext cx="1384417" cy="0"/>
+          </a:xfrm>
+          <a:prstGeom prst="line">
+            <a:avLst/>
+          </a:prstGeom>
+          <a:ln>
+            <a:headEnd type="none" w="med" len="med"/>
+            <a:tailEnd type="none" w="med" len="med"/>
+          </a:ln>
+        </p:spPr>
+        <p:style>
+          <a:lnRef idx="3">
+            <a:schemeClr val="accent1"/>
+          </a:lnRef>
+          <a:fillRef idx="0">
+            <a:schemeClr val="accent1"/>
+          </a:fillRef>
+          <a:effectRef idx="2">
+            <a:schemeClr val="accent1"/>
+          </a:effectRef>
+          <a:fontRef idx="minor">
+            <a:schemeClr val="tx1"/>
+          </a:fontRef>
+        </p:style>
+      </p:cxnSp>
+      <p:cxnSp>
+        <p:nvCxnSpPr>
+          <p:cNvPr id="30" name="Straight Connector 29">
+            <a:extLst>
+              <a:ext uri="{FF2B5EF4-FFF2-40B4-BE49-F238E27FC236}">
+                <a16:creationId xmlns:a16="http://schemas.microsoft.com/office/drawing/2014/main" id="{5BAC2472-86D9-3E94-546A-75424899E7C3}"/>
+              </a:ext>
+            </a:extLst>
+          </p:cNvPr>
+          <p:cNvCxnSpPr>
+            <a:cxnSpLocks/>
+          </p:cNvCxnSpPr>
+          <p:nvPr/>
+        </p:nvCxnSpPr>
+        <p:spPr>
+          <a:xfrm>
+            <a:off x="6167120" y="5043881"/>
+            <a:ext cx="1789241" cy="0"/>
+          </a:xfrm>
+          <a:prstGeom prst="line">
+            <a:avLst/>
+          </a:prstGeom>
+          <a:ln>
+            <a:headEnd type="none" w="med" len="med"/>
+            <a:tailEnd type="none" w="med" len="med"/>
+          </a:ln>
+        </p:spPr>
+        <p:style>
+          <a:lnRef idx="3">
+            <a:schemeClr val="accent1"/>
+          </a:lnRef>
+          <a:fillRef idx="0">
+            <a:schemeClr val="accent1"/>
+          </a:fillRef>
+          <a:effectRef idx="2">
+            <a:schemeClr val="accent1"/>
+          </a:effectRef>
+          <a:fontRef idx="minor">
+            <a:schemeClr val="tx1"/>
+          </a:fontRef>
+        </p:style>
+      </p:cxnSp>
+      <p:cxnSp>
+        <p:nvCxnSpPr>
+          <p:cNvPr id="41" name="Straight Connector 40">
+            <a:extLst>
+              <a:ext uri="{FF2B5EF4-FFF2-40B4-BE49-F238E27FC236}">
+                <a16:creationId xmlns:a16="http://schemas.microsoft.com/office/drawing/2014/main" id="{896D6C24-C2E4-0E85-680C-3B721451A299}"/>
+              </a:ext>
+            </a:extLst>
+          </p:cNvPr>
+          <p:cNvCxnSpPr>
+            <a:cxnSpLocks/>
+          </p:cNvCxnSpPr>
+          <p:nvPr/>
+        </p:nvCxnSpPr>
+        <p:spPr>
+          <a:xfrm>
+            <a:off x="6407606" y="2997278"/>
+            <a:ext cx="22190" cy="1932529"/>
+          </a:xfrm>
+          <a:prstGeom prst="line">
+            <a:avLst/>
+          </a:prstGeom>
+          <a:ln>
+            <a:headEnd type="none" w="med" len="med"/>
+            <a:tailEnd type="none" w="med" len="med"/>
+          </a:ln>
+        </p:spPr>
+        <p:style>
+          <a:lnRef idx="3">
+            <a:schemeClr val="accent1"/>
+          </a:lnRef>
+          <a:fillRef idx="0">
+            <a:schemeClr val="accent1"/>
+          </a:fillRef>
+          <a:effectRef idx="2">
+            <a:schemeClr val="accent1"/>
+          </a:effectRef>
+          <a:fontRef idx="minor">
+            <a:schemeClr val="tx1"/>
+          </a:fontRef>
+        </p:style>
+      </p:cxnSp>
+      <p:cxnSp>
+        <p:nvCxnSpPr>
+          <p:cNvPr id="45" name="Straight Connector 44">
+            <a:extLst>
+              <a:ext uri="{FF2B5EF4-FFF2-40B4-BE49-F238E27FC236}">
+                <a16:creationId xmlns:a16="http://schemas.microsoft.com/office/drawing/2014/main" id="{2478AF9A-050D-25CD-33A7-C07AB2F1ADDD}"/>
+              </a:ext>
+            </a:extLst>
+          </p:cNvPr>
+          <p:cNvCxnSpPr>
+            <a:cxnSpLocks/>
+          </p:cNvCxnSpPr>
+          <p:nvPr/>
+        </p:nvCxnSpPr>
+        <p:spPr>
+          <a:xfrm>
+            <a:off x="6152474" y="2415885"/>
+            <a:ext cx="23699" cy="2642037"/>
+          </a:xfrm>
+          <a:prstGeom prst="line">
+            <a:avLst/>
+          </a:prstGeom>
+          <a:ln>
+            <a:headEnd type="none" w="med" len="med"/>
+            <a:tailEnd type="none" w="med" len="med"/>
+          </a:ln>
+        </p:spPr>
+        <p:style>
+          <a:lnRef idx="3">
+            <a:schemeClr val="accent1"/>
+          </a:lnRef>
+          <a:fillRef idx="0">
+            <a:schemeClr val="accent1"/>
+          </a:fillRef>
+          <a:effectRef idx="2">
+            <a:schemeClr val="accent1"/>
+          </a:effectRef>
+          <a:fontRef idx="minor">
+            <a:schemeClr val="tx1"/>
+          </a:fontRef>
+        </p:style>
+      </p:cxnSp>
+      <p:cxnSp>
+        <p:nvCxnSpPr>
+          <p:cNvPr id="453" name="Straight Connector 452">
+            <a:extLst>
+              <a:ext uri="{FF2B5EF4-FFF2-40B4-BE49-F238E27FC236}">
+                <a16:creationId xmlns:a16="http://schemas.microsoft.com/office/drawing/2014/main" id="{C637901C-CB5F-845B-8379-E6EC1A4FD3E6}"/>
+              </a:ext>
+            </a:extLst>
+          </p:cNvPr>
+          <p:cNvCxnSpPr>
+            <a:cxnSpLocks/>
+          </p:cNvCxnSpPr>
+          <p:nvPr/>
+        </p:nvCxnSpPr>
+        <p:spPr>
+          <a:xfrm>
+            <a:off x="6639326" y="2477509"/>
+            <a:ext cx="720925" cy="0"/>
+          </a:xfrm>
+          <a:prstGeom prst="line">
+            <a:avLst/>
+          </a:prstGeom>
+          <a:ln>
+            <a:headEnd type="none" w="med" len="med"/>
+            <a:tailEnd type="arrow" w="med" len="med"/>
+          </a:ln>
+        </p:spPr>
+        <p:style>
+          <a:lnRef idx="3">
+            <a:schemeClr val="accent1"/>
+          </a:lnRef>
+          <a:fillRef idx="0">
+            <a:schemeClr val="accent1"/>
+          </a:fillRef>
+          <a:effectRef idx="2">
+            <a:schemeClr val="accent1"/>
+          </a:effectRef>
+          <a:fontRef idx="minor">
+            <a:schemeClr val="tx1"/>
+          </a:fontRef>
+        </p:style>
+      </p:cxnSp>
+      <p:cxnSp>
+        <p:nvCxnSpPr>
+          <p:cNvPr id="456" name="Straight Connector 455">
+            <a:extLst>
+              <a:ext uri="{FF2B5EF4-FFF2-40B4-BE49-F238E27FC236}">
+                <a16:creationId xmlns:a16="http://schemas.microsoft.com/office/drawing/2014/main" id="{7F68CDC0-9D58-25F9-F577-131610BFE41A}"/>
+              </a:ext>
+            </a:extLst>
+          </p:cNvPr>
+          <p:cNvCxnSpPr>
+            <a:cxnSpLocks/>
+          </p:cNvCxnSpPr>
+          <p:nvPr/>
+        </p:nvCxnSpPr>
+        <p:spPr>
+          <a:xfrm>
+            <a:off x="4020161" y="4127500"/>
+            <a:ext cx="0" cy="96533"/>
+          </a:xfrm>
+          <a:prstGeom prst="line">
+            <a:avLst/>
+          </a:prstGeom>
+          <a:ln>
+            <a:headEnd type="none" w="med" len="med"/>
+            <a:tailEnd type="arrow" w="med" len="med"/>
+          </a:ln>
+        </p:spPr>
+        <p:style>
+          <a:lnRef idx="3">
+            <a:schemeClr val="accent1"/>
+          </a:lnRef>
+          <a:fillRef idx="0">
+            <a:schemeClr val="accent1"/>
+          </a:fillRef>
+          <a:effectRef idx="2">
+            <a:schemeClr val="accent1"/>
+          </a:effectRef>
+          <a:fontRef idx="minor">
+            <a:schemeClr val="tx1"/>
+          </a:fontRef>
+        </p:style>
+      </p:cxnSp>
+      <p:cxnSp>
+        <p:nvCxnSpPr>
+          <p:cNvPr id="459" name="Straight Connector 458">
+            <a:extLst>
+              <a:ext uri="{FF2B5EF4-FFF2-40B4-BE49-F238E27FC236}">
+                <a16:creationId xmlns:a16="http://schemas.microsoft.com/office/drawing/2014/main" id="{8A0C5D1B-7A77-1780-A072-F27269A4D6CC}"/>
+              </a:ext>
+            </a:extLst>
+          </p:cNvPr>
+          <p:cNvCxnSpPr>
+            <a:cxnSpLocks/>
+          </p:cNvCxnSpPr>
+          <p:nvPr/>
+        </p:nvCxnSpPr>
+        <p:spPr>
+          <a:xfrm flipH="1">
+            <a:off x="4012564" y="4115657"/>
+            <a:ext cx="783412" cy="0"/>
+          </a:xfrm>
+          <a:prstGeom prst="line">
+            <a:avLst/>
+          </a:prstGeom>
+          <a:ln>
+            <a:headEnd type="none" w="med" len="med"/>
+            <a:tailEnd type="none" w="med" len="med"/>
+          </a:ln>
+        </p:spPr>
+        <p:style>
+          <a:lnRef idx="3">
+            <a:schemeClr val="accent1"/>
+          </a:lnRef>
+          <a:fillRef idx="0">
+            <a:schemeClr val="accent1"/>
+          </a:fillRef>
+          <a:effectRef idx="2">
+            <a:schemeClr val="accent1"/>
+          </a:effectRef>
+          <a:fontRef idx="minor">
+            <a:schemeClr val="tx1"/>
+          </a:fontRef>
+        </p:style>
+      </p:cxnSp>
+      <p:cxnSp>
+        <p:nvCxnSpPr>
+          <p:cNvPr id="462" name="Straight Connector 461">
+            <a:extLst>
+              <a:ext uri="{FF2B5EF4-FFF2-40B4-BE49-F238E27FC236}">
+                <a16:creationId xmlns:a16="http://schemas.microsoft.com/office/drawing/2014/main" id="{4EEAE613-9F63-D79A-B47B-6DFAB21D6023}"/>
+              </a:ext>
+            </a:extLst>
+          </p:cNvPr>
+          <p:cNvCxnSpPr>
+            <a:cxnSpLocks/>
+          </p:cNvCxnSpPr>
+          <p:nvPr/>
+        </p:nvCxnSpPr>
+        <p:spPr>
+          <a:xfrm>
+            <a:off x="3926027" y="4051998"/>
+            <a:ext cx="6961" cy="171575"/>
+          </a:xfrm>
+          <a:prstGeom prst="line">
+            <a:avLst/>
+          </a:prstGeom>
+          <a:ln>
+            <a:headEnd type="none" w="med" len="med"/>
+            <a:tailEnd type="arrow" w="med" len="med"/>
+          </a:ln>
+        </p:spPr>
+        <p:style>
+          <a:lnRef idx="3">
+            <a:schemeClr val="accent1"/>
+          </a:lnRef>
+          <a:fillRef idx="0">
+            <a:schemeClr val="accent1"/>
+          </a:fillRef>
+          <a:effectRef idx="2">
+            <a:schemeClr val="accent1"/>
+          </a:effectRef>
+          <a:fontRef idx="minor">
+            <a:schemeClr val="tx1"/>
+          </a:fontRef>
+        </p:style>
+      </p:cxnSp>
+      <p:cxnSp>
+        <p:nvCxnSpPr>
+          <p:cNvPr id="466" name="Straight Connector 465">
+            <a:extLst>
+              <a:ext uri="{FF2B5EF4-FFF2-40B4-BE49-F238E27FC236}">
+                <a16:creationId xmlns:a16="http://schemas.microsoft.com/office/drawing/2014/main" id="{CB640A48-38EB-1109-A3EA-61E6A83CDA75}"/>
+              </a:ext>
+            </a:extLst>
+          </p:cNvPr>
+          <p:cNvCxnSpPr>
+            <a:cxnSpLocks/>
+          </p:cNvCxnSpPr>
+          <p:nvPr/>
+        </p:nvCxnSpPr>
+        <p:spPr>
+          <a:xfrm flipH="1">
+            <a:off x="3926027" y="4051998"/>
+            <a:ext cx="1032053" cy="0"/>
+          </a:xfrm>
+          <a:prstGeom prst="line">
+            <a:avLst/>
+          </a:prstGeom>
+          <a:ln>
+            <a:headEnd type="none" w="med" len="med"/>
+            <a:tailEnd type="none" w="med" len="med"/>
+          </a:ln>
+        </p:spPr>
+        <p:style>
+          <a:lnRef idx="3">
+            <a:schemeClr val="accent1"/>
+          </a:lnRef>
+          <a:fillRef idx="0">
+            <a:schemeClr val="accent1"/>
+          </a:fillRef>
+          <a:effectRef idx="2">
+            <a:schemeClr val="accent1"/>
+          </a:effectRef>
+          <a:fontRef idx="minor">
+            <a:schemeClr val="tx1"/>
+          </a:fontRef>
+        </p:style>
+      </p:cxnSp>
+      <p:cxnSp>
+        <p:nvCxnSpPr>
+          <p:cNvPr id="470" name="Straight Connector 469">
+            <a:extLst>
+              <a:ext uri="{FF2B5EF4-FFF2-40B4-BE49-F238E27FC236}">
+                <a16:creationId xmlns:a16="http://schemas.microsoft.com/office/drawing/2014/main" id="{75C8A71E-8684-E915-A850-6A098D0B593E}"/>
+              </a:ext>
+            </a:extLst>
+          </p:cNvPr>
+          <p:cNvCxnSpPr>
+            <a:cxnSpLocks/>
+          </p:cNvCxnSpPr>
+          <p:nvPr/>
+        </p:nvCxnSpPr>
+        <p:spPr>
+          <a:xfrm>
+            <a:off x="4795976" y="4119664"/>
+            <a:ext cx="0" cy="1143216"/>
+          </a:xfrm>
+          <a:prstGeom prst="line">
+            <a:avLst/>
+          </a:prstGeom>
+          <a:ln>
+            <a:headEnd type="none" w="med" len="med"/>
+            <a:tailEnd type="none" w="med" len="med"/>
+          </a:ln>
+        </p:spPr>
+        <p:style>
+          <a:lnRef idx="3">
+            <a:schemeClr val="accent1"/>
+          </a:lnRef>
+          <a:fillRef idx="0">
+            <a:schemeClr val="accent1"/>
+          </a:fillRef>
+          <a:effectRef idx="2">
+            <a:schemeClr val="accent1"/>
+          </a:effectRef>
+          <a:fontRef idx="minor">
+            <a:schemeClr val="tx1"/>
+          </a:fontRef>
+        </p:style>
+      </p:cxnSp>
+      <p:cxnSp>
+        <p:nvCxnSpPr>
+          <p:cNvPr id="476" name="Straight Connector 475">
+            <a:extLst>
+              <a:ext uri="{FF2B5EF4-FFF2-40B4-BE49-F238E27FC236}">
+                <a16:creationId xmlns:a16="http://schemas.microsoft.com/office/drawing/2014/main" id="{906ADDCB-68FE-D5BE-ECEA-11012A3FB5AB}"/>
+              </a:ext>
+            </a:extLst>
+          </p:cNvPr>
+          <p:cNvCxnSpPr>
+            <a:cxnSpLocks/>
+          </p:cNvCxnSpPr>
+          <p:nvPr/>
+        </p:nvCxnSpPr>
+        <p:spPr>
+          <a:xfrm flipH="1">
+            <a:off x="4956569" y="4051998"/>
+            <a:ext cx="1511" cy="1456080"/>
+          </a:xfrm>
+          <a:prstGeom prst="line">
+            <a:avLst/>
+          </a:prstGeom>
+          <a:ln>
+            <a:headEnd type="none" w="med" len="med"/>
+            <a:tailEnd type="none" w="med" len="med"/>
+          </a:ln>
+        </p:spPr>
+        <p:style>
+          <a:lnRef idx="3">
+            <a:schemeClr val="accent1"/>
+          </a:lnRef>
+          <a:fillRef idx="0">
+            <a:schemeClr val="accent1"/>
+          </a:fillRef>
+          <a:effectRef idx="2">
+            <a:schemeClr val="accent1"/>
+          </a:effectRef>
+          <a:fontRef idx="minor">
+            <a:schemeClr val="tx1"/>
+          </a:fontRef>
+        </p:style>
+      </p:cxnSp>
+      <p:cxnSp>
+        <p:nvCxnSpPr>
+          <p:cNvPr id="481" name="Straight Connector 480">
+            <a:extLst>
+              <a:ext uri="{FF2B5EF4-FFF2-40B4-BE49-F238E27FC236}">
+                <a16:creationId xmlns:a16="http://schemas.microsoft.com/office/drawing/2014/main" id="{879FCA20-B050-AB33-E447-EAC095A2D4F6}"/>
+              </a:ext>
+            </a:extLst>
+          </p:cNvPr>
+          <p:cNvCxnSpPr>
+            <a:cxnSpLocks/>
+          </p:cNvCxnSpPr>
+          <p:nvPr/>
+        </p:nvCxnSpPr>
+        <p:spPr>
+          <a:xfrm>
+            <a:off x="3838138" y="4119413"/>
+            <a:ext cx="0" cy="96533"/>
+          </a:xfrm>
+          <a:prstGeom prst="line">
+            <a:avLst/>
+          </a:prstGeom>
+          <a:ln>
+            <a:headEnd type="none" w="med" len="med"/>
+            <a:tailEnd type="arrow" w="med" len="med"/>
+          </a:ln>
+        </p:spPr>
+        <p:style>
+          <a:lnRef idx="3">
+            <a:schemeClr val="accent1"/>
+          </a:lnRef>
+          <a:fillRef idx="0">
+            <a:schemeClr val="accent1"/>
+          </a:fillRef>
+          <a:effectRef idx="2">
+            <a:schemeClr val="accent1"/>
+          </a:effectRef>
+          <a:fontRef idx="minor">
+            <a:schemeClr val="tx1"/>
+          </a:fontRef>
+        </p:style>
+      </p:cxnSp>
+      <p:cxnSp>
+        <p:nvCxnSpPr>
+          <p:cNvPr id="482" name="Straight Connector 481">
+            <a:extLst>
+              <a:ext uri="{FF2B5EF4-FFF2-40B4-BE49-F238E27FC236}">
+                <a16:creationId xmlns:a16="http://schemas.microsoft.com/office/drawing/2014/main" id="{AB545010-7071-8506-F373-DEB4131EA45A}"/>
+              </a:ext>
+            </a:extLst>
+          </p:cNvPr>
+          <p:cNvCxnSpPr>
+            <a:cxnSpLocks/>
+          </p:cNvCxnSpPr>
+          <p:nvPr/>
+        </p:nvCxnSpPr>
+        <p:spPr>
+          <a:xfrm flipH="1">
+            <a:off x="3064916" y="4115657"/>
+            <a:ext cx="783412" cy="0"/>
+          </a:xfrm>
+          <a:prstGeom prst="line">
+            <a:avLst/>
+          </a:prstGeom>
+          <a:ln>
+            <a:headEnd type="none" w="med" len="med"/>
+            <a:tailEnd type="none" w="med" len="med"/>
+          </a:ln>
+        </p:spPr>
+        <p:style>
+          <a:lnRef idx="3">
+            <a:schemeClr val="accent1"/>
+          </a:lnRef>
+          <a:fillRef idx="0">
+            <a:schemeClr val="accent1"/>
+          </a:fillRef>
+          <a:effectRef idx="2">
+            <a:schemeClr val="accent1"/>
+          </a:effectRef>
+          <a:fontRef idx="minor">
+            <a:schemeClr val="tx1"/>
+          </a:fontRef>
+        </p:style>
+      </p:cxnSp>
+      <p:cxnSp>
+        <p:nvCxnSpPr>
+          <p:cNvPr id="484" name="Straight Connector 483">
+            <a:extLst>
+              <a:ext uri="{FF2B5EF4-FFF2-40B4-BE49-F238E27FC236}">
+                <a16:creationId xmlns:a16="http://schemas.microsoft.com/office/drawing/2014/main" id="{F3FB0FEC-9724-A0FB-1882-E73828B79E73}"/>
+              </a:ext>
+            </a:extLst>
+          </p:cNvPr>
+          <p:cNvCxnSpPr>
+            <a:cxnSpLocks/>
+          </p:cNvCxnSpPr>
+          <p:nvPr/>
+        </p:nvCxnSpPr>
+        <p:spPr>
+          <a:xfrm flipV="1">
+            <a:off x="3077312" y="4099888"/>
+            <a:ext cx="0" cy="1482664"/>
+          </a:xfrm>
+          <a:prstGeom prst="line">
+            <a:avLst/>
+          </a:prstGeom>
+          <a:ln>
+            <a:headEnd type="none" w="med" len="med"/>
+            <a:tailEnd type="none" w="med" len="med"/>
+          </a:ln>
+        </p:spPr>
+        <p:style>
+          <a:lnRef idx="3">
+            <a:schemeClr val="accent1"/>
+          </a:lnRef>
+          <a:fillRef idx="0">
+            <a:schemeClr val="accent1"/>
+          </a:fillRef>
+          <a:effectRef idx="2">
+            <a:schemeClr val="accent1"/>
+          </a:effectRef>
+          <a:fontRef idx="minor">
+            <a:schemeClr val="tx1"/>
+          </a:fontRef>
+        </p:style>
+      </p:cxnSp>
+      <p:cxnSp>
+        <p:nvCxnSpPr>
+          <p:cNvPr id="490" name="Straight Connector 489">
+            <a:extLst>
+              <a:ext uri="{FF2B5EF4-FFF2-40B4-BE49-F238E27FC236}">
+                <a16:creationId xmlns:a16="http://schemas.microsoft.com/office/drawing/2014/main" id="{838D2AC2-D8CC-CC27-51DB-590B800E520C}"/>
+              </a:ext>
+            </a:extLst>
+          </p:cNvPr>
+          <p:cNvCxnSpPr>
+            <a:cxnSpLocks/>
+          </p:cNvCxnSpPr>
+          <p:nvPr/>
+        </p:nvCxnSpPr>
+        <p:spPr>
+          <a:xfrm>
+            <a:off x="3657826" y="1250932"/>
+            <a:ext cx="23816" cy="2991128"/>
+          </a:xfrm>
+          <a:prstGeom prst="line">
+            <a:avLst/>
+          </a:prstGeom>
+          <a:ln>
+            <a:headEnd type="none" w="med" len="med"/>
+            <a:tailEnd type="arrow" w="med" len="med"/>
+          </a:ln>
+        </p:spPr>
+        <p:style>
+          <a:lnRef idx="3">
+            <a:schemeClr val="accent1"/>
+          </a:lnRef>
+          <a:fillRef idx="0">
+            <a:schemeClr val="accent1"/>
+          </a:fillRef>
+          <a:effectRef idx="2">
+            <a:schemeClr val="accent1"/>
+          </a:effectRef>
+          <a:fontRef idx="minor">
+            <a:schemeClr val="tx1"/>
+          </a:fontRef>
+        </p:style>
+      </p:cxnSp>
+      <p:cxnSp>
+        <p:nvCxnSpPr>
+          <p:cNvPr id="499" name="Straight Connector 498">
+            <a:extLst>
+              <a:ext uri="{FF2B5EF4-FFF2-40B4-BE49-F238E27FC236}">
+                <a16:creationId xmlns:a16="http://schemas.microsoft.com/office/drawing/2014/main" id="{BF9C5730-BC84-8F4C-C8F4-45CC1E73493D}"/>
+              </a:ext>
+            </a:extLst>
+          </p:cNvPr>
+          <p:cNvCxnSpPr>
+            <a:cxnSpLocks/>
+          </p:cNvCxnSpPr>
+          <p:nvPr/>
+        </p:nvCxnSpPr>
+        <p:spPr>
+          <a:xfrm>
+            <a:off x="2519131" y="1243022"/>
+            <a:ext cx="1145572" cy="0"/>
+          </a:xfrm>
+          <a:prstGeom prst="line">
+            <a:avLst/>
+          </a:prstGeom>
+          <a:ln>
+            <a:headEnd type="none" w="med" len="med"/>
+            <a:tailEnd type="none" w="med" len="med"/>
+          </a:ln>
+        </p:spPr>
+        <p:style>
+          <a:lnRef idx="3">
+            <a:schemeClr val="accent1"/>
+          </a:lnRef>
+          <a:fillRef idx="0">
+            <a:schemeClr val="accent1"/>
+          </a:fillRef>
+          <a:effectRef idx="2">
+            <a:schemeClr val="accent1"/>
+          </a:effectRef>
+          <a:fontRef idx="minor">
+            <a:schemeClr val="tx1"/>
+          </a:fontRef>
+        </p:style>
+      </p:cxnSp>
+      <p:cxnSp>
+        <p:nvCxnSpPr>
+          <p:cNvPr id="502" name="Straight Connector 501">
+            <a:extLst>
+              <a:ext uri="{FF2B5EF4-FFF2-40B4-BE49-F238E27FC236}">
+                <a16:creationId xmlns:a16="http://schemas.microsoft.com/office/drawing/2014/main" id="{149CCC40-9349-4F81-3258-75613209FE1A}"/>
+              </a:ext>
+            </a:extLst>
+          </p:cNvPr>
+          <p:cNvCxnSpPr>
+            <a:cxnSpLocks/>
+          </p:cNvCxnSpPr>
+          <p:nvPr/>
+        </p:nvCxnSpPr>
+        <p:spPr>
+          <a:xfrm flipH="1" flipV="1">
+            <a:off x="2517587" y="1250001"/>
+            <a:ext cx="35113" cy="4516448"/>
+          </a:xfrm>
+          <a:prstGeom prst="line">
+            <a:avLst/>
+          </a:prstGeom>
+          <a:ln>
+            <a:headEnd type="none" w="med" len="med"/>
+            <a:tailEnd type="none" w="med" len="med"/>
+          </a:ln>
+        </p:spPr>
+        <p:style>
+          <a:lnRef idx="3">
+            <a:schemeClr val="accent1"/>
+          </a:lnRef>
+          <a:fillRef idx="0">
+            <a:schemeClr val="accent1"/>
+          </a:fillRef>
+          <a:effectRef idx="2">
+            <a:schemeClr val="accent1"/>
+          </a:effectRef>
+          <a:fontRef idx="minor">
+            <a:schemeClr val="tx1"/>
+          </a:fontRef>
+        </p:style>
+      </p:cxnSp>
+      <p:sp>
+        <p:nvSpPr>
+          <p:cNvPr id="510" name="Rectangle 509">
+            <a:extLst>
+              <a:ext uri="{FF2B5EF4-FFF2-40B4-BE49-F238E27FC236}">
+                <a16:creationId xmlns:a16="http://schemas.microsoft.com/office/drawing/2014/main" id="{E83163A3-5E5B-5F6D-32B8-D9550904408A}"/>
+              </a:ext>
+            </a:extLst>
+          </p:cNvPr>
+          <p:cNvSpPr/>
+          <p:nvPr/>
+        </p:nvSpPr>
+        <p:spPr>
+          <a:xfrm>
+            <a:off x="4558691" y="53750"/>
+            <a:ext cx="2631945" cy="257222"/>
+          </a:xfrm>
+          <a:prstGeom prst="rect">
+            <a:avLst/>
+          </a:prstGeom>
+        </p:spPr>
+        <p:style>
+          <a:lnRef idx="2">
+            <a:schemeClr val="accent1">
+              <a:shade val="15000"/>
+            </a:schemeClr>
+          </a:lnRef>
+          <a:fillRef idx="1">
+            <a:schemeClr val="accent1"/>
+          </a:fillRef>
+          <a:effectRef idx="0">
+            <a:schemeClr val="accent1"/>
+          </a:effectRef>
+          <a:fontRef idx="minor">
+            <a:schemeClr val="lt1"/>
+          </a:fontRef>
+        </p:style>
+        <p:txBody>
+          <a:bodyPr rtlCol="0" anchor="ctr"/>
+          <a:lstStyle/>
+          <a:p>
+            <a:pPr algn="ctr"/>
+            <a:r>
+              <a:rPr lang="en-US" dirty="0"/>
+              <a:t>1 2 3 4 5 6 7 8 9 10 11 12 </a:t>
+            </a:r>
+          </a:p>
+        </p:txBody>
+      </p:sp>
+      <p:sp>
+        <p:nvSpPr>
+          <p:cNvPr id="511" name="Rectangle 510">
+            <a:extLst>
+              <a:ext uri="{FF2B5EF4-FFF2-40B4-BE49-F238E27FC236}">
+                <a16:creationId xmlns:a16="http://schemas.microsoft.com/office/drawing/2014/main" id="{4CC773FF-114C-24DD-72A8-D00ABB3E486B}"/>
+              </a:ext>
+            </a:extLst>
+          </p:cNvPr>
+          <p:cNvSpPr/>
+          <p:nvPr/>
+        </p:nvSpPr>
+        <p:spPr>
+          <a:xfrm>
+            <a:off x="4536890" y="6014471"/>
+            <a:ext cx="2631945" cy="257222"/>
+          </a:xfrm>
+          <a:prstGeom prst="rect">
+            <a:avLst/>
+          </a:prstGeom>
+        </p:spPr>
+        <p:style>
+          <a:lnRef idx="2">
+            <a:schemeClr val="accent1">
+              <a:shade val="15000"/>
+            </a:schemeClr>
+          </a:lnRef>
+          <a:fillRef idx="1">
+            <a:schemeClr val="accent1"/>
+          </a:fillRef>
+          <a:effectRef idx="0">
+            <a:schemeClr val="accent1"/>
+          </a:effectRef>
+          <a:fontRef idx="minor">
+            <a:schemeClr val="lt1"/>
+          </a:fontRef>
+        </p:style>
+        <p:txBody>
+          <a:bodyPr rtlCol="0" anchor="ctr"/>
+          <a:lstStyle/>
+          <a:p>
+            <a:pPr algn="ctr"/>
+            <a:r>
+              <a:rPr lang="en-US" dirty="0"/>
+              <a:t>1 2 3 4 5 6 7 8 9 10 11 12 </a:t>
+            </a:r>
+          </a:p>
+        </p:txBody>
+      </p:sp>
+    </p:spTree>
+    <p:extLst>
+      <p:ext uri="{BB962C8B-B14F-4D97-AF65-F5344CB8AC3E}">
+        <p14:creationId xmlns:p14="http://schemas.microsoft.com/office/powerpoint/2010/main" val="659221187"/>
       </p:ext>
     </p:extLst>
   </p:cSld>

--- a/ppt_doc/pin_diagram.pptx
+++ b/ppt_doc/pin_diagram.pptx
@@ -262,7 +262,7 @@
           <a:p>
             <a:fld id="{AB35F315-D6CE-4C8D-9232-B2305DBC9767}" type="datetimeFigureOut">
               <a:rPr lang="en-US" smtClean="0"/>
-              <a:t>7/20/2025</a:t>
+              <a:t>7/26/2025</a:t>
             </a:fld>
             <a:endParaRPr lang="en-US"/>
           </a:p>
@@ -460,7 +460,7 @@
           <a:p>
             <a:fld id="{AB35F315-D6CE-4C8D-9232-B2305DBC9767}" type="datetimeFigureOut">
               <a:rPr lang="en-US" smtClean="0"/>
-              <a:t>7/20/2025</a:t>
+              <a:t>7/26/2025</a:t>
             </a:fld>
             <a:endParaRPr lang="en-US"/>
           </a:p>
@@ -668,7 +668,7 @@
           <a:p>
             <a:fld id="{AB35F315-D6CE-4C8D-9232-B2305DBC9767}" type="datetimeFigureOut">
               <a:rPr lang="en-US" smtClean="0"/>
-              <a:t>7/20/2025</a:t>
+              <a:t>7/26/2025</a:t>
             </a:fld>
             <a:endParaRPr lang="en-US"/>
           </a:p>
@@ -866,7 +866,7 @@
           <a:p>
             <a:fld id="{AB35F315-D6CE-4C8D-9232-B2305DBC9767}" type="datetimeFigureOut">
               <a:rPr lang="en-US" smtClean="0"/>
-              <a:t>7/20/2025</a:t>
+              <a:t>7/26/2025</a:t>
             </a:fld>
             <a:endParaRPr lang="en-US"/>
           </a:p>
@@ -1141,7 +1141,7 @@
           <a:p>
             <a:fld id="{AB35F315-D6CE-4C8D-9232-B2305DBC9767}" type="datetimeFigureOut">
               <a:rPr lang="en-US" smtClean="0"/>
-              <a:t>7/20/2025</a:t>
+              <a:t>7/26/2025</a:t>
             </a:fld>
             <a:endParaRPr lang="en-US"/>
           </a:p>
@@ -1406,7 +1406,7 @@
           <a:p>
             <a:fld id="{AB35F315-D6CE-4C8D-9232-B2305DBC9767}" type="datetimeFigureOut">
               <a:rPr lang="en-US" smtClean="0"/>
-              <a:t>7/20/2025</a:t>
+              <a:t>7/26/2025</a:t>
             </a:fld>
             <a:endParaRPr lang="en-US"/>
           </a:p>
@@ -1818,7 +1818,7 @@
           <a:p>
             <a:fld id="{AB35F315-D6CE-4C8D-9232-B2305DBC9767}" type="datetimeFigureOut">
               <a:rPr lang="en-US" smtClean="0"/>
-              <a:t>7/20/2025</a:t>
+              <a:t>7/26/2025</a:t>
             </a:fld>
             <a:endParaRPr lang="en-US"/>
           </a:p>
@@ -1959,7 +1959,7 @@
           <a:p>
             <a:fld id="{AB35F315-D6CE-4C8D-9232-B2305DBC9767}" type="datetimeFigureOut">
               <a:rPr lang="en-US" smtClean="0"/>
-              <a:t>7/20/2025</a:t>
+              <a:t>7/26/2025</a:t>
             </a:fld>
             <a:endParaRPr lang="en-US"/>
           </a:p>
@@ -2072,7 +2072,7 @@
           <a:p>
             <a:fld id="{AB35F315-D6CE-4C8D-9232-B2305DBC9767}" type="datetimeFigureOut">
               <a:rPr lang="en-US" smtClean="0"/>
-              <a:t>7/20/2025</a:t>
+              <a:t>7/26/2025</a:t>
             </a:fld>
             <a:endParaRPr lang="en-US"/>
           </a:p>
@@ -2383,7 +2383,7 @@
           <a:p>
             <a:fld id="{AB35F315-D6CE-4C8D-9232-B2305DBC9767}" type="datetimeFigureOut">
               <a:rPr lang="en-US" smtClean="0"/>
-              <a:t>7/20/2025</a:t>
+              <a:t>7/26/2025</a:t>
             </a:fld>
             <a:endParaRPr lang="en-US"/>
           </a:p>
@@ -2671,7 +2671,7 @@
           <a:p>
             <a:fld id="{AB35F315-D6CE-4C8D-9232-B2305DBC9767}" type="datetimeFigureOut">
               <a:rPr lang="en-US" smtClean="0"/>
-              <a:t>7/20/2025</a:t>
+              <a:t>7/26/2025</a:t>
             </a:fld>
             <a:endParaRPr lang="en-US"/>
           </a:p>
@@ -2912,7 +2912,7 @@
           <a:p>
             <a:fld id="{AB35F315-D6CE-4C8D-9232-B2305DBC9767}" type="datetimeFigureOut">
               <a:rPr lang="en-US" smtClean="0"/>
-              <a:t>7/20/2025</a:t>
+              <a:t>7/26/2025</a:t>
             </a:fld>
             <a:endParaRPr lang="en-US"/>
           </a:p>

--- a/ppt_doc/pin_diagram.pptx
+++ b/ppt_doc/pin_diagram.pptx
@@ -9,6 +9,7 @@
     <p:sldId id="257" r:id="rId3"/>
     <p:sldId id="258" r:id="rId4"/>
     <p:sldId id="259" r:id="rId5"/>
+    <p:sldId id="260" r:id="rId6"/>
   </p:sldIdLst>
   <p:sldSz cx="12192000" cy="6858000"/>
   <p:notesSz cx="6858000" cy="9144000"/>
@@ -262,7 +263,7 @@
           <a:p>
             <a:fld id="{AB35F315-D6CE-4C8D-9232-B2305DBC9767}" type="datetimeFigureOut">
               <a:rPr lang="en-US" smtClean="0"/>
-              <a:t>7/26/2025</a:t>
+              <a:t>8/10/2025</a:t>
             </a:fld>
             <a:endParaRPr lang="en-US"/>
           </a:p>
@@ -460,7 +461,7 @@
           <a:p>
             <a:fld id="{AB35F315-D6CE-4C8D-9232-B2305DBC9767}" type="datetimeFigureOut">
               <a:rPr lang="en-US" smtClean="0"/>
-              <a:t>7/26/2025</a:t>
+              <a:t>8/10/2025</a:t>
             </a:fld>
             <a:endParaRPr lang="en-US"/>
           </a:p>
@@ -668,7 +669,7 @@
           <a:p>
             <a:fld id="{AB35F315-D6CE-4C8D-9232-B2305DBC9767}" type="datetimeFigureOut">
               <a:rPr lang="en-US" smtClean="0"/>
-              <a:t>7/26/2025</a:t>
+              <a:t>8/10/2025</a:t>
             </a:fld>
             <a:endParaRPr lang="en-US"/>
           </a:p>
@@ -866,7 +867,7 @@
           <a:p>
             <a:fld id="{AB35F315-D6CE-4C8D-9232-B2305DBC9767}" type="datetimeFigureOut">
               <a:rPr lang="en-US" smtClean="0"/>
-              <a:t>7/26/2025</a:t>
+              <a:t>8/10/2025</a:t>
             </a:fld>
             <a:endParaRPr lang="en-US"/>
           </a:p>
@@ -1141,7 +1142,7 @@
           <a:p>
             <a:fld id="{AB35F315-D6CE-4C8D-9232-B2305DBC9767}" type="datetimeFigureOut">
               <a:rPr lang="en-US" smtClean="0"/>
-              <a:t>7/26/2025</a:t>
+              <a:t>8/10/2025</a:t>
             </a:fld>
             <a:endParaRPr lang="en-US"/>
           </a:p>
@@ -1406,7 +1407,7 @@
           <a:p>
             <a:fld id="{AB35F315-D6CE-4C8D-9232-B2305DBC9767}" type="datetimeFigureOut">
               <a:rPr lang="en-US" smtClean="0"/>
-              <a:t>7/26/2025</a:t>
+              <a:t>8/10/2025</a:t>
             </a:fld>
             <a:endParaRPr lang="en-US"/>
           </a:p>
@@ -1818,7 +1819,7 @@
           <a:p>
             <a:fld id="{AB35F315-D6CE-4C8D-9232-B2305DBC9767}" type="datetimeFigureOut">
               <a:rPr lang="en-US" smtClean="0"/>
-              <a:t>7/26/2025</a:t>
+              <a:t>8/10/2025</a:t>
             </a:fld>
             <a:endParaRPr lang="en-US"/>
           </a:p>
@@ -1959,7 +1960,7 @@
           <a:p>
             <a:fld id="{AB35F315-D6CE-4C8D-9232-B2305DBC9767}" type="datetimeFigureOut">
               <a:rPr lang="en-US" smtClean="0"/>
-              <a:t>7/26/2025</a:t>
+              <a:t>8/10/2025</a:t>
             </a:fld>
             <a:endParaRPr lang="en-US"/>
           </a:p>
@@ -2072,7 +2073,7 @@
           <a:p>
             <a:fld id="{AB35F315-D6CE-4C8D-9232-B2305DBC9767}" type="datetimeFigureOut">
               <a:rPr lang="en-US" smtClean="0"/>
-              <a:t>7/26/2025</a:t>
+              <a:t>8/10/2025</a:t>
             </a:fld>
             <a:endParaRPr lang="en-US"/>
           </a:p>
@@ -2383,7 +2384,7 @@
           <a:p>
             <a:fld id="{AB35F315-D6CE-4C8D-9232-B2305DBC9767}" type="datetimeFigureOut">
               <a:rPr lang="en-US" smtClean="0"/>
-              <a:t>7/26/2025</a:t>
+              <a:t>8/10/2025</a:t>
             </a:fld>
             <a:endParaRPr lang="en-US"/>
           </a:p>
@@ -2671,7 +2672,7 @@
           <a:p>
             <a:fld id="{AB35F315-D6CE-4C8D-9232-B2305DBC9767}" type="datetimeFigureOut">
               <a:rPr lang="en-US" smtClean="0"/>
-              <a:t>7/26/2025</a:t>
+              <a:t>8/10/2025</a:t>
             </a:fld>
             <a:endParaRPr lang="en-US"/>
           </a:p>
@@ -2912,7 +2913,7 @@
           <a:p>
             <a:fld id="{AB35F315-D6CE-4C8D-9232-B2305DBC9767}" type="datetimeFigureOut">
               <a:rPr lang="en-US" smtClean="0"/>
-              <a:t>7/26/2025</a:t>
+              <a:t>8/10/2025</a:t>
             </a:fld>
             <a:endParaRPr lang="en-US"/>
           </a:p>
@@ -12202,13 +12203,13 @@
         </p:spPr>
         <p:style>
           <a:lnRef idx="3">
-            <a:schemeClr val="accent1"/>
-          </a:lnRef>
-          <a:fillRef idx="0">
-            <a:schemeClr val="accent1"/>
-          </a:fillRef>
-          <a:effectRef idx="2">
-            <a:schemeClr val="accent1"/>
+            <a:schemeClr val="accent2"/>
+          </a:lnRef>
+          <a:fillRef idx="0">
+            <a:schemeClr val="accent2"/>
+          </a:fillRef>
+          <a:effectRef idx="2">
+            <a:schemeClr val="accent2"/>
           </a:effectRef>
           <a:fontRef idx="minor">
             <a:schemeClr val="tx1"/>
@@ -12328,13 +12329,13 @@
         </p:spPr>
         <p:style>
           <a:lnRef idx="3">
-            <a:schemeClr val="accent1"/>
-          </a:lnRef>
-          <a:fillRef idx="0">
-            <a:schemeClr val="accent1"/>
-          </a:fillRef>
-          <a:effectRef idx="2">
-            <a:schemeClr val="accent1"/>
+            <a:schemeClr val="accent3"/>
+          </a:lnRef>
+          <a:fillRef idx="0">
+            <a:schemeClr val="accent3"/>
+          </a:fillRef>
+          <a:effectRef idx="2">
+            <a:schemeClr val="accent3"/>
           </a:effectRef>
           <a:fontRef idx="minor">
             <a:schemeClr val="tx1"/>
@@ -12370,13 +12371,13 @@
         </p:spPr>
         <p:style>
           <a:lnRef idx="3">
-            <a:schemeClr val="accent1"/>
-          </a:lnRef>
-          <a:fillRef idx="0">
-            <a:schemeClr val="accent1"/>
-          </a:fillRef>
-          <a:effectRef idx="2">
-            <a:schemeClr val="accent1"/>
+            <a:schemeClr val="accent3"/>
+          </a:lnRef>
+          <a:fillRef idx="0">
+            <a:schemeClr val="accent3"/>
+          </a:fillRef>
+          <a:effectRef idx="2">
+            <a:schemeClr val="accent3"/>
           </a:effectRef>
           <a:fontRef idx="minor">
             <a:schemeClr val="tx1"/>
@@ -12412,13 +12413,13 @@
         </p:spPr>
         <p:style>
           <a:lnRef idx="3">
-            <a:schemeClr val="accent1"/>
-          </a:lnRef>
-          <a:fillRef idx="0">
-            <a:schemeClr val="accent1"/>
-          </a:fillRef>
-          <a:effectRef idx="2">
-            <a:schemeClr val="accent1"/>
+            <a:schemeClr val="accent3"/>
+          </a:lnRef>
+          <a:fillRef idx="0">
+            <a:schemeClr val="accent3"/>
+          </a:fillRef>
+          <a:effectRef idx="2">
+            <a:schemeClr val="accent3"/>
           </a:effectRef>
           <a:fontRef idx="minor">
             <a:schemeClr val="tx1"/>
@@ -12454,13 +12455,13 @@
         </p:spPr>
         <p:style>
           <a:lnRef idx="3">
-            <a:schemeClr val="accent1"/>
-          </a:lnRef>
-          <a:fillRef idx="0">
-            <a:schemeClr val="accent1"/>
-          </a:fillRef>
-          <a:effectRef idx="2">
-            <a:schemeClr val="accent1"/>
+            <a:schemeClr val="accent2"/>
+          </a:lnRef>
+          <a:fillRef idx="0">
+            <a:schemeClr val="accent2"/>
+          </a:fillRef>
+          <a:effectRef idx="2">
+            <a:schemeClr val="accent2"/>
           </a:effectRef>
           <a:fontRef idx="minor">
             <a:schemeClr val="tx1"/>
@@ -12496,13 +12497,13 @@
         </p:spPr>
         <p:style>
           <a:lnRef idx="3">
-            <a:schemeClr val="accent1"/>
-          </a:lnRef>
-          <a:fillRef idx="0">
-            <a:schemeClr val="accent1"/>
-          </a:fillRef>
-          <a:effectRef idx="2">
-            <a:schemeClr val="accent1"/>
+            <a:schemeClr val="accent2"/>
+          </a:lnRef>
+          <a:fillRef idx="0">
+            <a:schemeClr val="accent2"/>
+          </a:fillRef>
+          <a:effectRef idx="2">
+            <a:schemeClr val="accent2"/>
           </a:effectRef>
           <a:fontRef idx="minor">
             <a:schemeClr val="tx1"/>
@@ -12538,13 +12539,13 @@
         </p:spPr>
         <p:style>
           <a:lnRef idx="3">
-            <a:schemeClr val="accent1"/>
-          </a:lnRef>
-          <a:fillRef idx="0">
-            <a:schemeClr val="accent1"/>
-          </a:fillRef>
-          <a:effectRef idx="2">
-            <a:schemeClr val="accent1"/>
+            <a:schemeClr val="accent2"/>
+          </a:lnRef>
+          <a:fillRef idx="0">
+            <a:schemeClr val="accent2"/>
+          </a:fillRef>
+          <a:effectRef idx="2">
+            <a:schemeClr val="accent2"/>
           </a:effectRef>
           <a:fontRef idx="minor">
             <a:schemeClr val="tx1"/>
@@ -12580,13 +12581,13 @@
         </p:spPr>
         <p:style>
           <a:lnRef idx="3">
-            <a:schemeClr val="accent1"/>
-          </a:lnRef>
-          <a:fillRef idx="0">
-            <a:schemeClr val="accent1"/>
-          </a:fillRef>
-          <a:effectRef idx="2">
-            <a:schemeClr val="accent1"/>
+            <a:schemeClr val="accent2"/>
+          </a:lnRef>
+          <a:fillRef idx="0">
+            <a:schemeClr val="accent2"/>
+          </a:fillRef>
+          <a:effectRef idx="2">
+            <a:schemeClr val="accent2"/>
           </a:effectRef>
           <a:fontRef idx="minor">
             <a:schemeClr val="tx1"/>
@@ -12622,13 +12623,13 @@
         </p:spPr>
         <p:style>
           <a:lnRef idx="3">
-            <a:schemeClr val="accent1"/>
-          </a:lnRef>
-          <a:fillRef idx="0">
-            <a:schemeClr val="accent1"/>
-          </a:fillRef>
-          <a:effectRef idx="2">
-            <a:schemeClr val="accent1"/>
+            <a:schemeClr val="accent2"/>
+          </a:lnRef>
+          <a:fillRef idx="0">
+            <a:schemeClr val="accent2"/>
+          </a:fillRef>
+          <a:effectRef idx="2">
+            <a:schemeClr val="accent2"/>
           </a:effectRef>
           <a:fontRef idx="minor">
             <a:schemeClr val="tx1"/>
@@ -12664,13 +12665,13 @@
         </p:spPr>
         <p:style>
           <a:lnRef idx="3">
-            <a:schemeClr val="accent1"/>
-          </a:lnRef>
-          <a:fillRef idx="0">
-            <a:schemeClr val="accent1"/>
-          </a:fillRef>
-          <a:effectRef idx="2">
-            <a:schemeClr val="accent1"/>
+            <a:schemeClr val="accent2"/>
+          </a:lnRef>
+          <a:fillRef idx="0">
+            <a:schemeClr val="accent2"/>
+          </a:fillRef>
+          <a:effectRef idx="2">
+            <a:schemeClr val="accent2"/>
           </a:effectRef>
           <a:fontRef idx="minor">
             <a:schemeClr val="tx1"/>
@@ -12706,13 +12707,13 @@
         </p:spPr>
         <p:style>
           <a:lnRef idx="3">
-            <a:schemeClr val="accent1"/>
-          </a:lnRef>
-          <a:fillRef idx="0">
-            <a:schemeClr val="accent1"/>
-          </a:fillRef>
-          <a:effectRef idx="2">
-            <a:schemeClr val="accent1"/>
+            <a:schemeClr val="accent2"/>
+          </a:lnRef>
+          <a:fillRef idx="0">
+            <a:schemeClr val="accent2"/>
+          </a:fillRef>
+          <a:effectRef idx="2">
+            <a:schemeClr val="accent2"/>
           </a:effectRef>
           <a:fontRef idx="minor">
             <a:schemeClr val="tx1"/>
@@ -12748,13 +12749,13 @@
         </p:spPr>
         <p:style>
           <a:lnRef idx="3">
-            <a:schemeClr val="accent1"/>
-          </a:lnRef>
-          <a:fillRef idx="0">
-            <a:schemeClr val="accent1"/>
-          </a:fillRef>
-          <a:effectRef idx="2">
-            <a:schemeClr val="accent1"/>
+            <a:schemeClr val="accent2"/>
+          </a:lnRef>
+          <a:fillRef idx="0">
+            <a:schemeClr val="accent2"/>
+          </a:fillRef>
+          <a:effectRef idx="2">
+            <a:schemeClr val="accent2"/>
           </a:effectRef>
           <a:fontRef idx="minor">
             <a:schemeClr val="tx1"/>
@@ -12790,13 +12791,13 @@
         </p:spPr>
         <p:style>
           <a:lnRef idx="3">
-            <a:schemeClr val="accent1"/>
-          </a:lnRef>
-          <a:fillRef idx="0">
-            <a:schemeClr val="accent1"/>
-          </a:fillRef>
-          <a:effectRef idx="2">
-            <a:schemeClr val="accent1"/>
+            <a:schemeClr val="accent2"/>
+          </a:lnRef>
+          <a:fillRef idx="0">
+            <a:schemeClr val="accent2"/>
+          </a:fillRef>
+          <a:effectRef idx="2">
+            <a:schemeClr val="accent2"/>
           </a:effectRef>
           <a:fontRef idx="minor">
             <a:schemeClr val="tx1"/>
@@ -12832,13 +12833,13 @@
         </p:spPr>
         <p:style>
           <a:lnRef idx="3">
-            <a:schemeClr val="accent1"/>
-          </a:lnRef>
-          <a:fillRef idx="0">
-            <a:schemeClr val="accent1"/>
-          </a:fillRef>
-          <a:effectRef idx="2">
-            <a:schemeClr val="accent1"/>
+            <a:schemeClr val="accent2"/>
+          </a:lnRef>
+          <a:fillRef idx="0">
+            <a:schemeClr val="accent2"/>
+          </a:fillRef>
+          <a:effectRef idx="2">
+            <a:schemeClr val="accent2"/>
           </a:effectRef>
           <a:fontRef idx="minor">
             <a:schemeClr val="tx1"/>
@@ -12874,13 +12875,13 @@
         </p:spPr>
         <p:style>
           <a:lnRef idx="3">
-            <a:schemeClr val="accent1"/>
-          </a:lnRef>
-          <a:fillRef idx="0">
-            <a:schemeClr val="accent1"/>
-          </a:fillRef>
-          <a:effectRef idx="2">
-            <a:schemeClr val="accent1"/>
+            <a:schemeClr val="accent2"/>
+          </a:lnRef>
+          <a:fillRef idx="0">
+            <a:schemeClr val="accent2"/>
+          </a:fillRef>
+          <a:effectRef idx="2">
+            <a:schemeClr val="accent2"/>
           </a:effectRef>
           <a:fontRef idx="minor">
             <a:schemeClr val="tx1"/>
@@ -12916,13 +12917,13 @@
         </p:spPr>
         <p:style>
           <a:lnRef idx="3">
-            <a:schemeClr val="accent1"/>
-          </a:lnRef>
-          <a:fillRef idx="0">
-            <a:schemeClr val="accent1"/>
-          </a:fillRef>
-          <a:effectRef idx="2">
-            <a:schemeClr val="accent1"/>
+            <a:schemeClr val="accent2"/>
+          </a:lnRef>
+          <a:fillRef idx="0">
+            <a:schemeClr val="accent2"/>
+          </a:fillRef>
+          <a:effectRef idx="2">
+            <a:schemeClr val="accent2"/>
           </a:effectRef>
           <a:fontRef idx="minor">
             <a:schemeClr val="tx1"/>
@@ -12958,13 +12959,13 @@
         </p:spPr>
         <p:style>
           <a:lnRef idx="3">
-            <a:schemeClr val="accent1"/>
-          </a:lnRef>
-          <a:fillRef idx="0">
-            <a:schemeClr val="accent1"/>
-          </a:fillRef>
-          <a:effectRef idx="2">
-            <a:schemeClr val="accent1"/>
+            <a:schemeClr val="accent3"/>
+          </a:lnRef>
+          <a:fillRef idx="0">
+            <a:schemeClr val="accent3"/>
+          </a:fillRef>
+          <a:effectRef idx="2">
+            <a:schemeClr val="accent3"/>
           </a:effectRef>
           <a:fontRef idx="minor">
             <a:schemeClr val="tx1"/>
@@ -13000,13 +13001,13 @@
         </p:spPr>
         <p:style>
           <a:lnRef idx="3">
-            <a:schemeClr val="accent1"/>
-          </a:lnRef>
-          <a:fillRef idx="0">
-            <a:schemeClr val="accent1"/>
-          </a:fillRef>
-          <a:effectRef idx="2">
-            <a:schemeClr val="accent1"/>
+            <a:schemeClr val="accent3"/>
+          </a:lnRef>
+          <a:fillRef idx="0">
+            <a:schemeClr val="accent3"/>
+          </a:fillRef>
+          <a:effectRef idx="2">
+            <a:schemeClr val="accent3"/>
           </a:effectRef>
           <a:fontRef idx="minor">
             <a:schemeClr val="tx1"/>
@@ -13042,13 +13043,13 @@
         </p:spPr>
         <p:style>
           <a:lnRef idx="3">
-            <a:schemeClr val="accent1"/>
-          </a:lnRef>
-          <a:fillRef idx="0">
-            <a:schemeClr val="accent1"/>
-          </a:fillRef>
-          <a:effectRef idx="2">
-            <a:schemeClr val="accent1"/>
+            <a:schemeClr val="accent2"/>
+          </a:lnRef>
+          <a:fillRef idx="0">
+            <a:schemeClr val="accent2"/>
+          </a:fillRef>
+          <a:effectRef idx="2">
+            <a:schemeClr val="accent2"/>
           </a:effectRef>
           <a:fontRef idx="minor">
             <a:schemeClr val="tx1"/>
@@ -13084,13 +13085,13 @@
         </p:spPr>
         <p:style>
           <a:lnRef idx="3">
-            <a:schemeClr val="accent1"/>
-          </a:lnRef>
-          <a:fillRef idx="0">
-            <a:schemeClr val="accent1"/>
-          </a:fillRef>
-          <a:effectRef idx="2">
-            <a:schemeClr val="accent1"/>
+            <a:schemeClr val="accent2"/>
+          </a:lnRef>
+          <a:fillRef idx="0">
+            <a:schemeClr val="accent2"/>
+          </a:fillRef>
+          <a:effectRef idx="2">
+            <a:schemeClr val="accent2"/>
           </a:effectRef>
           <a:fontRef idx="minor">
             <a:schemeClr val="tx1"/>
@@ -13126,13 +13127,13 @@
         </p:spPr>
         <p:style>
           <a:lnRef idx="3">
-            <a:schemeClr val="accent1"/>
-          </a:lnRef>
-          <a:fillRef idx="0">
-            <a:schemeClr val="accent1"/>
-          </a:fillRef>
-          <a:effectRef idx="2">
-            <a:schemeClr val="accent1"/>
+            <a:schemeClr val="accent2"/>
+          </a:lnRef>
+          <a:fillRef idx="0">
+            <a:schemeClr val="accent2"/>
+          </a:fillRef>
+          <a:effectRef idx="2">
+            <a:schemeClr val="accent2"/>
           </a:effectRef>
           <a:fontRef idx="minor">
             <a:schemeClr val="tx1"/>
@@ -13168,13 +13169,13 @@
         </p:spPr>
         <p:style>
           <a:lnRef idx="3">
-            <a:schemeClr val="accent1"/>
-          </a:lnRef>
-          <a:fillRef idx="0">
-            <a:schemeClr val="accent1"/>
-          </a:fillRef>
-          <a:effectRef idx="2">
-            <a:schemeClr val="accent1"/>
+            <a:schemeClr val="accent2"/>
+          </a:lnRef>
+          <a:fillRef idx="0">
+            <a:schemeClr val="accent2"/>
+          </a:fillRef>
+          <a:effectRef idx="2">
+            <a:schemeClr val="accent2"/>
           </a:effectRef>
           <a:fontRef idx="minor">
             <a:schemeClr val="tx1"/>
@@ -13210,13 +13211,13 @@
         </p:spPr>
         <p:style>
           <a:lnRef idx="3">
-            <a:schemeClr val="accent1"/>
-          </a:lnRef>
-          <a:fillRef idx="0">
-            <a:schemeClr val="accent1"/>
-          </a:fillRef>
-          <a:effectRef idx="2">
-            <a:schemeClr val="accent1"/>
+            <a:schemeClr val="accent2"/>
+          </a:lnRef>
+          <a:fillRef idx="0">
+            <a:schemeClr val="accent2"/>
+          </a:fillRef>
+          <a:effectRef idx="2">
+            <a:schemeClr val="accent2"/>
           </a:effectRef>
           <a:fontRef idx="minor">
             <a:schemeClr val="tx1"/>
@@ -13252,13 +13253,13 @@
         </p:spPr>
         <p:style>
           <a:lnRef idx="3">
-            <a:schemeClr val="accent1"/>
-          </a:lnRef>
-          <a:fillRef idx="0">
-            <a:schemeClr val="accent1"/>
-          </a:fillRef>
-          <a:effectRef idx="2">
-            <a:schemeClr val="accent1"/>
+            <a:schemeClr val="accent2"/>
+          </a:lnRef>
+          <a:fillRef idx="0">
+            <a:schemeClr val="accent2"/>
+          </a:fillRef>
+          <a:effectRef idx="2">
+            <a:schemeClr val="accent2"/>
           </a:effectRef>
           <a:fontRef idx="minor">
             <a:schemeClr val="tx1"/>
@@ -13294,13 +13295,13 @@
         </p:spPr>
         <p:style>
           <a:lnRef idx="3">
-            <a:schemeClr val="accent1"/>
-          </a:lnRef>
-          <a:fillRef idx="0">
-            <a:schemeClr val="accent1"/>
-          </a:fillRef>
-          <a:effectRef idx="2">
-            <a:schemeClr val="accent1"/>
+            <a:schemeClr val="accent2"/>
+          </a:lnRef>
+          <a:fillRef idx="0">
+            <a:schemeClr val="accent2"/>
+          </a:fillRef>
+          <a:effectRef idx="2">
+            <a:schemeClr val="accent2"/>
           </a:effectRef>
           <a:fontRef idx="minor">
             <a:schemeClr val="tx1"/>
@@ -13336,13 +13337,13 @@
         </p:spPr>
         <p:style>
           <a:lnRef idx="3">
-            <a:schemeClr val="accent1"/>
-          </a:lnRef>
-          <a:fillRef idx="0">
-            <a:schemeClr val="accent1"/>
-          </a:fillRef>
-          <a:effectRef idx="2">
-            <a:schemeClr val="accent1"/>
+            <a:schemeClr val="accent2"/>
+          </a:lnRef>
+          <a:fillRef idx="0">
+            <a:schemeClr val="accent2"/>
+          </a:fillRef>
+          <a:effectRef idx="2">
+            <a:schemeClr val="accent2"/>
           </a:effectRef>
           <a:fontRef idx="minor">
             <a:schemeClr val="tx1"/>
@@ -13378,13 +13379,13 @@
         </p:spPr>
         <p:style>
           <a:lnRef idx="3">
-            <a:schemeClr val="accent1"/>
-          </a:lnRef>
-          <a:fillRef idx="0">
-            <a:schemeClr val="accent1"/>
-          </a:fillRef>
-          <a:effectRef idx="2">
-            <a:schemeClr val="accent1"/>
+            <a:schemeClr val="accent2"/>
+          </a:lnRef>
+          <a:fillRef idx="0">
+            <a:schemeClr val="accent2"/>
+          </a:fillRef>
+          <a:effectRef idx="2">
+            <a:schemeClr val="accent2"/>
           </a:effectRef>
           <a:fontRef idx="minor">
             <a:schemeClr val="tx1"/>
@@ -13420,13 +13421,13 @@
         </p:spPr>
         <p:style>
           <a:lnRef idx="3">
-            <a:schemeClr val="accent1"/>
-          </a:lnRef>
-          <a:fillRef idx="0">
-            <a:schemeClr val="accent1"/>
-          </a:fillRef>
-          <a:effectRef idx="2">
-            <a:schemeClr val="accent1"/>
+            <a:schemeClr val="accent2"/>
+          </a:lnRef>
+          <a:fillRef idx="0">
+            <a:schemeClr val="accent2"/>
+          </a:fillRef>
+          <a:effectRef idx="2">
+            <a:schemeClr val="accent2"/>
           </a:effectRef>
           <a:fontRef idx="minor">
             <a:schemeClr val="tx1"/>
@@ -13462,13 +13463,13 @@
         </p:spPr>
         <p:style>
           <a:lnRef idx="3">
-            <a:schemeClr val="accent1"/>
-          </a:lnRef>
-          <a:fillRef idx="0">
-            <a:schemeClr val="accent1"/>
-          </a:fillRef>
-          <a:effectRef idx="2">
-            <a:schemeClr val="accent1"/>
+            <a:schemeClr val="accent2"/>
+          </a:lnRef>
+          <a:fillRef idx="0">
+            <a:schemeClr val="accent2"/>
+          </a:fillRef>
+          <a:effectRef idx="2">
+            <a:schemeClr val="accent2"/>
           </a:effectRef>
           <a:fontRef idx="minor">
             <a:schemeClr val="tx1"/>
@@ -13504,13 +13505,13 @@
         </p:spPr>
         <p:style>
           <a:lnRef idx="3">
-            <a:schemeClr val="accent1"/>
-          </a:lnRef>
-          <a:fillRef idx="0">
-            <a:schemeClr val="accent1"/>
-          </a:fillRef>
-          <a:effectRef idx="2">
-            <a:schemeClr val="accent1"/>
+            <a:schemeClr val="accent2"/>
+          </a:lnRef>
+          <a:fillRef idx="0">
+            <a:schemeClr val="accent2"/>
+          </a:fillRef>
+          <a:effectRef idx="2">
+            <a:schemeClr val="accent2"/>
           </a:effectRef>
           <a:fontRef idx="minor">
             <a:schemeClr val="tx1"/>
@@ -13546,13 +13547,13 @@
         </p:spPr>
         <p:style>
           <a:lnRef idx="3">
-            <a:schemeClr val="accent1"/>
-          </a:lnRef>
-          <a:fillRef idx="0">
-            <a:schemeClr val="accent1"/>
-          </a:fillRef>
-          <a:effectRef idx="2">
-            <a:schemeClr val="accent1"/>
+            <a:schemeClr val="accent2"/>
+          </a:lnRef>
+          <a:fillRef idx="0">
+            <a:schemeClr val="accent2"/>
+          </a:fillRef>
+          <a:effectRef idx="2">
+            <a:schemeClr val="accent2"/>
           </a:effectRef>
           <a:fontRef idx="minor">
             <a:schemeClr val="tx1"/>
@@ -13588,13 +13589,13 @@
         </p:spPr>
         <p:style>
           <a:lnRef idx="3">
-            <a:schemeClr val="accent1"/>
-          </a:lnRef>
-          <a:fillRef idx="0">
-            <a:schemeClr val="accent1"/>
-          </a:fillRef>
-          <a:effectRef idx="2">
-            <a:schemeClr val="accent1"/>
+            <a:schemeClr val="accent2"/>
+          </a:lnRef>
+          <a:fillRef idx="0">
+            <a:schemeClr val="accent2"/>
+          </a:fillRef>
+          <a:effectRef idx="2">
+            <a:schemeClr val="accent2"/>
           </a:effectRef>
           <a:fontRef idx="minor">
             <a:schemeClr val="tx1"/>
@@ -13630,13 +13631,13 @@
         </p:spPr>
         <p:style>
           <a:lnRef idx="3">
-            <a:schemeClr val="accent1"/>
-          </a:lnRef>
-          <a:fillRef idx="0">
-            <a:schemeClr val="accent1"/>
-          </a:fillRef>
-          <a:effectRef idx="2">
-            <a:schemeClr val="accent1"/>
+            <a:schemeClr val="accent2"/>
+          </a:lnRef>
+          <a:fillRef idx="0">
+            <a:schemeClr val="accent2"/>
+          </a:fillRef>
+          <a:effectRef idx="2">
+            <a:schemeClr val="accent2"/>
           </a:effectRef>
           <a:fontRef idx="minor">
             <a:schemeClr val="tx1"/>
@@ -13672,13 +13673,13 @@
         </p:spPr>
         <p:style>
           <a:lnRef idx="3">
-            <a:schemeClr val="accent2"/>
-          </a:lnRef>
-          <a:fillRef idx="0">
-            <a:schemeClr val="accent2"/>
-          </a:fillRef>
-          <a:effectRef idx="2">
-            <a:schemeClr val="accent2"/>
+            <a:schemeClr val="accent4"/>
+          </a:lnRef>
+          <a:fillRef idx="0">
+            <a:schemeClr val="accent4"/>
+          </a:fillRef>
+          <a:effectRef idx="2">
+            <a:schemeClr val="accent4"/>
           </a:effectRef>
           <a:fontRef idx="minor">
             <a:schemeClr val="tx1"/>
@@ -13714,13 +13715,13 @@
         </p:spPr>
         <p:style>
           <a:lnRef idx="3">
-            <a:schemeClr val="accent2"/>
-          </a:lnRef>
-          <a:fillRef idx="0">
-            <a:schemeClr val="accent2"/>
-          </a:fillRef>
-          <a:effectRef idx="2">
-            <a:schemeClr val="accent2"/>
+            <a:schemeClr val="accent4"/>
+          </a:lnRef>
+          <a:fillRef idx="0">
+            <a:schemeClr val="accent4"/>
+          </a:fillRef>
+          <a:effectRef idx="2">
+            <a:schemeClr val="accent4"/>
           </a:effectRef>
           <a:fontRef idx="minor">
             <a:schemeClr val="tx1"/>
@@ -13756,13 +13757,13 @@
         </p:spPr>
         <p:style>
           <a:lnRef idx="3">
-            <a:schemeClr val="accent6"/>
-          </a:lnRef>
-          <a:fillRef idx="0">
-            <a:schemeClr val="accent6"/>
-          </a:fillRef>
-          <a:effectRef idx="2">
-            <a:schemeClr val="accent6"/>
+            <a:schemeClr val="accent4"/>
+          </a:lnRef>
+          <a:fillRef idx="0">
+            <a:schemeClr val="accent4"/>
+          </a:fillRef>
+          <a:effectRef idx="2">
+            <a:schemeClr val="accent4"/>
           </a:effectRef>
           <a:fontRef idx="minor">
             <a:schemeClr val="tx1"/>
@@ -13798,13 +13799,13 @@
         </p:spPr>
         <p:style>
           <a:lnRef idx="3">
-            <a:schemeClr val="accent6"/>
-          </a:lnRef>
-          <a:fillRef idx="0">
-            <a:schemeClr val="accent6"/>
-          </a:fillRef>
-          <a:effectRef idx="2">
-            <a:schemeClr val="accent6"/>
+            <a:schemeClr val="accent4"/>
+          </a:lnRef>
+          <a:fillRef idx="0">
+            <a:schemeClr val="accent4"/>
+          </a:fillRef>
+          <a:effectRef idx="2">
+            <a:schemeClr val="accent4"/>
           </a:effectRef>
           <a:fontRef idx="minor">
             <a:schemeClr val="tx1"/>
@@ -13840,13 +13841,13 @@
         </p:spPr>
         <p:style>
           <a:lnRef idx="3">
-            <a:schemeClr val="accent2"/>
-          </a:lnRef>
-          <a:fillRef idx="0">
-            <a:schemeClr val="accent2"/>
-          </a:fillRef>
-          <a:effectRef idx="2">
-            <a:schemeClr val="accent2"/>
+            <a:schemeClr val="accent6"/>
+          </a:lnRef>
+          <a:fillRef idx="0">
+            <a:schemeClr val="accent6"/>
+          </a:fillRef>
+          <a:effectRef idx="2">
+            <a:schemeClr val="accent6"/>
           </a:effectRef>
           <a:fontRef idx="minor">
             <a:schemeClr val="tx1"/>
@@ -13882,13 +13883,13 @@
         </p:spPr>
         <p:style>
           <a:lnRef idx="3">
-            <a:schemeClr val="accent2"/>
-          </a:lnRef>
-          <a:fillRef idx="0">
-            <a:schemeClr val="accent2"/>
-          </a:fillRef>
-          <a:effectRef idx="2">
-            <a:schemeClr val="accent2"/>
+            <a:schemeClr val="accent6"/>
+          </a:lnRef>
+          <a:fillRef idx="0">
+            <a:schemeClr val="accent6"/>
+          </a:fillRef>
+          <a:effectRef idx="2">
+            <a:schemeClr val="accent6"/>
           </a:effectRef>
           <a:fontRef idx="minor">
             <a:schemeClr val="tx1"/>
@@ -15016,13 +15017,13 @@
         </p:spPr>
         <p:style>
           <a:lnRef idx="3">
-            <a:schemeClr val="accent1"/>
-          </a:lnRef>
-          <a:fillRef idx="0">
-            <a:schemeClr val="accent1"/>
-          </a:fillRef>
-          <a:effectRef idx="2">
-            <a:schemeClr val="accent1"/>
+            <a:schemeClr val="accent3"/>
+          </a:lnRef>
+          <a:fillRef idx="0">
+            <a:schemeClr val="accent3"/>
+          </a:fillRef>
+          <a:effectRef idx="2">
+            <a:schemeClr val="accent3"/>
           </a:effectRef>
           <a:fontRef idx="minor">
             <a:schemeClr val="tx1"/>
@@ -15058,13 +15059,13 @@
         </p:spPr>
         <p:style>
           <a:lnRef idx="3">
-            <a:schemeClr val="accent1"/>
-          </a:lnRef>
-          <a:fillRef idx="0">
-            <a:schemeClr val="accent1"/>
-          </a:fillRef>
-          <a:effectRef idx="2">
-            <a:schemeClr val="accent1"/>
+            <a:schemeClr val="accent2"/>
+          </a:lnRef>
+          <a:fillRef idx="0">
+            <a:schemeClr val="accent2"/>
+          </a:fillRef>
+          <a:effectRef idx="2">
+            <a:schemeClr val="accent2"/>
           </a:effectRef>
           <a:fontRef idx="minor">
             <a:schemeClr val="tx1"/>
@@ -15268,13 +15269,13 @@
         </p:spPr>
         <p:style>
           <a:lnRef idx="3">
-            <a:schemeClr val="accent1"/>
-          </a:lnRef>
-          <a:fillRef idx="0">
-            <a:schemeClr val="accent1"/>
-          </a:fillRef>
-          <a:effectRef idx="2">
-            <a:schemeClr val="accent1"/>
+            <a:schemeClr val="accent3"/>
+          </a:lnRef>
+          <a:fillRef idx="0">
+            <a:schemeClr val="accent3"/>
+          </a:fillRef>
+          <a:effectRef idx="2">
+            <a:schemeClr val="accent3"/>
           </a:effectRef>
           <a:fontRef idx="minor">
             <a:schemeClr val="tx1"/>
@@ -15310,13 +15311,13 @@
         </p:spPr>
         <p:style>
           <a:lnRef idx="3">
-            <a:schemeClr val="accent1"/>
-          </a:lnRef>
-          <a:fillRef idx="0">
-            <a:schemeClr val="accent1"/>
-          </a:fillRef>
-          <a:effectRef idx="2">
-            <a:schemeClr val="accent1"/>
+            <a:schemeClr val="accent3"/>
+          </a:lnRef>
+          <a:fillRef idx="0">
+            <a:schemeClr val="accent3"/>
+          </a:fillRef>
+          <a:effectRef idx="2">
+            <a:schemeClr val="accent3"/>
           </a:effectRef>
           <a:fontRef idx="minor">
             <a:schemeClr val="tx1"/>
@@ -15352,13 +15353,13 @@
         </p:spPr>
         <p:style>
           <a:lnRef idx="3">
-            <a:schemeClr val="accent1"/>
-          </a:lnRef>
-          <a:fillRef idx="0">
-            <a:schemeClr val="accent1"/>
-          </a:fillRef>
-          <a:effectRef idx="2">
-            <a:schemeClr val="accent1"/>
+            <a:schemeClr val="accent3"/>
+          </a:lnRef>
+          <a:fillRef idx="0">
+            <a:schemeClr val="accent3"/>
+          </a:fillRef>
+          <a:effectRef idx="2">
+            <a:schemeClr val="accent3"/>
           </a:effectRef>
           <a:fontRef idx="minor">
             <a:schemeClr val="tx1"/>
@@ -15394,13 +15395,13 @@
         </p:spPr>
         <p:style>
           <a:lnRef idx="3">
-            <a:schemeClr val="accent1"/>
-          </a:lnRef>
-          <a:fillRef idx="0">
-            <a:schemeClr val="accent1"/>
-          </a:fillRef>
-          <a:effectRef idx="2">
-            <a:schemeClr val="accent1"/>
+            <a:schemeClr val="accent3"/>
+          </a:lnRef>
+          <a:fillRef idx="0">
+            <a:schemeClr val="accent3"/>
+          </a:fillRef>
+          <a:effectRef idx="2">
+            <a:schemeClr val="accent3"/>
           </a:effectRef>
           <a:fontRef idx="minor">
             <a:schemeClr val="tx1"/>
@@ -15436,13 +15437,13 @@
         </p:spPr>
         <p:style>
           <a:lnRef idx="3">
-            <a:schemeClr val="accent1"/>
-          </a:lnRef>
-          <a:fillRef idx="0">
-            <a:schemeClr val="accent1"/>
-          </a:fillRef>
-          <a:effectRef idx="2">
-            <a:schemeClr val="accent1"/>
+            <a:schemeClr val="accent3"/>
+          </a:lnRef>
+          <a:fillRef idx="0">
+            <a:schemeClr val="accent3"/>
+          </a:fillRef>
+          <a:effectRef idx="2">
+            <a:schemeClr val="accent3"/>
           </a:effectRef>
           <a:fontRef idx="minor">
             <a:schemeClr val="tx1"/>
@@ -15478,13 +15479,13 @@
         </p:spPr>
         <p:style>
           <a:lnRef idx="3">
-            <a:schemeClr val="accent1"/>
-          </a:lnRef>
-          <a:fillRef idx="0">
-            <a:schemeClr val="accent1"/>
-          </a:fillRef>
-          <a:effectRef idx="2">
-            <a:schemeClr val="accent1"/>
+            <a:schemeClr val="accent3"/>
+          </a:lnRef>
+          <a:fillRef idx="0">
+            <a:schemeClr val="accent3"/>
+          </a:fillRef>
+          <a:effectRef idx="2">
+            <a:schemeClr val="accent3"/>
           </a:effectRef>
           <a:fontRef idx="minor">
             <a:schemeClr val="tx1"/>
@@ -15520,13 +15521,13 @@
         </p:spPr>
         <p:style>
           <a:lnRef idx="3">
-            <a:schemeClr val="accent1"/>
-          </a:lnRef>
-          <a:fillRef idx="0">
-            <a:schemeClr val="accent1"/>
-          </a:fillRef>
-          <a:effectRef idx="2">
-            <a:schemeClr val="accent1"/>
+            <a:schemeClr val="accent3"/>
+          </a:lnRef>
+          <a:fillRef idx="0">
+            <a:schemeClr val="accent3"/>
+          </a:fillRef>
+          <a:effectRef idx="2">
+            <a:schemeClr val="accent3"/>
           </a:effectRef>
           <a:fontRef idx="minor">
             <a:schemeClr val="tx1"/>
@@ -15562,13 +15563,13 @@
         </p:spPr>
         <p:style>
           <a:lnRef idx="3">
-            <a:schemeClr val="accent1"/>
-          </a:lnRef>
-          <a:fillRef idx="0">
-            <a:schemeClr val="accent1"/>
-          </a:fillRef>
-          <a:effectRef idx="2">
-            <a:schemeClr val="accent1"/>
+            <a:schemeClr val="accent3"/>
+          </a:lnRef>
+          <a:fillRef idx="0">
+            <a:schemeClr val="accent3"/>
+          </a:fillRef>
+          <a:effectRef idx="2">
+            <a:schemeClr val="accent3"/>
           </a:effectRef>
           <a:fontRef idx="minor">
             <a:schemeClr val="tx1"/>
@@ -15882,13 +15883,13 @@
         </p:spPr>
         <p:style>
           <a:lnRef idx="3">
-            <a:schemeClr val="accent1"/>
-          </a:lnRef>
-          <a:fillRef idx="0">
-            <a:schemeClr val="accent1"/>
-          </a:fillRef>
-          <a:effectRef idx="2">
-            <a:schemeClr val="accent1"/>
+            <a:schemeClr val="accent2"/>
+          </a:lnRef>
+          <a:fillRef idx="0">
+            <a:schemeClr val="accent2"/>
+          </a:fillRef>
+          <a:effectRef idx="2">
+            <a:schemeClr val="accent2"/>
           </a:effectRef>
           <a:fontRef idx="minor">
             <a:schemeClr val="tx1"/>
@@ -15924,13 +15925,13 @@
         </p:spPr>
         <p:style>
           <a:lnRef idx="3">
-            <a:schemeClr val="accent1"/>
-          </a:lnRef>
-          <a:fillRef idx="0">
-            <a:schemeClr val="accent1"/>
-          </a:fillRef>
-          <a:effectRef idx="2">
-            <a:schemeClr val="accent1"/>
+            <a:schemeClr val="accent3"/>
+          </a:lnRef>
+          <a:fillRef idx="0">
+            <a:schemeClr val="accent3"/>
+          </a:fillRef>
+          <a:effectRef idx="2">
+            <a:schemeClr val="accent3"/>
           </a:effectRef>
           <a:fontRef idx="minor">
             <a:schemeClr val="tx1"/>
@@ -15966,13 +15967,13 @@
         </p:spPr>
         <p:style>
           <a:lnRef idx="3">
-            <a:schemeClr val="accent1"/>
-          </a:lnRef>
-          <a:fillRef idx="0">
-            <a:schemeClr val="accent1"/>
-          </a:fillRef>
-          <a:effectRef idx="2">
-            <a:schemeClr val="accent1"/>
+            <a:schemeClr val="accent3"/>
+          </a:lnRef>
+          <a:fillRef idx="0">
+            <a:schemeClr val="accent3"/>
+          </a:fillRef>
+          <a:effectRef idx="2">
+            <a:schemeClr val="accent3"/>
           </a:effectRef>
           <a:fontRef idx="minor">
             <a:schemeClr val="tx1"/>
@@ -16008,13 +16009,13 @@
         </p:spPr>
         <p:style>
           <a:lnRef idx="3">
-            <a:schemeClr val="accent1"/>
-          </a:lnRef>
-          <a:fillRef idx="0">
-            <a:schemeClr val="accent1"/>
-          </a:fillRef>
-          <a:effectRef idx="2">
-            <a:schemeClr val="accent1"/>
+            <a:schemeClr val="accent2"/>
+          </a:lnRef>
+          <a:fillRef idx="0">
+            <a:schemeClr val="accent2"/>
+          </a:fillRef>
+          <a:effectRef idx="2">
+            <a:schemeClr val="accent2"/>
           </a:effectRef>
           <a:fontRef idx="minor">
             <a:schemeClr val="tx1"/>
@@ -16050,13 +16051,13 @@
         </p:spPr>
         <p:style>
           <a:lnRef idx="3">
-            <a:schemeClr val="accent1"/>
-          </a:lnRef>
-          <a:fillRef idx="0">
-            <a:schemeClr val="accent1"/>
-          </a:fillRef>
-          <a:effectRef idx="2">
-            <a:schemeClr val="accent1"/>
+            <a:schemeClr val="accent2"/>
+          </a:lnRef>
+          <a:fillRef idx="0">
+            <a:schemeClr val="accent2"/>
+          </a:fillRef>
+          <a:effectRef idx="2">
+            <a:schemeClr val="accent2"/>
           </a:effectRef>
           <a:fontRef idx="minor">
             <a:schemeClr val="tx1"/>
@@ -16092,13 +16093,13 @@
         </p:spPr>
         <p:style>
           <a:lnRef idx="3">
-            <a:schemeClr val="accent1"/>
-          </a:lnRef>
-          <a:fillRef idx="0">
-            <a:schemeClr val="accent1"/>
-          </a:fillRef>
-          <a:effectRef idx="2">
-            <a:schemeClr val="accent1"/>
+            <a:schemeClr val="accent3"/>
+          </a:lnRef>
+          <a:fillRef idx="0">
+            <a:schemeClr val="accent3"/>
+          </a:fillRef>
+          <a:effectRef idx="2">
+            <a:schemeClr val="accent3"/>
           </a:effectRef>
           <a:fontRef idx="minor">
             <a:schemeClr val="tx1"/>
@@ -16134,13 +16135,13 @@
         </p:spPr>
         <p:style>
           <a:lnRef idx="3">
-            <a:schemeClr val="accent1"/>
-          </a:lnRef>
-          <a:fillRef idx="0">
-            <a:schemeClr val="accent1"/>
-          </a:fillRef>
-          <a:effectRef idx="2">
-            <a:schemeClr val="accent1"/>
+            <a:schemeClr val="accent2"/>
+          </a:lnRef>
+          <a:fillRef idx="0">
+            <a:schemeClr val="accent2"/>
+          </a:fillRef>
+          <a:effectRef idx="2">
+            <a:schemeClr val="accent2"/>
           </a:effectRef>
           <a:fontRef idx="minor">
             <a:schemeClr val="tx1"/>
@@ -16176,13 +16177,13 @@
         </p:spPr>
         <p:style>
           <a:lnRef idx="3">
-            <a:schemeClr val="accent1"/>
-          </a:lnRef>
-          <a:fillRef idx="0">
-            <a:schemeClr val="accent1"/>
-          </a:fillRef>
-          <a:effectRef idx="2">
-            <a:schemeClr val="accent1"/>
+            <a:schemeClr val="accent3"/>
+          </a:lnRef>
+          <a:fillRef idx="0">
+            <a:schemeClr val="accent3"/>
+          </a:fillRef>
+          <a:effectRef idx="2">
+            <a:schemeClr val="accent3"/>
           </a:effectRef>
           <a:fontRef idx="minor">
             <a:schemeClr val="tx1"/>
@@ -16218,13 +16219,13 @@
         </p:spPr>
         <p:style>
           <a:lnRef idx="3">
-            <a:schemeClr val="accent1"/>
-          </a:lnRef>
-          <a:fillRef idx="0">
-            <a:schemeClr val="accent1"/>
-          </a:fillRef>
-          <a:effectRef idx="2">
-            <a:schemeClr val="accent1"/>
+            <a:schemeClr val="accent2"/>
+          </a:lnRef>
+          <a:fillRef idx="0">
+            <a:schemeClr val="accent2"/>
+          </a:fillRef>
+          <a:effectRef idx="2">
+            <a:schemeClr val="accent2"/>
           </a:effectRef>
           <a:fontRef idx="minor">
             <a:schemeClr val="tx1"/>
@@ -16512,13 +16513,13 @@
         </p:spPr>
         <p:style>
           <a:lnRef idx="3">
-            <a:schemeClr val="accent1"/>
-          </a:lnRef>
-          <a:fillRef idx="0">
-            <a:schemeClr val="accent1"/>
-          </a:fillRef>
-          <a:effectRef idx="2">
-            <a:schemeClr val="accent1"/>
+            <a:schemeClr val="accent2"/>
+          </a:lnRef>
+          <a:fillRef idx="0">
+            <a:schemeClr val="accent2"/>
+          </a:fillRef>
+          <a:effectRef idx="2">
+            <a:schemeClr val="accent2"/>
           </a:effectRef>
           <a:fontRef idx="minor">
             <a:schemeClr val="tx1"/>
@@ -16554,13 +16555,13 @@
         </p:spPr>
         <p:style>
           <a:lnRef idx="3">
-            <a:schemeClr val="accent1"/>
-          </a:lnRef>
-          <a:fillRef idx="0">
-            <a:schemeClr val="accent1"/>
-          </a:fillRef>
-          <a:effectRef idx="2">
-            <a:schemeClr val="accent1"/>
+            <a:schemeClr val="accent2"/>
+          </a:lnRef>
+          <a:fillRef idx="0">
+            <a:schemeClr val="accent2"/>
+          </a:fillRef>
+          <a:effectRef idx="2">
+            <a:schemeClr val="accent2"/>
           </a:effectRef>
           <a:fontRef idx="minor">
             <a:schemeClr val="tx1"/>
@@ -16596,13 +16597,13 @@
         </p:spPr>
         <p:style>
           <a:lnRef idx="3">
-            <a:schemeClr val="accent1"/>
-          </a:lnRef>
-          <a:fillRef idx="0">
-            <a:schemeClr val="accent1"/>
-          </a:fillRef>
-          <a:effectRef idx="2">
-            <a:schemeClr val="accent1"/>
+            <a:schemeClr val="accent2"/>
+          </a:lnRef>
+          <a:fillRef idx="0">
+            <a:schemeClr val="accent2"/>
+          </a:fillRef>
+          <a:effectRef idx="2">
+            <a:schemeClr val="accent2"/>
           </a:effectRef>
           <a:fontRef idx="minor">
             <a:schemeClr val="tx1"/>
@@ -16833,10 +16834,7012 @@
           </a:p>
         </p:txBody>
       </p:sp>
+      <p:cxnSp>
+        <p:nvCxnSpPr>
+          <p:cNvPr id="2" name="Straight Connector 1">
+            <a:extLst>
+              <a:ext uri="{FF2B5EF4-FFF2-40B4-BE49-F238E27FC236}">
+                <a16:creationId xmlns:a16="http://schemas.microsoft.com/office/drawing/2014/main" id="{CB0EB635-BCE4-C566-38E8-E3077BE35E49}"/>
+              </a:ext>
+            </a:extLst>
+          </p:cNvPr>
+          <p:cNvCxnSpPr>
+            <a:cxnSpLocks/>
+          </p:cNvCxnSpPr>
+          <p:nvPr/>
+        </p:nvCxnSpPr>
+        <p:spPr>
+          <a:xfrm>
+            <a:off x="6711204" y="3132268"/>
+            <a:ext cx="659707" cy="0"/>
+          </a:xfrm>
+          <a:prstGeom prst="line">
+            <a:avLst/>
+          </a:prstGeom>
+          <a:ln>
+            <a:headEnd type="none" w="med" len="med"/>
+            <a:tailEnd type="arrow" w="med" len="med"/>
+          </a:ln>
+        </p:spPr>
+        <p:style>
+          <a:lnRef idx="3">
+            <a:schemeClr val="dk1"/>
+          </a:lnRef>
+          <a:fillRef idx="0">
+            <a:schemeClr val="dk1"/>
+          </a:fillRef>
+          <a:effectRef idx="2">
+            <a:schemeClr val="dk1"/>
+          </a:effectRef>
+          <a:fontRef idx="minor">
+            <a:schemeClr val="tx1"/>
+          </a:fontRef>
+        </p:style>
+      </p:cxnSp>
+      <p:cxnSp>
+        <p:nvCxnSpPr>
+          <p:cNvPr id="14" name="Straight Connector 13">
+            <a:extLst>
+              <a:ext uri="{FF2B5EF4-FFF2-40B4-BE49-F238E27FC236}">
+                <a16:creationId xmlns:a16="http://schemas.microsoft.com/office/drawing/2014/main" id="{429AEAFF-8A63-2B5F-4FF6-6B15E4E8605D}"/>
+              </a:ext>
+            </a:extLst>
+          </p:cNvPr>
+          <p:cNvCxnSpPr>
+            <a:cxnSpLocks/>
+          </p:cNvCxnSpPr>
+          <p:nvPr/>
+        </p:nvCxnSpPr>
+        <p:spPr>
+          <a:xfrm>
+            <a:off x="6872238" y="1937452"/>
+            <a:ext cx="474509" cy="0"/>
+          </a:xfrm>
+          <a:prstGeom prst="line">
+            <a:avLst/>
+          </a:prstGeom>
+          <a:ln>
+            <a:headEnd type="none" w="med" len="med"/>
+            <a:tailEnd type="arrow" w="med" len="med"/>
+          </a:ln>
+        </p:spPr>
+        <p:style>
+          <a:lnRef idx="3">
+            <a:schemeClr val="dk1"/>
+          </a:lnRef>
+          <a:fillRef idx="0">
+            <a:schemeClr val="dk1"/>
+          </a:fillRef>
+          <a:effectRef idx="2">
+            <a:schemeClr val="dk1"/>
+          </a:effectRef>
+          <a:fontRef idx="minor">
+            <a:schemeClr val="tx1"/>
+          </a:fontRef>
+        </p:style>
+      </p:cxnSp>
+      <p:cxnSp>
+        <p:nvCxnSpPr>
+          <p:cNvPr id="15" name="Straight Connector 14">
+            <a:extLst>
+              <a:ext uri="{FF2B5EF4-FFF2-40B4-BE49-F238E27FC236}">
+                <a16:creationId xmlns:a16="http://schemas.microsoft.com/office/drawing/2014/main" id="{1DAFD1D6-80D1-92B7-A29B-B48D537BF881}"/>
+              </a:ext>
+            </a:extLst>
+          </p:cNvPr>
+          <p:cNvCxnSpPr>
+            <a:cxnSpLocks/>
+          </p:cNvCxnSpPr>
+          <p:nvPr/>
+        </p:nvCxnSpPr>
+        <p:spPr>
+          <a:xfrm>
+            <a:off x="6905246" y="4543174"/>
+            <a:ext cx="447597" cy="0"/>
+          </a:xfrm>
+          <a:prstGeom prst="line">
+            <a:avLst/>
+          </a:prstGeom>
+          <a:ln>
+            <a:headEnd type="none" w="med" len="med"/>
+            <a:tailEnd type="arrow" w="med" len="med"/>
+          </a:ln>
+        </p:spPr>
+        <p:style>
+          <a:lnRef idx="3">
+            <a:schemeClr val="dk1"/>
+          </a:lnRef>
+          <a:fillRef idx="0">
+            <a:schemeClr val="dk1"/>
+          </a:fillRef>
+          <a:effectRef idx="2">
+            <a:schemeClr val="dk1"/>
+          </a:effectRef>
+          <a:fontRef idx="minor">
+            <a:schemeClr val="tx1"/>
+          </a:fontRef>
+        </p:style>
+      </p:cxnSp>
+      <p:cxnSp>
+        <p:nvCxnSpPr>
+          <p:cNvPr id="16" name="Straight Connector 15">
+            <a:extLst>
+              <a:ext uri="{FF2B5EF4-FFF2-40B4-BE49-F238E27FC236}">
+                <a16:creationId xmlns:a16="http://schemas.microsoft.com/office/drawing/2014/main" id="{F4F0BFD2-3170-AB0F-9E98-64B44826AC00}"/>
+              </a:ext>
+            </a:extLst>
+          </p:cNvPr>
+          <p:cNvCxnSpPr>
+            <a:cxnSpLocks/>
+          </p:cNvCxnSpPr>
+          <p:nvPr/>
+        </p:nvCxnSpPr>
+        <p:spPr>
+          <a:xfrm flipV="1">
+            <a:off x="3163824" y="4324938"/>
+            <a:ext cx="0" cy="292032"/>
+          </a:xfrm>
+          <a:prstGeom prst="line">
+            <a:avLst/>
+          </a:prstGeom>
+          <a:ln>
+            <a:headEnd type="none" w="med" len="med"/>
+            <a:tailEnd type="arrow" w="med" len="med"/>
+          </a:ln>
+        </p:spPr>
+        <p:style>
+          <a:lnRef idx="3">
+            <a:schemeClr val="dk1"/>
+          </a:lnRef>
+          <a:fillRef idx="0">
+            <a:schemeClr val="dk1"/>
+          </a:fillRef>
+          <a:effectRef idx="2">
+            <a:schemeClr val="dk1"/>
+          </a:effectRef>
+          <a:fontRef idx="minor">
+            <a:schemeClr val="tx1"/>
+          </a:fontRef>
+        </p:style>
+      </p:cxnSp>
+      <p:cxnSp>
+        <p:nvCxnSpPr>
+          <p:cNvPr id="27" name="Straight Connector 26">
+            <a:extLst>
+              <a:ext uri="{FF2B5EF4-FFF2-40B4-BE49-F238E27FC236}">
+                <a16:creationId xmlns:a16="http://schemas.microsoft.com/office/drawing/2014/main" id="{76F1DC68-3B9C-FAE1-42E0-EB2ED237617E}"/>
+              </a:ext>
+            </a:extLst>
+          </p:cNvPr>
+          <p:cNvCxnSpPr>
+            <a:cxnSpLocks/>
+          </p:cNvCxnSpPr>
+          <p:nvPr/>
+        </p:nvCxnSpPr>
+        <p:spPr>
+          <a:xfrm flipH="1">
+            <a:off x="7449396" y="4540442"/>
+            <a:ext cx="317564" cy="2732"/>
+          </a:xfrm>
+          <a:prstGeom prst="line">
+            <a:avLst/>
+          </a:prstGeom>
+          <a:ln>
+            <a:headEnd type="none" w="med" len="med"/>
+            <a:tailEnd type="arrow" w="med" len="med"/>
+          </a:ln>
+        </p:spPr>
+        <p:style>
+          <a:lnRef idx="3">
+            <a:schemeClr val="dk1"/>
+          </a:lnRef>
+          <a:fillRef idx="0">
+            <a:schemeClr val="dk1"/>
+          </a:fillRef>
+          <a:effectRef idx="2">
+            <a:schemeClr val="dk1"/>
+          </a:effectRef>
+          <a:fontRef idx="minor">
+            <a:schemeClr val="tx1"/>
+          </a:fontRef>
+        </p:style>
+      </p:cxnSp>
+      <p:cxnSp>
+        <p:nvCxnSpPr>
+          <p:cNvPr id="33" name="Straight Connector 32">
+            <a:extLst>
+              <a:ext uri="{FF2B5EF4-FFF2-40B4-BE49-F238E27FC236}">
+                <a16:creationId xmlns:a16="http://schemas.microsoft.com/office/drawing/2014/main" id="{A66DB2BA-45FA-53D3-63CD-E5BA18D0888F}"/>
+              </a:ext>
+            </a:extLst>
+          </p:cNvPr>
+          <p:cNvCxnSpPr>
+            <a:cxnSpLocks/>
+          </p:cNvCxnSpPr>
+          <p:nvPr/>
+        </p:nvCxnSpPr>
+        <p:spPr>
+          <a:xfrm>
+            <a:off x="9698885" y="1680819"/>
+            <a:ext cx="0" cy="269271"/>
+          </a:xfrm>
+          <a:prstGeom prst="line">
+            <a:avLst/>
+          </a:prstGeom>
+          <a:ln>
+            <a:headEnd type="none" w="med" len="med"/>
+            <a:tailEnd type="arrow" w="med" len="med"/>
+          </a:ln>
+        </p:spPr>
+        <p:style>
+          <a:lnRef idx="3">
+            <a:schemeClr val="dk1"/>
+          </a:lnRef>
+          <a:fillRef idx="0">
+            <a:schemeClr val="dk1"/>
+          </a:fillRef>
+          <a:effectRef idx="2">
+            <a:schemeClr val="dk1"/>
+          </a:effectRef>
+          <a:fontRef idx="minor">
+            <a:schemeClr val="tx1"/>
+          </a:fontRef>
+        </p:style>
+      </p:cxnSp>
+      <p:cxnSp>
+        <p:nvCxnSpPr>
+          <p:cNvPr id="42" name="Straight Connector 41">
+            <a:extLst>
+              <a:ext uri="{FF2B5EF4-FFF2-40B4-BE49-F238E27FC236}">
+                <a16:creationId xmlns:a16="http://schemas.microsoft.com/office/drawing/2014/main" id="{61BBAA74-92D3-E9C8-019C-825029899308}"/>
+              </a:ext>
+            </a:extLst>
+          </p:cNvPr>
+          <p:cNvCxnSpPr>
+            <a:cxnSpLocks/>
+          </p:cNvCxnSpPr>
+          <p:nvPr/>
+        </p:nvCxnSpPr>
+        <p:spPr>
+          <a:xfrm flipV="1">
+            <a:off x="8309345" y="1684020"/>
+            <a:ext cx="0" cy="1448248"/>
+          </a:xfrm>
+          <a:prstGeom prst="line">
+            <a:avLst/>
+          </a:prstGeom>
+          <a:ln>
+            <a:headEnd type="none" w="med" len="med"/>
+            <a:tailEnd type="none" w="med" len="med"/>
+          </a:ln>
+        </p:spPr>
+        <p:style>
+          <a:lnRef idx="3">
+            <a:schemeClr val="dk1"/>
+          </a:lnRef>
+          <a:fillRef idx="0">
+            <a:schemeClr val="dk1"/>
+          </a:fillRef>
+          <a:effectRef idx="2">
+            <a:schemeClr val="dk1"/>
+          </a:effectRef>
+          <a:fontRef idx="minor">
+            <a:schemeClr val="tx1"/>
+          </a:fontRef>
+        </p:style>
+      </p:cxnSp>
+      <p:cxnSp>
+        <p:nvCxnSpPr>
+          <p:cNvPr id="52" name="Straight Connector 51">
+            <a:extLst>
+              <a:ext uri="{FF2B5EF4-FFF2-40B4-BE49-F238E27FC236}">
+                <a16:creationId xmlns:a16="http://schemas.microsoft.com/office/drawing/2014/main" id="{CBC36281-C2F5-8166-AAE8-F325DECEC8C7}"/>
+              </a:ext>
+            </a:extLst>
+          </p:cNvPr>
+          <p:cNvCxnSpPr>
+            <a:cxnSpLocks/>
+          </p:cNvCxnSpPr>
+          <p:nvPr/>
+        </p:nvCxnSpPr>
+        <p:spPr>
+          <a:xfrm>
+            <a:off x="7449396" y="1639824"/>
+            <a:ext cx="0" cy="296200"/>
+          </a:xfrm>
+          <a:prstGeom prst="line">
+            <a:avLst/>
+          </a:prstGeom>
+          <a:ln>
+            <a:headEnd type="none" w="med" len="med"/>
+            <a:tailEnd type="arrow" w="med" len="med"/>
+          </a:ln>
+        </p:spPr>
+        <p:style>
+          <a:lnRef idx="3">
+            <a:schemeClr val="dk1"/>
+          </a:lnRef>
+          <a:fillRef idx="0">
+            <a:schemeClr val="dk1"/>
+          </a:fillRef>
+          <a:effectRef idx="2">
+            <a:schemeClr val="dk1"/>
+          </a:effectRef>
+          <a:fontRef idx="minor">
+            <a:schemeClr val="tx1"/>
+          </a:fontRef>
+        </p:style>
+      </p:cxnSp>
+      <p:cxnSp>
+        <p:nvCxnSpPr>
+          <p:cNvPr id="57" name="Straight Connector 56">
+            <a:extLst>
+              <a:ext uri="{FF2B5EF4-FFF2-40B4-BE49-F238E27FC236}">
+                <a16:creationId xmlns:a16="http://schemas.microsoft.com/office/drawing/2014/main" id="{6235C109-4BD0-B4F0-1987-82E1CEA078F3}"/>
+              </a:ext>
+            </a:extLst>
+          </p:cNvPr>
+          <p:cNvCxnSpPr>
+            <a:cxnSpLocks/>
+          </p:cNvCxnSpPr>
+          <p:nvPr/>
+        </p:nvCxnSpPr>
+        <p:spPr>
+          <a:xfrm flipH="1">
+            <a:off x="4884420" y="1640524"/>
+            <a:ext cx="2564976" cy="0"/>
+          </a:xfrm>
+          <a:prstGeom prst="line">
+            <a:avLst/>
+          </a:prstGeom>
+          <a:ln>
+            <a:headEnd type="none" w="med" len="med"/>
+            <a:tailEnd type="none" w="med" len="med"/>
+          </a:ln>
+        </p:spPr>
+        <p:style>
+          <a:lnRef idx="3">
+            <a:schemeClr val="dk1"/>
+          </a:lnRef>
+          <a:fillRef idx="0">
+            <a:schemeClr val="dk1"/>
+          </a:fillRef>
+          <a:effectRef idx="2">
+            <a:schemeClr val="dk1"/>
+          </a:effectRef>
+          <a:fontRef idx="minor">
+            <a:schemeClr val="tx1"/>
+          </a:fontRef>
+        </p:style>
+      </p:cxnSp>
+      <p:cxnSp>
+        <p:nvCxnSpPr>
+          <p:cNvPr id="448" name="Straight Connector 447">
+            <a:extLst>
+              <a:ext uri="{FF2B5EF4-FFF2-40B4-BE49-F238E27FC236}">
+                <a16:creationId xmlns:a16="http://schemas.microsoft.com/office/drawing/2014/main" id="{4CFEE91F-7A28-7192-8F33-E03BBE0700F2}"/>
+              </a:ext>
+            </a:extLst>
+          </p:cNvPr>
+          <p:cNvCxnSpPr>
+            <a:cxnSpLocks/>
+          </p:cNvCxnSpPr>
+          <p:nvPr/>
+        </p:nvCxnSpPr>
+        <p:spPr>
+          <a:xfrm>
+            <a:off x="3164817" y="4102896"/>
+            <a:ext cx="0" cy="168756"/>
+          </a:xfrm>
+          <a:prstGeom prst="line">
+            <a:avLst/>
+          </a:prstGeom>
+          <a:ln>
+            <a:headEnd type="none" w="med" len="med"/>
+            <a:tailEnd type="arrow" w="med" len="med"/>
+          </a:ln>
+        </p:spPr>
+        <p:style>
+          <a:lnRef idx="3">
+            <a:schemeClr val="dk1"/>
+          </a:lnRef>
+          <a:fillRef idx="0">
+            <a:schemeClr val="dk1"/>
+          </a:fillRef>
+          <a:effectRef idx="2">
+            <a:schemeClr val="dk1"/>
+          </a:effectRef>
+          <a:fontRef idx="minor">
+            <a:schemeClr val="tx1"/>
+          </a:fontRef>
+        </p:style>
+      </p:cxnSp>
+      <p:cxnSp>
+        <p:nvCxnSpPr>
+          <p:cNvPr id="460" name="Straight Connector 459">
+            <a:extLst>
+              <a:ext uri="{FF2B5EF4-FFF2-40B4-BE49-F238E27FC236}">
+                <a16:creationId xmlns:a16="http://schemas.microsoft.com/office/drawing/2014/main" id="{340CAE5E-FB5A-357A-1CD0-CE4EECD7FA70}"/>
+              </a:ext>
+            </a:extLst>
+          </p:cNvPr>
+          <p:cNvCxnSpPr>
+            <a:cxnSpLocks/>
+          </p:cNvCxnSpPr>
+          <p:nvPr/>
+        </p:nvCxnSpPr>
+        <p:spPr>
+          <a:xfrm flipV="1">
+            <a:off x="6872238" y="1938695"/>
+            <a:ext cx="0" cy="758767"/>
+          </a:xfrm>
+          <a:prstGeom prst="line">
+            <a:avLst/>
+          </a:prstGeom>
+          <a:ln>
+            <a:headEnd type="none" w="med" len="med"/>
+            <a:tailEnd type="none" w="med" len="med"/>
+          </a:ln>
+        </p:spPr>
+        <p:style>
+          <a:lnRef idx="3">
+            <a:schemeClr val="dk1"/>
+          </a:lnRef>
+          <a:fillRef idx="0">
+            <a:schemeClr val="dk1"/>
+          </a:fillRef>
+          <a:effectRef idx="2">
+            <a:schemeClr val="dk1"/>
+          </a:effectRef>
+          <a:fontRef idx="minor">
+            <a:schemeClr val="tx1"/>
+          </a:fontRef>
+        </p:style>
+      </p:cxnSp>
+      <p:sp>
+        <p:nvSpPr>
+          <p:cNvPr id="488" name="Oval 487">
+            <a:extLst>
+              <a:ext uri="{FF2B5EF4-FFF2-40B4-BE49-F238E27FC236}">
+                <a16:creationId xmlns:a16="http://schemas.microsoft.com/office/drawing/2014/main" id="{E2AEA6CF-FEA7-62FC-A678-C092DA95FA0D}"/>
+              </a:ext>
+            </a:extLst>
+          </p:cNvPr>
+          <p:cNvSpPr/>
+          <p:nvPr/>
+        </p:nvSpPr>
+        <p:spPr>
+          <a:xfrm>
+            <a:off x="6846681" y="2668457"/>
+            <a:ext cx="45719" cy="57869"/>
+          </a:xfrm>
+          <a:prstGeom prst="ellipse">
+            <a:avLst/>
+          </a:prstGeom>
+        </p:spPr>
+        <p:style>
+          <a:lnRef idx="2">
+            <a:schemeClr val="accent1">
+              <a:shade val="15000"/>
+            </a:schemeClr>
+          </a:lnRef>
+          <a:fillRef idx="1">
+            <a:schemeClr val="accent1"/>
+          </a:fillRef>
+          <a:effectRef idx="0">
+            <a:schemeClr val="accent1"/>
+          </a:effectRef>
+          <a:fontRef idx="minor">
+            <a:schemeClr val="lt1"/>
+          </a:fontRef>
+        </p:style>
+        <p:txBody>
+          <a:bodyPr rtlCol="0" anchor="ctr"/>
+          <a:lstStyle/>
+          <a:p>
+            <a:pPr algn="ctr"/>
+            <a:endParaRPr lang="en-US"/>
+          </a:p>
+        </p:txBody>
+      </p:sp>
+      <p:sp>
+        <p:nvSpPr>
+          <p:cNvPr id="489" name="Oval 488">
+            <a:extLst>
+              <a:ext uri="{FF2B5EF4-FFF2-40B4-BE49-F238E27FC236}">
+                <a16:creationId xmlns:a16="http://schemas.microsoft.com/office/drawing/2014/main" id="{289FC845-28DA-1893-574E-DE619C530C9F}"/>
+              </a:ext>
+            </a:extLst>
+          </p:cNvPr>
+          <p:cNvSpPr/>
+          <p:nvPr/>
+        </p:nvSpPr>
+        <p:spPr>
+          <a:xfrm>
+            <a:off x="8285229" y="4522921"/>
+            <a:ext cx="45719" cy="57869"/>
+          </a:xfrm>
+          <a:prstGeom prst="ellipse">
+            <a:avLst/>
+          </a:prstGeom>
+        </p:spPr>
+        <p:style>
+          <a:lnRef idx="2">
+            <a:schemeClr val="accent1">
+              <a:shade val="15000"/>
+            </a:schemeClr>
+          </a:lnRef>
+          <a:fillRef idx="1">
+            <a:schemeClr val="accent1"/>
+          </a:fillRef>
+          <a:effectRef idx="0">
+            <a:schemeClr val="accent1"/>
+          </a:effectRef>
+          <a:fontRef idx="minor">
+            <a:schemeClr val="lt1"/>
+          </a:fontRef>
+        </p:style>
+        <p:txBody>
+          <a:bodyPr rtlCol="0" anchor="ctr"/>
+          <a:lstStyle/>
+          <a:p>
+            <a:pPr algn="ctr"/>
+            <a:endParaRPr lang="en-US"/>
+          </a:p>
+        </p:txBody>
+      </p:sp>
+      <p:cxnSp>
+        <p:nvCxnSpPr>
+          <p:cNvPr id="492" name="Straight Connector 491">
+            <a:extLst>
+              <a:ext uri="{FF2B5EF4-FFF2-40B4-BE49-F238E27FC236}">
+                <a16:creationId xmlns:a16="http://schemas.microsoft.com/office/drawing/2014/main" id="{972B066F-D73A-C836-FF74-603BD7C7E01B}"/>
+              </a:ext>
+            </a:extLst>
+          </p:cNvPr>
+          <p:cNvCxnSpPr>
+            <a:cxnSpLocks/>
+          </p:cNvCxnSpPr>
+          <p:nvPr/>
+        </p:nvCxnSpPr>
+        <p:spPr>
+          <a:xfrm flipV="1">
+            <a:off x="6718775" y="3121874"/>
+            <a:ext cx="86" cy="245247"/>
+          </a:xfrm>
+          <a:prstGeom prst="line">
+            <a:avLst/>
+          </a:prstGeom>
+          <a:ln>
+            <a:headEnd type="none" w="med" len="med"/>
+            <a:tailEnd type="none" w="med" len="med"/>
+          </a:ln>
+        </p:spPr>
+        <p:style>
+          <a:lnRef idx="3">
+            <a:schemeClr val="dk1"/>
+          </a:lnRef>
+          <a:fillRef idx="0">
+            <a:schemeClr val="dk1"/>
+          </a:fillRef>
+          <a:effectRef idx="2">
+            <a:schemeClr val="dk1"/>
+          </a:effectRef>
+          <a:fontRef idx="minor">
+            <a:schemeClr val="tx1"/>
+          </a:fontRef>
+        </p:style>
+      </p:cxnSp>
+      <p:cxnSp>
+        <p:nvCxnSpPr>
+          <p:cNvPr id="500" name="Straight Connector 499">
+            <a:extLst>
+              <a:ext uri="{FF2B5EF4-FFF2-40B4-BE49-F238E27FC236}">
+                <a16:creationId xmlns:a16="http://schemas.microsoft.com/office/drawing/2014/main" id="{5C2C2BC5-F715-7171-18AB-5DE296868EAE}"/>
+              </a:ext>
+            </a:extLst>
+          </p:cNvPr>
+          <p:cNvCxnSpPr>
+            <a:cxnSpLocks/>
+          </p:cNvCxnSpPr>
+          <p:nvPr/>
+        </p:nvCxnSpPr>
+        <p:spPr>
+          <a:xfrm>
+            <a:off x="2982113" y="2339803"/>
+            <a:ext cx="779729" cy="0"/>
+          </a:xfrm>
+          <a:prstGeom prst="line">
+            <a:avLst/>
+          </a:prstGeom>
+          <a:ln>
+            <a:headEnd type="none" w="med" len="med"/>
+            <a:tailEnd type="arrow" w="med" len="med"/>
+          </a:ln>
+        </p:spPr>
+        <p:style>
+          <a:lnRef idx="3">
+            <a:schemeClr val="dk1"/>
+          </a:lnRef>
+          <a:fillRef idx="0">
+            <a:schemeClr val="dk1"/>
+          </a:fillRef>
+          <a:effectRef idx="2">
+            <a:schemeClr val="dk1"/>
+          </a:effectRef>
+          <a:fontRef idx="minor">
+            <a:schemeClr val="tx1"/>
+          </a:fontRef>
+        </p:style>
+      </p:cxnSp>
+      <p:cxnSp>
+        <p:nvCxnSpPr>
+          <p:cNvPr id="9" name="Straight Connector 8">
+            <a:extLst>
+              <a:ext uri="{FF2B5EF4-FFF2-40B4-BE49-F238E27FC236}">
+                <a16:creationId xmlns:a16="http://schemas.microsoft.com/office/drawing/2014/main" id="{F6057138-3464-6BFB-17E7-6BA1DE51553C}"/>
+              </a:ext>
+            </a:extLst>
+          </p:cNvPr>
+          <p:cNvCxnSpPr>
+            <a:cxnSpLocks/>
+          </p:cNvCxnSpPr>
+          <p:nvPr/>
+        </p:nvCxnSpPr>
+        <p:spPr>
+          <a:xfrm flipV="1">
+            <a:off x="4896118" y="1634013"/>
+            <a:ext cx="0" cy="263367"/>
+          </a:xfrm>
+          <a:prstGeom prst="line">
+            <a:avLst/>
+          </a:prstGeom>
+          <a:ln>
+            <a:headEnd type="none" w="med" len="med"/>
+            <a:tailEnd type="none" w="med" len="med"/>
+          </a:ln>
+        </p:spPr>
+        <p:style>
+          <a:lnRef idx="3">
+            <a:schemeClr val="dk1"/>
+          </a:lnRef>
+          <a:fillRef idx="0">
+            <a:schemeClr val="dk1"/>
+          </a:fillRef>
+          <a:effectRef idx="2">
+            <a:schemeClr val="dk1"/>
+          </a:effectRef>
+          <a:fontRef idx="minor">
+            <a:schemeClr val="tx1"/>
+          </a:fontRef>
+        </p:style>
+      </p:cxnSp>
+      <p:cxnSp>
+        <p:nvCxnSpPr>
+          <p:cNvPr id="26" name="Straight Connector 25">
+            <a:extLst>
+              <a:ext uri="{FF2B5EF4-FFF2-40B4-BE49-F238E27FC236}">
+                <a16:creationId xmlns:a16="http://schemas.microsoft.com/office/drawing/2014/main" id="{C6EAA15B-EB6F-5392-4EDD-9999D46C6DBD}"/>
+              </a:ext>
+            </a:extLst>
+          </p:cNvPr>
+          <p:cNvCxnSpPr>
+            <a:cxnSpLocks/>
+          </p:cNvCxnSpPr>
+          <p:nvPr/>
+        </p:nvCxnSpPr>
+        <p:spPr>
+          <a:xfrm flipH="1">
+            <a:off x="4553177" y="1889106"/>
+            <a:ext cx="352131" cy="0"/>
+          </a:xfrm>
+          <a:prstGeom prst="line">
+            <a:avLst/>
+          </a:prstGeom>
+          <a:ln>
+            <a:headEnd type="none" w="med" len="med"/>
+            <a:tailEnd type="arrow" w="med" len="med"/>
+          </a:ln>
+        </p:spPr>
+        <p:style>
+          <a:lnRef idx="3">
+            <a:schemeClr val="dk1"/>
+          </a:lnRef>
+          <a:fillRef idx="0">
+            <a:schemeClr val="dk1"/>
+          </a:fillRef>
+          <a:effectRef idx="2">
+            <a:schemeClr val="dk1"/>
+          </a:effectRef>
+          <a:fontRef idx="minor">
+            <a:schemeClr val="tx1"/>
+          </a:fontRef>
+        </p:style>
+      </p:cxnSp>
+      <p:cxnSp>
+        <p:nvCxnSpPr>
+          <p:cNvPr id="36" name="Straight Connector 35">
+            <a:extLst>
+              <a:ext uri="{FF2B5EF4-FFF2-40B4-BE49-F238E27FC236}">
+                <a16:creationId xmlns:a16="http://schemas.microsoft.com/office/drawing/2014/main" id="{F06A3987-1F2F-0E80-1AAF-84B4420CEC6B}"/>
+              </a:ext>
+            </a:extLst>
+          </p:cNvPr>
+          <p:cNvCxnSpPr>
+            <a:cxnSpLocks/>
+          </p:cNvCxnSpPr>
+          <p:nvPr/>
+        </p:nvCxnSpPr>
+        <p:spPr>
+          <a:xfrm flipH="1">
+            <a:off x="8287144" y="1701484"/>
+            <a:ext cx="1425425" cy="0"/>
+          </a:xfrm>
+          <a:prstGeom prst="line">
+            <a:avLst/>
+          </a:prstGeom>
+          <a:ln>
+            <a:headEnd type="none" w="med" len="med"/>
+            <a:tailEnd type="none" w="med" len="med"/>
+          </a:ln>
+        </p:spPr>
+        <p:style>
+          <a:lnRef idx="3">
+            <a:schemeClr val="dk1"/>
+          </a:lnRef>
+          <a:fillRef idx="0">
+            <a:schemeClr val="dk1"/>
+          </a:fillRef>
+          <a:effectRef idx="2">
+            <a:schemeClr val="dk1"/>
+          </a:effectRef>
+          <a:fontRef idx="minor">
+            <a:schemeClr val="tx1"/>
+          </a:fontRef>
+        </p:style>
+      </p:cxnSp>
     </p:spTree>
     <p:extLst>
       <p:ext uri="{BB962C8B-B14F-4D97-AF65-F5344CB8AC3E}">
         <p14:creationId xmlns:p14="http://schemas.microsoft.com/office/powerpoint/2010/main" val="659221187"/>
+      </p:ext>
+    </p:extLst>
+  </p:cSld>
+  <p:clrMapOvr>
+    <a:masterClrMapping/>
+  </p:clrMapOvr>
+</p:sld>
+</file>
+
+<file path=ppt/slides/slide5.xml><?xml version="1.0" encoding="utf-8"?>
+<p:sld xmlns:a="http://schemas.openxmlformats.org/drawingml/2006/main" xmlns:r="http://schemas.openxmlformats.org/officeDocument/2006/relationships" xmlns:p="http://schemas.openxmlformats.org/presentationml/2006/main">
+  <p:cSld>
+    <p:spTree>
+      <p:nvGrpSpPr>
+        <p:cNvPr id="1" name="">
+          <a:extLst>
+            <a:ext uri="{FF2B5EF4-FFF2-40B4-BE49-F238E27FC236}">
+              <a16:creationId xmlns:a16="http://schemas.microsoft.com/office/drawing/2014/main" id="{1C179297-1A9D-173C-7822-074D7C2E00F2}"/>
+            </a:ext>
+          </a:extLst>
+        </p:cNvPr>
+        <p:cNvGrpSpPr/>
+        <p:nvPr/>
+      </p:nvGrpSpPr>
+      <p:grpSpPr>
+        <a:xfrm>
+          <a:off x="0" y="0"/>
+          <a:ext cx="0" cy="0"/>
+          <a:chOff x="0" y="0"/>
+          <a:chExt cx="0" cy="0"/>
+        </a:xfrm>
+      </p:grpSpPr>
+      <p:pic>
+        <p:nvPicPr>
+          <p:cNvPr id="8" name="Picture 7">
+            <a:extLst>
+              <a:ext uri="{FF2B5EF4-FFF2-40B4-BE49-F238E27FC236}">
+                <a16:creationId xmlns:a16="http://schemas.microsoft.com/office/drawing/2014/main" id="{365035CD-B326-F732-8F4F-A222DC0E7AA9}"/>
+              </a:ext>
+            </a:extLst>
+          </p:cNvPr>
+          <p:cNvPicPr>
+            <a:picLocks noChangeAspect="1"/>
+          </p:cNvPicPr>
+          <p:nvPr/>
+        </p:nvPicPr>
+        <p:blipFill>
+          <a:blip r:embed="rId2"/>
+          <a:stretch>
+            <a:fillRect/>
+          </a:stretch>
+        </p:blipFill>
+        <p:spPr>
+          <a:xfrm>
+            <a:off x="7024724" y="389179"/>
+            <a:ext cx="3040124" cy="4430871"/>
+          </a:xfrm>
+          <a:prstGeom prst="rect">
+            <a:avLst/>
+          </a:prstGeom>
+        </p:spPr>
+      </p:pic>
+      <p:pic>
+        <p:nvPicPr>
+          <p:cNvPr id="10" name="Picture 9">
+            <a:extLst>
+              <a:ext uri="{FF2B5EF4-FFF2-40B4-BE49-F238E27FC236}">
+                <a16:creationId xmlns:a16="http://schemas.microsoft.com/office/drawing/2014/main" id="{871819F3-FFD3-3B16-94D4-B9903C488E96}"/>
+              </a:ext>
+            </a:extLst>
+          </p:cNvPr>
+          <p:cNvPicPr>
+            <a:picLocks noChangeAspect="1"/>
+          </p:cNvPicPr>
+          <p:nvPr/>
+        </p:nvPicPr>
+        <p:blipFill>
+          <a:blip r:embed="rId3"/>
+          <a:stretch>
+            <a:fillRect/>
+          </a:stretch>
+        </p:blipFill>
+        <p:spPr>
+          <a:xfrm rot="5400000">
+            <a:off x="1613377" y="1533833"/>
+            <a:ext cx="4296930" cy="1869344"/>
+          </a:xfrm>
+          <a:prstGeom prst="rect">
+            <a:avLst/>
+          </a:prstGeom>
+        </p:spPr>
+      </p:pic>
+      <p:cxnSp>
+        <p:nvCxnSpPr>
+          <p:cNvPr id="22" name="Straight Connector 21">
+            <a:extLst>
+              <a:ext uri="{FF2B5EF4-FFF2-40B4-BE49-F238E27FC236}">
+                <a16:creationId xmlns:a16="http://schemas.microsoft.com/office/drawing/2014/main" id="{7653A9EB-354C-75FB-D7E9-DB6E4EA891E8}"/>
+              </a:ext>
+            </a:extLst>
+          </p:cNvPr>
+          <p:cNvCxnSpPr>
+            <a:cxnSpLocks/>
+          </p:cNvCxnSpPr>
+          <p:nvPr/>
+        </p:nvCxnSpPr>
+        <p:spPr>
+          <a:xfrm flipV="1">
+            <a:off x="3409742" y="4324938"/>
+            <a:ext cx="5288" cy="314771"/>
+          </a:xfrm>
+          <a:prstGeom prst="line">
+            <a:avLst/>
+          </a:prstGeom>
+          <a:ln>
+            <a:headEnd type="none" w="med" len="med"/>
+            <a:tailEnd type="arrow" w="med" len="med"/>
+          </a:ln>
+        </p:spPr>
+        <p:style>
+          <a:lnRef idx="3">
+            <a:schemeClr val="accent2"/>
+          </a:lnRef>
+          <a:fillRef idx="0">
+            <a:schemeClr val="accent2"/>
+          </a:fillRef>
+          <a:effectRef idx="2">
+            <a:schemeClr val="accent2"/>
+          </a:effectRef>
+          <a:fontRef idx="minor">
+            <a:schemeClr val="tx1"/>
+          </a:fontRef>
+        </p:style>
+      </p:cxnSp>
+      <p:cxnSp>
+        <p:nvCxnSpPr>
+          <p:cNvPr id="40" name="Straight Connector 39">
+            <a:extLst>
+              <a:ext uri="{FF2B5EF4-FFF2-40B4-BE49-F238E27FC236}">
+                <a16:creationId xmlns:a16="http://schemas.microsoft.com/office/drawing/2014/main" id="{22FC7A7E-474A-E5BD-BB21-38BE77475CE8}"/>
+              </a:ext>
+            </a:extLst>
+          </p:cNvPr>
+          <p:cNvCxnSpPr>
+            <a:cxnSpLocks/>
+          </p:cNvCxnSpPr>
+          <p:nvPr/>
+        </p:nvCxnSpPr>
+        <p:spPr>
+          <a:xfrm flipH="1" flipV="1">
+            <a:off x="4012564" y="4298662"/>
+            <a:ext cx="7597" cy="1043599"/>
+          </a:xfrm>
+          <a:prstGeom prst="line">
+            <a:avLst/>
+          </a:prstGeom>
+          <a:ln>
+            <a:headEnd type="none" w="med" len="med"/>
+            <a:tailEnd type="arrow" w="med" len="med"/>
+          </a:ln>
+        </p:spPr>
+        <p:style>
+          <a:lnRef idx="3">
+            <a:schemeClr val="accent1"/>
+          </a:lnRef>
+          <a:fillRef idx="0">
+            <a:schemeClr val="accent1"/>
+          </a:fillRef>
+          <a:effectRef idx="2">
+            <a:schemeClr val="accent1"/>
+          </a:effectRef>
+          <a:fontRef idx="minor">
+            <a:schemeClr val="tx1"/>
+          </a:fontRef>
+        </p:style>
+      </p:cxnSp>
+      <p:cxnSp>
+        <p:nvCxnSpPr>
+          <p:cNvPr id="51" name="Straight Connector 50">
+            <a:extLst>
+              <a:ext uri="{FF2B5EF4-FFF2-40B4-BE49-F238E27FC236}">
+                <a16:creationId xmlns:a16="http://schemas.microsoft.com/office/drawing/2014/main" id="{3A7DF827-78A8-E9E3-839E-F7C57F57231B}"/>
+              </a:ext>
+            </a:extLst>
+          </p:cNvPr>
+          <p:cNvCxnSpPr>
+            <a:cxnSpLocks/>
+          </p:cNvCxnSpPr>
+          <p:nvPr/>
+        </p:nvCxnSpPr>
+        <p:spPr>
+          <a:xfrm flipV="1">
+            <a:off x="3935450" y="4295313"/>
+            <a:ext cx="0" cy="1118120"/>
+          </a:xfrm>
+          <a:prstGeom prst="line">
+            <a:avLst/>
+          </a:prstGeom>
+          <a:ln>
+            <a:headEnd type="none" w="med" len="med"/>
+            <a:tailEnd type="arrow" w="med" len="med"/>
+          </a:ln>
+        </p:spPr>
+        <p:style>
+          <a:lnRef idx="3">
+            <a:schemeClr val="accent1"/>
+          </a:lnRef>
+          <a:fillRef idx="0">
+            <a:schemeClr val="accent1"/>
+          </a:fillRef>
+          <a:effectRef idx="2">
+            <a:schemeClr val="accent1"/>
+          </a:effectRef>
+          <a:fontRef idx="minor">
+            <a:schemeClr val="tx1"/>
+          </a:fontRef>
+        </p:style>
+      </p:cxnSp>
+      <p:cxnSp>
+        <p:nvCxnSpPr>
+          <p:cNvPr id="38" name="Straight Connector 37">
+            <a:extLst>
+              <a:ext uri="{FF2B5EF4-FFF2-40B4-BE49-F238E27FC236}">
+                <a16:creationId xmlns:a16="http://schemas.microsoft.com/office/drawing/2014/main" id="{3B273F11-7ED3-6F00-CD59-1803E25846CC}"/>
+              </a:ext>
+            </a:extLst>
+          </p:cNvPr>
+          <p:cNvCxnSpPr>
+            <a:cxnSpLocks/>
+          </p:cNvCxnSpPr>
+          <p:nvPr/>
+        </p:nvCxnSpPr>
+        <p:spPr>
+          <a:xfrm>
+            <a:off x="5626608" y="2597116"/>
+            <a:ext cx="1720914" cy="0"/>
+          </a:xfrm>
+          <a:prstGeom prst="line">
+            <a:avLst/>
+          </a:prstGeom>
+          <a:ln>
+            <a:headEnd type="none" w="med" len="med"/>
+            <a:tailEnd type="arrow" w="med" len="med"/>
+          </a:ln>
+        </p:spPr>
+        <p:style>
+          <a:lnRef idx="3">
+            <a:schemeClr val="accent3"/>
+          </a:lnRef>
+          <a:fillRef idx="0">
+            <a:schemeClr val="accent3"/>
+          </a:fillRef>
+          <a:effectRef idx="2">
+            <a:schemeClr val="accent3"/>
+          </a:effectRef>
+          <a:fontRef idx="minor">
+            <a:schemeClr val="tx1"/>
+          </a:fontRef>
+        </p:style>
+      </p:cxnSp>
+      <p:cxnSp>
+        <p:nvCxnSpPr>
+          <p:cNvPr id="99" name="Straight Connector 98">
+            <a:extLst>
+              <a:ext uri="{FF2B5EF4-FFF2-40B4-BE49-F238E27FC236}">
+                <a16:creationId xmlns:a16="http://schemas.microsoft.com/office/drawing/2014/main" id="{DB559F6C-D26A-5EF6-BBDE-B9EE3C5C9DB4}"/>
+              </a:ext>
+            </a:extLst>
+          </p:cNvPr>
+          <p:cNvCxnSpPr>
+            <a:cxnSpLocks/>
+          </p:cNvCxnSpPr>
+          <p:nvPr/>
+        </p:nvCxnSpPr>
+        <p:spPr>
+          <a:xfrm flipH="1">
+            <a:off x="4553177" y="2053303"/>
+            <a:ext cx="908865" cy="0"/>
+          </a:xfrm>
+          <a:prstGeom prst="line">
+            <a:avLst/>
+          </a:prstGeom>
+          <a:ln>
+            <a:headEnd type="none" w="med" len="med"/>
+            <a:tailEnd type="arrow" w="med" len="med"/>
+          </a:ln>
+        </p:spPr>
+        <p:style>
+          <a:lnRef idx="3">
+            <a:schemeClr val="accent3"/>
+          </a:lnRef>
+          <a:fillRef idx="0">
+            <a:schemeClr val="accent3"/>
+          </a:fillRef>
+          <a:effectRef idx="2">
+            <a:schemeClr val="accent3"/>
+          </a:effectRef>
+          <a:fontRef idx="minor">
+            <a:schemeClr val="tx1"/>
+          </a:fontRef>
+        </p:style>
+      </p:cxnSp>
+      <p:cxnSp>
+        <p:nvCxnSpPr>
+          <p:cNvPr id="104" name="Straight Connector 103">
+            <a:extLst>
+              <a:ext uri="{FF2B5EF4-FFF2-40B4-BE49-F238E27FC236}">
+                <a16:creationId xmlns:a16="http://schemas.microsoft.com/office/drawing/2014/main" id="{0115C773-F8F5-7F26-8A71-4E62C862892F}"/>
+              </a:ext>
+            </a:extLst>
+          </p:cNvPr>
+          <p:cNvCxnSpPr>
+            <a:cxnSpLocks/>
+          </p:cNvCxnSpPr>
+          <p:nvPr/>
+        </p:nvCxnSpPr>
+        <p:spPr>
+          <a:xfrm flipH="1">
+            <a:off x="4581083" y="2316048"/>
+            <a:ext cx="1051621" cy="0"/>
+          </a:xfrm>
+          <a:prstGeom prst="line">
+            <a:avLst/>
+          </a:prstGeom>
+          <a:ln>
+            <a:headEnd type="none" w="med" len="med"/>
+            <a:tailEnd type="arrow" w="med" len="med"/>
+          </a:ln>
+        </p:spPr>
+        <p:style>
+          <a:lnRef idx="3">
+            <a:schemeClr val="accent3"/>
+          </a:lnRef>
+          <a:fillRef idx="0">
+            <a:schemeClr val="accent3"/>
+          </a:fillRef>
+          <a:effectRef idx="2">
+            <a:schemeClr val="accent3"/>
+          </a:effectRef>
+          <a:fontRef idx="minor">
+            <a:schemeClr val="tx1"/>
+          </a:fontRef>
+        </p:style>
+      </p:cxnSp>
+      <p:cxnSp>
+        <p:nvCxnSpPr>
+          <p:cNvPr id="116" name="Straight Connector 115">
+            <a:extLst>
+              <a:ext uri="{FF2B5EF4-FFF2-40B4-BE49-F238E27FC236}">
+                <a16:creationId xmlns:a16="http://schemas.microsoft.com/office/drawing/2014/main" id="{5D0AFDE8-4F6A-E1F6-AA92-8348C0389728}"/>
+              </a:ext>
+            </a:extLst>
+          </p:cNvPr>
+          <p:cNvCxnSpPr>
+            <a:cxnSpLocks/>
+          </p:cNvCxnSpPr>
+          <p:nvPr/>
+        </p:nvCxnSpPr>
+        <p:spPr>
+          <a:xfrm flipH="1">
+            <a:off x="4562500" y="2994976"/>
+            <a:ext cx="222991" cy="0"/>
+          </a:xfrm>
+          <a:prstGeom prst="line">
+            <a:avLst/>
+          </a:prstGeom>
+          <a:ln>
+            <a:headEnd type="none" w="med" len="med"/>
+            <a:tailEnd type="arrow" w="med" len="med"/>
+          </a:ln>
+        </p:spPr>
+        <p:style>
+          <a:lnRef idx="3">
+            <a:schemeClr val="accent2"/>
+          </a:lnRef>
+          <a:fillRef idx="0">
+            <a:schemeClr val="accent2"/>
+          </a:fillRef>
+          <a:effectRef idx="2">
+            <a:schemeClr val="accent2"/>
+          </a:effectRef>
+          <a:fontRef idx="minor">
+            <a:schemeClr val="tx1"/>
+          </a:fontRef>
+        </p:style>
+      </p:cxnSp>
+      <p:cxnSp>
+        <p:nvCxnSpPr>
+          <p:cNvPr id="129" name="Straight Connector 128">
+            <a:extLst>
+              <a:ext uri="{FF2B5EF4-FFF2-40B4-BE49-F238E27FC236}">
+                <a16:creationId xmlns:a16="http://schemas.microsoft.com/office/drawing/2014/main" id="{5707847C-41EB-0569-BEA1-99ECC7796163}"/>
+              </a:ext>
+            </a:extLst>
+          </p:cNvPr>
+          <p:cNvCxnSpPr>
+            <a:cxnSpLocks/>
+          </p:cNvCxnSpPr>
+          <p:nvPr/>
+        </p:nvCxnSpPr>
+        <p:spPr>
+          <a:xfrm>
+            <a:off x="6290278" y="3779706"/>
+            <a:ext cx="5334" cy="1382903"/>
+          </a:xfrm>
+          <a:prstGeom prst="line">
+            <a:avLst/>
+          </a:prstGeom>
+          <a:ln>
+            <a:headEnd type="none" w="med" len="med"/>
+            <a:tailEnd type="none" w="med" len="med"/>
+          </a:ln>
+        </p:spPr>
+        <p:style>
+          <a:lnRef idx="3">
+            <a:schemeClr val="accent2"/>
+          </a:lnRef>
+          <a:fillRef idx="0">
+            <a:schemeClr val="accent2"/>
+          </a:fillRef>
+          <a:effectRef idx="2">
+            <a:schemeClr val="accent2"/>
+          </a:effectRef>
+          <a:fontRef idx="minor">
+            <a:schemeClr val="tx1"/>
+          </a:fontRef>
+        </p:style>
+      </p:cxnSp>
+      <p:cxnSp>
+        <p:nvCxnSpPr>
+          <p:cNvPr id="132" name="Straight Connector 131">
+            <a:extLst>
+              <a:ext uri="{FF2B5EF4-FFF2-40B4-BE49-F238E27FC236}">
+                <a16:creationId xmlns:a16="http://schemas.microsoft.com/office/drawing/2014/main" id="{0B72C62B-493F-4511-5375-8BA2AC2B592D}"/>
+              </a:ext>
+            </a:extLst>
+          </p:cNvPr>
+          <p:cNvCxnSpPr>
+            <a:cxnSpLocks/>
+          </p:cNvCxnSpPr>
+          <p:nvPr/>
+        </p:nvCxnSpPr>
+        <p:spPr>
+          <a:xfrm flipV="1">
+            <a:off x="6290278" y="5149015"/>
+            <a:ext cx="1996866" cy="8514"/>
+          </a:xfrm>
+          <a:prstGeom prst="line">
+            <a:avLst/>
+          </a:prstGeom>
+          <a:ln>
+            <a:headEnd type="none" w="med" len="med"/>
+            <a:tailEnd type="none" w="med" len="med"/>
+          </a:ln>
+        </p:spPr>
+        <p:style>
+          <a:lnRef idx="3">
+            <a:schemeClr val="accent2"/>
+          </a:lnRef>
+          <a:fillRef idx="0">
+            <a:schemeClr val="accent2"/>
+          </a:fillRef>
+          <a:effectRef idx="2">
+            <a:schemeClr val="accent2"/>
+          </a:effectRef>
+          <a:fontRef idx="minor">
+            <a:schemeClr val="tx1"/>
+          </a:fontRef>
+        </p:style>
+      </p:cxnSp>
+      <p:cxnSp>
+        <p:nvCxnSpPr>
+          <p:cNvPr id="137" name="Straight Connector 136">
+            <a:extLst>
+              <a:ext uri="{FF2B5EF4-FFF2-40B4-BE49-F238E27FC236}">
+                <a16:creationId xmlns:a16="http://schemas.microsoft.com/office/drawing/2014/main" id="{BF316849-41EC-F512-7141-11256D20C71A}"/>
+              </a:ext>
+            </a:extLst>
+          </p:cNvPr>
+          <p:cNvCxnSpPr>
+            <a:cxnSpLocks/>
+          </p:cNvCxnSpPr>
+          <p:nvPr/>
+        </p:nvCxnSpPr>
+        <p:spPr>
+          <a:xfrm flipV="1">
+            <a:off x="8302263" y="3169102"/>
+            <a:ext cx="0" cy="1997157"/>
+          </a:xfrm>
+          <a:prstGeom prst="line">
+            <a:avLst/>
+          </a:prstGeom>
+          <a:ln>
+            <a:headEnd type="none" w="med" len="med"/>
+            <a:tailEnd type="none" w="med" len="med"/>
+          </a:ln>
+        </p:spPr>
+        <p:style>
+          <a:lnRef idx="3">
+            <a:schemeClr val="accent2"/>
+          </a:lnRef>
+          <a:fillRef idx="0">
+            <a:schemeClr val="accent2"/>
+          </a:fillRef>
+          <a:effectRef idx="2">
+            <a:schemeClr val="accent2"/>
+          </a:effectRef>
+          <a:fontRef idx="minor">
+            <a:schemeClr val="tx1"/>
+          </a:fontRef>
+        </p:style>
+      </p:cxnSp>
+      <p:cxnSp>
+        <p:nvCxnSpPr>
+          <p:cNvPr id="140" name="Straight Connector 139">
+            <a:extLst>
+              <a:ext uri="{FF2B5EF4-FFF2-40B4-BE49-F238E27FC236}">
+                <a16:creationId xmlns:a16="http://schemas.microsoft.com/office/drawing/2014/main" id="{677EAB6D-9A0B-5A35-5C94-9487E0002EC5}"/>
+              </a:ext>
+            </a:extLst>
+          </p:cNvPr>
+          <p:cNvCxnSpPr>
+            <a:cxnSpLocks/>
+          </p:cNvCxnSpPr>
+          <p:nvPr/>
+        </p:nvCxnSpPr>
+        <p:spPr>
+          <a:xfrm flipV="1">
+            <a:off x="10799294" y="3137482"/>
+            <a:ext cx="0" cy="2445070"/>
+          </a:xfrm>
+          <a:prstGeom prst="line">
+            <a:avLst/>
+          </a:prstGeom>
+          <a:ln>
+            <a:headEnd type="none" w="med" len="med"/>
+            <a:tailEnd type="none" w="med" len="med"/>
+          </a:ln>
+        </p:spPr>
+        <p:style>
+          <a:lnRef idx="3">
+            <a:schemeClr val="accent2"/>
+          </a:lnRef>
+          <a:fillRef idx="0">
+            <a:schemeClr val="accent2"/>
+          </a:fillRef>
+          <a:effectRef idx="2">
+            <a:schemeClr val="accent2"/>
+          </a:effectRef>
+          <a:fontRef idx="minor">
+            <a:schemeClr val="tx1"/>
+          </a:fontRef>
+        </p:style>
+      </p:cxnSp>
+      <p:cxnSp>
+        <p:nvCxnSpPr>
+          <p:cNvPr id="148" name="Straight Connector 147">
+            <a:extLst>
+              <a:ext uri="{FF2B5EF4-FFF2-40B4-BE49-F238E27FC236}">
+                <a16:creationId xmlns:a16="http://schemas.microsoft.com/office/drawing/2014/main" id="{DE9B1D53-0D5B-FBB0-A167-BF2A7A1CA5C5}"/>
+              </a:ext>
+            </a:extLst>
+          </p:cNvPr>
+          <p:cNvCxnSpPr>
+            <a:cxnSpLocks/>
+          </p:cNvCxnSpPr>
+          <p:nvPr/>
+        </p:nvCxnSpPr>
+        <p:spPr>
+          <a:xfrm>
+            <a:off x="3063240" y="5582552"/>
+            <a:ext cx="2631440" cy="0"/>
+          </a:xfrm>
+          <a:prstGeom prst="line">
+            <a:avLst/>
+          </a:prstGeom>
+          <a:ln>
+            <a:headEnd type="none" w="med" len="med"/>
+            <a:tailEnd type="none" w="med" len="med"/>
+          </a:ln>
+        </p:spPr>
+        <p:style>
+          <a:lnRef idx="3">
+            <a:schemeClr val="accent2"/>
+          </a:lnRef>
+          <a:fillRef idx="0">
+            <a:schemeClr val="accent2"/>
+          </a:fillRef>
+          <a:effectRef idx="2">
+            <a:schemeClr val="accent2"/>
+          </a:effectRef>
+          <a:fontRef idx="minor">
+            <a:schemeClr val="tx1"/>
+          </a:fontRef>
+        </p:style>
+      </p:cxnSp>
+      <p:cxnSp>
+        <p:nvCxnSpPr>
+          <p:cNvPr id="174" name="Straight Connector 173">
+            <a:extLst>
+              <a:ext uri="{FF2B5EF4-FFF2-40B4-BE49-F238E27FC236}">
+                <a16:creationId xmlns:a16="http://schemas.microsoft.com/office/drawing/2014/main" id="{3FF34845-9943-AC8B-8204-B7B22D5CA2E4}"/>
+              </a:ext>
+            </a:extLst>
+          </p:cNvPr>
+          <p:cNvCxnSpPr>
+            <a:cxnSpLocks/>
+          </p:cNvCxnSpPr>
+          <p:nvPr/>
+        </p:nvCxnSpPr>
+        <p:spPr>
+          <a:xfrm flipV="1">
+            <a:off x="6879926" y="3473142"/>
+            <a:ext cx="0" cy="413365"/>
+          </a:xfrm>
+          <a:prstGeom prst="line">
+            <a:avLst/>
+          </a:prstGeom>
+          <a:ln>
+            <a:headEnd type="none" w="med" len="med"/>
+            <a:tailEnd type="none" w="med" len="med"/>
+          </a:ln>
+        </p:spPr>
+        <p:style>
+          <a:lnRef idx="3">
+            <a:schemeClr val="accent2"/>
+          </a:lnRef>
+          <a:fillRef idx="0">
+            <a:schemeClr val="accent2"/>
+          </a:fillRef>
+          <a:effectRef idx="2">
+            <a:schemeClr val="accent2"/>
+          </a:effectRef>
+          <a:fontRef idx="minor">
+            <a:schemeClr val="tx1"/>
+          </a:fontRef>
+        </p:style>
+      </p:cxnSp>
+      <p:cxnSp>
+        <p:nvCxnSpPr>
+          <p:cNvPr id="191" name="Straight Connector 190">
+            <a:extLst>
+              <a:ext uri="{FF2B5EF4-FFF2-40B4-BE49-F238E27FC236}">
+                <a16:creationId xmlns:a16="http://schemas.microsoft.com/office/drawing/2014/main" id="{28E48DB6-EE4C-2050-A814-7AC552972531}"/>
+              </a:ext>
+            </a:extLst>
+          </p:cNvPr>
+          <p:cNvCxnSpPr>
+            <a:cxnSpLocks/>
+          </p:cNvCxnSpPr>
+          <p:nvPr/>
+        </p:nvCxnSpPr>
+        <p:spPr>
+          <a:xfrm flipV="1">
+            <a:off x="6409663" y="2810440"/>
+            <a:ext cx="0" cy="553754"/>
+          </a:xfrm>
+          <a:prstGeom prst="line">
+            <a:avLst/>
+          </a:prstGeom>
+          <a:ln>
+            <a:headEnd type="none" w="med" len="med"/>
+            <a:tailEnd type="none" w="med" len="med"/>
+          </a:ln>
+        </p:spPr>
+        <p:style>
+          <a:lnRef idx="3">
+            <a:schemeClr val="accent2"/>
+          </a:lnRef>
+          <a:fillRef idx="0">
+            <a:schemeClr val="accent2"/>
+          </a:fillRef>
+          <a:effectRef idx="2">
+            <a:schemeClr val="accent2"/>
+          </a:effectRef>
+          <a:fontRef idx="minor">
+            <a:schemeClr val="tx1"/>
+          </a:fontRef>
+        </p:style>
+      </p:cxnSp>
+      <p:cxnSp>
+        <p:nvCxnSpPr>
+          <p:cNvPr id="198" name="Straight Connector 197">
+            <a:extLst>
+              <a:ext uri="{FF2B5EF4-FFF2-40B4-BE49-F238E27FC236}">
+                <a16:creationId xmlns:a16="http://schemas.microsoft.com/office/drawing/2014/main" id="{0B98363D-C337-7C9D-115B-AB0AF9666694}"/>
+              </a:ext>
+            </a:extLst>
+          </p:cNvPr>
+          <p:cNvCxnSpPr>
+            <a:cxnSpLocks/>
+          </p:cNvCxnSpPr>
+          <p:nvPr/>
+        </p:nvCxnSpPr>
+        <p:spPr>
+          <a:xfrm>
+            <a:off x="3725821" y="1250932"/>
+            <a:ext cx="1301205" cy="16600"/>
+          </a:xfrm>
+          <a:prstGeom prst="line">
+            <a:avLst/>
+          </a:prstGeom>
+          <a:ln>
+            <a:headEnd type="none" w="med" len="med"/>
+            <a:tailEnd type="none" w="med" len="med"/>
+          </a:ln>
+        </p:spPr>
+        <p:style>
+          <a:lnRef idx="3">
+            <a:schemeClr val="accent2"/>
+          </a:lnRef>
+          <a:fillRef idx="0">
+            <a:schemeClr val="accent2"/>
+          </a:fillRef>
+          <a:effectRef idx="2">
+            <a:schemeClr val="accent2"/>
+          </a:effectRef>
+          <a:fontRef idx="minor">
+            <a:schemeClr val="tx1"/>
+          </a:fontRef>
+        </p:style>
+      </p:cxnSp>
+      <p:cxnSp>
+        <p:nvCxnSpPr>
+          <p:cNvPr id="202" name="Straight Connector 201">
+            <a:extLst>
+              <a:ext uri="{FF2B5EF4-FFF2-40B4-BE49-F238E27FC236}">
+                <a16:creationId xmlns:a16="http://schemas.microsoft.com/office/drawing/2014/main" id="{687649B7-7FE3-EFD0-EF48-0EE1F28D37A9}"/>
+              </a:ext>
+            </a:extLst>
+          </p:cNvPr>
+          <p:cNvCxnSpPr>
+            <a:cxnSpLocks/>
+          </p:cNvCxnSpPr>
+          <p:nvPr/>
+        </p:nvCxnSpPr>
+        <p:spPr>
+          <a:xfrm flipH="1">
+            <a:off x="2988310" y="2776378"/>
+            <a:ext cx="746780" cy="19991"/>
+          </a:xfrm>
+          <a:prstGeom prst="line">
+            <a:avLst/>
+          </a:prstGeom>
+          <a:ln>
+            <a:headEnd type="none" w="med" len="med"/>
+            <a:tailEnd type="arrow" w="med" len="med"/>
+          </a:ln>
+        </p:spPr>
+        <p:style>
+          <a:lnRef idx="3">
+            <a:schemeClr val="accent2"/>
+          </a:lnRef>
+          <a:fillRef idx="0">
+            <a:schemeClr val="accent2"/>
+          </a:fillRef>
+          <a:effectRef idx="2">
+            <a:schemeClr val="accent2"/>
+          </a:effectRef>
+          <a:fontRef idx="minor">
+            <a:schemeClr val="tx1"/>
+          </a:fontRef>
+        </p:style>
+      </p:cxnSp>
+      <p:cxnSp>
+        <p:nvCxnSpPr>
+          <p:cNvPr id="206" name="Straight Connector 205">
+            <a:extLst>
+              <a:ext uri="{FF2B5EF4-FFF2-40B4-BE49-F238E27FC236}">
+                <a16:creationId xmlns:a16="http://schemas.microsoft.com/office/drawing/2014/main" id="{FDB67968-1258-D52E-A694-538981A96AC1}"/>
+              </a:ext>
+            </a:extLst>
+          </p:cNvPr>
+          <p:cNvCxnSpPr>
+            <a:cxnSpLocks/>
+          </p:cNvCxnSpPr>
+          <p:nvPr/>
+        </p:nvCxnSpPr>
+        <p:spPr>
+          <a:xfrm flipH="1" flipV="1">
+            <a:off x="2654016" y="1162935"/>
+            <a:ext cx="2452877" cy="19164"/>
+          </a:xfrm>
+          <a:prstGeom prst="line">
+            <a:avLst/>
+          </a:prstGeom>
+          <a:ln>
+            <a:headEnd type="none" w="med" len="med"/>
+            <a:tailEnd type="none" w="med" len="med"/>
+          </a:ln>
+        </p:spPr>
+        <p:style>
+          <a:lnRef idx="3">
+            <a:schemeClr val="accent2"/>
+          </a:lnRef>
+          <a:fillRef idx="0">
+            <a:schemeClr val="accent2"/>
+          </a:fillRef>
+          <a:effectRef idx="2">
+            <a:schemeClr val="accent2"/>
+          </a:effectRef>
+          <a:fontRef idx="minor">
+            <a:schemeClr val="tx1"/>
+          </a:fontRef>
+        </p:style>
+      </p:cxnSp>
+      <p:cxnSp>
+        <p:nvCxnSpPr>
+          <p:cNvPr id="210" name="Straight Connector 209">
+            <a:extLst>
+              <a:ext uri="{FF2B5EF4-FFF2-40B4-BE49-F238E27FC236}">
+                <a16:creationId xmlns:a16="http://schemas.microsoft.com/office/drawing/2014/main" id="{B5566448-1E36-1BCD-5EC2-C66A67EDDC46}"/>
+              </a:ext>
+            </a:extLst>
+          </p:cNvPr>
+          <p:cNvCxnSpPr>
+            <a:cxnSpLocks/>
+          </p:cNvCxnSpPr>
+          <p:nvPr/>
+        </p:nvCxnSpPr>
+        <p:spPr>
+          <a:xfrm flipV="1">
+            <a:off x="2654747" y="1167501"/>
+            <a:ext cx="0" cy="3472208"/>
+          </a:xfrm>
+          <a:prstGeom prst="line">
+            <a:avLst/>
+          </a:prstGeom>
+          <a:ln>
+            <a:headEnd type="none" w="med" len="med"/>
+            <a:tailEnd type="none" w="med" len="med"/>
+          </a:ln>
+        </p:spPr>
+        <p:style>
+          <a:lnRef idx="3">
+            <a:schemeClr val="accent2"/>
+          </a:lnRef>
+          <a:fillRef idx="0">
+            <a:schemeClr val="accent2"/>
+          </a:fillRef>
+          <a:effectRef idx="2">
+            <a:schemeClr val="accent2"/>
+          </a:effectRef>
+          <a:fontRef idx="minor">
+            <a:schemeClr val="tx1"/>
+          </a:fontRef>
+        </p:style>
+      </p:cxnSp>
+      <p:cxnSp>
+        <p:nvCxnSpPr>
+          <p:cNvPr id="60" name="Straight Connector 59">
+            <a:extLst>
+              <a:ext uri="{FF2B5EF4-FFF2-40B4-BE49-F238E27FC236}">
+                <a16:creationId xmlns:a16="http://schemas.microsoft.com/office/drawing/2014/main" id="{86188BBA-E3F3-E6ED-1BA4-ACDA223DB0AF}"/>
+              </a:ext>
+            </a:extLst>
+          </p:cNvPr>
+          <p:cNvCxnSpPr>
+            <a:cxnSpLocks/>
+          </p:cNvCxnSpPr>
+          <p:nvPr/>
+        </p:nvCxnSpPr>
+        <p:spPr>
+          <a:xfrm flipH="1">
+            <a:off x="4581083" y="2729732"/>
+            <a:ext cx="1045525" cy="2346"/>
+          </a:xfrm>
+          <a:prstGeom prst="line">
+            <a:avLst/>
+          </a:prstGeom>
+          <a:ln>
+            <a:headEnd type="none" w="med" len="med"/>
+            <a:tailEnd type="arrow" w="med" len="med"/>
+          </a:ln>
+        </p:spPr>
+        <p:style>
+          <a:lnRef idx="3">
+            <a:schemeClr val="accent3"/>
+          </a:lnRef>
+          <a:fillRef idx="0">
+            <a:schemeClr val="accent3"/>
+          </a:fillRef>
+          <a:effectRef idx="2">
+            <a:schemeClr val="accent3"/>
+          </a:effectRef>
+          <a:fontRef idx="minor">
+            <a:schemeClr val="tx1"/>
+          </a:fontRef>
+        </p:style>
+      </p:cxnSp>
+      <p:cxnSp>
+        <p:nvCxnSpPr>
+          <p:cNvPr id="71" name="Straight Connector 70">
+            <a:extLst>
+              <a:ext uri="{FF2B5EF4-FFF2-40B4-BE49-F238E27FC236}">
+                <a16:creationId xmlns:a16="http://schemas.microsoft.com/office/drawing/2014/main" id="{C4EFA3FC-A24C-F5D7-FEEB-95E4702594CE}"/>
+              </a:ext>
+            </a:extLst>
+          </p:cNvPr>
+          <p:cNvCxnSpPr>
+            <a:cxnSpLocks/>
+          </p:cNvCxnSpPr>
+          <p:nvPr/>
+        </p:nvCxnSpPr>
+        <p:spPr>
+          <a:xfrm flipH="1">
+            <a:off x="4582160" y="2406034"/>
+            <a:ext cx="400798" cy="0"/>
+          </a:xfrm>
+          <a:prstGeom prst="line">
+            <a:avLst/>
+          </a:prstGeom>
+          <a:ln>
+            <a:headEnd type="none" w="med" len="med"/>
+            <a:tailEnd type="arrow" w="med" len="med"/>
+          </a:ln>
+        </p:spPr>
+        <p:style>
+          <a:lnRef idx="3">
+            <a:schemeClr val="accent3"/>
+          </a:lnRef>
+          <a:fillRef idx="0">
+            <a:schemeClr val="accent3"/>
+          </a:fillRef>
+          <a:effectRef idx="2">
+            <a:schemeClr val="accent3"/>
+          </a:effectRef>
+          <a:fontRef idx="minor">
+            <a:schemeClr val="tx1"/>
+          </a:fontRef>
+        </p:style>
+      </p:cxnSp>
+      <p:cxnSp>
+        <p:nvCxnSpPr>
+          <p:cNvPr id="146" name="Straight Connector 145">
+            <a:extLst>
+              <a:ext uri="{FF2B5EF4-FFF2-40B4-BE49-F238E27FC236}">
+                <a16:creationId xmlns:a16="http://schemas.microsoft.com/office/drawing/2014/main" id="{8762F2EC-A648-B76B-7CB9-05F52DB53916}"/>
+              </a:ext>
+            </a:extLst>
+          </p:cNvPr>
+          <p:cNvCxnSpPr>
+            <a:cxnSpLocks/>
+          </p:cNvCxnSpPr>
+          <p:nvPr/>
+        </p:nvCxnSpPr>
+        <p:spPr>
+          <a:xfrm flipV="1">
+            <a:off x="3725821" y="1250932"/>
+            <a:ext cx="0" cy="1522222"/>
+          </a:xfrm>
+          <a:prstGeom prst="line">
+            <a:avLst/>
+          </a:prstGeom>
+          <a:ln>
+            <a:headEnd type="none" w="med" len="med"/>
+            <a:tailEnd type="none" w="med" len="med"/>
+          </a:ln>
+        </p:spPr>
+        <p:style>
+          <a:lnRef idx="3">
+            <a:schemeClr val="accent2"/>
+          </a:lnRef>
+          <a:fillRef idx="0">
+            <a:schemeClr val="accent2"/>
+          </a:fillRef>
+          <a:effectRef idx="2">
+            <a:schemeClr val="accent2"/>
+          </a:effectRef>
+          <a:fontRef idx="minor">
+            <a:schemeClr val="tx1"/>
+          </a:fontRef>
+        </p:style>
+      </p:cxnSp>
+      <p:cxnSp>
+        <p:nvCxnSpPr>
+          <p:cNvPr id="155" name="Straight Connector 154">
+            <a:extLst>
+              <a:ext uri="{FF2B5EF4-FFF2-40B4-BE49-F238E27FC236}">
+                <a16:creationId xmlns:a16="http://schemas.microsoft.com/office/drawing/2014/main" id="{978A4015-1022-1927-866B-ADD9D0BC7BC4}"/>
+              </a:ext>
+            </a:extLst>
+          </p:cNvPr>
+          <p:cNvCxnSpPr>
+            <a:cxnSpLocks/>
+          </p:cNvCxnSpPr>
+          <p:nvPr/>
+        </p:nvCxnSpPr>
+        <p:spPr>
+          <a:xfrm>
+            <a:off x="6399503" y="2804465"/>
+            <a:ext cx="945470" cy="0"/>
+          </a:xfrm>
+          <a:prstGeom prst="line">
+            <a:avLst/>
+          </a:prstGeom>
+          <a:ln>
+            <a:headEnd type="none" w="med" len="med"/>
+            <a:tailEnd type="arrow" w="med" len="med"/>
+          </a:ln>
+        </p:spPr>
+        <p:style>
+          <a:lnRef idx="3">
+            <a:schemeClr val="accent2"/>
+          </a:lnRef>
+          <a:fillRef idx="0">
+            <a:schemeClr val="accent2"/>
+          </a:fillRef>
+          <a:effectRef idx="2">
+            <a:schemeClr val="accent2"/>
+          </a:effectRef>
+          <a:fontRef idx="minor">
+            <a:schemeClr val="tx1"/>
+          </a:fontRef>
+        </p:style>
+      </p:cxnSp>
+      <p:cxnSp>
+        <p:nvCxnSpPr>
+          <p:cNvPr id="169" name="Straight Connector 168">
+            <a:extLst>
+              <a:ext uri="{FF2B5EF4-FFF2-40B4-BE49-F238E27FC236}">
+                <a16:creationId xmlns:a16="http://schemas.microsoft.com/office/drawing/2014/main" id="{407A2398-57C3-EFAE-C041-BA92F0D9A75D}"/>
+              </a:ext>
+            </a:extLst>
+          </p:cNvPr>
+          <p:cNvCxnSpPr>
+            <a:cxnSpLocks/>
+          </p:cNvCxnSpPr>
+          <p:nvPr/>
+        </p:nvCxnSpPr>
+        <p:spPr>
+          <a:xfrm flipV="1">
+            <a:off x="6872238" y="3453141"/>
+            <a:ext cx="468413" cy="13155"/>
+          </a:xfrm>
+          <a:prstGeom prst="line">
+            <a:avLst/>
+          </a:prstGeom>
+          <a:ln>
+            <a:headEnd type="none" w="med" len="med"/>
+            <a:tailEnd type="arrow" w="med" len="med"/>
+          </a:ln>
+        </p:spPr>
+        <p:style>
+          <a:lnRef idx="3">
+            <a:schemeClr val="accent2"/>
+          </a:lnRef>
+          <a:fillRef idx="0">
+            <a:schemeClr val="accent2"/>
+          </a:fillRef>
+          <a:effectRef idx="2">
+            <a:schemeClr val="accent2"/>
+          </a:effectRef>
+          <a:fontRef idx="minor">
+            <a:schemeClr val="tx1"/>
+          </a:fontRef>
+        </p:style>
+      </p:cxnSp>
+      <p:cxnSp>
+        <p:nvCxnSpPr>
+          <p:cNvPr id="178" name="Straight Connector 177">
+            <a:extLst>
+              <a:ext uri="{FF2B5EF4-FFF2-40B4-BE49-F238E27FC236}">
+                <a16:creationId xmlns:a16="http://schemas.microsoft.com/office/drawing/2014/main" id="{2B3A729A-3B31-EC9F-28B2-E9AC36306BB8}"/>
+              </a:ext>
+            </a:extLst>
+          </p:cNvPr>
+          <p:cNvCxnSpPr>
+            <a:cxnSpLocks/>
+          </p:cNvCxnSpPr>
+          <p:nvPr/>
+        </p:nvCxnSpPr>
+        <p:spPr>
+          <a:xfrm flipV="1">
+            <a:off x="6752848" y="3349450"/>
+            <a:ext cx="594674" cy="14744"/>
+          </a:xfrm>
+          <a:prstGeom prst="line">
+            <a:avLst/>
+          </a:prstGeom>
+          <a:ln>
+            <a:headEnd type="none" w="med" len="med"/>
+            <a:tailEnd type="arrow" w="med" len="med"/>
+          </a:ln>
+        </p:spPr>
+        <p:style>
+          <a:lnRef idx="3">
+            <a:schemeClr val="accent2"/>
+          </a:lnRef>
+          <a:fillRef idx="0">
+            <a:schemeClr val="accent2"/>
+          </a:fillRef>
+          <a:effectRef idx="2">
+            <a:schemeClr val="accent2"/>
+          </a:effectRef>
+          <a:fontRef idx="minor">
+            <a:schemeClr val="tx1"/>
+          </a:fontRef>
+        </p:style>
+      </p:cxnSp>
+      <p:cxnSp>
+        <p:nvCxnSpPr>
+          <p:cNvPr id="180" name="Straight Connector 179">
+            <a:extLst>
+              <a:ext uri="{FF2B5EF4-FFF2-40B4-BE49-F238E27FC236}">
+                <a16:creationId xmlns:a16="http://schemas.microsoft.com/office/drawing/2014/main" id="{38022741-30AC-AA6D-4A9A-2EB5F5D4375A}"/>
+              </a:ext>
+            </a:extLst>
+          </p:cNvPr>
+          <p:cNvCxnSpPr>
+            <a:cxnSpLocks/>
+          </p:cNvCxnSpPr>
+          <p:nvPr/>
+        </p:nvCxnSpPr>
+        <p:spPr>
+          <a:xfrm flipV="1">
+            <a:off x="6752848" y="3360292"/>
+            <a:ext cx="0" cy="334029"/>
+          </a:xfrm>
+          <a:prstGeom prst="line">
+            <a:avLst/>
+          </a:prstGeom>
+          <a:ln>
+            <a:headEnd type="none" w="med" len="med"/>
+            <a:tailEnd type="none" w="med" len="med"/>
+          </a:ln>
+        </p:spPr>
+        <p:style>
+          <a:lnRef idx="3">
+            <a:schemeClr val="accent2"/>
+          </a:lnRef>
+          <a:fillRef idx="0">
+            <a:schemeClr val="accent2"/>
+          </a:fillRef>
+          <a:effectRef idx="2">
+            <a:schemeClr val="accent2"/>
+          </a:effectRef>
+          <a:fontRef idx="minor">
+            <a:schemeClr val="tx1"/>
+          </a:fontRef>
+        </p:style>
+      </p:cxnSp>
+      <p:cxnSp>
+        <p:nvCxnSpPr>
+          <p:cNvPr id="217" name="Straight Connector 216">
+            <a:extLst>
+              <a:ext uri="{FF2B5EF4-FFF2-40B4-BE49-F238E27FC236}">
+                <a16:creationId xmlns:a16="http://schemas.microsoft.com/office/drawing/2014/main" id="{1D3665D5-6F30-8860-42DD-A14A0E5774AF}"/>
+              </a:ext>
+            </a:extLst>
+          </p:cNvPr>
+          <p:cNvCxnSpPr>
+            <a:cxnSpLocks/>
+          </p:cNvCxnSpPr>
+          <p:nvPr/>
+        </p:nvCxnSpPr>
+        <p:spPr>
+          <a:xfrm>
+            <a:off x="6639326" y="2699524"/>
+            <a:ext cx="708196" cy="2228"/>
+          </a:xfrm>
+          <a:prstGeom prst="line">
+            <a:avLst/>
+          </a:prstGeom>
+          <a:ln>
+            <a:headEnd type="none" w="med" len="med"/>
+            <a:tailEnd type="arrow" w="med" len="med"/>
+          </a:ln>
+        </p:spPr>
+        <p:style>
+          <a:lnRef idx="3">
+            <a:schemeClr val="accent2"/>
+          </a:lnRef>
+          <a:fillRef idx="0">
+            <a:schemeClr val="accent2"/>
+          </a:fillRef>
+          <a:effectRef idx="2">
+            <a:schemeClr val="accent2"/>
+          </a:effectRef>
+          <a:fontRef idx="minor">
+            <a:schemeClr val="tx1"/>
+          </a:fontRef>
+        </p:style>
+      </p:cxnSp>
+      <p:cxnSp>
+        <p:nvCxnSpPr>
+          <p:cNvPr id="219" name="Straight Connector 218">
+            <a:extLst>
+              <a:ext uri="{FF2B5EF4-FFF2-40B4-BE49-F238E27FC236}">
+                <a16:creationId xmlns:a16="http://schemas.microsoft.com/office/drawing/2014/main" id="{F4CF4320-5076-7B41-E45A-387D1C17AE78}"/>
+              </a:ext>
+            </a:extLst>
+          </p:cNvPr>
+          <p:cNvCxnSpPr>
+            <a:cxnSpLocks/>
+          </p:cNvCxnSpPr>
+          <p:nvPr/>
+        </p:nvCxnSpPr>
+        <p:spPr>
+          <a:xfrm flipH="1">
+            <a:off x="4561425" y="2891807"/>
+            <a:ext cx="340608" cy="2235"/>
+          </a:xfrm>
+          <a:prstGeom prst="line">
+            <a:avLst/>
+          </a:prstGeom>
+          <a:ln>
+            <a:headEnd type="none" w="med" len="med"/>
+            <a:tailEnd type="arrow" w="med" len="med"/>
+          </a:ln>
+        </p:spPr>
+        <p:style>
+          <a:lnRef idx="3">
+            <a:schemeClr val="accent2"/>
+          </a:lnRef>
+          <a:fillRef idx="0">
+            <a:schemeClr val="accent2"/>
+          </a:fillRef>
+          <a:effectRef idx="2">
+            <a:schemeClr val="accent2"/>
+          </a:effectRef>
+          <a:fontRef idx="minor">
+            <a:schemeClr val="tx1"/>
+          </a:fontRef>
+        </p:style>
+      </p:cxnSp>
+      <p:cxnSp>
+        <p:nvCxnSpPr>
+          <p:cNvPr id="222" name="Straight Connector 221">
+            <a:extLst>
+              <a:ext uri="{FF2B5EF4-FFF2-40B4-BE49-F238E27FC236}">
+                <a16:creationId xmlns:a16="http://schemas.microsoft.com/office/drawing/2014/main" id="{1D9BE32E-172E-A419-3304-1643607AF381}"/>
+              </a:ext>
+            </a:extLst>
+          </p:cNvPr>
+          <p:cNvCxnSpPr>
+            <a:cxnSpLocks/>
+          </p:cNvCxnSpPr>
+          <p:nvPr/>
+        </p:nvCxnSpPr>
+        <p:spPr>
+          <a:xfrm flipV="1">
+            <a:off x="4879681" y="2903605"/>
+            <a:ext cx="0" cy="561334"/>
+          </a:xfrm>
+          <a:prstGeom prst="line">
+            <a:avLst/>
+          </a:prstGeom>
+          <a:ln>
+            <a:headEnd type="none" w="med" len="med"/>
+            <a:tailEnd type="none" w="med" len="med"/>
+          </a:ln>
+        </p:spPr>
+        <p:style>
+          <a:lnRef idx="3">
+            <a:schemeClr val="accent2"/>
+          </a:lnRef>
+          <a:fillRef idx="0">
+            <a:schemeClr val="accent2"/>
+          </a:fillRef>
+          <a:effectRef idx="2">
+            <a:schemeClr val="accent2"/>
+          </a:effectRef>
+          <a:fontRef idx="minor">
+            <a:schemeClr val="tx1"/>
+          </a:fontRef>
+        </p:style>
+      </p:cxnSp>
+      <p:cxnSp>
+        <p:nvCxnSpPr>
+          <p:cNvPr id="233" name="Straight Connector 232">
+            <a:extLst>
+              <a:ext uri="{FF2B5EF4-FFF2-40B4-BE49-F238E27FC236}">
+                <a16:creationId xmlns:a16="http://schemas.microsoft.com/office/drawing/2014/main" id="{5BD4EA0A-417D-AE7D-C080-85E632CC62AF}"/>
+              </a:ext>
+            </a:extLst>
+          </p:cNvPr>
+          <p:cNvCxnSpPr>
+            <a:cxnSpLocks/>
+          </p:cNvCxnSpPr>
+          <p:nvPr/>
+        </p:nvCxnSpPr>
+        <p:spPr>
+          <a:xfrm flipV="1">
+            <a:off x="8301725" y="3142653"/>
+            <a:ext cx="1300883" cy="13320"/>
+          </a:xfrm>
+          <a:prstGeom prst="line">
+            <a:avLst/>
+          </a:prstGeom>
+          <a:ln>
+            <a:headEnd type="none" w="med" len="med"/>
+            <a:tailEnd type="arrow" w="med" len="med"/>
+          </a:ln>
+        </p:spPr>
+        <p:style>
+          <a:lnRef idx="3">
+            <a:schemeClr val="accent2"/>
+          </a:lnRef>
+          <a:fillRef idx="0">
+            <a:schemeClr val="accent2"/>
+          </a:fillRef>
+          <a:effectRef idx="2">
+            <a:schemeClr val="accent2"/>
+          </a:effectRef>
+          <a:fontRef idx="minor">
+            <a:schemeClr val="tx1"/>
+          </a:fontRef>
+        </p:style>
+      </p:cxnSp>
+      <p:cxnSp>
+        <p:nvCxnSpPr>
+          <p:cNvPr id="250" name="Straight Connector 249">
+            <a:extLst>
+              <a:ext uri="{FF2B5EF4-FFF2-40B4-BE49-F238E27FC236}">
+                <a16:creationId xmlns:a16="http://schemas.microsoft.com/office/drawing/2014/main" id="{6B32EEE7-56A0-1D4D-23C6-BCFF16C32397}"/>
+              </a:ext>
+            </a:extLst>
+          </p:cNvPr>
+          <p:cNvCxnSpPr>
+            <a:cxnSpLocks/>
+          </p:cNvCxnSpPr>
+          <p:nvPr/>
+        </p:nvCxnSpPr>
+        <p:spPr>
+          <a:xfrm flipH="1">
+            <a:off x="9712569" y="3140140"/>
+            <a:ext cx="1086725" cy="0"/>
+          </a:xfrm>
+          <a:prstGeom prst="line">
+            <a:avLst/>
+          </a:prstGeom>
+          <a:ln>
+            <a:headEnd type="none" w="med" len="med"/>
+            <a:tailEnd type="arrow" w="med" len="med"/>
+          </a:ln>
+        </p:spPr>
+        <p:style>
+          <a:lnRef idx="3">
+            <a:schemeClr val="accent2"/>
+          </a:lnRef>
+          <a:fillRef idx="0">
+            <a:schemeClr val="accent2"/>
+          </a:fillRef>
+          <a:effectRef idx="2">
+            <a:schemeClr val="accent2"/>
+          </a:effectRef>
+          <a:fontRef idx="minor">
+            <a:schemeClr val="tx1"/>
+          </a:fontRef>
+        </p:style>
+      </p:cxnSp>
+      <p:cxnSp>
+        <p:nvCxnSpPr>
+          <p:cNvPr id="281" name="Straight Connector 280">
+            <a:extLst>
+              <a:ext uri="{FF2B5EF4-FFF2-40B4-BE49-F238E27FC236}">
+                <a16:creationId xmlns:a16="http://schemas.microsoft.com/office/drawing/2014/main" id="{29A07F97-31BB-7A5B-75F9-4263EF12437E}"/>
+              </a:ext>
+            </a:extLst>
+          </p:cNvPr>
+          <p:cNvCxnSpPr>
+            <a:cxnSpLocks/>
+          </p:cNvCxnSpPr>
+          <p:nvPr/>
+        </p:nvCxnSpPr>
+        <p:spPr>
+          <a:xfrm flipH="1">
+            <a:off x="4187563" y="4630175"/>
+            <a:ext cx="1074577" cy="6274"/>
+          </a:xfrm>
+          <a:prstGeom prst="line">
+            <a:avLst/>
+          </a:prstGeom>
+          <a:ln>
+            <a:headEnd type="none" w="med" len="med"/>
+            <a:tailEnd type="none" w="med" len="med"/>
+          </a:ln>
+        </p:spPr>
+        <p:style>
+          <a:lnRef idx="3">
+            <a:schemeClr val="accent2"/>
+          </a:lnRef>
+          <a:fillRef idx="0">
+            <a:schemeClr val="accent2"/>
+          </a:fillRef>
+          <a:effectRef idx="2">
+            <a:schemeClr val="accent2"/>
+          </a:effectRef>
+          <a:fontRef idx="minor">
+            <a:schemeClr val="tx1"/>
+          </a:fontRef>
+        </p:style>
+      </p:cxnSp>
+      <p:cxnSp>
+        <p:nvCxnSpPr>
+          <p:cNvPr id="287" name="Straight Connector 286">
+            <a:extLst>
+              <a:ext uri="{FF2B5EF4-FFF2-40B4-BE49-F238E27FC236}">
+                <a16:creationId xmlns:a16="http://schemas.microsoft.com/office/drawing/2014/main" id="{5B86E481-BA1D-AF6F-82EB-FE26B381C110}"/>
+              </a:ext>
+            </a:extLst>
+          </p:cNvPr>
+          <p:cNvCxnSpPr>
+            <a:cxnSpLocks/>
+          </p:cNvCxnSpPr>
+          <p:nvPr/>
+        </p:nvCxnSpPr>
+        <p:spPr>
+          <a:xfrm flipV="1">
+            <a:off x="4188848" y="4300855"/>
+            <a:ext cx="0" cy="331267"/>
+          </a:xfrm>
+          <a:prstGeom prst="line">
+            <a:avLst/>
+          </a:prstGeom>
+          <a:ln>
+            <a:headEnd type="none" w="med" len="med"/>
+            <a:tailEnd type="arrow" w="med" len="med"/>
+          </a:ln>
+        </p:spPr>
+        <p:style>
+          <a:lnRef idx="3">
+            <a:schemeClr val="accent2"/>
+          </a:lnRef>
+          <a:fillRef idx="0">
+            <a:schemeClr val="accent2"/>
+          </a:fillRef>
+          <a:effectRef idx="2">
+            <a:schemeClr val="accent2"/>
+          </a:effectRef>
+          <a:fontRef idx="minor">
+            <a:schemeClr val="tx1"/>
+          </a:fontRef>
+        </p:style>
+      </p:cxnSp>
+      <p:cxnSp>
+        <p:nvCxnSpPr>
+          <p:cNvPr id="299" name="Straight Connector 298">
+            <a:extLst>
+              <a:ext uri="{FF2B5EF4-FFF2-40B4-BE49-F238E27FC236}">
+                <a16:creationId xmlns:a16="http://schemas.microsoft.com/office/drawing/2014/main" id="{C07BCD01-A58B-927E-FC7C-E9F505D06B74}"/>
+              </a:ext>
+            </a:extLst>
+          </p:cNvPr>
+          <p:cNvCxnSpPr>
+            <a:cxnSpLocks/>
+          </p:cNvCxnSpPr>
+          <p:nvPr/>
+        </p:nvCxnSpPr>
+        <p:spPr>
+          <a:xfrm flipH="1" flipV="1">
+            <a:off x="2654016" y="4630175"/>
+            <a:ext cx="750367" cy="1947"/>
+          </a:xfrm>
+          <a:prstGeom prst="line">
+            <a:avLst/>
+          </a:prstGeom>
+          <a:ln>
+            <a:headEnd type="none" w="med" len="med"/>
+            <a:tailEnd type="none" w="med" len="med"/>
+          </a:ln>
+        </p:spPr>
+        <p:style>
+          <a:lnRef idx="3">
+            <a:schemeClr val="accent2"/>
+          </a:lnRef>
+          <a:fillRef idx="0">
+            <a:schemeClr val="accent2"/>
+          </a:fillRef>
+          <a:effectRef idx="2">
+            <a:schemeClr val="accent2"/>
+          </a:effectRef>
+          <a:fontRef idx="minor">
+            <a:schemeClr val="tx1"/>
+          </a:fontRef>
+        </p:style>
+      </p:cxnSp>
+      <p:cxnSp>
+        <p:nvCxnSpPr>
+          <p:cNvPr id="359" name="Straight Connector 358">
+            <a:extLst>
+              <a:ext uri="{FF2B5EF4-FFF2-40B4-BE49-F238E27FC236}">
+                <a16:creationId xmlns:a16="http://schemas.microsoft.com/office/drawing/2014/main" id="{BC87E3CC-78FF-A7E6-3B54-D085222B7916}"/>
+              </a:ext>
+            </a:extLst>
+          </p:cNvPr>
+          <p:cNvCxnSpPr>
+            <a:cxnSpLocks/>
+          </p:cNvCxnSpPr>
+          <p:nvPr/>
+        </p:nvCxnSpPr>
+        <p:spPr>
+          <a:xfrm>
+            <a:off x="9283550" y="4439719"/>
+            <a:ext cx="299870" cy="0"/>
+          </a:xfrm>
+          <a:prstGeom prst="line">
+            <a:avLst/>
+          </a:prstGeom>
+          <a:ln>
+            <a:headEnd type="none" w="med" len="med"/>
+            <a:tailEnd type="arrow" w="med" len="med"/>
+          </a:ln>
+        </p:spPr>
+        <p:style>
+          <a:lnRef idx="3">
+            <a:schemeClr val="accent4"/>
+          </a:lnRef>
+          <a:fillRef idx="0">
+            <a:schemeClr val="accent4"/>
+          </a:fillRef>
+          <a:effectRef idx="2">
+            <a:schemeClr val="accent4"/>
+          </a:effectRef>
+          <a:fontRef idx="minor">
+            <a:schemeClr val="tx1"/>
+          </a:fontRef>
+        </p:style>
+      </p:cxnSp>
+      <p:cxnSp>
+        <p:nvCxnSpPr>
+          <p:cNvPr id="361" name="Straight Connector 360">
+            <a:extLst>
+              <a:ext uri="{FF2B5EF4-FFF2-40B4-BE49-F238E27FC236}">
+                <a16:creationId xmlns:a16="http://schemas.microsoft.com/office/drawing/2014/main" id="{D3765D6E-465F-98B8-8445-3DB1585C50EC}"/>
+              </a:ext>
+            </a:extLst>
+          </p:cNvPr>
+          <p:cNvCxnSpPr>
+            <a:cxnSpLocks/>
+          </p:cNvCxnSpPr>
+          <p:nvPr/>
+        </p:nvCxnSpPr>
+        <p:spPr>
+          <a:xfrm flipH="1">
+            <a:off x="9693910" y="4439719"/>
+            <a:ext cx="370938" cy="0"/>
+          </a:xfrm>
+          <a:prstGeom prst="line">
+            <a:avLst/>
+          </a:prstGeom>
+          <a:ln>
+            <a:headEnd type="none" w="med" len="med"/>
+            <a:tailEnd type="arrow" w="med" len="med"/>
+          </a:ln>
+        </p:spPr>
+        <p:style>
+          <a:lnRef idx="3">
+            <a:schemeClr val="accent4"/>
+          </a:lnRef>
+          <a:fillRef idx="0">
+            <a:schemeClr val="accent4"/>
+          </a:fillRef>
+          <a:effectRef idx="2">
+            <a:schemeClr val="accent4"/>
+          </a:effectRef>
+          <a:fontRef idx="minor">
+            <a:schemeClr val="tx1"/>
+          </a:fontRef>
+        </p:style>
+      </p:cxnSp>
+      <p:cxnSp>
+        <p:nvCxnSpPr>
+          <p:cNvPr id="368" name="Straight Connector 367">
+            <a:extLst>
+              <a:ext uri="{FF2B5EF4-FFF2-40B4-BE49-F238E27FC236}">
+                <a16:creationId xmlns:a16="http://schemas.microsoft.com/office/drawing/2014/main" id="{F7F18556-FCF1-2F28-28E1-525402E4F6F8}"/>
+              </a:ext>
+            </a:extLst>
+          </p:cNvPr>
+          <p:cNvCxnSpPr>
+            <a:cxnSpLocks/>
+          </p:cNvCxnSpPr>
+          <p:nvPr/>
+        </p:nvCxnSpPr>
+        <p:spPr>
+          <a:xfrm>
+            <a:off x="9283550" y="4439719"/>
+            <a:ext cx="0" cy="1453081"/>
+          </a:xfrm>
+          <a:prstGeom prst="line">
+            <a:avLst/>
+          </a:prstGeom>
+          <a:ln>
+            <a:headEnd type="none" w="med" len="med"/>
+            <a:tailEnd type="none" w="med" len="med"/>
+          </a:ln>
+        </p:spPr>
+        <p:style>
+          <a:lnRef idx="3">
+            <a:schemeClr val="accent4"/>
+          </a:lnRef>
+          <a:fillRef idx="0">
+            <a:schemeClr val="accent4"/>
+          </a:fillRef>
+          <a:effectRef idx="2">
+            <a:schemeClr val="accent4"/>
+          </a:effectRef>
+          <a:fontRef idx="minor">
+            <a:schemeClr val="tx1"/>
+          </a:fontRef>
+        </p:style>
+      </p:cxnSp>
+      <p:cxnSp>
+        <p:nvCxnSpPr>
+          <p:cNvPr id="370" name="Straight Connector 369">
+            <a:extLst>
+              <a:ext uri="{FF2B5EF4-FFF2-40B4-BE49-F238E27FC236}">
+                <a16:creationId xmlns:a16="http://schemas.microsoft.com/office/drawing/2014/main" id="{8906287A-7069-CF27-38BF-3D56D4CE3A7D}"/>
+              </a:ext>
+            </a:extLst>
+          </p:cNvPr>
+          <p:cNvCxnSpPr>
+            <a:cxnSpLocks/>
+          </p:cNvCxnSpPr>
+          <p:nvPr/>
+        </p:nvCxnSpPr>
+        <p:spPr>
+          <a:xfrm>
+            <a:off x="10051998" y="4444049"/>
+            <a:ext cx="25743" cy="1448751"/>
+          </a:xfrm>
+          <a:prstGeom prst="line">
+            <a:avLst/>
+          </a:prstGeom>
+          <a:ln>
+            <a:headEnd type="none" w="med" len="med"/>
+            <a:tailEnd type="none" w="med" len="med"/>
+          </a:ln>
+        </p:spPr>
+        <p:style>
+          <a:lnRef idx="3">
+            <a:schemeClr val="accent4"/>
+          </a:lnRef>
+          <a:fillRef idx="0">
+            <a:schemeClr val="accent4"/>
+          </a:fillRef>
+          <a:effectRef idx="2">
+            <a:schemeClr val="accent4"/>
+          </a:effectRef>
+          <a:fontRef idx="minor">
+            <a:schemeClr val="tx1"/>
+          </a:fontRef>
+        </p:style>
+      </p:cxnSp>
+      <p:cxnSp>
+        <p:nvCxnSpPr>
+          <p:cNvPr id="421" name="Straight Connector 420">
+            <a:extLst>
+              <a:ext uri="{FF2B5EF4-FFF2-40B4-BE49-F238E27FC236}">
+                <a16:creationId xmlns:a16="http://schemas.microsoft.com/office/drawing/2014/main" id="{D1202317-99AE-AA7B-3284-24EEEA4A4709}"/>
+              </a:ext>
+            </a:extLst>
+          </p:cNvPr>
+          <p:cNvCxnSpPr>
+            <a:cxnSpLocks/>
+          </p:cNvCxnSpPr>
+          <p:nvPr/>
+        </p:nvCxnSpPr>
+        <p:spPr>
+          <a:xfrm>
+            <a:off x="9138920" y="4224033"/>
+            <a:ext cx="444500" cy="0"/>
+          </a:xfrm>
+          <a:prstGeom prst="line">
+            <a:avLst/>
+          </a:prstGeom>
+          <a:ln>
+            <a:headEnd type="none" w="med" len="med"/>
+            <a:tailEnd type="arrow" w="med" len="med"/>
+          </a:ln>
+        </p:spPr>
+        <p:style>
+          <a:lnRef idx="3">
+            <a:schemeClr val="accent6"/>
+          </a:lnRef>
+          <a:fillRef idx="0">
+            <a:schemeClr val="accent6"/>
+          </a:fillRef>
+          <a:effectRef idx="2">
+            <a:schemeClr val="accent6"/>
+          </a:effectRef>
+          <a:fontRef idx="minor">
+            <a:schemeClr val="tx1"/>
+          </a:fontRef>
+        </p:style>
+      </p:cxnSp>
+      <p:cxnSp>
+        <p:nvCxnSpPr>
+          <p:cNvPr id="423" name="Straight Connector 422">
+            <a:extLst>
+              <a:ext uri="{FF2B5EF4-FFF2-40B4-BE49-F238E27FC236}">
+                <a16:creationId xmlns:a16="http://schemas.microsoft.com/office/drawing/2014/main" id="{32AAC34F-D3D7-3B78-B972-5957AA9CC0FA}"/>
+              </a:ext>
+            </a:extLst>
+          </p:cNvPr>
+          <p:cNvCxnSpPr>
+            <a:cxnSpLocks/>
+          </p:cNvCxnSpPr>
+          <p:nvPr/>
+        </p:nvCxnSpPr>
+        <p:spPr>
+          <a:xfrm flipH="1">
+            <a:off x="9693910" y="4324938"/>
+            <a:ext cx="542290" cy="0"/>
+          </a:xfrm>
+          <a:prstGeom prst="line">
+            <a:avLst/>
+          </a:prstGeom>
+          <a:ln>
+            <a:headEnd type="none" w="med" len="med"/>
+            <a:tailEnd type="arrow" w="med" len="med"/>
+          </a:ln>
+        </p:spPr>
+        <p:style>
+          <a:lnRef idx="3">
+            <a:schemeClr val="accent6"/>
+          </a:lnRef>
+          <a:fillRef idx="0">
+            <a:schemeClr val="accent6"/>
+          </a:fillRef>
+          <a:effectRef idx="2">
+            <a:schemeClr val="accent6"/>
+          </a:effectRef>
+          <a:fontRef idx="minor">
+            <a:schemeClr val="tx1"/>
+          </a:fontRef>
+        </p:style>
+      </p:cxnSp>
+      <p:cxnSp>
+        <p:nvCxnSpPr>
+          <p:cNvPr id="431" name="Straight Connector 430">
+            <a:extLst>
+              <a:ext uri="{FF2B5EF4-FFF2-40B4-BE49-F238E27FC236}">
+                <a16:creationId xmlns:a16="http://schemas.microsoft.com/office/drawing/2014/main" id="{42F4C2F2-E4BB-E0A3-C744-5652233AE564}"/>
+              </a:ext>
+            </a:extLst>
+          </p:cNvPr>
+          <p:cNvCxnSpPr>
+            <a:cxnSpLocks/>
+          </p:cNvCxnSpPr>
+          <p:nvPr/>
+        </p:nvCxnSpPr>
+        <p:spPr>
+          <a:xfrm flipH="1" flipV="1">
+            <a:off x="9141595" y="4224033"/>
+            <a:ext cx="9001" cy="2186927"/>
+          </a:xfrm>
+          <a:prstGeom prst="line">
+            <a:avLst/>
+          </a:prstGeom>
+          <a:ln>
+            <a:headEnd type="none" w="med" len="med"/>
+            <a:tailEnd type="none" w="med" len="med"/>
+          </a:ln>
+        </p:spPr>
+        <p:style>
+          <a:lnRef idx="3">
+            <a:schemeClr val="accent6"/>
+          </a:lnRef>
+          <a:fillRef idx="0">
+            <a:schemeClr val="accent6"/>
+          </a:fillRef>
+          <a:effectRef idx="2">
+            <a:schemeClr val="accent6"/>
+          </a:effectRef>
+          <a:fontRef idx="minor">
+            <a:schemeClr val="tx1"/>
+          </a:fontRef>
+        </p:style>
+      </p:cxnSp>
+      <p:cxnSp>
+        <p:nvCxnSpPr>
+          <p:cNvPr id="49" name="Straight Connector 48">
+            <a:extLst>
+              <a:ext uri="{FF2B5EF4-FFF2-40B4-BE49-F238E27FC236}">
+                <a16:creationId xmlns:a16="http://schemas.microsoft.com/office/drawing/2014/main" id="{A60E915C-0D59-3A6D-91FF-A804F008479E}"/>
+              </a:ext>
+            </a:extLst>
+          </p:cNvPr>
+          <p:cNvCxnSpPr>
+            <a:cxnSpLocks/>
+          </p:cNvCxnSpPr>
+          <p:nvPr/>
+        </p:nvCxnSpPr>
+        <p:spPr>
+          <a:xfrm>
+            <a:off x="4902033" y="5504874"/>
+            <a:ext cx="5801527" cy="0"/>
+          </a:xfrm>
+          <a:prstGeom prst="line">
+            <a:avLst/>
+          </a:prstGeom>
+          <a:ln>
+            <a:headEnd type="none" w="med" len="med"/>
+            <a:tailEnd type="none" w="med" len="med"/>
+          </a:ln>
+        </p:spPr>
+        <p:style>
+          <a:lnRef idx="3">
+            <a:schemeClr val="accent1"/>
+          </a:lnRef>
+          <a:fillRef idx="0">
+            <a:schemeClr val="accent1"/>
+          </a:fillRef>
+          <a:effectRef idx="2">
+            <a:schemeClr val="accent1"/>
+          </a:effectRef>
+          <a:fontRef idx="minor">
+            <a:schemeClr val="tx1"/>
+          </a:fontRef>
+        </p:style>
+      </p:cxnSp>
+      <p:cxnSp>
+        <p:nvCxnSpPr>
+          <p:cNvPr id="53" name="Straight Connector 52">
+            <a:extLst>
+              <a:ext uri="{FF2B5EF4-FFF2-40B4-BE49-F238E27FC236}">
+                <a16:creationId xmlns:a16="http://schemas.microsoft.com/office/drawing/2014/main" id="{66277062-B69A-C090-82E3-14870DEA1805}"/>
+              </a:ext>
+            </a:extLst>
+          </p:cNvPr>
+          <p:cNvCxnSpPr>
+            <a:cxnSpLocks/>
+          </p:cNvCxnSpPr>
+          <p:nvPr/>
+        </p:nvCxnSpPr>
+        <p:spPr>
+          <a:xfrm>
+            <a:off x="3926027" y="5410200"/>
+            <a:ext cx="6660693" cy="0"/>
+          </a:xfrm>
+          <a:prstGeom prst="line">
+            <a:avLst/>
+          </a:prstGeom>
+          <a:ln>
+            <a:headEnd type="none" w="med" len="med"/>
+            <a:tailEnd type="none" w="med" len="med"/>
+          </a:ln>
+        </p:spPr>
+        <p:style>
+          <a:lnRef idx="3">
+            <a:schemeClr val="accent1"/>
+          </a:lnRef>
+          <a:fillRef idx="0">
+            <a:schemeClr val="accent1"/>
+          </a:fillRef>
+          <a:effectRef idx="2">
+            <a:schemeClr val="accent1"/>
+          </a:effectRef>
+          <a:fontRef idx="minor">
+            <a:schemeClr val="tx1"/>
+          </a:fontRef>
+        </p:style>
+      </p:cxnSp>
+      <p:cxnSp>
+        <p:nvCxnSpPr>
+          <p:cNvPr id="55" name="Straight Connector 54">
+            <a:extLst>
+              <a:ext uri="{FF2B5EF4-FFF2-40B4-BE49-F238E27FC236}">
+                <a16:creationId xmlns:a16="http://schemas.microsoft.com/office/drawing/2014/main" id="{DCC86394-1CC5-924F-8E89-1AB42745EC23}"/>
+              </a:ext>
+            </a:extLst>
+          </p:cNvPr>
+          <p:cNvCxnSpPr>
+            <a:cxnSpLocks/>
+          </p:cNvCxnSpPr>
+          <p:nvPr/>
+        </p:nvCxnSpPr>
+        <p:spPr>
+          <a:xfrm>
+            <a:off x="4017175" y="5336540"/>
+            <a:ext cx="6457785" cy="0"/>
+          </a:xfrm>
+          <a:prstGeom prst="line">
+            <a:avLst/>
+          </a:prstGeom>
+          <a:ln>
+            <a:headEnd type="none" w="med" len="med"/>
+            <a:tailEnd type="none" w="med" len="med"/>
+          </a:ln>
+        </p:spPr>
+        <p:style>
+          <a:lnRef idx="3">
+            <a:schemeClr val="accent1"/>
+          </a:lnRef>
+          <a:fillRef idx="0">
+            <a:schemeClr val="accent1"/>
+          </a:fillRef>
+          <a:effectRef idx="2">
+            <a:schemeClr val="accent1"/>
+          </a:effectRef>
+          <a:fontRef idx="minor">
+            <a:schemeClr val="tx1"/>
+          </a:fontRef>
+        </p:style>
+      </p:cxnSp>
+      <p:cxnSp>
+        <p:nvCxnSpPr>
+          <p:cNvPr id="58" name="Straight Connector 57">
+            <a:extLst>
+              <a:ext uri="{FF2B5EF4-FFF2-40B4-BE49-F238E27FC236}">
+                <a16:creationId xmlns:a16="http://schemas.microsoft.com/office/drawing/2014/main" id="{E7259BC9-757B-B96A-301D-7232FC851FD8}"/>
+              </a:ext>
+            </a:extLst>
+          </p:cNvPr>
+          <p:cNvCxnSpPr>
+            <a:cxnSpLocks/>
+          </p:cNvCxnSpPr>
+          <p:nvPr/>
+        </p:nvCxnSpPr>
+        <p:spPr>
+          <a:xfrm>
+            <a:off x="4789665" y="5255670"/>
+            <a:ext cx="5568844" cy="17370"/>
+          </a:xfrm>
+          <a:prstGeom prst="line">
+            <a:avLst/>
+          </a:prstGeom>
+          <a:ln>
+            <a:headEnd type="none" w="med" len="med"/>
+            <a:tailEnd type="none" w="med" len="med"/>
+          </a:ln>
+        </p:spPr>
+        <p:style>
+          <a:lnRef idx="3">
+            <a:schemeClr val="accent1"/>
+          </a:lnRef>
+          <a:fillRef idx="0">
+            <a:schemeClr val="accent1"/>
+          </a:fillRef>
+          <a:effectRef idx="2">
+            <a:schemeClr val="accent1"/>
+          </a:effectRef>
+          <a:fontRef idx="minor">
+            <a:schemeClr val="tx1"/>
+          </a:fontRef>
+        </p:style>
+      </p:cxnSp>
+      <p:cxnSp>
+        <p:nvCxnSpPr>
+          <p:cNvPr id="463" name="Straight Connector 462">
+            <a:extLst>
+              <a:ext uri="{FF2B5EF4-FFF2-40B4-BE49-F238E27FC236}">
+                <a16:creationId xmlns:a16="http://schemas.microsoft.com/office/drawing/2014/main" id="{090DF873-C9C3-373F-D888-3644342828B5}"/>
+              </a:ext>
+            </a:extLst>
+          </p:cNvPr>
+          <p:cNvCxnSpPr>
+            <a:cxnSpLocks/>
+          </p:cNvCxnSpPr>
+          <p:nvPr/>
+        </p:nvCxnSpPr>
+        <p:spPr>
+          <a:xfrm>
+            <a:off x="10358509" y="4019296"/>
+            <a:ext cx="0" cy="1243584"/>
+          </a:xfrm>
+          <a:prstGeom prst="line">
+            <a:avLst/>
+          </a:prstGeom>
+          <a:ln>
+            <a:headEnd type="none" w="med" len="med"/>
+            <a:tailEnd type="none" w="med" len="med"/>
+          </a:ln>
+        </p:spPr>
+        <p:style>
+          <a:lnRef idx="3">
+            <a:schemeClr val="accent1"/>
+          </a:lnRef>
+          <a:fillRef idx="0">
+            <a:schemeClr val="accent1"/>
+          </a:fillRef>
+          <a:effectRef idx="2">
+            <a:schemeClr val="accent1"/>
+          </a:effectRef>
+          <a:fontRef idx="minor">
+            <a:schemeClr val="tx1"/>
+          </a:fontRef>
+        </p:style>
+      </p:cxnSp>
+      <p:cxnSp>
+        <p:nvCxnSpPr>
+          <p:cNvPr id="465" name="Straight Connector 464">
+            <a:extLst>
+              <a:ext uri="{FF2B5EF4-FFF2-40B4-BE49-F238E27FC236}">
+                <a16:creationId xmlns:a16="http://schemas.microsoft.com/office/drawing/2014/main" id="{3A2ADDBE-2C64-F9CD-56BA-4A5CB77582C8}"/>
+              </a:ext>
+            </a:extLst>
+          </p:cNvPr>
+          <p:cNvCxnSpPr>
+            <a:cxnSpLocks/>
+          </p:cNvCxnSpPr>
+          <p:nvPr/>
+        </p:nvCxnSpPr>
+        <p:spPr>
+          <a:xfrm>
+            <a:off x="10475349" y="3898699"/>
+            <a:ext cx="0" cy="1442043"/>
+          </a:xfrm>
+          <a:prstGeom prst="line">
+            <a:avLst/>
+          </a:prstGeom>
+          <a:ln>
+            <a:headEnd type="none" w="med" len="med"/>
+            <a:tailEnd type="none" w="med" len="med"/>
+          </a:ln>
+        </p:spPr>
+        <p:style>
+          <a:lnRef idx="3">
+            <a:schemeClr val="accent1"/>
+          </a:lnRef>
+          <a:fillRef idx="0">
+            <a:schemeClr val="accent1"/>
+          </a:fillRef>
+          <a:effectRef idx="2">
+            <a:schemeClr val="accent1"/>
+          </a:effectRef>
+          <a:fontRef idx="minor">
+            <a:schemeClr val="tx1"/>
+          </a:fontRef>
+        </p:style>
+      </p:cxnSp>
+      <p:cxnSp>
+        <p:nvCxnSpPr>
+          <p:cNvPr id="467" name="Straight Connector 466">
+            <a:extLst>
+              <a:ext uri="{FF2B5EF4-FFF2-40B4-BE49-F238E27FC236}">
+                <a16:creationId xmlns:a16="http://schemas.microsoft.com/office/drawing/2014/main" id="{D92268BB-2EB2-7200-C85E-1268E6ADCBFB}"/>
+              </a:ext>
+            </a:extLst>
+          </p:cNvPr>
+          <p:cNvCxnSpPr>
+            <a:cxnSpLocks/>
+          </p:cNvCxnSpPr>
+          <p:nvPr/>
+        </p:nvCxnSpPr>
+        <p:spPr>
+          <a:xfrm>
+            <a:off x="10587109" y="3672915"/>
+            <a:ext cx="0" cy="1740518"/>
+          </a:xfrm>
+          <a:prstGeom prst="line">
+            <a:avLst/>
+          </a:prstGeom>
+          <a:ln>
+            <a:headEnd type="none" w="med" len="med"/>
+            <a:tailEnd type="none" w="med" len="med"/>
+          </a:ln>
+        </p:spPr>
+        <p:style>
+          <a:lnRef idx="3">
+            <a:schemeClr val="accent1"/>
+          </a:lnRef>
+          <a:fillRef idx="0">
+            <a:schemeClr val="accent1"/>
+          </a:fillRef>
+          <a:effectRef idx="2">
+            <a:schemeClr val="accent1"/>
+          </a:effectRef>
+          <a:fontRef idx="minor">
+            <a:schemeClr val="tx1"/>
+          </a:fontRef>
+        </p:style>
+      </p:cxnSp>
+      <p:cxnSp>
+        <p:nvCxnSpPr>
+          <p:cNvPr id="469" name="Straight Connector 468">
+            <a:extLst>
+              <a:ext uri="{FF2B5EF4-FFF2-40B4-BE49-F238E27FC236}">
+                <a16:creationId xmlns:a16="http://schemas.microsoft.com/office/drawing/2014/main" id="{C22E4E03-09A9-ECBA-3E50-A7BA8A085B09}"/>
+              </a:ext>
+            </a:extLst>
+          </p:cNvPr>
+          <p:cNvCxnSpPr>
+            <a:cxnSpLocks/>
+          </p:cNvCxnSpPr>
+          <p:nvPr/>
+        </p:nvCxnSpPr>
+        <p:spPr>
+          <a:xfrm>
+            <a:off x="10703949" y="3466296"/>
+            <a:ext cx="0" cy="2053818"/>
+          </a:xfrm>
+          <a:prstGeom prst="line">
+            <a:avLst/>
+          </a:prstGeom>
+          <a:ln>
+            <a:headEnd type="none" w="med" len="med"/>
+            <a:tailEnd type="none" w="med" len="med"/>
+          </a:ln>
+        </p:spPr>
+        <p:style>
+          <a:lnRef idx="3">
+            <a:schemeClr val="accent1"/>
+          </a:lnRef>
+          <a:fillRef idx="0">
+            <a:schemeClr val="accent1"/>
+          </a:fillRef>
+          <a:effectRef idx="2">
+            <a:schemeClr val="accent1"/>
+          </a:effectRef>
+          <a:fontRef idx="minor">
+            <a:schemeClr val="tx1"/>
+          </a:fontRef>
+        </p:style>
+      </p:cxnSp>
+      <p:cxnSp>
+        <p:nvCxnSpPr>
+          <p:cNvPr id="471" name="Straight Connector 470">
+            <a:extLst>
+              <a:ext uri="{FF2B5EF4-FFF2-40B4-BE49-F238E27FC236}">
+                <a16:creationId xmlns:a16="http://schemas.microsoft.com/office/drawing/2014/main" id="{F5506009-9848-9D60-B364-476CF7F0C8A9}"/>
+              </a:ext>
+            </a:extLst>
+          </p:cNvPr>
+          <p:cNvCxnSpPr>
+            <a:cxnSpLocks/>
+          </p:cNvCxnSpPr>
+          <p:nvPr/>
+        </p:nvCxnSpPr>
+        <p:spPr>
+          <a:xfrm flipH="1">
+            <a:off x="9699281" y="4013507"/>
+            <a:ext cx="659228" cy="0"/>
+          </a:xfrm>
+          <a:prstGeom prst="line">
+            <a:avLst/>
+          </a:prstGeom>
+          <a:ln>
+            <a:headEnd type="none" w="med" len="med"/>
+            <a:tailEnd type="arrow" w="med" len="med"/>
+          </a:ln>
+        </p:spPr>
+        <p:style>
+          <a:lnRef idx="3">
+            <a:schemeClr val="accent1"/>
+          </a:lnRef>
+          <a:fillRef idx="0">
+            <a:schemeClr val="accent1"/>
+          </a:fillRef>
+          <a:effectRef idx="2">
+            <a:schemeClr val="accent1"/>
+          </a:effectRef>
+          <a:fontRef idx="minor">
+            <a:schemeClr val="tx1"/>
+          </a:fontRef>
+        </p:style>
+      </p:cxnSp>
+      <p:cxnSp>
+        <p:nvCxnSpPr>
+          <p:cNvPr id="473" name="Straight Connector 472">
+            <a:extLst>
+              <a:ext uri="{FF2B5EF4-FFF2-40B4-BE49-F238E27FC236}">
+                <a16:creationId xmlns:a16="http://schemas.microsoft.com/office/drawing/2014/main" id="{6BD74BB5-1E4B-D5B8-2923-E9E47D3158F7}"/>
+              </a:ext>
+            </a:extLst>
+          </p:cNvPr>
+          <p:cNvCxnSpPr>
+            <a:cxnSpLocks/>
+          </p:cNvCxnSpPr>
+          <p:nvPr/>
+        </p:nvCxnSpPr>
+        <p:spPr>
+          <a:xfrm flipH="1">
+            <a:off x="9684234" y="3898699"/>
+            <a:ext cx="787014" cy="0"/>
+          </a:xfrm>
+          <a:prstGeom prst="line">
+            <a:avLst/>
+          </a:prstGeom>
+          <a:ln>
+            <a:headEnd type="none" w="med" len="med"/>
+            <a:tailEnd type="arrow" w="med" len="med"/>
+          </a:ln>
+        </p:spPr>
+        <p:style>
+          <a:lnRef idx="3">
+            <a:schemeClr val="accent1"/>
+          </a:lnRef>
+          <a:fillRef idx="0">
+            <a:schemeClr val="accent1"/>
+          </a:fillRef>
+          <a:effectRef idx="2">
+            <a:schemeClr val="accent1"/>
+          </a:effectRef>
+          <a:fontRef idx="minor">
+            <a:schemeClr val="tx1"/>
+          </a:fontRef>
+        </p:style>
+      </p:cxnSp>
+      <p:cxnSp>
+        <p:nvCxnSpPr>
+          <p:cNvPr id="475" name="Straight Connector 474">
+            <a:extLst>
+              <a:ext uri="{FF2B5EF4-FFF2-40B4-BE49-F238E27FC236}">
+                <a16:creationId xmlns:a16="http://schemas.microsoft.com/office/drawing/2014/main" id="{FC719923-05D6-B6D3-956A-04D4AFFA9B32}"/>
+              </a:ext>
+            </a:extLst>
+          </p:cNvPr>
+          <p:cNvCxnSpPr>
+            <a:cxnSpLocks/>
+          </p:cNvCxnSpPr>
+          <p:nvPr/>
+        </p:nvCxnSpPr>
+        <p:spPr>
+          <a:xfrm flipH="1">
+            <a:off x="9705340" y="3680839"/>
+            <a:ext cx="885288" cy="0"/>
+          </a:xfrm>
+          <a:prstGeom prst="line">
+            <a:avLst/>
+          </a:prstGeom>
+          <a:ln>
+            <a:headEnd type="none" w="med" len="med"/>
+            <a:tailEnd type="arrow" w="med" len="med"/>
+          </a:ln>
+        </p:spPr>
+        <p:style>
+          <a:lnRef idx="3">
+            <a:schemeClr val="accent1"/>
+          </a:lnRef>
+          <a:fillRef idx="0">
+            <a:schemeClr val="accent1"/>
+          </a:fillRef>
+          <a:effectRef idx="2">
+            <a:schemeClr val="accent1"/>
+          </a:effectRef>
+          <a:fontRef idx="minor">
+            <a:schemeClr val="tx1"/>
+          </a:fontRef>
+        </p:style>
+      </p:cxnSp>
+      <p:cxnSp>
+        <p:nvCxnSpPr>
+          <p:cNvPr id="477" name="Straight Connector 476">
+            <a:extLst>
+              <a:ext uri="{FF2B5EF4-FFF2-40B4-BE49-F238E27FC236}">
+                <a16:creationId xmlns:a16="http://schemas.microsoft.com/office/drawing/2014/main" id="{BF69F556-010F-A012-215B-F53D94796836}"/>
+              </a:ext>
+            </a:extLst>
+          </p:cNvPr>
+          <p:cNvCxnSpPr>
+            <a:cxnSpLocks/>
+          </p:cNvCxnSpPr>
+          <p:nvPr/>
+        </p:nvCxnSpPr>
+        <p:spPr>
+          <a:xfrm flipH="1">
+            <a:off x="9710420" y="3471300"/>
+            <a:ext cx="997048" cy="0"/>
+          </a:xfrm>
+          <a:prstGeom prst="line">
+            <a:avLst/>
+          </a:prstGeom>
+          <a:ln>
+            <a:headEnd type="none" w="med" len="med"/>
+            <a:tailEnd type="arrow" w="med" len="med"/>
+          </a:ln>
+        </p:spPr>
+        <p:style>
+          <a:lnRef idx="3">
+            <a:schemeClr val="accent1"/>
+          </a:lnRef>
+          <a:fillRef idx="0">
+            <a:schemeClr val="accent1"/>
+          </a:fillRef>
+          <a:effectRef idx="2">
+            <a:schemeClr val="accent1"/>
+          </a:effectRef>
+          <a:fontRef idx="minor">
+            <a:schemeClr val="tx1"/>
+          </a:fontRef>
+        </p:style>
+      </p:cxnSp>
+      <p:cxnSp>
+        <p:nvCxnSpPr>
+          <p:cNvPr id="483" name="Straight Connector 482">
+            <a:extLst>
+              <a:ext uri="{FF2B5EF4-FFF2-40B4-BE49-F238E27FC236}">
+                <a16:creationId xmlns:a16="http://schemas.microsoft.com/office/drawing/2014/main" id="{21C09368-CDC2-DAA7-7959-70E94594184C}"/>
+              </a:ext>
+            </a:extLst>
+          </p:cNvPr>
+          <p:cNvCxnSpPr>
+            <a:cxnSpLocks/>
+          </p:cNvCxnSpPr>
+          <p:nvPr/>
+        </p:nvCxnSpPr>
+        <p:spPr>
+          <a:xfrm flipH="1" flipV="1">
+            <a:off x="3676542" y="4310841"/>
+            <a:ext cx="16372" cy="1359709"/>
+          </a:xfrm>
+          <a:prstGeom prst="line">
+            <a:avLst/>
+          </a:prstGeom>
+          <a:ln>
+            <a:headEnd type="none" w="med" len="med"/>
+            <a:tailEnd type="arrow" w="med" len="med"/>
+          </a:ln>
+        </p:spPr>
+        <p:style>
+          <a:lnRef idx="3">
+            <a:schemeClr val="accent1"/>
+          </a:lnRef>
+          <a:fillRef idx="0">
+            <a:schemeClr val="accent1"/>
+          </a:fillRef>
+          <a:effectRef idx="2">
+            <a:schemeClr val="accent1"/>
+          </a:effectRef>
+          <a:fontRef idx="minor">
+            <a:schemeClr val="tx1"/>
+          </a:fontRef>
+        </p:style>
+      </p:cxnSp>
+      <p:cxnSp>
+        <p:nvCxnSpPr>
+          <p:cNvPr id="493" name="Straight Connector 492">
+            <a:extLst>
+              <a:ext uri="{FF2B5EF4-FFF2-40B4-BE49-F238E27FC236}">
+                <a16:creationId xmlns:a16="http://schemas.microsoft.com/office/drawing/2014/main" id="{C9306A1B-99E7-2C27-243B-03F792110B27}"/>
+              </a:ext>
+            </a:extLst>
+          </p:cNvPr>
+          <p:cNvCxnSpPr>
+            <a:cxnSpLocks/>
+          </p:cNvCxnSpPr>
+          <p:nvPr/>
+        </p:nvCxnSpPr>
+        <p:spPr>
+          <a:xfrm>
+            <a:off x="3693364" y="5673992"/>
+            <a:ext cx="7200696" cy="0"/>
+          </a:xfrm>
+          <a:prstGeom prst="line">
+            <a:avLst/>
+          </a:prstGeom>
+          <a:ln>
+            <a:headEnd type="none" w="med" len="med"/>
+            <a:tailEnd type="none" w="med" len="med"/>
+          </a:ln>
+        </p:spPr>
+        <p:style>
+          <a:lnRef idx="3">
+            <a:schemeClr val="accent1"/>
+          </a:lnRef>
+          <a:fillRef idx="0">
+            <a:schemeClr val="accent1"/>
+          </a:fillRef>
+          <a:effectRef idx="2">
+            <a:schemeClr val="accent1"/>
+          </a:effectRef>
+          <a:fontRef idx="minor">
+            <a:schemeClr val="tx1"/>
+          </a:fontRef>
+        </p:style>
+      </p:cxnSp>
+      <p:cxnSp>
+        <p:nvCxnSpPr>
+          <p:cNvPr id="494" name="Straight Connector 493">
+            <a:extLst>
+              <a:ext uri="{FF2B5EF4-FFF2-40B4-BE49-F238E27FC236}">
+                <a16:creationId xmlns:a16="http://schemas.microsoft.com/office/drawing/2014/main" id="{8553D8D1-1389-D735-4D6A-16A0DC76D452}"/>
+              </a:ext>
+            </a:extLst>
+          </p:cNvPr>
+          <p:cNvCxnSpPr>
+            <a:cxnSpLocks/>
+          </p:cNvCxnSpPr>
+          <p:nvPr/>
+        </p:nvCxnSpPr>
+        <p:spPr>
+          <a:xfrm>
+            <a:off x="2564130" y="5746750"/>
+            <a:ext cx="8428990" cy="3442"/>
+          </a:xfrm>
+          <a:prstGeom prst="line">
+            <a:avLst/>
+          </a:prstGeom>
+          <a:ln>
+            <a:headEnd type="none" w="med" len="med"/>
+            <a:tailEnd type="none" w="med" len="med"/>
+          </a:ln>
+        </p:spPr>
+        <p:style>
+          <a:lnRef idx="3">
+            <a:schemeClr val="accent1"/>
+          </a:lnRef>
+          <a:fillRef idx="0">
+            <a:schemeClr val="accent1"/>
+          </a:fillRef>
+          <a:effectRef idx="2">
+            <a:schemeClr val="accent1"/>
+          </a:effectRef>
+          <a:fontRef idx="minor">
+            <a:schemeClr val="tx1"/>
+          </a:fontRef>
+        </p:style>
+      </p:cxnSp>
+      <p:cxnSp>
+        <p:nvCxnSpPr>
+          <p:cNvPr id="497" name="Straight Connector 496">
+            <a:extLst>
+              <a:ext uri="{FF2B5EF4-FFF2-40B4-BE49-F238E27FC236}">
+                <a16:creationId xmlns:a16="http://schemas.microsoft.com/office/drawing/2014/main" id="{E3409F8C-E3B8-609D-6975-170B9527F15B}"/>
+              </a:ext>
+            </a:extLst>
+          </p:cNvPr>
+          <p:cNvCxnSpPr>
+            <a:cxnSpLocks/>
+          </p:cNvCxnSpPr>
+          <p:nvPr/>
+        </p:nvCxnSpPr>
+        <p:spPr>
+          <a:xfrm flipV="1">
+            <a:off x="10898354" y="2934970"/>
+            <a:ext cx="0" cy="2749593"/>
+          </a:xfrm>
+          <a:prstGeom prst="line">
+            <a:avLst/>
+          </a:prstGeom>
+          <a:ln>
+            <a:headEnd type="none" w="med" len="med"/>
+            <a:tailEnd type="none" w="med" len="med"/>
+          </a:ln>
+        </p:spPr>
+        <p:style>
+          <a:lnRef idx="3">
+            <a:schemeClr val="accent1"/>
+          </a:lnRef>
+          <a:fillRef idx="0">
+            <a:schemeClr val="accent1"/>
+          </a:fillRef>
+          <a:effectRef idx="2">
+            <a:schemeClr val="accent1"/>
+          </a:effectRef>
+          <a:fontRef idx="minor">
+            <a:schemeClr val="tx1"/>
+          </a:fontRef>
+        </p:style>
+      </p:cxnSp>
+      <p:cxnSp>
+        <p:nvCxnSpPr>
+          <p:cNvPr id="498" name="Straight Connector 497">
+            <a:extLst>
+              <a:ext uri="{FF2B5EF4-FFF2-40B4-BE49-F238E27FC236}">
+                <a16:creationId xmlns:a16="http://schemas.microsoft.com/office/drawing/2014/main" id="{FB9F20C7-7B6C-E9F4-77C7-25ECA64437ED}"/>
+              </a:ext>
+            </a:extLst>
+          </p:cNvPr>
+          <p:cNvCxnSpPr>
+            <a:cxnSpLocks/>
+          </p:cNvCxnSpPr>
+          <p:nvPr/>
+        </p:nvCxnSpPr>
+        <p:spPr>
+          <a:xfrm flipV="1">
+            <a:off x="10997414" y="2729732"/>
+            <a:ext cx="0" cy="3036717"/>
+          </a:xfrm>
+          <a:prstGeom prst="line">
+            <a:avLst/>
+          </a:prstGeom>
+          <a:ln>
+            <a:headEnd type="none" w="med" len="med"/>
+            <a:tailEnd type="none" w="med" len="med"/>
+          </a:ln>
+        </p:spPr>
+        <p:style>
+          <a:lnRef idx="3">
+            <a:schemeClr val="accent1"/>
+          </a:lnRef>
+          <a:fillRef idx="0">
+            <a:schemeClr val="accent1"/>
+          </a:fillRef>
+          <a:effectRef idx="2">
+            <a:schemeClr val="accent1"/>
+          </a:effectRef>
+          <a:fontRef idx="minor">
+            <a:schemeClr val="tx1"/>
+          </a:fontRef>
+        </p:style>
+      </p:cxnSp>
+      <p:cxnSp>
+        <p:nvCxnSpPr>
+          <p:cNvPr id="503" name="Straight Connector 502">
+            <a:extLst>
+              <a:ext uri="{FF2B5EF4-FFF2-40B4-BE49-F238E27FC236}">
+                <a16:creationId xmlns:a16="http://schemas.microsoft.com/office/drawing/2014/main" id="{00456148-901A-4535-76BB-4EE1E78A2A73}"/>
+              </a:ext>
+            </a:extLst>
+          </p:cNvPr>
+          <p:cNvCxnSpPr>
+            <a:cxnSpLocks/>
+          </p:cNvCxnSpPr>
+          <p:nvPr/>
+        </p:nvCxnSpPr>
+        <p:spPr>
+          <a:xfrm flipH="1">
+            <a:off x="9707880" y="2931503"/>
+            <a:ext cx="1182370" cy="0"/>
+          </a:xfrm>
+          <a:prstGeom prst="line">
+            <a:avLst/>
+          </a:prstGeom>
+          <a:ln>
+            <a:headEnd type="none" w="med" len="med"/>
+            <a:tailEnd type="arrow" w="med" len="med"/>
+          </a:ln>
+        </p:spPr>
+        <p:style>
+          <a:lnRef idx="3">
+            <a:schemeClr val="accent1"/>
+          </a:lnRef>
+          <a:fillRef idx="0">
+            <a:schemeClr val="accent1"/>
+          </a:fillRef>
+          <a:effectRef idx="2">
+            <a:schemeClr val="accent1"/>
+          </a:effectRef>
+          <a:fontRef idx="minor">
+            <a:schemeClr val="tx1"/>
+          </a:fontRef>
+        </p:style>
+      </p:cxnSp>
+      <p:cxnSp>
+        <p:nvCxnSpPr>
+          <p:cNvPr id="508" name="Straight Connector 507">
+            <a:extLst>
+              <a:ext uri="{FF2B5EF4-FFF2-40B4-BE49-F238E27FC236}">
+                <a16:creationId xmlns:a16="http://schemas.microsoft.com/office/drawing/2014/main" id="{FE800940-74F5-00DB-02E1-ECA6838BA476}"/>
+              </a:ext>
+            </a:extLst>
+          </p:cNvPr>
+          <p:cNvCxnSpPr>
+            <a:cxnSpLocks/>
+          </p:cNvCxnSpPr>
+          <p:nvPr/>
+        </p:nvCxnSpPr>
+        <p:spPr>
+          <a:xfrm flipH="1" flipV="1">
+            <a:off x="9716770" y="2718251"/>
+            <a:ext cx="1291313" cy="5915"/>
+          </a:xfrm>
+          <a:prstGeom prst="line">
+            <a:avLst/>
+          </a:prstGeom>
+          <a:ln>
+            <a:headEnd type="none" w="med" len="med"/>
+            <a:tailEnd type="arrow" w="med" len="med"/>
+          </a:ln>
+        </p:spPr>
+        <p:style>
+          <a:lnRef idx="3">
+            <a:schemeClr val="accent1"/>
+          </a:lnRef>
+          <a:fillRef idx="0">
+            <a:schemeClr val="accent1"/>
+          </a:fillRef>
+          <a:effectRef idx="2">
+            <a:schemeClr val="accent1"/>
+          </a:effectRef>
+          <a:fontRef idx="minor">
+            <a:schemeClr val="tx1"/>
+          </a:fontRef>
+        </p:style>
+      </p:cxnSp>
+      <p:cxnSp>
+        <p:nvCxnSpPr>
+          <p:cNvPr id="85" name="Straight Connector 84">
+            <a:extLst>
+              <a:ext uri="{FF2B5EF4-FFF2-40B4-BE49-F238E27FC236}">
+                <a16:creationId xmlns:a16="http://schemas.microsoft.com/office/drawing/2014/main" id="{796A7F15-5862-6EB1-7CA2-774EB0B0C575}"/>
+              </a:ext>
+            </a:extLst>
+          </p:cNvPr>
+          <p:cNvCxnSpPr>
+            <a:cxnSpLocks/>
+          </p:cNvCxnSpPr>
+          <p:nvPr/>
+        </p:nvCxnSpPr>
+        <p:spPr>
+          <a:xfrm flipH="1">
+            <a:off x="2977794" y="3054010"/>
+            <a:ext cx="957656" cy="0"/>
+          </a:xfrm>
+          <a:prstGeom prst="line">
+            <a:avLst/>
+          </a:prstGeom>
+          <a:ln>
+            <a:headEnd type="none" w="med" len="med"/>
+            <a:tailEnd type="arrow" w="med" len="med"/>
+          </a:ln>
+        </p:spPr>
+        <p:style>
+          <a:lnRef idx="3">
+            <a:schemeClr val="accent1"/>
+          </a:lnRef>
+          <a:fillRef idx="0">
+            <a:schemeClr val="accent1"/>
+          </a:fillRef>
+          <a:effectRef idx="2">
+            <a:schemeClr val="accent1"/>
+          </a:effectRef>
+          <a:fontRef idx="minor">
+            <a:schemeClr val="tx1"/>
+          </a:fontRef>
+        </p:style>
+      </p:cxnSp>
+      <p:cxnSp>
+        <p:nvCxnSpPr>
+          <p:cNvPr id="86" name="Straight Connector 85">
+            <a:extLst>
+              <a:ext uri="{FF2B5EF4-FFF2-40B4-BE49-F238E27FC236}">
+                <a16:creationId xmlns:a16="http://schemas.microsoft.com/office/drawing/2014/main" id="{5E478AEA-9A8B-872B-2222-5BC888EEBC70}"/>
+              </a:ext>
+            </a:extLst>
+          </p:cNvPr>
+          <p:cNvCxnSpPr>
+            <a:cxnSpLocks/>
+          </p:cNvCxnSpPr>
+          <p:nvPr/>
+        </p:nvCxnSpPr>
+        <p:spPr>
+          <a:xfrm flipH="1">
+            <a:off x="2977794" y="3132268"/>
+            <a:ext cx="1169042" cy="11129"/>
+          </a:xfrm>
+          <a:prstGeom prst="line">
+            <a:avLst/>
+          </a:prstGeom>
+          <a:ln>
+            <a:headEnd type="none" w="med" len="med"/>
+            <a:tailEnd type="arrow" w="med" len="med"/>
+          </a:ln>
+        </p:spPr>
+        <p:style>
+          <a:lnRef idx="3">
+            <a:schemeClr val="accent1"/>
+          </a:lnRef>
+          <a:fillRef idx="0">
+            <a:schemeClr val="accent1"/>
+          </a:fillRef>
+          <a:effectRef idx="2">
+            <a:schemeClr val="accent1"/>
+          </a:effectRef>
+          <a:fontRef idx="minor">
+            <a:schemeClr val="tx1"/>
+          </a:fontRef>
+        </p:style>
+      </p:cxnSp>
+      <p:cxnSp>
+        <p:nvCxnSpPr>
+          <p:cNvPr id="89" name="Straight Connector 88">
+            <a:extLst>
+              <a:ext uri="{FF2B5EF4-FFF2-40B4-BE49-F238E27FC236}">
+                <a16:creationId xmlns:a16="http://schemas.microsoft.com/office/drawing/2014/main" id="{F46D2811-C407-CA72-D4F1-165281635564}"/>
+              </a:ext>
+            </a:extLst>
+          </p:cNvPr>
+          <p:cNvCxnSpPr>
+            <a:cxnSpLocks/>
+          </p:cNvCxnSpPr>
+          <p:nvPr/>
+        </p:nvCxnSpPr>
+        <p:spPr>
+          <a:xfrm flipV="1">
+            <a:off x="3935450" y="1361440"/>
+            <a:ext cx="0" cy="1693279"/>
+          </a:xfrm>
+          <a:prstGeom prst="line">
+            <a:avLst/>
+          </a:prstGeom>
+          <a:ln>
+            <a:headEnd type="none" w="med" len="med"/>
+            <a:tailEnd type="none" w="med" len="med"/>
+          </a:ln>
+        </p:spPr>
+        <p:style>
+          <a:lnRef idx="3">
+            <a:schemeClr val="accent1"/>
+          </a:lnRef>
+          <a:fillRef idx="0">
+            <a:schemeClr val="accent1"/>
+          </a:fillRef>
+          <a:effectRef idx="2">
+            <a:schemeClr val="accent1"/>
+          </a:effectRef>
+          <a:fontRef idx="minor">
+            <a:schemeClr val="tx1"/>
+          </a:fontRef>
+        </p:style>
+      </p:cxnSp>
+      <p:cxnSp>
+        <p:nvCxnSpPr>
+          <p:cNvPr id="91" name="Straight Connector 90">
+            <a:extLst>
+              <a:ext uri="{FF2B5EF4-FFF2-40B4-BE49-F238E27FC236}">
+                <a16:creationId xmlns:a16="http://schemas.microsoft.com/office/drawing/2014/main" id="{AD6AFF25-0E0E-A58D-880B-9692CFCD273A}"/>
+              </a:ext>
+            </a:extLst>
+          </p:cNvPr>
+          <p:cNvCxnSpPr>
+            <a:cxnSpLocks/>
+          </p:cNvCxnSpPr>
+          <p:nvPr/>
+        </p:nvCxnSpPr>
+        <p:spPr>
+          <a:xfrm flipV="1">
+            <a:off x="4140970" y="1490980"/>
+            <a:ext cx="7388" cy="1646502"/>
+          </a:xfrm>
+          <a:prstGeom prst="line">
+            <a:avLst/>
+          </a:prstGeom>
+          <a:ln>
+            <a:headEnd type="none" w="med" len="med"/>
+            <a:tailEnd type="none" w="med" len="med"/>
+          </a:ln>
+        </p:spPr>
+        <p:style>
+          <a:lnRef idx="3">
+            <a:schemeClr val="accent1"/>
+          </a:lnRef>
+          <a:fillRef idx="0">
+            <a:schemeClr val="accent1"/>
+          </a:fillRef>
+          <a:effectRef idx="2">
+            <a:schemeClr val="accent1"/>
+          </a:effectRef>
+          <a:fontRef idx="minor">
+            <a:schemeClr val="tx1"/>
+          </a:fontRef>
+        </p:style>
+      </p:cxnSp>
+      <p:cxnSp>
+        <p:nvCxnSpPr>
+          <p:cNvPr id="105" name="Straight Connector 104">
+            <a:extLst>
+              <a:ext uri="{FF2B5EF4-FFF2-40B4-BE49-F238E27FC236}">
+                <a16:creationId xmlns:a16="http://schemas.microsoft.com/office/drawing/2014/main" id="{47232053-A723-A111-1AF9-418E1D8653A6}"/>
+              </a:ext>
+            </a:extLst>
+          </p:cNvPr>
+          <p:cNvCxnSpPr>
+            <a:cxnSpLocks/>
+          </p:cNvCxnSpPr>
+          <p:nvPr/>
+        </p:nvCxnSpPr>
+        <p:spPr>
+          <a:xfrm flipH="1" flipV="1">
+            <a:off x="4151332" y="1491107"/>
+            <a:ext cx="3619657" cy="13177"/>
+          </a:xfrm>
+          <a:prstGeom prst="line">
+            <a:avLst/>
+          </a:prstGeom>
+          <a:ln>
+            <a:headEnd type="none" w="med" len="med"/>
+            <a:tailEnd type="none" w="med" len="med"/>
+          </a:ln>
+        </p:spPr>
+        <p:style>
+          <a:lnRef idx="3">
+            <a:schemeClr val="accent1"/>
+          </a:lnRef>
+          <a:fillRef idx="0">
+            <a:schemeClr val="accent1"/>
+          </a:fillRef>
+          <a:effectRef idx="2">
+            <a:schemeClr val="accent1"/>
+          </a:effectRef>
+          <a:fontRef idx="minor">
+            <a:schemeClr val="tx1"/>
+          </a:fontRef>
+        </p:style>
+      </p:cxnSp>
+      <p:cxnSp>
+        <p:nvCxnSpPr>
+          <p:cNvPr id="106" name="Straight Connector 105">
+            <a:extLst>
+              <a:ext uri="{FF2B5EF4-FFF2-40B4-BE49-F238E27FC236}">
+                <a16:creationId xmlns:a16="http://schemas.microsoft.com/office/drawing/2014/main" id="{416A84BC-9305-3E31-1564-6CBF2E9E17E7}"/>
+              </a:ext>
+            </a:extLst>
+          </p:cNvPr>
+          <p:cNvCxnSpPr>
+            <a:cxnSpLocks/>
+          </p:cNvCxnSpPr>
+          <p:nvPr/>
+        </p:nvCxnSpPr>
+        <p:spPr>
+          <a:xfrm flipH="1">
+            <a:off x="3935450" y="1365679"/>
+            <a:ext cx="4004590" cy="0"/>
+          </a:xfrm>
+          <a:prstGeom prst="line">
+            <a:avLst/>
+          </a:prstGeom>
+          <a:ln>
+            <a:headEnd type="none" w="med" len="med"/>
+            <a:tailEnd type="none" w="med" len="med"/>
+          </a:ln>
+        </p:spPr>
+        <p:style>
+          <a:lnRef idx="3">
+            <a:schemeClr val="accent1"/>
+          </a:lnRef>
+          <a:fillRef idx="0">
+            <a:schemeClr val="accent1"/>
+          </a:fillRef>
+          <a:effectRef idx="2">
+            <a:schemeClr val="accent1"/>
+          </a:effectRef>
+          <a:fontRef idx="minor">
+            <a:schemeClr val="tx1"/>
+          </a:fontRef>
+        </p:style>
+      </p:cxnSp>
+      <p:cxnSp>
+        <p:nvCxnSpPr>
+          <p:cNvPr id="109" name="Straight Connector 108">
+            <a:extLst>
+              <a:ext uri="{FF2B5EF4-FFF2-40B4-BE49-F238E27FC236}">
+                <a16:creationId xmlns:a16="http://schemas.microsoft.com/office/drawing/2014/main" id="{F72BD81F-1F2A-8194-D8C2-DAD167386EBD}"/>
+              </a:ext>
+            </a:extLst>
+          </p:cNvPr>
+          <p:cNvCxnSpPr>
+            <a:cxnSpLocks/>
+          </p:cNvCxnSpPr>
+          <p:nvPr/>
+        </p:nvCxnSpPr>
+        <p:spPr>
+          <a:xfrm>
+            <a:off x="5614863" y="2588132"/>
+            <a:ext cx="0" cy="141600"/>
+          </a:xfrm>
+          <a:prstGeom prst="line">
+            <a:avLst/>
+          </a:prstGeom>
+          <a:ln>
+            <a:headEnd type="none" w="med" len="med"/>
+            <a:tailEnd type="none" w="med" len="med"/>
+          </a:ln>
+        </p:spPr>
+        <p:style>
+          <a:lnRef idx="3">
+            <a:schemeClr val="accent3"/>
+          </a:lnRef>
+          <a:fillRef idx="0">
+            <a:schemeClr val="accent3"/>
+          </a:fillRef>
+          <a:effectRef idx="2">
+            <a:schemeClr val="accent3"/>
+          </a:effectRef>
+          <a:fontRef idx="minor">
+            <a:schemeClr val="tx1"/>
+          </a:fontRef>
+        </p:style>
+      </p:cxnSp>
+      <p:cxnSp>
+        <p:nvCxnSpPr>
+          <p:cNvPr id="119" name="Straight Connector 118">
+            <a:extLst>
+              <a:ext uri="{FF2B5EF4-FFF2-40B4-BE49-F238E27FC236}">
+                <a16:creationId xmlns:a16="http://schemas.microsoft.com/office/drawing/2014/main" id="{84D298D0-EF31-C3FD-C452-C6977AE5F103}"/>
+              </a:ext>
+            </a:extLst>
+          </p:cNvPr>
+          <p:cNvCxnSpPr>
+            <a:cxnSpLocks/>
+          </p:cNvCxnSpPr>
+          <p:nvPr/>
+        </p:nvCxnSpPr>
+        <p:spPr>
+          <a:xfrm>
+            <a:off x="6289542" y="2472721"/>
+            <a:ext cx="6079" cy="803881"/>
+          </a:xfrm>
+          <a:prstGeom prst="line">
+            <a:avLst/>
+          </a:prstGeom>
+          <a:ln>
+            <a:headEnd type="none" w="med" len="med"/>
+            <a:tailEnd type="none" w="med" len="med"/>
+          </a:ln>
+        </p:spPr>
+        <p:style>
+          <a:lnRef idx="3">
+            <a:schemeClr val="accent2"/>
+          </a:lnRef>
+          <a:fillRef idx="0">
+            <a:schemeClr val="accent2"/>
+          </a:fillRef>
+          <a:effectRef idx="2">
+            <a:schemeClr val="accent2"/>
+          </a:effectRef>
+          <a:fontRef idx="minor">
+            <a:schemeClr val="tx1"/>
+          </a:fontRef>
+        </p:style>
+      </p:cxnSp>
+      <p:cxnSp>
+        <p:nvCxnSpPr>
+          <p:cNvPr id="127" name="Straight Connector 126">
+            <a:extLst>
+              <a:ext uri="{FF2B5EF4-FFF2-40B4-BE49-F238E27FC236}">
+                <a16:creationId xmlns:a16="http://schemas.microsoft.com/office/drawing/2014/main" id="{57555351-EF6E-331D-B4CE-020A546C8DE9}"/>
+              </a:ext>
+            </a:extLst>
+          </p:cNvPr>
+          <p:cNvCxnSpPr>
+            <a:cxnSpLocks/>
+          </p:cNvCxnSpPr>
+          <p:nvPr/>
+        </p:nvCxnSpPr>
+        <p:spPr>
+          <a:xfrm flipV="1">
+            <a:off x="7767704" y="1510030"/>
+            <a:ext cx="0" cy="765810"/>
+          </a:xfrm>
+          <a:prstGeom prst="line">
+            <a:avLst/>
+          </a:prstGeom>
+          <a:ln>
+            <a:headEnd type="none" w="med" len="med"/>
+            <a:tailEnd type="none" w="med" len="med"/>
+          </a:ln>
+        </p:spPr>
+        <p:style>
+          <a:lnRef idx="3">
+            <a:schemeClr val="accent1"/>
+          </a:lnRef>
+          <a:fillRef idx="0">
+            <a:schemeClr val="accent1"/>
+          </a:fillRef>
+          <a:effectRef idx="2">
+            <a:schemeClr val="accent1"/>
+          </a:effectRef>
+          <a:fontRef idx="minor">
+            <a:schemeClr val="tx1"/>
+          </a:fontRef>
+        </p:style>
+      </p:cxnSp>
+      <p:cxnSp>
+        <p:nvCxnSpPr>
+          <p:cNvPr id="134" name="Straight Connector 133">
+            <a:extLst>
+              <a:ext uri="{FF2B5EF4-FFF2-40B4-BE49-F238E27FC236}">
+                <a16:creationId xmlns:a16="http://schemas.microsoft.com/office/drawing/2014/main" id="{B222EA5B-32CA-50B5-3735-FA8248AA4FA6}"/>
+              </a:ext>
+            </a:extLst>
+          </p:cNvPr>
+          <p:cNvCxnSpPr>
+            <a:cxnSpLocks/>
+          </p:cNvCxnSpPr>
+          <p:nvPr/>
+        </p:nvCxnSpPr>
+        <p:spPr>
+          <a:xfrm flipH="1" flipV="1">
+            <a:off x="7449396" y="2255263"/>
+            <a:ext cx="331784" cy="7008"/>
+          </a:xfrm>
+          <a:prstGeom prst="line">
+            <a:avLst/>
+          </a:prstGeom>
+          <a:ln>
+            <a:headEnd type="none" w="med" len="med"/>
+            <a:tailEnd type="arrow" w="med" len="med"/>
+          </a:ln>
+        </p:spPr>
+        <p:style>
+          <a:lnRef idx="3">
+            <a:schemeClr val="accent1"/>
+          </a:lnRef>
+          <a:fillRef idx="0">
+            <a:schemeClr val="accent1"/>
+          </a:fillRef>
+          <a:effectRef idx="2">
+            <a:schemeClr val="accent1"/>
+          </a:effectRef>
+          <a:fontRef idx="minor">
+            <a:schemeClr val="tx1"/>
+          </a:fontRef>
+        </p:style>
+      </p:cxnSp>
+      <p:cxnSp>
+        <p:nvCxnSpPr>
+          <p:cNvPr id="136" name="Straight Connector 135">
+            <a:extLst>
+              <a:ext uri="{FF2B5EF4-FFF2-40B4-BE49-F238E27FC236}">
+                <a16:creationId xmlns:a16="http://schemas.microsoft.com/office/drawing/2014/main" id="{5C7B3870-AC38-D5BC-82B4-76BD3861AD2D}"/>
+              </a:ext>
+            </a:extLst>
+          </p:cNvPr>
+          <p:cNvCxnSpPr>
+            <a:cxnSpLocks/>
+          </p:cNvCxnSpPr>
+          <p:nvPr/>
+        </p:nvCxnSpPr>
+        <p:spPr>
+          <a:xfrm flipV="1">
+            <a:off x="7942139" y="1357630"/>
+            <a:ext cx="0" cy="1016347"/>
+          </a:xfrm>
+          <a:prstGeom prst="line">
+            <a:avLst/>
+          </a:prstGeom>
+          <a:ln>
+            <a:headEnd type="none" w="med" len="med"/>
+            <a:tailEnd type="none" w="med" len="med"/>
+          </a:ln>
+        </p:spPr>
+        <p:style>
+          <a:lnRef idx="3">
+            <a:schemeClr val="accent1"/>
+          </a:lnRef>
+          <a:fillRef idx="0">
+            <a:schemeClr val="accent1"/>
+          </a:fillRef>
+          <a:effectRef idx="2">
+            <a:schemeClr val="accent1"/>
+          </a:effectRef>
+          <a:fontRef idx="minor">
+            <a:schemeClr val="tx1"/>
+          </a:fontRef>
+        </p:style>
+      </p:cxnSp>
+      <p:cxnSp>
+        <p:nvCxnSpPr>
+          <p:cNvPr id="141" name="Straight Connector 140">
+            <a:extLst>
+              <a:ext uri="{FF2B5EF4-FFF2-40B4-BE49-F238E27FC236}">
+                <a16:creationId xmlns:a16="http://schemas.microsoft.com/office/drawing/2014/main" id="{6AA38217-2F1D-D8E1-4568-1799FC622EE0}"/>
+              </a:ext>
+            </a:extLst>
+          </p:cNvPr>
+          <p:cNvCxnSpPr>
+            <a:cxnSpLocks/>
+          </p:cNvCxnSpPr>
+          <p:nvPr/>
+        </p:nvCxnSpPr>
+        <p:spPr>
+          <a:xfrm flipH="1" flipV="1">
+            <a:off x="7449396" y="2368896"/>
+            <a:ext cx="499883" cy="8644"/>
+          </a:xfrm>
+          <a:prstGeom prst="line">
+            <a:avLst/>
+          </a:prstGeom>
+          <a:ln>
+            <a:headEnd type="none" w="med" len="med"/>
+            <a:tailEnd type="arrow" w="med" len="med"/>
+          </a:ln>
+        </p:spPr>
+        <p:style>
+          <a:lnRef idx="3">
+            <a:schemeClr val="accent1"/>
+          </a:lnRef>
+          <a:fillRef idx="0">
+            <a:schemeClr val="accent1"/>
+          </a:fillRef>
+          <a:effectRef idx="2">
+            <a:schemeClr val="accent1"/>
+          </a:effectRef>
+          <a:fontRef idx="minor">
+            <a:schemeClr val="tx1"/>
+          </a:fontRef>
+        </p:style>
+      </p:cxnSp>
+      <p:cxnSp>
+        <p:nvCxnSpPr>
+          <p:cNvPr id="5" name="Straight Connector 4">
+            <a:extLst>
+              <a:ext uri="{FF2B5EF4-FFF2-40B4-BE49-F238E27FC236}">
+                <a16:creationId xmlns:a16="http://schemas.microsoft.com/office/drawing/2014/main" id="{0E50F69D-9FD4-AEAF-F06E-F9E97CC8C91B}"/>
+              </a:ext>
+            </a:extLst>
+          </p:cNvPr>
+          <p:cNvCxnSpPr>
+            <a:cxnSpLocks/>
+          </p:cNvCxnSpPr>
+          <p:nvPr/>
+        </p:nvCxnSpPr>
+        <p:spPr>
+          <a:xfrm>
+            <a:off x="8580120" y="2930015"/>
+            <a:ext cx="1039537" cy="0"/>
+          </a:xfrm>
+          <a:prstGeom prst="line">
+            <a:avLst/>
+          </a:prstGeom>
+          <a:ln>
+            <a:headEnd type="none" w="med" len="med"/>
+            <a:tailEnd type="arrow" w="med" len="med"/>
+          </a:ln>
+        </p:spPr>
+        <p:style>
+          <a:lnRef idx="3">
+            <a:schemeClr val="accent3"/>
+          </a:lnRef>
+          <a:fillRef idx="0">
+            <a:schemeClr val="accent3"/>
+          </a:fillRef>
+          <a:effectRef idx="2">
+            <a:schemeClr val="accent3"/>
+          </a:effectRef>
+          <a:fontRef idx="minor">
+            <a:schemeClr val="tx1"/>
+          </a:fontRef>
+        </p:style>
+      </p:cxnSp>
+      <p:cxnSp>
+        <p:nvCxnSpPr>
+          <p:cNvPr id="6" name="Straight Connector 5">
+            <a:extLst>
+              <a:ext uri="{FF2B5EF4-FFF2-40B4-BE49-F238E27FC236}">
+                <a16:creationId xmlns:a16="http://schemas.microsoft.com/office/drawing/2014/main" id="{96C31954-0CE2-0AA6-1012-70128370F23B}"/>
+              </a:ext>
+            </a:extLst>
+          </p:cNvPr>
+          <p:cNvCxnSpPr>
+            <a:cxnSpLocks/>
+          </p:cNvCxnSpPr>
+          <p:nvPr/>
+        </p:nvCxnSpPr>
+        <p:spPr>
+          <a:xfrm flipV="1">
+            <a:off x="8733099" y="2495136"/>
+            <a:ext cx="886558" cy="8551"/>
+          </a:xfrm>
+          <a:prstGeom prst="line">
+            <a:avLst/>
+          </a:prstGeom>
+          <a:ln>
+            <a:headEnd type="none" w="med" len="med"/>
+            <a:tailEnd type="arrow" w="med" len="med"/>
+          </a:ln>
+        </p:spPr>
+        <p:style>
+          <a:lnRef idx="3">
+            <a:schemeClr val="accent3"/>
+          </a:lnRef>
+          <a:fillRef idx="0">
+            <a:schemeClr val="accent3"/>
+          </a:fillRef>
+          <a:effectRef idx="2">
+            <a:schemeClr val="accent3"/>
+          </a:effectRef>
+          <a:fontRef idx="minor">
+            <a:schemeClr val="tx1"/>
+          </a:fontRef>
+        </p:style>
+      </p:cxnSp>
+      <p:cxnSp>
+        <p:nvCxnSpPr>
+          <p:cNvPr id="11" name="Straight Connector 10">
+            <a:extLst>
+              <a:ext uri="{FF2B5EF4-FFF2-40B4-BE49-F238E27FC236}">
+                <a16:creationId xmlns:a16="http://schemas.microsoft.com/office/drawing/2014/main" id="{B09773AB-25CB-3CDF-DD8F-52BB959E4678}"/>
+              </a:ext>
+            </a:extLst>
+          </p:cNvPr>
+          <p:cNvCxnSpPr>
+            <a:cxnSpLocks/>
+          </p:cNvCxnSpPr>
+          <p:nvPr/>
+        </p:nvCxnSpPr>
+        <p:spPr>
+          <a:xfrm flipV="1">
+            <a:off x="8744223" y="917376"/>
+            <a:ext cx="0" cy="1586311"/>
+          </a:xfrm>
+          <a:prstGeom prst="line">
+            <a:avLst/>
+          </a:prstGeom>
+          <a:ln>
+            <a:headEnd type="none" w="med" len="med"/>
+            <a:tailEnd type="none" w="med" len="med"/>
+          </a:ln>
+        </p:spPr>
+        <p:style>
+          <a:lnRef idx="3">
+            <a:schemeClr val="accent3"/>
+          </a:lnRef>
+          <a:fillRef idx="0">
+            <a:schemeClr val="accent3"/>
+          </a:fillRef>
+          <a:effectRef idx="2">
+            <a:schemeClr val="accent3"/>
+          </a:effectRef>
+          <a:fontRef idx="minor">
+            <a:schemeClr val="tx1"/>
+          </a:fontRef>
+        </p:style>
+      </p:cxnSp>
+      <p:cxnSp>
+        <p:nvCxnSpPr>
+          <p:cNvPr id="12" name="Straight Connector 11">
+            <a:extLst>
+              <a:ext uri="{FF2B5EF4-FFF2-40B4-BE49-F238E27FC236}">
+                <a16:creationId xmlns:a16="http://schemas.microsoft.com/office/drawing/2014/main" id="{0541299A-F305-1BE4-5B26-8035033D2EC1}"/>
+              </a:ext>
+            </a:extLst>
+          </p:cNvPr>
+          <p:cNvCxnSpPr>
+            <a:cxnSpLocks/>
+          </p:cNvCxnSpPr>
+          <p:nvPr/>
+        </p:nvCxnSpPr>
+        <p:spPr>
+          <a:xfrm flipV="1">
+            <a:off x="8576583" y="1046480"/>
+            <a:ext cx="0" cy="1875286"/>
+          </a:xfrm>
+          <a:prstGeom prst="line">
+            <a:avLst/>
+          </a:prstGeom>
+          <a:ln>
+            <a:headEnd type="none" w="med" len="med"/>
+            <a:tailEnd type="none" w="med" len="med"/>
+          </a:ln>
+        </p:spPr>
+        <p:style>
+          <a:lnRef idx="3">
+            <a:schemeClr val="accent3"/>
+          </a:lnRef>
+          <a:fillRef idx="0">
+            <a:schemeClr val="accent3"/>
+          </a:fillRef>
+          <a:effectRef idx="2">
+            <a:schemeClr val="accent3"/>
+          </a:effectRef>
+          <a:fontRef idx="minor">
+            <a:schemeClr val="tx1"/>
+          </a:fontRef>
+        </p:style>
+      </p:cxnSp>
+      <p:cxnSp>
+        <p:nvCxnSpPr>
+          <p:cNvPr id="17" name="Straight Connector 16">
+            <a:extLst>
+              <a:ext uri="{FF2B5EF4-FFF2-40B4-BE49-F238E27FC236}">
+                <a16:creationId xmlns:a16="http://schemas.microsoft.com/office/drawing/2014/main" id="{1BCD60A8-6903-879B-F239-40DF475345F0}"/>
+              </a:ext>
+            </a:extLst>
+          </p:cNvPr>
+          <p:cNvCxnSpPr>
+            <a:cxnSpLocks/>
+          </p:cNvCxnSpPr>
+          <p:nvPr/>
+        </p:nvCxnSpPr>
+        <p:spPr>
+          <a:xfrm flipH="1">
+            <a:off x="5626608" y="1042591"/>
+            <a:ext cx="2959786" cy="0"/>
+          </a:xfrm>
+          <a:prstGeom prst="line">
+            <a:avLst/>
+          </a:prstGeom>
+          <a:ln>
+            <a:headEnd type="none" w="med" len="med"/>
+            <a:tailEnd type="none" w="med" len="med"/>
+          </a:ln>
+        </p:spPr>
+        <p:style>
+          <a:lnRef idx="3">
+            <a:schemeClr val="accent3"/>
+          </a:lnRef>
+          <a:fillRef idx="0">
+            <a:schemeClr val="accent3"/>
+          </a:fillRef>
+          <a:effectRef idx="2">
+            <a:schemeClr val="accent3"/>
+          </a:effectRef>
+          <a:fontRef idx="minor">
+            <a:schemeClr val="tx1"/>
+          </a:fontRef>
+        </p:style>
+      </p:cxnSp>
+      <p:cxnSp>
+        <p:nvCxnSpPr>
+          <p:cNvPr id="20" name="Straight Connector 19">
+            <a:extLst>
+              <a:ext uri="{FF2B5EF4-FFF2-40B4-BE49-F238E27FC236}">
+                <a16:creationId xmlns:a16="http://schemas.microsoft.com/office/drawing/2014/main" id="{909659FA-11BC-C68F-EA86-4D04D3707BDE}"/>
+              </a:ext>
+            </a:extLst>
+          </p:cNvPr>
+          <p:cNvCxnSpPr>
+            <a:cxnSpLocks/>
+          </p:cNvCxnSpPr>
+          <p:nvPr/>
+        </p:nvCxnSpPr>
+        <p:spPr>
+          <a:xfrm flipH="1">
+            <a:off x="5462042" y="920671"/>
+            <a:ext cx="3279815" cy="0"/>
+          </a:xfrm>
+          <a:prstGeom prst="line">
+            <a:avLst/>
+          </a:prstGeom>
+          <a:ln>
+            <a:headEnd type="none" w="med" len="med"/>
+            <a:tailEnd type="none" w="med" len="med"/>
+          </a:ln>
+        </p:spPr>
+        <p:style>
+          <a:lnRef idx="3">
+            <a:schemeClr val="accent3"/>
+          </a:lnRef>
+          <a:fillRef idx="0">
+            <a:schemeClr val="accent3"/>
+          </a:fillRef>
+          <a:effectRef idx="2">
+            <a:schemeClr val="accent3"/>
+          </a:effectRef>
+          <a:fontRef idx="minor">
+            <a:schemeClr val="tx1"/>
+          </a:fontRef>
+        </p:style>
+      </p:cxnSp>
+      <p:cxnSp>
+        <p:nvCxnSpPr>
+          <p:cNvPr id="48" name="Straight Connector 47">
+            <a:extLst>
+              <a:ext uri="{FF2B5EF4-FFF2-40B4-BE49-F238E27FC236}">
+                <a16:creationId xmlns:a16="http://schemas.microsoft.com/office/drawing/2014/main" id="{43065F61-783B-1F5D-3586-7AA2E8F332C9}"/>
+              </a:ext>
+            </a:extLst>
+          </p:cNvPr>
+          <p:cNvCxnSpPr>
+            <a:cxnSpLocks/>
+          </p:cNvCxnSpPr>
+          <p:nvPr/>
+        </p:nvCxnSpPr>
+        <p:spPr>
+          <a:xfrm>
+            <a:off x="5620538" y="1036320"/>
+            <a:ext cx="0" cy="1279728"/>
+          </a:xfrm>
+          <a:prstGeom prst="line">
+            <a:avLst/>
+          </a:prstGeom>
+          <a:ln>
+            <a:headEnd type="none" w="med" len="med"/>
+            <a:tailEnd type="none" w="med" len="med"/>
+          </a:ln>
+        </p:spPr>
+        <p:style>
+          <a:lnRef idx="3">
+            <a:schemeClr val="accent3"/>
+          </a:lnRef>
+          <a:fillRef idx="0">
+            <a:schemeClr val="accent3"/>
+          </a:fillRef>
+          <a:effectRef idx="2">
+            <a:schemeClr val="accent3"/>
+          </a:effectRef>
+          <a:fontRef idx="minor">
+            <a:schemeClr val="tx1"/>
+          </a:fontRef>
+        </p:style>
+      </p:cxnSp>
+      <p:cxnSp>
+        <p:nvCxnSpPr>
+          <p:cNvPr id="62" name="Straight Connector 61">
+            <a:extLst>
+              <a:ext uri="{FF2B5EF4-FFF2-40B4-BE49-F238E27FC236}">
+                <a16:creationId xmlns:a16="http://schemas.microsoft.com/office/drawing/2014/main" id="{FCBD9DAB-344C-8FC2-BB10-53FB80BDC798}"/>
+              </a:ext>
+            </a:extLst>
+          </p:cNvPr>
+          <p:cNvCxnSpPr>
+            <a:cxnSpLocks/>
+          </p:cNvCxnSpPr>
+          <p:nvPr/>
+        </p:nvCxnSpPr>
+        <p:spPr>
+          <a:xfrm>
+            <a:off x="5448894" y="929640"/>
+            <a:ext cx="0" cy="1123663"/>
+          </a:xfrm>
+          <a:prstGeom prst="line">
+            <a:avLst/>
+          </a:prstGeom>
+          <a:ln>
+            <a:headEnd type="none" w="med" len="med"/>
+            <a:tailEnd type="none" w="med" len="med"/>
+          </a:ln>
+        </p:spPr>
+        <p:style>
+          <a:lnRef idx="3">
+            <a:schemeClr val="accent3"/>
+          </a:lnRef>
+          <a:fillRef idx="0">
+            <a:schemeClr val="accent3"/>
+          </a:fillRef>
+          <a:effectRef idx="2">
+            <a:schemeClr val="accent3"/>
+          </a:effectRef>
+          <a:fontRef idx="minor">
+            <a:schemeClr val="tx1"/>
+          </a:fontRef>
+        </p:style>
+      </p:cxnSp>
+      <p:cxnSp>
+        <p:nvCxnSpPr>
+          <p:cNvPr id="13" name="Straight Connector 12">
+            <a:extLst>
+              <a:ext uri="{FF2B5EF4-FFF2-40B4-BE49-F238E27FC236}">
+                <a16:creationId xmlns:a16="http://schemas.microsoft.com/office/drawing/2014/main" id="{3E0BEB84-97C8-9AE2-E852-C50D6771ABBF}"/>
+              </a:ext>
+            </a:extLst>
+          </p:cNvPr>
+          <p:cNvCxnSpPr>
+            <a:cxnSpLocks/>
+          </p:cNvCxnSpPr>
+          <p:nvPr/>
+        </p:nvCxnSpPr>
+        <p:spPr>
+          <a:xfrm flipH="1" flipV="1">
+            <a:off x="10236200" y="4324937"/>
+            <a:ext cx="22101" cy="2137867"/>
+          </a:xfrm>
+          <a:prstGeom prst="line">
+            <a:avLst/>
+          </a:prstGeom>
+          <a:ln>
+            <a:headEnd type="none" w="med" len="med"/>
+            <a:tailEnd type="none" w="med" len="med"/>
+          </a:ln>
+        </p:spPr>
+        <p:style>
+          <a:lnRef idx="3">
+            <a:schemeClr val="accent6"/>
+          </a:lnRef>
+          <a:fillRef idx="0">
+            <a:schemeClr val="accent6"/>
+          </a:fillRef>
+          <a:effectRef idx="2">
+            <a:schemeClr val="accent6"/>
+          </a:effectRef>
+          <a:fontRef idx="minor">
+            <a:schemeClr val="tx1"/>
+          </a:fontRef>
+        </p:style>
+      </p:cxnSp>
+      <p:sp>
+        <p:nvSpPr>
+          <p:cNvPr id="19" name="TextBox 18">
+            <a:extLst>
+              <a:ext uri="{FF2B5EF4-FFF2-40B4-BE49-F238E27FC236}">
+                <a16:creationId xmlns:a16="http://schemas.microsoft.com/office/drawing/2014/main" id="{27A97C3B-13DB-CEB8-41CF-03151173D24F}"/>
+              </a:ext>
+            </a:extLst>
+          </p:cNvPr>
+          <p:cNvSpPr txBox="1"/>
+          <p:nvPr/>
+        </p:nvSpPr>
+        <p:spPr>
+          <a:xfrm>
+            <a:off x="10017997" y="6462805"/>
+            <a:ext cx="512843" cy="169277"/>
+          </a:xfrm>
+          <a:prstGeom prst="rect">
+            <a:avLst/>
+          </a:prstGeom>
+          <a:noFill/>
+        </p:spPr>
+        <p:txBody>
+          <a:bodyPr wrap="square">
+            <a:spAutoFit/>
+          </a:bodyPr>
+          <a:lstStyle/>
+          <a:p>
+            <a:r>
+              <a:rPr lang="vi-VN" sz="500" dirty="0"/>
+              <a:t>IMU - SDA</a:t>
+            </a:r>
+            <a:endParaRPr lang="en-US" sz="500" dirty="0"/>
+          </a:p>
+        </p:txBody>
+      </p:sp>
+      <p:sp>
+        <p:nvSpPr>
+          <p:cNvPr id="21" name="TextBox 20">
+            <a:extLst>
+              <a:ext uri="{FF2B5EF4-FFF2-40B4-BE49-F238E27FC236}">
+                <a16:creationId xmlns:a16="http://schemas.microsoft.com/office/drawing/2014/main" id="{B2925F80-7733-C9C4-F7F1-52020274D518}"/>
+              </a:ext>
+            </a:extLst>
+          </p:cNvPr>
+          <p:cNvSpPr txBox="1"/>
+          <p:nvPr/>
+        </p:nvSpPr>
+        <p:spPr>
+          <a:xfrm>
+            <a:off x="8911195" y="6477901"/>
+            <a:ext cx="496801" cy="169277"/>
+          </a:xfrm>
+          <a:prstGeom prst="rect">
+            <a:avLst/>
+          </a:prstGeom>
+          <a:noFill/>
+        </p:spPr>
+        <p:txBody>
+          <a:bodyPr wrap="square">
+            <a:spAutoFit/>
+          </a:bodyPr>
+          <a:lstStyle/>
+          <a:p>
+            <a:r>
+              <a:rPr lang="vi-VN" sz="500" dirty="0"/>
+              <a:t>IMU - SCL</a:t>
+            </a:r>
+            <a:endParaRPr lang="en-US" sz="500" dirty="0"/>
+          </a:p>
+        </p:txBody>
+      </p:sp>
+      <p:sp>
+        <p:nvSpPr>
+          <p:cNvPr id="25" name="Rectangle 24">
+            <a:extLst>
+              <a:ext uri="{FF2B5EF4-FFF2-40B4-BE49-F238E27FC236}">
+                <a16:creationId xmlns:a16="http://schemas.microsoft.com/office/drawing/2014/main" id="{70D0A943-3B8C-29F0-1939-590A94999537}"/>
+              </a:ext>
+            </a:extLst>
+          </p:cNvPr>
+          <p:cNvSpPr/>
+          <p:nvPr/>
+        </p:nvSpPr>
+        <p:spPr>
+          <a:xfrm>
+            <a:off x="9357360" y="6468821"/>
+            <a:ext cx="707488" cy="225001"/>
+          </a:xfrm>
+          <a:prstGeom prst="rect">
+            <a:avLst/>
+          </a:prstGeom>
+        </p:spPr>
+        <p:style>
+          <a:lnRef idx="2">
+            <a:schemeClr val="accent1">
+              <a:shade val="15000"/>
+            </a:schemeClr>
+          </a:lnRef>
+          <a:fillRef idx="1">
+            <a:schemeClr val="accent1"/>
+          </a:fillRef>
+          <a:effectRef idx="0">
+            <a:schemeClr val="accent1"/>
+          </a:effectRef>
+          <a:fontRef idx="minor">
+            <a:schemeClr val="lt1"/>
+          </a:fontRef>
+        </p:style>
+        <p:txBody>
+          <a:bodyPr rtlCol="0" anchor="ctr"/>
+          <a:lstStyle/>
+          <a:p>
+            <a:pPr algn="ctr"/>
+            <a:endParaRPr lang="en-US"/>
+          </a:p>
+        </p:txBody>
+      </p:sp>
+      <p:sp>
+        <p:nvSpPr>
+          <p:cNvPr id="28" name="TextBox 27">
+            <a:extLst>
+              <a:ext uri="{FF2B5EF4-FFF2-40B4-BE49-F238E27FC236}">
+                <a16:creationId xmlns:a16="http://schemas.microsoft.com/office/drawing/2014/main" id="{B5CB0954-AF19-B277-EF70-88CD0CD5C394}"/>
+              </a:ext>
+            </a:extLst>
+          </p:cNvPr>
+          <p:cNvSpPr txBox="1"/>
+          <p:nvPr/>
+        </p:nvSpPr>
+        <p:spPr>
+          <a:xfrm>
+            <a:off x="9080500" y="5905335"/>
+            <a:ext cx="502920" cy="169277"/>
+          </a:xfrm>
+          <a:prstGeom prst="rect">
+            <a:avLst/>
+          </a:prstGeom>
+          <a:noFill/>
+        </p:spPr>
+        <p:txBody>
+          <a:bodyPr wrap="square">
+            <a:spAutoFit/>
+          </a:bodyPr>
+          <a:lstStyle/>
+          <a:p>
+            <a:r>
+              <a:rPr lang="vi-VN" sz="500" dirty="0"/>
+              <a:t>UART - TX</a:t>
+            </a:r>
+            <a:endParaRPr lang="en-US" sz="500" dirty="0"/>
+          </a:p>
+        </p:txBody>
+      </p:sp>
+      <p:sp>
+        <p:nvSpPr>
+          <p:cNvPr id="43" name="TextBox 42">
+            <a:extLst>
+              <a:ext uri="{FF2B5EF4-FFF2-40B4-BE49-F238E27FC236}">
+                <a16:creationId xmlns:a16="http://schemas.microsoft.com/office/drawing/2014/main" id="{DD8B18A2-567D-28E1-E59B-448645AC85DE}"/>
+              </a:ext>
+            </a:extLst>
+          </p:cNvPr>
+          <p:cNvSpPr txBox="1"/>
+          <p:nvPr/>
+        </p:nvSpPr>
+        <p:spPr>
+          <a:xfrm>
+            <a:off x="9747526" y="5896000"/>
+            <a:ext cx="508405" cy="169277"/>
+          </a:xfrm>
+          <a:prstGeom prst="rect">
+            <a:avLst/>
+          </a:prstGeom>
+          <a:noFill/>
+        </p:spPr>
+        <p:txBody>
+          <a:bodyPr wrap="square">
+            <a:spAutoFit/>
+          </a:bodyPr>
+          <a:lstStyle/>
+          <a:p>
+            <a:r>
+              <a:rPr lang="vi-VN" sz="500" dirty="0"/>
+              <a:t>UART - RX</a:t>
+            </a:r>
+            <a:endParaRPr lang="en-US" sz="500" dirty="0"/>
+          </a:p>
+        </p:txBody>
+      </p:sp>
+      <p:sp>
+        <p:nvSpPr>
+          <p:cNvPr id="46" name="Rectangle 45">
+            <a:extLst>
+              <a:ext uri="{FF2B5EF4-FFF2-40B4-BE49-F238E27FC236}">
+                <a16:creationId xmlns:a16="http://schemas.microsoft.com/office/drawing/2014/main" id="{0EA5122B-C901-FADC-F15A-61F553FD1DF8}"/>
+              </a:ext>
+            </a:extLst>
+          </p:cNvPr>
+          <p:cNvSpPr/>
+          <p:nvPr/>
+        </p:nvSpPr>
+        <p:spPr>
+          <a:xfrm>
+            <a:off x="9343559" y="6065270"/>
+            <a:ext cx="708439" cy="225001"/>
+          </a:xfrm>
+          <a:prstGeom prst="rect">
+            <a:avLst/>
+          </a:prstGeom>
+        </p:spPr>
+        <p:style>
+          <a:lnRef idx="2">
+            <a:schemeClr val="accent1">
+              <a:shade val="15000"/>
+            </a:schemeClr>
+          </a:lnRef>
+          <a:fillRef idx="1">
+            <a:schemeClr val="accent1"/>
+          </a:fillRef>
+          <a:effectRef idx="0">
+            <a:schemeClr val="accent1"/>
+          </a:effectRef>
+          <a:fontRef idx="minor">
+            <a:schemeClr val="lt1"/>
+          </a:fontRef>
+        </p:style>
+        <p:txBody>
+          <a:bodyPr rtlCol="0" anchor="ctr"/>
+          <a:lstStyle/>
+          <a:p>
+            <a:pPr algn="ctr"/>
+            <a:endParaRPr lang="en-US"/>
+          </a:p>
+        </p:txBody>
+      </p:sp>
+      <p:cxnSp>
+        <p:nvCxnSpPr>
+          <p:cNvPr id="3" name="Straight Connector 2">
+            <a:extLst>
+              <a:ext uri="{FF2B5EF4-FFF2-40B4-BE49-F238E27FC236}">
+                <a16:creationId xmlns:a16="http://schemas.microsoft.com/office/drawing/2014/main" id="{2B5F42ED-B4ED-F1AA-19AD-E46186F4D16C}"/>
+              </a:ext>
+            </a:extLst>
+          </p:cNvPr>
+          <p:cNvCxnSpPr>
+            <a:cxnSpLocks/>
+          </p:cNvCxnSpPr>
+          <p:nvPr/>
+        </p:nvCxnSpPr>
+        <p:spPr>
+          <a:xfrm flipH="1" flipV="1">
+            <a:off x="7449395" y="2807531"/>
+            <a:ext cx="331784" cy="7008"/>
+          </a:xfrm>
+          <a:prstGeom prst="line">
+            <a:avLst/>
+          </a:prstGeom>
+          <a:ln>
+            <a:headEnd type="none" w="med" len="med"/>
+            <a:tailEnd type="arrow" w="med" len="med"/>
+          </a:ln>
+        </p:spPr>
+        <p:style>
+          <a:lnRef idx="3">
+            <a:schemeClr val="accent2"/>
+          </a:lnRef>
+          <a:fillRef idx="0">
+            <a:schemeClr val="accent2"/>
+          </a:fillRef>
+          <a:effectRef idx="2">
+            <a:schemeClr val="accent2"/>
+          </a:effectRef>
+          <a:fontRef idx="minor">
+            <a:schemeClr val="tx1"/>
+          </a:fontRef>
+        </p:style>
+      </p:cxnSp>
+      <p:cxnSp>
+        <p:nvCxnSpPr>
+          <p:cNvPr id="4" name="Straight Connector 3">
+            <a:extLst>
+              <a:ext uri="{FF2B5EF4-FFF2-40B4-BE49-F238E27FC236}">
+                <a16:creationId xmlns:a16="http://schemas.microsoft.com/office/drawing/2014/main" id="{C23618B1-8BF0-1EA0-4A0E-7EB455158B0D}"/>
+              </a:ext>
+            </a:extLst>
+          </p:cNvPr>
+          <p:cNvCxnSpPr>
+            <a:cxnSpLocks/>
+          </p:cNvCxnSpPr>
+          <p:nvPr/>
+        </p:nvCxnSpPr>
+        <p:spPr>
+          <a:xfrm flipH="1" flipV="1">
+            <a:off x="7449395" y="2605867"/>
+            <a:ext cx="499883" cy="8644"/>
+          </a:xfrm>
+          <a:prstGeom prst="line">
+            <a:avLst/>
+          </a:prstGeom>
+          <a:ln>
+            <a:headEnd type="none" w="med" len="med"/>
+            <a:tailEnd type="arrow" w="med" len="med"/>
+          </a:ln>
+        </p:spPr>
+        <p:style>
+          <a:lnRef idx="3">
+            <a:schemeClr val="accent3"/>
+          </a:lnRef>
+          <a:fillRef idx="0">
+            <a:schemeClr val="accent3"/>
+          </a:fillRef>
+          <a:effectRef idx="2">
+            <a:schemeClr val="accent3"/>
+          </a:effectRef>
+          <a:fontRef idx="minor">
+            <a:schemeClr val="tx1"/>
+          </a:fontRef>
+        </p:style>
+      </p:cxnSp>
+      <p:cxnSp>
+        <p:nvCxnSpPr>
+          <p:cNvPr id="7" name="Straight Connector 6">
+            <a:extLst>
+              <a:ext uri="{FF2B5EF4-FFF2-40B4-BE49-F238E27FC236}">
+                <a16:creationId xmlns:a16="http://schemas.microsoft.com/office/drawing/2014/main" id="{D9121168-1400-4264-5ABE-50D333246824}"/>
+              </a:ext>
+            </a:extLst>
+          </p:cNvPr>
+          <p:cNvCxnSpPr>
+            <a:cxnSpLocks/>
+          </p:cNvCxnSpPr>
+          <p:nvPr/>
+        </p:nvCxnSpPr>
+        <p:spPr>
+          <a:xfrm flipV="1">
+            <a:off x="7947219" y="2624094"/>
+            <a:ext cx="0" cy="2410186"/>
+          </a:xfrm>
+          <a:prstGeom prst="line">
+            <a:avLst/>
+          </a:prstGeom>
+          <a:ln>
+            <a:headEnd type="none" w="med" len="med"/>
+            <a:tailEnd type="none" w="med" len="med"/>
+          </a:ln>
+        </p:spPr>
+        <p:style>
+          <a:lnRef idx="3">
+            <a:schemeClr val="accent3"/>
+          </a:lnRef>
+          <a:fillRef idx="0">
+            <a:schemeClr val="accent3"/>
+          </a:fillRef>
+          <a:effectRef idx="2">
+            <a:schemeClr val="accent3"/>
+          </a:effectRef>
+          <a:fontRef idx="minor">
+            <a:schemeClr val="tx1"/>
+          </a:fontRef>
+        </p:style>
+      </p:cxnSp>
+      <p:cxnSp>
+        <p:nvCxnSpPr>
+          <p:cNvPr id="24" name="Straight Connector 23">
+            <a:extLst>
+              <a:ext uri="{FF2B5EF4-FFF2-40B4-BE49-F238E27FC236}">
+                <a16:creationId xmlns:a16="http://schemas.microsoft.com/office/drawing/2014/main" id="{EEE60DBA-03D5-4B8E-AA4E-971F1D3FAB2D}"/>
+              </a:ext>
+            </a:extLst>
+          </p:cNvPr>
+          <p:cNvCxnSpPr>
+            <a:cxnSpLocks/>
+          </p:cNvCxnSpPr>
+          <p:nvPr/>
+        </p:nvCxnSpPr>
+        <p:spPr>
+          <a:xfrm flipV="1">
+            <a:off x="7779579" y="2805866"/>
+            <a:ext cx="0" cy="2125597"/>
+          </a:xfrm>
+          <a:prstGeom prst="line">
+            <a:avLst/>
+          </a:prstGeom>
+          <a:ln>
+            <a:headEnd type="none" w="med" len="med"/>
+            <a:tailEnd type="none" w="med" len="med"/>
+          </a:ln>
+        </p:spPr>
+        <p:style>
+          <a:lnRef idx="3">
+            <a:schemeClr val="accent2"/>
+          </a:lnRef>
+          <a:fillRef idx="0">
+            <a:schemeClr val="accent2"/>
+          </a:fillRef>
+          <a:effectRef idx="2">
+            <a:schemeClr val="accent2"/>
+          </a:effectRef>
+          <a:fontRef idx="minor">
+            <a:schemeClr val="tx1"/>
+          </a:fontRef>
+        </p:style>
+      </p:cxnSp>
+      <p:cxnSp>
+        <p:nvCxnSpPr>
+          <p:cNvPr id="29" name="Straight Connector 28">
+            <a:extLst>
+              <a:ext uri="{FF2B5EF4-FFF2-40B4-BE49-F238E27FC236}">
+                <a16:creationId xmlns:a16="http://schemas.microsoft.com/office/drawing/2014/main" id="{80B8DDCF-0A5C-A9E7-694E-BE20D60085DD}"/>
+              </a:ext>
+            </a:extLst>
+          </p:cNvPr>
+          <p:cNvCxnSpPr>
+            <a:cxnSpLocks/>
+          </p:cNvCxnSpPr>
+          <p:nvPr/>
+        </p:nvCxnSpPr>
+        <p:spPr>
+          <a:xfrm>
+            <a:off x="6404931" y="4931463"/>
+            <a:ext cx="1384417" cy="0"/>
+          </a:xfrm>
+          <a:prstGeom prst="line">
+            <a:avLst/>
+          </a:prstGeom>
+          <a:ln>
+            <a:headEnd type="none" w="med" len="med"/>
+            <a:tailEnd type="none" w="med" len="med"/>
+          </a:ln>
+        </p:spPr>
+        <p:style>
+          <a:lnRef idx="3">
+            <a:schemeClr val="accent2"/>
+          </a:lnRef>
+          <a:fillRef idx="0">
+            <a:schemeClr val="accent2"/>
+          </a:fillRef>
+          <a:effectRef idx="2">
+            <a:schemeClr val="accent2"/>
+          </a:effectRef>
+          <a:fontRef idx="minor">
+            <a:schemeClr val="tx1"/>
+          </a:fontRef>
+        </p:style>
+      </p:cxnSp>
+      <p:cxnSp>
+        <p:nvCxnSpPr>
+          <p:cNvPr id="30" name="Straight Connector 29">
+            <a:extLst>
+              <a:ext uri="{FF2B5EF4-FFF2-40B4-BE49-F238E27FC236}">
+                <a16:creationId xmlns:a16="http://schemas.microsoft.com/office/drawing/2014/main" id="{CF6A14F5-AC3C-4E70-6710-516F034ADF1E}"/>
+              </a:ext>
+            </a:extLst>
+          </p:cNvPr>
+          <p:cNvCxnSpPr>
+            <a:cxnSpLocks/>
+          </p:cNvCxnSpPr>
+          <p:nvPr/>
+        </p:nvCxnSpPr>
+        <p:spPr>
+          <a:xfrm>
+            <a:off x="5007609" y="5043881"/>
+            <a:ext cx="2948752" cy="0"/>
+          </a:xfrm>
+          <a:prstGeom prst="line">
+            <a:avLst/>
+          </a:prstGeom>
+          <a:ln>
+            <a:headEnd type="none" w="med" len="med"/>
+            <a:tailEnd type="none" w="med" len="med"/>
+          </a:ln>
+        </p:spPr>
+        <p:style>
+          <a:lnRef idx="3">
+            <a:schemeClr val="accent3"/>
+          </a:lnRef>
+          <a:fillRef idx="0">
+            <a:schemeClr val="accent3"/>
+          </a:fillRef>
+          <a:effectRef idx="2">
+            <a:schemeClr val="accent3"/>
+          </a:effectRef>
+          <a:fontRef idx="minor">
+            <a:schemeClr val="tx1"/>
+          </a:fontRef>
+        </p:style>
+      </p:cxnSp>
+      <p:cxnSp>
+        <p:nvCxnSpPr>
+          <p:cNvPr id="41" name="Straight Connector 40">
+            <a:extLst>
+              <a:ext uri="{FF2B5EF4-FFF2-40B4-BE49-F238E27FC236}">
+                <a16:creationId xmlns:a16="http://schemas.microsoft.com/office/drawing/2014/main" id="{0873691E-E703-8083-37C9-FDEDF7F4CE1C}"/>
+              </a:ext>
+            </a:extLst>
+          </p:cNvPr>
+          <p:cNvCxnSpPr>
+            <a:cxnSpLocks/>
+          </p:cNvCxnSpPr>
+          <p:nvPr/>
+        </p:nvCxnSpPr>
+        <p:spPr>
+          <a:xfrm>
+            <a:off x="6411473" y="3557593"/>
+            <a:ext cx="18323" cy="1372214"/>
+          </a:xfrm>
+          <a:prstGeom prst="line">
+            <a:avLst/>
+          </a:prstGeom>
+          <a:ln>
+            <a:headEnd type="none" w="med" len="med"/>
+            <a:tailEnd type="none" w="med" len="med"/>
+          </a:ln>
+        </p:spPr>
+        <p:style>
+          <a:lnRef idx="3">
+            <a:schemeClr val="accent2"/>
+          </a:lnRef>
+          <a:fillRef idx="0">
+            <a:schemeClr val="accent2"/>
+          </a:fillRef>
+          <a:effectRef idx="2">
+            <a:schemeClr val="accent2"/>
+          </a:effectRef>
+          <a:fontRef idx="minor">
+            <a:schemeClr val="tx1"/>
+          </a:fontRef>
+        </p:style>
+      </p:cxnSp>
+      <p:cxnSp>
+        <p:nvCxnSpPr>
+          <p:cNvPr id="45" name="Straight Connector 44">
+            <a:extLst>
+              <a:ext uri="{FF2B5EF4-FFF2-40B4-BE49-F238E27FC236}">
+                <a16:creationId xmlns:a16="http://schemas.microsoft.com/office/drawing/2014/main" id="{036FE9B6-7D5B-7515-5337-C832EB5063B0}"/>
+              </a:ext>
+            </a:extLst>
+          </p:cNvPr>
+          <p:cNvCxnSpPr>
+            <a:cxnSpLocks/>
+          </p:cNvCxnSpPr>
+          <p:nvPr/>
+        </p:nvCxnSpPr>
+        <p:spPr>
+          <a:xfrm>
+            <a:off x="4965893" y="2406034"/>
+            <a:ext cx="21815" cy="2619991"/>
+          </a:xfrm>
+          <a:prstGeom prst="line">
+            <a:avLst/>
+          </a:prstGeom>
+          <a:ln>
+            <a:headEnd type="none" w="med" len="med"/>
+            <a:tailEnd type="none" w="med" len="med"/>
+          </a:ln>
+        </p:spPr>
+        <p:style>
+          <a:lnRef idx="3">
+            <a:schemeClr val="accent3"/>
+          </a:lnRef>
+          <a:fillRef idx="0">
+            <a:schemeClr val="accent3"/>
+          </a:fillRef>
+          <a:effectRef idx="2">
+            <a:schemeClr val="accent3"/>
+          </a:effectRef>
+          <a:fontRef idx="minor">
+            <a:schemeClr val="tx1"/>
+          </a:fontRef>
+        </p:style>
+      </p:cxnSp>
+      <p:cxnSp>
+        <p:nvCxnSpPr>
+          <p:cNvPr id="453" name="Straight Connector 452">
+            <a:extLst>
+              <a:ext uri="{FF2B5EF4-FFF2-40B4-BE49-F238E27FC236}">
+                <a16:creationId xmlns:a16="http://schemas.microsoft.com/office/drawing/2014/main" id="{D4D5C73E-1540-FC7F-1E9D-F317399912B5}"/>
+              </a:ext>
+            </a:extLst>
+          </p:cNvPr>
+          <p:cNvCxnSpPr>
+            <a:cxnSpLocks/>
+          </p:cNvCxnSpPr>
+          <p:nvPr/>
+        </p:nvCxnSpPr>
+        <p:spPr>
+          <a:xfrm>
+            <a:off x="6289542" y="2468505"/>
+            <a:ext cx="1095644" cy="8629"/>
+          </a:xfrm>
+          <a:prstGeom prst="line">
+            <a:avLst/>
+          </a:prstGeom>
+          <a:ln>
+            <a:headEnd type="none" w="med" len="med"/>
+            <a:tailEnd type="arrow" w="med" len="med"/>
+          </a:ln>
+        </p:spPr>
+        <p:style>
+          <a:lnRef idx="3">
+            <a:schemeClr val="accent2"/>
+          </a:lnRef>
+          <a:fillRef idx="0">
+            <a:schemeClr val="accent2"/>
+          </a:fillRef>
+          <a:effectRef idx="2">
+            <a:schemeClr val="accent2"/>
+          </a:effectRef>
+          <a:fontRef idx="minor">
+            <a:schemeClr val="tx1"/>
+          </a:fontRef>
+        </p:style>
+      </p:cxnSp>
+      <p:cxnSp>
+        <p:nvCxnSpPr>
+          <p:cNvPr id="456" name="Straight Connector 455">
+            <a:extLst>
+              <a:ext uri="{FF2B5EF4-FFF2-40B4-BE49-F238E27FC236}">
+                <a16:creationId xmlns:a16="http://schemas.microsoft.com/office/drawing/2014/main" id="{295006FD-F274-DD53-5D4E-975DD45CD797}"/>
+              </a:ext>
+            </a:extLst>
+          </p:cNvPr>
+          <p:cNvCxnSpPr>
+            <a:cxnSpLocks/>
+          </p:cNvCxnSpPr>
+          <p:nvPr/>
+        </p:nvCxnSpPr>
+        <p:spPr>
+          <a:xfrm>
+            <a:off x="4020161" y="4127500"/>
+            <a:ext cx="0" cy="96533"/>
+          </a:xfrm>
+          <a:prstGeom prst="line">
+            <a:avLst/>
+          </a:prstGeom>
+          <a:ln>
+            <a:headEnd type="none" w="med" len="med"/>
+            <a:tailEnd type="arrow" w="med" len="med"/>
+          </a:ln>
+        </p:spPr>
+        <p:style>
+          <a:lnRef idx="3">
+            <a:schemeClr val="accent1"/>
+          </a:lnRef>
+          <a:fillRef idx="0">
+            <a:schemeClr val="accent1"/>
+          </a:fillRef>
+          <a:effectRef idx="2">
+            <a:schemeClr val="accent1"/>
+          </a:effectRef>
+          <a:fontRef idx="minor">
+            <a:schemeClr val="tx1"/>
+          </a:fontRef>
+        </p:style>
+      </p:cxnSp>
+      <p:cxnSp>
+        <p:nvCxnSpPr>
+          <p:cNvPr id="459" name="Straight Connector 458">
+            <a:extLst>
+              <a:ext uri="{FF2B5EF4-FFF2-40B4-BE49-F238E27FC236}">
+                <a16:creationId xmlns:a16="http://schemas.microsoft.com/office/drawing/2014/main" id="{950FC7FE-0B44-E757-6103-EFFEFC1886C3}"/>
+              </a:ext>
+            </a:extLst>
+          </p:cNvPr>
+          <p:cNvCxnSpPr>
+            <a:cxnSpLocks/>
+          </p:cNvCxnSpPr>
+          <p:nvPr/>
+        </p:nvCxnSpPr>
+        <p:spPr>
+          <a:xfrm flipH="1">
+            <a:off x="4012564" y="4115657"/>
+            <a:ext cx="783412" cy="0"/>
+          </a:xfrm>
+          <a:prstGeom prst="line">
+            <a:avLst/>
+          </a:prstGeom>
+          <a:ln>
+            <a:headEnd type="none" w="med" len="med"/>
+            <a:tailEnd type="none" w="med" len="med"/>
+          </a:ln>
+        </p:spPr>
+        <p:style>
+          <a:lnRef idx="3">
+            <a:schemeClr val="accent1"/>
+          </a:lnRef>
+          <a:fillRef idx="0">
+            <a:schemeClr val="accent1"/>
+          </a:fillRef>
+          <a:effectRef idx="2">
+            <a:schemeClr val="accent1"/>
+          </a:effectRef>
+          <a:fontRef idx="minor">
+            <a:schemeClr val="tx1"/>
+          </a:fontRef>
+        </p:style>
+      </p:cxnSp>
+      <p:cxnSp>
+        <p:nvCxnSpPr>
+          <p:cNvPr id="462" name="Straight Connector 461">
+            <a:extLst>
+              <a:ext uri="{FF2B5EF4-FFF2-40B4-BE49-F238E27FC236}">
+                <a16:creationId xmlns:a16="http://schemas.microsoft.com/office/drawing/2014/main" id="{960D7F3A-450D-17EF-188A-A12D15C0BEA9}"/>
+              </a:ext>
+            </a:extLst>
+          </p:cNvPr>
+          <p:cNvCxnSpPr>
+            <a:cxnSpLocks/>
+          </p:cNvCxnSpPr>
+          <p:nvPr/>
+        </p:nvCxnSpPr>
+        <p:spPr>
+          <a:xfrm>
+            <a:off x="3926027" y="4051998"/>
+            <a:ext cx="6961" cy="171575"/>
+          </a:xfrm>
+          <a:prstGeom prst="line">
+            <a:avLst/>
+          </a:prstGeom>
+          <a:ln>
+            <a:headEnd type="none" w="med" len="med"/>
+            <a:tailEnd type="arrow" w="med" len="med"/>
+          </a:ln>
+        </p:spPr>
+        <p:style>
+          <a:lnRef idx="3">
+            <a:schemeClr val="accent1"/>
+          </a:lnRef>
+          <a:fillRef idx="0">
+            <a:schemeClr val="accent1"/>
+          </a:fillRef>
+          <a:effectRef idx="2">
+            <a:schemeClr val="accent1"/>
+          </a:effectRef>
+          <a:fontRef idx="minor">
+            <a:schemeClr val="tx1"/>
+          </a:fontRef>
+        </p:style>
+      </p:cxnSp>
+      <p:cxnSp>
+        <p:nvCxnSpPr>
+          <p:cNvPr id="466" name="Straight Connector 465">
+            <a:extLst>
+              <a:ext uri="{FF2B5EF4-FFF2-40B4-BE49-F238E27FC236}">
+                <a16:creationId xmlns:a16="http://schemas.microsoft.com/office/drawing/2014/main" id="{B3906577-83FB-2A10-6E9B-6DED8F2A7325}"/>
+              </a:ext>
+            </a:extLst>
+          </p:cNvPr>
+          <p:cNvCxnSpPr>
+            <a:cxnSpLocks/>
+          </p:cNvCxnSpPr>
+          <p:nvPr/>
+        </p:nvCxnSpPr>
+        <p:spPr>
+          <a:xfrm flipH="1">
+            <a:off x="3926027" y="4051998"/>
+            <a:ext cx="976006" cy="0"/>
+          </a:xfrm>
+          <a:prstGeom prst="line">
+            <a:avLst/>
+          </a:prstGeom>
+          <a:ln>
+            <a:headEnd type="none" w="med" len="med"/>
+            <a:tailEnd type="none" w="med" len="med"/>
+          </a:ln>
+        </p:spPr>
+        <p:style>
+          <a:lnRef idx="3">
+            <a:schemeClr val="accent1"/>
+          </a:lnRef>
+          <a:fillRef idx="0">
+            <a:schemeClr val="accent1"/>
+          </a:fillRef>
+          <a:effectRef idx="2">
+            <a:schemeClr val="accent1"/>
+          </a:effectRef>
+          <a:fontRef idx="minor">
+            <a:schemeClr val="tx1"/>
+          </a:fontRef>
+        </p:style>
+      </p:cxnSp>
+      <p:cxnSp>
+        <p:nvCxnSpPr>
+          <p:cNvPr id="470" name="Straight Connector 469">
+            <a:extLst>
+              <a:ext uri="{FF2B5EF4-FFF2-40B4-BE49-F238E27FC236}">
+                <a16:creationId xmlns:a16="http://schemas.microsoft.com/office/drawing/2014/main" id="{2C1B4CFD-C832-6454-6139-E10B942D7DF2}"/>
+              </a:ext>
+            </a:extLst>
+          </p:cNvPr>
+          <p:cNvCxnSpPr>
+            <a:cxnSpLocks/>
+          </p:cNvCxnSpPr>
+          <p:nvPr/>
+        </p:nvCxnSpPr>
+        <p:spPr>
+          <a:xfrm>
+            <a:off x="4795976" y="4119664"/>
+            <a:ext cx="0" cy="1143216"/>
+          </a:xfrm>
+          <a:prstGeom prst="line">
+            <a:avLst/>
+          </a:prstGeom>
+          <a:ln>
+            <a:headEnd type="none" w="med" len="med"/>
+            <a:tailEnd type="none" w="med" len="med"/>
+          </a:ln>
+        </p:spPr>
+        <p:style>
+          <a:lnRef idx="3">
+            <a:schemeClr val="accent1"/>
+          </a:lnRef>
+          <a:fillRef idx="0">
+            <a:schemeClr val="accent1"/>
+          </a:fillRef>
+          <a:effectRef idx="2">
+            <a:schemeClr val="accent1"/>
+          </a:effectRef>
+          <a:fontRef idx="minor">
+            <a:schemeClr val="tx1"/>
+          </a:fontRef>
+        </p:style>
+      </p:cxnSp>
+      <p:cxnSp>
+        <p:nvCxnSpPr>
+          <p:cNvPr id="476" name="Straight Connector 475">
+            <a:extLst>
+              <a:ext uri="{FF2B5EF4-FFF2-40B4-BE49-F238E27FC236}">
+                <a16:creationId xmlns:a16="http://schemas.microsoft.com/office/drawing/2014/main" id="{0FB95769-671E-655A-AC82-90894552292F}"/>
+              </a:ext>
+            </a:extLst>
+          </p:cNvPr>
+          <p:cNvCxnSpPr>
+            <a:cxnSpLocks/>
+          </p:cNvCxnSpPr>
+          <p:nvPr/>
+        </p:nvCxnSpPr>
+        <p:spPr>
+          <a:xfrm flipH="1">
+            <a:off x="4901705" y="4051998"/>
+            <a:ext cx="1511" cy="1456080"/>
+          </a:xfrm>
+          <a:prstGeom prst="line">
+            <a:avLst/>
+          </a:prstGeom>
+          <a:ln>
+            <a:headEnd type="none" w="med" len="med"/>
+            <a:tailEnd type="none" w="med" len="med"/>
+          </a:ln>
+        </p:spPr>
+        <p:style>
+          <a:lnRef idx="3">
+            <a:schemeClr val="accent1"/>
+          </a:lnRef>
+          <a:fillRef idx="0">
+            <a:schemeClr val="accent1"/>
+          </a:fillRef>
+          <a:effectRef idx="2">
+            <a:schemeClr val="accent1"/>
+          </a:effectRef>
+          <a:fontRef idx="minor">
+            <a:schemeClr val="tx1"/>
+          </a:fontRef>
+        </p:style>
+      </p:cxnSp>
+      <p:cxnSp>
+        <p:nvCxnSpPr>
+          <p:cNvPr id="481" name="Straight Connector 480">
+            <a:extLst>
+              <a:ext uri="{FF2B5EF4-FFF2-40B4-BE49-F238E27FC236}">
+                <a16:creationId xmlns:a16="http://schemas.microsoft.com/office/drawing/2014/main" id="{D41D0FE0-F783-A29A-BF6A-4A4FD09D5E2F}"/>
+              </a:ext>
+            </a:extLst>
+          </p:cNvPr>
+          <p:cNvCxnSpPr>
+            <a:cxnSpLocks/>
+          </p:cNvCxnSpPr>
+          <p:nvPr/>
+        </p:nvCxnSpPr>
+        <p:spPr>
+          <a:xfrm>
+            <a:off x="3838138" y="4119413"/>
+            <a:ext cx="0" cy="96533"/>
+          </a:xfrm>
+          <a:prstGeom prst="line">
+            <a:avLst/>
+          </a:prstGeom>
+          <a:ln>
+            <a:headEnd type="none" w="med" len="med"/>
+            <a:tailEnd type="arrow" w="med" len="med"/>
+          </a:ln>
+        </p:spPr>
+        <p:style>
+          <a:lnRef idx="3">
+            <a:schemeClr val="accent2"/>
+          </a:lnRef>
+          <a:fillRef idx="0">
+            <a:schemeClr val="accent2"/>
+          </a:fillRef>
+          <a:effectRef idx="2">
+            <a:schemeClr val="accent2"/>
+          </a:effectRef>
+          <a:fontRef idx="minor">
+            <a:schemeClr val="tx1"/>
+          </a:fontRef>
+        </p:style>
+      </p:cxnSp>
+      <p:cxnSp>
+        <p:nvCxnSpPr>
+          <p:cNvPr id="482" name="Straight Connector 481">
+            <a:extLst>
+              <a:ext uri="{FF2B5EF4-FFF2-40B4-BE49-F238E27FC236}">
+                <a16:creationId xmlns:a16="http://schemas.microsoft.com/office/drawing/2014/main" id="{3080174A-4C3B-197C-9C7A-DF9F1780EF69}"/>
+              </a:ext>
+            </a:extLst>
+          </p:cNvPr>
+          <p:cNvCxnSpPr>
+            <a:cxnSpLocks/>
+          </p:cNvCxnSpPr>
+          <p:nvPr/>
+        </p:nvCxnSpPr>
+        <p:spPr>
+          <a:xfrm flipH="1">
+            <a:off x="3064916" y="4115657"/>
+            <a:ext cx="783412" cy="0"/>
+          </a:xfrm>
+          <a:prstGeom prst="line">
+            <a:avLst/>
+          </a:prstGeom>
+          <a:ln>
+            <a:headEnd type="none" w="med" len="med"/>
+            <a:tailEnd type="none" w="med" len="med"/>
+          </a:ln>
+        </p:spPr>
+        <p:style>
+          <a:lnRef idx="3">
+            <a:schemeClr val="accent2"/>
+          </a:lnRef>
+          <a:fillRef idx="0">
+            <a:schemeClr val="accent2"/>
+          </a:fillRef>
+          <a:effectRef idx="2">
+            <a:schemeClr val="accent2"/>
+          </a:effectRef>
+          <a:fontRef idx="minor">
+            <a:schemeClr val="tx1"/>
+          </a:fontRef>
+        </p:style>
+      </p:cxnSp>
+      <p:cxnSp>
+        <p:nvCxnSpPr>
+          <p:cNvPr id="484" name="Straight Connector 483">
+            <a:extLst>
+              <a:ext uri="{FF2B5EF4-FFF2-40B4-BE49-F238E27FC236}">
+                <a16:creationId xmlns:a16="http://schemas.microsoft.com/office/drawing/2014/main" id="{C844B119-3AE7-1B84-DFF1-CD384AFABA32}"/>
+              </a:ext>
+            </a:extLst>
+          </p:cNvPr>
+          <p:cNvCxnSpPr>
+            <a:cxnSpLocks/>
+          </p:cNvCxnSpPr>
+          <p:nvPr/>
+        </p:nvCxnSpPr>
+        <p:spPr>
+          <a:xfrm flipV="1">
+            <a:off x="3077312" y="4099888"/>
+            <a:ext cx="0" cy="1482664"/>
+          </a:xfrm>
+          <a:prstGeom prst="line">
+            <a:avLst/>
+          </a:prstGeom>
+          <a:ln>
+            <a:headEnd type="none" w="med" len="med"/>
+            <a:tailEnd type="none" w="med" len="med"/>
+          </a:ln>
+        </p:spPr>
+        <p:style>
+          <a:lnRef idx="3">
+            <a:schemeClr val="accent2"/>
+          </a:lnRef>
+          <a:fillRef idx="0">
+            <a:schemeClr val="accent2"/>
+          </a:fillRef>
+          <a:effectRef idx="2">
+            <a:schemeClr val="accent2"/>
+          </a:effectRef>
+          <a:fontRef idx="minor">
+            <a:schemeClr val="tx1"/>
+          </a:fontRef>
+        </p:style>
+      </p:cxnSp>
+      <p:cxnSp>
+        <p:nvCxnSpPr>
+          <p:cNvPr id="490" name="Straight Connector 489">
+            <a:extLst>
+              <a:ext uri="{FF2B5EF4-FFF2-40B4-BE49-F238E27FC236}">
+                <a16:creationId xmlns:a16="http://schemas.microsoft.com/office/drawing/2014/main" id="{814E8C31-02FD-9B2E-C11E-0BBB091C43CF}"/>
+              </a:ext>
+            </a:extLst>
+          </p:cNvPr>
+          <p:cNvCxnSpPr>
+            <a:cxnSpLocks/>
+          </p:cNvCxnSpPr>
+          <p:nvPr/>
+        </p:nvCxnSpPr>
+        <p:spPr>
+          <a:xfrm>
+            <a:off x="3657826" y="1250932"/>
+            <a:ext cx="23816" cy="2991128"/>
+          </a:xfrm>
+          <a:prstGeom prst="line">
+            <a:avLst/>
+          </a:prstGeom>
+          <a:ln>
+            <a:headEnd type="none" w="med" len="med"/>
+            <a:tailEnd type="arrow" w="med" len="med"/>
+          </a:ln>
+        </p:spPr>
+        <p:style>
+          <a:lnRef idx="3">
+            <a:schemeClr val="accent1"/>
+          </a:lnRef>
+          <a:fillRef idx="0">
+            <a:schemeClr val="accent1"/>
+          </a:fillRef>
+          <a:effectRef idx="2">
+            <a:schemeClr val="accent1"/>
+          </a:effectRef>
+          <a:fontRef idx="minor">
+            <a:schemeClr val="tx1"/>
+          </a:fontRef>
+        </p:style>
+      </p:cxnSp>
+      <p:cxnSp>
+        <p:nvCxnSpPr>
+          <p:cNvPr id="499" name="Straight Connector 498">
+            <a:extLst>
+              <a:ext uri="{FF2B5EF4-FFF2-40B4-BE49-F238E27FC236}">
+                <a16:creationId xmlns:a16="http://schemas.microsoft.com/office/drawing/2014/main" id="{B41A7D17-DBE6-55EE-3463-B52664D3184E}"/>
+              </a:ext>
+            </a:extLst>
+          </p:cNvPr>
+          <p:cNvCxnSpPr>
+            <a:cxnSpLocks/>
+          </p:cNvCxnSpPr>
+          <p:nvPr/>
+        </p:nvCxnSpPr>
+        <p:spPr>
+          <a:xfrm>
+            <a:off x="2519131" y="1243022"/>
+            <a:ext cx="1145572" cy="0"/>
+          </a:xfrm>
+          <a:prstGeom prst="line">
+            <a:avLst/>
+          </a:prstGeom>
+          <a:ln>
+            <a:headEnd type="none" w="med" len="med"/>
+            <a:tailEnd type="none" w="med" len="med"/>
+          </a:ln>
+        </p:spPr>
+        <p:style>
+          <a:lnRef idx="3">
+            <a:schemeClr val="accent1"/>
+          </a:lnRef>
+          <a:fillRef idx="0">
+            <a:schemeClr val="accent1"/>
+          </a:fillRef>
+          <a:effectRef idx="2">
+            <a:schemeClr val="accent1"/>
+          </a:effectRef>
+          <a:fontRef idx="minor">
+            <a:schemeClr val="tx1"/>
+          </a:fontRef>
+        </p:style>
+      </p:cxnSp>
+      <p:cxnSp>
+        <p:nvCxnSpPr>
+          <p:cNvPr id="502" name="Straight Connector 501">
+            <a:extLst>
+              <a:ext uri="{FF2B5EF4-FFF2-40B4-BE49-F238E27FC236}">
+                <a16:creationId xmlns:a16="http://schemas.microsoft.com/office/drawing/2014/main" id="{B65FD7C8-E9DA-DDAD-85C6-681363BF1639}"/>
+              </a:ext>
+            </a:extLst>
+          </p:cNvPr>
+          <p:cNvCxnSpPr>
+            <a:cxnSpLocks/>
+          </p:cNvCxnSpPr>
+          <p:nvPr/>
+        </p:nvCxnSpPr>
+        <p:spPr>
+          <a:xfrm flipH="1" flipV="1">
+            <a:off x="2517587" y="1250001"/>
+            <a:ext cx="35113" cy="4516448"/>
+          </a:xfrm>
+          <a:prstGeom prst="line">
+            <a:avLst/>
+          </a:prstGeom>
+          <a:ln>
+            <a:headEnd type="none" w="med" len="med"/>
+            <a:tailEnd type="none" w="med" len="med"/>
+          </a:ln>
+        </p:spPr>
+        <p:style>
+          <a:lnRef idx="3">
+            <a:schemeClr val="accent1"/>
+          </a:lnRef>
+          <a:fillRef idx="0">
+            <a:schemeClr val="accent1"/>
+          </a:fillRef>
+          <a:effectRef idx="2">
+            <a:schemeClr val="accent1"/>
+          </a:effectRef>
+          <a:fontRef idx="minor">
+            <a:schemeClr val="tx1"/>
+          </a:fontRef>
+        </p:style>
+      </p:cxnSp>
+      <p:sp>
+        <p:nvSpPr>
+          <p:cNvPr id="510" name="Rectangle 509">
+            <a:extLst>
+              <a:ext uri="{FF2B5EF4-FFF2-40B4-BE49-F238E27FC236}">
+                <a16:creationId xmlns:a16="http://schemas.microsoft.com/office/drawing/2014/main" id="{725CBA4D-8C64-E3F7-7465-ED0A19A5FD56}"/>
+              </a:ext>
+            </a:extLst>
+          </p:cNvPr>
+          <p:cNvSpPr/>
+          <p:nvPr/>
+        </p:nvSpPr>
+        <p:spPr>
+          <a:xfrm>
+            <a:off x="4558691" y="53750"/>
+            <a:ext cx="2631945" cy="257222"/>
+          </a:xfrm>
+          <a:prstGeom prst="rect">
+            <a:avLst/>
+          </a:prstGeom>
+        </p:spPr>
+        <p:style>
+          <a:lnRef idx="2">
+            <a:schemeClr val="accent1">
+              <a:shade val="15000"/>
+            </a:schemeClr>
+          </a:lnRef>
+          <a:fillRef idx="1">
+            <a:schemeClr val="accent1"/>
+          </a:fillRef>
+          <a:effectRef idx="0">
+            <a:schemeClr val="accent1"/>
+          </a:effectRef>
+          <a:fontRef idx="minor">
+            <a:schemeClr val="lt1"/>
+          </a:fontRef>
+        </p:style>
+        <p:txBody>
+          <a:bodyPr rtlCol="0" anchor="ctr"/>
+          <a:lstStyle/>
+          <a:p>
+            <a:pPr algn="ctr"/>
+            <a:r>
+              <a:rPr lang="en-US" dirty="0"/>
+              <a:t>1 2 3 4 5 6 7 8 9 10 11 12 </a:t>
+            </a:r>
+          </a:p>
+        </p:txBody>
+      </p:sp>
+      <p:sp>
+        <p:nvSpPr>
+          <p:cNvPr id="511" name="Rectangle 510">
+            <a:extLst>
+              <a:ext uri="{FF2B5EF4-FFF2-40B4-BE49-F238E27FC236}">
+                <a16:creationId xmlns:a16="http://schemas.microsoft.com/office/drawing/2014/main" id="{7627EF92-EE32-B1FC-3EC8-7C3087B90D47}"/>
+              </a:ext>
+            </a:extLst>
+          </p:cNvPr>
+          <p:cNvSpPr/>
+          <p:nvPr/>
+        </p:nvSpPr>
+        <p:spPr>
+          <a:xfrm>
+            <a:off x="4536890" y="6014471"/>
+            <a:ext cx="2631945" cy="257222"/>
+          </a:xfrm>
+          <a:prstGeom prst="rect">
+            <a:avLst/>
+          </a:prstGeom>
+        </p:spPr>
+        <p:style>
+          <a:lnRef idx="2">
+            <a:schemeClr val="accent1">
+              <a:shade val="15000"/>
+            </a:schemeClr>
+          </a:lnRef>
+          <a:fillRef idx="1">
+            <a:schemeClr val="accent1"/>
+          </a:fillRef>
+          <a:effectRef idx="0">
+            <a:schemeClr val="accent1"/>
+          </a:effectRef>
+          <a:fontRef idx="minor">
+            <a:schemeClr val="lt1"/>
+          </a:fontRef>
+        </p:style>
+        <p:txBody>
+          <a:bodyPr rtlCol="0" anchor="ctr"/>
+          <a:lstStyle/>
+          <a:p>
+            <a:pPr algn="ctr"/>
+            <a:r>
+              <a:rPr lang="en-US" dirty="0"/>
+              <a:t>1 2 3 4 5 6 7 8 9 10 11 12 </a:t>
+            </a:r>
+          </a:p>
+        </p:txBody>
+      </p:sp>
+      <p:pic>
+        <p:nvPicPr>
+          <p:cNvPr id="9" name="Picture 8">
+            <a:extLst>
+              <a:ext uri="{FF2B5EF4-FFF2-40B4-BE49-F238E27FC236}">
+                <a16:creationId xmlns:a16="http://schemas.microsoft.com/office/drawing/2014/main" id="{509D3A63-5C42-9E0E-572C-5745CF3E2DE3}"/>
+              </a:ext>
+            </a:extLst>
+          </p:cNvPr>
+          <p:cNvPicPr>
+            <a:picLocks noChangeAspect="1"/>
+          </p:cNvPicPr>
+          <p:nvPr/>
+        </p:nvPicPr>
+        <p:blipFill>
+          <a:blip r:embed="rId4"/>
+          <a:stretch>
+            <a:fillRect/>
+          </a:stretch>
+        </p:blipFill>
+        <p:spPr>
+          <a:xfrm>
+            <a:off x="5358460" y="2984759"/>
+            <a:ext cx="751764" cy="1079960"/>
+          </a:xfrm>
+          <a:prstGeom prst="rect">
+            <a:avLst/>
+          </a:prstGeom>
+        </p:spPr>
+      </p:pic>
+      <p:cxnSp>
+        <p:nvCxnSpPr>
+          <p:cNvPr id="39" name="Straight Connector 38">
+            <a:extLst>
+              <a:ext uri="{FF2B5EF4-FFF2-40B4-BE49-F238E27FC236}">
+                <a16:creationId xmlns:a16="http://schemas.microsoft.com/office/drawing/2014/main" id="{25222FE1-E139-C773-5CB0-DDC51CACBD21}"/>
+              </a:ext>
+            </a:extLst>
+          </p:cNvPr>
+          <p:cNvCxnSpPr>
+            <a:cxnSpLocks/>
+          </p:cNvCxnSpPr>
+          <p:nvPr/>
+        </p:nvCxnSpPr>
+        <p:spPr>
+          <a:xfrm flipH="1" flipV="1">
+            <a:off x="5229888" y="3902001"/>
+            <a:ext cx="3271" cy="728174"/>
+          </a:xfrm>
+          <a:prstGeom prst="line">
+            <a:avLst/>
+          </a:prstGeom>
+          <a:ln>
+            <a:headEnd type="none" w="med" len="med"/>
+            <a:tailEnd type="none" w="med" len="med"/>
+          </a:ln>
+        </p:spPr>
+        <p:style>
+          <a:lnRef idx="3">
+            <a:schemeClr val="accent2"/>
+          </a:lnRef>
+          <a:fillRef idx="0">
+            <a:schemeClr val="accent2"/>
+          </a:fillRef>
+          <a:effectRef idx="2">
+            <a:schemeClr val="accent2"/>
+          </a:effectRef>
+          <a:fontRef idx="minor">
+            <a:schemeClr val="tx1"/>
+          </a:fontRef>
+        </p:style>
+      </p:cxnSp>
+      <p:cxnSp>
+        <p:nvCxnSpPr>
+          <p:cNvPr id="44" name="Straight Connector 43">
+            <a:extLst>
+              <a:ext uri="{FF2B5EF4-FFF2-40B4-BE49-F238E27FC236}">
+                <a16:creationId xmlns:a16="http://schemas.microsoft.com/office/drawing/2014/main" id="{154F2A70-ACA2-4392-40B0-8C70EB65D06C}"/>
+              </a:ext>
+            </a:extLst>
+          </p:cNvPr>
+          <p:cNvCxnSpPr>
+            <a:cxnSpLocks/>
+          </p:cNvCxnSpPr>
+          <p:nvPr/>
+        </p:nvCxnSpPr>
+        <p:spPr>
+          <a:xfrm>
+            <a:off x="5218775" y="3897434"/>
+            <a:ext cx="199292" cy="0"/>
+          </a:xfrm>
+          <a:prstGeom prst="line">
+            <a:avLst/>
+          </a:prstGeom>
+          <a:ln>
+            <a:headEnd type="none" w="med" len="med"/>
+            <a:tailEnd type="none" w="med" len="med"/>
+          </a:ln>
+        </p:spPr>
+        <p:style>
+          <a:lnRef idx="3">
+            <a:schemeClr val="accent2"/>
+          </a:lnRef>
+          <a:fillRef idx="0">
+            <a:schemeClr val="accent2"/>
+          </a:fillRef>
+          <a:effectRef idx="2">
+            <a:schemeClr val="accent2"/>
+          </a:effectRef>
+          <a:fontRef idx="minor">
+            <a:schemeClr val="tx1"/>
+          </a:fontRef>
+        </p:style>
+      </p:cxnSp>
+      <p:cxnSp>
+        <p:nvCxnSpPr>
+          <p:cNvPr id="52" name="Straight Connector 51">
+            <a:extLst>
+              <a:ext uri="{FF2B5EF4-FFF2-40B4-BE49-F238E27FC236}">
+                <a16:creationId xmlns:a16="http://schemas.microsoft.com/office/drawing/2014/main" id="{84444C4C-DB50-A4D8-72B8-3F476421F86A}"/>
+              </a:ext>
+            </a:extLst>
+          </p:cNvPr>
+          <p:cNvCxnSpPr>
+            <a:cxnSpLocks/>
+          </p:cNvCxnSpPr>
+          <p:nvPr/>
+        </p:nvCxnSpPr>
+        <p:spPr>
+          <a:xfrm flipH="1" flipV="1">
+            <a:off x="5672573" y="3993735"/>
+            <a:ext cx="13146" cy="1607500"/>
+          </a:xfrm>
+          <a:prstGeom prst="line">
+            <a:avLst/>
+          </a:prstGeom>
+          <a:ln>
+            <a:headEnd type="none" w="med" len="med"/>
+            <a:tailEnd type="none" w="med" len="med"/>
+          </a:ln>
+        </p:spPr>
+        <p:style>
+          <a:lnRef idx="3">
+            <a:schemeClr val="accent2"/>
+          </a:lnRef>
+          <a:fillRef idx="0">
+            <a:schemeClr val="accent2"/>
+          </a:fillRef>
+          <a:effectRef idx="2">
+            <a:schemeClr val="accent2"/>
+          </a:effectRef>
+          <a:fontRef idx="minor">
+            <a:schemeClr val="tx1"/>
+          </a:fontRef>
+        </p:style>
+      </p:cxnSp>
+      <p:cxnSp>
+        <p:nvCxnSpPr>
+          <p:cNvPr id="63" name="Straight Connector 62">
+            <a:extLst>
+              <a:ext uri="{FF2B5EF4-FFF2-40B4-BE49-F238E27FC236}">
+                <a16:creationId xmlns:a16="http://schemas.microsoft.com/office/drawing/2014/main" id="{5D12019E-E3AA-0586-91E7-5EF7AB295D07}"/>
+              </a:ext>
+            </a:extLst>
+          </p:cNvPr>
+          <p:cNvCxnSpPr>
+            <a:cxnSpLocks/>
+          </p:cNvCxnSpPr>
+          <p:nvPr/>
+        </p:nvCxnSpPr>
+        <p:spPr>
+          <a:xfrm flipH="1" flipV="1">
+            <a:off x="5832397" y="3974302"/>
+            <a:ext cx="13146" cy="1607500"/>
+          </a:xfrm>
+          <a:prstGeom prst="line">
+            <a:avLst/>
+          </a:prstGeom>
+          <a:ln>
+            <a:headEnd type="none" w="med" len="med"/>
+            <a:tailEnd type="none" w="med" len="med"/>
+          </a:ln>
+        </p:spPr>
+        <p:style>
+          <a:lnRef idx="3">
+            <a:schemeClr val="accent2"/>
+          </a:lnRef>
+          <a:fillRef idx="0">
+            <a:schemeClr val="accent2"/>
+          </a:fillRef>
+          <a:effectRef idx="2">
+            <a:schemeClr val="accent2"/>
+          </a:effectRef>
+          <a:fontRef idx="minor">
+            <a:schemeClr val="tx1"/>
+          </a:fontRef>
+        </p:style>
+      </p:cxnSp>
+      <p:cxnSp>
+        <p:nvCxnSpPr>
+          <p:cNvPr id="448" name="Straight Connector 447">
+            <a:extLst>
+              <a:ext uri="{FF2B5EF4-FFF2-40B4-BE49-F238E27FC236}">
+                <a16:creationId xmlns:a16="http://schemas.microsoft.com/office/drawing/2014/main" id="{BD35F2D1-96A7-20AE-F443-4F0A731EE72B}"/>
+              </a:ext>
+            </a:extLst>
+          </p:cNvPr>
+          <p:cNvCxnSpPr>
+            <a:cxnSpLocks/>
+          </p:cNvCxnSpPr>
+          <p:nvPr/>
+        </p:nvCxnSpPr>
+        <p:spPr>
+          <a:xfrm>
+            <a:off x="5847080" y="5582552"/>
+            <a:ext cx="4952214" cy="0"/>
+          </a:xfrm>
+          <a:prstGeom prst="line">
+            <a:avLst/>
+          </a:prstGeom>
+          <a:ln>
+            <a:headEnd type="none" w="med" len="med"/>
+            <a:tailEnd type="none" w="med" len="med"/>
+          </a:ln>
+        </p:spPr>
+        <p:style>
+          <a:lnRef idx="3">
+            <a:schemeClr val="accent2"/>
+          </a:lnRef>
+          <a:fillRef idx="0">
+            <a:schemeClr val="accent2"/>
+          </a:fillRef>
+          <a:effectRef idx="2">
+            <a:schemeClr val="accent2"/>
+          </a:effectRef>
+          <a:fontRef idx="minor">
+            <a:schemeClr val="tx1"/>
+          </a:fontRef>
+        </p:style>
+      </p:cxnSp>
+      <p:cxnSp>
+        <p:nvCxnSpPr>
+          <p:cNvPr id="450" name="Straight Connector 449">
+            <a:extLst>
+              <a:ext uri="{FF2B5EF4-FFF2-40B4-BE49-F238E27FC236}">
+                <a16:creationId xmlns:a16="http://schemas.microsoft.com/office/drawing/2014/main" id="{DBB728B3-DB80-03B0-E6D9-9766CB278E76}"/>
+              </a:ext>
+            </a:extLst>
+          </p:cNvPr>
+          <p:cNvCxnSpPr>
+            <a:cxnSpLocks/>
+          </p:cNvCxnSpPr>
+          <p:nvPr/>
+        </p:nvCxnSpPr>
+        <p:spPr>
+          <a:xfrm>
+            <a:off x="6037083" y="3878379"/>
+            <a:ext cx="855481" cy="0"/>
+          </a:xfrm>
+          <a:prstGeom prst="line">
+            <a:avLst/>
+          </a:prstGeom>
+          <a:ln>
+            <a:headEnd type="none" w="med" len="med"/>
+            <a:tailEnd type="none" w="med" len="med"/>
+          </a:ln>
+        </p:spPr>
+        <p:style>
+          <a:lnRef idx="3">
+            <a:schemeClr val="accent2"/>
+          </a:lnRef>
+          <a:fillRef idx="0">
+            <a:schemeClr val="accent2"/>
+          </a:fillRef>
+          <a:effectRef idx="2">
+            <a:schemeClr val="accent2"/>
+          </a:effectRef>
+          <a:fontRef idx="minor">
+            <a:schemeClr val="tx1"/>
+          </a:fontRef>
+        </p:style>
+      </p:cxnSp>
+      <p:cxnSp>
+        <p:nvCxnSpPr>
+          <p:cNvPr id="458" name="Straight Connector 457">
+            <a:extLst>
+              <a:ext uri="{FF2B5EF4-FFF2-40B4-BE49-F238E27FC236}">
+                <a16:creationId xmlns:a16="http://schemas.microsoft.com/office/drawing/2014/main" id="{83060AED-F367-2F68-10C6-38B311419B96}"/>
+              </a:ext>
+            </a:extLst>
+          </p:cNvPr>
+          <p:cNvCxnSpPr>
+            <a:cxnSpLocks/>
+          </p:cNvCxnSpPr>
+          <p:nvPr/>
+        </p:nvCxnSpPr>
+        <p:spPr>
+          <a:xfrm>
+            <a:off x="6025626" y="3779706"/>
+            <a:ext cx="264652" cy="0"/>
+          </a:xfrm>
+          <a:prstGeom prst="line">
+            <a:avLst/>
+          </a:prstGeom>
+          <a:ln>
+            <a:headEnd type="none" w="med" len="med"/>
+            <a:tailEnd type="none" w="med" len="med"/>
+          </a:ln>
+        </p:spPr>
+        <p:style>
+          <a:lnRef idx="3">
+            <a:schemeClr val="accent2"/>
+          </a:lnRef>
+          <a:fillRef idx="0">
+            <a:schemeClr val="accent2"/>
+          </a:fillRef>
+          <a:effectRef idx="2">
+            <a:schemeClr val="accent2"/>
+          </a:effectRef>
+          <a:fontRef idx="minor">
+            <a:schemeClr val="tx1"/>
+          </a:fontRef>
+        </p:style>
+      </p:cxnSp>
+      <p:cxnSp>
+        <p:nvCxnSpPr>
+          <p:cNvPr id="461" name="Straight Connector 460">
+            <a:extLst>
+              <a:ext uri="{FF2B5EF4-FFF2-40B4-BE49-F238E27FC236}">
+                <a16:creationId xmlns:a16="http://schemas.microsoft.com/office/drawing/2014/main" id="{369AD942-4B07-7B1A-8CB7-B8A817B19EE0}"/>
+              </a:ext>
+            </a:extLst>
+          </p:cNvPr>
+          <p:cNvCxnSpPr>
+            <a:cxnSpLocks/>
+          </p:cNvCxnSpPr>
+          <p:nvPr/>
+        </p:nvCxnSpPr>
+        <p:spPr>
+          <a:xfrm>
+            <a:off x="6035786" y="3677531"/>
+            <a:ext cx="727222" cy="6630"/>
+          </a:xfrm>
+          <a:prstGeom prst="line">
+            <a:avLst/>
+          </a:prstGeom>
+          <a:ln>
+            <a:headEnd type="none" w="med" len="med"/>
+            <a:tailEnd type="none" w="med" len="med"/>
+          </a:ln>
+        </p:spPr>
+        <p:style>
+          <a:lnRef idx="3">
+            <a:schemeClr val="accent2"/>
+          </a:lnRef>
+          <a:fillRef idx="0">
+            <a:schemeClr val="accent2"/>
+          </a:fillRef>
+          <a:effectRef idx="2">
+            <a:schemeClr val="accent2"/>
+          </a:effectRef>
+          <a:fontRef idx="minor">
+            <a:schemeClr val="tx1"/>
+          </a:fontRef>
+        </p:style>
+      </p:cxnSp>
+      <p:cxnSp>
+        <p:nvCxnSpPr>
+          <p:cNvPr id="468" name="Straight Connector 467">
+            <a:extLst>
+              <a:ext uri="{FF2B5EF4-FFF2-40B4-BE49-F238E27FC236}">
+                <a16:creationId xmlns:a16="http://schemas.microsoft.com/office/drawing/2014/main" id="{745B6DBD-E805-0E4C-66CA-F33C0FA1DD3B}"/>
+              </a:ext>
+            </a:extLst>
+          </p:cNvPr>
+          <p:cNvCxnSpPr>
+            <a:cxnSpLocks/>
+          </p:cNvCxnSpPr>
+          <p:nvPr/>
+        </p:nvCxnSpPr>
+        <p:spPr>
+          <a:xfrm>
+            <a:off x="4770259" y="2981358"/>
+            <a:ext cx="5570" cy="590996"/>
+          </a:xfrm>
+          <a:prstGeom prst="line">
+            <a:avLst/>
+          </a:prstGeom>
+          <a:ln>
+            <a:headEnd type="none" w="med" len="med"/>
+            <a:tailEnd type="none" w="med" len="med"/>
+          </a:ln>
+        </p:spPr>
+        <p:style>
+          <a:lnRef idx="3">
+            <a:schemeClr val="accent2"/>
+          </a:lnRef>
+          <a:fillRef idx="0">
+            <a:schemeClr val="accent2"/>
+          </a:fillRef>
+          <a:effectRef idx="2">
+            <a:schemeClr val="accent2"/>
+          </a:effectRef>
+          <a:fontRef idx="minor">
+            <a:schemeClr val="tx1"/>
+          </a:fontRef>
+        </p:style>
+      </p:cxnSp>
+      <p:cxnSp>
+        <p:nvCxnSpPr>
+          <p:cNvPr id="478" name="Straight Connector 477">
+            <a:extLst>
+              <a:ext uri="{FF2B5EF4-FFF2-40B4-BE49-F238E27FC236}">
+                <a16:creationId xmlns:a16="http://schemas.microsoft.com/office/drawing/2014/main" id="{02E2506C-B866-1418-5C6A-0475F3266854}"/>
+              </a:ext>
+            </a:extLst>
+          </p:cNvPr>
+          <p:cNvCxnSpPr>
+            <a:cxnSpLocks/>
+          </p:cNvCxnSpPr>
+          <p:nvPr/>
+        </p:nvCxnSpPr>
+        <p:spPr>
+          <a:xfrm>
+            <a:off x="4793084" y="3576506"/>
+            <a:ext cx="640080" cy="0"/>
+          </a:xfrm>
+          <a:prstGeom prst="line">
+            <a:avLst/>
+          </a:prstGeom>
+          <a:ln>
+            <a:headEnd type="none" w="med" len="med"/>
+            <a:tailEnd type="none" w="med" len="med"/>
+          </a:ln>
+        </p:spPr>
+        <p:style>
+          <a:lnRef idx="3">
+            <a:schemeClr val="accent2"/>
+          </a:lnRef>
+          <a:fillRef idx="0">
+            <a:schemeClr val="accent2"/>
+          </a:fillRef>
+          <a:effectRef idx="2">
+            <a:schemeClr val="accent2"/>
+          </a:effectRef>
+          <a:fontRef idx="minor">
+            <a:schemeClr val="tx1"/>
+          </a:fontRef>
+        </p:style>
+      </p:cxnSp>
+      <p:cxnSp>
+        <p:nvCxnSpPr>
+          <p:cNvPr id="175" name="Straight Connector 174">
+            <a:extLst>
+              <a:ext uri="{FF2B5EF4-FFF2-40B4-BE49-F238E27FC236}">
+                <a16:creationId xmlns:a16="http://schemas.microsoft.com/office/drawing/2014/main" id="{4D68B253-A97F-707D-BB89-27A5536A8C88}"/>
+              </a:ext>
+            </a:extLst>
+          </p:cNvPr>
+          <p:cNvCxnSpPr>
+            <a:cxnSpLocks/>
+          </p:cNvCxnSpPr>
+          <p:nvPr/>
+        </p:nvCxnSpPr>
+        <p:spPr>
+          <a:xfrm flipH="1" flipV="1">
+            <a:off x="4578882" y="3684044"/>
+            <a:ext cx="854979" cy="3228"/>
+          </a:xfrm>
+          <a:prstGeom prst="line">
+            <a:avLst/>
+          </a:prstGeom>
+          <a:ln>
+            <a:headEnd type="none" w="med" len="med"/>
+            <a:tailEnd type="arrow" w="med" len="med"/>
+          </a:ln>
+        </p:spPr>
+        <p:style>
+          <a:lnRef idx="3">
+            <a:schemeClr val="accent2"/>
+          </a:lnRef>
+          <a:fillRef idx="0">
+            <a:schemeClr val="accent2"/>
+          </a:fillRef>
+          <a:effectRef idx="2">
+            <a:schemeClr val="accent2"/>
+          </a:effectRef>
+          <a:fontRef idx="minor">
+            <a:schemeClr val="tx1"/>
+          </a:fontRef>
+        </p:style>
+      </p:cxnSp>
+      <p:cxnSp>
+        <p:nvCxnSpPr>
+          <p:cNvPr id="231" name="Straight Connector 230">
+            <a:extLst>
+              <a:ext uri="{FF2B5EF4-FFF2-40B4-BE49-F238E27FC236}">
+                <a16:creationId xmlns:a16="http://schemas.microsoft.com/office/drawing/2014/main" id="{CA533089-A10A-E04B-EC06-2EC1CBD4ABEA}"/>
+              </a:ext>
+            </a:extLst>
+          </p:cNvPr>
+          <p:cNvCxnSpPr>
+            <a:cxnSpLocks/>
+          </p:cNvCxnSpPr>
+          <p:nvPr/>
+        </p:nvCxnSpPr>
+        <p:spPr>
+          <a:xfrm flipH="1">
+            <a:off x="4573898" y="3784462"/>
+            <a:ext cx="844169" cy="0"/>
+          </a:xfrm>
+          <a:prstGeom prst="line">
+            <a:avLst/>
+          </a:prstGeom>
+          <a:ln>
+            <a:headEnd type="none" w="med" len="med"/>
+            <a:tailEnd type="arrow" w="med" len="med"/>
+          </a:ln>
+        </p:spPr>
+        <p:style>
+          <a:lnRef idx="3">
+            <a:schemeClr val="accent2"/>
+          </a:lnRef>
+          <a:fillRef idx="0">
+            <a:schemeClr val="accent2"/>
+          </a:fillRef>
+          <a:effectRef idx="2">
+            <a:schemeClr val="accent2"/>
+          </a:effectRef>
+          <a:fontRef idx="minor">
+            <a:schemeClr val="tx1"/>
+          </a:fontRef>
+        </p:style>
+      </p:cxnSp>
+      <p:cxnSp>
+        <p:nvCxnSpPr>
+          <p:cNvPr id="488" name="Straight Connector 487">
+            <a:extLst>
+              <a:ext uri="{FF2B5EF4-FFF2-40B4-BE49-F238E27FC236}">
+                <a16:creationId xmlns:a16="http://schemas.microsoft.com/office/drawing/2014/main" id="{9DEBF678-14E3-6B37-F861-0CC3D711ADF5}"/>
+              </a:ext>
+            </a:extLst>
+          </p:cNvPr>
+          <p:cNvCxnSpPr>
+            <a:cxnSpLocks/>
+          </p:cNvCxnSpPr>
+          <p:nvPr/>
+        </p:nvCxnSpPr>
+        <p:spPr>
+          <a:xfrm>
+            <a:off x="6025626" y="3575931"/>
+            <a:ext cx="373877" cy="0"/>
+          </a:xfrm>
+          <a:prstGeom prst="line">
+            <a:avLst/>
+          </a:prstGeom>
+          <a:ln>
+            <a:headEnd type="none" w="med" len="med"/>
+            <a:tailEnd type="none" w="med" len="med"/>
+          </a:ln>
+        </p:spPr>
+        <p:style>
+          <a:lnRef idx="3">
+            <a:schemeClr val="accent2"/>
+          </a:lnRef>
+          <a:fillRef idx="0">
+            <a:schemeClr val="accent2"/>
+          </a:fillRef>
+          <a:effectRef idx="2">
+            <a:schemeClr val="accent2"/>
+          </a:effectRef>
+          <a:fontRef idx="minor">
+            <a:schemeClr val="tx1"/>
+          </a:fontRef>
+        </p:style>
+      </p:cxnSp>
+      <p:cxnSp>
+        <p:nvCxnSpPr>
+          <p:cNvPr id="495" name="Straight Connector 494">
+            <a:extLst>
+              <a:ext uri="{FF2B5EF4-FFF2-40B4-BE49-F238E27FC236}">
+                <a16:creationId xmlns:a16="http://schemas.microsoft.com/office/drawing/2014/main" id="{6C07059C-8C47-0A51-A72E-A40D1714DDFF}"/>
+              </a:ext>
+            </a:extLst>
+          </p:cNvPr>
+          <p:cNvCxnSpPr>
+            <a:cxnSpLocks/>
+          </p:cNvCxnSpPr>
+          <p:nvPr/>
+        </p:nvCxnSpPr>
+        <p:spPr>
+          <a:xfrm flipV="1">
+            <a:off x="6641358" y="2693173"/>
+            <a:ext cx="0" cy="779969"/>
+          </a:xfrm>
+          <a:prstGeom prst="line">
+            <a:avLst/>
+          </a:prstGeom>
+          <a:ln>
+            <a:headEnd type="none" w="med" len="med"/>
+            <a:tailEnd type="none" w="med" len="med"/>
+          </a:ln>
+        </p:spPr>
+        <p:style>
+          <a:lnRef idx="3">
+            <a:schemeClr val="accent2"/>
+          </a:lnRef>
+          <a:fillRef idx="0">
+            <a:schemeClr val="accent2"/>
+          </a:fillRef>
+          <a:effectRef idx="2">
+            <a:schemeClr val="accent2"/>
+          </a:effectRef>
+          <a:fontRef idx="minor">
+            <a:schemeClr val="tx1"/>
+          </a:fontRef>
+        </p:style>
+      </p:cxnSp>
+      <p:cxnSp>
+        <p:nvCxnSpPr>
+          <p:cNvPr id="501" name="Straight Connector 500">
+            <a:extLst>
+              <a:ext uri="{FF2B5EF4-FFF2-40B4-BE49-F238E27FC236}">
+                <a16:creationId xmlns:a16="http://schemas.microsoft.com/office/drawing/2014/main" id="{0A1CDC1D-AB98-6FD8-039C-9B332F31B2FD}"/>
+              </a:ext>
+            </a:extLst>
+          </p:cNvPr>
+          <p:cNvCxnSpPr>
+            <a:cxnSpLocks/>
+          </p:cNvCxnSpPr>
+          <p:nvPr/>
+        </p:nvCxnSpPr>
+        <p:spPr>
+          <a:xfrm>
+            <a:off x="6025626" y="3473142"/>
+            <a:ext cx="613700" cy="0"/>
+          </a:xfrm>
+          <a:prstGeom prst="line">
+            <a:avLst/>
+          </a:prstGeom>
+          <a:ln>
+            <a:headEnd type="none" w="med" len="med"/>
+            <a:tailEnd type="none" w="med" len="med"/>
+          </a:ln>
+        </p:spPr>
+        <p:style>
+          <a:lnRef idx="3">
+            <a:schemeClr val="accent2"/>
+          </a:lnRef>
+          <a:fillRef idx="0">
+            <a:schemeClr val="accent2"/>
+          </a:fillRef>
+          <a:effectRef idx="2">
+            <a:schemeClr val="accent2"/>
+          </a:effectRef>
+          <a:fontRef idx="minor">
+            <a:schemeClr val="tx1"/>
+          </a:fontRef>
+        </p:style>
+      </p:cxnSp>
+      <p:cxnSp>
+        <p:nvCxnSpPr>
+          <p:cNvPr id="64" name="Straight Connector 63">
+            <a:extLst>
+              <a:ext uri="{FF2B5EF4-FFF2-40B4-BE49-F238E27FC236}">
+                <a16:creationId xmlns:a16="http://schemas.microsoft.com/office/drawing/2014/main" id="{ADC15542-9455-C6F1-B4A1-AA6B8DEFB696}"/>
+              </a:ext>
+            </a:extLst>
+          </p:cNvPr>
+          <p:cNvCxnSpPr>
+            <a:cxnSpLocks/>
+          </p:cNvCxnSpPr>
+          <p:nvPr/>
+        </p:nvCxnSpPr>
+        <p:spPr>
+          <a:xfrm>
+            <a:off x="4878832" y="3466296"/>
+            <a:ext cx="548101" cy="6846"/>
+          </a:xfrm>
+          <a:prstGeom prst="line">
+            <a:avLst/>
+          </a:prstGeom>
+          <a:ln>
+            <a:headEnd type="none" w="med" len="med"/>
+            <a:tailEnd type="none" w="med" len="med"/>
+          </a:ln>
+        </p:spPr>
+        <p:style>
+          <a:lnRef idx="3">
+            <a:schemeClr val="accent2"/>
+          </a:lnRef>
+          <a:fillRef idx="0">
+            <a:schemeClr val="accent2"/>
+          </a:fillRef>
+          <a:effectRef idx="2">
+            <a:schemeClr val="accent2"/>
+          </a:effectRef>
+          <a:fontRef idx="minor">
+            <a:schemeClr val="tx1"/>
+          </a:fontRef>
+        </p:style>
+      </p:cxnSp>
+      <p:cxnSp>
+        <p:nvCxnSpPr>
+          <p:cNvPr id="66" name="Straight Connector 65">
+            <a:extLst>
+              <a:ext uri="{FF2B5EF4-FFF2-40B4-BE49-F238E27FC236}">
+                <a16:creationId xmlns:a16="http://schemas.microsoft.com/office/drawing/2014/main" id="{9B94A006-30CA-EB99-DA0A-38032AF405A0}"/>
+              </a:ext>
+            </a:extLst>
+          </p:cNvPr>
+          <p:cNvCxnSpPr>
+            <a:cxnSpLocks/>
+          </p:cNvCxnSpPr>
+          <p:nvPr/>
+        </p:nvCxnSpPr>
+        <p:spPr>
+          <a:xfrm>
+            <a:off x="5032168" y="1266398"/>
+            <a:ext cx="24632" cy="2090424"/>
+          </a:xfrm>
+          <a:prstGeom prst="line">
+            <a:avLst/>
+          </a:prstGeom>
+          <a:ln>
+            <a:headEnd type="none" w="med" len="med"/>
+            <a:tailEnd type="none" w="med" len="med"/>
+          </a:ln>
+        </p:spPr>
+        <p:style>
+          <a:lnRef idx="3">
+            <a:schemeClr val="accent2"/>
+          </a:lnRef>
+          <a:fillRef idx="0">
+            <a:schemeClr val="accent2"/>
+          </a:fillRef>
+          <a:effectRef idx="2">
+            <a:schemeClr val="accent2"/>
+          </a:effectRef>
+          <a:fontRef idx="minor">
+            <a:schemeClr val="tx1"/>
+          </a:fontRef>
+        </p:style>
+      </p:cxnSp>
+      <p:cxnSp>
+        <p:nvCxnSpPr>
+          <p:cNvPr id="76" name="Straight Connector 75">
+            <a:extLst>
+              <a:ext uri="{FF2B5EF4-FFF2-40B4-BE49-F238E27FC236}">
+                <a16:creationId xmlns:a16="http://schemas.microsoft.com/office/drawing/2014/main" id="{F1180567-9332-164B-24DA-F005E8EA1DF4}"/>
+              </a:ext>
+            </a:extLst>
+          </p:cNvPr>
+          <p:cNvCxnSpPr>
+            <a:cxnSpLocks/>
+          </p:cNvCxnSpPr>
+          <p:nvPr/>
+        </p:nvCxnSpPr>
+        <p:spPr>
+          <a:xfrm>
+            <a:off x="6025626" y="3370476"/>
+            <a:ext cx="373877" cy="0"/>
+          </a:xfrm>
+          <a:prstGeom prst="line">
+            <a:avLst/>
+          </a:prstGeom>
+          <a:ln>
+            <a:headEnd type="none" w="med" len="med"/>
+            <a:tailEnd type="none" w="med" len="med"/>
+          </a:ln>
+        </p:spPr>
+        <p:style>
+          <a:lnRef idx="3">
+            <a:schemeClr val="accent2"/>
+          </a:lnRef>
+          <a:fillRef idx="0">
+            <a:schemeClr val="accent2"/>
+          </a:fillRef>
+          <a:effectRef idx="2">
+            <a:schemeClr val="accent2"/>
+          </a:effectRef>
+          <a:fontRef idx="minor">
+            <a:schemeClr val="tx1"/>
+          </a:fontRef>
+        </p:style>
+      </p:cxnSp>
+      <p:cxnSp>
+        <p:nvCxnSpPr>
+          <p:cNvPr id="79" name="Straight Connector 78">
+            <a:extLst>
+              <a:ext uri="{FF2B5EF4-FFF2-40B4-BE49-F238E27FC236}">
+                <a16:creationId xmlns:a16="http://schemas.microsoft.com/office/drawing/2014/main" id="{788DE18A-4BEB-D740-B1DE-AC40E07D0EDB}"/>
+              </a:ext>
+            </a:extLst>
+          </p:cNvPr>
+          <p:cNvCxnSpPr>
+            <a:cxnSpLocks/>
+          </p:cNvCxnSpPr>
+          <p:nvPr/>
+        </p:nvCxnSpPr>
+        <p:spPr>
+          <a:xfrm>
+            <a:off x="5062849" y="3356822"/>
+            <a:ext cx="399193" cy="7372"/>
+          </a:xfrm>
+          <a:prstGeom prst="line">
+            <a:avLst/>
+          </a:prstGeom>
+          <a:ln>
+            <a:headEnd type="none" w="med" len="med"/>
+            <a:tailEnd type="none" w="med" len="med"/>
+          </a:ln>
+        </p:spPr>
+        <p:style>
+          <a:lnRef idx="3">
+            <a:schemeClr val="accent2"/>
+          </a:lnRef>
+          <a:fillRef idx="0">
+            <a:schemeClr val="accent2"/>
+          </a:fillRef>
+          <a:effectRef idx="2">
+            <a:schemeClr val="accent2"/>
+          </a:effectRef>
+          <a:fontRef idx="minor">
+            <a:schemeClr val="tx1"/>
+          </a:fontRef>
+        </p:style>
+      </p:cxnSp>
+      <p:cxnSp>
+        <p:nvCxnSpPr>
+          <p:cNvPr id="84" name="Straight Connector 83">
+            <a:extLst>
+              <a:ext uri="{FF2B5EF4-FFF2-40B4-BE49-F238E27FC236}">
+                <a16:creationId xmlns:a16="http://schemas.microsoft.com/office/drawing/2014/main" id="{832285B4-BDCC-9434-15ED-61160604D5B0}"/>
+              </a:ext>
+            </a:extLst>
+          </p:cNvPr>
+          <p:cNvCxnSpPr>
+            <a:cxnSpLocks/>
+          </p:cNvCxnSpPr>
+          <p:nvPr/>
+        </p:nvCxnSpPr>
+        <p:spPr>
+          <a:xfrm>
+            <a:off x="5100259" y="1189160"/>
+            <a:ext cx="29089" cy="2098455"/>
+          </a:xfrm>
+          <a:prstGeom prst="line">
+            <a:avLst/>
+          </a:prstGeom>
+          <a:ln>
+            <a:headEnd type="none" w="med" len="med"/>
+            <a:tailEnd type="none" w="med" len="med"/>
+          </a:ln>
+        </p:spPr>
+        <p:style>
+          <a:lnRef idx="3">
+            <a:schemeClr val="accent2"/>
+          </a:lnRef>
+          <a:fillRef idx="0">
+            <a:schemeClr val="accent2"/>
+          </a:fillRef>
+          <a:effectRef idx="2">
+            <a:schemeClr val="accent2"/>
+          </a:effectRef>
+          <a:fontRef idx="minor">
+            <a:schemeClr val="tx1"/>
+          </a:fontRef>
+        </p:style>
+      </p:cxnSp>
+      <p:cxnSp>
+        <p:nvCxnSpPr>
+          <p:cNvPr id="94" name="Straight Connector 93">
+            <a:extLst>
+              <a:ext uri="{FF2B5EF4-FFF2-40B4-BE49-F238E27FC236}">
+                <a16:creationId xmlns:a16="http://schemas.microsoft.com/office/drawing/2014/main" id="{F4D237E2-29CB-BC19-5227-0BB5F864B179}"/>
+              </a:ext>
+            </a:extLst>
+          </p:cNvPr>
+          <p:cNvCxnSpPr>
+            <a:cxnSpLocks/>
+          </p:cNvCxnSpPr>
+          <p:nvPr/>
+        </p:nvCxnSpPr>
+        <p:spPr>
+          <a:xfrm>
+            <a:off x="5146368" y="3267328"/>
+            <a:ext cx="300133" cy="0"/>
+          </a:xfrm>
+          <a:prstGeom prst="line">
+            <a:avLst/>
+          </a:prstGeom>
+          <a:ln>
+            <a:headEnd type="none" w="med" len="med"/>
+            <a:tailEnd type="none" w="med" len="med"/>
+          </a:ln>
+        </p:spPr>
+        <p:style>
+          <a:lnRef idx="3">
+            <a:schemeClr val="accent2"/>
+          </a:lnRef>
+          <a:fillRef idx="0">
+            <a:schemeClr val="accent2"/>
+          </a:fillRef>
+          <a:effectRef idx="2">
+            <a:schemeClr val="accent2"/>
+          </a:effectRef>
+          <a:fontRef idx="minor">
+            <a:schemeClr val="tx1"/>
+          </a:fontRef>
+        </p:style>
+      </p:cxnSp>
+      <p:cxnSp>
+        <p:nvCxnSpPr>
+          <p:cNvPr id="96" name="Straight Connector 95">
+            <a:extLst>
+              <a:ext uri="{FF2B5EF4-FFF2-40B4-BE49-F238E27FC236}">
+                <a16:creationId xmlns:a16="http://schemas.microsoft.com/office/drawing/2014/main" id="{774666CE-A380-DB1E-A56F-6C79AE800076}"/>
+              </a:ext>
+            </a:extLst>
+          </p:cNvPr>
+          <p:cNvCxnSpPr>
+            <a:cxnSpLocks/>
+          </p:cNvCxnSpPr>
+          <p:nvPr/>
+        </p:nvCxnSpPr>
+        <p:spPr>
+          <a:xfrm>
+            <a:off x="6053328" y="3257702"/>
+            <a:ext cx="258294" cy="0"/>
+          </a:xfrm>
+          <a:prstGeom prst="line">
+            <a:avLst/>
+          </a:prstGeom>
+          <a:ln>
+            <a:headEnd type="none" w="med" len="med"/>
+            <a:tailEnd type="none" w="med" len="med"/>
+          </a:ln>
+        </p:spPr>
+        <p:style>
+          <a:lnRef idx="3">
+            <a:schemeClr val="accent2"/>
+          </a:lnRef>
+          <a:fillRef idx="0">
+            <a:schemeClr val="accent2"/>
+          </a:fillRef>
+          <a:effectRef idx="2">
+            <a:schemeClr val="accent2"/>
+          </a:effectRef>
+          <a:fontRef idx="minor">
+            <a:schemeClr val="tx1"/>
+          </a:fontRef>
+        </p:style>
+      </p:cxnSp>
+      <p:cxnSp>
+        <p:nvCxnSpPr>
+          <p:cNvPr id="101" name="Straight Connector 100">
+            <a:extLst>
+              <a:ext uri="{FF2B5EF4-FFF2-40B4-BE49-F238E27FC236}">
+                <a16:creationId xmlns:a16="http://schemas.microsoft.com/office/drawing/2014/main" id="{014BC1AB-863E-4B34-6023-6493BC4E1691}"/>
+              </a:ext>
+            </a:extLst>
+          </p:cNvPr>
+          <p:cNvCxnSpPr>
+            <a:cxnSpLocks/>
+          </p:cNvCxnSpPr>
+          <p:nvPr/>
+        </p:nvCxnSpPr>
+        <p:spPr>
+          <a:xfrm>
+            <a:off x="5847440" y="2049268"/>
+            <a:ext cx="1519274" cy="11187"/>
+          </a:xfrm>
+          <a:prstGeom prst="line">
+            <a:avLst/>
+          </a:prstGeom>
+          <a:ln>
+            <a:solidFill>
+              <a:srgbClr val="FF0000"/>
+            </a:solidFill>
+            <a:headEnd type="none" w="med" len="med"/>
+            <a:tailEnd type="arrow" w="med" len="med"/>
+          </a:ln>
+        </p:spPr>
+        <p:style>
+          <a:lnRef idx="3">
+            <a:schemeClr val="accent2"/>
+          </a:lnRef>
+          <a:fillRef idx="0">
+            <a:schemeClr val="accent2"/>
+          </a:fillRef>
+          <a:effectRef idx="2">
+            <a:schemeClr val="accent2"/>
+          </a:effectRef>
+          <a:fontRef idx="minor">
+            <a:schemeClr val="tx1"/>
+          </a:fontRef>
+        </p:style>
+      </p:cxnSp>
+      <p:cxnSp>
+        <p:nvCxnSpPr>
+          <p:cNvPr id="103" name="Straight Connector 102">
+            <a:extLst>
+              <a:ext uri="{FF2B5EF4-FFF2-40B4-BE49-F238E27FC236}">
+                <a16:creationId xmlns:a16="http://schemas.microsoft.com/office/drawing/2014/main" id="{8E723114-6267-EC7B-FFC5-68855497A4B3}"/>
+              </a:ext>
+            </a:extLst>
+          </p:cNvPr>
+          <p:cNvCxnSpPr>
+            <a:cxnSpLocks/>
+          </p:cNvCxnSpPr>
+          <p:nvPr/>
+        </p:nvCxnSpPr>
+        <p:spPr>
+          <a:xfrm>
+            <a:off x="5831875" y="2033074"/>
+            <a:ext cx="0" cy="1136028"/>
+          </a:xfrm>
+          <a:prstGeom prst="line">
+            <a:avLst/>
+          </a:prstGeom>
+          <a:ln>
+            <a:solidFill>
+              <a:srgbClr val="FF0000"/>
+            </a:solidFill>
+            <a:headEnd type="none" w="med" len="med"/>
+            <a:tailEnd type="none" w="med" len="med"/>
+          </a:ln>
+        </p:spPr>
+        <p:style>
+          <a:lnRef idx="3">
+            <a:schemeClr val="accent2"/>
+          </a:lnRef>
+          <a:fillRef idx="0">
+            <a:schemeClr val="accent2"/>
+          </a:fillRef>
+          <a:effectRef idx="2">
+            <a:schemeClr val="accent2"/>
+          </a:effectRef>
+          <a:fontRef idx="minor">
+            <a:schemeClr val="tx1"/>
+          </a:fontRef>
+        </p:style>
+      </p:cxnSp>
+      <p:cxnSp>
+        <p:nvCxnSpPr>
+          <p:cNvPr id="121" name="Straight Connector 120">
+            <a:extLst>
+              <a:ext uri="{FF2B5EF4-FFF2-40B4-BE49-F238E27FC236}">
+                <a16:creationId xmlns:a16="http://schemas.microsoft.com/office/drawing/2014/main" id="{58E1EB10-5569-4895-C484-0BC1A450720A}"/>
+              </a:ext>
+            </a:extLst>
+          </p:cNvPr>
+          <p:cNvCxnSpPr>
+            <a:cxnSpLocks/>
+          </p:cNvCxnSpPr>
+          <p:nvPr/>
+        </p:nvCxnSpPr>
+        <p:spPr>
+          <a:xfrm>
+            <a:off x="5434584" y="3988414"/>
+            <a:ext cx="228600" cy="0"/>
+          </a:xfrm>
+          <a:prstGeom prst="line">
+            <a:avLst/>
+          </a:prstGeom>
+          <a:ln>
+            <a:headEnd type="none" w="med" len="med"/>
+            <a:tailEnd type="none" w="med" len="med"/>
+          </a:ln>
+        </p:spPr>
+        <p:style>
+          <a:lnRef idx="3">
+            <a:schemeClr val="accent2"/>
+          </a:lnRef>
+          <a:fillRef idx="0">
+            <a:schemeClr val="accent2"/>
+          </a:fillRef>
+          <a:effectRef idx="2">
+            <a:schemeClr val="accent2"/>
+          </a:effectRef>
+          <a:fontRef idx="minor">
+            <a:schemeClr val="tx1"/>
+          </a:fontRef>
+        </p:style>
+      </p:cxnSp>
+      <p:cxnSp>
+        <p:nvCxnSpPr>
+          <p:cNvPr id="123" name="Straight Connector 122">
+            <a:extLst>
+              <a:ext uri="{FF2B5EF4-FFF2-40B4-BE49-F238E27FC236}">
+                <a16:creationId xmlns:a16="http://schemas.microsoft.com/office/drawing/2014/main" id="{3F781973-14E7-E19C-8B54-F9CC8E10CA38}"/>
+              </a:ext>
+            </a:extLst>
+          </p:cNvPr>
+          <p:cNvCxnSpPr>
+            <a:cxnSpLocks/>
+          </p:cNvCxnSpPr>
+          <p:nvPr/>
+        </p:nvCxnSpPr>
+        <p:spPr>
+          <a:xfrm>
+            <a:off x="5840209" y="3988721"/>
+            <a:ext cx="228600" cy="0"/>
+          </a:xfrm>
+          <a:prstGeom prst="line">
+            <a:avLst/>
+          </a:prstGeom>
+          <a:ln>
+            <a:headEnd type="none" w="med" len="med"/>
+            <a:tailEnd type="none" w="med" len="med"/>
+          </a:ln>
+        </p:spPr>
+        <p:style>
+          <a:lnRef idx="3">
+            <a:schemeClr val="accent2"/>
+          </a:lnRef>
+          <a:fillRef idx="0">
+            <a:schemeClr val="accent2"/>
+          </a:fillRef>
+          <a:effectRef idx="2">
+            <a:schemeClr val="accent2"/>
+          </a:effectRef>
+          <a:fontRef idx="minor">
+            <a:schemeClr val="tx1"/>
+          </a:fontRef>
+        </p:style>
+      </p:cxnSp>
+      <p:cxnSp>
+        <p:nvCxnSpPr>
+          <p:cNvPr id="131" name="Straight Connector 130">
+            <a:extLst>
+              <a:ext uri="{FF2B5EF4-FFF2-40B4-BE49-F238E27FC236}">
+                <a16:creationId xmlns:a16="http://schemas.microsoft.com/office/drawing/2014/main" id="{781F8AB0-6D32-A4BB-8746-C65652709A1A}"/>
+              </a:ext>
+            </a:extLst>
+          </p:cNvPr>
+          <p:cNvCxnSpPr>
+            <a:cxnSpLocks/>
+          </p:cNvCxnSpPr>
+          <p:nvPr/>
+        </p:nvCxnSpPr>
+        <p:spPr>
+          <a:xfrm>
+            <a:off x="5841294" y="3164910"/>
+            <a:ext cx="217127" cy="0"/>
+          </a:xfrm>
+          <a:prstGeom prst="line">
+            <a:avLst/>
+          </a:prstGeom>
+          <a:ln>
+            <a:solidFill>
+              <a:srgbClr val="FF0000"/>
+            </a:solidFill>
+            <a:headEnd type="none" w="med" len="med"/>
+            <a:tailEnd type="none" w="med" len="med"/>
+          </a:ln>
+        </p:spPr>
+        <p:style>
+          <a:lnRef idx="3">
+            <a:schemeClr val="accent2"/>
+          </a:lnRef>
+          <a:fillRef idx="0">
+            <a:schemeClr val="accent2"/>
+          </a:fillRef>
+          <a:effectRef idx="2">
+            <a:schemeClr val="accent2"/>
+          </a:effectRef>
+          <a:fontRef idx="minor">
+            <a:schemeClr val="tx1"/>
+          </a:fontRef>
+        </p:style>
+      </p:cxnSp>
+      <p:cxnSp>
+        <p:nvCxnSpPr>
+          <p:cNvPr id="139" name="Straight Connector 138">
+            <a:extLst>
+              <a:ext uri="{FF2B5EF4-FFF2-40B4-BE49-F238E27FC236}">
+                <a16:creationId xmlns:a16="http://schemas.microsoft.com/office/drawing/2014/main" id="{7CDDC8E2-504D-3F69-FE9D-0CB21C2EB8CE}"/>
+              </a:ext>
+            </a:extLst>
+          </p:cNvPr>
+          <p:cNvCxnSpPr>
+            <a:cxnSpLocks/>
+          </p:cNvCxnSpPr>
+          <p:nvPr/>
+        </p:nvCxnSpPr>
+        <p:spPr>
+          <a:xfrm>
+            <a:off x="5723520" y="1927737"/>
+            <a:ext cx="1639716" cy="11187"/>
+          </a:xfrm>
+          <a:prstGeom prst="line">
+            <a:avLst/>
+          </a:prstGeom>
+          <a:ln>
+            <a:headEnd type="none" w="med" len="med"/>
+            <a:tailEnd type="arrow" w="med" len="med"/>
+          </a:ln>
+        </p:spPr>
+        <p:style>
+          <a:lnRef idx="3">
+            <a:schemeClr val="dk1"/>
+          </a:lnRef>
+          <a:fillRef idx="0">
+            <a:schemeClr val="dk1"/>
+          </a:fillRef>
+          <a:effectRef idx="2">
+            <a:schemeClr val="dk1"/>
+          </a:effectRef>
+          <a:fontRef idx="minor">
+            <a:schemeClr val="tx1"/>
+          </a:fontRef>
+        </p:style>
+      </p:cxnSp>
+      <p:cxnSp>
+        <p:nvCxnSpPr>
+          <p:cNvPr id="143" name="Straight Connector 142">
+            <a:extLst>
+              <a:ext uri="{FF2B5EF4-FFF2-40B4-BE49-F238E27FC236}">
+                <a16:creationId xmlns:a16="http://schemas.microsoft.com/office/drawing/2014/main" id="{C97B8E3D-A7B5-DB0B-2286-2E8E4D34E671}"/>
+              </a:ext>
+            </a:extLst>
+          </p:cNvPr>
+          <p:cNvCxnSpPr>
+            <a:cxnSpLocks/>
+          </p:cNvCxnSpPr>
+          <p:nvPr/>
+        </p:nvCxnSpPr>
+        <p:spPr>
+          <a:xfrm>
+            <a:off x="5750560" y="1935673"/>
+            <a:ext cx="0" cy="1136028"/>
+          </a:xfrm>
+          <a:prstGeom prst="line">
+            <a:avLst/>
+          </a:prstGeom>
+          <a:ln>
+            <a:headEnd type="none" w="med" len="med"/>
+            <a:tailEnd type="none" w="med" len="med"/>
+          </a:ln>
+        </p:spPr>
+        <p:style>
+          <a:lnRef idx="3">
+            <a:schemeClr val="dk1"/>
+          </a:lnRef>
+          <a:fillRef idx="0">
+            <a:schemeClr val="dk1"/>
+          </a:fillRef>
+          <a:effectRef idx="2">
+            <a:schemeClr val="dk1"/>
+          </a:effectRef>
+          <a:fontRef idx="minor">
+            <a:schemeClr val="tx1"/>
+          </a:fontRef>
+        </p:style>
+      </p:cxnSp>
+      <p:cxnSp>
+        <p:nvCxnSpPr>
+          <p:cNvPr id="144" name="Straight Connector 143">
+            <a:extLst>
+              <a:ext uri="{FF2B5EF4-FFF2-40B4-BE49-F238E27FC236}">
+                <a16:creationId xmlns:a16="http://schemas.microsoft.com/office/drawing/2014/main" id="{71B00BEB-2D0C-AEEF-79FD-2FF42B263268}"/>
+              </a:ext>
+            </a:extLst>
+          </p:cNvPr>
+          <p:cNvCxnSpPr>
+            <a:cxnSpLocks/>
+          </p:cNvCxnSpPr>
+          <p:nvPr/>
+        </p:nvCxnSpPr>
+        <p:spPr>
+          <a:xfrm>
+            <a:off x="5754933" y="3054010"/>
+            <a:ext cx="274320" cy="0"/>
+          </a:xfrm>
+          <a:prstGeom prst="line">
+            <a:avLst/>
+          </a:prstGeom>
+          <a:ln>
+            <a:headEnd type="none" w="med" len="med"/>
+            <a:tailEnd type="none" w="med" len="med"/>
+          </a:ln>
+        </p:spPr>
+        <p:style>
+          <a:lnRef idx="3">
+            <a:schemeClr val="dk1"/>
+          </a:lnRef>
+          <a:fillRef idx="0">
+            <a:schemeClr val="dk1"/>
+          </a:fillRef>
+          <a:effectRef idx="2">
+            <a:schemeClr val="dk1"/>
+          </a:effectRef>
+          <a:fontRef idx="minor">
+            <a:schemeClr val="tx1"/>
+          </a:fontRef>
+        </p:style>
+      </p:cxnSp>
+      <p:cxnSp>
+        <p:nvCxnSpPr>
+          <p:cNvPr id="147" name="Straight Connector 146">
+            <a:extLst>
+              <a:ext uri="{FF2B5EF4-FFF2-40B4-BE49-F238E27FC236}">
+                <a16:creationId xmlns:a16="http://schemas.microsoft.com/office/drawing/2014/main" id="{D935A86C-D46B-1865-6431-547ED3B0EA49}"/>
+              </a:ext>
+            </a:extLst>
+          </p:cNvPr>
+          <p:cNvCxnSpPr>
+            <a:cxnSpLocks/>
+          </p:cNvCxnSpPr>
+          <p:nvPr/>
+        </p:nvCxnSpPr>
+        <p:spPr>
+          <a:xfrm flipH="1" flipV="1">
+            <a:off x="4533756" y="1886855"/>
+            <a:ext cx="1233832" cy="23840"/>
+          </a:xfrm>
+          <a:prstGeom prst="line">
+            <a:avLst/>
+          </a:prstGeom>
+          <a:ln>
+            <a:headEnd type="none" w="med" len="med"/>
+            <a:tailEnd type="arrow" w="med" len="med"/>
+          </a:ln>
+        </p:spPr>
+        <p:style>
+          <a:lnRef idx="3">
+            <a:schemeClr val="dk1"/>
+          </a:lnRef>
+          <a:fillRef idx="0">
+            <a:schemeClr val="dk1"/>
+          </a:fillRef>
+          <a:effectRef idx="2">
+            <a:schemeClr val="dk1"/>
+          </a:effectRef>
+          <a:fontRef idx="minor">
+            <a:schemeClr val="tx1"/>
+          </a:fontRef>
+        </p:style>
+      </p:cxnSp>
+      <p:cxnSp>
+        <p:nvCxnSpPr>
+          <p:cNvPr id="152" name="Straight Connector 151">
+            <a:extLst>
+              <a:ext uri="{FF2B5EF4-FFF2-40B4-BE49-F238E27FC236}">
+                <a16:creationId xmlns:a16="http://schemas.microsoft.com/office/drawing/2014/main" id="{0867A68A-CBC0-B6F6-B302-4D1BE77AD825}"/>
+              </a:ext>
+            </a:extLst>
+          </p:cNvPr>
+          <p:cNvCxnSpPr>
+            <a:cxnSpLocks/>
+          </p:cNvCxnSpPr>
+          <p:nvPr/>
+        </p:nvCxnSpPr>
+        <p:spPr>
+          <a:xfrm flipH="1">
+            <a:off x="2961631" y="2147681"/>
+            <a:ext cx="484616" cy="2879"/>
+          </a:xfrm>
+          <a:prstGeom prst="line">
+            <a:avLst/>
+          </a:prstGeom>
+          <a:ln>
+            <a:solidFill>
+              <a:srgbClr val="FF0000"/>
+            </a:solidFill>
+            <a:headEnd type="none" w="med" len="med"/>
+            <a:tailEnd type="arrow" w="med" len="med"/>
+          </a:ln>
+        </p:spPr>
+        <p:style>
+          <a:lnRef idx="3">
+            <a:schemeClr val="accent2"/>
+          </a:lnRef>
+          <a:fillRef idx="0">
+            <a:schemeClr val="accent2"/>
+          </a:fillRef>
+          <a:effectRef idx="2">
+            <a:schemeClr val="accent2"/>
+          </a:effectRef>
+          <a:fontRef idx="minor">
+            <a:schemeClr val="tx1"/>
+          </a:fontRef>
+        </p:style>
+      </p:cxnSp>
+      <p:cxnSp>
+        <p:nvCxnSpPr>
+          <p:cNvPr id="157" name="Straight Connector 156">
+            <a:extLst>
+              <a:ext uri="{FF2B5EF4-FFF2-40B4-BE49-F238E27FC236}">
+                <a16:creationId xmlns:a16="http://schemas.microsoft.com/office/drawing/2014/main" id="{FDE53E8B-317B-0139-EEA6-BEB92B96BC8E}"/>
+              </a:ext>
+            </a:extLst>
+          </p:cNvPr>
+          <p:cNvCxnSpPr>
+            <a:cxnSpLocks/>
+          </p:cNvCxnSpPr>
+          <p:nvPr/>
+        </p:nvCxnSpPr>
+        <p:spPr>
+          <a:xfrm>
+            <a:off x="3448529" y="984562"/>
+            <a:ext cx="0" cy="1136028"/>
+          </a:xfrm>
+          <a:prstGeom prst="line">
+            <a:avLst/>
+          </a:prstGeom>
+          <a:ln>
+            <a:solidFill>
+              <a:srgbClr val="FF0000"/>
+            </a:solidFill>
+            <a:headEnd type="none" w="med" len="med"/>
+            <a:tailEnd type="none" w="med" len="med"/>
+          </a:ln>
+        </p:spPr>
+        <p:style>
+          <a:lnRef idx="3">
+            <a:schemeClr val="accent2"/>
+          </a:lnRef>
+          <a:fillRef idx="0">
+            <a:schemeClr val="accent2"/>
+          </a:fillRef>
+          <a:effectRef idx="2">
+            <a:schemeClr val="accent2"/>
+          </a:effectRef>
+          <a:fontRef idx="minor">
+            <a:schemeClr val="tx1"/>
+          </a:fontRef>
+        </p:style>
+      </p:cxnSp>
+      <p:cxnSp>
+        <p:nvCxnSpPr>
+          <p:cNvPr id="158" name="Straight Connector 157">
+            <a:extLst>
+              <a:ext uri="{FF2B5EF4-FFF2-40B4-BE49-F238E27FC236}">
+                <a16:creationId xmlns:a16="http://schemas.microsoft.com/office/drawing/2014/main" id="{C86AAA82-7A54-B5DE-03FB-2EC7F33A2979}"/>
+              </a:ext>
+            </a:extLst>
+          </p:cNvPr>
+          <p:cNvCxnSpPr>
+            <a:cxnSpLocks/>
+          </p:cNvCxnSpPr>
+          <p:nvPr/>
+        </p:nvCxnSpPr>
+        <p:spPr>
+          <a:xfrm>
+            <a:off x="3449782" y="966274"/>
+            <a:ext cx="1768394" cy="0"/>
+          </a:xfrm>
+          <a:prstGeom prst="line">
+            <a:avLst/>
+          </a:prstGeom>
+          <a:ln>
+            <a:solidFill>
+              <a:srgbClr val="FF0000"/>
+            </a:solidFill>
+            <a:headEnd type="none" w="med" len="med"/>
+            <a:tailEnd type="none" w="med" len="med"/>
+          </a:ln>
+        </p:spPr>
+        <p:style>
+          <a:lnRef idx="3">
+            <a:schemeClr val="accent2"/>
+          </a:lnRef>
+          <a:fillRef idx="0">
+            <a:schemeClr val="accent2"/>
+          </a:fillRef>
+          <a:effectRef idx="2">
+            <a:schemeClr val="accent2"/>
+          </a:effectRef>
+          <a:fontRef idx="minor">
+            <a:schemeClr val="tx1"/>
+          </a:fontRef>
+        </p:style>
+      </p:cxnSp>
+      <p:cxnSp>
+        <p:nvCxnSpPr>
+          <p:cNvPr id="161" name="Straight Connector 160">
+            <a:extLst>
+              <a:ext uri="{FF2B5EF4-FFF2-40B4-BE49-F238E27FC236}">
+                <a16:creationId xmlns:a16="http://schemas.microsoft.com/office/drawing/2014/main" id="{1EEEDB8E-0E5E-46FD-D036-8B9E0508E715}"/>
+              </a:ext>
+            </a:extLst>
+          </p:cNvPr>
+          <p:cNvCxnSpPr>
+            <a:cxnSpLocks/>
+          </p:cNvCxnSpPr>
+          <p:nvPr/>
+        </p:nvCxnSpPr>
+        <p:spPr>
+          <a:xfrm>
+            <a:off x="5210083" y="979718"/>
+            <a:ext cx="0" cy="2189384"/>
+          </a:xfrm>
+          <a:prstGeom prst="line">
+            <a:avLst/>
+          </a:prstGeom>
+          <a:ln>
+            <a:solidFill>
+              <a:srgbClr val="FF0000"/>
+            </a:solidFill>
+            <a:headEnd type="none" w="med" len="med"/>
+            <a:tailEnd type="none" w="med" len="med"/>
+          </a:ln>
+        </p:spPr>
+        <p:style>
+          <a:lnRef idx="3">
+            <a:schemeClr val="accent2"/>
+          </a:lnRef>
+          <a:fillRef idx="0">
+            <a:schemeClr val="accent2"/>
+          </a:fillRef>
+          <a:effectRef idx="2">
+            <a:schemeClr val="accent2"/>
+          </a:effectRef>
+          <a:fontRef idx="minor">
+            <a:schemeClr val="tx1"/>
+          </a:fontRef>
+        </p:style>
+      </p:cxnSp>
+      <p:cxnSp>
+        <p:nvCxnSpPr>
+          <p:cNvPr id="163" name="Straight Connector 162">
+            <a:extLst>
+              <a:ext uri="{FF2B5EF4-FFF2-40B4-BE49-F238E27FC236}">
+                <a16:creationId xmlns:a16="http://schemas.microsoft.com/office/drawing/2014/main" id="{2C516F66-B152-EC14-61E0-10923B7737F8}"/>
+              </a:ext>
+            </a:extLst>
+          </p:cNvPr>
+          <p:cNvCxnSpPr>
+            <a:cxnSpLocks/>
+          </p:cNvCxnSpPr>
+          <p:nvPr/>
+        </p:nvCxnSpPr>
+        <p:spPr>
+          <a:xfrm flipV="1">
+            <a:off x="5198359" y="3155973"/>
+            <a:ext cx="227258" cy="7021"/>
+          </a:xfrm>
+          <a:prstGeom prst="line">
+            <a:avLst/>
+          </a:prstGeom>
+          <a:ln>
+            <a:solidFill>
+              <a:srgbClr val="FF0000"/>
+            </a:solidFill>
+            <a:headEnd type="none" w="med" len="med"/>
+            <a:tailEnd type="none" w="med" len="med"/>
+          </a:ln>
+        </p:spPr>
+        <p:style>
+          <a:lnRef idx="3">
+            <a:schemeClr val="accent2"/>
+          </a:lnRef>
+          <a:fillRef idx="0">
+            <a:schemeClr val="accent2"/>
+          </a:fillRef>
+          <a:effectRef idx="2">
+            <a:schemeClr val="accent2"/>
+          </a:effectRef>
+          <a:fontRef idx="minor">
+            <a:schemeClr val="tx1"/>
+          </a:fontRef>
+        </p:style>
+      </p:cxnSp>
+    </p:spTree>
+    <p:extLst>
+      <p:ext uri="{BB962C8B-B14F-4D97-AF65-F5344CB8AC3E}">
+        <p14:creationId xmlns:p14="http://schemas.microsoft.com/office/powerpoint/2010/main" val="3246681532"/>
       </p:ext>
     </p:extLst>
   </p:cSld>

--- a/ppt_doc/pin_diagram.pptx
+++ b/ppt_doc/pin_diagram.pptx
@@ -10,6 +10,7 @@
     <p:sldId id="258" r:id="rId4"/>
     <p:sldId id="259" r:id="rId5"/>
     <p:sldId id="260" r:id="rId6"/>
+    <p:sldId id="262" r:id="rId7"/>
   </p:sldIdLst>
   <p:sldSz cx="12192000" cy="6858000"/>
   <p:notesSz cx="6858000" cy="9144000"/>
@@ -263,7 +264,7 @@
           <a:p>
             <a:fld id="{AB35F315-D6CE-4C8D-9232-B2305DBC9767}" type="datetimeFigureOut">
               <a:rPr lang="en-US" smtClean="0"/>
-              <a:t>8/10/2025</a:t>
+              <a:t>8/18/2025</a:t>
             </a:fld>
             <a:endParaRPr lang="en-US"/>
           </a:p>
@@ -461,7 +462,7 @@
           <a:p>
             <a:fld id="{AB35F315-D6CE-4C8D-9232-B2305DBC9767}" type="datetimeFigureOut">
               <a:rPr lang="en-US" smtClean="0"/>
-              <a:t>8/10/2025</a:t>
+              <a:t>8/18/2025</a:t>
             </a:fld>
             <a:endParaRPr lang="en-US"/>
           </a:p>
@@ -669,7 +670,7 @@
           <a:p>
             <a:fld id="{AB35F315-D6CE-4C8D-9232-B2305DBC9767}" type="datetimeFigureOut">
               <a:rPr lang="en-US" smtClean="0"/>
-              <a:t>8/10/2025</a:t>
+              <a:t>8/18/2025</a:t>
             </a:fld>
             <a:endParaRPr lang="en-US"/>
           </a:p>
@@ -867,7 +868,7 @@
           <a:p>
             <a:fld id="{AB35F315-D6CE-4C8D-9232-B2305DBC9767}" type="datetimeFigureOut">
               <a:rPr lang="en-US" smtClean="0"/>
-              <a:t>8/10/2025</a:t>
+              <a:t>8/18/2025</a:t>
             </a:fld>
             <a:endParaRPr lang="en-US"/>
           </a:p>
@@ -1142,7 +1143,7 @@
           <a:p>
             <a:fld id="{AB35F315-D6CE-4C8D-9232-B2305DBC9767}" type="datetimeFigureOut">
               <a:rPr lang="en-US" smtClean="0"/>
-              <a:t>8/10/2025</a:t>
+              <a:t>8/18/2025</a:t>
             </a:fld>
             <a:endParaRPr lang="en-US"/>
           </a:p>
@@ -1407,7 +1408,7 @@
           <a:p>
             <a:fld id="{AB35F315-D6CE-4C8D-9232-B2305DBC9767}" type="datetimeFigureOut">
               <a:rPr lang="en-US" smtClean="0"/>
-              <a:t>8/10/2025</a:t>
+              <a:t>8/18/2025</a:t>
             </a:fld>
             <a:endParaRPr lang="en-US"/>
           </a:p>
@@ -1819,7 +1820,7 @@
           <a:p>
             <a:fld id="{AB35F315-D6CE-4C8D-9232-B2305DBC9767}" type="datetimeFigureOut">
               <a:rPr lang="en-US" smtClean="0"/>
-              <a:t>8/10/2025</a:t>
+              <a:t>8/18/2025</a:t>
             </a:fld>
             <a:endParaRPr lang="en-US"/>
           </a:p>
@@ -1960,7 +1961,7 @@
           <a:p>
             <a:fld id="{AB35F315-D6CE-4C8D-9232-B2305DBC9767}" type="datetimeFigureOut">
               <a:rPr lang="en-US" smtClean="0"/>
-              <a:t>8/10/2025</a:t>
+              <a:t>8/18/2025</a:t>
             </a:fld>
             <a:endParaRPr lang="en-US"/>
           </a:p>
@@ -2073,7 +2074,7 @@
           <a:p>
             <a:fld id="{AB35F315-D6CE-4C8D-9232-B2305DBC9767}" type="datetimeFigureOut">
               <a:rPr lang="en-US" smtClean="0"/>
-              <a:t>8/10/2025</a:t>
+              <a:t>8/18/2025</a:t>
             </a:fld>
             <a:endParaRPr lang="en-US"/>
           </a:p>
@@ -2384,7 +2385,7 @@
           <a:p>
             <a:fld id="{AB35F315-D6CE-4C8D-9232-B2305DBC9767}" type="datetimeFigureOut">
               <a:rPr lang="en-US" smtClean="0"/>
-              <a:t>8/10/2025</a:t>
+              <a:t>8/18/2025</a:t>
             </a:fld>
             <a:endParaRPr lang="en-US"/>
           </a:p>
@@ -2672,7 +2673,7 @@
           <a:p>
             <a:fld id="{AB35F315-D6CE-4C8D-9232-B2305DBC9767}" type="datetimeFigureOut">
               <a:rPr lang="en-US" smtClean="0"/>
-              <a:t>8/10/2025</a:t>
+              <a:t>8/18/2025</a:t>
             </a:fld>
             <a:endParaRPr lang="en-US"/>
           </a:p>
@@ -2913,7 +2914,7 @@
           <a:p>
             <a:fld id="{AB35F315-D6CE-4C8D-9232-B2305DBC9767}" type="datetimeFigureOut">
               <a:rPr lang="en-US" smtClean="0"/>
-              <a:t>8/10/2025</a:t>
+              <a:t>8/18/2025</a:t>
             </a:fld>
             <a:endParaRPr lang="en-US"/>
           </a:p>
@@ -12442,7 +12443,7 @@
         </p:nvCxnSpPr>
         <p:spPr>
           <a:xfrm flipH="1">
-            <a:off x="4587900" y="2994976"/>
+            <a:off x="4588920" y="2988708"/>
             <a:ext cx="1817031" cy="0"/>
           </a:xfrm>
           <a:prstGeom prst="line">
@@ -23840,6 +23841,5081 @@
     <p:extLst>
       <p:ext uri="{BB962C8B-B14F-4D97-AF65-F5344CB8AC3E}">
         <p14:creationId xmlns:p14="http://schemas.microsoft.com/office/powerpoint/2010/main" val="3246681532"/>
+      </p:ext>
+    </p:extLst>
+  </p:cSld>
+  <p:clrMapOvr>
+    <a:masterClrMapping/>
+  </p:clrMapOvr>
+</p:sld>
+</file>
+
+<file path=ppt/slides/slide6.xml><?xml version="1.0" encoding="utf-8"?>
+<p:sld xmlns:a="http://schemas.openxmlformats.org/drawingml/2006/main" xmlns:r="http://schemas.openxmlformats.org/officeDocument/2006/relationships" xmlns:p="http://schemas.openxmlformats.org/presentationml/2006/main">
+  <p:cSld>
+    <p:spTree>
+      <p:nvGrpSpPr>
+        <p:cNvPr id="1" name="">
+          <a:extLst>
+            <a:ext uri="{FF2B5EF4-FFF2-40B4-BE49-F238E27FC236}">
+              <a16:creationId xmlns:a16="http://schemas.microsoft.com/office/drawing/2014/main" id="{737AD688-16FD-3FAA-99C7-AC40A0391996}"/>
+            </a:ext>
+          </a:extLst>
+        </p:cNvPr>
+        <p:cNvGrpSpPr/>
+        <p:nvPr/>
+      </p:nvGrpSpPr>
+      <p:grpSpPr>
+        <a:xfrm>
+          <a:off x="0" y="0"/>
+          <a:ext cx="0" cy="0"/>
+          <a:chOff x="0" y="0"/>
+          <a:chExt cx="0" cy="0"/>
+        </a:xfrm>
+      </p:grpSpPr>
+      <p:pic>
+        <p:nvPicPr>
+          <p:cNvPr id="8" name="Picture 7">
+            <a:extLst>
+              <a:ext uri="{FF2B5EF4-FFF2-40B4-BE49-F238E27FC236}">
+                <a16:creationId xmlns:a16="http://schemas.microsoft.com/office/drawing/2014/main" id="{FDC3F53A-9F9F-0C06-0D4B-BD0988AFFF18}"/>
+              </a:ext>
+            </a:extLst>
+          </p:cNvPr>
+          <p:cNvPicPr>
+            <a:picLocks noChangeAspect="1"/>
+          </p:cNvPicPr>
+          <p:nvPr/>
+        </p:nvPicPr>
+        <p:blipFill>
+          <a:blip r:embed="rId2"/>
+          <a:stretch>
+            <a:fillRect/>
+          </a:stretch>
+        </p:blipFill>
+        <p:spPr>
+          <a:xfrm>
+            <a:off x="7024724" y="389179"/>
+            <a:ext cx="3040124" cy="4430871"/>
+          </a:xfrm>
+          <a:prstGeom prst="rect">
+            <a:avLst/>
+          </a:prstGeom>
+        </p:spPr>
+      </p:pic>
+      <p:pic>
+        <p:nvPicPr>
+          <p:cNvPr id="10" name="Picture 9">
+            <a:extLst>
+              <a:ext uri="{FF2B5EF4-FFF2-40B4-BE49-F238E27FC236}">
+                <a16:creationId xmlns:a16="http://schemas.microsoft.com/office/drawing/2014/main" id="{55478ACA-8B12-6F10-EBF6-232DC03C6296}"/>
+              </a:ext>
+            </a:extLst>
+          </p:cNvPr>
+          <p:cNvPicPr>
+            <a:picLocks noChangeAspect="1"/>
+          </p:cNvPicPr>
+          <p:nvPr/>
+        </p:nvPicPr>
+        <p:blipFill>
+          <a:blip r:embed="rId3"/>
+          <a:stretch>
+            <a:fillRect/>
+          </a:stretch>
+        </p:blipFill>
+        <p:spPr>
+          <a:xfrm rot="5400000">
+            <a:off x="1613377" y="1533833"/>
+            <a:ext cx="4296930" cy="1869344"/>
+          </a:xfrm>
+          <a:prstGeom prst="rect">
+            <a:avLst/>
+          </a:prstGeom>
+        </p:spPr>
+      </p:pic>
+      <p:cxnSp>
+        <p:nvCxnSpPr>
+          <p:cNvPr id="22" name="Straight Connector 21">
+            <a:extLst>
+              <a:ext uri="{FF2B5EF4-FFF2-40B4-BE49-F238E27FC236}">
+                <a16:creationId xmlns:a16="http://schemas.microsoft.com/office/drawing/2014/main" id="{AE21CFE5-BB6B-8AA2-7F64-C969E08397E2}"/>
+              </a:ext>
+            </a:extLst>
+          </p:cNvPr>
+          <p:cNvCxnSpPr>
+            <a:cxnSpLocks/>
+          </p:cNvCxnSpPr>
+          <p:nvPr/>
+        </p:nvCxnSpPr>
+        <p:spPr>
+          <a:xfrm flipV="1">
+            <a:off x="3409742" y="4324938"/>
+            <a:ext cx="5288" cy="314771"/>
+          </a:xfrm>
+          <a:prstGeom prst="line">
+            <a:avLst/>
+          </a:prstGeom>
+          <a:ln>
+            <a:headEnd type="none" w="med" len="med"/>
+            <a:tailEnd type="arrow" w="med" len="med"/>
+          </a:ln>
+        </p:spPr>
+        <p:style>
+          <a:lnRef idx="3">
+            <a:schemeClr val="dk1"/>
+          </a:lnRef>
+          <a:fillRef idx="0">
+            <a:schemeClr val="dk1"/>
+          </a:fillRef>
+          <a:effectRef idx="2">
+            <a:schemeClr val="dk1"/>
+          </a:effectRef>
+          <a:fontRef idx="minor">
+            <a:schemeClr val="tx1"/>
+          </a:fontRef>
+        </p:style>
+      </p:cxnSp>
+      <p:cxnSp>
+        <p:nvCxnSpPr>
+          <p:cNvPr id="40" name="Straight Connector 39">
+            <a:extLst>
+              <a:ext uri="{FF2B5EF4-FFF2-40B4-BE49-F238E27FC236}">
+                <a16:creationId xmlns:a16="http://schemas.microsoft.com/office/drawing/2014/main" id="{0E44E4B2-438D-DD82-C313-6FF69EFA28C9}"/>
+              </a:ext>
+            </a:extLst>
+          </p:cNvPr>
+          <p:cNvCxnSpPr>
+            <a:cxnSpLocks/>
+          </p:cNvCxnSpPr>
+          <p:nvPr/>
+        </p:nvCxnSpPr>
+        <p:spPr>
+          <a:xfrm flipH="1" flipV="1">
+            <a:off x="4012564" y="4298662"/>
+            <a:ext cx="7597" cy="1043599"/>
+          </a:xfrm>
+          <a:prstGeom prst="line">
+            <a:avLst/>
+          </a:prstGeom>
+          <a:ln>
+            <a:headEnd type="none" w="med" len="med"/>
+            <a:tailEnd type="arrow" w="med" len="med"/>
+          </a:ln>
+        </p:spPr>
+        <p:style>
+          <a:lnRef idx="3">
+            <a:schemeClr val="accent6"/>
+          </a:lnRef>
+          <a:fillRef idx="0">
+            <a:schemeClr val="accent6"/>
+          </a:fillRef>
+          <a:effectRef idx="2">
+            <a:schemeClr val="accent6"/>
+          </a:effectRef>
+          <a:fontRef idx="minor">
+            <a:schemeClr val="tx1"/>
+          </a:fontRef>
+        </p:style>
+      </p:cxnSp>
+      <p:cxnSp>
+        <p:nvCxnSpPr>
+          <p:cNvPr id="51" name="Straight Connector 50">
+            <a:extLst>
+              <a:ext uri="{FF2B5EF4-FFF2-40B4-BE49-F238E27FC236}">
+                <a16:creationId xmlns:a16="http://schemas.microsoft.com/office/drawing/2014/main" id="{27402A55-2E56-09EF-6851-834E8919D374}"/>
+              </a:ext>
+            </a:extLst>
+          </p:cNvPr>
+          <p:cNvCxnSpPr>
+            <a:cxnSpLocks/>
+          </p:cNvCxnSpPr>
+          <p:nvPr/>
+        </p:nvCxnSpPr>
+        <p:spPr>
+          <a:xfrm flipV="1">
+            <a:off x="3935450" y="4295313"/>
+            <a:ext cx="0" cy="1118120"/>
+          </a:xfrm>
+          <a:prstGeom prst="line">
+            <a:avLst/>
+          </a:prstGeom>
+          <a:ln>
+            <a:headEnd type="none" w="med" len="med"/>
+            <a:tailEnd type="arrow" w="med" len="med"/>
+          </a:ln>
+        </p:spPr>
+        <p:style>
+          <a:lnRef idx="3">
+            <a:schemeClr val="accent6"/>
+          </a:lnRef>
+          <a:fillRef idx="0">
+            <a:schemeClr val="accent6"/>
+          </a:fillRef>
+          <a:effectRef idx="2">
+            <a:schemeClr val="accent6"/>
+          </a:effectRef>
+          <a:fontRef idx="minor">
+            <a:schemeClr val="tx1"/>
+          </a:fontRef>
+        </p:style>
+      </p:cxnSp>
+      <p:cxnSp>
+        <p:nvCxnSpPr>
+          <p:cNvPr id="38" name="Straight Connector 37">
+            <a:extLst>
+              <a:ext uri="{FF2B5EF4-FFF2-40B4-BE49-F238E27FC236}">
+                <a16:creationId xmlns:a16="http://schemas.microsoft.com/office/drawing/2014/main" id="{944B5ACB-A3F4-637C-7291-A04A7054BA06}"/>
+              </a:ext>
+            </a:extLst>
+          </p:cNvPr>
+          <p:cNvCxnSpPr>
+            <a:cxnSpLocks/>
+          </p:cNvCxnSpPr>
+          <p:nvPr/>
+        </p:nvCxnSpPr>
+        <p:spPr>
+          <a:xfrm flipV="1">
+            <a:off x="5745496" y="2597116"/>
+            <a:ext cx="1602026" cy="5935"/>
+          </a:xfrm>
+          <a:prstGeom prst="line">
+            <a:avLst/>
+          </a:prstGeom>
+          <a:ln>
+            <a:headEnd type="none" w="med" len="med"/>
+            <a:tailEnd type="arrow" w="med" len="med"/>
+          </a:ln>
+        </p:spPr>
+        <p:style>
+          <a:lnRef idx="3">
+            <a:schemeClr val="dk1"/>
+          </a:lnRef>
+          <a:fillRef idx="0">
+            <a:schemeClr val="dk1"/>
+          </a:fillRef>
+          <a:effectRef idx="2">
+            <a:schemeClr val="dk1"/>
+          </a:effectRef>
+          <a:fontRef idx="minor">
+            <a:schemeClr val="tx1"/>
+          </a:fontRef>
+        </p:style>
+      </p:cxnSp>
+      <p:cxnSp>
+        <p:nvCxnSpPr>
+          <p:cNvPr id="99" name="Straight Connector 98">
+            <a:extLst>
+              <a:ext uri="{FF2B5EF4-FFF2-40B4-BE49-F238E27FC236}">
+                <a16:creationId xmlns:a16="http://schemas.microsoft.com/office/drawing/2014/main" id="{CB8AE24D-6F70-D487-1F93-F26B4FFE9F87}"/>
+              </a:ext>
+            </a:extLst>
+          </p:cNvPr>
+          <p:cNvCxnSpPr>
+            <a:cxnSpLocks/>
+          </p:cNvCxnSpPr>
+          <p:nvPr/>
+        </p:nvCxnSpPr>
+        <p:spPr>
+          <a:xfrm flipH="1">
+            <a:off x="4553177" y="2053303"/>
+            <a:ext cx="908865" cy="0"/>
+          </a:xfrm>
+          <a:prstGeom prst="line">
+            <a:avLst/>
+          </a:prstGeom>
+          <a:ln>
+            <a:headEnd type="none" w="med" len="med"/>
+            <a:tailEnd type="arrow" w="med" len="med"/>
+          </a:ln>
+        </p:spPr>
+        <p:style>
+          <a:lnRef idx="3">
+            <a:schemeClr val="accent2"/>
+          </a:lnRef>
+          <a:fillRef idx="0">
+            <a:schemeClr val="accent2"/>
+          </a:fillRef>
+          <a:effectRef idx="2">
+            <a:schemeClr val="accent2"/>
+          </a:effectRef>
+          <a:fontRef idx="minor">
+            <a:schemeClr val="tx1"/>
+          </a:fontRef>
+        </p:style>
+      </p:cxnSp>
+      <p:cxnSp>
+        <p:nvCxnSpPr>
+          <p:cNvPr id="104" name="Straight Connector 103">
+            <a:extLst>
+              <a:ext uri="{FF2B5EF4-FFF2-40B4-BE49-F238E27FC236}">
+                <a16:creationId xmlns:a16="http://schemas.microsoft.com/office/drawing/2014/main" id="{34D9B27B-9C10-BA29-E4C9-5A001047AF93}"/>
+              </a:ext>
+            </a:extLst>
+          </p:cNvPr>
+          <p:cNvCxnSpPr>
+            <a:cxnSpLocks/>
+          </p:cNvCxnSpPr>
+          <p:nvPr/>
+        </p:nvCxnSpPr>
+        <p:spPr>
+          <a:xfrm flipH="1">
+            <a:off x="4581083" y="2316048"/>
+            <a:ext cx="1051621" cy="0"/>
+          </a:xfrm>
+          <a:prstGeom prst="line">
+            <a:avLst/>
+          </a:prstGeom>
+          <a:ln>
+            <a:headEnd type="none" w="med" len="med"/>
+            <a:tailEnd type="arrow" w="med" len="med"/>
+          </a:ln>
+        </p:spPr>
+        <p:style>
+          <a:lnRef idx="3">
+            <a:schemeClr val="accent3"/>
+          </a:lnRef>
+          <a:fillRef idx="0">
+            <a:schemeClr val="accent3"/>
+          </a:fillRef>
+          <a:effectRef idx="2">
+            <a:schemeClr val="accent3"/>
+          </a:effectRef>
+          <a:fontRef idx="minor">
+            <a:schemeClr val="tx1"/>
+          </a:fontRef>
+        </p:style>
+      </p:cxnSp>
+      <p:cxnSp>
+        <p:nvCxnSpPr>
+          <p:cNvPr id="116" name="Straight Connector 115">
+            <a:extLst>
+              <a:ext uri="{FF2B5EF4-FFF2-40B4-BE49-F238E27FC236}">
+                <a16:creationId xmlns:a16="http://schemas.microsoft.com/office/drawing/2014/main" id="{816E4BBE-BEC1-2116-F93C-F191868ECCF7}"/>
+              </a:ext>
+            </a:extLst>
+          </p:cNvPr>
+          <p:cNvCxnSpPr>
+            <a:cxnSpLocks/>
+          </p:cNvCxnSpPr>
+          <p:nvPr/>
+        </p:nvCxnSpPr>
+        <p:spPr>
+          <a:xfrm flipH="1">
+            <a:off x="4587900" y="2994976"/>
+            <a:ext cx="1817031" cy="0"/>
+          </a:xfrm>
+          <a:prstGeom prst="line">
+            <a:avLst/>
+          </a:prstGeom>
+          <a:ln>
+            <a:headEnd type="none" w="med" len="med"/>
+            <a:tailEnd type="arrow" w="med" len="med"/>
+          </a:ln>
+        </p:spPr>
+        <p:style>
+          <a:lnRef idx="3">
+            <a:schemeClr val="accent3"/>
+          </a:lnRef>
+          <a:fillRef idx="0">
+            <a:schemeClr val="accent3"/>
+          </a:fillRef>
+          <a:effectRef idx="2">
+            <a:schemeClr val="accent3"/>
+          </a:effectRef>
+          <a:fontRef idx="minor">
+            <a:schemeClr val="tx1"/>
+          </a:fontRef>
+        </p:style>
+      </p:cxnSp>
+      <p:cxnSp>
+        <p:nvCxnSpPr>
+          <p:cNvPr id="129" name="Straight Connector 128">
+            <a:extLst>
+              <a:ext uri="{FF2B5EF4-FFF2-40B4-BE49-F238E27FC236}">
+                <a16:creationId xmlns:a16="http://schemas.microsoft.com/office/drawing/2014/main" id="{644D2E21-2D7D-EAF1-B30F-4EE19A54CA32}"/>
+              </a:ext>
+            </a:extLst>
+          </p:cNvPr>
+          <p:cNvCxnSpPr>
+            <a:cxnSpLocks/>
+          </p:cNvCxnSpPr>
+          <p:nvPr/>
+        </p:nvCxnSpPr>
+        <p:spPr>
+          <a:xfrm>
+            <a:off x="5232801" y="3786625"/>
+            <a:ext cx="5334" cy="1382903"/>
+          </a:xfrm>
+          <a:prstGeom prst="line">
+            <a:avLst/>
+          </a:prstGeom>
+          <a:ln>
+            <a:headEnd type="none" w="med" len="med"/>
+            <a:tailEnd type="none" w="med" len="med"/>
+          </a:ln>
+        </p:spPr>
+        <p:style>
+          <a:lnRef idx="3">
+            <a:schemeClr val="accent6"/>
+          </a:lnRef>
+          <a:fillRef idx="0">
+            <a:schemeClr val="accent6"/>
+          </a:fillRef>
+          <a:effectRef idx="2">
+            <a:schemeClr val="accent6"/>
+          </a:effectRef>
+          <a:fontRef idx="minor">
+            <a:schemeClr val="tx1"/>
+          </a:fontRef>
+        </p:style>
+      </p:cxnSp>
+      <p:cxnSp>
+        <p:nvCxnSpPr>
+          <p:cNvPr id="132" name="Straight Connector 131">
+            <a:extLst>
+              <a:ext uri="{FF2B5EF4-FFF2-40B4-BE49-F238E27FC236}">
+                <a16:creationId xmlns:a16="http://schemas.microsoft.com/office/drawing/2014/main" id="{8992941F-0AC8-59DD-07CE-4FAD667444B7}"/>
+              </a:ext>
+            </a:extLst>
+          </p:cNvPr>
+          <p:cNvCxnSpPr>
+            <a:cxnSpLocks/>
+          </p:cNvCxnSpPr>
+          <p:nvPr/>
+        </p:nvCxnSpPr>
+        <p:spPr>
+          <a:xfrm>
+            <a:off x="5232801" y="5154095"/>
+            <a:ext cx="3054343" cy="0"/>
+          </a:xfrm>
+          <a:prstGeom prst="line">
+            <a:avLst/>
+          </a:prstGeom>
+          <a:ln>
+            <a:headEnd type="none" w="med" len="med"/>
+            <a:tailEnd type="none" w="med" len="med"/>
+          </a:ln>
+        </p:spPr>
+        <p:style>
+          <a:lnRef idx="3">
+            <a:schemeClr val="accent2"/>
+          </a:lnRef>
+          <a:fillRef idx="0">
+            <a:schemeClr val="accent2"/>
+          </a:fillRef>
+          <a:effectRef idx="2">
+            <a:schemeClr val="accent2"/>
+          </a:effectRef>
+          <a:fontRef idx="minor">
+            <a:schemeClr val="tx1"/>
+          </a:fontRef>
+        </p:style>
+      </p:cxnSp>
+      <p:cxnSp>
+        <p:nvCxnSpPr>
+          <p:cNvPr id="137" name="Straight Connector 136">
+            <a:extLst>
+              <a:ext uri="{FF2B5EF4-FFF2-40B4-BE49-F238E27FC236}">
+                <a16:creationId xmlns:a16="http://schemas.microsoft.com/office/drawing/2014/main" id="{2D6C9895-1856-1569-761C-C58CDF9C4A6E}"/>
+              </a:ext>
+            </a:extLst>
+          </p:cNvPr>
+          <p:cNvCxnSpPr>
+            <a:cxnSpLocks/>
+          </p:cNvCxnSpPr>
+          <p:nvPr/>
+        </p:nvCxnSpPr>
+        <p:spPr>
+          <a:xfrm flipV="1">
+            <a:off x="8302263" y="3169102"/>
+            <a:ext cx="0" cy="1997157"/>
+          </a:xfrm>
+          <a:prstGeom prst="line">
+            <a:avLst/>
+          </a:prstGeom>
+          <a:ln>
+            <a:headEnd type="none" w="med" len="med"/>
+            <a:tailEnd type="none" w="med" len="med"/>
+          </a:ln>
+        </p:spPr>
+        <p:style>
+          <a:lnRef idx="3">
+            <a:schemeClr val="accent6"/>
+          </a:lnRef>
+          <a:fillRef idx="0">
+            <a:schemeClr val="accent6"/>
+          </a:fillRef>
+          <a:effectRef idx="2">
+            <a:schemeClr val="accent6"/>
+          </a:effectRef>
+          <a:fontRef idx="minor">
+            <a:schemeClr val="tx1"/>
+          </a:fontRef>
+        </p:style>
+      </p:cxnSp>
+      <p:cxnSp>
+        <p:nvCxnSpPr>
+          <p:cNvPr id="140" name="Straight Connector 139">
+            <a:extLst>
+              <a:ext uri="{FF2B5EF4-FFF2-40B4-BE49-F238E27FC236}">
+                <a16:creationId xmlns:a16="http://schemas.microsoft.com/office/drawing/2014/main" id="{67EA2EDD-D746-58D5-D6CF-185715EC0541}"/>
+              </a:ext>
+            </a:extLst>
+          </p:cNvPr>
+          <p:cNvCxnSpPr>
+            <a:cxnSpLocks/>
+          </p:cNvCxnSpPr>
+          <p:nvPr/>
+        </p:nvCxnSpPr>
+        <p:spPr>
+          <a:xfrm flipV="1">
+            <a:off x="10799294" y="3137482"/>
+            <a:ext cx="0" cy="2445070"/>
+          </a:xfrm>
+          <a:prstGeom prst="line">
+            <a:avLst/>
+          </a:prstGeom>
+          <a:ln>
+            <a:headEnd type="none" w="med" len="med"/>
+            <a:tailEnd type="none" w="med" len="med"/>
+          </a:ln>
+        </p:spPr>
+        <p:style>
+          <a:lnRef idx="3">
+            <a:schemeClr val="accent6"/>
+          </a:lnRef>
+          <a:fillRef idx="0">
+            <a:schemeClr val="accent6"/>
+          </a:fillRef>
+          <a:effectRef idx="2">
+            <a:schemeClr val="accent6"/>
+          </a:effectRef>
+          <a:fontRef idx="minor">
+            <a:schemeClr val="tx1"/>
+          </a:fontRef>
+        </p:style>
+      </p:cxnSp>
+      <p:cxnSp>
+        <p:nvCxnSpPr>
+          <p:cNvPr id="148" name="Straight Connector 147">
+            <a:extLst>
+              <a:ext uri="{FF2B5EF4-FFF2-40B4-BE49-F238E27FC236}">
+                <a16:creationId xmlns:a16="http://schemas.microsoft.com/office/drawing/2014/main" id="{AF5E7FD6-3348-3254-CBFE-6893384C9F49}"/>
+              </a:ext>
+            </a:extLst>
+          </p:cNvPr>
+          <p:cNvCxnSpPr>
+            <a:cxnSpLocks/>
+          </p:cNvCxnSpPr>
+          <p:nvPr/>
+        </p:nvCxnSpPr>
+        <p:spPr>
+          <a:xfrm>
+            <a:off x="3063240" y="5582552"/>
+            <a:ext cx="7736054" cy="0"/>
+          </a:xfrm>
+          <a:prstGeom prst="line">
+            <a:avLst/>
+          </a:prstGeom>
+          <a:ln>
+            <a:headEnd type="none" w="med" len="med"/>
+            <a:tailEnd type="none" w="med" len="med"/>
+          </a:ln>
+        </p:spPr>
+        <p:style>
+          <a:lnRef idx="3">
+            <a:schemeClr val="accent2"/>
+          </a:lnRef>
+          <a:fillRef idx="0">
+            <a:schemeClr val="accent2"/>
+          </a:fillRef>
+          <a:effectRef idx="2">
+            <a:schemeClr val="accent2"/>
+          </a:effectRef>
+          <a:fontRef idx="minor">
+            <a:schemeClr val="tx1"/>
+          </a:fontRef>
+        </p:style>
+      </p:cxnSp>
+      <p:cxnSp>
+        <p:nvCxnSpPr>
+          <p:cNvPr id="174" name="Straight Connector 173">
+            <a:extLst>
+              <a:ext uri="{FF2B5EF4-FFF2-40B4-BE49-F238E27FC236}">
+                <a16:creationId xmlns:a16="http://schemas.microsoft.com/office/drawing/2014/main" id="{A3A52447-7D40-17B7-FC0A-7CAEF12F3DC1}"/>
+              </a:ext>
+            </a:extLst>
+          </p:cNvPr>
+          <p:cNvCxnSpPr>
+            <a:cxnSpLocks/>
+          </p:cNvCxnSpPr>
+          <p:nvPr/>
+        </p:nvCxnSpPr>
+        <p:spPr>
+          <a:xfrm flipH="1" flipV="1">
+            <a:off x="6871352" y="3463720"/>
+            <a:ext cx="6542" cy="1161973"/>
+          </a:xfrm>
+          <a:prstGeom prst="line">
+            <a:avLst/>
+          </a:prstGeom>
+          <a:ln>
+            <a:headEnd type="none" w="med" len="med"/>
+            <a:tailEnd type="none" w="med" len="med"/>
+          </a:ln>
+        </p:spPr>
+        <p:style>
+          <a:lnRef idx="3">
+            <a:schemeClr val="accent6"/>
+          </a:lnRef>
+          <a:fillRef idx="0">
+            <a:schemeClr val="accent6"/>
+          </a:fillRef>
+          <a:effectRef idx="2">
+            <a:schemeClr val="accent6"/>
+          </a:effectRef>
+          <a:fontRef idx="minor">
+            <a:schemeClr val="tx1"/>
+          </a:fontRef>
+        </p:style>
+      </p:cxnSp>
+      <p:cxnSp>
+        <p:nvCxnSpPr>
+          <p:cNvPr id="191" name="Straight Connector 190">
+            <a:extLst>
+              <a:ext uri="{FF2B5EF4-FFF2-40B4-BE49-F238E27FC236}">
+                <a16:creationId xmlns:a16="http://schemas.microsoft.com/office/drawing/2014/main" id="{8EBF1128-ABD8-6AF5-20D2-B0BC9373E307}"/>
+              </a:ext>
+            </a:extLst>
+          </p:cNvPr>
+          <p:cNvCxnSpPr>
+            <a:cxnSpLocks/>
+          </p:cNvCxnSpPr>
+          <p:nvPr/>
+        </p:nvCxnSpPr>
+        <p:spPr>
+          <a:xfrm>
+            <a:off x="6389654" y="1262200"/>
+            <a:ext cx="9849" cy="1558834"/>
+          </a:xfrm>
+          <a:prstGeom prst="line">
+            <a:avLst/>
+          </a:prstGeom>
+          <a:ln>
+            <a:headEnd type="none" w="med" len="med"/>
+            <a:tailEnd type="none" w="med" len="med"/>
+          </a:ln>
+        </p:spPr>
+        <p:style>
+          <a:lnRef idx="3">
+            <a:schemeClr val="accent3"/>
+          </a:lnRef>
+          <a:fillRef idx="0">
+            <a:schemeClr val="accent3"/>
+          </a:fillRef>
+          <a:effectRef idx="2">
+            <a:schemeClr val="accent3"/>
+          </a:effectRef>
+          <a:fontRef idx="minor">
+            <a:schemeClr val="tx1"/>
+          </a:fontRef>
+        </p:style>
+      </p:cxnSp>
+      <p:cxnSp>
+        <p:nvCxnSpPr>
+          <p:cNvPr id="198" name="Straight Connector 197">
+            <a:extLst>
+              <a:ext uri="{FF2B5EF4-FFF2-40B4-BE49-F238E27FC236}">
+                <a16:creationId xmlns:a16="http://schemas.microsoft.com/office/drawing/2014/main" id="{FD731026-561C-2A3D-2495-056C5C2B13DF}"/>
+              </a:ext>
+            </a:extLst>
+          </p:cNvPr>
+          <p:cNvCxnSpPr>
+            <a:cxnSpLocks/>
+          </p:cNvCxnSpPr>
+          <p:nvPr/>
+        </p:nvCxnSpPr>
+        <p:spPr>
+          <a:xfrm>
+            <a:off x="3725821" y="1250932"/>
+            <a:ext cx="2663833" cy="11056"/>
+          </a:xfrm>
+          <a:prstGeom prst="line">
+            <a:avLst/>
+          </a:prstGeom>
+          <a:ln>
+            <a:headEnd type="none" w="med" len="med"/>
+            <a:tailEnd type="none" w="med" len="med"/>
+          </a:ln>
+        </p:spPr>
+        <p:style>
+          <a:lnRef idx="3">
+            <a:schemeClr val="accent3"/>
+          </a:lnRef>
+          <a:fillRef idx="0">
+            <a:schemeClr val="accent3"/>
+          </a:fillRef>
+          <a:effectRef idx="2">
+            <a:schemeClr val="accent3"/>
+          </a:effectRef>
+          <a:fontRef idx="minor">
+            <a:schemeClr val="tx1"/>
+          </a:fontRef>
+        </p:style>
+      </p:cxnSp>
+      <p:cxnSp>
+        <p:nvCxnSpPr>
+          <p:cNvPr id="202" name="Straight Connector 201">
+            <a:extLst>
+              <a:ext uri="{FF2B5EF4-FFF2-40B4-BE49-F238E27FC236}">
+                <a16:creationId xmlns:a16="http://schemas.microsoft.com/office/drawing/2014/main" id="{0B11280A-7835-6549-DB2E-BC8575D30200}"/>
+              </a:ext>
+            </a:extLst>
+          </p:cNvPr>
+          <p:cNvCxnSpPr>
+            <a:cxnSpLocks/>
+          </p:cNvCxnSpPr>
+          <p:nvPr/>
+        </p:nvCxnSpPr>
+        <p:spPr>
+          <a:xfrm flipH="1">
+            <a:off x="2988310" y="2776378"/>
+            <a:ext cx="746780" cy="19991"/>
+          </a:xfrm>
+          <a:prstGeom prst="line">
+            <a:avLst/>
+          </a:prstGeom>
+          <a:ln>
+            <a:headEnd type="none" w="med" len="med"/>
+            <a:tailEnd type="arrow" w="med" len="med"/>
+          </a:ln>
+        </p:spPr>
+        <p:style>
+          <a:lnRef idx="3">
+            <a:schemeClr val="accent3"/>
+          </a:lnRef>
+          <a:fillRef idx="0">
+            <a:schemeClr val="accent3"/>
+          </a:fillRef>
+          <a:effectRef idx="2">
+            <a:schemeClr val="accent3"/>
+          </a:effectRef>
+          <a:fontRef idx="minor">
+            <a:schemeClr val="tx1"/>
+          </a:fontRef>
+        </p:style>
+      </p:cxnSp>
+      <p:cxnSp>
+        <p:nvCxnSpPr>
+          <p:cNvPr id="206" name="Straight Connector 205">
+            <a:extLst>
+              <a:ext uri="{FF2B5EF4-FFF2-40B4-BE49-F238E27FC236}">
+                <a16:creationId xmlns:a16="http://schemas.microsoft.com/office/drawing/2014/main" id="{0597A8EC-4336-55C1-CA7C-A80F3B4FFFC7}"/>
+              </a:ext>
+            </a:extLst>
+          </p:cNvPr>
+          <p:cNvCxnSpPr>
+            <a:cxnSpLocks/>
+          </p:cNvCxnSpPr>
+          <p:nvPr/>
+        </p:nvCxnSpPr>
+        <p:spPr>
+          <a:xfrm flipH="1">
+            <a:off x="2654016" y="1154296"/>
+            <a:ext cx="3985310" cy="8639"/>
+          </a:xfrm>
+          <a:prstGeom prst="line">
+            <a:avLst/>
+          </a:prstGeom>
+          <a:ln>
+            <a:headEnd type="none" w="med" len="med"/>
+            <a:tailEnd type="none" w="med" len="med"/>
+          </a:ln>
+        </p:spPr>
+        <p:style>
+          <a:lnRef idx="3">
+            <a:schemeClr val="dk1"/>
+          </a:lnRef>
+          <a:fillRef idx="0">
+            <a:schemeClr val="dk1"/>
+          </a:fillRef>
+          <a:effectRef idx="2">
+            <a:schemeClr val="dk1"/>
+          </a:effectRef>
+          <a:fontRef idx="minor">
+            <a:schemeClr val="tx1"/>
+          </a:fontRef>
+        </p:style>
+      </p:cxnSp>
+      <p:cxnSp>
+        <p:nvCxnSpPr>
+          <p:cNvPr id="210" name="Straight Connector 209">
+            <a:extLst>
+              <a:ext uri="{FF2B5EF4-FFF2-40B4-BE49-F238E27FC236}">
+                <a16:creationId xmlns:a16="http://schemas.microsoft.com/office/drawing/2014/main" id="{DC83CAB5-4D16-39AD-6DD7-F84BCBE015CA}"/>
+              </a:ext>
+            </a:extLst>
+          </p:cNvPr>
+          <p:cNvCxnSpPr>
+            <a:cxnSpLocks/>
+          </p:cNvCxnSpPr>
+          <p:nvPr/>
+        </p:nvCxnSpPr>
+        <p:spPr>
+          <a:xfrm flipV="1">
+            <a:off x="2654747" y="1167501"/>
+            <a:ext cx="0" cy="3472208"/>
+          </a:xfrm>
+          <a:prstGeom prst="line">
+            <a:avLst/>
+          </a:prstGeom>
+          <a:ln>
+            <a:headEnd type="none" w="med" len="med"/>
+            <a:tailEnd type="none" w="med" len="med"/>
+          </a:ln>
+        </p:spPr>
+        <p:style>
+          <a:lnRef idx="3">
+            <a:schemeClr val="dk1"/>
+          </a:lnRef>
+          <a:fillRef idx="0">
+            <a:schemeClr val="dk1"/>
+          </a:fillRef>
+          <a:effectRef idx="2">
+            <a:schemeClr val="dk1"/>
+          </a:effectRef>
+          <a:fontRef idx="minor">
+            <a:schemeClr val="tx1"/>
+          </a:fontRef>
+        </p:style>
+      </p:cxnSp>
+      <p:cxnSp>
+        <p:nvCxnSpPr>
+          <p:cNvPr id="60" name="Straight Connector 59">
+            <a:extLst>
+              <a:ext uri="{FF2B5EF4-FFF2-40B4-BE49-F238E27FC236}">
+                <a16:creationId xmlns:a16="http://schemas.microsoft.com/office/drawing/2014/main" id="{413D1690-6818-2684-440B-E668D75E4138}"/>
+              </a:ext>
+            </a:extLst>
+          </p:cNvPr>
+          <p:cNvCxnSpPr>
+            <a:cxnSpLocks/>
+          </p:cNvCxnSpPr>
+          <p:nvPr/>
+        </p:nvCxnSpPr>
+        <p:spPr>
+          <a:xfrm flipH="1">
+            <a:off x="4581083" y="2732078"/>
+            <a:ext cx="1164413" cy="0"/>
+          </a:xfrm>
+          <a:prstGeom prst="line">
+            <a:avLst/>
+          </a:prstGeom>
+          <a:ln>
+            <a:headEnd type="none" w="med" len="med"/>
+            <a:tailEnd type="arrow" w="med" len="med"/>
+          </a:ln>
+        </p:spPr>
+        <p:style>
+          <a:lnRef idx="3">
+            <a:schemeClr val="dk1"/>
+          </a:lnRef>
+          <a:fillRef idx="0">
+            <a:schemeClr val="dk1"/>
+          </a:fillRef>
+          <a:effectRef idx="2">
+            <a:schemeClr val="dk1"/>
+          </a:effectRef>
+          <a:fontRef idx="minor">
+            <a:schemeClr val="tx1"/>
+          </a:fontRef>
+        </p:style>
+      </p:cxnSp>
+      <p:cxnSp>
+        <p:nvCxnSpPr>
+          <p:cNvPr id="71" name="Straight Connector 70">
+            <a:extLst>
+              <a:ext uri="{FF2B5EF4-FFF2-40B4-BE49-F238E27FC236}">
+                <a16:creationId xmlns:a16="http://schemas.microsoft.com/office/drawing/2014/main" id="{324CDCE7-5573-7926-3A29-E0114D1772D9}"/>
+              </a:ext>
+            </a:extLst>
+          </p:cNvPr>
+          <p:cNvCxnSpPr>
+            <a:cxnSpLocks/>
+          </p:cNvCxnSpPr>
+          <p:nvPr/>
+        </p:nvCxnSpPr>
+        <p:spPr>
+          <a:xfrm flipH="1" flipV="1">
+            <a:off x="4582160" y="2406034"/>
+            <a:ext cx="1569720" cy="2723"/>
+          </a:xfrm>
+          <a:prstGeom prst="line">
+            <a:avLst/>
+          </a:prstGeom>
+          <a:ln>
+            <a:headEnd type="none" w="med" len="med"/>
+            <a:tailEnd type="arrow" w="med" len="med"/>
+          </a:ln>
+        </p:spPr>
+        <p:style>
+          <a:lnRef idx="3">
+            <a:schemeClr val="accent2"/>
+          </a:lnRef>
+          <a:fillRef idx="0">
+            <a:schemeClr val="accent2"/>
+          </a:fillRef>
+          <a:effectRef idx="2">
+            <a:schemeClr val="accent2"/>
+          </a:effectRef>
+          <a:fontRef idx="minor">
+            <a:schemeClr val="tx1"/>
+          </a:fontRef>
+        </p:style>
+      </p:cxnSp>
+      <p:cxnSp>
+        <p:nvCxnSpPr>
+          <p:cNvPr id="146" name="Straight Connector 145">
+            <a:extLst>
+              <a:ext uri="{FF2B5EF4-FFF2-40B4-BE49-F238E27FC236}">
+                <a16:creationId xmlns:a16="http://schemas.microsoft.com/office/drawing/2014/main" id="{BB616819-25D6-4FB9-9A2D-C81EB86EAB7B}"/>
+              </a:ext>
+            </a:extLst>
+          </p:cNvPr>
+          <p:cNvCxnSpPr>
+            <a:cxnSpLocks/>
+          </p:cNvCxnSpPr>
+          <p:nvPr/>
+        </p:nvCxnSpPr>
+        <p:spPr>
+          <a:xfrm flipV="1">
+            <a:off x="3725821" y="1250932"/>
+            <a:ext cx="0" cy="1522222"/>
+          </a:xfrm>
+          <a:prstGeom prst="line">
+            <a:avLst/>
+          </a:prstGeom>
+          <a:ln>
+            <a:headEnd type="none" w="med" len="med"/>
+            <a:tailEnd type="none" w="med" len="med"/>
+          </a:ln>
+        </p:spPr>
+        <p:style>
+          <a:lnRef idx="3">
+            <a:schemeClr val="accent3"/>
+          </a:lnRef>
+          <a:fillRef idx="0">
+            <a:schemeClr val="accent3"/>
+          </a:fillRef>
+          <a:effectRef idx="2">
+            <a:schemeClr val="accent3"/>
+          </a:effectRef>
+          <a:fontRef idx="minor">
+            <a:schemeClr val="tx1"/>
+          </a:fontRef>
+        </p:style>
+      </p:cxnSp>
+      <p:cxnSp>
+        <p:nvCxnSpPr>
+          <p:cNvPr id="155" name="Straight Connector 154">
+            <a:extLst>
+              <a:ext uri="{FF2B5EF4-FFF2-40B4-BE49-F238E27FC236}">
+                <a16:creationId xmlns:a16="http://schemas.microsoft.com/office/drawing/2014/main" id="{FF67ADD5-6C62-4F09-0C78-21FE0E43086E}"/>
+              </a:ext>
+            </a:extLst>
+          </p:cNvPr>
+          <p:cNvCxnSpPr>
+            <a:cxnSpLocks/>
+          </p:cNvCxnSpPr>
+          <p:nvPr/>
+        </p:nvCxnSpPr>
+        <p:spPr>
+          <a:xfrm>
+            <a:off x="6399503" y="2804465"/>
+            <a:ext cx="945470" cy="0"/>
+          </a:xfrm>
+          <a:prstGeom prst="line">
+            <a:avLst/>
+          </a:prstGeom>
+          <a:ln>
+            <a:headEnd type="none" w="med" len="med"/>
+            <a:tailEnd type="arrow" w="med" len="med"/>
+          </a:ln>
+        </p:spPr>
+        <p:style>
+          <a:lnRef idx="3">
+            <a:schemeClr val="accent3"/>
+          </a:lnRef>
+          <a:fillRef idx="0">
+            <a:schemeClr val="accent3"/>
+          </a:fillRef>
+          <a:effectRef idx="2">
+            <a:schemeClr val="accent3"/>
+          </a:effectRef>
+          <a:fontRef idx="minor">
+            <a:schemeClr val="tx1"/>
+          </a:fontRef>
+        </p:style>
+      </p:cxnSp>
+      <p:cxnSp>
+        <p:nvCxnSpPr>
+          <p:cNvPr id="169" name="Straight Connector 168">
+            <a:extLst>
+              <a:ext uri="{FF2B5EF4-FFF2-40B4-BE49-F238E27FC236}">
+                <a16:creationId xmlns:a16="http://schemas.microsoft.com/office/drawing/2014/main" id="{7F2176C2-1596-8C59-DBBD-F9CF6238B204}"/>
+              </a:ext>
+            </a:extLst>
+          </p:cNvPr>
+          <p:cNvCxnSpPr>
+            <a:cxnSpLocks/>
+          </p:cNvCxnSpPr>
+          <p:nvPr/>
+        </p:nvCxnSpPr>
+        <p:spPr>
+          <a:xfrm>
+            <a:off x="6872238" y="3453141"/>
+            <a:ext cx="468413" cy="0"/>
+          </a:xfrm>
+          <a:prstGeom prst="line">
+            <a:avLst/>
+          </a:prstGeom>
+          <a:ln>
+            <a:headEnd type="none" w="med" len="med"/>
+            <a:tailEnd type="arrow" w="med" len="med"/>
+          </a:ln>
+        </p:spPr>
+        <p:style>
+          <a:lnRef idx="3">
+            <a:schemeClr val="accent2"/>
+          </a:lnRef>
+          <a:fillRef idx="0">
+            <a:schemeClr val="accent2"/>
+          </a:fillRef>
+          <a:effectRef idx="2">
+            <a:schemeClr val="accent2"/>
+          </a:effectRef>
+          <a:fontRef idx="minor">
+            <a:schemeClr val="tx1"/>
+          </a:fontRef>
+        </p:style>
+      </p:cxnSp>
+      <p:cxnSp>
+        <p:nvCxnSpPr>
+          <p:cNvPr id="175" name="Straight Connector 174">
+            <a:extLst>
+              <a:ext uri="{FF2B5EF4-FFF2-40B4-BE49-F238E27FC236}">
+                <a16:creationId xmlns:a16="http://schemas.microsoft.com/office/drawing/2014/main" id="{1FB7B98B-2EC9-7588-E6DB-7BCCD8C1FACF}"/>
+              </a:ext>
+            </a:extLst>
+          </p:cNvPr>
+          <p:cNvCxnSpPr>
+            <a:cxnSpLocks/>
+          </p:cNvCxnSpPr>
+          <p:nvPr/>
+        </p:nvCxnSpPr>
+        <p:spPr>
+          <a:xfrm flipH="1">
+            <a:off x="4594122" y="3683496"/>
+            <a:ext cx="638679" cy="548"/>
+          </a:xfrm>
+          <a:prstGeom prst="line">
+            <a:avLst/>
+          </a:prstGeom>
+          <a:ln>
+            <a:headEnd type="none" w="med" len="med"/>
+            <a:tailEnd type="arrow" w="med" len="med"/>
+          </a:ln>
+        </p:spPr>
+        <p:style>
+          <a:lnRef idx="3">
+            <a:schemeClr val="accent2"/>
+          </a:lnRef>
+          <a:fillRef idx="0">
+            <a:schemeClr val="accent2"/>
+          </a:fillRef>
+          <a:effectRef idx="2">
+            <a:schemeClr val="accent2"/>
+          </a:effectRef>
+          <a:fontRef idx="minor">
+            <a:schemeClr val="tx1"/>
+          </a:fontRef>
+        </p:style>
+      </p:cxnSp>
+      <p:cxnSp>
+        <p:nvCxnSpPr>
+          <p:cNvPr id="178" name="Straight Connector 177">
+            <a:extLst>
+              <a:ext uri="{FF2B5EF4-FFF2-40B4-BE49-F238E27FC236}">
+                <a16:creationId xmlns:a16="http://schemas.microsoft.com/office/drawing/2014/main" id="{0C56B473-DAA9-E897-B5D6-7612F0D31722}"/>
+              </a:ext>
+            </a:extLst>
+          </p:cNvPr>
+          <p:cNvCxnSpPr>
+            <a:cxnSpLocks/>
+          </p:cNvCxnSpPr>
+          <p:nvPr/>
+        </p:nvCxnSpPr>
+        <p:spPr>
+          <a:xfrm>
+            <a:off x="5232801" y="3342862"/>
+            <a:ext cx="2114721" cy="6588"/>
+          </a:xfrm>
+          <a:prstGeom prst="line">
+            <a:avLst/>
+          </a:prstGeom>
+          <a:ln>
+            <a:headEnd type="none" w="med" len="med"/>
+            <a:tailEnd type="arrow" w="med" len="med"/>
+          </a:ln>
+        </p:spPr>
+        <p:style>
+          <a:lnRef idx="3">
+            <a:schemeClr val="accent2"/>
+          </a:lnRef>
+          <a:fillRef idx="0">
+            <a:schemeClr val="accent2"/>
+          </a:fillRef>
+          <a:effectRef idx="2">
+            <a:schemeClr val="accent2"/>
+          </a:effectRef>
+          <a:fontRef idx="minor">
+            <a:schemeClr val="tx1"/>
+          </a:fontRef>
+        </p:style>
+      </p:cxnSp>
+      <p:cxnSp>
+        <p:nvCxnSpPr>
+          <p:cNvPr id="180" name="Straight Connector 179">
+            <a:extLst>
+              <a:ext uri="{FF2B5EF4-FFF2-40B4-BE49-F238E27FC236}">
+                <a16:creationId xmlns:a16="http://schemas.microsoft.com/office/drawing/2014/main" id="{7E58371E-164B-CEF3-FABB-580979273D55}"/>
+              </a:ext>
+            </a:extLst>
+          </p:cNvPr>
+          <p:cNvCxnSpPr>
+            <a:cxnSpLocks/>
+          </p:cNvCxnSpPr>
+          <p:nvPr/>
+        </p:nvCxnSpPr>
+        <p:spPr>
+          <a:xfrm flipV="1">
+            <a:off x="5232817" y="3342862"/>
+            <a:ext cx="0" cy="334029"/>
+          </a:xfrm>
+          <a:prstGeom prst="line">
+            <a:avLst/>
+          </a:prstGeom>
+          <a:ln>
+            <a:headEnd type="none" w="med" len="med"/>
+            <a:tailEnd type="none" w="med" len="med"/>
+          </a:ln>
+        </p:spPr>
+        <p:style>
+          <a:lnRef idx="3">
+            <a:schemeClr val="accent6"/>
+          </a:lnRef>
+          <a:fillRef idx="0">
+            <a:schemeClr val="accent6"/>
+          </a:fillRef>
+          <a:effectRef idx="2">
+            <a:schemeClr val="accent6"/>
+          </a:effectRef>
+          <a:fontRef idx="minor">
+            <a:schemeClr val="tx1"/>
+          </a:fontRef>
+        </p:style>
+      </p:cxnSp>
+      <p:cxnSp>
+        <p:nvCxnSpPr>
+          <p:cNvPr id="217" name="Straight Connector 216">
+            <a:extLst>
+              <a:ext uri="{FF2B5EF4-FFF2-40B4-BE49-F238E27FC236}">
+                <a16:creationId xmlns:a16="http://schemas.microsoft.com/office/drawing/2014/main" id="{07967006-4538-0AC1-D3CE-F0EB811B8B11}"/>
+              </a:ext>
+            </a:extLst>
+          </p:cNvPr>
+          <p:cNvCxnSpPr>
+            <a:cxnSpLocks/>
+          </p:cNvCxnSpPr>
+          <p:nvPr/>
+        </p:nvCxnSpPr>
+        <p:spPr>
+          <a:xfrm>
+            <a:off x="5933976" y="2693173"/>
+            <a:ext cx="1413546" cy="8579"/>
+          </a:xfrm>
+          <a:prstGeom prst="line">
+            <a:avLst/>
+          </a:prstGeom>
+          <a:ln>
+            <a:headEnd type="none" w="med" len="med"/>
+            <a:tailEnd type="arrow" w="med" len="med"/>
+          </a:ln>
+        </p:spPr>
+        <p:style>
+          <a:lnRef idx="3">
+            <a:schemeClr val="dk1"/>
+          </a:lnRef>
+          <a:fillRef idx="0">
+            <a:schemeClr val="dk1"/>
+          </a:fillRef>
+          <a:effectRef idx="2">
+            <a:schemeClr val="dk1"/>
+          </a:effectRef>
+          <a:fontRef idx="minor">
+            <a:schemeClr val="tx1"/>
+          </a:fontRef>
+        </p:style>
+      </p:cxnSp>
+      <p:cxnSp>
+        <p:nvCxnSpPr>
+          <p:cNvPr id="219" name="Straight Connector 218">
+            <a:extLst>
+              <a:ext uri="{FF2B5EF4-FFF2-40B4-BE49-F238E27FC236}">
+                <a16:creationId xmlns:a16="http://schemas.microsoft.com/office/drawing/2014/main" id="{90EB19D7-4D0E-B452-9DC9-C197B0852EF2}"/>
+              </a:ext>
+            </a:extLst>
+          </p:cNvPr>
+          <p:cNvCxnSpPr>
+            <a:cxnSpLocks/>
+          </p:cNvCxnSpPr>
+          <p:nvPr/>
+        </p:nvCxnSpPr>
+        <p:spPr>
+          <a:xfrm flipH="1">
+            <a:off x="4561425" y="2881713"/>
+            <a:ext cx="1372551" cy="12329"/>
+          </a:xfrm>
+          <a:prstGeom prst="line">
+            <a:avLst/>
+          </a:prstGeom>
+          <a:ln>
+            <a:headEnd type="none" w="med" len="med"/>
+            <a:tailEnd type="arrow" w="med" len="med"/>
+          </a:ln>
+        </p:spPr>
+        <p:style>
+          <a:lnRef idx="3">
+            <a:schemeClr val="dk1"/>
+          </a:lnRef>
+          <a:fillRef idx="0">
+            <a:schemeClr val="dk1"/>
+          </a:fillRef>
+          <a:effectRef idx="2">
+            <a:schemeClr val="dk1"/>
+          </a:effectRef>
+          <a:fontRef idx="minor">
+            <a:schemeClr val="tx1"/>
+          </a:fontRef>
+        </p:style>
+      </p:cxnSp>
+      <p:cxnSp>
+        <p:nvCxnSpPr>
+          <p:cNvPr id="222" name="Straight Connector 221">
+            <a:extLst>
+              <a:ext uri="{FF2B5EF4-FFF2-40B4-BE49-F238E27FC236}">
+                <a16:creationId xmlns:a16="http://schemas.microsoft.com/office/drawing/2014/main" id="{5F2BA15A-4F9F-B09C-3ED0-4BA97098A243}"/>
+              </a:ext>
+            </a:extLst>
+          </p:cNvPr>
+          <p:cNvCxnSpPr>
+            <a:cxnSpLocks/>
+          </p:cNvCxnSpPr>
+          <p:nvPr/>
+        </p:nvCxnSpPr>
+        <p:spPr>
+          <a:xfrm flipV="1">
+            <a:off x="5933976" y="2689762"/>
+            <a:ext cx="0" cy="193221"/>
+          </a:xfrm>
+          <a:prstGeom prst="line">
+            <a:avLst/>
+          </a:prstGeom>
+          <a:ln>
+            <a:headEnd type="none" w="med" len="med"/>
+            <a:tailEnd type="none" w="med" len="med"/>
+          </a:ln>
+        </p:spPr>
+        <p:style>
+          <a:lnRef idx="3">
+            <a:schemeClr val="dk1"/>
+          </a:lnRef>
+          <a:fillRef idx="0">
+            <a:schemeClr val="dk1"/>
+          </a:fillRef>
+          <a:effectRef idx="2">
+            <a:schemeClr val="dk1"/>
+          </a:effectRef>
+          <a:fontRef idx="minor">
+            <a:schemeClr val="tx1"/>
+          </a:fontRef>
+        </p:style>
+      </p:cxnSp>
+      <p:cxnSp>
+        <p:nvCxnSpPr>
+          <p:cNvPr id="231" name="Straight Connector 230">
+            <a:extLst>
+              <a:ext uri="{FF2B5EF4-FFF2-40B4-BE49-F238E27FC236}">
+                <a16:creationId xmlns:a16="http://schemas.microsoft.com/office/drawing/2014/main" id="{BE5553FB-9D3A-E884-8BD5-00D16C922F08}"/>
+              </a:ext>
+            </a:extLst>
+          </p:cNvPr>
+          <p:cNvCxnSpPr>
+            <a:cxnSpLocks/>
+          </p:cNvCxnSpPr>
+          <p:nvPr/>
+        </p:nvCxnSpPr>
+        <p:spPr>
+          <a:xfrm flipH="1">
+            <a:off x="4588920" y="3775483"/>
+            <a:ext cx="649215" cy="7700"/>
+          </a:xfrm>
+          <a:prstGeom prst="line">
+            <a:avLst/>
+          </a:prstGeom>
+          <a:ln>
+            <a:headEnd type="none" w="med" len="med"/>
+            <a:tailEnd type="arrow" w="med" len="med"/>
+          </a:ln>
+        </p:spPr>
+        <p:style>
+          <a:lnRef idx="3">
+            <a:schemeClr val="accent2"/>
+          </a:lnRef>
+          <a:fillRef idx="0">
+            <a:schemeClr val="accent2"/>
+          </a:fillRef>
+          <a:effectRef idx="2">
+            <a:schemeClr val="accent2"/>
+          </a:effectRef>
+          <a:fontRef idx="minor">
+            <a:schemeClr val="tx1"/>
+          </a:fontRef>
+        </p:style>
+      </p:cxnSp>
+      <p:cxnSp>
+        <p:nvCxnSpPr>
+          <p:cNvPr id="233" name="Straight Connector 232">
+            <a:extLst>
+              <a:ext uri="{FF2B5EF4-FFF2-40B4-BE49-F238E27FC236}">
+                <a16:creationId xmlns:a16="http://schemas.microsoft.com/office/drawing/2014/main" id="{11CF55C6-79EE-ACD4-B91E-6C44A91CA8D1}"/>
+              </a:ext>
+            </a:extLst>
+          </p:cNvPr>
+          <p:cNvCxnSpPr>
+            <a:cxnSpLocks/>
+          </p:cNvCxnSpPr>
+          <p:nvPr/>
+        </p:nvCxnSpPr>
+        <p:spPr>
+          <a:xfrm flipV="1">
+            <a:off x="8301725" y="3142653"/>
+            <a:ext cx="1300883" cy="13320"/>
+          </a:xfrm>
+          <a:prstGeom prst="line">
+            <a:avLst/>
+          </a:prstGeom>
+          <a:ln>
+            <a:headEnd type="none" w="med" len="med"/>
+            <a:tailEnd type="arrow" w="med" len="med"/>
+          </a:ln>
+        </p:spPr>
+        <p:style>
+          <a:lnRef idx="3">
+            <a:schemeClr val="accent2"/>
+          </a:lnRef>
+          <a:fillRef idx="0">
+            <a:schemeClr val="accent2"/>
+          </a:fillRef>
+          <a:effectRef idx="2">
+            <a:schemeClr val="accent2"/>
+          </a:effectRef>
+          <a:fontRef idx="minor">
+            <a:schemeClr val="tx1"/>
+          </a:fontRef>
+        </p:style>
+      </p:cxnSp>
+      <p:cxnSp>
+        <p:nvCxnSpPr>
+          <p:cNvPr id="250" name="Straight Connector 249">
+            <a:extLst>
+              <a:ext uri="{FF2B5EF4-FFF2-40B4-BE49-F238E27FC236}">
+                <a16:creationId xmlns:a16="http://schemas.microsoft.com/office/drawing/2014/main" id="{2F60DD91-3BF3-E61A-C105-8AC289865F55}"/>
+              </a:ext>
+            </a:extLst>
+          </p:cNvPr>
+          <p:cNvCxnSpPr>
+            <a:cxnSpLocks/>
+          </p:cNvCxnSpPr>
+          <p:nvPr/>
+        </p:nvCxnSpPr>
+        <p:spPr>
+          <a:xfrm flipH="1">
+            <a:off x="9712569" y="3140140"/>
+            <a:ext cx="1086725" cy="0"/>
+          </a:xfrm>
+          <a:prstGeom prst="line">
+            <a:avLst/>
+          </a:prstGeom>
+          <a:ln>
+            <a:headEnd type="none" w="med" len="med"/>
+            <a:tailEnd type="arrow" w="med" len="med"/>
+          </a:ln>
+        </p:spPr>
+        <p:style>
+          <a:lnRef idx="3">
+            <a:schemeClr val="accent2"/>
+          </a:lnRef>
+          <a:fillRef idx="0">
+            <a:schemeClr val="accent2"/>
+          </a:fillRef>
+          <a:effectRef idx="2">
+            <a:schemeClr val="accent2"/>
+          </a:effectRef>
+          <a:fontRef idx="minor">
+            <a:schemeClr val="tx1"/>
+          </a:fontRef>
+        </p:style>
+      </p:cxnSp>
+      <p:cxnSp>
+        <p:nvCxnSpPr>
+          <p:cNvPr id="281" name="Straight Connector 280">
+            <a:extLst>
+              <a:ext uri="{FF2B5EF4-FFF2-40B4-BE49-F238E27FC236}">
+                <a16:creationId xmlns:a16="http://schemas.microsoft.com/office/drawing/2014/main" id="{EDD8F2F0-9C9E-C4BA-40A9-62F36F22BC31}"/>
+              </a:ext>
+            </a:extLst>
+          </p:cNvPr>
+          <p:cNvCxnSpPr>
+            <a:cxnSpLocks/>
+          </p:cNvCxnSpPr>
+          <p:nvPr/>
+        </p:nvCxnSpPr>
+        <p:spPr>
+          <a:xfrm flipH="1">
+            <a:off x="4187563" y="4630175"/>
+            <a:ext cx="2720322" cy="6274"/>
+          </a:xfrm>
+          <a:prstGeom prst="line">
+            <a:avLst/>
+          </a:prstGeom>
+          <a:ln>
+            <a:headEnd type="none" w="med" len="med"/>
+            <a:tailEnd type="none" w="med" len="med"/>
+          </a:ln>
+        </p:spPr>
+        <p:style>
+          <a:lnRef idx="3">
+            <a:schemeClr val="accent2"/>
+          </a:lnRef>
+          <a:fillRef idx="0">
+            <a:schemeClr val="accent2"/>
+          </a:fillRef>
+          <a:effectRef idx="2">
+            <a:schemeClr val="accent2"/>
+          </a:effectRef>
+          <a:fontRef idx="minor">
+            <a:schemeClr val="tx1"/>
+          </a:fontRef>
+        </p:style>
+      </p:cxnSp>
+      <p:cxnSp>
+        <p:nvCxnSpPr>
+          <p:cNvPr id="287" name="Straight Connector 286">
+            <a:extLst>
+              <a:ext uri="{FF2B5EF4-FFF2-40B4-BE49-F238E27FC236}">
+                <a16:creationId xmlns:a16="http://schemas.microsoft.com/office/drawing/2014/main" id="{F7840C6F-FE9A-9BB9-7575-9846F32AE13B}"/>
+              </a:ext>
+            </a:extLst>
+          </p:cNvPr>
+          <p:cNvCxnSpPr>
+            <a:cxnSpLocks/>
+          </p:cNvCxnSpPr>
+          <p:nvPr/>
+        </p:nvCxnSpPr>
+        <p:spPr>
+          <a:xfrm flipV="1">
+            <a:off x="4188848" y="4300855"/>
+            <a:ext cx="0" cy="331267"/>
+          </a:xfrm>
+          <a:prstGeom prst="line">
+            <a:avLst/>
+          </a:prstGeom>
+          <a:ln>
+            <a:headEnd type="none" w="med" len="med"/>
+            <a:tailEnd type="arrow" w="med" len="med"/>
+          </a:ln>
+        </p:spPr>
+        <p:style>
+          <a:lnRef idx="3">
+            <a:schemeClr val="accent6"/>
+          </a:lnRef>
+          <a:fillRef idx="0">
+            <a:schemeClr val="accent6"/>
+          </a:fillRef>
+          <a:effectRef idx="2">
+            <a:schemeClr val="accent6"/>
+          </a:effectRef>
+          <a:fontRef idx="minor">
+            <a:schemeClr val="tx1"/>
+          </a:fontRef>
+        </p:style>
+      </p:cxnSp>
+      <p:cxnSp>
+        <p:nvCxnSpPr>
+          <p:cNvPr id="299" name="Straight Connector 298">
+            <a:extLst>
+              <a:ext uri="{FF2B5EF4-FFF2-40B4-BE49-F238E27FC236}">
+                <a16:creationId xmlns:a16="http://schemas.microsoft.com/office/drawing/2014/main" id="{82D324E0-F03A-40BE-89A2-B7A798C06235}"/>
+              </a:ext>
+            </a:extLst>
+          </p:cNvPr>
+          <p:cNvCxnSpPr>
+            <a:cxnSpLocks/>
+          </p:cNvCxnSpPr>
+          <p:nvPr/>
+        </p:nvCxnSpPr>
+        <p:spPr>
+          <a:xfrm flipH="1" flipV="1">
+            <a:off x="2654016" y="4630175"/>
+            <a:ext cx="750367" cy="1947"/>
+          </a:xfrm>
+          <a:prstGeom prst="line">
+            <a:avLst/>
+          </a:prstGeom>
+          <a:ln>
+            <a:headEnd type="none" w="med" len="med"/>
+            <a:tailEnd type="none" w="med" len="med"/>
+          </a:ln>
+        </p:spPr>
+        <p:style>
+          <a:lnRef idx="3">
+            <a:schemeClr val="dk1"/>
+          </a:lnRef>
+          <a:fillRef idx="0">
+            <a:schemeClr val="dk1"/>
+          </a:fillRef>
+          <a:effectRef idx="2">
+            <a:schemeClr val="dk1"/>
+          </a:effectRef>
+          <a:fontRef idx="minor">
+            <a:schemeClr val="tx1"/>
+          </a:fontRef>
+        </p:style>
+      </p:cxnSp>
+      <p:cxnSp>
+        <p:nvCxnSpPr>
+          <p:cNvPr id="359" name="Straight Connector 358">
+            <a:extLst>
+              <a:ext uri="{FF2B5EF4-FFF2-40B4-BE49-F238E27FC236}">
+                <a16:creationId xmlns:a16="http://schemas.microsoft.com/office/drawing/2014/main" id="{9F65B660-944C-6518-3401-3070D10D859B}"/>
+              </a:ext>
+            </a:extLst>
+          </p:cNvPr>
+          <p:cNvCxnSpPr>
+            <a:cxnSpLocks/>
+          </p:cNvCxnSpPr>
+          <p:nvPr/>
+        </p:nvCxnSpPr>
+        <p:spPr>
+          <a:xfrm>
+            <a:off x="9283550" y="4439719"/>
+            <a:ext cx="299870" cy="0"/>
+          </a:xfrm>
+          <a:prstGeom prst="line">
+            <a:avLst/>
+          </a:prstGeom>
+          <a:ln>
+            <a:headEnd type="none" w="med" len="med"/>
+            <a:tailEnd type="arrow" w="med" len="med"/>
+          </a:ln>
+        </p:spPr>
+        <p:style>
+          <a:lnRef idx="3">
+            <a:schemeClr val="accent2"/>
+          </a:lnRef>
+          <a:fillRef idx="0">
+            <a:schemeClr val="accent2"/>
+          </a:fillRef>
+          <a:effectRef idx="2">
+            <a:schemeClr val="accent2"/>
+          </a:effectRef>
+          <a:fontRef idx="minor">
+            <a:schemeClr val="tx1"/>
+          </a:fontRef>
+        </p:style>
+      </p:cxnSp>
+      <p:cxnSp>
+        <p:nvCxnSpPr>
+          <p:cNvPr id="361" name="Straight Connector 360">
+            <a:extLst>
+              <a:ext uri="{FF2B5EF4-FFF2-40B4-BE49-F238E27FC236}">
+                <a16:creationId xmlns:a16="http://schemas.microsoft.com/office/drawing/2014/main" id="{D98891EE-5AF2-0B0A-D3FC-B084D2C7D8E5}"/>
+              </a:ext>
+            </a:extLst>
+          </p:cNvPr>
+          <p:cNvCxnSpPr>
+            <a:cxnSpLocks/>
+          </p:cNvCxnSpPr>
+          <p:nvPr/>
+        </p:nvCxnSpPr>
+        <p:spPr>
+          <a:xfrm flipH="1">
+            <a:off x="9693910" y="4439719"/>
+            <a:ext cx="370938" cy="0"/>
+          </a:xfrm>
+          <a:prstGeom prst="line">
+            <a:avLst/>
+          </a:prstGeom>
+          <a:ln>
+            <a:headEnd type="none" w="med" len="med"/>
+            <a:tailEnd type="arrow" w="med" len="med"/>
+          </a:ln>
+        </p:spPr>
+        <p:style>
+          <a:lnRef idx="3">
+            <a:schemeClr val="accent2"/>
+          </a:lnRef>
+          <a:fillRef idx="0">
+            <a:schemeClr val="accent2"/>
+          </a:fillRef>
+          <a:effectRef idx="2">
+            <a:schemeClr val="accent2"/>
+          </a:effectRef>
+          <a:fontRef idx="minor">
+            <a:schemeClr val="tx1"/>
+          </a:fontRef>
+        </p:style>
+      </p:cxnSp>
+      <p:cxnSp>
+        <p:nvCxnSpPr>
+          <p:cNvPr id="368" name="Straight Connector 367">
+            <a:extLst>
+              <a:ext uri="{FF2B5EF4-FFF2-40B4-BE49-F238E27FC236}">
+                <a16:creationId xmlns:a16="http://schemas.microsoft.com/office/drawing/2014/main" id="{EBC7E94C-1317-7F3D-BD5A-EE0FF20D355A}"/>
+              </a:ext>
+            </a:extLst>
+          </p:cNvPr>
+          <p:cNvCxnSpPr>
+            <a:cxnSpLocks/>
+          </p:cNvCxnSpPr>
+          <p:nvPr/>
+        </p:nvCxnSpPr>
+        <p:spPr>
+          <a:xfrm>
+            <a:off x="9283550" y="4439719"/>
+            <a:ext cx="0" cy="1453081"/>
+          </a:xfrm>
+          <a:prstGeom prst="line">
+            <a:avLst/>
+          </a:prstGeom>
+          <a:ln>
+            <a:headEnd type="none" w="med" len="med"/>
+            <a:tailEnd type="none" w="med" len="med"/>
+          </a:ln>
+        </p:spPr>
+        <p:style>
+          <a:lnRef idx="3">
+            <a:schemeClr val="accent6"/>
+          </a:lnRef>
+          <a:fillRef idx="0">
+            <a:schemeClr val="accent6"/>
+          </a:fillRef>
+          <a:effectRef idx="2">
+            <a:schemeClr val="accent6"/>
+          </a:effectRef>
+          <a:fontRef idx="minor">
+            <a:schemeClr val="tx1"/>
+          </a:fontRef>
+        </p:style>
+      </p:cxnSp>
+      <p:cxnSp>
+        <p:nvCxnSpPr>
+          <p:cNvPr id="370" name="Straight Connector 369">
+            <a:extLst>
+              <a:ext uri="{FF2B5EF4-FFF2-40B4-BE49-F238E27FC236}">
+                <a16:creationId xmlns:a16="http://schemas.microsoft.com/office/drawing/2014/main" id="{9671D582-0902-4A98-90EE-E96BD370A92F}"/>
+              </a:ext>
+            </a:extLst>
+          </p:cNvPr>
+          <p:cNvCxnSpPr>
+            <a:cxnSpLocks/>
+          </p:cNvCxnSpPr>
+          <p:nvPr/>
+        </p:nvCxnSpPr>
+        <p:spPr>
+          <a:xfrm>
+            <a:off x="10051998" y="4444049"/>
+            <a:ext cx="25743" cy="1448751"/>
+          </a:xfrm>
+          <a:prstGeom prst="line">
+            <a:avLst/>
+          </a:prstGeom>
+          <a:ln>
+            <a:headEnd type="none" w="med" len="med"/>
+            <a:tailEnd type="none" w="med" len="med"/>
+          </a:ln>
+        </p:spPr>
+        <p:style>
+          <a:lnRef idx="3">
+            <a:schemeClr val="accent6"/>
+          </a:lnRef>
+          <a:fillRef idx="0">
+            <a:schemeClr val="accent6"/>
+          </a:fillRef>
+          <a:effectRef idx="2">
+            <a:schemeClr val="accent6"/>
+          </a:effectRef>
+          <a:fontRef idx="minor">
+            <a:schemeClr val="tx1"/>
+          </a:fontRef>
+        </p:style>
+      </p:cxnSp>
+      <p:cxnSp>
+        <p:nvCxnSpPr>
+          <p:cNvPr id="421" name="Straight Connector 420">
+            <a:extLst>
+              <a:ext uri="{FF2B5EF4-FFF2-40B4-BE49-F238E27FC236}">
+                <a16:creationId xmlns:a16="http://schemas.microsoft.com/office/drawing/2014/main" id="{5DDAD054-3C0D-B47E-4493-011171BF293C}"/>
+              </a:ext>
+            </a:extLst>
+          </p:cNvPr>
+          <p:cNvCxnSpPr>
+            <a:cxnSpLocks/>
+          </p:cNvCxnSpPr>
+          <p:nvPr/>
+        </p:nvCxnSpPr>
+        <p:spPr>
+          <a:xfrm>
+            <a:off x="9138920" y="4224033"/>
+            <a:ext cx="444500" cy="0"/>
+          </a:xfrm>
+          <a:prstGeom prst="line">
+            <a:avLst/>
+          </a:prstGeom>
+          <a:ln>
+            <a:headEnd type="none" w="med" len="med"/>
+            <a:tailEnd type="arrow" w="med" len="med"/>
+          </a:ln>
+        </p:spPr>
+        <p:style>
+          <a:lnRef idx="3">
+            <a:schemeClr val="accent2"/>
+          </a:lnRef>
+          <a:fillRef idx="0">
+            <a:schemeClr val="accent2"/>
+          </a:fillRef>
+          <a:effectRef idx="2">
+            <a:schemeClr val="accent2"/>
+          </a:effectRef>
+          <a:fontRef idx="minor">
+            <a:schemeClr val="tx1"/>
+          </a:fontRef>
+        </p:style>
+      </p:cxnSp>
+      <p:cxnSp>
+        <p:nvCxnSpPr>
+          <p:cNvPr id="423" name="Straight Connector 422">
+            <a:extLst>
+              <a:ext uri="{FF2B5EF4-FFF2-40B4-BE49-F238E27FC236}">
+                <a16:creationId xmlns:a16="http://schemas.microsoft.com/office/drawing/2014/main" id="{B94B3B16-E46E-9BC3-8827-39141619E9EA}"/>
+              </a:ext>
+            </a:extLst>
+          </p:cNvPr>
+          <p:cNvCxnSpPr>
+            <a:cxnSpLocks/>
+          </p:cNvCxnSpPr>
+          <p:nvPr/>
+        </p:nvCxnSpPr>
+        <p:spPr>
+          <a:xfrm flipH="1">
+            <a:off x="9693910" y="4324938"/>
+            <a:ext cx="542290" cy="0"/>
+          </a:xfrm>
+          <a:prstGeom prst="line">
+            <a:avLst/>
+          </a:prstGeom>
+          <a:ln>
+            <a:headEnd type="none" w="med" len="med"/>
+            <a:tailEnd type="arrow" w="med" len="med"/>
+          </a:ln>
+        </p:spPr>
+        <p:style>
+          <a:lnRef idx="3">
+            <a:schemeClr val="accent2"/>
+          </a:lnRef>
+          <a:fillRef idx="0">
+            <a:schemeClr val="accent2"/>
+          </a:fillRef>
+          <a:effectRef idx="2">
+            <a:schemeClr val="accent2"/>
+          </a:effectRef>
+          <a:fontRef idx="minor">
+            <a:schemeClr val="tx1"/>
+          </a:fontRef>
+        </p:style>
+      </p:cxnSp>
+      <p:cxnSp>
+        <p:nvCxnSpPr>
+          <p:cNvPr id="431" name="Straight Connector 430">
+            <a:extLst>
+              <a:ext uri="{FF2B5EF4-FFF2-40B4-BE49-F238E27FC236}">
+                <a16:creationId xmlns:a16="http://schemas.microsoft.com/office/drawing/2014/main" id="{B580F18E-CA5E-646E-7CFD-9335CBACBBE1}"/>
+              </a:ext>
+            </a:extLst>
+          </p:cNvPr>
+          <p:cNvCxnSpPr>
+            <a:cxnSpLocks/>
+          </p:cNvCxnSpPr>
+          <p:nvPr/>
+        </p:nvCxnSpPr>
+        <p:spPr>
+          <a:xfrm flipH="1" flipV="1">
+            <a:off x="9141595" y="4224033"/>
+            <a:ext cx="9001" cy="2186927"/>
+          </a:xfrm>
+          <a:prstGeom prst="line">
+            <a:avLst/>
+          </a:prstGeom>
+          <a:ln>
+            <a:headEnd type="none" w="med" len="med"/>
+            <a:tailEnd type="none" w="med" len="med"/>
+          </a:ln>
+        </p:spPr>
+        <p:style>
+          <a:lnRef idx="3">
+            <a:schemeClr val="accent6"/>
+          </a:lnRef>
+          <a:fillRef idx="0">
+            <a:schemeClr val="accent6"/>
+          </a:fillRef>
+          <a:effectRef idx="2">
+            <a:schemeClr val="accent6"/>
+          </a:effectRef>
+          <a:fontRef idx="minor">
+            <a:schemeClr val="tx1"/>
+          </a:fontRef>
+        </p:style>
+      </p:cxnSp>
+      <p:cxnSp>
+        <p:nvCxnSpPr>
+          <p:cNvPr id="49" name="Straight Connector 48">
+            <a:extLst>
+              <a:ext uri="{FF2B5EF4-FFF2-40B4-BE49-F238E27FC236}">
+                <a16:creationId xmlns:a16="http://schemas.microsoft.com/office/drawing/2014/main" id="{696FCC58-75A9-D644-60F5-809BE461025E}"/>
+              </a:ext>
+            </a:extLst>
+          </p:cNvPr>
+          <p:cNvCxnSpPr>
+            <a:cxnSpLocks/>
+          </p:cNvCxnSpPr>
+          <p:nvPr/>
+        </p:nvCxnSpPr>
+        <p:spPr>
+          <a:xfrm>
+            <a:off x="4958080" y="5504874"/>
+            <a:ext cx="5745480" cy="0"/>
+          </a:xfrm>
+          <a:prstGeom prst="line">
+            <a:avLst/>
+          </a:prstGeom>
+          <a:ln>
+            <a:headEnd type="none" w="med" len="med"/>
+            <a:tailEnd type="none" w="med" len="med"/>
+          </a:ln>
+        </p:spPr>
+        <p:style>
+          <a:lnRef idx="3">
+            <a:schemeClr val="accent2"/>
+          </a:lnRef>
+          <a:fillRef idx="0">
+            <a:schemeClr val="accent2"/>
+          </a:fillRef>
+          <a:effectRef idx="2">
+            <a:schemeClr val="accent2"/>
+          </a:effectRef>
+          <a:fontRef idx="minor">
+            <a:schemeClr val="tx1"/>
+          </a:fontRef>
+        </p:style>
+      </p:cxnSp>
+      <p:cxnSp>
+        <p:nvCxnSpPr>
+          <p:cNvPr id="53" name="Straight Connector 52">
+            <a:extLst>
+              <a:ext uri="{FF2B5EF4-FFF2-40B4-BE49-F238E27FC236}">
+                <a16:creationId xmlns:a16="http://schemas.microsoft.com/office/drawing/2014/main" id="{FC52795B-4225-07EF-229D-6A04ABD15C92}"/>
+              </a:ext>
+            </a:extLst>
+          </p:cNvPr>
+          <p:cNvCxnSpPr>
+            <a:cxnSpLocks/>
+          </p:cNvCxnSpPr>
+          <p:nvPr/>
+        </p:nvCxnSpPr>
+        <p:spPr>
+          <a:xfrm>
+            <a:off x="3926027" y="5410200"/>
+            <a:ext cx="6660693" cy="0"/>
+          </a:xfrm>
+          <a:prstGeom prst="line">
+            <a:avLst/>
+          </a:prstGeom>
+          <a:ln>
+            <a:headEnd type="none" w="med" len="med"/>
+            <a:tailEnd type="none" w="med" len="med"/>
+          </a:ln>
+        </p:spPr>
+        <p:style>
+          <a:lnRef idx="3">
+            <a:schemeClr val="accent2"/>
+          </a:lnRef>
+          <a:fillRef idx="0">
+            <a:schemeClr val="accent2"/>
+          </a:fillRef>
+          <a:effectRef idx="2">
+            <a:schemeClr val="accent2"/>
+          </a:effectRef>
+          <a:fontRef idx="minor">
+            <a:schemeClr val="tx1"/>
+          </a:fontRef>
+        </p:style>
+      </p:cxnSp>
+      <p:cxnSp>
+        <p:nvCxnSpPr>
+          <p:cNvPr id="55" name="Straight Connector 54">
+            <a:extLst>
+              <a:ext uri="{FF2B5EF4-FFF2-40B4-BE49-F238E27FC236}">
+                <a16:creationId xmlns:a16="http://schemas.microsoft.com/office/drawing/2014/main" id="{92E41F0D-3614-EDE1-050F-41BB9DEA15F6}"/>
+              </a:ext>
+            </a:extLst>
+          </p:cNvPr>
+          <p:cNvCxnSpPr>
+            <a:cxnSpLocks/>
+          </p:cNvCxnSpPr>
+          <p:nvPr/>
+        </p:nvCxnSpPr>
+        <p:spPr>
+          <a:xfrm>
+            <a:off x="4017175" y="5336540"/>
+            <a:ext cx="6457785" cy="0"/>
+          </a:xfrm>
+          <a:prstGeom prst="line">
+            <a:avLst/>
+          </a:prstGeom>
+          <a:ln>
+            <a:headEnd type="none" w="med" len="med"/>
+            <a:tailEnd type="none" w="med" len="med"/>
+          </a:ln>
+        </p:spPr>
+        <p:style>
+          <a:lnRef idx="3">
+            <a:schemeClr val="accent2"/>
+          </a:lnRef>
+          <a:fillRef idx="0">
+            <a:schemeClr val="accent2"/>
+          </a:fillRef>
+          <a:effectRef idx="2">
+            <a:schemeClr val="accent2"/>
+          </a:effectRef>
+          <a:fontRef idx="minor">
+            <a:schemeClr val="tx1"/>
+          </a:fontRef>
+        </p:style>
+      </p:cxnSp>
+      <p:cxnSp>
+        <p:nvCxnSpPr>
+          <p:cNvPr id="58" name="Straight Connector 57">
+            <a:extLst>
+              <a:ext uri="{FF2B5EF4-FFF2-40B4-BE49-F238E27FC236}">
+                <a16:creationId xmlns:a16="http://schemas.microsoft.com/office/drawing/2014/main" id="{EA523357-BA57-F5A0-8B30-AB1F03640458}"/>
+              </a:ext>
+            </a:extLst>
+          </p:cNvPr>
+          <p:cNvCxnSpPr>
+            <a:cxnSpLocks/>
+          </p:cNvCxnSpPr>
+          <p:nvPr/>
+        </p:nvCxnSpPr>
+        <p:spPr>
+          <a:xfrm>
+            <a:off x="4789665" y="5255670"/>
+            <a:ext cx="5568844" cy="17370"/>
+          </a:xfrm>
+          <a:prstGeom prst="line">
+            <a:avLst/>
+          </a:prstGeom>
+          <a:ln>
+            <a:headEnd type="none" w="med" len="med"/>
+            <a:tailEnd type="none" w="med" len="med"/>
+          </a:ln>
+        </p:spPr>
+        <p:style>
+          <a:lnRef idx="3">
+            <a:schemeClr val="accent2"/>
+          </a:lnRef>
+          <a:fillRef idx="0">
+            <a:schemeClr val="accent2"/>
+          </a:fillRef>
+          <a:effectRef idx="2">
+            <a:schemeClr val="accent2"/>
+          </a:effectRef>
+          <a:fontRef idx="minor">
+            <a:schemeClr val="tx1"/>
+          </a:fontRef>
+        </p:style>
+      </p:cxnSp>
+      <p:cxnSp>
+        <p:nvCxnSpPr>
+          <p:cNvPr id="463" name="Straight Connector 462">
+            <a:extLst>
+              <a:ext uri="{FF2B5EF4-FFF2-40B4-BE49-F238E27FC236}">
+                <a16:creationId xmlns:a16="http://schemas.microsoft.com/office/drawing/2014/main" id="{79D5E5E8-BF73-16B3-28AB-2DB8EF2A695E}"/>
+              </a:ext>
+            </a:extLst>
+          </p:cNvPr>
+          <p:cNvCxnSpPr>
+            <a:cxnSpLocks/>
+          </p:cNvCxnSpPr>
+          <p:nvPr/>
+        </p:nvCxnSpPr>
+        <p:spPr>
+          <a:xfrm>
+            <a:off x="10358509" y="4019296"/>
+            <a:ext cx="0" cy="1243584"/>
+          </a:xfrm>
+          <a:prstGeom prst="line">
+            <a:avLst/>
+          </a:prstGeom>
+          <a:ln>
+            <a:headEnd type="none" w="med" len="med"/>
+            <a:tailEnd type="none" w="med" len="med"/>
+          </a:ln>
+        </p:spPr>
+        <p:style>
+          <a:lnRef idx="3">
+            <a:schemeClr val="accent6"/>
+          </a:lnRef>
+          <a:fillRef idx="0">
+            <a:schemeClr val="accent6"/>
+          </a:fillRef>
+          <a:effectRef idx="2">
+            <a:schemeClr val="accent6"/>
+          </a:effectRef>
+          <a:fontRef idx="minor">
+            <a:schemeClr val="tx1"/>
+          </a:fontRef>
+        </p:style>
+      </p:cxnSp>
+      <p:cxnSp>
+        <p:nvCxnSpPr>
+          <p:cNvPr id="465" name="Straight Connector 464">
+            <a:extLst>
+              <a:ext uri="{FF2B5EF4-FFF2-40B4-BE49-F238E27FC236}">
+                <a16:creationId xmlns:a16="http://schemas.microsoft.com/office/drawing/2014/main" id="{1BD2F5CD-5737-5418-75D8-12F7C4DA38C9}"/>
+              </a:ext>
+            </a:extLst>
+          </p:cNvPr>
+          <p:cNvCxnSpPr>
+            <a:cxnSpLocks/>
+          </p:cNvCxnSpPr>
+          <p:nvPr/>
+        </p:nvCxnSpPr>
+        <p:spPr>
+          <a:xfrm>
+            <a:off x="10475349" y="3898699"/>
+            <a:ext cx="0" cy="1442043"/>
+          </a:xfrm>
+          <a:prstGeom prst="line">
+            <a:avLst/>
+          </a:prstGeom>
+          <a:ln>
+            <a:headEnd type="none" w="med" len="med"/>
+            <a:tailEnd type="none" w="med" len="med"/>
+          </a:ln>
+        </p:spPr>
+        <p:style>
+          <a:lnRef idx="3">
+            <a:schemeClr val="accent6"/>
+          </a:lnRef>
+          <a:fillRef idx="0">
+            <a:schemeClr val="accent6"/>
+          </a:fillRef>
+          <a:effectRef idx="2">
+            <a:schemeClr val="accent6"/>
+          </a:effectRef>
+          <a:fontRef idx="minor">
+            <a:schemeClr val="tx1"/>
+          </a:fontRef>
+        </p:style>
+      </p:cxnSp>
+      <p:cxnSp>
+        <p:nvCxnSpPr>
+          <p:cNvPr id="467" name="Straight Connector 466">
+            <a:extLst>
+              <a:ext uri="{FF2B5EF4-FFF2-40B4-BE49-F238E27FC236}">
+                <a16:creationId xmlns:a16="http://schemas.microsoft.com/office/drawing/2014/main" id="{815A9587-C79B-695B-391B-F2943A513900}"/>
+              </a:ext>
+            </a:extLst>
+          </p:cNvPr>
+          <p:cNvCxnSpPr>
+            <a:cxnSpLocks/>
+          </p:cNvCxnSpPr>
+          <p:nvPr/>
+        </p:nvCxnSpPr>
+        <p:spPr>
+          <a:xfrm>
+            <a:off x="10587109" y="3672915"/>
+            <a:ext cx="0" cy="1740518"/>
+          </a:xfrm>
+          <a:prstGeom prst="line">
+            <a:avLst/>
+          </a:prstGeom>
+          <a:ln>
+            <a:headEnd type="none" w="med" len="med"/>
+            <a:tailEnd type="none" w="med" len="med"/>
+          </a:ln>
+        </p:spPr>
+        <p:style>
+          <a:lnRef idx="3">
+            <a:schemeClr val="accent6"/>
+          </a:lnRef>
+          <a:fillRef idx="0">
+            <a:schemeClr val="accent6"/>
+          </a:fillRef>
+          <a:effectRef idx="2">
+            <a:schemeClr val="accent6"/>
+          </a:effectRef>
+          <a:fontRef idx="minor">
+            <a:schemeClr val="tx1"/>
+          </a:fontRef>
+        </p:style>
+      </p:cxnSp>
+      <p:cxnSp>
+        <p:nvCxnSpPr>
+          <p:cNvPr id="469" name="Straight Connector 468">
+            <a:extLst>
+              <a:ext uri="{FF2B5EF4-FFF2-40B4-BE49-F238E27FC236}">
+                <a16:creationId xmlns:a16="http://schemas.microsoft.com/office/drawing/2014/main" id="{D3552E4E-C73A-09F5-42F4-DBDD49ABE135}"/>
+              </a:ext>
+            </a:extLst>
+          </p:cNvPr>
+          <p:cNvCxnSpPr>
+            <a:cxnSpLocks/>
+          </p:cNvCxnSpPr>
+          <p:nvPr/>
+        </p:nvCxnSpPr>
+        <p:spPr>
+          <a:xfrm>
+            <a:off x="10703949" y="3466296"/>
+            <a:ext cx="0" cy="2053818"/>
+          </a:xfrm>
+          <a:prstGeom prst="line">
+            <a:avLst/>
+          </a:prstGeom>
+          <a:ln>
+            <a:headEnd type="none" w="med" len="med"/>
+            <a:tailEnd type="none" w="med" len="med"/>
+          </a:ln>
+        </p:spPr>
+        <p:style>
+          <a:lnRef idx="3">
+            <a:schemeClr val="accent6"/>
+          </a:lnRef>
+          <a:fillRef idx="0">
+            <a:schemeClr val="accent6"/>
+          </a:fillRef>
+          <a:effectRef idx="2">
+            <a:schemeClr val="accent6"/>
+          </a:effectRef>
+          <a:fontRef idx="minor">
+            <a:schemeClr val="tx1"/>
+          </a:fontRef>
+        </p:style>
+      </p:cxnSp>
+      <p:cxnSp>
+        <p:nvCxnSpPr>
+          <p:cNvPr id="471" name="Straight Connector 470">
+            <a:extLst>
+              <a:ext uri="{FF2B5EF4-FFF2-40B4-BE49-F238E27FC236}">
+                <a16:creationId xmlns:a16="http://schemas.microsoft.com/office/drawing/2014/main" id="{117145AC-F68C-F729-C094-2EC87C2D5BF7}"/>
+              </a:ext>
+            </a:extLst>
+          </p:cNvPr>
+          <p:cNvCxnSpPr>
+            <a:cxnSpLocks/>
+          </p:cNvCxnSpPr>
+          <p:nvPr/>
+        </p:nvCxnSpPr>
+        <p:spPr>
+          <a:xfrm flipH="1">
+            <a:off x="9699281" y="4013507"/>
+            <a:ext cx="659228" cy="0"/>
+          </a:xfrm>
+          <a:prstGeom prst="line">
+            <a:avLst/>
+          </a:prstGeom>
+          <a:ln>
+            <a:headEnd type="none" w="med" len="med"/>
+            <a:tailEnd type="arrow" w="med" len="med"/>
+          </a:ln>
+        </p:spPr>
+        <p:style>
+          <a:lnRef idx="3">
+            <a:schemeClr val="accent2"/>
+          </a:lnRef>
+          <a:fillRef idx="0">
+            <a:schemeClr val="accent2"/>
+          </a:fillRef>
+          <a:effectRef idx="2">
+            <a:schemeClr val="accent2"/>
+          </a:effectRef>
+          <a:fontRef idx="minor">
+            <a:schemeClr val="tx1"/>
+          </a:fontRef>
+        </p:style>
+      </p:cxnSp>
+      <p:cxnSp>
+        <p:nvCxnSpPr>
+          <p:cNvPr id="473" name="Straight Connector 472">
+            <a:extLst>
+              <a:ext uri="{FF2B5EF4-FFF2-40B4-BE49-F238E27FC236}">
+                <a16:creationId xmlns:a16="http://schemas.microsoft.com/office/drawing/2014/main" id="{5181808D-01CA-1E1B-D3A6-AEEE6F0B9450}"/>
+              </a:ext>
+            </a:extLst>
+          </p:cNvPr>
+          <p:cNvCxnSpPr>
+            <a:cxnSpLocks/>
+          </p:cNvCxnSpPr>
+          <p:nvPr/>
+        </p:nvCxnSpPr>
+        <p:spPr>
+          <a:xfrm flipH="1">
+            <a:off x="9684234" y="3898699"/>
+            <a:ext cx="787014" cy="0"/>
+          </a:xfrm>
+          <a:prstGeom prst="line">
+            <a:avLst/>
+          </a:prstGeom>
+          <a:ln>
+            <a:headEnd type="none" w="med" len="med"/>
+            <a:tailEnd type="arrow" w="med" len="med"/>
+          </a:ln>
+        </p:spPr>
+        <p:style>
+          <a:lnRef idx="3">
+            <a:schemeClr val="accent2"/>
+          </a:lnRef>
+          <a:fillRef idx="0">
+            <a:schemeClr val="accent2"/>
+          </a:fillRef>
+          <a:effectRef idx="2">
+            <a:schemeClr val="accent2"/>
+          </a:effectRef>
+          <a:fontRef idx="minor">
+            <a:schemeClr val="tx1"/>
+          </a:fontRef>
+        </p:style>
+      </p:cxnSp>
+      <p:cxnSp>
+        <p:nvCxnSpPr>
+          <p:cNvPr id="475" name="Straight Connector 474">
+            <a:extLst>
+              <a:ext uri="{FF2B5EF4-FFF2-40B4-BE49-F238E27FC236}">
+                <a16:creationId xmlns:a16="http://schemas.microsoft.com/office/drawing/2014/main" id="{C0B45D15-6E40-623B-9B6A-9A9314B2D036}"/>
+              </a:ext>
+            </a:extLst>
+          </p:cNvPr>
+          <p:cNvCxnSpPr>
+            <a:cxnSpLocks/>
+          </p:cNvCxnSpPr>
+          <p:nvPr/>
+        </p:nvCxnSpPr>
+        <p:spPr>
+          <a:xfrm flipH="1">
+            <a:off x="9705340" y="3680839"/>
+            <a:ext cx="885288" cy="0"/>
+          </a:xfrm>
+          <a:prstGeom prst="line">
+            <a:avLst/>
+          </a:prstGeom>
+          <a:ln>
+            <a:headEnd type="none" w="med" len="med"/>
+            <a:tailEnd type="arrow" w="med" len="med"/>
+          </a:ln>
+        </p:spPr>
+        <p:style>
+          <a:lnRef idx="3">
+            <a:schemeClr val="accent2"/>
+          </a:lnRef>
+          <a:fillRef idx="0">
+            <a:schemeClr val="accent2"/>
+          </a:fillRef>
+          <a:effectRef idx="2">
+            <a:schemeClr val="accent2"/>
+          </a:effectRef>
+          <a:fontRef idx="minor">
+            <a:schemeClr val="tx1"/>
+          </a:fontRef>
+        </p:style>
+      </p:cxnSp>
+      <p:cxnSp>
+        <p:nvCxnSpPr>
+          <p:cNvPr id="477" name="Straight Connector 476">
+            <a:extLst>
+              <a:ext uri="{FF2B5EF4-FFF2-40B4-BE49-F238E27FC236}">
+                <a16:creationId xmlns:a16="http://schemas.microsoft.com/office/drawing/2014/main" id="{0005596A-DFB0-8A22-5BB2-9A7E6063966E}"/>
+              </a:ext>
+            </a:extLst>
+          </p:cNvPr>
+          <p:cNvCxnSpPr>
+            <a:cxnSpLocks/>
+          </p:cNvCxnSpPr>
+          <p:nvPr/>
+        </p:nvCxnSpPr>
+        <p:spPr>
+          <a:xfrm flipH="1">
+            <a:off x="9710420" y="3471300"/>
+            <a:ext cx="997048" cy="0"/>
+          </a:xfrm>
+          <a:prstGeom prst="line">
+            <a:avLst/>
+          </a:prstGeom>
+          <a:ln>
+            <a:headEnd type="none" w="med" len="med"/>
+            <a:tailEnd type="arrow" w="med" len="med"/>
+          </a:ln>
+        </p:spPr>
+        <p:style>
+          <a:lnRef idx="3">
+            <a:schemeClr val="accent2"/>
+          </a:lnRef>
+          <a:fillRef idx="0">
+            <a:schemeClr val="accent2"/>
+          </a:fillRef>
+          <a:effectRef idx="2">
+            <a:schemeClr val="accent2"/>
+          </a:effectRef>
+          <a:fontRef idx="minor">
+            <a:schemeClr val="tx1"/>
+          </a:fontRef>
+        </p:style>
+      </p:cxnSp>
+      <p:cxnSp>
+        <p:nvCxnSpPr>
+          <p:cNvPr id="483" name="Straight Connector 482">
+            <a:extLst>
+              <a:ext uri="{FF2B5EF4-FFF2-40B4-BE49-F238E27FC236}">
+                <a16:creationId xmlns:a16="http://schemas.microsoft.com/office/drawing/2014/main" id="{D1DE8795-DC32-F639-0FBE-791159A7799D}"/>
+              </a:ext>
+            </a:extLst>
+          </p:cNvPr>
+          <p:cNvCxnSpPr>
+            <a:cxnSpLocks/>
+          </p:cNvCxnSpPr>
+          <p:nvPr/>
+        </p:nvCxnSpPr>
+        <p:spPr>
+          <a:xfrm flipH="1" flipV="1">
+            <a:off x="3676542" y="4310841"/>
+            <a:ext cx="16372" cy="1359709"/>
+          </a:xfrm>
+          <a:prstGeom prst="line">
+            <a:avLst/>
+          </a:prstGeom>
+          <a:ln>
+            <a:headEnd type="none" w="med" len="med"/>
+            <a:tailEnd type="arrow" w="med" len="med"/>
+          </a:ln>
+        </p:spPr>
+        <p:style>
+          <a:lnRef idx="3">
+            <a:schemeClr val="accent6"/>
+          </a:lnRef>
+          <a:fillRef idx="0">
+            <a:schemeClr val="accent6"/>
+          </a:fillRef>
+          <a:effectRef idx="2">
+            <a:schemeClr val="accent6"/>
+          </a:effectRef>
+          <a:fontRef idx="minor">
+            <a:schemeClr val="tx1"/>
+          </a:fontRef>
+        </p:style>
+      </p:cxnSp>
+      <p:cxnSp>
+        <p:nvCxnSpPr>
+          <p:cNvPr id="493" name="Straight Connector 492">
+            <a:extLst>
+              <a:ext uri="{FF2B5EF4-FFF2-40B4-BE49-F238E27FC236}">
+                <a16:creationId xmlns:a16="http://schemas.microsoft.com/office/drawing/2014/main" id="{2EAA37CE-3058-3182-6474-E7511CD9D7EA}"/>
+              </a:ext>
+            </a:extLst>
+          </p:cNvPr>
+          <p:cNvCxnSpPr>
+            <a:cxnSpLocks/>
+          </p:cNvCxnSpPr>
+          <p:nvPr/>
+        </p:nvCxnSpPr>
+        <p:spPr>
+          <a:xfrm>
+            <a:off x="3693364" y="5673992"/>
+            <a:ext cx="7200696" cy="0"/>
+          </a:xfrm>
+          <a:prstGeom prst="line">
+            <a:avLst/>
+          </a:prstGeom>
+          <a:ln>
+            <a:headEnd type="none" w="med" len="med"/>
+            <a:tailEnd type="none" w="med" len="med"/>
+          </a:ln>
+        </p:spPr>
+        <p:style>
+          <a:lnRef idx="3">
+            <a:schemeClr val="accent2"/>
+          </a:lnRef>
+          <a:fillRef idx="0">
+            <a:schemeClr val="accent2"/>
+          </a:fillRef>
+          <a:effectRef idx="2">
+            <a:schemeClr val="accent2"/>
+          </a:effectRef>
+          <a:fontRef idx="minor">
+            <a:schemeClr val="tx1"/>
+          </a:fontRef>
+        </p:style>
+      </p:cxnSp>
+      <p:cxnSp>
+        <p:nvCxnSpPr>
+          <p:cNvPr id="494" name="Straight Connector 493">
+            <a:extLst>
+              <a:ext uri="{FF2B5EF4-FFF2-40B4-BE49-F238E27FC236}">
+                <a16:creationId xmlns:a16="http://schemas.microsoft.com/office/drawing/2014/main" id="{354AF07F-899E-90FD-7732-6DDA60E2CD77}"/>
+              </a:ext>
+            </a:extLst>
+          </p:cNvPr>
+          <p:cNvCxnSpPr>
+            <a:cxnSpLocks/>
+          </p:cNvCxnSpPr>
+          <p:nvPr/>
+        </p:nvCxnSpPr>
+        <p:spPr>
+          <a:xfrm>
+            <a:off x="2564130" y="5746750"/>
+            <a:ext cx="8428990" cy="3442"/>
+          </a:xfrm>
+          <a:prstGeom prst="line">
+            <a:avLst/>
+          </a:prstGeom>
+          <a:ln>
+            <a:headEnd type="none" w="med" len="med"/>
+            <a:tailEnd type="none" w="med" len="med"/>
+          </a:ln>
+        </p:spPr>
+        <p:style>
+          <a:lnRef idx="3">
+            <a:schemeClr val="accent2"/>
+          </a:lnRef>
+          <a:fillRef idx="0">
+            <a:schemeClr val="accent2"/>
+          </a:fillRef>
+          <a:effectRef idx="2">
+            <a:schemeClr val="accent2"/>
+          </a:effectRef>
+          <a:fontRef idx="minor">
+            <a:schemeClr val="tx1"/>
+          </a:fontRef>
+        </p:style>
+      </p:cxnSp>
+      <p:cxnSp>
+        <p:nvCxnSpPr>
+          <p:cNvPr id="497" name="Straight Connector 496">
+            <a:extLst>
+              <a:ext uri="{FF2B5EF4-FFF2-40B4-BE49-F238E27FC236}">
+                <a16:creationId xmlns:a16="http://schemas.microsoft.com/office/drawing/2014/main" id="{FF5B6364-494E-B618-E535-50AB96DA7089}"/>
+              </a:ext>
+            </a:extLst>
+          </p:cNvPr>
+          <p:cNvCxnSpPr>
+            <a:cxnSpLocks/>
+          </p:cNvCxnSpPr>
+          <p:nvPr/>
+        </p:nvCxnSpPr>
+        <p:spPr>
+          <a:xfrm flipV="1">
+            <a:off x="10898354" y="2934970"/>
+            <a:ext cx="0" cy="2749593"/>
+          </a:xfrm>
+          <a:prstGeom prst="line">
+            <a:avLst/>
+          </a:prstGeom>
+          <a:ln>
+            <a:headEnd type="none" w="med" len="med"/>
+            <a:tailEnd type="none" w="med" len="med"/>
+          </a:ln>
+        </p:spPr>
+        <p:style>
+          <a:lnRef idx="3">
+            <a:schemeClr val="accent6"/>
+          </a:lnRef>
+          <a:fillRef idx="0">
+            <a:schemeClr val="accent6"/>
+          </a:fillRef>
+          <a:effectRef idx="2">
+            <a:schemeClr val="accent6"/>
+          </a:effectRef>
+          <a:fontRef idx="minor">
+            <a:schemeClr val="tx1"/>
+          </a:fontRef>
+        </p:style>
+      </p:cxnSp>
+      <p:cxnSp>
+        <p:nvCxnSpPr>
+          <p:cNvPr id="498" name="Straight Connector 497">
+            <a:extLst>
+              <a:ext uri="{FF2B5EF4-FFF2-40B4-BE49-F238E27FC236}">
+                <a16:creationId xmlns:a16="http://schemas.microsoft.com/office/drawing/2014/main" id="{672DECA4-E7A1-C57F-0F2E-47087DE731AB}"/>
+              </a:ext>
+            </a:extLst>
+          </p:cNvPr>
+          <p:cNvCxnSpPr>
+            <a:cxnSpLocks/>
+          </p:cNvCxnSpPr>
+          <p:nvPr/>
+        </p:nvCxnSpPr>
+        <p:spPr>
+          <a:xfrm flipV="1">
+            <a:off x="10997414" y="2729732"/>
+            <a:ext cx="0" cy="3036717"/>
+          </a:xfrm>
+          <a:prstGeom prst="line">
+            <a:avLst/>
+          </a:prstGeom>
+          <a:ln>
+            <a:headEnd type="none" w="med" len="med"/>
+            <a:tailEnd type="none" w="med" len="med"/>
+          </a:ln>
+        </p:spPr>
+        <p:style>
+          <a:lnRef idx="3">
+            <a:schemeClr val="accent6"/>
+          </a:lnRef>
+          <a:fillRef idx="0">
+            <a:schemeClr val="accent6"/>
+          </a:fillRef>
+          <a:effectRef idx="2">
+            <a:schemeClr val="accent6"/>
+          </a:effectRef>
+          <a:fontRef idx="minor">
+            <a:schemeClr val="tx1"/>
+          </a:fontRef>
+        </p:style>
+      </p:cxnSp>
+      <p:cxnSp>
+        <p:nvCxnSpPr>
+          <p:cNvPr id="503" name="Straight Connector 502">
+            <a:extLst>
+              <a:ext uri="{FF2B5EF4-FFF2-40B4-BE49-F238E27FC236}">
+                <a16:creationId xmlns:a16="http://schemas.microsoft.com/office/drawing/2014/main" id="{9B3562B1-71D3-0F3B-4D97-C795C89642BC}"/>
+              </a:ext>
+            </a:extLst>
+          </p:cNvPr>
+          <p:cNvCxnSpPr>
+            <a:cxnSpLocks/>
+          </p:cNvCxnSpPr>
+          <p:nvPr/>
+        </p:nvCxnSpPr>
+        <p:spPr>
+          <a:xfrm flipH="1">
+            <a:off x="9707880" y="2931503"/>
+            <a:ext cx="1182370" cy="0"/>
+          </a:xfrm>
+          <a:prstGeom prst="line">
+            <a:avLst/>
+          </a:prstGeom>
+          <a:ln>
+            <a:headEnd type="none" w="med" len="med"/>
+            <a:tailEnd type="arrow" w="med" len="med"/>
+          </a:ln>
+        </p:spPr>
+        <p:style>
+          <a:lnRef idx="3">
+            <a:schemeClr val="accent2"/>
+          </a:lnRef>
+          <a:fillRef idx="0">
+            <a:schemeClr val="accent2"/>
+          </a:fillRef>
+          <a:effectRef idx="2">
+            <a:schemeClr val="accent2"/>
+          </a:effectRef>
+          <a:fontRef idx="minor">
+            <a:schemeClr val="tx1"/>
+          </a:fontRef>
+        </p:style>
+      </p:cxnSp>
+      <p:cxnSp>
+        <p:nvCxnSpPr>
+          <p:cNvPr id="508" name="Straight Connector 507">
+            <a:extLst>
+              <a:ext uri="{FF2B5EF4-FFF2-40B4-BE49-F238E27FC236}">
+                <a16:creationId xmlns:a16="http://schemas.microsoft.com/office/drawing/2014/main" id="{A9971964-58B4-4CC3-5D65-D1E6C1E4F137}"/>
+              </a:ext>
+            </a:extLst>
+          </p:cNvPr>
+          <p:cNvCxnSpPr>
+            <a:cxnSpLocks/>
+          </p:cNvCxnSpPr>
+          <p:nvPr/>
+        </p:nvCxnSpPr>
+        <p:spPr>
+          <a:xfrm flipH="1" flipV="1">
+            <a:off x="9716770" y="2718251"/>
+            <a:ext cx="1291313" cy="5915"/>
+          </a:xfrm>
+          <a:prstGeom prst="line">
+            <a:avLst/>
+          </a:prstGeom>
+          <a:ln>
+            <a:headEnd type="none" w="med" len="med"/>
+            <a:tailEnd type="arrow" w="med" len="med"/>
+          </a:ln>
+        </p:spPr>
+        <p:style>
+          <a:lnRef idx="3">
+            <a:schemeClr val="accent2"/>
+          </a:lnRef>
+          <a:fillRef idx="0">
+            <a:schemeClr val="accent2"/>
+          </a:fillRef>
+          <a:effectRef idx="2">
+            <a:schemeClr val="accent2"/>
+          </a:effectRef>
+          <a:fontRef idx="minor">
+            <a:schemeClr val="tx1"/>
+          </a:fontRef>
+        </p:style>
+      </p:cxnSp>
+      <p:cxnSp>
+        <p:nvCxnSpPr>
+          <p:cNvPr id="85" name="Straight Connector 84">
+            <a:extLst>
+              <a:ext uri="{FF2B5EF4-FFF2-40B4-BE49-F238E27FC236}">
+                <a16:creationId xmlns:a16="http://schemas.microsoft.com/office/drawing/2014/main" id="{D63AD32F-C15D-DB1B-C64C-6B813C776F23}"/>
+              </a:ext>
+            </a:extLst>
+          </p:cNvPr>
+          <p:cNvCxnSpPr>
+            <a:cxnSpLocks/>
+          </p:cNvCxnSpPr>
+          <p:nvPr/>
+        </p:nvCxnSpPr>
+        <p:spPr>
+          <a:xfrm flipH="1">
+            <a:off x="2977794" y="3054010"/>
+            <a:ext cx="957656" cy="0"/>
+          </a:xfrm>
+          <a:prstGeom prst="line">
+            <a:avLst/>
+          </a:prstGeom>
+          <a:ln>
+            <a:headEnd type="none" w="med" len="med"/>
+            <a:tailEnd type="arrow" w="med" len="med"/>
+          </a:ln>
+        </p:spPr>
+        <p:style>
+          <a:lnRef idx="3">
+            <a:schemeClr val="accent2"/>
+          </a:lnRef>
+          <a:fillRef idx="0">
+            <a:schemeClr val="accent2"/>
+          </a:fillRef>
+          <a:effectRef idx="2">
+            <a:schemeClr val="accent2"/>
+          </a:effectRef>
+          <a:fontRef idx="minor">
+            <a:schemeClr val="tx1"/>
+          </a:fontRef>
+        </p:style>
+      </p:cxnSp>
+      <p:cxnSp>
+        <p:nvCxnSpPr>
+          <p:cNvPr id="86" name="Straight Connector 85">
+            <a:extLst>
+              <a:ext uri="{FF2B5EF4-FFF2-40B4-BE49-F238E27FC236}">
+                <a16:creationId xmlns:a16="http://schemas.microsoft.com/office/drawing/2014/main" id="{D2E7162D-1F73-7A7F-6C89-D489E4DDAA3B}"/>
+              </a:ext>
+            </a:extLst>
+          </p:cNvPr>
+          <p:cNvCxnSpPr>
+            <a:cxnSpLocks/>
+          </p:cNvCxnSpPr>
+          <p:nvPr/>
+        </p:nvCxnSpPr>
+        <p:spPr>
+          <a:xfrm flipH="1">
+            <a:off x="2977794" y="3132268"/>
+            <a:ext cx="1169042" cy="11129"/>
+          </a:xfrm>
+          <a:prstGeom prst="line">
+            <a:avLst/>
+          </a:prstGeom>
+          <a:ln>
+            <a:headEnd type="none" w="med" len="med"/>
+            <a:tailEnd type="arrow" w="med" len="med"/>
+          </a:ln>
+        </p:spPr>
+        <p:style>
+          <a:lnRef idx="3">
+            <a:schemeClr val="accent2"/>
+          </a:lnRef>
+          <a:fillRef idx="0">
+            <a:schemeClr val="accent2"/>
+          </a:fillRef>
+          <a:effectRef idx="2">
+            <a:schemeClr val="accent2"/>
+          </a:effectRef>
+          <a:fontRef idx="minor">
+            <a:schemeClr val="tx1"/>
+          </a:fontRef>
+        </p:style>
+      </p:cxnSp>
+      <p:cxnSp>
+        <p:nvCxnSpPr>
+          <p:cNvPr id="89" name="Straight Connector 88">
+            <a:extLst>
+              <a:ext uri="{FF2B5EF4-FFF2-40B4-BE49-F238E27FC236}">
+                <a16:creationId xmlns:a16="http://schemas.microsoft.com/office/drawing/2014/main" id="{1EB888B3-ADCD-3F7A-AA4D-B8A80213BCEC}"/>
+              </a:ext>
+            </a:extLst>
+          </p:cNvPr>
+          <p:cNvCxnSpPr>
+            <a:cxnSpLocks/>
+          </p:cNvCxnSpPr>
+          <p:nvPr/>
+        </p:nvCxnSpPr>
+        <p:spPr>
+          <a:xfrm flipV="1">
+            <a:off x="3935450" y="1361440"/>
+            <a:ext cx="0" cy="1693279"/>
+          </a:xfrm>
+          <a:prstGeom prst="line">
+            <a:avLst/>
+          </a:prstGeom>
+          <a:ln>
+            <a:headEnd type="none" w="med" len="med"/>
+            <a:tailEnd type="none" w="med" len="med"/>
+          </a:ln>
+        </p:spPr>
+        <p:style>
+          <a:lnRef idx="3">
+            <a:schemeClr val="accent6"/>
+          </a:lnRef>
+          <a:fillRef idx="0">
+            <a:schemeClr val="accent6"/>
+          </a:fillRef>
+          <a:effectRef idx="2">
+            <a:schemeClr val="accent6"/>
+          </a:effectRef>
+          <a:fontRef idx="minor">
+            <a:schemeClr val="tx1"/>
+          </a:fontRef>
+        </p:style>
+      </p:cxnSp>
+      <p:cxnSp>
+        <p:nvCxnSpPr>
+          <p:cNvPr id="91" name="Straight Connector 90">
+            <a:extLst>
+              <a:ext uri="{FF2B5EF4-FFF2-40B4-BE49-F238E27FC236}">
+                <a16:creationId xmlns:a16="http://schemas.microsoft.com/office/drawing/2014/main" id="{61B5B213-B984-F9D6-31D8-5277CDF08225}"/>
+              </a:ext>
+            </a:extLst>
+          </p:cNvPr>
+          <p:cNvCxnSpPr>
+            <a:cxnSpLocks/>
+          </p:cNvCxnSpPr>
+          <p:nvPr/>
+        </p:nvCxnSpPr>
+        <p:spPr>
+          <a:xfrm flipV="1">
+            <a:off x="4140970" y="1490980"/>
+            <a:ext cx="7388" cy="1646502"/>
+          </a:xfrm>
+          <a:prstGeom prst="line">
+            <a:avLst/>
+          </a:prstGeom>
+          <a:ln>
+            <a:headEnd type="none" w="med" len="med"/>
+            <a:tailEnd type="none" w="med" len="med"/>
+          </a:ln>
+        </p:spPr>
+        <p:style>
+          <a:lnRef idx="3">
+            <a:schemeClr val="accent6"/>
+          </a:lnRef>
+          <a:fillRef idx="0">
+            <a:schemeClr val="accent6"/>
+          </a:fillRef>
+          <a:effectRef idx="2">
+            <a:schemeClr val="accent6"/>
+          </a:effectRef>
+          <a:fontRef idx="minor">
+            <a:schemeClr val="tx1"/>
+          </a:fontRef>
+        </p:style>
+      </p:cxnSp>
+      <p:cxnSp>
+        <p:nvCxnSpPr>
+          <p:cNvPr id="105" name="Straight Connector 104">
+            <a:extLst>
+              <a:ext uri="{FF2B5EF4-FFF2-40B4-BE49-F238E27FC236}">
+                <a16:creationId xmlns:a16="http://schemas.microsoft.com/office/drawing/2014/main" id="{B9B53993-1C84-5586-E182-A0A18F06D028}"/>
+              </a:ext>
+            </a:extLst>
+          </p:cNvPr>
+          <p:cNvCxnSpPr>
+            <a:cxnSpLocks/>
+          </p:cNvCxnSpPr>
+          <p:nvPr/>
+        </p:nvCxnSpPr>
+        <p:spPr>
+          <a:xfrm flipH="1" flipV="1">
+            <a:off x="4151332" y="1491107"/>
+            <a:ext cx="3619657" cy="13177"/>
+          </a:xfrm>
+          <a:prstGeom prst="line">
+            <a:avLst/>
+          </a:prstGeom>
+          <a:ln>
+            <a:headEnd type="none" w="med" len="med"/>
+            <a:tailEnd type="none" w="med" len="med"/>
+          </a:ln>
+        </p:spPr>
+        <p:style>
+          <a:lnRef idx="3">
+            <a:schemeClr val="accent2"/>
+          </a:lnRef>
+          <a:fillRef idx="0">
+            <a:schemeClr val="accent2"/>
+          </a:fillRef>
+          <a:effectRef idx="2">
+            <a:schemeClr val="accent2"/>
+          </a:effectRef>
+          <a:fontRef idx="minor">
+            <a:schemeClr val="tx1"/>
+          </a:fontRef>
+        </p:style>
+      </p:cxnSp>
+      <p:cxnSp>
+        <p:nvCxnSpPr>
+          <p:cNvPr id="106" name="Straight Connector 105">
+            <a:extLst>
+              <a:ext uri="{FF2B5EF4-FFF2-40B4-BE49-F238E27FC236}">
+                <a16:creationId xmlns:a16="http://schemas.microsoft.com/office/drawing/2014/main" id="{C3FACB61-578F-7779-B64E-6B24F1443462}"/>
+              </a:ext>
+            </a:extLst>
+          </p:cNvPr>
+          <p:cNvCxnSpPr>
+            <a:cxnSpLocks/>
+          </p:cNvCxnSpPr>
+          <p:nvPr/>
+        </p:nvCxnSpPr>
+        <p:spPr>
+          <a:xfrm flipH="1">
+            <a:off x="3935450" y="1365679"/>
+            <a:ext cx="4004590" cy="0"/>
+          </a:xfrm>
+          <a:prstGeom prst="line">
+            <a:avLst/>
+          </a:prstGeom>
+          <a:ln>
+            <a:headEnd type="none" w="med" len="med"/>
+            <a:tailEnd type="none" w="med" len="med"/>
+          </a:ln>
+        </p:spPr>
+        <p:style>
+          <a:lnRef idx="3">
+            <a:schemeClr val="accent2"/>
+          </a:lnRef>
+          <a:fillRef idx="0">
+            <a:schemeClr val="accent2"/>
+          </a:fillRef>
+          <a:effectRef idx="2">
+            <a:schemeClr val="accent2"/>
+          </a:effectRef>
+          <a:fontRef idx="minor">
+            <a:schemeClr val="tx1"/>
+          </a:fontRef>
+        </p:style>
+      </p:cxnSp>
+      <p:cxnSp>
+        <p:nvCxnSpPr>
+          <p:cNvPr id="109" name="Straight Connector 108">
+            <a:extLst>
+              <a:ext uri="{FF2B5EF4-FFF2-40B4-BE49-F238E27FC236}">
+                <a16:creationId xmlns:a16="http://schemas.microsoft.com/office/drawing/2014/main" id="{76E248B0-B222-C135-837F-03E6292E5F52}"/>
+              </a:ext>
+            </a:extLst>
+          </p:cNvPr>
+          <p:cNvCxnSpPr>
+            <a:cxnSpLocks/>
+          </p:cNvCxnSpPr>
+          <p:nvPr/>
+        </p:nvCxnSpPr>
+        <p:spPr>
+          <a:xfrm>
+            <a:off x="5748975" y="2599547"/>
+            <a:ext cx="0" cy="141600"/>
+          </a:xfrm>
+          <a:prstGeom prst="line">
+            <a:avLst/>
+          </a:prstGeom>
+          <a:ln>
+            <a:headEnd type="none" w="med" len="med"/>
+            <a:tailEnd type="none" w="med" len="med"/>
+          </a:ln>
+        </p:spPr>
+        <p:style>
+          <a:lnRef idx="3">
+            <a:schemeClr val="dk1"/>
+          </a:lnRef>
+          <a:fillRef idx="0">
+            <a:schemeClr val="dk1"/>
+          </a:fillRef>
+          <a:effectRef idx="2">
+            <a:schemeClr val="dk1"/>
+          </a:effectRef>
+          <a:fontRef idx="minor">
+            <a:schemeClr val="tx1"/>
+          </a:fontRef>
+        </p:style>
+      </p:cxnSp>
+      <p:cxnSp>
+        <p:nvCxnSpPr>
+          <p:cNvPr id="119" name="Straight Connector 118">
+            <a:extLst>
+              <a:ext uri="{FF2B5EF4-FFF2-40B4-BE49-F238E27FC236}">
+                <a16:creationId xmlns:a16="http://schemas.microsoft.com/office/drawing/2014/main" id="{92FDD0E5-F220-CA05-EE49-EE0883CFA008}"/>
+              </a:ext>
+            </a:extLst>
+          </p:cNvPr>
+          <p:cNvCxnSpPr>
+            <a:cxnSpLocks/>
+          </p:cNvCxnSpPr>
+          <p:nvPr/>
+        </p:nvCxnSpPr>
+        <p:spPr>
+          <a:xfrm>
+            <a:off x="6639326" y="1132690"/>
+            <a:ext cx="5297" cy="1330555"/>
+          </a:xfrm>
+          <a:prstGeom prst="line">
+            <a:avLst/>
+          </a:prstGeom>
+          <a:ln>
+            <a:headEnd type="none" w="med" len="med"/>
+            <a:tailEnd type="none" w="med" len="med"/>
+          </a:ln>
+        </p:spPr>
+        <p:style>
+          <a:lnRef idx="3">
+            <a:schemeClr val="dk1"/>
+          </a:lnRef>
+          <a:fillRef idx="0">
+            <a:schemeClr val="dk1"/>
+          </a:fillRef>
+          <a:effectRef idx="2">
+            <a:schemeClr val="dk1"/>
+          </a:effectRef>
+          <a:fontRef idx="minor">
+            <a:schemeClr val="tx1"/>
+          </a:fontRef>
+        </p:style>
+      </p:cxnSp>
+      <p:cxnSp>
+        <p:nvCxnSpPr>
+          <p:cNvPr id="127" name="Straight Connector 126">
+            <a:extLst>
+              <a:ext uri="{FF2B5EF4-FFF2-40B4-BE49-F238E27FC236}">
+                <a16:creationId xmlns:a16="http://schemas.microsoft.com/office/drawing/2014/main" id="{089F1BAA-C0B7-F41B-D400-7E05CC5DB283}"/>
+              </a:ext>
+            </a:extLst>
+          </p:cNvPr>
+          <p:cNvCxnSpPr>
+            <a:cxnSpLocks/>
+          </p:cNvCxnSpPr>
+          <p:nvPr/>
+        </p:nvCxnSpPr>
+        <p:spPr>
+          <a:xfrm flipV="1">
+            <a:off x="7767704" y="1510030"/>
+            <a:ext cx="0" cy="765810"/>
+          </a:xfrm>
+          <a:prstGeom prst="line">
+            <a:avLst/>
+          </a:prstGeom>
+          <a:ln>
+            <a:headEnd type="none" w="med" len="med"/>
+            <a:tailEnd type="none" w="med" len="med"/>
+          </a:ln>
+        </p:spPr>
+        <p:style>
+          <a:lnRef idx="3">
+            <a:schemeClr val="accent6"/>
+          </a:lnRef>
+          <a:fillRef idx="0">
+            <a:schemeClr val="accent6"/>
+          </a:fillRef>
+          <a:effectRef idx="2">
+            <a:schemeClr val="accent6"/>
+          </a:effectRef>
+          <a:fontRef idx="minor">
+            <a:schemeClr val="tx1"/>
+          </a:fontRef>
+        </p:style>
+      </p:cxnSp>
+      <p:cxnSp>
+        <p:nvCxnSpPr>
+          <p:cNvPr id="134" name="Straight Connector 133">
+            <a:extLst>
+              <a:ext uri="{FF2B5EF4-FFF2-40B4-BE49-F238E27FC236}">
+                <a16:creationId xmlns:a16="http://schemas.microsoft.com/office/drawing/2014/main" id="{4C0409AD-3318-B1B3-48DB-BE1DFC7BDDB2}"/>
+              </a:ext>
+            </a:extLst>
+          </p:cNvPr>
+          <p:cNvCxnSpPr>
+            <a:cxnSpLocks/>
+          </p:cNvCxnSpPr>
+          <p:nvPr/>
+        </p:nvCxnSpPr>
+        <p:spPr>
+          <a:xfrm flipH="1" flipV="1">
+            <a:off x="7449396" y="2255263"/>
+            <a:ext cx="331784" cy="7008"/>
+          </a:xfrm>
+          <a:prstGeom prst="line">
+            <a:avLst/>
+          </a:prstGeom>
+          <a:ln>
+            <a:headEnd type="none" w="med" len="med"/>
+            <a:tailEnd type="arrow" w="med" len="med"/>
+          </a:ln>
+        </p:spPr>
+        <p:style>
+          <a:lnRef idx="3">
+            <a:schemeClr val="accent2"/>
+          </a:lnRef>
+          <a:fillRef idx="0">
+            <a:schemeClr val="accent2"/>
+          </a:fillRef>
+          <a:effectRef idx="2">
+            <a:schemeClr val="accent2"/>
+          </a:effectRef>
+          <a:fontRef idx="minor">
+            <a:schemeClr val="tx1"/>
+          </a:fontRef>
+        </p:style>
+      </p:cxnSp>
+      <p:cxnSp>
+        <p:nvCxnSpPr>
+          <p:cNvPr id="136" name="Straight Connector 135">
+            <a:extLst>
+              <a:ext uri="{FF2B5EF4-FFF2-40B4-BE49-F238E27FC236}">
+                <a16:creationId xmlns:a16="http://schemas.microsoft.com/office/drawing/2014/main" id="{527E818C-FDC7-1808-FF7A-831039B52F40}"/>
+              </a:ext>
+            </a:extLst>
+          </p:cNvPr>
+          <p:cNvCxnSpPr>
+            <a:cxnSpLocks/>
+          </p:cNvCxnSpPr>
+          <p:nvPr/>
+        </p:nvCxnSpPr>
+        <p:spPr>
+          <a:xfrm flipV="1">
+            <a:off x="7942139" y="1357630"/>
+            <a:ext cx="0" cy="1016347"/>
+          </a:xfrm>
+          <a:prstGeom prst="line">
+            <a:avLst/>
+          </a:prstGeom>
+          <a:ln>
+            <a:headEnd type="none" w="med" len="med"/>
+            <a:tailEnd type="none" w="med" len="med"/>
+          </a:ln>
+        </p:spPr>
+        <p:style>
+          <a:lnRef idx="3">
+            <a:schemeClr val="accent6"/>
+          </a:lnRef>
+          <a:fillRef idx="0">
+            <a:schemeClr val="accent6"/>
+          </a:fillRef>
+          <a:effectRef idx="2">
+            <a:schemeClr val="accent6"/>
+          </a:effectRef>
+          <a:fontRef idx="minor">
+            <a:schemeClr val="tx1"/>
+          </a:fontRef>
+        </p:style>
+      </p:cxnSp>
+      <p:cxnSp>
+        <p:nvCxnSpPr>
+          <p:cNvPr id="141" name="Straight Connector 140">
+            <a:extLst>
+              <a:ext uri="{FF2B5EF4-FFF2-40B4-BE49-F238E27FC236}">
+                <a16:creationId xmlns:a16="http://schemas.microsoft.com/office/drawing/2014/main" id="{472087EE-6364-F547-CADB-189D4E4641AF}"/>
+              </a:ext>
+            </a:extLst>
+          </p:cNvPr>
+          <p:cNvCxnSpPr>
+            <a:cxnSpLocks/>
+          </p:cNvCxnSpPr>
+          <p:nvPr/>
+        </p:nvCxnSpPr>
+        <p:spPr>
+          <a:xfrm flipH="1" flipV="1">
+            <a:off x="7449396" y="2368896"/>
+            <a:ext cx="499883" cy="8644"/>
+          </a:xfrm>
+          <a:prstGeom prst="line">
+            <a:avLst/>
+          </a:prstGeom>
+          <a:ln>
+            <a:headEnd type="none" w="med" len="med"/>
+            <a:tailEnd type="arrow" w="med" len="med"/>
+          </a:ln>
+        </p:spPr>
+        <p:style>
+          <a:lnRef idx="3">
+            <a:schemeClr val="accent2"/>
+          </a:lnRef>
+          <a:fillRef idx="0">
+            <a:schemeClr val="accent2"/>
+          </a:fillRef>
+          <a:effectRef idx="2">
+            <a:schemeClr val="accent2"/>
+          </a:effectRef>
+          <a:fontRef idx="minor">
+            <a:schemeClr val="tx1"/>
+          </a:fontRef>
+        </p:style>
+      </p:cxnSp>
+      <p:cxnSp>
+        <p:nvCxnSpPr>
+          <p:cNvPr id="5" name="Straight Connector 4">
+            <a:extLst>
+              <a:ext uri="{FF2B5EF4-FFF2-40B4-BE49-F238E27FC236}">
+                <a16:creationId xmlns:a16="http://schemas.microsoft.com/office/drawing/2014/main" id="{28ABC581-4E70-CB96-667E-F3F0E324F8C8}"/>
+              </a:ext>
+            </a:extLst>
+          </p:cNvPr>
+          <p:cNvCxnSpPr>
+            <a:cxnSpLocks/>
+          </p:cNvCxnSpPr>
+          <p:nvPr/>
+        </p:nvCxnSpPr>
+        <p:spPr>
+          <a:xfrm>
+            <a:off x="8580120" y="2930015"/>
+            <a:ext cx="1039537" cy="0"/>
+          </a:xfrm>
+          <a:prstGeom prst="line">
+            <a:avLst/>
+          </a:prstGeom>
+          <a:ln>
+            <a:headEnd type="none" w="med" len="med"/>
+            <a:tailEnd type="arrow" w="med" len="med"/>
+          </a:ln>
+        </p:spPr>
+        <p:style>
+          <a:lnRef idx="3">
+            <a:schemeClr val="accent3"/>
+          </a:lnRef>
+          <a:fillRef idx="0">
+            <a:schemeClr val="accent3"/>
+          </a:fillRef>
+          <a:effectRef idx="2">
+            <a:schemeClr val="accent3"/>
+          </a:effectRef>
+          <a:fontRef idx="minor">
+            <a:schemeClr val="tx1"/>
+          </a:fontRef>
+        </p:style>
+      </p:cxnSp>
+      <p:cxnSp>
+        <p:nvCxnSpPr>
+          <p:cNvPr id="6" name="Straight Connector 5">
+            <a:extLst>
+              <a:ext uri="{FF2B5EF4-FFF2-40B4-BE49-F238E27FC236}">
+                <a16:creationId xmlns:a16="http://schemas.microsoft.com/office/drawing/2014/main" id="{605F2EF9-CA35-7F82-8B28-4FF00AF2B0BB}"/>
+              </a:ext>
+            </a:extLst>
+          </p:cNvPr>
+          <p:cNvCxnSpPr>
+            <a:cxnSpLocks/>
+          </p:cNvCxnSpPr>
+          <p:nvPr/>
+        </p:nvCxnSpPr>
+        <p:spPr>
+          <a:xfrm flipV="1">
+            <a:off x="8733099" y="2495136"/>
+            <a:ext cx="886558" cy="8551"/>
+          </a:xfrm>
+          <a:prstGeom prst="line">
+            <a:avLst/>
+          </a:prstGeom>
+          <a:ln>
+            <a:headEnd type="none" w="med" len="med"/>
+            <a:tailEnd type="arrow" w="med" len="med"/>
+          </a:ln>
+        </p:spPr>
+        <p:style>
+          <a:lnRef idx="3">
+            <a:schemeClr val="accent2"/>
+          </a:lnRef>
+          <a:fillRef idx="0">
+            <a:schemeClr val="accent2"/>
+          </a:fillRef>
+          <a:effectRef idx="2">
+            <a:schemeClr val="accent2"/>
+          </a:effectRef>
+          <a:fontRef idx="minor">
+            <a:schemeClr val="tx1"/>
+          </a:fontRef>
+        </p:style>
+      </p:cxnSp>
+      <p:cxnSp>
+        <p:nvCxnSpPr>
+          <p:cNvPr id="11" name="Straight Connector 10">
+            <a:extLst>
+              <a:ext uri="{FF2B5EF4-FFF2-40B4-BE49-F238E27FC236}">
+                <a16:creationId xmlns:a16="http://schemas.microsoft.com/office/drawing/2014/main" id="{1F543D89-04CB-630A-A86F-51C8D6D682F6}"/>
+              </a:ext>
+            </a:extLst>
+          </p:cNvPr>
+          <p:cNvCxnSpPr>
+            <a:cxnSpLocks/>
+          </p:cNvCxnSpPr>
+          <p:nvPr/>
+        </p:nvCxnSpPr>
+        <p:spPr>
+          <a:xfrm flipV="1">
+            <a:off x="8744223" y="917376"/>
+            <a:ext cx="0" cy="1586311"/>
+          </a:xfrm>
+          <a:prstGeom prst="line">
+            <a:avLst/>
+          </a:prstGeom>
+          <a:ln>
+            <a:headEnd type="none" w="med" len="med"/>
+            <a:tailEnd type="none" w="med" len="med"/>
+          </a:ln>
+        </p:spPr>
+        <p:style>
+          <a:lnRef idx="3">
+            <a:schemeClr val="accent6"/>
+          </a:lnRef>
+          <a:fillRef idx="0">
+            <a:schemeClr val="accent6"/>
+          </a:fillRef>
+          <a:effectRef idx="2">
+            <a:schemeClr val="accent6"/>
+          </a:effectRef>
+          <a:fontRef idx="minor">
+            <a:schemeClr val="tx1"/>
+          </a:fontRef>
+        </p:style>
+      </p:cxnSp>
+      <p:cxnSp>
+        <p:nvCxnSpPr>
+          <p:cNvPr id="12" name="Straight Connector 11">
+            <a:extLst>
+              <a:ext uri="{FF2B5EF4-FFF2-40B4-BE49-F238E27FC236}">
+                <a16:creationId xmlns:a16="http://schemas.microsoft.com/office/drawing/2014/main" id="{0DB3A7D2-6690-84EE-0625-DA555E70954C}"/>
+              </a:ext>
+            </a:extLst>
+          </p:cNvPr>
+          <p:cNvCxnSpPr>
+            <a:cxnSpLocks/>
+          </p:cNvCxnSpPr>
+          <p:nvPr/>
+        </p:nvCxnSpPr>
+        <p:spPr>
+          <a:xfrm flipV="1">
+            <a:off x="8576583" y="1046480"/>
+            <a:ext cx="0" cy="1875286"/>
+          </a:xfrm>
+          <a:prstGeom prst="line">
+            <a:avLst/>
+          </a:prstGeom>
+          <a:ln>
+            <a:headEnd type="none" w="med" len="med"/>
+            <a:tailEnd type="none" w="med" len="med"/>
+          </a:ln>
+        </p:spPr>
+        <p:style>
+          <a:lnRef idx="3">
+            <a:schemeClr val="accent3"/>
+          </a:lnRef>
+          <a:fillRef idx="0">
+            <a:schemeClr val="accent3"/>
+          </a:fillRef>
+          <a:effectRef idx="2">
+            <a:schemeClr val="accent3"/>
+          </a:effectRef>
+          <a:fontRef idx="minor">
+            <a:schemeClr val="tx1"/>
+          </a:fontRef>
+        </p:style>
+      </p:cxnSp>
+      <p:cxnSp>
+        <p:nvCxnSpPr>
+          <p:cNvPr id="17" name="Straight Connector 16">
+            <a:extLst>
+              <a:ext uri="{FF2B5EF4-FFF2-40B4-BE49-F238E27FC236}">
+                <a16:creationId xmlns:a16="http://schemas.microsoft.com/office/drawing/2014/main" id="{18110D16-31BA-0BCD-CFA0-E3AFF35452BD}"/>
+              </a:ext>
+            </a:extLst>
+          </p:cNvPr>
+          <p:cNvCxnSpPr>
+            <a:cxnSpLocks/>
+          </p:cNvCxnSpPr>
+          <p:nvPr/>
+        </p:nvCxnSpPr>
+        <p:spPr>
+          <a:xfrm flipH="1">
+            <a:off x="5626608" y="1042591"/>
+            <a:ext cx="2959786" cy="0"/>
+          </a:xfrm>
+          <a:prstGeom prst="line">
+            <a:avLst/>
+          </a:prstGeom>
+          <a:ln>
+            <a:headEnd type="none" w="med" len="med"/>
+            <a:tailEnd type="none" w="med" len="med"/>
+          </a:ln>
+        </p:spPr>
+        <p:style>
+          <a:lnRef idx="3">
+            <a:schemeClr val="accent3"/>
+          </a:lnRef>
+          <a:fillRef idx="0">
+            <a:schemeClr val="accent3"/>
+          </a:fillRef>
+          <a:effectRef idx="2">
+            <a:schemeClr val="accent3"/>
+          </a:effectRef>
+          <a:fontRef idx="minor">
+            <a:schemeClr val="tx1"/>
+          </a:fontRef>
+        </p:style>
+      </p:cxnSp>
+      <p:cxnSp>
+        <p:nvCxnSpPr>
+          <p:cNvPr id="20" name="Straight Connector 19">
+            <a:extLst>
+              <a:ext uri="{FF2B5EF4-FFF2-40B4-BE49-F238E27FC236}">
+                <a16:creationId xmlns:a16="http://schemas.microsoft.com/office/drawing/2014/main" id="{A0C0573D-01FF-BC7A-64EA-45410DED2366}"/>
+              </a:ext>
+            </a:extLst>
+          </p:cNvPr>
+          <p:cNvCxnSpPr>
+            <a:cxnSpLocks/>
+          </p:cNvCxnSpPr>
+          <p:nvPr/>
+        </p:nvCxnSpPr>
+        <p:spPr>
+          <a:xfrm flipH="1">
+            <a:off x="5462042" y="920671"/>
+            <a:ext cx="3279815" cy="0"/>
+          </a:xfrm>
+          <a:prstGeom prst="line">
+            <a:avLst/>
+          </a:prstGeom>
+          <a:ln>
+            <a:headEnd type="none" w="med" len="med"/>
+            <a:tailEnd type="none" w="med" len="med"/>
+          </a:ln>
+        </p:spPr>
+        <p:style>
+          <a:lnRef idx="3">
+            <a:schemeClr val="accent2"/>
+          </a:lnRef>
+          <a:fillRef idx="0">
+            <a:schemeClr val="accent2"/>
+          </a:fillRef>
+          <a:effectRef idx="2">
+            <a:schemeClr val="accent2"/>
+          </a:effectRef>
+          <a:fontRef idx="minor">
+            <a:schemeClr val="tx1"/>
+          </a:fontRef>
+        </p:style>
+      </p:cxnSp>
+      <p:cxnSp>
+        <p:nvCxnSpPr>
+          <p:cNvPr id="48" name="Straight Connector 47">
+            <a:extLst>
+              <a:ext uri="{FF2B5EF4-FFF2-40B4-BE49-F238E27FC236}">
+                <a16:creationId xmlns:a16="http://schemas.microsoft.com/office/drawing/2014/main" id="{91244CCE-7B09-B2C4-A4C4-075CFF7E8980}"/>
+              </a:ext>
+            </a:extLst>
+          </p:cNvPr>
+          <p:cNvCxnSpPr>
+            <a:cxnSpLocks/>
+          </p:cNvCxnSpPr>
+          <p:nvPr/>
+        </p:nvCxnSpPr>
+        <p:spPr>
+          <a:xfrm>
+            <a:off x="5620538" y="1036320"/>
+            <a:ext cx="0" cy="1279728"/>
+          </a:xfrm>
+          <a:prstGeom prst="line">
+            <a:avLst/>
+          </a:prstGeom>
+          <a:ln>
+            <a:headEnd type="none" w="med" len="med"/>
+            <a:tailEnd type="none" w="med" len="med"/>
+          </a:ln>
+        </p:spPr>
+        <p:style>
+          <a:lnRef idx="3">
+            <a:schemeClr val="accent3"/>
+          </a:lnRef>
+          <a:fillRef idx="0">
+            <a:schemeClr val="accent3"/>
+          </a:fillRef>
+          <a:effectRef idx="2">
+            <a:schemeClr val="accent3"/>
+          </a:effectRef>
+          <a:fontRef idx="minor">
+            <a:schemeClr val="tx1"/>
+          </a:fontRef>
+        </p:style>
+      </p:cxnSp>
+      <p:cxnSp>
+        <p:nvCxnSpPr>
+          <p:cNvPr id="62" name="Straight Connector 61">
+            <a:extLst>
+              <a:ext uri="{FF2B5EF4-FFF2-40B4-BE49-F238E27FC236}">
+                <a16:creationId xmlns:a16="http://schemas.microsoft.com/office/drawing/2014/main" id="{2912EDC3-9AF8-506B-A460-9A7DABC7F671}"/>
+              </a:ext>
+            </a:extLst>
+          </p:cNvPr>
+          <p:cNvCxnSpPr>
+            <a:cxnSpLocks/>
+          </p:cNvCxnSpPr>
+          <p:nvPr/>
+        </p:nvCxnSpPr>
+        <p:spPr>
+          <a:xfrm>
+            <a:off x="5448894" y="929640"/>
+            <a:ext cx="0" cy="1123663"/>
+          </a:xfrm>
+          <a:prstGeom prst="line">
+            <a:avLst/>
+          </a:prstGeom>
+          <a:ln>
+            <a:headEnd type="none" w="med" len="med"/>
+            <a:tailEnd type="none" w="med" len="med"/>
+          </a:ln>
+        </p:spPr>
+        <p:style>
+          <a:lnRef idx="3">
+            <a:schemeClr val="accent6"/>
+          </a:lnRef>
+          <a:fillRef idx="0">
+            <a:schemeClr val="accent6"/>
+          </a:fillRef>
+          <a:effectRef idx="2">
+            <a:schemeClr val="accent6"/>
+          </a:effectRef>
+          <a:fontRef idx="minor">
+            <a:schemeClr val="tx1"/>
+          </a:fontRef>
+        </p:style>
+      </p:cxnSp>
+      <p:cxnSp>
+        <p:nvCxnSpPr>
+          <p:cNvPr id="13" name="Straight Connector 12">
+            <a:extLst>
+              <a:ext uri="{FF2B5EF4-FFF2-40B4-BE49-F238E27FC236}">
+                <a16:creationId xmlns:a16="http://schemas.microsoft.com/office/drawing/2014/main" id="{C00ABFE7-C928-310A-96CD-7A11C9C7ADEF}"/>
+              </a:ext>
+            </a:extLst>
+          </p:cNvPr>
+          <p:cNvCxnSpPr>
+            <a:cxnSpLocks/>
+          </p:cNvCxnSpPr>
+          <p:nvPr/>
+        </p:nvCxnSpPr>
+        <p:spPr>
+          <a:xfrm flipH="1" flipV="1">
+            <a:off x="10236200" y="4324937"/>
+            <a:ext cx="22101" cy="2137867"/>
+          </a:xfrm>
+          <a:prstGeom prst="line">
+            <a:avLst/>
+          </a:prstGeom>
+          <a:ln>
+            <a:headEnd type="none" w="med" len="med"/>
+            <a:tailEnd type="none" w="med" len="med"/>
+          </a:ln>
+        </p:spPr>
+        <p:style>
+          <a:lnRef idx="3">
+            <a:schemeClr val="accent6"/>
+          </a:lnRef>
+          <a:fillRef idx="0">
+            <a:schemeClr val="accent6"/>
+          </a:fillRef>
+          <a:effectRef idx="2">
+            <a:schemeClr val="accent6"/>
+          </a:effectRef>
+          <a:fontRef idx="minor">
+            <a:schemeClr val="tx1"/>
+          </a:fontRef>
+        </p:style>
+      </p:cxnSp>
+      <p:sp>
+        <p:nvSpPr>
+          <p:cNvPr id="19" name="TextBox 18">
+            <a:extLst>
+              <a:ext uri="{FF2B5EF4-FFF2-40B4-BE49-F238E27FC236}">
+                <a16:creationId xmlns:a16="http://schemas.microsoft.com/office/drawing/2014/main" id="{48EAB0DB-4CDE-C074-9389-99FF0F908194}"/>
+              </a:ext>
+            </a:extLst>
+          </p:cNvPr>
+          <p:cNvSpPr txBox="1"/>
+          <p:nvPr/>
+        </p:nvSpPr>
+        <p:spPr>
+          <a:xfrm>
+            <a:off x="10017997" y="6462805"/>
+            <a:ext cx="512843" cy="169277"/>
+          </a:xfrm>
+          <a:prstGeom prst="rect">
+            <a:avLst/>
+          </a:prstGeom>
+          <a:noFill/>
+        </p:spPr>
+        <p:txBody>
+          <a:bodyPr wrap="square">
+            <a:spAutoFit/>
+          </a:bodyPr>
+          <a:lstStyle/>
+          <a:p>
+            <a:r>
+              <a:rPr lang="vi-VN" sz="500" dirty="0"/>
+              <a:t>IMU - SDA</a:t>
+            </a:r>
+            <a:endParaRPr lang="en-US" sz="500" dirty="0"/>
+          </a:p>
+        </p:txBody>
+      </p:sp>
+      <p:sp>
+        <p:nvSpPr>
+          <p:cNvPr id="21" name="TextBox 20">
+            <a:extLst>
+              <a:ext uri="{FF2B5EF4-FFF2-40B4-BE49-F238E27FC236}">
+                <a16:creationId xmlns:a16="http://schemas.microsoft.com/office/drawing/2014/main" id="{DD074A39-607E-CF95-9979-C9C4CAB55205}"/>
+              </a:ext>
+            </a:extLst>
+          </p:cNvPr>
+          <p:cNvSpPr txBox="1"/>
+          <p:nvPr/>
+        </p:nvSpPr>
+        <p:spPr>
+          <a:xfrm>
+            <a:off x="8911195" y="6477901"/>
+            <a:ext cx="496801" cy="169277"/>
+          </a:xfrm>
+          <a:prstGeom prst="rect">
+            <a:avLst/>
+          </a:prstGeom>
+          <a:noFill/>
+        </p:spPr>
+        <p:txBody>
+          <a:bodyPr wrap="square">
+            <a:spAutoFit/>
+          </a:bodyPr>
+          <a:lstStyle/>
+          <a:p>
+            <a:r>
+              <a:rPr lang="vi-VN" sz="500" dirty="0"/>
+              <a:t>IMU - SCL</a:t>
+            </a:r>
+            <a:endParaRPr lang="en-US" sz="500" dirty="0"/>
+          </a:p>
+        </p:txBody>
+      </p:sp>
+      <p:sp>
+        <p:nvSpPr>
+          <p:cNvPr id="25" name="Rectangle 24">
+            <a:extLst>
+              <a:ext uri="{FF2B5EF4-FFF2-40B4-BE49-F238E27FC236}">
+                <a16:creationId xmlns:a16="http://schemas.microsoft.com/office/drawing/2014/main" id="{94C209D0-5CD7-5D18-A07F-5E97949663F3}"/>
+              </a:ext>
+            </a:extLst>
+          </p:cNvPr>
+          <p:cNvSpPr/>
+          <p:nvPr/>
+        </p:nvSpPr>
+        <p:spPr>
+          <a:xfrm>
+            <a:off x="9357360" y="6468821"/>
+            <a:ext cx="707488" cy="225001"/>
+          </a:xfrm>
+          <a:prstGeom prst="rect">
+            <a:avLst/>
+          </a:prstGeom>
+        </p:spPr>
+        <p:style>
+          <a:lnRef idx="2">
+            <a:schemeClr val="accent1">
+              <a:shade val="15000"/>
+            </a:schemeClr>
+          </a:lnRef>
+          <a:fillRef idx="1">
+            <a:schemeClr val="accent1"/>
+          </a:fillRef>
+          <a:effectRef idx="0">
+            <a:schemeClr val="accent1"/>
+          </a:effectRef>
+          <a:fontRef idx="minor">
+            <a:schemeClr val="lt1"/>
+          </a:fontRef>
+        </p:style>
+        <p:txBody>
+          <a:bodyPr rtlCol="0" anchor="ctr"/>
+          <a:lstStyle/>
+          <a:p>
+            <a:pPr algn="ctr"/>
+            <a:endParaRPr lang="en-US"/>
+          </a:p>
+        </p:txBody>
+      </p:sp>
+      <p:sp>
+        <p:nvSpPr>
+          <p:cNvPr id="28" name="TextBox 27">
+            <a:extLst>
+              <a:ext uri="{FF2B5EF4-FFF2-40B4-BE49-F238E27FC236}">
+                <a16:creationId xmlns:a16="http://schemas.microsoft.com/office/drawing/2014/main" id="{3A022CF8-28CE-A4D5-6584-D87F88767E37}"/>
+              </a:ext>
+            </a:extLst>
+          </p:cNvPr>
+          <p:cNvSpPr txBox="1"/>
+          <p:nvPr/>
+        </p:nvSpPr>
+        <p:spPr>
+          <a:xfrm>
+            <a:off x="9080500" y="5905335"/>
+            <a:ext cx="502920" cy="169277"/>
+          </a:xfrm>
+          <a:prstGeom prst="rect">
+            <a:avLst/>
+          </a:prstGeom>
+          <a:noFill/>
+        </p:spPr>
+        <p:txBody>
+          <a:bodyPr wrap="square">
+            <a:spAutoFit/>
+          </a:bodyPr>
+          <a:lstStyle/>
+          <a:p>
+            <a:r>
+              <a:rPr lang="vi-VN" sz="500" dirty="0"/>
+              <a:t>UART - TX</a:t>
+            </a:r>
+            <a:endParaRPr lang="en-US" sz="500" dirty="0"/>
+          </a:p>
+        </p:txBody>
+      </p:sp>
+      <p:sp>
+        <p:nvSpPr>
+          <p:cNvPr id="43" name="TextBox 42">
+            <a:extLst>
+              <a:ext uri="{FF2B5EF4-FFF2-40B4-BE49-F238E27FC236}">
+                <a16:creationId xmlns:a16="http://schemas.microsoft.com/office/drawing/2014/main" id="{76495F91-0C5A-12BC-796A-182C2388774E}"/>
+              </a:ext>
+            </a:extLst>
+          </p:cNvPr>
+          <p:cNvSpPr txBox="1"/>
+          <p:nvPr/>
+        </p:nvSpPr>
+        <p:spPr>
+          <a:xfrm>
+            <a:off x="9747526" y="5896000"/>
+            <a:ext cx="508405" cy="169277"/>
+          </a:xfrm>
+          <a:prstGeom prst="rect">
+            <a:avLst/>
+          </a:prstGeom>
+          <a:noFill/>
+        </p:spPr>
+        <p:txBody>
+          <a:bodyPr wrap="square">
+            <a:spAutoFit/>
+          </a:bodyPr>
+          <a:lstStyle/>
+          <a:p>
+            <a:r>
+              <a:rPr lang="vi-VN" sz="500" dirty="0"/>
+              <a:t>UART - RX</a:t>
+            </a:r>
+            <a:endParaRPr lang="en-US" sz="500" dirty="0"/>
+          </a:p>
+        </p:txBody>
+      </p:sp>
+      <p:sp>
+        <p:nvSpPr>
+          <p:cNvPr id="46" name="Rectangle 45">
+            <a:extLst>
+              <a:ext uri="{FF2B5EF4-FFF2-40B4-BE49-F238E27FC236}">
+                <a16:creationId xmlns:a16="http://schemas.microsoft.com/office/drawing/2014/main" id="{CA8A31C4-A88E-4D61-80A0-75AEC25768D9}"/>
+              </a:ext>
+            </a:extLst>
+          </p:cNvPr>
+          <p:cNvSpPr/>
+          <p:nvPr/>
+        </p:nvSpPr>
+        <p:spPr>
+          <a:xfrm>
+            <a:off x="9343559" y="6065270"/>
+            <a:ext cx="708439" cy="225001"/>
+          </a:xfrm>
+          <a:prstGeom prst="rect">
+            <a:avLst/>
+          </a:prstGeom>
+        </p:spPr>
+        <p:style>
+          <a:lnRef idx="2">
+            <a:schemeClr val="accent1">
+              <a:shade val="15000"/>
+            </a:schemeClr>
+          </a:lnRef>
+          <a:fillRef idx="1">
+            <a:schemeClr val="accent1"/>
+          </a:fillRef>
+          <a:effectRef idx="0">
+            <a:schemeClr val="accent1"/>
+          </a:effectRef>
+          <a:fontRef idx="minor">
+            <a:schemeClr val="lt1"/>
+          </a:fontRef>
+        </p:style>
+        <p:txBody>
+          <a:bodyPr rtlCol="0" anchor="ctr"/>
+          <a:lstStyle/>
+          <a:p>
+            <a:pPr algn="ctr"/>
+            <a:endParaRPr lang="en-US"/>
+          </a:p>
+        </p:txBody>
+      </p:sp>
+      <p:cxnSp>
+        <p:nvCxnSpPr>
+          <p:cNvPr id="3" name="Straight Connector 2">
+            <a:extLst>
+              <a:ext uri="{FF2B5EF4-FFF2-40B4-BE49-F238E27FC236}">
+                <a16:creationId xmlns:a16="http://schemas.microsoft.com/office/drawing/2014/main" id="{64C27E83-2C14-C33D-079B-AF944BEDEE67}"/>
+              </a:ext>
+            </a:extLst>
+          </p:cNvPr>
+          <p:cNvCxnSpPr>
+            <a:cxnSpLocks/>
+          </p:cNvCxnSpPr>
+          <p:nvPr/>
+        </p:nvCxnSpPr>
+        <p:spPr>
+          <a:xfrm flipH="1" flipV="1">
+            <a:off x="7449395" y="2807531"/>
+            <a:ext cx="331784" cy="7008"/>
+          </a:xfrm>
+          <a:prstGeom prst="line">
+            <a:avLst/>
+          </a:prstGeom>
+          <a:ln>
+            <a:headEnd type="none" w="med" len="med"/>
+            <a:tailEnd type="arrow" w="med" len="med"/>
+          </a:ln>
+        </p:spPr>
+        <p:style>
+          <a:lnRef idx="3">
+            <a:schemeClr val="accent3"/>
+          </a:lnRef>
+          <a:fillRef idx="0">
+            <a:schemeClr val="accent3"/>
+          </a:fillRef>
+          <a:effectRef idx="2">
+            <a:schemeClr val="accent3"/>
+          </a:effectRef>
+          <a:fontRef idx="minor">
+            <a:schemeClr val="tx1"/>
+          </a:fontRef>
+        </p:style>
+      </p:cxnSp>
+      <p:cxnSp>
+        <p:nvCxnSpPr>
+          <p:cNvPr id="4" name="Straight Connector 3">
+            <a:extLst>
+              <a:ext uri="{FF2B5EF4-FFF2-40B4-BE49-F238E27FC236}">
+                <a16:creationId xmlns:a16="http://schemas.microsoft.com/office/drawing/2014/main" id="{46D01839-F146-EB27-33C5-B4B91D4F2AC0}"/>
+              </a:ext>
+            </a:extLst>
+          </p:cNvPr>
+          <p:cNvCxnSpPr>
+            <a:cxnSpLocks/>
+          </p:cNvCxnSpPr>
+          <p:nvPr/>
+        </p:nvCxnSpPr>
+        <p:spPr>
+          <a:xfrm flipH="1" flipV="1">
+            <a:off x="7449395" y="2605867"/>
+            <a:ext cx="499883" cy="8644"/>
+          </a:xfrm>
+          <a:prstGeom prst="line">
+            <a:avLst/>
+          </a:prstGeom>
+          <a:ln>
+            <a:headEnd type="none" w="med" len="med"/>
+            <a:tailEnd type="arrow" w="med" len="med"/>
+          </a:ln>
+        </p:spPr>
+        <p:style>
+          <a:lnRef idx="3">
+            <a:schemeClr val="accent2"/>
+          </a:lnRef>
+          <a:fillRef idx="0">
+            <a:schemeClr val="accent2"/>
+          </a:fillRef>
+          <a:effectRef idx="2">
+            <a:schemeClr val="accent2"/>
+          </a:effectRef>
+          <a:fontRef idx="minor">
+            <a:schemeClr val="tx1"/>
+          </a:fontRef>
+        </p:style>
+      </p:cxnSp>
+      <p:cxnSp>
+        <p:nvCxnSpPr>
+          <p:cNvPr id="7" name="Straight Connector 6">
+            <a:extLst>
+              <a:ext uri="{FF2B5EF4-FFF2-40B4-BE49-F238E27FC236}">
+                <a16:creationId xmlns:a16="http://schemas.microsoft.com/office/drawing/2014/main" id="{1D6FB68B-C776-2DF7-513C-480EB7607735}"/>
+              </a:ext>
+            </a:extLst>
+          </p:cNvPr>
+          <p:cNvCxnSpPr>
+            <a:cxnSpLocks/>
+          </p:cNvCxnSpPr>
+          <p:nvPr/>
+        </p:nvCxnSpPr>
+        <p:spPr>
+          <a:xfrm flipV="1">
+            <a:off x="7947219" y="2624094"/>
+            <a:ext cx="0" cy="2410186"/>
+          </a:xfrm>
+          <a:prstGeom prst="line">
+            <a:avLst/>
+          </a:prstGeom>
+          <a:ln>
+            <a:headEnd type="none" w="med" len="med"/>
+            <a:tailEnd type="none" w="med" len="med"/>
+          </a:ln>
+        </p:spPr>
+        <p:style>
+          <a:lnRef idx="3">
+            <a:schemeClr val="accent6"/>
+          </a:lnRef>
+          <a:fillRef idx="0">
+            <a:schemeClr val="accent6"/>
+          </a:fillRef>
+          <a:effectRef idx="2">
+            <a:schemeClr val="accent6"/>
+          </a:effectRef>
+          <a:fontRef idx="minor">
+            <a:schemeClr val="tx1"/>
+          </a:fontRef>
+        </p:style>
+      </p:cxnSp>
+      <p:cxnSp>
+        <p:nvCxnSpPr>
+          <p:cNvPr id="24" name="Straight Connector 23">
+            <a:extLst>
+              <a:ext uri="{FF2B5EF4-FFF2-40B4-BE49-F238E27FC236}">
+                <a16:creationId xmlns:a16="http://schemas.microsoft.com/office/drawing/2014/main" id="{14E2DA56-3D23-32F6-04D0-972CD20CF7B2}"/>
+              </a:ext>
+            </a:extLst>
+          </p:cNvPr>
+          <p:cNvCxnSpPr>
+            <a:cxnSpLocks/>
+          </p:cNvCxnSpPr>
+          <p:nvPr/>
+        </p:nvCxnSpPr>
+        <p:spPr>
+          <a:xfrm flipV="1">
+            <a:off x="7779579" y="2805866"/>
+            <a:ext cx="0" cy="2125597"/>
+          </a:xfrm>
+          <a:prstGeom prst="line">
+            <a:avLst/>
+          </a:prstGeom>
+          <a:ln>
+            <a:headEnd type="none" w="med" len="med"/>
+            <a:tailEnd type="none" w="med" len="med"/>
+          </a:ln>
+        </p:spPr>
+        <p:style>
+          <a:lnRef idx="3">
+            <a:schemeClr val="accent3"/>
+          </a:lnRef>
+          <a:fillRef idx="0">
+            <a:schemeClr val="accent3"/>
+          </a:fillRef>
+          <a:effectRef idx="2">
+            <a:schemeClr val="accent3"/>
+          </a:effectRef>
+          <a:fontRef idx="minor">
+            <a:schemeClr val="tx1"/>
+          </a:fontRef>
+        </p:style>
+      </p:cxnSp>
+      <p:cxnSp>
+        <p:nvCxnSpPr>
+          <p:cNvPr id="29" name="Straight Connector 28">
+            <a:extLst>
+              <a:ext uri="{FF2B5EF4-FFF2-40B4-BE49-F238E27FC236}">
+                <a16:creationId xmlns:a16="http://schemas.microsoft.com/office/drawing/2014/main" id="{6E24EC54-A0C0-9ABE-C5DF-DDC41CF360FF}"/>
+              </a:ext>
+            </a:extLst>
+          </p:cNvPr>
+          <p:cNvCxnSpPr>
+            <a:cxnSpLocks/>
+          </p:cNvCxnSpPr>
+          <p:nvPr/>
+        </p:nvCxnSpPr>
+        <p:spPr>
+          <a:xfrm>
+            <a:off x="6404931" y="4931463"/>
+            <a:ext cx="1384417" cy="0"/>
+          </a:xfrm>
+          <a:prstGeom prst="line">
+            <a:avLst/>
+          </a:prstGeom>
+          <a:ln>
+            <a:headEnd type="none" w="med" len="med"/>
+            <a:tailEnd type="none" w="med" len="med"/>
+          </a:ln>
+        </p:spPr>
+        <p:style>
+          <a:lnRef idx="3">
+            <a:schemeClr val="accent3"/>
+          </a:lnRef>
+          <a:fillRef idx="0">
+            <a:schemeClr val="accent3"/>
+          </a:fillRef>
+          <a:effectRef idx="2">
+            <a:schemeClr val="accent3"/>
+          </a:effectRef>
+          <a:fontRef idx="minor">
+            <a:schemeClr val="tx1"/>
+          </a:fontRef>
+        </p:style>
+      </p:cxnSp>
+      <p:cxnSp>
+        <p:nvCxnSpPr>
+          <p:cNvPr id="30" name="Straight Connector 29">
+            <a:extLst>
+              <a:ext uri="{FF2B5EF4-FFF2-40B4-BE49-F238E27FC236}">
+                <a16:creationId xmlns:a16="http://schemas.microsoft.com/office/drawing/2014/main" id="{F4BE71A4-0BC8-E47D-C2AB-657F559BDAA7}"/>
+              </a:ext>
+            </a:extLst>
+          </p:cNvPr>
+          <p:cNvCxnSpPr>
+            <a:cxnSpLocks/>
+          </p:cNvCxnSpPr>
+          <p:nvPr/>
+        </p:nvCxnSpPr>
+        <p:spPr>
+          <a:xfrm>
+            <a:off x="6167120" y="5043881"/>
+            <a:ext cx="1789241" cy="0"/>
+          </a:xfrm>
+          <a:prstGeom prst="line">
+            <a:avLst/>
+          </a:prstGeom>
+          <a:ln>
+            <a:headEnd type="none" w="med" len="med"/>
+            <a:tailEnd type="none" w="med" len="med"/>
+          </a:ln>
+        </p:spPr>
+        <p:style>
+          <a:lnRef idx="3">
+            <a:schemeClr val="accent2"/>
+          </a:lnRef>
+          <a:fillRef idx="0">
+            <a:schemeClr val="accent2"/>
+          </a:fillRef>
+          <a:effectRef idx="2">
+            <a:schemeClr val="accent2"/>
+          </a:effectRef>
+          <a:fontRef idx="minor">
+            <a:schemeClr val="tx1"/>
+          </a:fontRef>
+        </p:style>
+      </p:cxnSp>
+      <p:cxnSp>
+        <p:nvCxnSpPr>
+          <p:cNvPr id="41" name="Straight Connector 40">
+            <a:extLst>
+              <a:ext uri="{FF2B5EF4-FFF2-40B4-BE49-F238E27FC236}">
+                <a16:creationId xmlns:a16="http://schemas.microsoft.com/office/drawing/2014/main" id="{10D26F3C-6DD9-1D61-7855-2B24D7E0A554}"/>
+              </a:ext>
+            </a:extLst>
+          </p:cNvPr>
+          <p:cNvCxnSpPr>
+            <a:cxnSpLocks/>
+          </p:cNvCxnSpPr>
+          <p:nvPr/>
+        </p:nvCxnSpPr>
+        <p:spPr>
+          <a:xfrm>
+            <a:off x="6407606" y="2997278"/>
+            <a:ext cx="22190" cy="1932529"/>
+          </a:xfrm>
+          <a:prstGeom prst="line">
+            <a:avLst/>
+          </a:prstGeom>
+          <a:ln>
+            <a:headEnd type="none" w="med" len="med"/>
+            <a:tailEnd type="none" w="med" len="med"/>
+          </a:ln>
+        </p:spPr>
+        <p:style>
+          <a:lnRef idx="3">
+            <a:schemeClr val="accent3"/>
+          </a:lnRef>
+          <a:fillRef idx="0">
+            <a:schemeClr val="accent3"/>
+          </a:fillRef>
+          <a:effectRef idx="2">
+            <a:schemeClr val="accent3"/>
+          </a:effectRef>
+          <a:fontRef idx="minor">
+            <a:schemeClr val="tx1"/>
+          </a:fontRef>
+        </p:style>
+      </p:cxnSp>
+      <p:cxnSp>
+        <p:nvCxnSpPr>
+          <p:cNvPr id="45" name="Straight Connector 44">
+            <a:extLst>
+              <a:ext uri="{FF2B5EF4-FFF2-40B4-BE49-F238E27FC236}">
+                <a16:creationId xmlns:a16="http://schemas.microsoft.com/office/drawing/2014/main" id="{C08FF69F-663E-164B-F014-1CE0414746F2}"/>
+              </a:ext>
+            </a:extLst>
+          </p:cNvPr>
+          <p:cNvCxnSpPr>
+            <a:cxnSpLocks/>
+          </p:cNvCxnSpPr>
+          <p:nvPr/>
+        </p:nvCxnSpPr>
+        <p:spPr>
+          <a:xfrm>
+            <a:off x="6152474" y="2415885"/>
+            <a:ext cx="23699" cy="2642037"/>
+          </a:xfrm>
+          <a:prstGeom prst="line">
+            <a:avLst/>
+          </a:prstGeom>
+          <a:ln>
+            <a:headEnd type="none" w="med" len="med"/>
+            <a:tailEnd type="none" w="med" len="med"/>
+          </a:ln>
+        </p:spPr>
+        <p:style>
+          <a:lnRef idx="3">
+            <a:schemeClr val="accent6"/>
+          </a:lnRef>
+          <a:fillRef idx="0">
+            <a:schemeClr val="accent6"/>
+          </a:fillRef>
+          <a:effectRef idx="2">
+            <a:schemeClr val="accent6"/>
+          </a:effectRef>
+          <a:fontRef idx="minor">
+            <a:schemeClr val="tx1"/>
+          </a:fontRef>
+        </p:style>
+      </p:cxnSp>
+      <p:cxnSp>
+        <p:nvCxnSpPr>
+          <p:cNvPr id="453" name="Straight Connector 452">
+            <a:extLst>
+              <a:ext uri="{FF2B5EF4-FFF2-40B4-BE49-F238E27FC236}">
+                <a16:creationId xmlns:a16="http://schemas.microsoft.com/office/drawing/2014/main" id="{585ED745-65E4-103E-2E78-1214B3DBB4B2}"/>
+              </a:ext>
+            </a:extLst>
+          </p:cNvPr>
+          <p:cNvCxnSpPr>
+            <a:cxnSpLocks/>
+          </p:cNvCxnSpPr>
+          <p:nvPr/>
+        </p:nvCxnSpPr>
+        <p:spPr>
+          <a:xfrm>
+            <a:off x="6639326" y="2477509"/>
+            <a:ext cx="720925" cy="0"/>
+          </a:xfrm>
+          <a:prstGeom prst="line">
+            <a:avLst/>
+          </a:prstGeom>
+          <a:ln>
+            <a:headEnd type="none" w="med" len="med"/>
+            <a:tailEnd type="arrow" w="med" len="med"/>
+          </a:ln>
+        </p:spPr>
+        <p:style>
+          <a:lnRef idx="3">
+            <a:schemeClr val="dk1"/>
+          </a:lnRef>
+          <a:fillRef idx="0">
+            <a:schemeClr val="dk1"/>
+          </a:fillRef>
+          <a:effectRef idx="2">
+            <a:schemeClr val="dk1"/>
+          </a:effectRef>
+          <a:fontRef idx="minor">
+            <a:schemeClr val="tx1"/>
+          </a:fontRef>
+        </p:style>
+      </p:cxnSp>
+      <p:cxnSp>
+        <p:nvCxnSpPr>
+          <p:cNvPr id="456" name="Straight Connector 455">
+            <a:extLst>
+              <a:ext uri="{FF2B5EF4-FFF2-40B4-BE49-F238E27FC236}">
+                <a16:creationId xmlns:a16="http://schemas.microsoft.com/office/drawing/2014/main" id="{D1F33D88-8B46-E128-1CAC-9050B6381996}"/>
+              </a:ext>
+            </a:extLst>
+          </p:cNvPr>
+          <p:cNvCxnSpPr>
+            <a:cxnSpLocks/>
+          </p:cNvCxnSpPr>
+          <p:nvPr/>
+        </p:nvCxnSpPr>
+        <p:spPr>
+          <a:xfrm>
+            <a:off x="4020161" y="4127500"/>
+            <a:ext cx="0" cy="96533"/>
+          </a:xfrm>
+          <a:prstGeom prst="line">
+            <a:avLst/>
+          </a:prstGeom>
+          <a:ln>
+            <a:headEnd type="none" w="med" len="med"/>
+            <a:tailEnd type="arrow" w="med" len="med"/>
+          </a:ln>
+        </p:spPr>
+        <p:style>
+          <a:lnRef idx="3">
+            <a:schemeClr val="accent6"/>
+          </a:lnRef>
+          <a:fillRef idx="0">
+            <a:schemeClr val="accent6"/>
+          </a:fillRef>
+          <a:effectRef idx="2">
+            <a:schemeClr val="accent6"/>
+          </a:effectRef>
+          <a:fontRef idx="minor">
+            <a:schemeClr val="tx1"/>
+          </a:fontRef>
+        </p:style>
+      </p:cxnSp>
+      <p:cxnSp>
+        <p:nvCxnSpPr>
+          <p:cNvPr id="459" name="Straight Connector 458">
+            <a:extLst>
+              <a:ext uri="{FF2B5EF4-FFF2-40B4-BE49-F238E27FC236}">
+                <a16:creationId xmlns:a16="http://schemas.microsoft.com/office/drawing/2014/main" id="{209F6601-79A2-F18D-FF09-77C74CC551C2}"/>
+              </a:ext>
+            </a:extLst>
+          </p:cNvPr>
+          <p:cNvCxnSpPr>
+            <a:cxnSpLocks/>
+          </p:cNvCxnSpPr>
+          <p:nvPr/>
+        </p:nvCxnSpPr>
+        <p:spPr>
+          <a:xfrm flipH="1">
+            <a:off x="4012564" y="4115657"/>
+            <a:ext cx="783412" cy="0"/>
+          </a:xfrm>
+          <a:prstGeom prst="line">
+            <a:avLst/>
+          </a:prstGeom>
+          <a:ln>
+            <a:headEnd type="none" w="med" len="med"/>
+            <a:tailEnd type="none" w="med" len="med"/>
+          </a:ln>
+        </p:spPr>
+        <p:style>
+          <a:lnRef idx="3">
+            <a:schemeClr val="accent2"/>
+          </a:lnRef>
+          <a:fillRef idx="0">
+            <a:schemeClr val="accent2"/>
+          </a:fillRef>
+          <a:effectRef idx="2">
+            <a:schemeClr val="accent2"/>
+          </a:effectRef>
+          <a:fontRef idx="minor">
+            <a:schemeClr val="tx1"/>
+          </a:fontRef>
+        </p:style>
+      </p:cxnSp>
+      <p:cxnSp>
+        <p:nvCxnSpPr>
+          <p:cNvPr id="462" name="Straight Connector 461">
+            <a:extLst>
+              <a:ext uri="{FF2B5EF4-FFF2-40B4-BE49-F238E27FC236}">
+                <a16:creationId xmlns:a16="http://schemas.microsoft.com/office/drawing/2014/main" id="{F35369AB-824E-A348-7606-934547D831D0}"/>
+              </a:ext>
+            </a:extLst>
+          </p:cNvPr>
+          <p:cNvCxnSpPr>
+            <a:cxnSpLocks/>
+          </p:cNvCxnSpPr>
+          <p:nvPr/>
+        </p:nvCxnSpPr>
+        <p:spPr>
+          <a:xfrm>
+            <a:off x="3926027" y="4051998"/>
+            <a:ext cx="6961" cy="171575"/>
+          </a:xfrm>
+          <a:prstGeom prst="line">
+            <a:avLst/>
+          </a:prstGeom>
+          <a:ln>
+            <a:headEnd type="none" w="med" len="med"/>
+            <a:tailEnd type="arrow" w="med" len="med"/>
+          </a:ln>
+        </p:spPr>
+        <p:style>
+          <a:lnRef idx="3">
+            <a:schemeClr val="accent6"/>
+          </a:lnRef>
+          <a:fillRef idx="0">
+            <a:schemeClr val="accent6"/>
+          </a:fillRef>
+          <a:effectRef idx="2">
+            <a:schemeClr val="accent6"/>
+          </a:effectRef>
+          <a:fontRef idx="minor">
+            <a:schemeClr val="tx1"/>
+          </a:fontRef>
+        </p:style>
+      </p:cxnSp>
+      <p:cxnSp>
+        <p:nvCxnSpPr>
+          <p:cNvPr id="466" name="Straight Connector 465">
+            <a:extLst>
+              <a:ext uri="{FF2B5EF4-FFF2-40B4-BE49-F238E27FC236}">
+                <a16:creationId xmlns:a16="http://schemas.microsoft.com/office/drawing/2014/main" id="{5082E028-64DA-3DD8-6782-9F24D91EB0F0}"/>
+              </a:ext>
+            </a:extLst>
+          </p:cNvPr>
+          <p:cNvCxnSpPr>
+            <a:cxnSpLocks/>
+          </p:cNvCxnSpPr>
+          <p:nvPr/>
+        </p:nvCxnSpPr>
+        <p:spPr>
+          <a:xfrm flipH="1">
+            <a:off x="3926027" y="4051998"/>
+            <a:ext cx="1032053" cy="0"/>
+          </a:xfrm>
+          <a:prstGeom prst="line">
+            <a:avLst/>
+          </a:prstGeom>
+          <a:ln>
+            <a:headEnd type="none" w="med" len="med"/>
+            <a:tailEnd type="none" w="med" len="med"/>
+          </a:ln>
+        </p:spPr>
+        <p:style>
+          <a:lnRef idx="3">
+            <a:schemeClr val="accent2"/>
+          </a:lnRef>
+          <a:fillRef idx="0">
+            <a:schemeClr val="accent2"/>
+          </a:fillRef>
+          <a:effectRef idx="2">
+            <a:schemeClr val="accent2"/>
+          </a:effectRef>
+          <a:fontRef idx="minor">
+            <a:schemeClr val="tx1"/>
+          </a:fontRef>
+        </p:style>
+      </p:cxnSp>
+      <p:cxnSp>
+        <p:nvCxnSpPr>
+          <p:cNvPr id="470" name="Straight Connector 469">
+            <a:extLst>
+              <a:ext uri="{FF2B5EF4-FFF2-40B4-BE49-F238E27FC236}">
+                <a16:creationId xmlns:a16="http://schemas.microsoft.com/office/drawing/2014/main" id="{E27CB86D-4257-F18F-E341-3AA1E483CF8F}"/>
+              </a:ext>
+            </a:extLst>
+          </p:cNvPr>
+          <p:cNvCxnSpPr>
+            <a:cxnSpLocks/>
+          </p:cNvCxnSpPr>
+          <p:nvPr/>
+        </p:nvCxnSpPr>
+        <p:spPr>
+          <a:xfrm>
+            <a:off x="4795976" y="4119664"/>
+            <a:ext cx="0" cy="1143216"/>
+          </a:xfrm>
+          <a:prstGeom prst="line">
+            <a:avLst/>
+          </a:prstGeom>
+          <a:ln>
+            <a:headEnd type="none" w="med" len="med"/>
+            <a:tailEnd type="none" w="med" len="med"/>
+          </a:ln>
+        </p:spPr>
+        <p:style>
+          <a:lnRef idx="3">
+            <a:schemeClr val="accent6"/>
+          </a:lnRef>
+          <a:fillRef idx="0">
+            <a:schemeClr val="accent6"/>
+          </a:fillRef>
+          <a:effectRef idx="2">
+            <a:schemeClr val="accent6"/>
+          </a:effectRef>
+          <a:fontRef idx="minor">
+            <a:schemeClr val="tx1"/>
+          </a:fontRef>
+        </p:style>
+      </p:cxnSp>
+      <p:cxnSp>
+        <p:nvCxnSpPr>
+          <p:cNvPr id="476" name="Straight Connector 475">
+            <a:extLst>
+              <a:ext uri="{FF2B5EF4-FFF2-40B4-BE49-F238E27FC236}">
+                <a16:creationId xmlns:a16="http://schemas.microsoft.com/office/drawing/2014/main" id="{465A7141-3198-F323-3627-D67B806504E5}"/>
+              </a:ext>
+            </a:extLst>
+          </p:cNvPr>
+          <p:cNvCxnSpPr>
+            <a:cxnSpLocks/>
+          </p:cNvCxnSpPr>
+          <p:nvPr/>
+        </p:nvCxnSpPr>
+        <p:spPr>
+          <a:xfrm flipH="1">
+            <a:off x="4956569" y="4051998"/>
+            <a:ext cx="1511" cy="1456080"/>
+          </a:xfrm>
+          <a:prstGeom prst="line">
+            <a:avLst/>
+          </a:prstGeom>
+          <a:ln>
+            <a:headEnd type="none" w="med" len="med"/>
+            <a:tailEnd type="none" w="med" len="med"/>
+          </a:ln>
+        </p:spPr>
+        <p:style>
+          <a:lnRef idx="3">
+            <a:schemeClr val="accent6"/>
+          </a:lnRef>
+          <a:fillRef idx="0">
+            <a:schemeClr val="accent6"/>
+          </a:fillRef>
+          <a:effectRef idx="2">
+            <a:schemeClr val="accent6"/>
+          </a:effectRef>
+          <a:fontRef idx="minor">
+            <a:schemeClr val="tx1"/>
+          </a:fontRef>
+        </p:style>
+      </p:cxnSp>
+      <p:cxnSp>
+        <p:nvCxnSpPr>
+          <p:cNvPr id="481" name="Straight Connector 480">
+            <a:extLst>
+              <a:ext uri="{FF2B5EF4-FFF2-40B4-BE49-F238E27FC236}">
+                <a16:creationId xmlns:a16="http://schemas.microsoft.com/office/drawing/2014/main" id="{AE23306F-4AE7-AE7B-9673-0B793537FDE0}"/>
+              </a:ext>
+            </a:extLst>
+          </p:cNvPr>
+          <p:cNvCxnSpPr>
+            <a:cxnSpLocks/>
+          </p:cNvCxnSpPr>
+          <p:nvPr/>
+        </p:nvCxnSpPr>
+        <p:spPr>
+          <a:xfrm>
+            <a:off x="3838138" y="4119413"/>
+            <a:ext cx="0" cy="96533"/>
+          </a:xfrm>
+          <a:prstGeom prst="line">
+            <a:avLst/>
+          </a:prstGeom>
+          <a:ln>
+            <a:headEnd type="none" w="med" len="med"/>
+            <a:tailEnd type="arrow" w="med" len="med"/>
+          </a:ln>
+        </p:spPr>
+        <p:style>
+          <a:lnRef idx="3">
+            <a:schemeClr val="accent6"/>
+          </a:lnRef>
+          <a:fillRef idx="0">
+            <a:schemeClr val="accent6"/>
+          </a:fillRef>
+          <a:effectRef idx="2">
+            <a:schemeClr val="accent6"/>
+          </a:effectRef>
+          <a:fontRef idx="minor">
+            <a:schemeClr val="tx1"/>
+          </a:fontRef>
+        </p:style>
+      </p:cxnSp>
+      <p:cxnSp>
+        <p:nvCxnSpPr>
+          <p:cNvPr id="482" name="Straight Connector 481">
+            <a:extLst>
+              <a:ext uri="{FF2B5EF4-FFF2-40B4-BE49-F238E27FC236}">
+                <a16:creationId xmlns:a16="http://schemas.microsoft.com/office/drawing/2014/main" id="{0C7F012B-11CE-BA30-D2CA-89218B303881}"/>
+              </a:ext>
+            </a:extLst>
+          </p:cNvPr>
+          <p:cNvCxnSpPr>
+            <a:cxnSpLocks/>
+          </p:cNvCxnSpPr>
+          <p:nvPr/>
+        </p:nvCxnSpPr>
+        <p:spPr>
+          <a:xfrm flipH="1">
+            <a:off x="3064916" y="4115657"/>
+            <a:ext cx="783412" cy="0"/>
+          </a:xfrm>
+          <a:prstGeom prst="line">
+            <a:avLst/>
+          </a:prstGeom>
+          <a:ln>
+            <a:headEnd type="none" w="med" len="med"/>
+            <a:tailEnd type="none" w="med" len="med"/>
+          </a:ln>
+        </p:spPr>
+        <p:style>
+          <a:lnRef idx="3">
+            <a:schemeClr val="accent2"/>
+          </a:lnRef>
+          <a:fillRef idx="0">
+            <a:schemeClr val="accent2"/>
+          </a:fillRef>
+          <a:effectRef idx="2">
+            <a:schemeClr val="accent2"/>
+          </a:effectRef>
+          <a:fontRef idx="minor">
+            <a:schemeClr val="tx1"/>
+          </a:fontRef>
+        </p:style>
+      </p:cxnSp>
+      <p:cxnSp>
+        <p:nvCxnSpPr>
+          <p:cNvPr id="484" name="Straight Connector 483">
+            <a:extLst>
+              <a:ext uri="{FF2B5EF4-FFF2-40B4-BE49-F238E27FC236}">
+                <a16:creationId xmlns:a16="http://schemas.microsoft.com/office/drawing/2014/main" id="{6A93333B-16D0-4FEE-D5F4-A5A5AEAB3EC1}"/>
+              </a:ext>
+            </a:extLst>
+          </p:cNvPr>
+          <p:cNvCxnSpPr>
+            <a:cxnSpLocks/>
+          </p:cNvCxnSpPr>
+          <p:nvPr/>
+        </p:nvCxnSpPr>
+        <p:spPr>
+          <a:xfrm flipV="1">
+            <a:off x="3077312" y="4099888"/>
+            <a:ext cx="0" cy="1482664"/>
+          </a:xfrm>
+          <a:prstGeom prst="line">
+            <a:avLst/>
+          </a:prstGeom>
+          <a:ln>
+            <a:headEnd type="none" w="med" len="med"/>
+            <a:tailEnd type="none" w="med" len="med"/>
+          </a:ln>
+        </p:spPr>
+        <p:style>
+          <a:lnRef idx="3">
+            <a:schemeClr val="accent6"/>
+          </a:lnRef>
+          <a:fillRef idx="0">
+            <a:schemeClr val="accent6"/>
+          </a:fillRef>
+          <a:effectRef idx="2">
+            <a:schemeClr val="accent6"/>
+          </a:effectRef>
+          <a:fontRef idx="minor">
+            <a:schemeClr val="tx1"/>
+          </a:fontRef>
+        </p:style>
+      </p:cxnSp>
+      <p:cxnSp>
+        <p:nvCxnSpPr>
+          <p:cNvPr id="490" name="Straight Connector 489">
+            <a:extLst>
+              <a:ext uri="{FF2B5EF4-FFF2-40B4-BE49-F238E27FC236}">
+                <a16:creationId xmlns:a16="http://schemas.microsoft.com/office/drawing/2014/main" id="{343EF0A5-C677-0EBB-B085-C0C343F8A8D2}"/>
+              </a:ext>
+            </a:extLst>
+          </p:cNvPr>
+          <p:cNvCxnSpPr>
+            <a:cxnSpLocks/>
+          </p:cNvCxnSpPr>
+          <p:nvPr/>
+        </p:nvCxnSpPr>
+        <p:spPr>
+          <a:xfrm>
+            <a:off x="3657826" y="1250932"/>
+            <a:ext cx="23816" cy="2991128"/>
+          </a:xfrm>
+          <a:prstGeom prst="line">
+            <a:avLst/>
+          </a:prstGeom>
+          <a:ln>
+            <a:headEnd type="none" w="med" len="med"/>
+            <a:tailEnd type="arrow" w="med" len="med"/>
+          </a:ln>
+        </p:spPr>
+        <p:style>
+          <a:lnRef idx="3">
+            <a:schemeClr val="accent6"/>
+          </a:lnRef>
+          <a:fillRef idx="0">
+            <a:schemeClr val="accent6"/>
+          </a:fillRef>
+          <a:effectRef idx="2">
+            <a:schemeClr val="accent6"/>
+          </a:effectRef>
+          <a:fontRef idx="minor">
+            <a:schemeClr val="tx1"/>
+          </a:fontRef>
+        </p:style>
+      </p:cxnSp>
+      <p:cxnSp>
+        <p:nvCxnSpPr>
+          <p:cNvPr id="499" name="Straight Connector 498">
+            <a:extLst>
+              <a:ext uri="{FF2B5EF4-FFF2-40B4-BE49-F238E27FC236}">
+                <a16:creationId xmlns:a16="http://schemas.microsoft.com/office/drawing/2014/main" id="{1ABBF875-40CE-2DDE-3C8A-7695FB4BD061}"/>
+              </a:ext>
+            </a:extLst>
+          </p:cNvPr>
+          <p:cNvCxnSpPr>
+            <a:cxnSpLocks/>
+          </p:cNvCxnSpPr>
+          <p:nvPr/>
+        </p:nvCxnSpPr>
+        <p:spPr>
+          <a:xfrm>
+            <a:off x="2519131" y="1243022"/>
+            <a:ext cx="1145572" cy="0"/>
+          </a:xfrm>
+          <a:prstGeom prst="line">
+            <a:avLst/>
+          </a:prstGeom>
+          <a:ln>
+            <a:headEnd type="none" w="med" len="med"/>
+            <a:tailEnd type="none" w="med" len="med"/>
+          </a:ln>
+        </p:spPr>
+        <p:style>
+          <a:lnRef idx="3">
+            <a:schemeClr val="accent2"/>
+          </a:lnRef>
+          <a:fillRef idx="0">
+            <a:schemeClr val="accent2"/>
+          </a:fillRef>
+          <a:effectRef idx="2">
+            <a:schemeClr val="accent2"/>
+          </a:effectRef>
+          <a:fontRef idx="minor">
+            <a:schemeClr val="tx1"/>
+          </a:fontRef>
+        </p:style>
+      </p:cxnSp>
+      <p:cxnSp>
+        <p:nvCxnSpPr>
+          <p:cNvPr id="502" name="Straight Connector 501">
+            <a:extLst>
+              <a:ext uri="{FF2B5EF4-FFF2-40B4-BE49-F238E27FC236}">
+                <a16:creationId xmlns:a16="http://schemas.microsoft.com/office/drawing/2014/main" id="{DD14358F-FCF0-EF8C-0333-277DBF8E40BF}"/>
+              </a:ext>
+            </a:extLst>
+          </p:cNvPr>
+          <p:cNvCxnSpPr>
+            <a:cxnSpLocks/>
+          </p:cNvCxnSpPr>
+          <p:nvPr/>
+        </p:nvCxnSpPr>
+        <p:spPr>
+          <a:xfrm flipH="1" flipV="1">
+            <a:off x="2517587" y="1250001"/>
+            <a:ext cx="35113" cy="4516448"/>
+          </a:xfrm>
+          <a:prstGeom prst="line">
+            <a:avLst/>
+          </a:prstGeom>
+          <a:ln>
+            <a:headEnd type="none" w="med" len="med"/>
+            <a:tailEnd type="none" w="med" len="med"/>
+          </a:ln>
+        </p:spPr>
+        <p:style>
+          <a:lnRef idx="3">
+            <a:schemeClr val="accent6"/>
+          </a:lnRef>
+          <a:fillRef idx="0">
+            <a:schemeClr val="accent6"/>
+          </a:fillRef>
+          <a:effectRef idx="2">
+            <a:schemeClr val="accent6"/>
+          </a:effectRef>
+          <a:fontRef idx="minor">
+            <a:schemeClr val="tx1"/>
+          </a:fontRef>
+        </p:style>
+      </p:cxnSp>
+      <p:sp>
+        <p:nvSpPr>
+          <p:cNvPr id="510" name="Rectangle 509">
+            <a:extLst>
+              <a:ext uri="{FF2B5EF4-FFF2-40B4-BE49-F238E27FC236}">
+                <a16:creationId xmlns:a16="http://schemas.microsoft.com/office/drawing/2014/main" id="{6AAA2F13-AAE2-CA6C-77FF-5610F47C2933}"/>
+              </a:ext>
+            </a:extLst>
+          </p:cNvPr>
+          <p:cNvSpPr/>
+          <p:nvPr/>
+        </p:nvSpPr>
+        <p:spPr>
+          <a:xfrm>
+            <a:off x="4558691" y="53750"/>
+            <a:ext cx="2631945" cy="257222"/>
+          </a:xfrm>
+          <a:prstGeom prst="rect">
+            <a:avLst/>
+          </a:prstGeom>
+        </p:spPr>
+        <p:style>
+          <a:lnRef idx="2">
+            <a:schemeClr val="accent1">
+              <a:shade val="15000"/>
+            </a:schemeClr>
+          </a:lnRef>
+          <a:fillRef idx="1">
+            <a:schemeClr val="accent1"/>
+          </a:fillRef>
+          <a:effectRef idx="0">
+            <a:schemeClr val="accent1"/>
+          </a:effectRef>
+          <a:fontRef idx="minor">
+            <a:schemeClr val="lt1"/>
+          </a:fontRef>
+        </p:style>
+        <p:txBody>
+          <a:bodyPr rtlCol="0" anchor="ctr"/>
+          <a:lstStyle/>
+          <a:p>
+            <a:pPr algn="ctr"/>
+            <a:r>
+              <a:rPr lang="en-US" dirty="0"/>
+              <a:t>1 2 3 4 5 6 7 8 9 10 11 12 </a:t>
+            </a:r>
+          </a:p>
+        </p:txBody>
+      </p:sp>
+      <p:sp>
+        <p:nvSpPr>
+          <p:cNvPr id="511" name="Rectangle 510">
+            <a:extLst>
+              <a:ext uri="{FF2B5EF4-FFF2-40B4-BE49-F238E27FC236}">
+                <a16:creationId xmlns:a16="http://schemas.microsoft.com/office/drawing/2014/main" id="{F906E255-14E3-0D36-6C71-499C873A3336}"/>
+              </a:ext>
+            </a:extLst>
+          </p:cNvPr>
+          <p:cNvSpPr/>
+          <p:nvPr/>
+        </p:nvSpPr>
+        <p:spPr>
+          <a:xfrm>
+            <a:off x="4536890" y="6014471"/>
+            <a:ext cx="2631945" cy="257222"/>
+          </a:xfrm>
+          <a:prstGeom prst="rect">
+            <a:avLst/>
+          </a:prstGeom>
+        </p:spPr>
+        <p:style>
+          <a:lnRef idx="2">
+            <a:schemeClr val="accent1">
+              <a:shade val="15000"/>
+            </a:schemeClr>
+          </a:lnRef>
+          <a:fillRef idx="1">
+            <a:schemeClr val="accent1"/>
+          </a:fillRef>
+          <a:effectRef idx="0">
+            <a:schemeClr val="accent1"/>
+          </a:effectRef>
+          <a:fontRef idx="minor">
+            <a:schemeClr val="lt1"/>
+          </a:fontRef>
+        </p:style>
+        <p:txBody>
+          <a:bodyPr rtlCol="0" anchor="ctr"/>
+          <a:lstStyle/>
+          <a:p>
+            <a:pPr algn="ctr"/>
+            <a:r>
+              <a:rPr lang="en-US" dirty="0"/>
+              <a:t>1 2 3 4 5 6 7 8 9 10 11 12 </a:t>
+            </a:r>
+          </a:p>
+        </p:txBody>
+      </p:sp>
+      <p:sp>
+        <p:nvSpPr>
+          <p:cNvPr id="2" name="TextBox 1">
+            <a:extLst>
+              <a:ext uri="{FF2B5EF4-FFF2-40B4-BE49-F238E27FC236}">
+                <a16:creationId xmlns:a16="http://schemas.microsoft.com/office/drawing/2014/main" id="{5FE95DD7-9A75-9889-84F1-E0E5DCDE26D3}"/>
+              </a:ext>
+            </a:extLst>
+          </p:cNvPr>
+          <p:cNvSpPr txBox="1"/>
+          <p:nvPr/>
+        </p:nvSpPr>
+        <p:spPr>
+          <a:xfrm>
+            <a:off x="680289" y="573024"/>
+            <a:ext cx="1250920" cy="369332"/>
+          </a:xfrm>
+          <a:prstGeom prst="rect">
+            <a:avLst/>
+          </a:prstGeom>
+          <a:noFill/>
+        </p:spPr>
+        <p:txBody>
+          <a:bodyPr wrap="none" rtlCol="0">
+            <a:spAutoFit/>
+          </a:bodyPr>
+          <a:lstStyle/>
+          <a:p>
+            <a:r>
+              <a:rPr lang="en-US" dirty="0"/>
+              <a:t>Conflict pin</a:t>
+            </a:r>
+          </a:p>
+        </p:txBody>
+      </p:sp>
+      <p:sp>
+        <p:nvSpPr>
+          <p:cNvPr id="9" name="TextBox 8">
+            <a:extLst>
+              <a:ext uri="{FF2B5EF4-FFF2-40B4-BE49-F238E27FC236}">
+                <a16:creationId xmlns:a16="http://schemas.microsoft.com/office/drawing/2014/main" id="{8928F367-1B20-231A-52A9-D6435D568ACA}"/>
+              </a:ext>
+            </a:extLst>
+          </p:cNvPr>
+          <p:cNvSpPr txBox="1"/>
+          <p:nvPr/>
+        </p:nvSpPr>
+        <p:spPr>
+          <a:xfrm>
+            <a:off x="4812416" y="2529266"/>
+            <a:ext cx="628698" cy="230832"/>
+          </a:xfrm>
+          <a:prstGeom prst="rect">
+            <a:avLst/>
+          </a:prstGeom>
+          <a:noFill/>
+        </p:spPr>
+        <p:txBody>
+          <a:bodyPr wrap="none" rtlCol="0">
+            <a:spAutoFit/>
+          </a:bodyPr>
+          <a:lstStyle/>
+          <a:p>
+            <a:r>
+              <a:rPr lang="en-US" sz="900" dirty="0"/>
+              <a:t>PWM M3</a:t>
+            </a:r>
+          </a:p>
+        </p:txBody>
+      </p:sp>
+      <p:sp>
+        <p:nvSpPr>
+          <p:cNvPr id="14" name="TextBox 13">
+            <a:extLst>
+              <a:ext uri="{FF2B5EF4-FFF2-40B4-BE49-F238E27FC236}">
+                <a16:creationId xmlns:a16="http://schemas.microsoft.com/office/drawing/2014/main" id="{C7545DA6-0EBD-04B1-C597-8FE6B5E0EC85}"/>
+              </a:ext>
+            </a:extLst>
+          </p:cNvPr>
+          <p:cNvSpPr txBox="1"/>
+          <p:nvPr/>
+        </p:nvSpPr>
+        <p:spPr>
+          <a:xfrm>
+            <a:off x="4833344" y="2705402"/>
+            <a:ext cx="752129" cy="230832"/>
+          </a:xfrm>
+          <a:prstGeom prst="rect">
+            <a:avLst/>
+          </a:prstGeom>
+          <a:noFill/>
+        </p:spPr>
+        <p:txBody>
+          <a:bodyPr wrap="none" rtlCol="0">
+            <a:spAutoFit/>
+          </a:bodyPr>
+          <a:lstStyle/>
+          <a:p>
+            <a:r>
+              <a:rPr lang="en-US" sz="900" dirty="0"/>
+              <a:t>Encoder M3</a:t>
+            </a:r>
+          </a:p>
+        </p:txBody>
+      </p:sp>
+      <p:sp>
+        <p:nvSpPr>
+          <p:cNvPr id="15" name="TextBox 14">
+            <a:extLst>
+              <a:ext uri="{FF2B5EF4-FFF2-40B4-BE49-F238E27FC236}">
+                <a16:creationId xmlns:a16="http://schemas.microsoft.com/office/drawing/2014/main" id="{D4BD1923-640C-291B-8CB3-AD87DE36B3F8}"/>
+              </a:ext>
+            </a:extLst>
+          </p:cNvPr>
+          <p:cNvSpPr txBox="1"/>
+          <p:nvPr/>
+        </p:nvSpPr>
+        <p:spPr>
+          <a:xfrm>
+            <a:off x="4646671" y="925427"/>
+            <a:ext cx="752129" cy="230832"/>
+          </a:xfrm>
+          <a:prstGeom prst="rect">
+            <a:avLst/>
+          </a:prstGeom>
+          <a:noFill/>
+        </p:spPr>
+        <p:txBody>
+          <a:bodyPr wrap="none" rtlCol="0">
+            <a:spAutoFit/>
+          </a:bodyPr>
+          <a:lstStyle/>
+          <a:p>
+            <a:r>
+              <a:rPr lang="en-US" sz="900" dirty="0"/>
+              <a:t>Encoder M3</a:t>
+            </a:r>
+          </a:p>
+        </p:txBody>
+      </p:sp>
+      <p:sp>
+        <p:nvSpPr>
+          <p:cNvPr id="16" name="TextBox 15">
+            <a:extLst>
+              <a:ext uri="{FF2B5EF4-FFF2-40B4-BE49-F238E27FC236}">
+                <a16:creationId xmlns:a16="http://schemas.microsoft.com/office/drawing/2014/main" id="{1990832D-0654-5E72-E3E4-5A75A2EF1C36}"/>
+              </a:ext>
+            </a:extLst>
+          </p:cNvPr>
+          <p:cNvSpPr txBox="1"/>
+          <p:nvPr/>
+        </p:nvSpPr>
+        <p:spPr>
+          <a:xfrm>
+            <a:off x="4776874" y="2101134"/>
+            <a:ext cx="628698" cy="230832"/>
+          </a:xfrm>
+          <a:prstGeom prst="rect">
+            <a:avLst/>
+          </a:prstGeom>
+          <a:noFill/>
+        </p:spPr>
+        <p:txBody>
+          <a:bodyPr wrap="none" rtlCol="0">
+            <a:spAutoFit/>
+          </a:bodyPr>
+          <a:lstStyle/>
+          <a:p>
+            <a:r>
+              <a:rPr lang="en-US" sz="900" dirty="0"/>
+              <a:t>PWM M4</a:t>
+            </a:r>
+          </a:p>
+        </p:txBody>
+      </p:sp>
+      <p:sp>
+        <p:nvSpPr>
+          <p:cNvPr id="18" name="TextBox 17">
+            <a:extLst>
+              <a:ext uri="{FF2B5EF4-FFF2-40B4-BE49-F238E27FC236}">
+                <a16:creationId xmlns:a16="http://schemas.microsoft.com/office/drawing/2014/main" id="{25503F43-A451-18F2-375D-4B7B4AD2F48F}"/>
+              </a:ext>
+            </a:extLst>
+          </p:cNvPr>
+          <p:cNvSpPr txBox="1"/>
+          <p:nvPr/>
+        </p:nvSpPr>
+        <p:spPr>
+          <a:xfrm>
+            <a:off x="4667001" y="1083240"/>
+            <a:ext cx="752129" cy="230832"/>
+          </a:xfrm>
+          <a:prstGeom prst="rect">
+            <a:avLst/>
+          </a:prstGeom>
+          <a:noFill/>
+        </p:spPr>
+        <p:txBody>
+          <a:bodyPr wrap="none" rtlCol="0">
+            <a:spAutoFit/>
+          </a:bodyPr>
+          <a:lstStyle/>
+          <a:p>
+            <a:r>
+              <a:rPr lang="en-US" sz="900" dirty="0"/>
+              <a:t>Encoder M4</a:t>
+            </a:r>
+          </a:p>
+        </p:txBody>
+      </p:sp>
+      <p:sp>
+        <p:nvSpPr>
+          <p:cNvPr id="23" name="TextBox 22">
+            <a:extLst>
+              <a:ext uri="{FF2B5EF4-FFF2-40B4-BE49-F238E27FC236}">
+                <a16:creationId xmlns:a16="http://schemas.microsoft.com/office/drawing/2014/main" id="{BC247890-6069-3ACA-7EE2-F2B52F440153}"/>
+              </a:ext>
+            </a:extLst>
+          </p:cNvPr>
+          <p:cNvSpPr txBox="1"/>
+          <p:nvPr/>
+        </p:nvSpPr>
+        <p:spPr>
+          <a:xfrm>
+            <a:off x="4836819" y="2832217"/>
+            <a:ext cx="752129" cy="230832"/>
+          </a:xfrm>
+          <a:prstGeom prst="rect">
+            <a:avLst/>
+          </a:prstGeom>
+          <a:noFill/>
+        </p:spPr>
+        <p:txBody>
+          <a:bodyPr wrap="none" rtlCol="0">
+            <a:spAutoFit/>
+          </a:bodyPr>
+          <a:lstStyle/>
+          <a:p>
+            <a:r>
+              <a:rPr lang="en-US" sz="900" dirty="0"/>
+              <a:t>Encoder M4</a:t>
+            </a:r>
+          </a:p>
+        </p:txBody>
+      </p:sp>
+      <p:sp>
+        <p:nvSpPr>
+          <p:cNvPr id="26" name="TextBox 25">
+            <a:extLst>
+              <a:ext uri="{FF2B5EF4-FFF2-40B4-BE49-F238E27FC236}">
+                <a16:creationId xmlns:a16="http://schemas.microsoft.com/office/drawing/2014/main" id="{41FFA5EB-255C-EC00-DF0F-829BC2130E5E}"/>
+              </a:ext>
+            </a:extLst>
+          </p:cNvPr>
+          <p:cNvSpPr txBox="1"/>
+          <p:nvPr/>
+        </p:nvSpPr>
+        <p:spPr>
+          <a:xfrm>
+            <a:off x="215491" y="985917"/>
+            <a:ext cx="2089418" cy="1815882"/>
+          </a:xfrm>
+          <a:prstGeom prst="rect">
+            <a:avLst/>
+          </a:prstGeom>
+          <a:noFill/>
+        </p:spPr>
+        <p:txBody>
+          <a:bodyPr wrap="square" rtlCol="0">
+            <a:spAutoFit/>
+          </a:bodyPr>
+          <a:lstStyle/>
+          <a:p>
+            <a:r>
+              <a:rPr lang="en-US" sz="1400" dirty="0"/>
+              <a:t>Encoder M4 </a:t>
+            </a:r>
+            <a:r>
+              <a:rPr lang="vi-VN" sz="1400" dirty="0"/>
+              <a:t>nhiễu</a:t>
+            </a:r>
+            <a:endParaRPr lang="en-US" sz="1400" dirty="0"/>
+          </a:p>
+          <a:p>
+            <a:r>
+              <a:rPr lang="en-US" sz="1400" dirty="0"/>
+              <a:t>Khi M3 quay </a:t>
+            </a:r>
+            <a:r>
+              <a:rPr lang="en-US" sz="1400" dirty="0" err="1"/>
+              <a:t>theo</a:t>
+            </a:r>
+            <a:r>
+              <a:rPr lang="en-US" sz="1400" dirty="0"/>
+              <a:t> </a:t>
+            </a:r>
+            <a:r>
+              <a:rPr lang="vi-VN" sz="1400" dirty="0"/>
+              <a:t>chiều âm, M3 và M4 nhiễu nhau</a:t>
+            </a:r>
+          </a:p>
+          <a:p>
+            <a:r>
+              <a:rPr lang="vi-VN" sz="1400" dirty="0"/>
+              <a:t>Chiều dương ko lỗi</a:t>
+            </a:r>
+          </a:p>
+          <a:p>
+            <a:endParaRPr lang="vi-VN" sz="1400" dirty="0"/>
+          </a:p>
+          <a:p>
+            <a:r>
+              <a:rPr lang="vi-VN" sz="1400" dirty="0"/>
+              <a:t>Action: Check 2 chân encoder</a:t>
+            </a:r>
+            <a:endParaRPr lang="en-US" sz="1400" dirty="0"/>
+          </a:p>
+        </p:txBody>
+      </p:sp>
+    </p:spTree>
+    <p:extLst>
+      <p:ext uri="{BB962C8B-B14F-4D97-AF65-F5344CB8AC3E}">
+        <p14:creationId xmlns:p14="http://schemas.microsoft.com/office/powerpoint/2010/main" val="1380818899"/>
       </p:ext>
     </p:extLst>
   </p:cSld>
